--- a/ppt_slides/prepare_ELM2017_26MAY2017.pptx
+++ b/ppt_slides/prepare_ELM2017_26MAY2017.pptx
@@ -18,15 +18,15 @@
     <p:sldId id="298" r:id="rId9"/>
     <p:sldId id="290" r:id="rId10"/>
     <p:sldId id="294" r:id="rId11"/>
-    <p:sldId id="315" r:id="rId12"/>
-    <p:sldId id="322" r:id="rId13"/>
-    <p:sldId id="325" r:id="rId14"/>
-    <p:sldId id="326" r:id="rId15"/>
-    <p:sldId id="295" r:id="rId16"/>
-    <p:sldId id="304" r:id="rId17"/>
-    <p:sldId id="307" r:id="rId18"/>
-    <p:sldId id="320" r:id="rId19"/>
-    <p:sldId id="308" r:id="rId20"/>
+    <p:sldId id="331" r:id="rId12"/>
+    <p:sldId id="332" r:id="rId13"/>
+    <p:sldId id="315" r:id="rId14"/>
+    <p:sldId id="322" r:id="rId15"/>
+    <p:sldId id="325" r:id="rId16"/>
+    <p:sldId id="326" r:id="rId17"/>
+    <p:sldId id="295" r:id="rId18"/>
+    <p:sldId id="304" r:id="rId19"/>
+    <p:sldId id="320" r:id="rId20"/>
     <p:sldId id="321" r:id="rId21"/>
     <p:sldId id="301" r:id="rId22"/>
     <p:sldId id="302" r:id="rId23"/>
@@ -6446,6 +6446,976 @@
           </a:p>
         </p:txBody>
       </p:sp>
+      <p:sp>
+        <p:nvSpPr>
+          <p:cNvPr id="3" name="내용 개체 틀 2"/>
+          <p:cNvSpPr>
+            <a:spLocks noGrp="1"/>
+          </p:cNvSpPr>
+          <p:nvPr>
+            <p:ph idx="1"/>
+          </p:nvPr>
+        </p:nvSpPr>
+        <p:spPr>
+          <a:xfrm>
+            <a:off x="838200" y="1363847"/>
+            <a:ext cx="10515600" cy="5284922"/>
+          </a:xfrm>
+        </p:spPr>
+        <p:txBody>
+          <a:bodyPr/>
+          <a:lstStyle/>
+          <a:p>
+            <a:r>
+              <a:rPr kumimoji="1" lang="en-US" altLang="ko-KR" dirty="0">
+                <a:latin typeface="Arial" charset="0"/>
+                <a:ea typeface="Arial" charset="0"/>
+                <a:cs typeface="Arial" charset="0"/>
+              </a:rPr>
+              <a:t>Pre-processing </a:t>
+            </a:r>
+            <a:r>
+              <a:rPr kumimoji="1" lang="en-US" altLang="ko-KR" dirty="0" smtClean="0">
+                <a:latin typeface="Arial" charset="0"/>
+                <a:ea typeface="Arial" charset="0"/>
+                <a:cs typeface="Arial" charset="0"/>
+              </a:rPr>
+              <a:t>processes </a:t>
+            </a:r>
+            <a:r>
+              <a:rPr kumimoji="1" lang="en-US" altLang="ko-KR" dirty="0" smtClean="0">
+                <a:latin typeface="Arial" charset="0"/>
+                <a:ea typeface="Arial" charset="0"/>
+                <a:cs typeface="Arial" charset="0"/>
+              </a:rPr>
+              <a:t>:</a:t>
+            </a:r>
+          </a:p>
+          <a:p>
+            <a:pPr lvl="1"/>
+            <a:r>
+              <a:rPr kumimoji="1" lang="en-US" altLang="ko-KR" dirty="0" smtClean="0">
+                <a:latin typeface="Arial" charset="0"/>
+                <a:ea typeface="Arial" charset="0"/>
+                <a:cs typeface="Arial" charset="0"/>
+              </a:rPr>
+              <a:t>Pearson’s Correlation Coefficient</a:t>
+            </a:r>
+            <a:endParaRPr kumimoji="1" lang="en-US" altLang="ko-KR" dirty="0" smtClean="0">
+              <a:latin typeface="Arial" charset="0"/>
+              <a:ea typeface="Arial" charset="0"/>
+              <a:cs typeface="Arial" charset="0"/>
+            </a:endParaRPr>
+          </a:p>
+          <a:p>
+            <a:endParaRPr kumimoji="1" lang="en-US" altLang="ko-KR" dirty="0">
+              <a:latin typeface="Arial" charset="0"/>
+              <a:ea typeface="Arial" charset="0"/>
+              <a:cs typeface="Arial" charset="0"/>
+            </a:endParaRPr>
+          </a:p>
+        </p:txBody>
+      </p:sp>
+      <p:cxnSp>
+        <p:nvCxnSpPr>
+          <p:cNvPr id="5" name="직선 연결선[R] 4"/>
+          <p:cNvCxnSpPr/>
+          <p:nvPr/>
+        </p:nvCxnSpPr>
+        <p:spPr>
+          <a:xfrm>
+            <a:off x="838200" y="1133882"/>
+            <a:ext cx="10515600" cy="0"/>
+          </a:xfrm>
+          <a:prstGeom prst="line">
+            <a:avLst/>
+          </a:prstGeom>
+          <a:ln w="40132" cmpd="sng">
+            <a:solidFill>
+              <a:schemeClr val="accent1">
+                <a:lumMod val="60000"/>
+                <a:lumOff val="40000"/>
+              </a:schemeClr>
+            </a:solidFill>
+          </a:ln>
+        </p:spPr>
+        <p:style>
+          <a:lnRef idx="1">
+            <a:schemeClr val="accent1"/>
+          </a:lnRef>
+          <a:fillRef idx="0">
+            <a:schemeClr val="accent1"/>
+          </a:fillRef>
+          <a:effectRef idx="0">
+            <a:schemeClr val="accent1"/>
+          </a:effectRef>
+          <a:fontRef idx="minor">
+            <a:schemeClr val="tx1"/>
+          </a:fontRef>
+        </p:style>
+      </p:cxnSp>
+      <p:pic>
+        <p:nvPicPr>
+          <p:cNvPr id="6" name="그림 5"/>
+          <p:cNvPicPr>
+            <a:picLocks noChangeAspect="1"/>
+          </p:cNvPicPr>
+          <p:nvPr/>
+        </p:nvPicPr>
+        <p:blipFill>
+          <a:blip r:embed="rId2">
+            <a:extLst>
+              <a:ext uri="{28A0092B-C50C-407E-A947-70E740481C1C}">
+                <a14:useLocalDpi xmlns:a14="http://schemas.microsoft.com/office/drawing/2010/main" val="0"/>
+              </a:ext>
+            </a:extLst>
+          </a:blip>
+          <a:stretch>
+            <a:fillRect/>
+          </a:stretch>
+        </p:blipFill>
+        <p:spPr>
+          <a:xfrm>
+            <a:off x="2721263" y="2097406"/>
+            <a:ext cx="6749473" cy="4640263"/>
+          </a:xfrm>
+          <a:prstGeom prst="rect">
+            <a:avLst/>
+          </a:prstGeom>
+        </p:spPr>
+      </p:pic>
+    </p:spTree>
+    <p:extLst>
+      <p:ext uri="{BB962C8B-B14F-4D97-AF65-F5344CB8AC3E}">
+        <p14:creationId xmlns:p14="http://schemas.microsoft.com/office/powerpoint/2010/main" val="1265887395"/>
+      </p:ext>
+    </p:extLst>
+  </p:cSld>
+  <p:clrMapOvr>
+    <a:masterClrMapping/>
+  </p:clrMapOvr>
+</p:sld>
+</file>
+
+<file path=ppt/slides/slide12.xml><?xml version="1.0" encoding="utf-8"?>
+<p:sld xmlns:a="http://schemas.openxmlformats.org/drawingml/2006/main" xmlns:r="http://schemas.openxmlformats.org/officeDocument/2006/relationships" xmlns:p="http://schemas.openxmlformats.org/presentationml/2006/main">
+  <p:cSld>
+    <p:spTree>
+      <p:nvGrpSpPr>
+        <p:cNvPr id="1" name=""/>
+        <p:cNvGrpSpPr/>
+        <p:nvPr/>
+      </p:nvGrpSpPr>
+      <p:grpSpPr>
+        <a:xfrm>
+          <a:off x="0" y="0"/>
+          <a:ext cx="0" cy="0"/>
+          <a:chOff x="0" y="0"/>
+          <a:chExt cx="0" cy="0"/>
+        </a:xfrm>
+      </p:grpSpPr>
+      <p:sp>
+        <p:nvSpPr>
+          <p:cNvPr id="2" name="제목 1"/>
+          <p:cNvSpPr>
+            <a:spLocks noGrp="1"/>
+          </p:cNvSpPr>
+          <p:nvPr>
+            <p:ph type="title"/>
+          </p:nvPr>
+        </p:nvSpPr>
+        <p:spPr>
+          <a:xfrm>
+            <a:off x="838200" y="272138"/>
+            <a:ext cx="10515600" cy="688760"/>
+          </a:xfrm>
+        </p:spPr>
+        <p:txBody>
+          <a:bodyPr>
+            <a:normAutofit fontScale="90000"/>
+          </a:bodyPr>
+          <a:lstStyle/>
+          <a:p>
+            <a:r>
+              <a:rPr kumimoji="1" lang="en-US" altLang="ko-KR" dirty="0" smtClean="0">
+                <a:latin typeface="Arial" charset="0"/>
+                <a:ea typeface="Arial" charset="0"/>
+                <a:cs typeface="Arial" charset="0"/>
+              </a:rPr>
+              <a:t>Developed structure in this paper</a:t>
+            </a:r>
+            <a:endParaRPr kumimoji="1" lang="ko-KR" altLang="en-US" dirty="0">
+              <a:latin typeface="Arial" charset="0"/>
+              <a:ea typeface="Arial" charset="0"/>
+              <a:cs typeface="Arial" charset="0"/>
+            </a:endParaRPr>
+          </a:p>
+        </p:txBody>
+      </p:sp>
+      <mc:AlternateContent xmlns:mc="http://schemas.openxmlformats.org/markup-compatibility/2006">
+        <mc:Choice xmlns:a14="http://schemas.microsoft.com/office/drawing/2010/main" Requires="a14">
+          <p:sp>
+            <p:nvSpPr>
+              <p:cNvPr id="3" name="내용 개체 틀 2"/>
+              <p:cNvSpPr>
+                <a:spLocks noGrp="1"/>
+              </p:cNvSpPr>
+              <p:nvPr>
+                <p:ph idx="1"/>
+              </p:nvPr>
+            </p:nvSpPr>
+            <p:spPr>
+              <a:xfrm>
+                <a:off x="838200" y="1363847"/>
+                <a:ext cx="10515600" cy="5284922"/>
+              </a:xfrm>
+            </p:spPr>
+            <p:txBody>
+              <a:bodyPr/>
+              <a:lstStyle/>
+              <a:p>
+                <a:r>
+                  <a:rPr kumimoji="1" lang="en-US" altLang="ko-KR" dirty="0" smtClean="0">
+                    <a:solidFill>
+                      <a:schemeClr val="tx1"/>
+                    </a:solidFill>
+                    <a:latin typeface="Arial" charset="0"/>
+                    <a:ea typeface="Arial" charset="0"/>
+                    <a:cs typeface="Arial" charset="0"/>
+                  </a:rPr>
+                  <a:t>Pre-processing </a:t>
+                </a:r>
+                <a:r>
+                  <a:rPr kumimoji="1" lang="en-US" altLang="ko-KR" dirty="0" smtClean="0">
+                    <a:solidFill>
+                      <a:schemeClr val="tx1"/>
+                    </a:solidFill>
+                    <a:latin typeface="Arial" charset="0"/>
+                    <a:ea typeface="Arial" charset="0"/>
+                    <a:cs typeface="Arial" charset="0"/>
+                  </a:rPr>
+                  <a:t>processes </a:t>
+                </a:r>
+                <a:r>
+                  <a:rPr kumimoji="1" lang="en-US" altLang="ko-KR" dirty="0" smtClean="0">
+                    <a:solidFill>
+                      <a:schemeClr val="tx1"/>
+                    </a:solidFill>
+                    <a:latin typeface="Arial" charset="0"/>
+                    <a:ea typeface="Arial" charset="0"/>
+                    <a:cs typeface="Arial" charset="0"/>
+                  </a:rPr>
+                  <a:t>:</a:t>
+                </a:r>
+              </a:p>
+              <a:p>
+                <a:pPr lvl="1"/>
+                <a:r>
+                  <a:rPr kumimoji="1" lang="en-US" altLang="ko-KR" dirty="0" smtClean="0">
+                    <a:solidFill>
+                      <a:schemeClr val="tx1"/>
+                    </a:solidFill>
+                    <a:latin typeface="Arial" charset="0"/>
+                    <a:ea typeface="Arial" charset="0"/>
+                    <a:cs typeface="Arial" charset="0"/>
+                  </a:rPr>
+                  <a:t>Pearson’s Correlation Coefficient</a:t>
+                </a:r>
+              </a:p>
+              <a:p>
+                <a:pPr lvl="1"/>
+                <a:endParaRPr kumimoji="1" lang="en-US" altLang="ko-KR" dirty="0" smtClean="0">
+                  <a:solidFill>
+                    <a:schemeClr val="tx1"/>
+                  </a:solidFill>
+                  <a:latin typeface="Arial" charset="0"/>
+                  <a:ea typeface="Arial" charset="0"/>
+                  <a:cs typeface="Arial" charset="0"/>
+                </a:endParaRPr>
+              </a:p>
+              <a:p>
+                <a:pPr lvl="2"/>
+                <a:r>
+                  <a:rPr kumimoji="1" lang="en-US" altLang="ko-KR" dirty="0" smtClean="0">
+                    <a:solidFill>
+                      <a:schemeClr val="tx1"/>
+                    </a:solidFill>
+                    <a:latin typeface="Arial" charset="0"/>
+                    <a:ea typeface="Arial" charset="0"/>
+                    <a:cs typeface="Arial" charset="0"/>
+                  </a:rPr>
+                  <a:t>Through PCC </a:t>
+                </a:r>
+                <a:r>
+                  <a:rPr kumimoji="1" lang="en-US" altLang="ko-KR" dirty="0">
+                    <a:solidFill>
+                      <a:schemeClr val="tx1"/>
+                    </a:solidFill>
+                    <a:latin typeface="Arial" charset="0"/>
+                    <a:ea typeface="Arial" charset="0"/>
+                    <a:cs typeface="Arial" charset="0"/>
+                  </a:rPr>
+                  <a:t>data trend, it is possible to observe the power consumption which changes in a weekly cycle and the power consumption which changes according to the seasonal change in </a:t>
+                </a:r>
+                <a:r>
+                  <a:rPr kumimoji="1" lang="en-US" altLang="ko-KR" dirty="0" smtClean="0">
+                    <a:latin typeface="Arial" charset="0"/>
+                    <a:ea typeface="Arial" charset="0"/>
+                    <a:cs typeface="Arial" charset="0"/>
+                  </a:rPr>
+                  <a:t>an</a:t>
+                </a:r>
+                <a:r>
+                  <a:rPr kumimoji="1" lang="en-US" altLang="ko-KR" dirty="0" smtClean="0">
+                    <a:solidFill>
+                      <a:schemeClr val="tx1"/>
+                    </a:solidFill>
+                    <a:latin typeface="Arial" charset="0"/>
+                    <a:ea typeface="Arial" charset="0"/>
+                    <a:cs typeface="Arial" charset="0"/>
+                  </a:rPr>
+                  <a:t> </a:t>
+                </a:r>
+                <a:r>
+                  <a:rPr kumimoji="1" lang="en-US" altLang="ko-KR" dirty="0">
+                    <a:solidFill>
+                      <a:schemeClr val="tx1"/>
+                    </a:solidFill>
+                    <a:latin typeface="Arial" charset="0"/>
+                    <a:ea typeface="Arial" charset="0"/>
+                    <a:cs typeface="Arial" charset="0"/>
+                  </a:rPr>
+                  <a:t>annual </a:t>
+                </a:r>
+                <a:r>
+                  <a:rPr kumimoji="1" lang="en-US" altLang="ko-KR" dirty="0" smtClean="0">
+                    <a:solidFill>
+                      <a:schemeClr val="tx1"/>
+                    </a:solidFill>
+                    <a:latin typeface="Arial" charset="0"/>
+                    <a:ea typeface="Arial" charset="0"/>
+                    <a:cs typeface="Arial" charset="0"/>
+                  </a:rPr>
+                  <a:t>cycle</a:t>
+                </a:r>
+              </a:p>
+              <a:p>
+                <a:pPr lvl="2"/>
+                <a:endParaRPr kumimoji="1" lang="en-US" altLang="ko-KR" dirty="0" smtClean="0">
+                  <a:solidFill>
+                    <a:schemeClr val="tx1"/>
+                  </a:solidFill>
+                  <a:latin typeface="Arial" charset="0"/>
+                  <a:ea typeface="Arial" charset="0"/>
+                  <a:cs typeface="Arial" charset="0"/>
+                </a:endParaRPr>
+              </a:p>
+              <a:p>
+                <a:pPr lvl="2"/>
+                <a:r>
+                  <a:rPr lang="en-US" altLang="ko-KR" dirty="0">
+                    <a:latin typeface="Arial" charset="0"/>
+                    <a:ea typeface="Arial" charset="0"/>
+                    <a:cs typeface="Arial" charset="0"/>
+                  </a:rPr>
+                  <a:t>To avoid too many </a:t>
+                </a:r>
+                <a:r>
+                  <a:rPr lang="en-US" altLang="ko-KR" dirty="0" smtClean="0">
+                    <a:latin typeface="Arial" charset="0"/>
+                    <a:ea typeface="Arial" charset="0"/>
+                    <a:cs typeface="Arial" charset="0"/>
+                  </a:rPr>
+                  <a:t>inputs, t</a:t>
+                </a:r>
+                <a:r>
+                  <a:rPr kumimoji="1" lang="en-US" altLang="ko-KR" dirty="0" smtClean="0">
+                    <a:solidFill>
+                      <a:schemeClr val="tx1"/>
+                    </a:solidFill>
+                    <a:latin typeface="Arial" charset="0"/>
+                    <a:ea typeface="Arial" charset="0"/>
+                    <a:cs typeface="Arial" charset="0"/>
+                  </a:rPr>
+                  <a:t>he </a:t>
+                </a:r>
+                <a:r>
+                  <a:rPr kumimoji="1" lang="en-US" altLang="ko-KR" dirty="0">
+                    <a:solidFill>
+                      <a:schemeClr val="tx1"/>
+                    </a:solidFill>
+                    <a:latin typeface="Arial" charset="0"/>
+                    <a:ea typeface="Arial" charset="0"/>
+                    <a:cs typeface="Arial" charset="0"/>
+                  </a:rPr>
+                  <a:t>data with the highest </a:t>
+                </a:r>
+                <a:r>
+                  <a:rPr kumimoji="1" lang="en-US" altLang="ko-KR" dirty="0" smtClean="0">
+                    <a:latin typeface="Arial" charset="0"/>
+                    <a:ea typeface="Arial" charset="0"/>
+                    <a:cs typeface="Arial" charset="0"/>
+                  </a:rPr>
+                  <a:t>PCC</a:t>
+                </a:r>
+                <a:r>
+                  <a:rPr kumimoji="1" lang="en-US" altLang="ko-KR" dirty="0" smtClean="0">
+                    <a:solidFill>
+                      <a:schemeClr val="tx1"/>
+                    </a:solidFill>
+                    <a:latin typeface="Arial" charset="0"/>
+                    <a:ea typeface="Arial" charset="0"/>
+                    <a:cs typeface="Arial" charset="0"/>
+                  </a:rPr>
+                  <a:t> </a:t>
+                </a:r>
+                <a:r>
+                  <a:rPr kumimoji="1" lang="en-US" altLang="ko-KR" dirty="0">
+                    <a:solidFill>
+                      <a:schemeClr val="tx1"/>
+                    </a:solidFill>
+                    <a:latin typeface="Arial" charset="0"/>
+                    <a:ea typeface="Arial" charset="0"/>
+                    <a:cs typeface="Arial" charset="0"/>
+                  </a:rPr>
+                  <a:t>will be selected and </a:t>
+                </a:r>
+                <a:r>
+                  <a:rPr kumimoji="1" lang="en-US" altLang="ko-KR" dirty="0" smtClean="0">
+                    <a:solidFill>
+                      <a:schemeClr val="tx1"/>
+                    </a:solidFill>
+                    <a:latin typeface="Arial" charset="0"/>
+                    <a:ea typeface="Arial" charset="0"/>
+                    <a:cs typeface="Arial" charset="0"/>
+                  </a:rPr>
+                  <a:t>used</a:t>
+                </a:r>
+              </a:p>
+              <a:p>
+                <a:pPr lvl="3"/>
+                <a:r>
+                  <a:rPr kumimoji="1" lang="en-US" altLang="ko-KR" dirty="0" smtClean="0">
+                    <a:latin typeface="Arial" charset="0"/>
+                    <a:ea typeface="Arial" charset="0"/>
+                    <a:cs typeface="Arial" charset="0"/>
+                  </a:rPr>
+                  <a:t>Too many inputs will be considered as noise</a:t>
+                </a:r>
+              </a:p>
+              <a:p>
+                <a:pPr lvl="3"/>
+                <a:r>
+                  <a:rPr kumimoji="1" lang="en-US" altLang="ko-KR" dirty="0" smtClean="0">
+                    <a:solidFill>
+                      <a:schemeClr val="tx1"/>
+                    </a:solidFill>
+                    <a:latin typeface="Arial" charset="0"/>
+                    <a:ea typeface="Arial" charset="0"/>
+                    <a:cs typeface="Arial" charset="0"/>
+                  </a:rPr>
+                  <a:t>Selected input data</a:t>
+                </a:r>
+              </a:p>
+              <a:p>
+                <a:pPr lvl="4"/>
+                <a:r>
+                  <a:rPr kumimoji="1" lang="en-US" altLang="ko-KR" dirty="0">
+                    <a:solidFill>
+                      <a:schemeClr val="tx1"/>
+                    </a:solidFill>
+                    <a:latin typeface="Arial" charset="0"/>
+                    <a:ea typeface="Arial" charset="0"/>
+                    <a:cs typeface="Arial" charset="0"/>
+                  </a:rPr>
+                  <a:t>the load </a:t>
+                </a:r>
+                <a:r>
+                  <a:rPr kumimoji="1" lang="en-US" altLang="ko-KR" dirty="0">
+                    <a:solidFill>
+                      <a:schemeClr val="tx1"/>
+                    </a:solidFill>
+                    <a:latin typeface="Arial" charset="0"/>
+                    <a:ea typeface="Arial" charset="0"/>
+                    <a:cs typeface="Arial" charset="0"/>
+                  </a:rPr>
+                  <a:t>data of the previous </a:t>
+                </a:r>
+                <a:r>
+                  <a:rPr kumimoji="1" lang="en-US" altLang="ko-KR" dirty="0">
+                    <a:solidFill>
+                      <a:schemeClr val="tx1"/>
+                    </a:solidFill>
+                    <a:latin typeface="Arial" charset="0"/>
+                    <a:ea typeface="Arial" charset="0"/>
+                    <a:cs typeface="Arial" charset="0"/>
+                  </a:rPr>
+                  <a:t>day</a:t>
+                </a:r>
+                <a:r>
+                  <a:rPr kumimoji="1" lang="ko-KR" altLang="en-US" dirty="0" smtClean="0">
+                    <a:solidFill>
+                      <a:schemeClr val="tx1"/>
+                    </a:solidFill>
+                    <a:latin typeface="Arial" charset="0"/>
+                    <a:ea typeface="Arial" charset="0"/>
+                    <a:cs typeface="Arial" charset="0"/>
+                  </a:rPr>
+                  <a:t> </a:t>
+                </a:r>
+                <a:r>
+                  <a:rPr kumimoji="1" lang="en-US" altLang="ko-KR" dirty="0">
+                    <a:solidFill>
+                      <a:schemeClr val="tx1"/>
+                    </a:solidFill>
+                    <a:latin typeface="Arial" charset="0"/>
+                    <a:ea typeface="Arial" charset="0"/>
+                    <a:cs typeface="Arial" charset="0"/>
+                  </a:rPr>
+                  <a:t>(</a:t>
+                </a:r>
+                <a14:m>
+                  <m:oMath xmlns:m="http://schemas.openxmlformats.org/officeDocument/2006/math">
+                    <m:sSub>
+                      <m:sSubPr>
+                        <m:ctrlPr>
+                          <a:rPr kumimoji="1" lang="en-US" altLang="ko-KR" i="1">
+                            <a:solidFill>
+                              <a:schemeClr val="tx1"/>
+                            </a:solidFill>
+                            <a:latin typeface="Arial" charset="0"/>
+                            <a:ea typeface="Arial" charset="0"/>
+                            <a:cs typeface="Arial" charset="0"/>
+                          </a:rPr>
+                        </m:ctrlPr>
+                      </m:sSubPr>
+                      <m:e>
+                        <m:r>
+                          <a:rPr kumimoji="1" lang="en-US" altLang="ko-KR" i="1">
+                            <a:solidFill>
+                              <a:schemeClr val="tx1"/>
+                            </a:solidFill>
+                            <a:latin typeface="Arial" charset="0"/>
+                            <a:ea typeface="Arial" charset="0"/>
+                            <a:cs typeface="Arial" charset="0"/>
+                          </a:rPr>
+                          <m:t>𝑃</m:t>
+                        </m:r>
+                      </m:e>
+                      <m:sub>
+                        <m:r>
+                          <a:rPr kumimoji="1" lang="en-US" altLang="ko-KR" i="1">
+                            <a:solidFill>
+                              <a:schemeClr val="tx1"/>
+                            </a:solidFill>
+                            <a:latin typeface="Arial" charset="0"/>
+                            <a:ea typeface="Arial" charset="0"/>
+                            <a:cs typeface="Arial" charset="0"/>
+                          </a:rPr>
+                          <m:t>𝑘</m:t>
+                        </m:r>
+                        <m:r>
+                          <a:rPr kumimoji="1" lang="en-US" altLang="ko-KR" i="1">
+                            <a:solidFill>
+                              <a:schemeClr val="tx1"/>
+                            </a:solidFill>
+                            <a:latin typeface="Arial" charset="0"/>
+                            <a:ea typeface="Arial" charset="0"/>
+                            <a:cs typeface="Arial" charset="0"/>
+                          </a:rPr>
+                          <m:t>−1</m:t>
+                        </m:r>
+                      </m:sub>
+                    </m:sSub>
+                    <m:r>
+                      <a:rPr kumimoji="1" lang="en-US" altLang="ko-KR" i="1">
+                        <a:solidFill>
+                          <a:schemeClr val="tx1"/>
+                        </a:solidFill>
+                        <a:latin typeface="Arial" charset="0"/>
+                        <a:ea typeface="Arial" charset="0"/>
+                        <a:cs typeface="Arial" charset="0"/>
+                      </a:rPr>
+                      <m:t>(</m:t>
+                    </m:r>
+                    <m:r>
+                      <a:rPr kumimoji="1" lang="en-US" altLang="ko-KR" i="1">
+                        <a:solidFill>
+                          <a:schemeClr val="tx1"/>
+                        </a:solidFill>
+                        <a:latin typeface="Arial" charset="0"/>
+                        <a:ea typeface="Arial" charset="0"/>
+                        <a:cs typeface="Arial" charset="0"/>
+                      </a:rPr>
+                      <m:t>𝑖</m:t>
+                    </m:r>
+                    <m:r>
+                      <a:rPr kumimoji="1" lang="en-US" altLang="ko-KR" i="1">
+                        <a:solidFill>
+                          <a:schemeClr val="tx1"/>
+                        </a:solidFill>
+                        <a:latin typeface="Arial" charset="0"/>
+                        <a:ea typeface="Arial" charset="0"/>
+                        <a:cs typeface="Arial" charset="0"/>
+                      </a:rPr>
+                      <m:t>)</m:t>
+                    </m:r>
+                  </m:oMath>
+                </a14:m>
+                <a:r>
+                  <a:rPr kumimoji="1" lang="en-US" altLang="ko-KR" dirty="0">
+                    <a:solidFill>
+                      <a:schemeClr val="tx1"/>
+                    </a:solidFill>
+                    <a:latin typeface="Arial" charset="0"/>
+                    <a:ea typeface="Arial" charset="0"/>
+                    <a:cs typeface="Arial" charset="0"/>
+                  </a:rPr>
+                  <a:t>)</a:t>
+                </a:r>
+                <a:endParaRPr kumimoji="1" lang="en-US" altLang="ko-KR" dirty="0" smtClean="0">
+                  <a:solidFill>
+                    <a:schemeClr val="tx1"/>
+                  </a:solidFill>
+                  <a:latin typeface="Arial" charset="0"/>
+                  <a:ea typeface="Arial" charset="0"/>
+                  <a:cs typeface="Arial" charset="0"/>
+                </a:endParaRPr>
+              </a:p>
+              <a:p>
+                <a:pPr lvl="4"/>
+                <a:r>
+                  <a:rPr kumimoji="1" lang="en-US" altLang="ko-KR" dirty="0">
+                    <a:solidFill>
+                      <a:schemeClr val="tx1"/>
+                    </a:solidFill>
+                    <a:latin typeface="Arial" charset="0"/>
+                    <a:ea typeface="Arial" charset="0"/>
+                    <a:cs typeface="Arial" charset="0"/>
+                  </a:rPr>
+                  <a:t>the load </a:t>
+                </a:r>
+                <a:r>
+                  <a:rPr kumimoji="1" lang="en-US" altLang="ko-KR" dirty="0">
+                    <a:solidFill>
+                      <a:schemeClr val="tx1"/>
+                    </a:solidFill>
+                    <a:latin typeface="Arial" charset="0"/>
+                    <a:ea typeface="Arial" charset="0"/>
+                    <a:cs typeface="Arial" charset="0"/>
+                  </a:rPr>
+                  <a:t>data of </a:t>
+                </a:r>
+                <a:r>
+                  <a:rPr kumimoji="1" lang="en-US" altLang="ko-KR" dirty="0">
+                    <a:solidFill>
+                      <a:schemeClr val="tx1"/>
+                    </a:solidFill>
+                    <a:latin typeface="Arial" charset="0"/>
+                    <a:ea typeface="Arial" charset="0"/>
+                    <a:cs typeface="Arial" charset="0"/>
+                  </a:rPr>
+                  <a:t>t</a:t>
+                </a:r>
+                <a:r>
+                  <a:rPr lang="en-US" altLang="ko-KR" dirty="0">
+                    <a:solidFill>
+                      <a:schemeClr val="tx1"/>
+                    </a:solidFill>
+                    <a:latin typeface="Arial" charset="0"/>
+                    <a:ea typeface="Arial" charset="0"/>
+                    <a:cs typeface="Arial" charset="0"/>
+                  </a:rPr>
+                  <a:t>he </a:t>
+                </a:r>
+                <a:r>
+                  <a:rPr lang="en-US" altLang="ko-KR" dirty="0">
+                    <a:solidFill>
+                      <a:schemeClr val="tx1"/>
+                    </a:solidFill>
+                    <a:latin typeface="Arial" charset="0"/>
+                    <a:ea typeface="Arial" charset="0"/>
+                    <a:cs typeface="Arial" charset="0"/>
+                  </a:rPr>
+                  <a:t>same day of the previous week </a:t>
+                </a:r>
+                <a:r>
+                  <a:rPr kumimoji="1" lang="en-US" altLang="ko-KR" dirty="0">
+                    <a:solidFill>
+                      <a:schemeClr val="tx1"/>
+                    </a:solidFill>
+                    <a:latin typeface="Arial" charset="0"/>
+                    <a:ea typeface="Arial" charset="0"/>
+                    <a:cs typeface="Arial" charset="0"/>
+                  </a:rPr>
+                  <a:t>(</a:t>
+                </a:r>
+                <a14:m>
+                  <m:oMath xmlns:m="http://schemas.openxmlformats.org/officeDocument/2006/math">
+                    <m:sSub>
+                      <m:sSubPr>
+                        <m:ctrlPr>
+                          <a:rPr kumimoji="1" lang="en-US" altLang="ko-KR" i="1">
+                            <a:solidFill>
+                              <a:schemeClr val="tx1"/>
+                            </a:solidFill>
+                            <a:latin typeface="Arial" charset="0"/>
+                            <a:ea typeface="Arial" charset="0"/>
+                            <a:cs typeface="Arial" charset="0"/>
+                          </a:rPr>
+                        </m:ctrlPr>
+                      </m:sSubPr>
+                      <m:e>
+                        <m:r>
+                          <a:rPr kumimoji="1" lang="en-US" altLang="ko-KR" i="1">
+                            <a:solidFill>
+                              <a:schemeClr val="tx1"/>
+                            </a:solidFill>
+                            <a:latin typeface="Arial" charset="0"/>
+                            <a:ea typeface="Arial" charset="0"/>
+                            <a:cs typeface="Arial" charset="0"/>
+                          </a:rPr>
+                          <m:t>𝑃</m:t>
+                        </m:r>
+                      </m:e>
+                      <m:sub>
+                        <m:r>
+                          <a:rPr kumimoji="1" lang="en-US" altLang="ko-KR" i="1">
+                            <a:solidFill>
+                              <a:schemeClr val="tx1"/>
+                            </a:solidFill>
+                            <a:latin typeface="Arial" charset="0"/>
+                            <a:ea typeface="Arial" charset="0"/>
+                            <a:cs typeface="Arial" charset="0"/>
+                          </a:rPr>
+                          <m:t>𝑘</m:t>
+                        </m:r>
+                        <m:r>
+                          <a:rPr kumimoji="1" lang="en-US" altLang="ko-KR" i="1">
+                            <a:solidFill>
+                              <a:schemeClr val="tx1"/>
+                            </a:solidFill>
+                            <a:latin typeface="Arial" charset="0"/>
+                            <a:ea typeface="Arial" charset="0"/>
+                            <a:cs typeface="Arial" charset="0"/>
+                          </a:rPr>
+                          <m:t>−7</m:t>
+                        </m:r>
+                      </m:sub>
+                    </m:sSub>
+                    <m:r>
+                      <a:rPr kumimoji="1" lang="en-US" altLang="ko-KR" i="1">
+                        <a:solidFill>
+                          <a:schemeClr val="tx1"/>
+                        </a:solidFill>
+                        <a:latin typeface="Arial" charset="0"/>
+                        <a:ea typeface="Arial" charset="0"/>
+                        <a:cs typeface="Arial" charset="0"/>
+                      </a:rPr>
+                      <m:t>(</m:t>
+                    </m:r>
+                    <m:r>
+                      <a:rPr kumimoji="1" lang="en-US" altLang="ko-KR" i="1">
+                        <a:solidFill>
+                          <a:schemeClr val="tx1"/>
+                        </a:solidFill>
+                        <a:latin typeface="Arial" charset="0"/>
+                        <a:ea typeface="Arial" charset="0"/>
+                        <a:cs typeface="Arial" charset="0"/>
+                      </a:rPr>
+                      <m:t>𝑖</m:t>
+                    </m:r>
+                    <m:r>
+                      <a:rPr kumimoji="1" lang="en-US" altLang="ko-KR" i="1">
+                        <a:solidFill>
+                          <a:schemeClr val="tx1"/>
+                        </a:solidFill>
+                        <a:latin typeface="Arial" charset="0"/>
+                        <a:ea typeface="Arial" charset="0"/>
+                        <a:cs typeface="Arial" charset="0"/>
+                      </a:rPr>
+                      <m:t>)</m:t>
+                    </m:r>
+                  </m:oMath>
+                </a14:m>
+                <a:r>
+                  <a:rPr kumimoji="1" lang="en-US" altLang="ko-KR" dirty="0">
+                    <a:solidFill>
+                      <a:schemeClr val="tx1"/>
+                    </a:solidFill>
+                    <a:latin typeface="Arial" charset="0"/>
+                    <a:ea typeface="Arial" charset="0"/>
+                    <a:cs typeface="Arial" charset="0"/>
+                  </a:rPr>
+                  <a:t>)</a:t>
+                </a:r>
+                <a:endParaRPr kumimoji="1" lang="en-US" altLang="ko-KR" dirty="0" smtClean="0">
+                  <a:solidFill>
+                    <a:schemeClr val="tx1"/>
+                  </a:solidFill>
+                  <a:latin typeface="Arial" charset="0"/>
+                  <a:ea typeface="Arial" charset="0"/>
+                  <a:cs typeface="Arial" charset="0"/>
+                </a:endParaRPr>
+              </a:p>
+              <a:p>
+                <a:pPr lvl="3"/>
+                <a:endParaRPr kumimoji="1" lang="en-US" altLang="ko-KR" dirty="0">
+                  <a:solidFill>
+                    <a:schemeClr val="tx1"/>
+                  </a:solidFill>
+                  <a:latin typeface="Arial" charset="0"/>
+                  <a:ea typeface="Arial" charset="0"/>
+                  <a:cs typeface="Arial" charset="0"/>
+                </a:endParaRPr>
+              </a:p>
+            </p:txBody>
+          </p:sp>
+        </mc:Choice>
+        <mc:Fallback>
+          <p:sp>
+            <p:nvSpPr>
+              <p:cNvPr id="3" name="내용 개체 틀 2"/>
+              <p:cNvSpPr>
+                <a:spLocks noGrp="1" noRot="1" noChangeAspect="1" noMove="1" noResize="1" noEditPoints="1" noAdjustHandles="1" noChangeArrowheads="1" noChangeShapeType="1" noTextEdit="1"/>
+              </p:cNvSpPr>
+              <p:nvPr>
+                <p:ph idx="1"/>
+              </p:nvPr>
+            </p:nvSpPr>
+            <p:spPr>
+              <a:xfrm>
+                <a:off x="838200" y="1363847"/>
+                <a:ext cx="10515600" cy="5284922"/>
+              </a:xfrm>
+              <a:blipFill rotWithShape="0">
+                <a:blip r:embed="rId2"/>
+                <a:stretch>
+                  <a:fillRect l="-1043" t="-2076"/>
+                </a:stretch>
+              </a:blipFill>
+            </p:spPr>
+            <p:txBody>
+              <a:bodyPr/>
+              <a:lstStyle/>
+              <a:p>
+                <a:r>
+                  <a:rPr lang="ko-KR" altLang="en-US">
+                    <a:noFill/>
+                  </a:rPr>
+                  <a:t> </a:t>
+                </a:r>
+              </a:p>
+            </p:txBody>
+          </p:sp>
+        </mc:Fallback>
+      </mc:AlternateContent>
+      <p:cxnSp>
+        <p:nvCxnSpPr>
+          <p:cNvPr id="5" name="직선 연결선[R] 4"/>
+          <p:cNvCxnSpPr/>
+          <p:nvPr/>
+        </p:nvCxnSpPr>
+        <p:spPr>
+          <a:xfrm>
+            <a:off x="838200" y="1133882"/>
+            <a:ext cx="10515600" cy="0"/>
+          </a:xfrm>
+          <a:prstGeom prst="line">
+            <a:avLst/>
+          </a:prstGeom>
+          <a:ln w="40132" cmpd="sng">
+            <a:solidFill>
+              <a:schemeClr val="accent1">
+                <a:lumMod val="60000"/>
+                <a:lumOff val="40000"/>
+              </a:schemeClr>
+            </a:solidFill>
+          </a:ln>
+        </p:spPr>
+        <p:style>
+          <a:lnRef idx="1">
+            <a:schemeClr val="accent1"/>
+          </a:lnRef>
+          <a:fillRef idx="0">
+            <a:schemeClr val="accent1"/>
+          </a:fillRef>
+          <a:effectRef idx="0">
+            <a:schemeClr val="accent1"/>
+          </a:effectRef>
+          <a:fontRef idx="minor">
+            <a:schemeClr val="tx1"/>
+          </a:fontRef>
+        </p:style>
+      </p:cxnSp>
+    </p:spTree>
+    <p:extLst>
+      <p:ext uri="{BB962C8B-B14F-4D97-AF65-F5344CB8AC3E}">
+        <p14:creationId xmlns:p14="http://schemas.microsoft.com/office/powerpoint/2010/main" val="1124065131"/>
+      </p:ext>
+    </p:extLst>
+  </p:cSld>
+  <p:clrMapOvr>
+    <a:masterClrMapping/>
+  </p:clrMapOvr>
+</p:sld>
+</file>
+
+<file path=ppt/slides/slide13.xml><?xml version="1.0" encoding="utf-8"?>
+<p:sld xmlns:a="http://schemas.openxmlformats.org/drawingml/2006/main" xmlns:r="http://schemas.openxmlformats.org/officeDocument/2006/relationships" xmlns:p="http://schemas.openxmlformats.org/presentationml/2006/main">
+  <p:cSld>
+    <p:spTree>
+      <p:nvGrpSpPr>
+        <p:cNvPr id="1" name=""/>
+        <p:cNvGrpSpPr/>
+        <p:nvPr/>
+      </p:nvGrpSpPr>
+      <p:grpSpPr>
+        <a:xfrm>
+          <a:off x="0" y="0"/>
+          <a:ext cx="0" cy="0"/>
+          <a:chOff x="0" y="0"/>
+          <a:chExt cx="0" cy="0"/>
+        </a:xfrm>
+      </p:grpSpPr>
+      <p:sp>
+        <p:nvSpPr>
+          <p:cNvPr id="2" name="제목 1"/>
+          <p:cNvSpPr>
+            <a:spLocks noGrp="1"/>
+          </p:cNvSpPr>
+          <p:nvPr>
+            <p:ph type="title"/>
+          </p:nvPr>
+        </p:nvSpPr>
+        <p:spPr>
+          <a:xfrm>
+            <a:off x="838200" y="272138"/>
+            <a:ext cx="10515600" cy="688760"/>
+          </a:xfrm>
+        </p:spPr>
+        <p:txBody>
+          <a:bodyPr>
+            <a:normAutofit fontScale="90000"/>
+          </a:bodyPr>
+          <a:lstStyle/>
+          <a:p>
+            <a:r>
+              <a:rPr kumimoji="1" lang="en-US" altLang="ko-KR" dirty="0" smtClean="0">
+                <a:latin typeface="Arial" charset="0"/>
+                <a:ea typeface="Arial" charset="0"/>
+                <a:cs typeface="Arial" charset="0"/>
+              </a:rPr>
+              <a:t>Developed structure in this paper</a:t>
+            </a:r>
+            <a:endParaRPr kumimoji="1" lang="ko-KR" altLang="en-US" dirty="0">
+              <a:latin typeface="Arial" charset="0"/>
+              <a:ea typeface="Arial" charset="0"/>
+              <a:cs typeface="Arial" charset="0"/>
+            </a:endParaRPr>
+          </a:p>
+        </p:txBody>
+      </p:sp>
       <mc:AlternateContent xmlns:mc="http://schemas.openxmlformats.org/markup-compatibility/2006">
         <mc:Choice xmlns:a14="http://schemas.microsoft.com/office/drawing/2010/main" Requires="a14">
           <p:sp>
@@ -7781,7 +8751,7 @@
 </p:sld>
 </file>
 
-<file path=ppt/slides/slide12.xml><?xml version="1.0" encoding="utf-8"?>
+<file path=ppt/slides/slide14.xml><?xml version="1.0" encoding="utf-8"?>
 <p:sld xmlns:a="http://schemas.openxmlformats.org/drawingml/2006/main" xmlns:r="http://schemas.openxmlformats.org/officeDocument/2006/relationships" xmlns:p="http://schemas.openxmlformats.org/presentationml/2006/main">
   <p:cSld>
     <p:spTree>
@@ -9425,7 +10395,29 @@
                     <a:ea typeface="Arial" charset="0"/>
                     <a:cs typeface="Arial" charset="0"/>
                   </a:rPr>
-                  <a:t>day(</a:t>
+                  <a:t>day</a:t>
+                </a:r>
+                <a:r>
+                  <a:rPr kumimoji="1" lang="ko-KR" altLang="en-US" dirty="0" smtClean="0">
+                    <a:solidFill>
+                      <a:srgbClr val="FF0000"/>
+                    </a:solidFill>
+                    <a:latin typeface="Arial" charset="0"/>
+                    <a:ea typeface="Arial" charset="0"/>
+                    <a:cs typeface="Arial" charset="0"/>
+                  </a:rPr>
+                  <a:t> </a:t>
+                </a:r>
+                <a:r>
+                  <a:rPr kumimoji="1" lang="en-US" altLang="ko-KR" dirty="0" smtClean="0">
+                    <a:solidFill>
+                      <a:srgbClr val="FF0000"/>
+                    </a:solidFill>
+                    <a:latin typeface="Arial" charset="0"/>
+                    <a:ea typeface="Arial" charset="0"/>
+                    <a:cs typeface="Arial" charset="0"/>
+                  </a:rPr>
+                  <a:t>(</a:t>
                 </a:r>
                 <a14:m>
                   <m:oMath xmlns:m="http://schemas.openxmlformats.org/officeDocument/2006/math">
@@ -9613,7 +10605,29 @@
                     <a:ea typeface="Arial" charset="0"/>
                     <a:cs typeface="Arial" charset="0"/>
                   </a:rPr>
-                  <a:t>day(</a:t>
+                  <a:t>day</a:t>
+                </a:r>
+                <a:r>
+                  <a:rPr kumimoji="1" lang="ko-KR" altLang="en-US" dirty="0" smtClean="0">
+                    <a:solidFill>
+                      <a:srgbClr val="FF0000"/>
+                    </a:solidFill>
+                    <a:latin typeface="Arial" charset="0"/>
+                    <a:ea typeface="Arial" charset="0"/>
+                    <a:cs typeface="Arial" charset="0"/>
+                  </a:rPr>
+                  <a:t> </a:t>
+                </a:r>
+                <a:r>
+                  <a:rPr kumimoji="1" lang="en-US" altLang="ko-KR" dirty="0">
+                    <a:solidFill>
+                      <a:srgbClr val="FF0000"/>
+                    </a:solidFill>
+                    <a:latin typeface="Arial" charset="0"/>
+                    <a:ea typeface="Arial" charset="0"/>
+                    <a:cs typeface="Arial" charset="0"/>
+                  </a:rPr>
+                  <a:t>(</a:t>
                 </a:r>
                 <a14:m>
                   <m:oMath xmlns:m="http://schemas.openxmlformats.org/officeDocument/2006/math">
@@ -9779,7 +10793,7 @@
               <a:blipFill rotWithShape="0">
                 <a:blip r:embed="rId3"/>
                 <a:stretch>
-                  <a:fillRect l="-1396" t="-1179" r="-2094" b="-2830"/>
+                  <a:fillRect l="-1396" t="-1179" b="-2830"/>
                 </a:stretch>
               </a:blipFill>
             </p:spPr>
@@ -9798,6 +10812,54 @@
           </p:sp>
         </mc:Fallback>
       </mc:AlternateContent>
+      <p:sp>
+        <p:nvSpPr>
+          <p:cNvPr id="6" name="오른쪽 화살표[R] 5"/>
+          <p:cNvSpPr/>
+          <p:nvPr/>
+        </p:nvSpPr>
+        <p:spPr>
+          <a:xfrm>
+            <a:off x="7213600" y="2616200"/>
+            <a:ext cx="584200" cy="393700"/>
+          </a:xfrm>
+          <a:prstGeom prst="rightArrow">
+            <a:avLst/>
+          </a:prstGeom>
+          <a:solidFill>
+            <a:srgbClr val="FF0000"/>
+          </a:solidFill>
+          <a:ln>
+            <a:solidFill>
+              <a:srgbClr val="C00000"/>
+            </a:solidFill>
+          </a:ln>
+        </p:spPr>
+        <p:style>
+          <a:lnRef idx="2">
+            <a:schemeClr val="accent1">
+              <a:shade val="50000"/>
+            </a:schemeClr>
+          </a:lnRef>
+          <a:fillRef idx="1">
+            <a:schemeClr val="accent1"/>
+          </a:fillRef>
+          <a:effectRef idx="0">
+            <a:schemeClr val="accent1"/>
+          </a:effectRef>
+          <a:fontRef idx="minor">
+            <a:schemeClr val="lt1"/>
+          </a:fontRef>
+        </p:style>
+        <p:txBody>
+          <a:bodyPr rtlCol="0" anchor="ctr"/>
+          <a:lstStyle/>
+          <a:p>
+            <a:pPr algn="ctr"/>
+            <a:endParaRPr kumimoji="1" lang="ko-KR" altLang="en-US"/>
+          </a:p>
+        </p:txBody>
+      </p:sp>
     </p:spTree>
     <p:extLst>
       <p:ext uri="{BB962C8B-B14F-4D97-AF65-F5344CB8AC3E}">
@@ -9811,7 +10873,7 @@
 </p:sld>
 </file>
 
-<file path=ppt/slides/slide13.xml><?xml version="1.0" encoding="utf-8"?>
+<file path=ppt/slides/slide15.xml><?xml version="1.0" encoding="utf-8"?>
 <p:sld xmlns:a="http://schemas.openxmlformats.org/drawingml/2006/main" xmlns:r="http://schemas.openxmlformats.org/officeDocument/2006/relationships" xmlns:p="http://schemas.openxmlformats.org/presentationml/2006/main">
   <p:cSld>
     <p:spTree>
@@ -11883,6 +12945,54 @@
           </p:sp>
         </mc:Fallback>
       </mc:AlternateContent>
+      <p:sp>
+        <p:nvSpPr>
+          <p:cNvPr id="7" name="오른쪽 화살표[R] 6"/>
+          <p:cNvSpPr/>
+          <p:nvPr/>
+        </p:nvSpPr>
+        <p:spPr>
+          <a:xfrm>
+            <a:off x="7213600" y="2616200"/>
+            <a:ext cx="584200" cy="393700"/>
+          </a:xfrm>
+          <a:prstGeom prst="rightArrow">
+            <a:avLst/>
+          </a:prstGeom>
+          <a:solidFill>
+            <a:srgbClr val="FF0000"/>
+          </a:solidFill>
+          <a:ln>
+            <a:solidFill>
+              <a:srgbClr val="C00000"/>
+            </a:solidFill>
+          </a:ln>
+        </p:spPr>
+        <p:style>
+          <a:lnRef idx="2">
+            <a:schemeClr val="accent1">
+              <a:shade val="50000"/>
+            </a:schemeClr>
+          </a:lnRef>
+          <a:fillRef idx="1">
+            <a:schemeClr val="accent1"/>
+          </a:fillRef>
+          <a:effectRef idx="0">
+            <a:schemeClr val="accent1"/>
+          </a:effectRef>
+          <a:fontRef idx="minor">
+            <a:schemeClr val="lt1"/>
+          </a:fontRef>
+        </p:style>
+        <p:txBody>
+          <a:bodyPr rtlCol="0" anchor="ctr"/>
+          <a:lstStyle/>
+          <a:p>
+            <a:pPr algn="ctr"/>
+            <a:endParaRPr kumimoji="1" lang="ko-KR" altLang="en-US"/>
+          </a:p>
+        </p:txBody>
+      </p:sp>
     </p:spTree>
     <p:extLst>
       <p:ext uri="{BB962C8B-B14F-4D97-AF65-F5344CB8AC3E}">
@@ -11896,7 +13006,7 @@
 </p:sld>
 </file>
 
-<file path=ppt/slides/slide14.xml><?xml version="1.0" encoding="utf-8"?>
+<file path=ppt/slides/slide16.xml><?xml version="1.0" encoding="utf-8"?>
 <p:sld xmlns:a="http://schemas.openxmlformats.org/drawingml/2006/main" xmlns:r="http://schemas.openxmlformats.org/officeDocument/2006/relationships" xmlns:p="http://schemas.openxmlformats.org/presentationml/2006/main">
   <p:cSld>
     <p:spTree>
@@ -13932,7 +15042,29 @@
                     <a:ea typeface="Arial" charset="0"/>
                     <a:cs typeface="Arial" charset="0"/>
                   </a:rPr>
-                  <a:t>day(</a:t>
+                  <a:t>day</a:t>
+                </a:r>
+                <a:r>
+                  <a:rPr kumimoji="1" lang="ko-KR" altLang="en-US" dirty="0" smtClean="0">
+                    <a:solidFill>
+                      <a:srgbClr val="FF0000"/>
+                    </a:solidFill>
+                    <a:latin typeface="Arial" charset="0"/>
+                    <a:ea typeface="Arial" charset="0"/>
+                    <a:cs typeface="Arial" charset="0"/>
+                  </a:rPr>
+                  <a:t> </a:t>
+                </a:r>
+                <a:r>
+                  <a:rPr kumimoji="1" lang="en-US" altLang="ko-KR" dirty="0">
+                    <a:solidFill>
+                      <a:srgbClr val="FF0000"/>
+                    </a:solidFill>
+                    <a:latin typeface="Arial" charset="0"/>
+                    <a:ea typeface="Arial" charset="0"/>
+                    <a:cs typeface="Arial" charset="0"/>
+                  </a:rPr>
+                  <a:t>(</a:t>
                 </a:r>
                 <a14:m>
                   <m:oMath xmlns:m="http://schemas.openxmlformats.org/officeDocument/2006/math">
@@ -14307,7 +15439,29 @@
                     <a:ea typeface="Arial" charset="0"/>
                     <a:cs typeface="Arial" charset="0"/>
                   </a:rPr>
-                  <a:t>day(</a:t>
+                  <a:t>day</a:t>
+                </a:r>
+                <a:r>
+                  <a:rPr kumimoji="1" lang="ko-KR" altLang="en-US" dirty="0" smtClean="0">
+                    <a:solidFill>
+                      <a:srgbClr val="FF0000"/>
+                    </a:solidFill>
+                    <a:latin typeface="Arial" charset="0"/>
+                    <a:ea typeface="Arial" charset="0"/>
+                    <a:cs typeface="Arial" charset="0"/>
+                  </a:rPr>
+                  <a:t> </a:t>
+                </a:r>
+                <a:r>
+                  <a:rPr kumimoji="1" lang="en-US" altLang="ko-KR" dirty="0">
+                    <a:solidFill>
+                      <a:srgbClr val="FF0000"/>
+                    </a:solidFill>
+                    <a:latin typeface="Arial" charset="0"/>
+                    <a:ea typeface="Arial" charset="0"/>
+                    <a:cs typeface="Arial" charset="0"/>
+                  </a:rPr>
+                  <a:t>(</a:t>
                 </a:r>
                 <a14:m>
                   <m:oMath xmlns:m="http://schemas.openxmlformats.org/officeDocument/2006/math">
@@ -14492,6 +15646,54 @@
           </p:sp>
         </mc:Fallback>
       </mc:AlternateContent>
+      <p:sp>
+        <p:nvSpPr>
+          <p:cNvPr id="7" name="오른쪽 화살표[R] 6"/>
+          <p:cNvSpPr/>
+          <p:nvPr/>
+        </p:nvSpPr>
+        <p:spPr>
+          <a:xfrm>
+            <a:off x="7213600" y="2616200"/>
+            <a:ext cx="584200" cy="393700"/>
+          </a:xfrm>
+          <a:prstGeom prst="rightArrow">
+            <a:avLst/>
+          </a:prstGeom>
+          <a:solidFill>
+            <a:srgbClr val="FF0000"/>
+          </a:solidFill>
+          <a:ln>
+            <a:solidFill>
+              <a:srgbClr val="C00000"/>
+            </a:solidFill>
+          </a:ln>
+        </p:spPr>
+        <p:style>
+          <a:lnRef idx="2">
+            <a:schemeClr val="accent1">
+              <a:shade val="50000"/>
+            </a:schemeClr>
+          </a:lnRef>
+          <a:fillRef idx="1">
+            <a:schemeClr val="accent1"/>
+          </a:fillRef>
+          <a:effectRef idx="0">
+            <a:schemeClr val="accent1"/>
+          </a:effectRef>
+          <a:fontRef idx="minor">
+            <a:schemeClr val="lt1"/>
+          </a:fontRef>
+        </p:style>
+        <p:txBody>
+          <a:bodyPr rtlCol="0" anchor="ctr"/>
+          <a:lstStyle/>
+          <a:p>
+            <a:pPr algn="ctr"/>
+            <a:endParaRPr kumimoji="1" lang="ko-KR" altLang="en-US"/>
+          </a:p>
+        </p:txBody>
+      </p:sp>
     </p:spTree>
     <p:extLst>
       <p:ext uri="{BB962C8B-B14F-4D97-AF65-F5344CB8AC3E}">
@@ -14505,7 +15707,7 @@
 </p:sld>
 </file>
 
-<file path=ppt/slides/slide15.xml><?xml version="1.0" encoding="utf-8"?>
+<file path=ppt/slides/slide17.xml><?xml version="1.0" encoding="utf-8"?>
 <p:sld xmlns:a="http://schemas.openxmlformats.org/drawingml/2006/main" xmlns:r="http://schemas.openxmlformats.org/officeDocument/2006/relationships" xmlns:p="http://schemas.openxmlformats.org/presentationml/2006/main">
   <p:cSld>
     <p:spTree>
@@ -14593,13 +15795,11 @@
       </p:cxnSp>
       <p:pic>
         <p:nvPicPr>
-          <p:cNvPr id="7" name="내용 개체 틀 6"/>
+          <p:cNvPr id="6" name="그림 5"/>
           <p:cNvPicPr>
-            <a:picLocks noGrp="1" noChangeAspect="1"/>
+            <a:picLocks noChangeAspect="1"/>
           </p:cNvPicPr>
-          <p:nvPr>
-            <p:ph idx="1"/>
-          </p:nvPr>
+          <p:nvPr/>
         </p:nvPicPr>
         <p:blipFill>
           <a:blip r:embed="rId2">
@@ -14615,83 +15815,14 @@
         </p:blipFill>
         <p:spPr>
           <a:xfrm>
-            <a:off x="2213683" y="1560153"/>
-            <a:ext cx="7764634" cy="5032375"/>
+            <a:off x="2749550" y="1524000"/>
+            <a:ext cx="6692900" cy="4737100"/>
           </a:xfrm>
+          <a:prstGeom prst="rect">
+            <a:avLst/>
+          </a:prstGeom>
         </p:spPr>
       </p:pic>
-      <p:cxnSp>
-        <p:nvCxnSpPr>
-          <p:cNvPr id="4" name="직선 화살표 연결선 3"/>
-          <p:cNvCxnSpPr/>
-          <p:nvPr/>
-        </p:nvCxnSpPr>
-        <p:spPr>
-          <a:xfrm flipV="1">
-            <a:off x="6489291" y="2212258"/>
-            <a:ext cx="943896" cy="545691"/>
-          </a:xfrm>
-          <a:prstGeom prst="straightConnector1">
-            <a:avLst/>
-          </a:prstGeom>
-          <a:ln w="76200">
-            <a:solidFill>
-              <a:srgbClr val="FF0000"/>
-            </a:solidFill>
-            <a:tailEnd type="triangle"/>
-          </a:ln>
-        </p:spPr>
-        <p:style>
-          <a:lnRef idx="1">
-            <a:schemeClr val="accent1"/>
-          </a:lnRef>
-          <a:fillRef idx="0">
-            <a:schemeClr val="accent1"/>
-          </a:fillRef>
-          <a:effectRef idx="0">
-            <a:schemeClr val="accent1"/>
-          </a:effectRef>
-          <a:fontRef idx="minor">
-            <a:schemeClr val="tx1"/>
-          </a:fontRef>
-        </p:style>
-      </p:cxnSp>
-      <p:cxnSp>
-        <p:nvCxnSpPr>
-          <p:cNvPr id="8" name="직선 화살표 연결선 7"/>
-          <p:cNvCxnSpPr/>
-          <p:nvPr/>
-        </p:nvCxnSpPr>
-        <p:spPr>
-          <a:xfrm flipV="1">
-            <a:off x="6504040" y="3331703"/>
-            <a:ext cx="943896" cy="545691"/>
-          </a:xfrm>
-          <a:prstGeom prst="straightConnector1">
-            <a:avLst/>
-          </a:prstGeom>
-          <a:ln w="76200">
-            <a:solidFill>
-              <a:srgbClr val="FF0000"/>
-            </a:solidFill>
-            <a:tailEnd type="triangle"/>
-          </a:ln>
-        </p:spPr>
-        <p:style>
-          <a:lnRef idx="1">
-            <a:schemeClr val="accent1"/>
-          </a:lnRef>
-          <a:fillRef idx="0">
-            <a:schemeClr val="accent1"/>
-          </a:fillRef>
-          <a:effectRef idx="0">
-            <a:schemeClr val="accent1"/>
-          </a:effectRef>
-          <a:fontRef idx="minor">
-            <a:schemeClr val="tx1"/>
-          </a:fontRef>
-        </p:style>
-      </p:cxnSp>
     </p:spTree>
     <p:extLst>
       <p:ext uri="{BB962C8B-B14F-4D97-AF65-F5344CB8AC3E}">
@@ -14705,7 +15836,7 @@
 </p:sld>
 </file>
 
-<file path=ppt/slides/slide16.xml><?xml version="1.0" encoding="utf-8"?>
+<file path=ppt/slides/slide18.xml><?xml version="1.0" encoding="utf-8"?>
 <p:sld xmlns:a="http://schemas.openxmlformats.org/drawingml/2006/main" xmlns:r="http://schemas.openxmlformats.org/officeDocument/2006/relationships" xmlns:p="http://schemas.openxmlformats.org/presentationml/2006/main">
   <p:cSld>
     <p:spTree>
@@ -17511,7 +18642,7 @@
 </p:sld>
 </file>
 
-<file path=ppt/slides/slide17.xml><?xml version="1.0" encoding="utf-8"?>
+<file path=ppt/slides/slide19.xml><?xml version="1.0" encoding="utf-8"?>
 <p:sld xmlns:a="http://schemas.openxmlformats.org/drawingml/2006/main" xmlns:r="http://schemas.openxmlformats.org/officeDocument/2006/relationships" xmlns:p="http://schemas.openxmlformats.org/presentationml/2006/main">
   <p:cSld>
     <p:spTree>
@@ -17574,290 +18705,8 @@
           </a:p>
         </p:txBody>
       </p:sp>
-      <p:sp>
-        <p:nvSpPr>
-          <p:cNvPr id="3" name="내용 개체 틀 2"/>
-          <p:cNvSpPr>
-            <a:spLocks noGrp="1"/>
-          </p:cNvSpPr>
-          <p:nvPr>
-            <p:ph idx="1"/>
-          </p:nvPr>
-        </p:nvSpPr>
-        <p:spPr>
-          <a:xfrm>
-            <a:off x="838200" y="1363847"/>
-            <a:ext cx="10515600" cy="5284922"/>
-          </a:xfrm>
-        </p:spPr>
-        <p:txBody>
-          <a:bodyPr/>
-          <a:lstStyle/>
-          <a:p>
-            <a:r>
-              <a:rPr kumimoji="1" lang="en-US" altLang="ko-KR" dirty="0" smtClean="0">
-                <a:latin typeface="Arial" charset="0"/>
-                <a:ea typeface="Arial" charset="0"/>
-                <a:cs typeface="Arial" charset="0"/>
-              </a:rPr>
-              <a:t>Single ELM</a:t>
-            </a:r>
-          </a:p>
-          <a:p>
-            <a:pPr lvl="1"/>
-            <a:r>
-              <a:rPr kumimoji="1" lang="en-US" altLang="ko-KR" dirty="0">
-                <a:latin typeface="Arial" charset="0"/>
-                <a:ea typeface="Arial" charset="0"/>
-                <a:cs typeface="Arial" charset="0"/>
-              </a:rPr>
-              <a:t>Specs </a:t>
-            </a:r>
-            <a:r>
-              <a:rPr kumimoji="1" lang="en-US" altLang="ko-KR" dirty="0" smtClean="0">
-                <a:latin typeface="Arial" charset="0"/>
-                <a:ea typeface="Arial" charset="0"/>
-                <a:cs typeface="Arial" charset="0"/>
-              </a:rPr>
-              <a:t>:</a:t>
-            </a:r>
-          </a:p>
-          <a:p>
-            <a:pPr lvl="2"/>
-            <a:r>
-              <a:rPr kumimoji="1" lang="en-US" altLang="ko-KR" dirty="0" smtClean="0">
-                <a:latin typeface="Arial" charset="0"/>
-                <a:ea typeface="Arial" charset="0"/>
-                <a:cs typeface="Arial" charset="0"/>
-              </a:rPr>
-              <a:t>Based on feed-forward neural network</a:t>
-            </a:r>
-          </a:p>
-          <a:p>
-            <a:pPr lvl="2"/>
-            <a:r>
-              <a:rPr kumimoji="1" lang="en-US" altLang="ko-KR" dirty="0" smtClean="0">
-                <a:latin typeface="Arial" charset="0"/>
-                <a:ea typeface="Arial" charset="0"/>
-                <a:cs typeface="Arial" charset="0"/>
-              </a:rPr>
-              <a:t>Hyper parameters</a:t>
-            </a:r>
-          </a:p>
-          <a:p>
-            <a:pPr lvl="3"/>
-            <a:r>
-              <a:rPr kumimoji="1" lang="en-US" altLang="ko-KR" dirty="0" smtClean="0">
-                <a:latin typeface="Arial" charset="0"/>
-                <a:ea typeface="Arial" charset="0"/>
-                <a:cs typeface="Arial" charset="0"/>
-              </a:rPr>
-              <a:t>Parameter </a:t>
-            </a:r>
-            <a:r>
-              <a:rPr kumimoji="1" lang="en-US" altLang="ko-KR" dirty="0">
-                <a:latin typeface="Arial" charset="0"/>
-                <a:ea typeface="Arial" charset="0"/>
-                <a:cs typeface="Arial" charset="0"/>
-              </a:rPr>
-              <a:t>C for the regularized least mean square calculation</a:t>
-            </a:r>
-            <a:endParaRPr kumimoji="1" lang="en-US" altLang="ko-KR" dirty="0" smtClean="0">
-              <a:latin typeface="Arial" charset="0"/>
-              <a:ea typeface="Arial" charset="0"/>
-              <a:cs typeface="Arial" charset="0"/>
-            </a:endParaRPr>
-          </a:p>
-          <a:p>
-            <a:pPr lvl="3"/>
-            <a:r>
-              <a:rPr kumimoji="1" lang="en-US" altLang="ko-KR" dirty="0">
-                <a:latin typeface="Arial" charset="0"/>
-                <a:ea typeface="Arial" charset="0"/>
-                <a:cs typeface="Arial" charset="0"/>
-              </a:rPr>
-              <a:t>Number of </a:t>
-            </a:r>
-            <a:r>
-              <a:rPr kumimoji="1" lang="en-US" altLang="ko-KR" dirty="0" smtClean="0">
-                <a:latin typeface="Arial" charset="0"/>
-                <a:ea typeface="Arial" charset="0"/>
-                <a:cs typeface="Arial" charset="0"/>
-              </a:rPr>
-              <a:t>hidden layer</a:t>
-            </a:r>
-            <a:endParaRPr kumimoji="1" lang="en-US" altLang="ko-KR" dirty="0">
-              <a:latin typeface="Arial" charset="0"/>
-              <a:ea typeface="Arial" charset="0"/>
-              <a:cs typeface="Arial" charset="0"/>
-            </a:endParaRPr>
-          </a:p>
-          <a:p>
-            <a:pPr lvl="3"/>
-            <a:r>
-              <a:rPr kumimoji="1" lang="en-US" altLang="ko-KR" dirty="0">
-                <a:latin typeface="Arial" charset="0"/>
-                <a:ea typeface="Arial" charset="0"/>
-                <a:cs typeface="Arial" charset="0"/>
-              </a:rPr>
-              <a:t>Number of nodes for each hidden </a:t>
-            </a:r>
-            <a:r>
-              <a:rPr kumimoji="1" lang="en-US" altLang="ko-KR" dirty="0" smtClean="0">
-                <a:latin typeface="Arial" charset="0"/>
-                <a:ea typeface="Arial" charset="0"/>
-                <a:cs typeface="Arial" charset="0"/>
-              </a:rPr>
-              <a:t>layer</a:t>
-            </a:r>
-            <a:endParaRPr kumimoji="1" lang="en-US" altLang="ko-KR" dirty="0">
-              <a:latin typeface="Arial" charset="0"/>
-              <a:ea typeface="Arial" charset="0"/>
-              <a:cs typeface="Arial" charset="0"/>
-            </a:endParaRPr>
-          </a:p>
-          <a:p>
-            <a:pPr lvl="3"/>
-            <a:r>
-              <a:rPr kumimoji="1" lang="en-US" altLang="ko-KR" dirty="0">
-                <a:latin typeface="Arial" charset="0"/>
-                <a:ea typeface="Arial" charset="0"/>
-                <a:cs typeface="Arial" charset="0"/>
-              </a:rPr>
-              <a:t>Activation function</a:t>
-            </a:r>
-            <a:endParaRPr kumimoji="1" lang="ko-KR" altLang="en-US" dirty="0">
-              <a:latin typeface="Arial" charset="0"/>
-              <a:ea typeface="Arial" charset="0"/>
-              <a:cs typeface="Arial" charset="0"/>
-            </a:endParaRPr>
-          </a:p>
-          <a:p>
-            <a:pPr lvl="3"/>
-            <a:endParaRPr kumimoji="1" lang="ko-KR" altLang="en-US" dirty="0">
-              <a:latin typeface="Arial" charset="0"/>
-              <a:ea typeface="Arial" charset="0"/>
-              <a:cs typeface="Arial" charset="0"/>
-            </a:endParaRPr>
-          </a:p>
-        </p:txBody>
-      </p:sp>
-      <p:cxnSp>
-        <p:nvCxnSpPr>
-          <p:cNvPr id="5" name="직선 연결선[R] 4"/>
-          <p:cNvCxnSpPr/>
-          <p:nvPr/>
-        </p:nvCxnSpPr>
-        <p:spPr>
-          <a:xfrm>
-            <a:off x="838200" y="1133882"/>
-            <a:ext cx="10515600" cy="0"/>
-          </a:xfrm>
-          <a:prstGeom prst="line">
-            <a:avLst/>
-          </a:prstGeom>
-          <a:ln w="40132" cmpd="sng">
-            <a:solidFill>
-              <a:schemeClr val="accent1">
-                <a:lumMod val="60000"/>
-                <a:lumOff val="40000"/>
-              </a:schemeClr>
-            </a:solidFill>
-          </a:ln>
-        </p:spPr>
-        <p:style>
-          <a:lnRef idx="1">
-            <a:schemeClr val="accent1"/>
-          </a:lnRef>
-          <a:fillRef idx="0">
-            <a:schemeClr val="accent1"/>
-          </a:fillRef>
-          <a:effectRef idx="0">
-            <a:schemeClr val="accent1"/>
-          </a:effectRef>
-          <a:fontRef idx="minor">
-            <a:schemeClr val="tx1"/>
-          </a:fontRef>
-        </p:style>
-      </p:cxnSp>
-    </p:spTree>
-    <p:extLst>
-      <p:ext uri="{BB962C8B-B14F-4D97-AF65-F5344CB8AC3E}">
-        <p14:creationId xmlns:p14="http://schemas.microsoft.com/office/powerpoint/2010/main" val="1240383154"/>
-      </p:ext>
-    </p:extLst>
-  </p:cSld>
-  <p:clrMapOvr>
-    <a:masterClrMapping/>
-  </p:clrMapOvr>
-</p:sld>
-</file>
-
-<file path=ppt/slides/slide18.xml><?xml version="1.0" encoding="utf-8"?>
-<p:sld xmlns:a="http://schemas.openxmlformats.org/drawingml/2006/main" xmlns:r="http://schemas.openxmlformats.org/officeDocument/2006/relationships" xmlns:p="http://schemas.openxmlformats.org/presentationml/2006/main">
-  <p:cSld>
-    <p:spTree>
-      <p:nvGrpSpPr>
-        <p:cNvPr id="1" name=""/>
-        <p:cNvGrpSpPr/>
-        <p:nvPr/>
-      </p:nvGrpSpPr>
-      <p:grpSpPr>
-        <a:xfrm>
-          <a:off x="0" y="0"/>
-          <a:ext cx="0" cy="0"/>
-          <a:chOff x="0" y="0"/>
-          <a:chExt cx="0" cy="0"/>
-        </a:xfrm>
-      </p:grpSpPr>
-      <p:sp>
-        <p:nvSpPr>
-          <p:cNvPr id="2" name="제목 1"/>
-          <p:cNvSpPr>
-            <a:spLocks noGrp="1"/>
-          </p:cNvSpPr>
-          <p:nvPr>
-            <p:ph type="title"/>
-          </p:nvPr>
-        </p:nvSpPr>
-        <p:spPr>
-          <a:xfrm>
-            <a:off x="838200" y="272138"/>
-            <a:ext cx="10515600" cy="688760"/>
-          </a:xfrm>
-        </p:spPr>
-        <p:txBody>
-          <a:bodyPr>
-            <a:normAutofit fontScale="90000"/>
-          </a:bodyPr>
-          <a:lstStyle/>
-          <a:p>
-            <a:r>
-              <a:rPr kumimoji="1" lang="en-US" altLang="ko-KR" dirty="0">
-                <a:latin typeface="Arial" charset="0"/>
-                <a:ea typeface="Arial" charset="0"/>
-                <a:cs typeface="Arial" charset="0"/>
-              </a:rPr>
-              <a:t>Learning </a:t>
-            </a:r>
-            <a:r>
-              <a:rPr kumimoji="1" lang="en-US" altLang="ko-KR" dirty="0" smtClean="0">
-                <a:latin typeface="Arial" charset="0"/>
-                <a:ea typeface="Arial" charset="0"/>
-                <a:cs typeface="Arial" charset="0"/>
-              </a:rPr>
-              <a:t>Algorithm</a:t>
-            </a:r>
-            <a:endParaRPr kumimoji="1" lang="ko-KR" altLang="en-US" dirty="0">
-              <a:latin typeface="Arial" charset="0"/>
-              <a:ea typeface="Arial" charset="0"/>
-              <a:cs typeface="Arial" charset="0"/>
-            </a:endParaRPr>
-          </a:p>
-        </p:txBody>
-      </p:sp>
-      <mc:AlternateContent xmlns:mc="http://schemas.openxmlformats.org/markup-compatibility/2006" xmlns:a14="http://schemas.microsoft.com/office/drawing/2010/main">
-        <mc:Choice Requires="a14">
+      <mc:AlternateContent xmlns:mc="http://schemas.openxmlformats.org/markup-compatibility/2006">
+        <mc:Choice xmlns:a14="http://schemas.microsoft.com/office/drawing/2010/main" Requires="a14">
           <p:sp>
             <p:nvSpPr>
               <p:cNvPr id="3" name="내용 개체 틀 2"/>
@@ -18022,7 +18871,31 @@
                     <a:ea typeface="Arial" charset="0"/>
                     <a:cs typeface="Arial" charset="0"/>
                   </a:rPr>
-                  <a:t>the MAPE at each node number is the average value of </a:t>
+                  <a:t>the </a:t>
+                </a:r>
+                <a:r>
+                  <a:rPr kumimoji="1" lang="en-US" altLang="ko-KR" dirty="0" smtClean="0">
+                    <a:latin typeface="Arial" charset="0"/>
+                    <a:ea typeface="Arial" charset="0"/>
+                    <a:cs typeface="Arial" charset="0"/>
+                  </a:rPr>
+                  <a:t>RMSE</a:t>
+                </a:r>
+                <a:r>
+                  <a:rPr kumimoji="1" lang="en-US" altLang="ko-KR" dirty="0" smtClean="0">
+                    <a:latin typeface="Arial" charset="0"/>
+                    <a:ea typeface="Arial" charset="0"/>
+                    <a:cs typeface="Arial" charset="0"/>
+                  </a:rPr>
+                  <a:t> </a:t>
+                </a:r>
+                <a:r>
+                  <a:rPr kumimoji="1" lang="en-US" altLang="ko-KR" dirty="0">
+                    <a:latin typeface="Arial" charset="0"/>
+                    <a:ea typeface="Arial" charset="0"/>
+                    <a:cs typeface="Arial" charset="0"/>
+                  </a:rPr>
+                  <a:t>at each node number is the average value of </a:t>
                 </a:r>
                 <a:r>
                   <a:rPr kumimoji="1" lang="en-US" altLang="ko-KR" dirty="0" smtClean="0">
@@ -18049,7 +18922,7 @@
             </p:txBody>
           </p:sp>
         </mc:Choice>
-        <mc:Fallback xmlns="">
+        <mc:Fallback>
           <p:sp>
             <p:nvSpPr>
               <p:cNvPr id="3" name="내용 개체 틀 2"/>
@@ -18127,7 +19000,7 @@
       </p:cxnSp>
       <p:pic>
         <p:nvPicPr>
-          <p:cNvPr id="4" name="그림 3"/>
+          <p:cNvPr id="6" name="그림 5"/>
           <p:cNvPicPr>
             <a:picLocks noChangeAspect="1"/>
           </p:cNvPicPr>
@@ -18146,307 +19019,19 @@
           </a:stretch>
         </p:blipFill>
         <p:spPr>
-          <a:xfrm rot="20277546">
-            <a:off x="4028356" y="3860009"/>
-            <a:ext cx="3750523" cy="2164116"/>
+          <a:xfrm>
+            <a:off x="3213100" y="2910777"/>
+            <a:ext cx="5771573" cy="3967956"/>
           </a:xfrm>
           <a:prstGeom prst="rect">
             <a:avLst/>
           </a:prstGeom>
-          <a:ln>
-            <a:solidFill>
-              <a:srgbClr val="FF0000"/>
-            </a:solidFill>
-          </a:ln>
         </p:spPr>
       </p:pic>
     </p:spTree>
     <p:extLst>
       <p:ext uri="{BB962C8B-B14F-4D97-AF65-F5344CB8AC3E}">
         <p14:creationId xmlns:p14="http://schemas.microsoft.com/office/powerpoint/2010/main" val="778378426"/>
-      </p:ext>
-    </p:extLst>
-  </p:cSld>
-  <p:clrMapOvr>
-    <a:masterClrMapping/>
-  </p:clrMapOvr>
-</p:sld>
-</file>
-
-<file path=ppt/slides/slide19.xml><?xml version="1.0" encoding="utf-8"?>
-<p:sld xmlns:a="http://schemas.openxmlformats.org/drawingml/2006/main" xmlns:r="http://schemas.openxmlformats.org/officeDocument/2006/relationships" xmlns:p="http://schemas.openxmlformats.org/presentationml/2006/main">
-  <p:cSld>
-    <p:spTree>
-      <p:nvGrpSpPr>
-        <p:cNvPr id="1" name=""/>
-        <p:cNvGrpSpPr/>
-        <p:nvPr/>
-      </p:nvGrpSpPr>
-      <p:grpSpPr>
-        <a:xfrm>
-          <a:off x="0" y="0"/>
-          <a:ext cx="0" cy="0"/>
-          <a:chOff x="0" y="0"/>
-          <a:chExt cx="0" cy="0"/>
-        </a:xfrm>
-      </p:grpSpPr>
-      <p:sp>
-        <p:nvSpPr>
-          <p:cNvPr id="2" name="제목 1"/>
-          <p:cNvSpPr>
-            <a:spLocks noGrp="1"/>
-          </p:cNvSpPr>
-          <p:nvPr>
-            <p:ph type="title"/>
-          </p:nvPr>
-        </p:nvSpPr>
-        <p:spPr>
-          <a:xfrm>
-            <a:off x="838200" y="272138"/>
-            <a:ext cx="10515600" cy="688760"/>
-          </a:xfrm>
-        </p:spPr>
-        <p:txBody>
-          <a:bodyPr>
-            <a:normAutofit fontScale="90000"/>
-          </a:bodyPr>
-          <a:lstStyle/>
-          <a:p>
-            <a:r>
-              <a:rPr kumimoji="1" lang="en-US" altLang="ko-KR" dirty="0">
-                <a:latin typeface="Arial" charset="0"/>
-                <a:ea typeface="Arial" charset="0"/>
-                <a:cs typeface="Arial" charset="0"/>
-              </a:rPr>
-              <a:t>Learning </a:t>
-            </a:r>
-            <a:r>
-              <a:rPr kumimoji="1" lang="en-US" altLang="ko-KR" dirty="0" smtClean="0">
-                <a:latin typeface="Arial" charset="0"/>
-                <a:ea typeface="Arial" charset="0"/>
-                <a:cs typeface="Arial" charset="0"/>
-              </a:rPr>
-              <a:t>Algorithm</a:t>
-            </a:r>
-            <a:endParaRPr kumimoji="1" lang="ko-KR" altLang="en-US" dirty="0">
-              <a:latin typeface="Arial" charset="0"/>
-              <a:ea typeface="Arial" charset="0"/>
-              <a:cs typeface="Arial" charset="0"/>
-            </a:endParaRPr>
-          </a:p>
-        </p:txBody>
-      </p:sp>
-      <p:sp>
-        <p:nvSpPr>
-          <p:cNvPr id="3" name="내용 개체 틀 2"/>
-          <p:cNvSpPr>
-            <a:spLocks noGrp="1"/>
-          </p:cNvSpPr>
-          <p:nvPr>
-            <p:ph idx="1"/>
-          </p:nvPr>
-        </p:nvSpPr>
-        <p:spPr>
-          <a:xfrm>
-            <a:off x="838200" y="1363847"/>
-            <a:ext cx="10515600" cy="5284922"/>
-          </a:xfrm>
-        </p:spPr>
-        <p:txBody>
-          <a:bodyPr/>
-          <a:lstStyle/>
-          <a:p>
-            <a:r>
-              <a:rPr kumimoji="1" lang="en-US" altLang="ko-KR" dirty="0">
-                <a:latin typeface="Arial" charset="0"/>
-                <a:ea typeface="Arial" charset="0"/>
-                <a:cs typeface="Arial" charset="0"/>
-              </a:rPr>
-              <a:t>Hierarchical </a:t>
-            </a:r>
-            <a:r>
-              <a:rPr kumimoji="1" lang="en-US" altLang="ko-KR" dirty="0" smtClean="0">
-                <a:latin typeface="Arial" charset="0"/>
-                <a:ea typeface="Arial" charset="0"/>
-                <a:cs typeface="Arial" charset="0"/>
-              </a:rPr>
-              <a:t>ELM</a:t>
-            </a:r>
-          </a:p>
-          <a:p>
-            <a:pPr lvl="1"/>
-            <a:r>
-              <a:rPr kumimoji="1" lang="en-US" altLang="ko-KR" dirty="0">
-                <a:latin typeface="Arial" charset="0"/>
-                <a:ea typeface="Arial" charset="0"/>
-                <a:cs typeface="Arial" charset="0"/>
-              </a:rPr>
-              <a:t>Specs </a:t>
-            </a:r>
-            <a:r>
-              <a:rPr kumimoji="1" lang="en-US" altLang="ko-KR" dirty="0" smtClean="0">
-                <a:latin typeface="Arial" charset="0"/>
-                <a:ea typeface="Arial" charset="0"/>
-                <a:cs typeface="Arial" charset="0"/>
-              </a:rPr>
-              <a:t>:</a:t>
-            </a:r>
-          </a:p>
-          <a:p>
-            <a:pPr lvl="2"/>
-            <a:r>
-              <a:rPr kumimoji="1" lang="en-US" altLang="ko-KR" dirty="0">
-                <a:latin typeface="Arial" charset="0"/>
-                <a:ea typeface="Arial" charset="0"/>
-                <a:cs typeface="Arial" charset="0"/>
-              </a:rPr>
-              <a:t>Based on feed-forward neural network</a:t>
-            </a:r>
-          </a:p>
-          <a:p>
-            <a:pPr lvl="2"/>
-            <a:r>
-              <a:rPr kumimoji="1" lang="en-US" altLang="ko-KR" dirty="0">
-                <a:latin typeface="Arial" charset="0"/>
-                <a:ea typeface="Arial" charset="0"/>
-                <a:cs typeface="Arial" charset="0"/>
-              </a:rPr>
-              <a:t>Hyper </a:t>
-            </a:r>
-            <a:r>
-              <a:rPr kumimoji="1" lang="en-US" altLang="ko-KR" dirty="0" smtClean="0">
-                <a:latin typeface="Arial" charset="0"/>
-                <a:ea typeface="Arial" charset="0"/>
-                <a:cs typeface="Arial" charset="0"/>
-              </a:rPr>
-              <a:t>parameters</a:t>
-            </a:r>
-          </a:p>
-          <a:p>
-            <a:pPr lvl="3"/>
-            <a:r>
-              <a:rPr kumimoji="1" lang="en-US" altLang="ko-KR" dirty="0" smtClean="0">
-                <a:latin typeface="Arial" charset="0"/>
-                <a:ea typeface="Arial" charset="0"/>
-                <a:cs typeface="Arial" charset="0"/>
-              </a:rPr>
-              <a:t>Parameter </a:t>
-            </a:r>
-            <a:r>
-              <a:rPr kumimoji="1" lang="en-US" altLang="ko-KR" dirty="0">
-                <a:latin typeface="Arial" charset="0"/>
-                <a:ea typeface="Arial" charset="0"/>
-                <a:cs typeface="Arial" charset="0"/>
-              </a:rPr>
-              <a:t>C for the regularized least mean square calculation</a:t>
-            </a:r>
-          </a:p>
-          <a:p>
-            <a:pPr lvl="3"/>
-            <a:r>
-              <a:rPr kumimoji="1" lang="en-US" altLang="ko-KR" dirty="0">
-                <a:latin typeface="Arial" charset="0"/>
-                <a:ea typeface="Arial" charset="0"/>
-                <a:cs typeface="Arial" charset="0"/>
-              </a:rPr>
-              <a:t>Number of hidden layer</a:t>
-            </a:r>
-          </a:p>
-          <a:p>
-            <a:pPr lvl="3"/>
-            <a:r>
-              <a:rPr kumimoji="1" lang="en-US" altLang="ko-KR" dirty="0">
-                <a:latin typeface="Arial" charset="0"/>
-                <a:ea typeface="Arial" charset="0"/>
-                <a:cs typeface="Arial" charset="0"/>
-              </a:rPr>
-              <a:t>Number of nodes for each hidden </a:t>
-            </a:r>
-            <a:r>
-              <a:rPr kumimoji="1" lang="en-US" altLang="ko-KR" dirty="0" smtClean="0">
-                <a:latin typeface="Arial" charset="0"/>
-                <a:ea typeface="Arial" charset="0"/>
-                <a:cs typeface="Arial" charset="0"/>
-              </a:rPr>
-              <a:t>layer</a:t>
-            </a:r>
-          </a:p>
-          <a:p>
-            <a:pPr lvl="3"/>
-            <a:r>
-              <a:rPr kumimoji="1" lang="en-US" altLang="ko-KR" dirty="0">
-                <a:latin typeface="Arial" charset="0"/>
-                <a:ea typeface="Arial" charset="0"/>
-                <a:cs typeface="Arial" charset="0"/>
-              </a:rPr>
-              <a:t>Activation function</a:t>
-            </a:r>
-            <a:endParaRPr kumimoji="1" lang="ko-KR" altLang="en-US" dirty="0">
-              <a:latin typeface="Arial" charset="0"/>
-              <a:ea typeface="Arial" charset="0"/>
-              <a:cs typeface="Arial" charset="0"/>
-            </a:endParaRPr>
-          </a:p>
-          <a:p>
-            <a:pPr lvl="3"/>
-            <a:endParaRPr kumimoji="1" lang="en-US" altLang="ko-KR" dirty="0">
-              <a:latin typeface="Arial" charset="0"/>
-              <a:ea typeface="Arial" charset="0"/>
-              <a:cs typeface="Arial" charset="0"/>
-            </a:endParaRPr>
-          </a:p>
-          <a:p>
-            <a:pPr lvl="1"/>
-            <a:endParaRPr kumimoji="1" lang="ko-KR" altLang="en-US" dirty="0">
-              <a:latin typeface="Arial" charset="0"/>
-              <a:ea typeface="Arial" charset="0"/>
-              <a:cs typeface="Arial" charset="0"/>
-            </a:endParaRPr>
-          </a:p>
-        </p:txBody>
-      </p:sp>
-      <p:cxnSp>
-        <p:nvCxnSpPr>
-          <p:cNvPr id="5" name="직선 연결선[R] 4"/>
-          <p:cNvCxnSpPr/>
-          <p:nvPr/>
-        </p:nvCxnSpPr>
-        <p:spPr>
-          <a:xfrm>
-            <a:off x="838200" y="1133882"/>
-            <a:ext cx="10515600" cy="0"/>
-          </a:xfrm>
-          <a:prstGeom prst="line">
-            <a:avLst/>
-          </a:prstGeom>
-          <a:ln w="40132" cmpd="sng">
-            <a:solidFill>
-              <a:schemeClr val="accent1">
-                <a:lumMod val="60000"/>
-                <a:lumOff val="40000"/>
-              </a:schemeClr>
-            </a:solidFill>
-          </a:ln>
-        </p:spPr>
-        <p:style>
-          <a:lnRef idx="1">
-            <a:schemeClr val="accent1"/>
-          </a:lnRef>
-          <a:fillRef idx="0">
-            <a:schemeClr val="accent1"/>
-          </a:fillRef>
-          <a:effectRef idx="0">
-            <a:schemeClr val="accent1"/>
-          </a:effectRef>
-          <a:fontRef idx="minor">
-            <a:schemeClr val="tx1"/>
-          </a:fontRef>
-        </p:style>
-      </p:cxnSp>
-    </p:spTree>
-    <p:extLst>
-      <p:ext uri="{BB962C8B-B14F-4D97-AF65-F5344CB8AC3E}">
-        <p14:creationId xmlns:p14="http://schemas.microsoft.com/office/powerpoint/2010/main" val="1495907849"/>
       </p:ext>
     </p:extLst>
   </p:cSld>
@@ -18743,8 +19328,31 @@
                 <a:ea typeface="Arial" charset="0"/>
                 <a:cs typeface="Arial" charset="0"/>
               </a:rPr>
-              <a:t>structure in this paper</a:t>
-            </a:r>
+              <a:t>structure in this </a:t>
+            </a:r>
+            <a:r>
+              <a:rPr kumimoji="1" lang="en-US" altLang="ko-KR" dirty="0" smtClean="0">
+                <a:solidFill>
+                  <a:schemeClr val="bg1">
+                    <a:lumMod val="50000"/>
+                  </a:schemeClr>
+                </a:solidFill>
+                <a:latin typeface="Arial" charset="0"/>
+                <a:ea typeface="Arial" charset="0"/>
+                <a:cs typeface="Arial" charset="0"/>
+              </a:rPr>
+              <a:t>paper</a:t>
+            </a:r>
+            <a:endParaRPr kumimoji="1" lang="en-US" altLang="ko-KR" dirty="0" smtClean="0">
+              <a:solidFill>
+                <a:schemeClr val="bg1">
+                  <a:lumMod val="50000"/>
+                </a:schemeClr>
+              </a:solidFill>
+              <a:latin typeface="Arial" charset="0"/>
+              <a:ea typeface="Arial" charset="0"/>
+              <a:cs typeface="Arial" charset="0"/>
+            </a:endParaRPr>
           </a:p>
           <a:p>
             <a:r>
@@ -19002,8 +19610,8 @@
           </a:p>
         </p:txBody>
       </p:sp>
-      <mc:AlternateContent xmlns:mc="http://schemas.openxmlformats.org/markup-compatibility/2006" xmlns:a14="http://schemas.microsoft.com/office/drawing/2010/main">
-        <mc:Choice Requires="a14">
+      <mc:AlternateContent xmlns:mc="http://schemas.openxmlformats.org/markup-compatibility/2006">
+        <mc:Choice xmlns:a14="http://schemas.microsoft.com/office/drawing/2010/main" Requires="a14">
           <p:sp>
             <p:nvSpPr>
               <p:cNvPr id="3" name="내용 개체 틀 2"/>
@@ -19227,7 +19835,31 @@
                     <a:ea typeface="Arial" charset="0"/>
                     <a:cs typeface="Arial" charset="0"/>
                   </a:rPr>
-                  <a:t>the MAPE at each node number is the average value of </a:t>
+                  <a:t>the </a:t>
+                </a:r>
+                <a:r>
+                  <a:rPr kumimoji="1" lang="en-US" altLang="ko-KR" dirty="0" smtClean="0">
+                    <a:latin typeface="Arial" charset="0"/>
+                    <a:ea typeface="Arial" charset="0"/>
+                    <a:cs typeface="Arial" charset="0"/>
+                  </a:rPr>
+                  <a:t>RMSE</a:t>
+                </a:r>
+                <a:r>
+                  <a:rPr kumimoji="1" lang="en-US" altLang="ko-KR" dirty="0" smtClean="0">
+                    <a:latin typeface="Arial" charset="0"/>
+                    <a:ea typeface="Arial" charset="0"/>
+                    <a:cs typeface="Arial" charset="0"/>
+                  </a:rPr>
+                  <a:t> </a:t>
+                </a:r>
+                <a:r>
+                  <a:rPr kumimoji="1" lang="en-US" altLang="ko-KR" dirty="0">
+                    <a:latin typeface="Arial" charset="0"/>
+                    <a:ea typeface="Arial" charset="0"/>
+                    <a:cs typeface="Arial" charset="0"/>
+                  </a:rPr>
+                  <a:t>at each node number is the average value of </a:t>
                 </a:r>
                 <a:r>
                   <a:rPr kumimoji="1" lang="en-US" altLang="ko-KR" dirty="0" smtClean="0">
@@ -19262,7 +19894,7 @@
             </p:txBody>
           </p:sp>
         </mc:Choice>
-        <mc:Fallback xmlns="">
+        <mc:Fallback>
           <p:sp>
             <p:nvSpPr>
               <p:cNvPr id="3" name="내용 개체 틀 2"/>
@@ -19376,6 +20008,36 @@
           </a:p>
         </p:txBody>
       </p:sp>
+      <p:pic>
+        <p:nvPicPr>
+          <p:cNvPr id="4" name="그림 3"/>
+          <p:cNvPicPr>
+            <a:picLocks noChangeAspect="1"/>
+          </p:cNvPicPr>
+          <p:nvPr/>
+        </p:nvPicPr>
+        <p:blipFill>
+          <a:blip r:embed="rId3">
+            <a:extLst>
+              <a:ext uri="{28A0092B-C50C-407E-A947-70E740481C1C}">
+                <a14:useLocalDpi xmlns:a14="http://schemas.microsoft.com/office/drawing/2010/main" val="0"/>
+              </a:ext>
+            </a:extLst>
+          </a:blip>
+          <a:stretch>
+            <a:fillRect/>
+          </a:stretch>
+        </p:blipFill>
+        <p:spPr>
+          <a:xfrm>
+            <a:off x="3213100" y="2910777"/>
+            <a:ext cx="5771573" cy="3967956"/>
+          </a:xfrm>
+          <a:prstGeom prst="rect">
+            <a:avLst/>
+          </a:prstGeom>
+        </p:spPr>
+      </p:pic>
     </p:spTree>
     <p:extLst>
       <p:ext uri="{BB962C8B-B14F-4D97-AF65-F5344CB8AC3E}">
@@ -20087,7 +20749,7 @@
       </p:cxnSp>
       <p:pic>
         <p:nvPicPr>
-          <p:cNvPr id="4" name="그림 3"/>
+          <p:cNvPr id="6" name="그림 5"/>
           <p:cNvPicPr>
             <a:picLocks noChangeAspect="1"/>
           </p:cNvPicPr>
@@ -20107,8 +20769,8 @@
         </p:blipFill>
         <p:spPr>
           <a:xfrm>
-            <a:off x="2044700" y="1793876"/>
-            <a:ext cx="8102599" cy="5064124"/>
+            <a:off x="2222500" y="1536700"/>
+            <a:ext cx="7740073" cy="5321300"/>
           </a:xfrm>
           <a:prstGeom prst="rect">
             <a:avLst/>
@@ -20260,7 +20922,7 @@
       </p:cxnSp>
       <p:pic>
         <p:nvPicPr>
-          <p:cNvPr id="4" name="그림 3"/>
+          <p:cNvPr id="6" name="그림 5"/>
           <p:cNvPicPr>
             <a:picLocks noChangeAspect="1"/>
           </p:cNvPicPr>
@@ -20280,8 +20942,8 @@
         </p:blipFill>
         <p:spPr>
           <a:xfrm>
-            <a:off x="2044700" y="1793875"/>
-            <a:ext cx="8102600" cy="5064125"/>
+            <a:off x="2225963" y="1536700"/>
+            <a:ext cx="7740073" cy="5321300"/>
           </a:xfrm>
           <a:prstGeom prst="rect">
             <a:avLst/>
@@ -20423,6 +21085,44 @@
           </a:fontRef>
         </p:style>
       </p:cxnSp>
+      <p:sp>
+        <p:nvSpPr>
+          <p:cNvPr id="6" name="텍스트 상자 5"/>
+          <p:cNvSpPr txBox="1"/>
+          <p:nvPr/>
+        </p:nvSpPr>
+        <p:spPr>
+          <a:xfrm rot="19363460">
+            <a:off x="-944467" y="-739704"/>
+            <a:ext cx="2504220" cy="1200329"/>
+          </a:xfrm>
+          <a:prstGeom prst="rect">
+            <a:avLst/>
+          </a:prstGeom>
+          <a:noFill/>
+        </p:spPr>
+        <p:txBody>
+          <a:bodyPr wrap="square" rtlCol="0">
+            <a:spAutoFit/>
+          </a:bodyPr>
+          <a:lstStyle/>
+          <a:p>
+            <a:r>
+              <a:rPr lang="en-US" altLang="ko-KR" sz="2400" b="1" dirty="0">
+                <a:solidFill>
+                  <a:srgbClr val="FF0000"/>
+                </a:solidFill>
+              </a:rPr>
+              <a:t>Need supplementary contents</a:t>
+            </a:r>
+            <a:endParaRPr kumimoji="1" lang="ko-KR" altLang="en-US" sz="2400" b="1" dirty="0">
+              <a:solidFill>
+                <a:srgbClr val="FF0000"/>
+              </a:solidFill>
+            </a:endParaRPr>
+          </a:p>
+        </p:txBody>
+      </p:sp>
     </p:spTree>
     <p:extLst>
       <p:ext uri="{BB962C8B-B14F-4D97-AF65-F5344CB8AC3E}">
@@ -20568,7 +21268,7 @@
       </p:cxnSp>
       <p:pic>
         <p:nvPicPr>
-          <p:cNvPr id="4" name="그림 3"/>
+          <p:cNvPr id="6" name="그림 5"/>
           <p:cNvPicPr>
             <a:picLocks noChangeAspect="1"/>
           </p:cNvPicPr>
@@ -20588,8 +21288,8 @@
         </p:blipFill>
         <p:spPr>
           <a:xfrm>
-            <a:off x="2044700" y="1793875"/>
-            <a:ext cx="8102600" cy="5064125"/>
+            <a:off x="2225963" y="1536700"/>
+            <a:ext cx="7740073" cy="5321300"/>
           </a:xfrm>
           <a:prstGeom prst="rect">
             <a:avLst/>
@@ -20733,7 +21433,7 @@
       </p:cxnSp>
       <p:pic>
         <p:nvPicPr>
-          <p:cNvPr id="4" name="그림 3"/>
+          <p:cNvPr id="6" name="그림 5"/>
           <p:cNvPicPr>
             <a:picLocks noChangeAspect="1"/>
           </p:cNvPicPr>
@@ -20753,8 +21453,8 @@
         </p:blipFill>
         <p:spPr>
           <a:xfrm>
-            <a:off x="2052320" y="1803400"/>
-            <a:ext cx="8087360" cy="5054600"/>
+            <a:off x="2222500" y="1536700"/>
+            <a:ext cx="7740073" cy="5321300"/>
           </a:xfrm>
           <a:prstGeom prst="rect">
             <a:avLst/>
@@ -20949,7 +21649,7 @@
           <p:nvPr>
             <p:extLst>
               <p:ext uri="{D42A27DB-BD31-4B8C-83A1-F6EECF244321}">
-                <p14:modId xmlns:p14="http://schemas.microsoft.com/office/powerpoint/2010/main" val="1245483872"/>
+                <p14:modId xmlns:p14="http://schemas.microsoft.com/office/powerpoint/2010/main" val="925209236"/>
               </p:ext>
             </p:extLst>
           </p:nvPr>
@@ -21089,10 +21789,18 @@
                     <a:p>
                       <a:pPr algn="r" latinLnBrk="1"/>
                       <a:r>
-                        <a:rPr lang="nb-NO" altLang="ko-KR" dirty="0" smtClean="0"/>
+                        <a:rPr lang="nb-NO" altLang="ko-KR" dirty="0" smtClean="0">
+                          <a:solidFill>
+                            <a:schemeClr val="accent1"/>
+                          </a:solidFill>
+                        </a:rPr>
                         <a:t>0.14251752</a:t>
                       </a:r>
-                      <a:endParaRPr lang="ko-KR" altLang="en-US" dirty="0"/>
+                      <a:endParaRPr lang="ko-KR" altLang="en-US" dirty="0">
+                        <a:solidFill>
+                          <a:schemeClr val="accent1"/>
+                        </a:solidFill>
+                      </a:endParaRPr>
                     </a:p>
                   </a:txBody>
                   <a:tcPr anchor="ctr">
@@ -21114,10 +21822,18 @@
                     <a:p>
                       <a:pPr algn="r" latinLnBrk="1"/>
                       <a:r>
-                        <a:rPr lang="is-IS" altLang="ko-KR" dirty="0" smtClean="0"/>
+                        <a:rPr lang="is-IS" altLang="ko-KR" dirty="0" smtClean="0">
+                          <a:solidFill>
+                            <a:srgbClr val="FF0000"/>
+                          </a:solidFill>
+                        </a:rPr>
                         <a:t>0.000223489260592</a:t>
                       </a:r>
-                      <a:endParaRPr lang="ko-KR" altLang="en-US" dirty="0"/>
+                      <a:endParaRPr lang="ko-KR" altLang="en-US" dirty="0">
+                        <a:solidFill>
+                          <a:srgbClr val="FF0000"/>
+                        </a:solidFill>
+                      </a:endParaRPr>
                     </a:p>
                   </a:txBody>
                   <a:tcPr anchor="ctr"/>
@@ -21171,10 +21887,18 @@
                     <a:p>
                       <a:pPr algn="r" latinLnBrk="1"/>
                       <a:r>
-                        <a:rPr lang="is-IS" altLang="ko-KR" dirty="0" smtClean="0"/>
+                        <a:rPr lang="is-IS" altLang="ko-KR" dirty="0" smtClean="0">
+                          <a:solidFill>
+                            <a:srgbClr val="FF0000"/>
+                          </a:solidFill>
+                        </a:rPr>
                         <a:t>0.16046469</a:t>
                       </a:r>
-                      <a:endParaRPr lang="ko-KR" altLang="en-US" dirty="0"/>
+                      <a:endParaRPr lang="ko-KR" altLang="en-US" dirty="0">
+                        <a:solidFill>
+                          <a:srgbClr val="FF0000"/>
+                        </a:solidFill>
+                      </a:endParaRPr>
                     </a:p>
                   </a:txBody>
                   <a:tcPr anchor="ctr">
@@ -21196,10 +21920,18 @@
                     <a:p>
                       <a:pPr algn="r" latinLnBrk="1"/>
                       <a:r>
-                        <a:rPr lang="nb-NO" altLang="ko-KR" dirty="0" smtClean="0"/>
+                        <a:rPr lang="nb-NO" altLang="ko-KR" dirty="0" smtClean="0">
+                          <a:solidFill>
+                            <a:schemeClr val="accent1"/>
+                          </a:solidFill>
+                        </a:rPr>
                         <a:t>0.000211855384402</a:t>
                       </a:r>
-                      <a:endParaRPr lang="ko-KR" altLang="en-US" dirty="0"/>
+                      <a:endParaRPr lang="ko-KR" altLang="en-US" dirty="0">
+                        <a:solidFill>
+                          <a:schemeClr val="accent1"/>
+                        </a:solidFill>
+                      </a:endParaRPr>
                     </a:p>
                   </a:txBody>
                   <a:tcPr anchor="ctr"/>
@@ -21224,6 +21956,44 @@
           </a:graphicData>
         </a:graphic>
       </p:graphicFrame>
+      <p:sp>
+        <p:nvSpPr>
+          <p:cNvPr id="7" name="텍스트 상자 6"/>
+          <p:cNvSpPr txBox="1"/>
+          <p:nvPr/>
+        </p:nvSpPr>
+        <p:spPr>
+          <a:xfrm rot="19363460">
+            <a:off x="-944467" y="-739704"/>
+            <a:ext cx="2504220" cy="1200329"/>
+          </a:xfrm>
+          <a:prstGeom prst="rect">
+            <a:avLst/>
+          </a:prstGeom>
+          <a:noFill/>
+        </p:spPr>
+        <p:txBody>
+          <a:bodyPr wrap="square" rtlCol="0">
+            <a:spAutoFit/>
+          </a:bodyPr>
+          <a:lstStyle/>
+          <a:p>
+            <a:r>
+              <a:rPr lang="en-US" altLang="ko-KR" sz="2400" b="1" dirty="0">
+                <a:solidFill>
+                  <a:srgbClr val="FF0000"/>
+                </a:solidFill>
+              </a:rPr>
+              <a:t>Need supplementary contents</a:t>
+            </a:r>
+            <a:endParaRPr kumimoji="1" lang="ko-KR" altLang="en-US" sz="2400" b="1" dirty="0">
+              <a:solidFill>
+                <a:srgbClr val="FF0000"/>
+              </a:solidFill>
+            </a:endParaRPr>
+          </a:p>
+        </p:txBody>
+      </p:sp>
     </p:spTree>
     <p:extLst>
       <p:ext uri="{BB962C8B-B14F-4D97-AF65-F5344CB8AC3E}">
@@ -21383,7 +22153,7 @@
           <p:nvPr>
             <p:extLst>
               <p:ext uri="{D42A27DB-BD31-4B8C-83A1-F6EECF244321}">
-                <p14:modId xmlns:p14="http://schemas.microsoft.com/office/powerpoint/2010/main" val="132848817"/>
+                <p14:modId xmlns:p14="http://schemas.microsoft.com/office/powerpoint/2010/main" val="62541525"/>
               </p:ext>
             </p:extLst>
           </p:nvPr>
@@ -21523,10 +22293,18 @@
                     <a:p>
                       <a:pPr algn="r" latinLnBrk="1"/>
                       <a:r>
-                        <a:rPr lang="nb-NO" altLang="ko-KR" dirty="0" smtClean="0"/>
+                        <a:rPr lang="nb-NO" altLang="ko-KR" dirty="0" smtClean="0">
+                          <a:solidFill>
+                            <a:srgbClr val="FF0000"/>
+                          </a:solidFill>
+                        </a:rPr>
                         <a:t>0.084615210</a:t>
                       </a:r>
-                      <a:endParaRPr lang="ko-KR" altLang="en-US" dirty="0"/>
+                      <a:endParaRPr lang="ko-KR" altLang="en-US" dirty="0">
+                        <a:solidFill>
+                          <a:srgbClr val="FF0000"/>
+                        </a:solidFill>
+                      </a:endParaRPr>
                     </a:p>
                   </a:txBody>
                   <a:tcPr anchor="ctr">
@@ -21548,10 +22326,18 @@
                     <a:p>
                       <a:pPr algn="r" latinLnBrk="1"/>
                       <a:r>
-                        <a:rPr lang="is-IS" altLang="ko-KR" dirty="0" smtClean="0"/>
+                        <a:rPr lang="is-IS" altLang="ko-KR" dirty="0" smtClean="0">
+                          <a:solidFill>
+                            <a:srgbClr val="FF0000"/>
+                          </a:solidFill>
+                        </a:rPr>
                         <a:t>0.001075866072470</a:t>
                       </a:r>
-                      <a:endParaRPr lang="ko-KR" altLang="en-US" dirty="0"/>
+                      <a:endParaRPr lang="ko-KR" altLang="en-US" dirty="0">
+                        <a:solidFill>
+                          <a:srgbClr val="FF0000"/>
+                        </a:solidFill>
+                      </a:endParaRPr>
                     </a:p>
                   </a:txBody>
                   <a:tcPr anchor="ctr"/>
@@ -21605,10 +22391,18 @@
                     <a:p>
                       <a:pPr algn="r" latinLnBrk="1"/>
                       <a:r>
-                        <a:rPr lang="is-IS" altLang="ko-KR" dirty="0" smtClean="0"/>
+                        <a:rPr lang="is-IS" altLang="ko-KR" dirty="0" smtClean="0">
+                          <a:solidFill>
+                            <a:schemeClr val="accent1"/>
+                          </a:solidFill>
+                        </a:rPr>
                         <a:t>0.084134204</a:t>
                       </a:r>
-                      <a:endParaRPr lang="ko-KR" altLang="en-US" dirty="0"/>
+                      <a:endParaRPr lang="ko-KR" altLang="en-US" dirty="0">
+                        <a:solidFill>
+                          <a:schemeClr val="accent1"/>
+                        </a:solidFill>
+                      </a:endParaRPr>
                     </a:p>
                   </a:txBody>
                   <a:tcPr anchor="ctr">
@@ -21630,10 +22424,18 @@
                     <a:p>
                       <a:pPr algn="r" latinLnBrk="1"/>
                       <a:r>
-                        <a:rPr lang="is-IS" altLang="ko-KR" dirty="0" smtClean="0"/>
+                        <a:rPr lang="is-IS" altLang="ko-KR" dirty="0" smtClean="0">
+                          <a:solidFill>
+                            <a:schemeClr val="accent1"/>
+                          </a:solidFill>
+                        </a:rPr>
                         <a:t>0.000738290998444</a:t>
                       </a:r>
-                      <a:endParaRPr lang="ko-KR" altLang="en-US" dirty="0"/>
+                      <a:endParaRPr lang="ko-KR" altLang="en-US" dirty="0">
+                        <a:solidFill>
+                          <a:schemeClr val="accent1"/>
+                        </a:solidFill>
+                      </a:endParaRPr>
                     </a:p>
                   </a:txBody>
                   <a:tcPr anchor="ctr"/>
@@ -21658,6 +22460,44 @@
           </a:graphicData>
         </a:graphic>
       </p:graphicFrame>
+      <p:sp>
+        <p:nvSpPr>
+          <p:cNvPr id="8" name="텍스트 상자 7"/>
+          <p:cNvSpPr txBox="1"/>
+          <p:nvPr/>
+        </p:nvSpPr>
+        <p:spPr>
+          <a:xfrm rot="19363460">
+            <a:off x="-944467" y="-739704"/>
+            <a:ext cx="2504220" cy="1200329"/>
+          </a:xfrm>
+          <a:prstGeom prst="rect">
+            <a:avLst/>
+          </a:prstGeom>
+          <a:noFill/>
+        </p:spPr>
+        <p:txBody>
+          <a:bodyPr wrap="square" rtlCol="0">
+            <a:spAutoFit/>
+          </a:bodyPr>
+          <a:lstStyle/>
+          <a:p>
+            <a:r>
+              <a:rPr lang="en-US" altLang="ko-KR" sz="2400" b="1" dirty="0">
+                <a:solidFill>
+                  <a:srgbClr val="FF0000"/>
+                </a:solidFill>
+              </a:rPr>
+              <a:t>Need supplementary contents</a:t>
+            </a:r>
+            <a:endParaRPr kumimoji="1" lang="ko-KR" altLang="en-US" sz="2400" b="1" dirty="0">
+              <a:solidFill>
+                <a:srgbClr val="FF0000"/>
+              </a:solidFill>
+            </a:endParaRPr>
+          </a:p>
+        </p:txBody>
+      </p:sp>
     </p:spTree>
     <p:extLst>
       <p:ext uri="{BB962C8B-B14F-4D97-AF65-F5344CB8AC3E}">
@@ -21817,7 +22657,7 @@
           <p:nvPr>
             <p:extLst>
               <p:ext uri="{D42A27DB-BD31-4B8C-83A1-F6EECF244321}">
-                <p14:modId xmlns:p14="http://schemas.microsoft.com/office/powerpoint/2010/main" val="840262082"/>
+                <p14:modId xmlns:p14="http://schemas.microsoft.com/office/powerpoint/2010/main" val="1015907292"/>
               </p:ext>
             </p:extLst>
           </p:nvPr>
@@ -21957,10 +22797,18 @@
                     <a:p>
                       <a:pPr algn="r" latinLnBrk="1"/>
                       <a:r>
-                        <a:rPr lang="is-IS" altLang="ko-KR" dirty="0" smtClean="0"/>
+                        <a:rPr lang="is-IS" altLang="ko-KR" dirty="0" smtClean="0">
+                          <a:solidFill>
+                            <a:srgbClr val="FF0000"/>
+                          </a:solidFill>
+                        </a:rPr>
                         <a:t>0.091727159</a:t>
                       </a:r>
-                      <a:endParaRPr lang="ko-KR" altLang="en-US" dirty="0"/>
+                      <a:endParaRPr lang="ko-KR" altLang="en-US" dirty="0">
+                        <a:solidFill>
+                          <a:srgbClr val="FF0000"/>
+                        </a:solidFill>
+                      </a:endParaRPr>
                     </a:p>
                   </a:txBody>
                   <a:tcPr anchor="ctr">
@@ -21982,10 +22830,18 @@
                     <a:p>
                       <a:pPr algn="r" latinLnBrk="1"/>
                       <a:r>
-                        <a:rPr lang="is-IS" altLang="ko-KR" dirty="0" smtClean="0"/>
+                        <a:rPr lang="is-IS" altLang="ko-KR" dirty="0" smtClean="0">
+                          <a:solidFill>
+                            <a:srgbClr val="FF0000"/>
+                          </a:solidFill>
+                        </a:rPr>
                         <a:t>0.000965011574915</a:t>
                       </a:r>
-                      <a:endParaRPr lang="ko-KR" altLang="en-US" dirty="0"/>
+                      <a:endParaRPr lang="ko-KR" altLang="en-US" dirty="0">
+                        <a:solidFill>
+                          <a:srgbClr val="FF0000"/>
+                        </a:solidFill>
+                      </a:endParaRPr>
                     </a:p>
                   </a:txBody>
                   <a:tcPr anchor="ctr"/>
@@ -22039,10 +22895,18 @@
                     <a:p>
                       <a:pPr algn="r" latinLnBrk="1"/>
                       <a:r>
-                        <a:rPr lang="is-IS" altLang="ko-KR" dirty="0" smtClean="0"/>
+                        <a:rPr lang="is-IS" altLang="ko-KR" dirty="0" smtClean="0">
+                          <a:solidFill>
+                            <a:schemeClr val="accent1"/>
+                          </a:solidFill>
+                        </a:rPr>
                         <a:t>0.091034215</a:t>
                       </a:r>
-                      <a:endParaRPr lang="ko-KR" altLang="en-US" dirty="0"/>
+                      <a:endParaRPr lang="ko-KR" altLang="en-US" dirty="0">
+                        <a:solidFill>
+                          <a:schemeClr val="accent1"/>
+                        </a:solidFill>
+                      </a:endParaRPr>
                     </a:p>
                   </a:txBody>
                   <a:tcPr anchor="ctr">
@@ -22064,10 +22928,18 @@
                     <a:p>
                       <a:pPr algn="r" latinLnBrk="1"/>
                       <a:r>
-                        <a:rPr lang="is-IS" altLang="ko-KR" dirty="0" smtClean="0"/>
+                        <a:rPr lang="is-IS" altLang="ko-KR" dirty="0" smtClean="0">
+                          <a:solidFill>
+                            <a:schemeClr val="accent1"/>
+                          </a:solidFill>
+                        </a:rPr>
                         <a:t>0.000730282875860</a:t>
                       </a:r>
-                      <a:endParaRPr lang="ko-KR" altLang="en-US" dirty="0"/>
+                      <a:endParaRPr lang="ko-KR" altLang="en-US" dirty="0">
+                        <a:solidFill>
+                          <a:schemeClr val="accent1"/>
+                        </a:solidFill>
+                      </a:endParaRPr>
                     </a:p>
                   </a:txBody>
                   <a:tcPr anchor="ctr"/>
@@ -22092,6 +22964,44 @@
           </a:graphicData>
         </a:graphic>
       </p:graphicFrame>
+      <p:sp>
+        <p:nvSpPr>
+          <p:cNvPr id="8" name="텍스트 상자 7"/>
+          <p:cNvSpPr txBox="1"/>
+          <p:nvPr/>
+        </p:nvSpPr>
+        <p:spPr>
+          <a:xfrm rot="19363460">
+            <a:off x="-944467" y="-739704"/>
+            <a:ext cx="2504220" cy="1200329"/>
+          </a:xfrm>
+          <a:prstGeom prst="rect">
+            <a:avLst/>
+          </a:prstGeom>
+          <a:noFill/>
+        </p:spPr>
+        <p:txBody>
+          <a:bodyPr wrap="square" rtlCol="0">
+            <a:spAutoFit/>
+          </a:bodyPr>
+          <a:lstStyle/>
+          <a:p>
+            <a:r>
+              <a:rPr lang="en-US" altLang="ko-KR" sz="2400" b="1" dirty="0">
+                <a:solidFill>
+                  <a:srgbClr val="FF0000"/>
+                </a:solidFill>
+              </a:rPr>
+              <a:t>Need supplementary contents</a:t>
+            </a:r>
+            <a:endParaRPr kumimoji="1" lang="ko-KR" altLang="en-US" sz="2400" b="1" dirty="0">
+              <a:solidFill>
+                <a:srgbClr val="FF0000"/>
+              </a:solidFill>
+            </a:endParaRPr>
+          </a:p>
+        </p:txBody>
+      </p:sp>
     </p:spTree>
     <p:extLst>
       <p:ext uri="{BB962C8B-B14F-4D97-AF65-F5344CB8AC3E}">
@@ -22571,7 +23481,7 @@
           <p:nvPr>
             <p:extLst>
               <p:ext uri="{D42A27DB-BD31-4B8C-83A1-F6EECF244321}">
-                <p14:modId xmlns:p14="http://schemas.microsoft.com/office/powerpoint/2010/main" val="1171702000"/>
+                <p14:modId xmlns:p14="http://schemas.microsoft.com/office/powerpoint/2010/main" val="1858862994"/>
               </p:ext>
             </p:extLst>
           </p:nvPr>
@@ -22711,10 +23621,18 @@
                     <a:p>
                       <a:pPr algn="r" latinLnBrk="1"/>
                       <a:r>
-                        <a:rPr lang="is-IS" altLang="ko-KR" dirty="0" smtClean="0"/>
+                        <a:rPr lang="is-IS" altLang="ko-KR" dirty="0" smtClean="0">
+                          <a:solidFill>
+                            <a:srgbClr val="FF0000"/>
+                          </a:solidFill>
+                        </a:rPr>
                         <a:t>0.081853308</a:t>
                       </a:r>
-                      <a:endParaRPr lang="ko-KR" altLang="en-US" dirty="0"/>
+                      <a:endParaRPr lang="ko-KR" altLang="en-US" dirty="0">
+                        <a:solidFill>
+                          <a:srgbClr val="FF0000"/>
+                        </a:solidFill>
+                      </a:endParaRPr>
                     </a:p>
                   </a:txBody>
                   <a:tcPr anchor="ctr">
@@ -22736,10 +23654,18 @@
                     <a:p>
                       <a:pPr algn="r" latinLnBrk="1"/>
                       <a:r>
-                        <a:rPr lang="fi-FI" altLang="ko-KR" dirty="0" smtClean="0"/>
+                        <a:rPr lang="fi-FI" altLang="ko-KR" dirty="0" smtClean="0">
+                          <a:solidFill>
+                            <a:srgbClr val="FF0000"/>
+                          </a:solidFill>
+                        </a:rPr>
                         <a:t>0.001019103848060</a:t>
                       </a:r>
-                      <a:endParaRPr lang="ko-KR" altLang="en-US" dirty="0"/>
+                      <a:endParaRPr lang="ko-KR" altLang="en-US" dirty="0">
+                        <a:solidFill>
+                          <a:srgbClr val="FF0000"/>
+                        </a:solidFill>
+                      </a:endParaRPr>
                     </a:p>
                   </a:txBody>
                   <a:tcPr anchor="ctr"/>
@@ -22793,10 +23719,18 @@
                     <a:p>
                       <a:pPr algn="r" latinLnBrk="1"/>
                       <a:r>
-                        <a:rPr lang="is-IS" altLang="ko-KR" dirty="0" smtClean="0"/>
+                        <a:rPr lang="is-IS" altLang="ko-KR" dirty="0" smtClean="0">
+                          <a:solidFill>
+                            <a:schemeClr val="accent1"/>
+                          </a:solidFill>
+                        </a:rPr>
                         <a:t>0.080043132</a:t>
                       </a:r>
-                      <a:endParaRPr lang="ko-KR" altLang="en-US" dirty="0"/>
+                      <a:endParaRPr lang="ko-KR" altLang="en-US" dirty="0">
+                        <a:solidFill>
+                          <a:schemeClr val="accent1"/>
+                        </a:solidFill>
+                      </a:endParaRPr>
                     </a:p>
                   </a:txBody>
                   <a:tcPr anchor="ctr">
@@ -22818,10 +23752,18 @@
                     <a:p>
                       <a:pPr algn="r" latinLnBrk="1"/>
                       <a:r>
-                        <a:rPr lang="is-IS" altLang="ko-KR" dirty="0" smtClean="0"/>
+                        <a:rPr lang="is-IS" altLang="ko-KR" dirty="0" smtClean="0">
+                          <a:solidFill>
+                            <a:schemeClr val="accent1"/>
+                          </a:solidFill>
+                        </a:rPr>
                         <a:t>0.000597998594125</a:t>
                       </a:r>
-                      <a:endParaRPr lang="ko-KR" altLang="en-US" dirty="0"/>
+                      <a:endParaRPr lang="ko-KR" altLang="en-US" dirty="0">
+                        <a:solidFill>
+                          <a:schemeClr val="accent1"/>
+                        </a:solidFill>
+                      </a:endParaRPr>
                     </a:p>
                   </a:txBody>
                   <a:tcPr anchor="ctr"/>
@@ -22846,6 +23788,44 @@
           </a:graphicData>
         </a:graphic>
       </p:graphicFrame>
+      <p:sp>
+        <p:nvSpPr>
+          <p:cNvPr id="8" name="텍스트 상자 7"/>
+          <p:cNvSpPr txBox="1"/>
+          <p:nvPr/>
+        </p:nvSpPr>
+        <p:spPr>
+          <a:xfrm rot="19363460">
+            <a:off x="-944467" y="-739704"/>
+            <a:ext cx="2504220" cy="1200329"/>
+          </a:xfrm>
+          <a:prstGeom prst="rect">
+            <a:avLst/>
+          </a:prstGeom>
+          <a:noFill/>
+        </p:spPr>
+        <p:txBody>
+          <a:bodyPr wrap="square" rtlCol="0">
+            <a:spAutoFit/>
+          </a:bodyPr>
+          <a:lstStyle/>
+          <a:p>
+            <a:r>
+              <a:rPr lang="en-US" altLang="ko-KR" sz="2400" b="1" dirty="0">
+                <a:solidFill>
+                  <a:srgbClr val="FF0000"/>
+                </a:solidFill>
+              </a:rPr>
+              <a:t>Need supplementary contents</a:t>
+            </a:r>
+            <a:endParaRPr kumimoji="1" lang="ko-KR" altLang="en-US" sz="2400" b="1" dirty="0">
+              <a:solidFill>
+                <a:srgbClr val="FF0000"/>
+              </a:solidFill>
+            </a:endParaRPr>
+          </a:p>
+        </p:txBody>
+      </p:sp>
     </p:spTree>
     <p:extLst>
       <p:ext uri="{BB962C8B-B14F-4D97-AF65-F5344CB8AC3E}">
@@ -22935,12 +23915,12 @@
           <a:lstStyle/>
           <a:p>
             <a:r>
-              <a:rPr kumimoji="1" lang="en-US" altLang="ko-KR" dirty="0" smtClean="0">
-                <a:latin typeface="Arial" charset="0"/>
-                <a:ea typeface="Arial" charset="0"/>
-                <a:cs typeface="Arial" charset="0"/>
-              </a:rPr>
-              <a:t>Learning algorithm</a:t>
+              <a:rPr kumimoji="1" lang="en-US" altLang="ko-KR" dirty="0">
+                <a:latin typeface="Arial" charset="0"/>
+                <a:ea typeface="Arial" charset="0"/>
+                <a:cs typeface="Arial" charset="0"/>
+              </a:rPr>
+              <a:t>Data pre-processing</a:t>
             </a:r>
           </a:p>
           <a:p>
@@ -22951,7 +23931,111 @@
                 <a:ea typeface="Arial" charset="0"/>
                 <a:cs typeface="Arial" charset="0"/>
               </a:rPr>
-              <a:t>H-ELM showed excellent prediction accuracy compared to other methods</a:t>
+              <a:t>All experiments</a:t>
+            </a:r>
+            <a:r>
+              <a:rPr kumimoji="1" lang="ko-KR" altLang="en-US" dirty="0">
+                <a:latin typeface="Arial" charset="0"/>
+                <a:ea typeface="Arial" charset="0"/>
+                <a:cs typeface="Arial" charset="0"/>
+              </a:rPr>
+              <a:t> </a:t>
+            </a:r>
+            <a:r>
+              <a:rPr kumimoji="1" lang="en-US" altLang="ko-KR" dirty="0">
+                <a:latin typeface="Arial" charset="0"/>
+                <a:ea typeface="Arial" charset="0"/>
+                <a:cs typeface="Arial" charset="0"/>
+              </a:rPr>
+              <a:t>with various methods show that </a:t>
+            </a:r>
+            <a:r>
+              <a:rPr kumimoji="1" lang="en-US" altLang="ko-KR" dirty="0">
+                <a:solidFill>
+                  <a:schemeClr val="accent1"/>
+                </a:solidFill>
+                <a:latin typeface="Arial" charset="0"/>
+                <a:ea typeface="Arial" charset="0"/>
+                <a:cs typeface="Arial" charset="0"/>
+              </a:rPr>
+              <a:t>data preprocessing can help to get better performance</a:t>
+            </a:r>
+            <a:r>
+              <a:rPr kumimoji="1" lang="en-US" altLang="ko-KR" dirty="0">
+                <a:latin typeface="Arial" charset="0"/>
+                <a:ea typeface="Arial" charset="0"/>
+                <a:cs typeface="Arial" charset="0"/>
+              </a:rPr>
+              <a:t> in load </a:t>
+            </a:r>
+            <a:r>
+              <a:rPr kumimoji="1" lang="en-US" altLang="ko-KR" dirty="0" smtClean="0">
+                <a:latin typeface="Arial" charset="0"/>
+                <a:ea typeface="Arial" charset="0"/>
+                <a:cs typeface="Arial" charset="0"/>
+              </a:rPr>
+              <a:t>forecasting</a:t>
+            </a:r>
+          </a:p>
+          <a:p>
+            <a:pPr lvl="1"/>
+            <a:endParaRPr kumimoji="1" lang="en-US" altLang="ko-KR" dirty="0">
+              <a:latin typeface="Arial" charset="0"/>
+              <a:ea typeface="Arial" charset="0"/>
+              <a:cs typeface="Arial" charset="0"/>
+            </a:endParaRPr>
+          </a:p>
+          <a:p>
+            <a:r>
+              <a:rPr kumimoji="1" lang="en-US" altLang="ko-KR" dirty="0" smtClean="0">
+                <a:latin typeface="Arial" charset="0"/>
+                <a:ea typeface="Arial" charset="0"/>
+                <a:cs typeface="Arial" charset="0"/>
+              </a:rPr>
+              <a:t>Learning </a:t>
+            </a:r>
+            <a:r>
+              <a:rPr kumimoji="1" lang="en-US" altLang="ko-KR" dirty="0" smtClean="0">
+                <a:latin typeface="Arial" charset="0"/>
+                <a:ea typeface="Arial" charset="0"/>
+                <a:cs typeface="Arial" charset="0"/>
+              </a:rPr>
+              <a:t>algorithm</a:t>
+            </a:r>
+          </a:p>
+          <a:p>
+            <a:pPr lvl="1"/>
+            <a:r>
+              <a:rPr kumimoji="1" lang="en-US" altLang="ko-KR" dirty="0">
+                <a:latin typeface="Arial" charset="0"/>
+                <a:ea typeface="Arial" charset="0"/>
+                <a:cs typeface="Arial" charset="0"/>
+              </a:rPr>
+              <a:t>H-ELM showed </a:t>
+            </a:r>
+            <a:r>
+              <a:rPr kumimoji="1" lang="en-US" altLang="ko-KR" dirty="0" smtClean="0">
+                <a:latin typeface="Arial" charset="0"/>
+                <a:ea typeface="Arial" charset="0"/>
+                <a:cs typeface="Arial" charset="0"/>
+              </a:rPr>
+              <a:t>better </a:t>
+            </a:r>
+            <a:r>
+              <a:rPr kumimoji="1" lang="en-US" altLang="ko-KR" dirty="0">
+                <a:latin typeface="Arial" charset="0"/>
+                <a:ea typeface="Arial" charset="0"/>
+                <a:cs typeface="Arial" charset="0"/>
+              </a:rPr>
+              <a:t>prediction accuracy compared to </a:t>
+            </a:r>
+            <a:r>
+              <a:rPr kumimoji="1" lang="en-US" altLang="ko-KR" dirty="0" smtClean="0">
+                <a:latin typeface="Arial" charset="0"/>
+                <a:ea typeface="Arial" charset="0"/>
+                <a:cs typeface="Arial" charset="0"/>
+              </a:rPr>
+              <a:t>ELM</a:t>
             </a:r>
             <a:endParaRPr kumimoji="1" lang="en-US" altLang="ko-KR" dirty="0" smtClean="0">
               <a:latin typeface="Arial" charset="0"/>
@@ -22963,127 +24047,88 @@
             <a:pPr lvl="2"/>
             <a:r>
               <a:rPr kumimoji="1" lang="en-US" altLang="ko-KR" dirty="0" smtClean="0">
-                <a:latin typeface="Arial" charset="0"/>
-                <a:ea typeface="Arial" charset="0"/>
-                <a:cs typeface="Arial" charset="0"/>
-              </a:rPr>
-              <a:t>Better efficiency than gradient-descent based forecasting algorithm</a:t>
+                <a:solidFill>
+                  <a:schemeClr val="accent1"/>
+                </a:solidFill>
+                <a:latin typeface="Arial" charset="0"/>
+                <a:ea typeface="Arial" charset="0"/>
+                <a:cs typeface="Arial" charset="0"/>
+              </a:rPr>
+              <a:t>More </a:t>
+            </a:r>
+            <a:r>
+              <a:rPr kumimoji="1" lang="en-US" altLang="ko-KR" dirty="0">
+                <a:solidFill>
+                  <a:schemeClr val="accent1"/>
+                </a:solidFill>
+                <a:latin typeface="Arial" charset="0"/>
+                <a:ea typeface="Arial" charset="0"/>
+                <a:cs typeface="Arial" charset="0"/>
+              </a:rPr>
+              <a:t>accurate </a:t>
+            </a:r>
+            <a:r>
+              <a:rPr kumimoji="1" lang="en-US" altLang="ko-KR" dirty="0">
+                <a:latin typeface="Arial" charset="0"/>
+                <a:ea typeface="Arial" charset="0"/>
+                <a:cs typeface="Arial" charset="0"/>
+              </a:rPr>
+              <a:t>forecasting result </a:t>
+            </a:r>
+            <a:r>
+              <a:rPr kumimoji="1" lang="en-US" altLang="ko-KR" dirty="0" smtClean="0">
+                <a:latin typeface="Arial" charset="0"/>
+                <a:ea typeface="Arial" charset="0"/>
+                <a:cs typeface="Arial" charset="0"/>
+              </a:rPr>
+              <a:t>than single ELM</a:t>
             </a:r>
           </a:p>
           <a:p>
             <a:pPr lvl="2"/>
             <a:r>
+              <a:rPr kumimoji="1" lang="en-US" altLang="ko-KR" dirty="0">
+                <a:solidFill>
+                  <a:schemeClr val="accent1"/>
+                </a:solidFill>
+                <a:latin typeface="Arial" charset="0"/>
+                <a:ea typeface="Arial" charset="0"/>
+                <a:cs typeface="Arial" charset="0"/>
+              </a:rPr>
+              <a:t>Eliminating the problem of stability</a:t>
+            </a:r>
+            <a:r>
+              <a:rPr kumimoji="1" lang="en-US" altLang="ko-KR" dirty="0">
+                <a:latin typeface="Arial" charset="0"/>
+                <a:ea typeface="Arial" charset="0"/>
+                <a:cs typeface="Arial" charset="0"/>
+              </a:rPr>
+              <a:t>, which was a disadvantage of </a:t>
+            </a:r>
+            <a:r>
               <a:rPr kumimoji="1" lang="en-US" altLang="ko-KR" dirty="0" smtClean="0">
                 <a:latin typeface="Arial" charset="0"/>
                 <a:ea typeface="Arial" charset="0"/>
                 <a:cs typeface="Arial" charset="0"/>
               </a:rPr>
-              <a:t>More accurate forecasting result </a:t>
-            </a:r>
-            <a:r>
-              <a:rPr kumimoji="1" lang="en-US" altLang="ko-KR" dirty="0">
-                <a:latin typeface="Arial" charset="0"/>
-                <a:ea typeface="Arial" charset="0"/>
-                <a:cs typeface="Arial" charset="0"/>
-              </a:rPr>
-              <a:t>than gradient-descent based forecasting algorithm</a:t>
+              <a:t>ELM</a:t>
+            </a:r>
+          </a:p>
+          <a:p>
+            <a:pPr lvl="2"/>
+            <a:r>
+              <a:rPr kumimoji="1" lang="en-US" altLang="ko-KR" dirty="0" smtClean="0">
+                <a:latin typeface="Arial" charset="0"/>
+                <a:ea typeface="Arial" charset="0"/>
+                <a:cs typeface="Arial" charset="0"/>
+              </a:rPr>
+              <a:t>Similar training time compare to ELM</a:t>
             </a:r>
             <a:endParaRPr kumimoji="1" lang="en-US" altLang="ko-KR" dirty="0" smtClean="0">
               <a:latin typeface="Arial" charset="0"/>
               <a:ea typeface="Arial" charset="0"/>
               <a:cs typeface="Arial" charset="0"/>
             </a:endParaRPr>
-          </a:p>
-          <a:p>
-            <a:pPr lvl="2"/>
-            <a:r>
-              <a:rPr kumimoji="1" lang="en-US" altLang="ko-KR" dirty="0">
-                <a:latin typeface="Arial" charset="0"/>
-                <a:ea typeface="Arial" charset="0"/>
-                <a:cs typeface="Arial" charset="0"/>
-              </a:rPr>
-              <a:t>More accurate forecasting result </a:t>
-            </a:r>
-            <a:r>
-              <a:rPr kumimoji="1" lang="en-US" altLang="ko-KR" dirty="0" smtClean="0">
-                <a:latin typeface="Arial" charset="0"/>
-                <a:ea typeface="Arial" charset="0"/>
-                <a:cs typeface="Arial" charset="0"/>
-              </a:rPr>
-              <a:t>than single ELM</a:t>
-            </a:r>
-          </a:p>
-          <a:p>
-            <a:pPr lvl="2"/>
-            <a:r>
-              <a:rPr kumimoji="1" lang="en-US" altLang="ko-KR" dirty="0">
-                <a:latin typeface="Arial" charset="0"/>
-                <a:ea typeface="Arial" charset="0"/>
-                <a:cs typeface="Arial" charset="0"/>
-              </a:rPr>
-              <a:t>Eliminating the problem of stability, which was a disadvantage of </a:t>
-            </a:r>
-            <a:r>
-              <a:rPr kumimoji="1" lang="en-US" altLang="ko-KR" dirty="0" smtClean="0">
-                <a:latin typeface="Arial" charset="0"/>
-                <a:ea typeface="Arial" charset="0"/>
-                <a:cs typeface="Arial" charset="0"/>
-              </a:rPr>
-              <a:t>ELM</a:t>
-            </a:r>
-          </a:p>
-          <a:p>
-            <a:r>
-              <a:rPr kumimoji="1" lang="en-US" altLang="ko-KR" dirty="0" smtClean="0">
-                <a:latin typeface="Arial" charset="0"/>
-                <a:ea typeface="Arial" charset="0"/>
-                <a:cs typeface="Arial" charset="0"/>
-              </a:rPr>
-              <a:t>Data pre-processing</a:t>
-            </a:r>
-          </a:p>
-          <a:p>
-            <a:pPr lvl="1"/>
-            <a:r>
-              <a:rPr kumimoji="1" lang="en-US" altLang="ko-KR" dirty="0" smtClean="0">
-                <a:latin typeface="Arial" charset="0"/>
-                <a:ea typeface="Arial" charset="0"/>
-                <a:cs typeface="Arial" charset="0"/>
-              </a:rPr>
-              <a:t>All experiments</a:t>
-            </a:r>
-            <a:r>
-              <a:rPr kumimoji="1" lang="ko-KR" altLang="en-US" dirty="0" smtClean="0">
-                <a:latin typeface="Arial" charset="0"/>
-                <a:ea typeface="Arial" charset="0"/>
-                <a:cs typeface="Arial" charset="0"/>
-              </a:rPr>
-              <a:t> </a:t>
-            </a:r>
-            <a:r>
-              <a:rPr kumimoji="1" lang="en-US" altLang="ko-KR" dirty="0" smtClean="0">
-                <a:latin typeface="Arial" charset="0"/>
-                <a:ea typeface="Arial" charset="0"/>
-                <a:cs typeface="Arial" charset="0"/>
-              </a:rPr>
-              <a:t>with various methods </a:t>
-            </a:r>
-            <a:r>
-              <a:rPr kumimoji="1" lang="en-US" altLang="ko-KR" dirty="0">
-                <a:latin typeface="Arial" charset="0"/>
-                <a:ea typeface="Arial" charset="0"/>
-                <a:cs typeface="Arial" charset="0"/>
-              </a:rPr>
-              <a:t>show that data preprocessing can help </a:t>
-            </a:r>
-            <a:r>
-              <a:rPr kumimoji="1" lang="en-US" altLang="ko-KR" dirty="0" smtClean="0">
-                <a:latin typeface="Arial" charset="0"/>
-                <a:ea typeface="Arial" charset="0"/>
-                <a:cs typeface="Arial" charset="0"/>
-              </a:rPr>
-              <a:t>to get better performance in load forecasting</a:t>
-            </a:r>
           </a:p>
           <a:p>
             <a:pPr lvl="2"/>

--- a/ppt_slides/prepare_ELM2017_26MAY2017.pptx
+++ b/ppt_slides/prepare_ELM2017_26MAY2017.pptx
@@ -21044,13 +21044,317 @@
                 <a:ea typeface="Arial" charset="0"/>
                 <a:cs typeface="Arial" charset="0"/>
               </a:rPr>
-              <a:t>Training : ELM vs. H-ELM</a:t>
-            </a:r>
-            <a:endParaRPr kumimoji="1" lang="ko-KR" altLang="en-US" dirty="0">
+              <a:t>Training :</a:t>
+            </a:r>
+          </a:p>
+          <a:p>
+            <a:pPr lvl="1"/>
+            <a:r>
+              <a:rPr kumimoji="1" lang="en-US" altLang="ko-KR" dirty="0" smtClean="0">
+                <a:latin typeface="Arial" charset="0"/>
+                <a:ea typeface="Arial" charset="0"/>
+                <a:cs typeface="Arial" charset="0"/>
+              </a:rPr>
+              <a:t>Data pre-processing</a:t>
+            </a:r>
+          </a:p>
+          <a:p>
+            <a:pPr lvl="2"/>
+            <a:r>
+              <a:rPr kumimoji="1" lang="en-US" altLang="ko-KR" dirty="0" smtClean="0">
+                <a:latin typeface="Arial" charset="0"/>
+                <a:ea typeface="Arial" charset="0"/>
+                <a:cs typeface="Arial" charset="0"/>
+              </a:rPr>
+              <a:t> </a:t>
+            </a:r>
+            <a:r>
+              <a:rPr lang="en-US" altLang="ko-KR" dirty="0"/>
+              <a:t>As the number of input features increases through the data preprocessing process, the RMSE tends to </a:t>
+            </a:r>
+            <a:r>
+              <a:rPr lang="en-US" altLang="ko-KR" dirty="0" smtClean="0"/>
+              <a:t>decrease</a:t>
+            </a:r>
+          </a:p>
+          <a:p>
+            <a:pPr lvl="2">
+              <a:buFont typeface="Wingdings" charset="2"/>
+              <a:buChar char="è"/>
+            </a:pPr>
+            <a:r>
+              <a:rPr kumimoji="1" lang="en-US" altLang="ko-KR" dirty="0" smtClean="0">
+                <a:latin typeface="Arial" charset="0"/>
+                <a:ea typeface="Arial" charset="0"/>
+                <a:cs typeface="Arial" charset="0"/>
+                <a:sym typeface="Wingdings"/>
+              </a:rPr>
+              <a:t> Data pre-processing </a:t>
+            </a:r>
+            <a:r>
+              <a:rPr kumimoji="1" lang="en-US" altLang="ko-KR" dirty="0">
+                <a:latin typeface="Arial" charset="0"/>
+                <a:ea typeface="Arial" charset="0"/>
+                <a:cs typeface="Arial" charset="0"/>
+                <a:sym typeface="Wingdings"/>
+              </a:rPr>
+              <a:t>allows </a:t>
+            </a:r>
+            <a:r>
+              <a:rPr kumimoji="1" lang="en-US" altLang="ko-KR" dirty="0" smtClean="0">
+                <a:latin typeface="Arial" charset="0"/>
+                <a:ea typeface="Arial" charset="0"/>
+                <a:cs typeface="Arial" charset="0"/>
+                <a:sym typeface="Wingdings"/>
+              </a:rPr>
+              <a:t>extract more valuable features from input data </a:t>
+            </a:r>
+          </a:p>
+          <a:p>
+            <a:pPr lvl="2">
+              <a:buFont typeface="Wingdings" charset="2"/>
+              <a:buChar char="è"/>
+            </a:pPr>
+            <a:r>
+              <a:rPr kumimoji="1" lang="en-US" altLang="ko-KR" smtClean="0">
+                <a:latin typeface="Arial" charset="0"/>
+                <a:ea typeface="Arial" charset="0"/>
+                <a:cs typeface="Arial" charset="0"/>
+                <a:sym typeface="Wingdings"/>
+              </a:rPr>
+              <a:t> Data </a:t>
+            </a:r>
+            <a:r>
+              <a:rPr kumimoji="1" lang="en-US" altLang="ko-KR">
+                <a:latin typeface="Arial" charset="0"/>
+                <a:ea typeface="Arial" charset="0"/>
+                <a:cs typeface="Arial" charset="0"/>
+                <a:sym typeface="Wingdings"/>
+              </a:rPr>
+              <a:t>pre-processing allows</a:t>
+            </a:r>
+            <a:r>
+              <a:rPr kumimoji="1" lang="en-US" altLang="ko-KR" smtClean="0">
+                <a:latin typeface="Arial" charset="0"/>
+                <a:ea typeface="Arial" charset="0"/>
+                <a:cs typeface="Arial" charset="0"/>
+                <a:sym typeface="Wingdings"/>
+              </a:rPr>
+              <a:t> </a:t>
+            </a:r>
+            <a:r>
+              <a:rPr kumimoji="1" lang="en-US" altLang="ko-KR" dirty="0" smtClean="0">
+                <a:latin typeface="Arial" charset="0"/>
+                <a:ea typeface="Arial" charset="0"/>
+                <a:cs typeface="Arial" charset="0"/>
+                <a:sym typeface="Wingdings"/>
+              </a:rPr>
+              <a:t>accurate </a:t>
+            </a:r>
+            <a:r>
+              <a:rPr kumimoji="1" lang="en-US" altLang="ko-KR" dirty="0">
+                <a:latin typeface="Arial" charset="0"/>
+                <a:ea typeface="Arial" charset="0"/>
+                <a:cs typeface="Arial" charset="0"/>
+                <a:sym typeface="Wingdings"/>
+              </a:rPr>
+              <a:t>learning</a:t>
+            </a:r>
+            <a:endParaRPr lang="en-US" altLang="ko-KR" dirty="0" smtClean="0"/>
+          </a:p>
+          <a:p>
+            <a:pPr lvl="2"/>
+            <a:endParaRPr lang="en-US" altLang="ko-KR" dirty="0" smtClean="0"/>
+          </a:p>
+          <a:p>
+            <a:pPr lvl="1"/>
+            <a:r>
+              <a:rPr kumimoji="1" lang="en-US" altLang="ko-KR" dirty="0" smtClean="0">
+                <a:latin typeface="Arial" charset="0"/>
+                <a:ea typeface="Arial" charset="0"/>
+                <a:cs typeface="Arial" charset="0"/>
+              </a:rPr>
+              <a:t>ELM vs. H-ELM</a:t>
+            </a:r>
+          </a:p>
+          <a:p>
+            <a:pPr lvl="2"/>
+            <a:r>
+              <a:rPr kumimoji="1" lang="en-US" altLang="ko-KR" dirty="0">
+                <a:latin typeface="Arial" charset="0"/>
+                <a:ea typeface="Arial" charset="0"/>
+                <a:cs typeface="Arial" charset="0"/>
+              </a:rPr>
+              <a:t>HELM shows a smaller </a:t>
+            </a:r>
+            <a:r>
+              <a:rPr kumimoji="1" lang="en-US" altLang="ko-KR" dirty="0" smtClean="0">
+                <a:latin typeface="Arial" charset="0"/>
+                <a:ea typeface="Arial" charset="0"/>
+                <a:cs typeface="Arial" charset="0"/>
+              </a:rPr>
+              <a:t>value </a:t>
+            </a:r>
+            <a:r>
+              <a:rPr kumimoji="1" lang="en-US" altLang="ko-KR" dirty="0">
+                <a:latin typeface="Arial" charset="0"/>
+                <a:ea typeface="Arial" charset="0"/>
+                <a:cs typeface="Arial" charset="0"/>
+              </a:rPr>
+              <a:t>of RMSE than </a:t>
+            </a:r>
+            <a:r>
+              <a:rPr kumimoji="1" lang="en-US" altLang="ko-KR" dirty="0" smtClean="0">
+                <a:latin typeface="Arial" charset="0"/>
+                <a:ea typeface="Arial" charset="0"/>
+                <a:cs typeface="Arial" charset="0"/>
+              </a:rPr>
+              <a:t>ELM</a:t>
+            </a:r>
+          </a:p>
+          <a:p>
+            <a:pPr marL="914400" lvl="2" indent="0">
+              <a:buNone/>
+            </a:pPr>
+            <a:r>
+              <a:rPr kumimoji="1" lang="en-US" altLang="ko-KR" dirty="0" smtClean="0">
+                <a:latin typeface="Arial" charset="0"/>
+                <a:ea typeface="Arial" charset="0"/>
+                <a:cs typeface="Arial" charset="0"/>
+                <a:sym typeface="Wingdings"/>
+              </a:rPr>
+              <a:t></a:t>
+            </a:r>
+            <a:r>
+              <a:rPr kumimoji="1" lang="ko-KR" altLang="en-US" dirty="0" smtClean="0">
+                <a:latin typeface="Arial" charset="0"/>
+                <a:ea typeface="Arial" charset="0"/>
+                <a:cs typeface="Arial" charset="0"/>
+                <a:sym typeface="Wingdings"/>
+              </a:rPr>
+              <a:t> </a:t>
+            </a:r>
+            <a:r>
+              <a:rPr kumimoji="1" lang="en-US" altLang="ko-KR" dirty="0">
+                <a:latin typeface="Arial" charset="0"/>
+                <a:ea typeface="Arial" charset="0"/>
+                <a:cs typeface="Arial" charset="0"/>
+                <a:sym typeface="Wingdings"/>
+              </a:rPr>
+              <a:t>Compared to ELM, HELM allows accurate learning</a:t>
+            </a:r>
+            <a:endParaRPr kumimoji="1" lang="en-US" altLang="ko-KR" dirty="0" smtClean="0">
               <a:latin typeface="Arial" charset="0"/>
               <a:ea typeface="Arial" charset="0"/>
               <a:cs typeface="Arial" charset="0"/>
             </a:endParaRPr>
+          </a:p>
+          <a:p>
+            <a:pPr lvl="2"/>
+            <a:r>
+              <a:rPr kumimoji="1" lang="en-US" altLang="ko-KR" dirty="0">
+                <a:latin typeface="Arial" charset="0"/>
+                <a:ea typeface="Arial" charset="0"/>
+                <a:cs typeface="Arial" charset="0"/>
+              </a:rPr>
+              <a:t>HELM shows dense RMSE distribution compared to </a:t>
+            </a:r>
+            <a:r>
+              <a:rPr kumimoji="1" lang="en-US" altLang="ko-KR" dirty="0" smtClean="0">
+                <a:latin typeface="Arial" charset="0"/>
+                <a:ea typeface="Arial" charset="0"/>
+                <a:cs typeface="Arial" charset="0"/>
+              </a:rPr>
+              <a:t>ELM</a:t>
+            </a:r>
+          </a:p>
+          <a:p>
+            <a:pPr marL="914400" lvl="2" indent="0">
+              <a:buNone/>
+            </a:pPr>
+            <a:r>
+              <a:rPr kumimoji="1" lang="en-US" altLang="ko-KR" dirty="0" smtClean="0">
+                <a:latin typeface="Arial" charset="0"/>
+                <a:ea typeface="Arial" charset="0"/>
+                <a:cs typeface="Arial" charset="0"/>
+                <a:sym typeface="Wingdings"/>
+              </a:rPr>
+              <a:t></a:t>
+            </a:r>
+            <a:r>
+              <a:rPr kumimoji="1" lang="ko-KR" altLang="en-US" dirty="0" smtClean="0">
+                <a:latin typeface="Arial" charset="0"/>
+                <a:ea typeface="Arial" charset="0"/>
+                <a:cs typeface="Arial" charset="0"/>
+                <a:sym typeface="Wingdings"/>
+              </a:rPr>
+              <a:t> </a:t>
+            </a:r>
+            <a:r>
+              <a:rPr kumimoji="1" lang="en-US" altLang="ko-KR" dirty="0" smtClean="0">
+                <a:latin typeface="Arial" charset="0"/>
+                <a:ea typeface="Arial" charset="0"/>
+                <a:cs typeface="Arial" charset="0"/>
+                <a:sym typeface="Wingdings"/>
+              </a:rPr>
+              <a:t>C</a:t>
+            </a:r>
+            <a:r>
+              <a:rPr kumimoji="1" lang="en-US" altLang="ko-KR" dirty="0" smtClean="0">
+                <a:latin typeface="Arial" charset="0"/>
+                <a:ea typeface="Arial" charset="0"/>
+                <a:cs typeface="Arial" charset="0"/>
+              </a:rPr>
+              <a:t>ompared </a:t>
+            </a:r>
+            <a:r>
+              <a:rPr kumimoji="1" lang="en-US" altLang="ko-KR" dirty="0">
+                <a:latin typeface="Arial" charset="0"/>
+                <a:ea typeface="Arial" charset="0"/>
+                <a:cs typeface="Arial" charset="0"/>
+              </a:rPr>
+              <a:t>to </a:t>
+            </a:r>
+            <a:r>
+              <a:rPr kumimoji="1" lang="en-US" altLang="ko-KR" dirty="0" smtClean="0">
+                <a:latin typeface="Arial" charset="0"/>
+                <a:ea typeface="Arial" charset="0"/>
+                <a:cs typeface="Arial" charset="0"/>
+              </a:rPr>
+              <a:t>ELM,</a:t>
+            </a:r>
+            <a:r>
+              <a:rPr kumimoji="1" lang="ko-KR" altLang="en-US" dirty="0" smtClean="0">
+                <a:latin typeface="Arial" charset="0"/>
+                <a:ea typeface="Arial" charset="0"/>
+                <a:cs typeface="Arial" charset="0"/>
+              </a:rPr>
+              <a:t> </a:t>
+            </a:r>
+            <a:r>
+              <a:rPr kumimoji="1" lang="en-US" altLang="ko-KR" dirty="0" smtClean="0">
+                <a:latin typeface="Arial" charset="0"/>
+                <a:ea typeface="Arial" charset="0"/>
+                <a:cs typeface="Arial" charset="0"/>
+              </a:rPr>
+              <a:t>HELM </a:t>
+            </a:r>
+            <a:r>
+              <a:rPr kumimoji="1" lang="en-US" altLang="ko-KR" dirty="0">
+                <a:latin typeface="Arial" charset="0"/>
+                <a:ea typeface="Arial" charset="0"/>
+                <a:cs typeface="Arial" charset="0"/>
+              </a:rPr>
+              <a:t>shows stable RMSE </a:t>
+            </a:r>
+            <a:r>
+              <a:rPr kumimoji="1" lang="en-US" altLang="ko-KR" dirty="0" smtClean="0">
+                <a:latin typeface="Arial" charset="0"/>
+                <a:ea typeface="Arial" charset="0"/>
+                <a:cs typeface="Arial" charset="0"/>
+              </a:rPr>
+              <a:t>distribution</a:t>
+            </a:r>
           </a:p>
         </p:txBody>
       </p:sp>
@@ -21085,44 +21389,6 @@
           </a:fontRef>
         </p:style>
       </p:cxnSp>
-      <p:sp>
-        <p:nvSpPr>
-          <p:cNvPr id="6" name="텍스트 상자 5"/>
-          <p:cNvSpPr txBox="1"/>
-          <p:nvPr/>
-        </p:nvSpPr>
-        <p:spPr>
-          <a:xfrm rot="19363460">
-            <a:off x="-944467" y="-739704"/>
-            <a:ext cx="2504220" cy="1200329"/>
-          </a:xfrm>
-          <a:prstGeom prst="rect">
-            <a:avLst/>
-          </a:prstGeom>
-          <a:noFill/>
-        </p:spPr>
-        <p:txBody>
-          <a:bodyPr wrap="square" rtlCol="0">
-            <a:spAutoFit/>
-          </a:bodyPr>
-          <a:lstStyle/>
-          <a:p>
-            <a:r>
-              <a:rPr lang="en-US" altLang="ko-KR" sz="2400" b="1" dirty="0">
-                <a:solidFill>
-                  <a:srgbClr val="FF0000"/>
-                </a:solidFill>
-              </a:rPr>
-              <a:t>Need supplementary contents</a:t>
-            </a:r>
-            <a:endParaRPr kumimoji="1" lang="ko-KR" altLang="en-US" sz="2400" b="1" dirty="0">
-              <a:solidFill>
-                <a:srgbClr val="FF0000"/>
-              </a:solidFill>
-            </a:endParaRPr>
-          </a:p>
-        </p:txBody>
-      </p:sp>
     </p:spTree>
     <p:extLst>
       <p:ext uri="{BB962C8B-B14F-4D97-AF65-F5344CB8AC3E}">

--- a/ppt_slides/prepare_ELM2017_26MAY2017.pptx
+++ b/ppt_slides/prepare_ELM2017_26MAY2017.pptx
@@ -6939,10 +6939,10 @@
                     <a:ea typeface="Arial" charset="0"/>
                     <a:cs typeface="Arial" charset="0"/>
                   </a:rPr>
-                  <a:t>data of the previous </a:t>
+                  <a:t>data of </a:t>
                 </a:r>
                 <a:r>
-                  <a:rPr kumimoji="1" lang="en-US" altLang="ko-KR" dirty="0">
+                  <a:rPr kumimoji="1" lang="en-US" altLang="ko-KR" b="1" dirty="0">
                     <a:solidFill>
                       <a:schemeClr val="tx1"/>
                     </a:solidFill>
@@ -6950,10 +6950,10 @@
                     <a:ea typeface="Arial" charset="0"/>
                     <a:cs typeface="Arial" charset="0"/>
                   </a:rPr>
-                  <a:t>day</a:t>
+                  <a:t>the previous </a:t>
                 </a:r>
                 <a:r>
-                  <a:rPr kumimoji="1" lang="ko-KR" altLang="en-US" dirty="0" smtClean="0">
+                  <a:rPr kumimoji="1" lang="en-US" altLang="ko-KR" b="1" dirty="0">
                     <a:solidFill>
                       <a:schemeClr val="tx1"/>
                     </a:solidFill>
@@ -6961,10 +6961,21 @@
                     <a:ea typeface="Arial" charset="0"/>
                     <a:cs typeface="Arial" charset="0"/>
                   </a:rPr>
+                  <a:t>day</a:t>
+                </a:r>
+                <a:r>
+                  <a:rPr kumimoji="1" lang="ko-KR" altLang="en-US" b="1" dirty="0" smtClean="0">
+                    <a:solidFill>
+                      <a:schemeClr val="tx1"/>
+                    </a:solidFill>
+                    <a:latin typeface="Arial" charset="0"/>
+                    <a:ea typeface="Arial" charset="0"/>
+                    <a:cs typeface="Arial" charset="0"/>
+                  </a:rPr>
                   <a:t> </a:t>
                 </a:r>
                 <a:r>
-                  <a:rPr kumimoji="1" lang="en-US" altLang="ko-KR" dirty="0">
+                  <a:rPr kumimoji="1" lang="en-US" altLang="ko-KR" b="1" dirty="0">
                     <a:solidFill>
                       <a:schemeClr val="tx1"/>
                     </a:solidFill>
@@ -6979,7 +6990,7 @@
                     <m:sSub>
                       <m:sSubPr>
                         <m:ctrlPr>
-                          <a:rPr kumimoji="1" lang="en-US" altLang="ko-KR" i="1">
+                          <a:rPr kumimoji="1" lang="en-US" altLang="ko-KR" b="1" i="1">
                             <a:solidFill>
                               <a:schemeClr val="tx1"/>
                             </a:solidFill>
@@ -6991,7 +7002,7 @@
                       </m:sSubPr>
                       <m:e>
                         <m:r>
-                          <a:rPr kumimoji="1" lang="en-US" altLang="ko-KR" i="1">
+                          <a:rPr kumimoji="1" lang="en-US" altLang="ko-KR" b="1" i="1">
                             <a:solidFill>
                               <a:schemeClr val="tx1"/>
                             </a:solidFill>
@@ -6999,12 +7010,12 @@
                             <a:ea typeface="Arial" charset="0"/>
                             <a:cs typeface="Arial" charset="0"/>
                           </a:rPr>
-                          <m:t>𝑃</m:t>
+                          <m:t>𝑷</m:t>
                         </m:r>
                       </m:e>
                       <m:sub>
                         <m:r>
-                          <a:rPr kumimoji="1" lang="en-US" altLang="ko-KR" i="1">
+                          <a:rPr kumimoji="1" lang="en-US" altLang="ko-KR" b="1" i="1">
                             <a:solidFill>
                               <a:schemeClr val="tx1"/>
                             </a:solidFill>
@@ -7012,10 +7023,10 @@
                             <a:ea typeface="Arial" charset="0"/>
                             <a:cs typeface="Arial" charset="0"/>
                           </a:rPr>
-                          <m:t>𝑘</m:t>
+                          <m:t>𝒌</m:t>
                         </m:r>
                         <m:r>
-                          <a:rPr kumimoji="1" lang="en-US" altLang="ko-KR" i="1">
+                          <a:rPr kumimoji="1" lang="en-US" altLang="ko-KR" b="1" i="1">
                             <a:solidFill>
                               <a:schemeClr val="tx1"/>
                             </a:solidFill>
@@ -7023,12 +7034,23 @@
                             <a:ea typeface="Arial" charset="0"/>
                             <a:cs typeface="Arial" charset="0"/>
                           </a:rPr>
-                          <m:t>−1</m:t>
+                          <m:t>−</m:t>
+                        </m:r>
+                        <m:r>
+                          <a:rPr kumimoji="1" lang="en-US" altLang="ko-KR" b="1" i="1">
+                            <a:solidFill>
+                              <a:schemeClr val="tx1"/>
+                            </a:solidFill>
+                            <a:latin typeface="Arial" charset="0"/>
+                            <a:ea typeface="Arial" charset="0"/>
+                            <a:cs typeface="Arial" charset="0"/>
+                          </a:rPr>
+                          <m:t>𝟏</m:t>
                         </m:r>
                       </m:sub>
                     </m:sSub>
                     <m:r>
-                      <a:rPr kumimoji="1" lang="en-US" altLang="ko-KR" i="1">
+                      <a:rPr kumimoji="1" lang="en-US" altLang="ko-KR" b="1" i="1">
                         <a:solidFill>
                           <a:schemeClr val="tx1"/>
                         </a:solidFill>
@@ -7039,7 +7061,7 @@
                       <m:t>(</m:t>
                     </m:r>
                     <m:r>
-                      <a:rPr kumimoji="1" lang="en-US" altLang="ko-KR" i="1">
+                      <a:rPr kumimoji="1" lang="en-US" altLang="ko-KR" b="1" i="1">
                         <a:solidFill>
                           <a:schemeClr val="tx1"/>
                         </a:solidFill>
@@ -7047,10 +7069,10 @@
                         <a:ea typeface="Arial" charset="0"/>
                         <a:cs typeface="Arial" charset="0"/>
                       </a:rPr>
-                      <m:t>𝑖</m:t>
+                      <m:t>𝒊</m:t>
                     </m:r>
                     <m:r>
-                      <a:rPr kumimoji="1" lang="en-US" altLang="ko-KR" i="1">
+                      <a:rPr kumimoji="1" lang="en-US" altLang="ko-KR" b="1" i="1">
                         <a:solidFill>
                           <a:schemeClr val="tx1"/>
                         </a:solidFill>
@@ -7063,7 +7085,7 @@
                   </m:oMath>
                 </a14:m>
                 <a:r>
-                  <a:rPr kumimoji="1" lang="en-US" altLang="ko-KR" dirty="0">
+                  <a:rPr kumimoji="1" lang="en-US" altLang="ko-KR" b="1" dirty="0">
                     <a:solidFill>
                       <a:schemeClr val="tx1"/>
                     </a:solidFill>
@@ -7073,7 +7095,7 @@
                   </a:rPr>
                   <a:t>)</a:t>
                 </a:r>
-                <a:endParaRPr kumimoji="1" lang="en-US" altLang="ko-KR" dirty="0" smtClean="0">
+                <a:endParaRPr kumimoji="1" lang="en-US" altLang="ko-KR" b="1" dirty="0" smtClean="0">
                   <a:solidFill>
                     <a:schemeClr val="tx1"/>
                   </a:solidFill>
@@ -7107,7 +7129,7 @@
                   <a:t>data of </a:t>
                 </a:r>
                 <a:r>
-                  <a:rPr kumimoji="1" lang="en-US" altLang="ko-KR" dirty="0">
+                  <a:rPr kumimoji="1" lang="en-US" altLang="ko-KR" b="1" dirty="0">
                     <a:solidFill>
                       <a:schemeClr val="tx1"/>
                     </a:solidFill>
@@ -7118,7 +7140,7 @@
                   <a:t>t</a:t>
                 </a:r>
                 <a:r>
-                  <a:rPr lang="en-US" altLang="ko-KR" dirty="0">
+                  <a:rPr lang="en-US" altLang="ko-KR" b="1" dirty="0">
                     <a:solidFill>
                       <a:schemeClr val="tx1"/>
                     </a:solidFill>
@@ -7129,7 +7151,7 @@
                   <a:t>he </a:t>
                 </a:r>
                 <a:r>
-                  <a:rPr lang="en-US" altLang="ko-KR" dirty="0">
+                  <a:rPr lang="en-US" altLang="ko-KR" b="1" dirty="0">
                     <a:solidFill>
                       <a:schemeClr val="tx1"/>
                     </a:solidFill>
@@ -7140,7 +7162,7 @@
                   <a:t>same day of the previous week </a:t>
                 </a:r>
                 <a:r>
-                  <a:rPr kumimoji="1" lang="en-US" altLang="ko-KR" dirty="0">
+                  <a:rPr kumimoji="1" lang="en-US" altLang="ko-KR" b="1" dirty="0">
                     <a:solidFill>
                       <a:schemeClr val="tx1"/>
                     </a:solidFill>
@@ -7155,7 +7177,7 @@
                     <m:sSub>
                       <m:sSubPr>
                         <m:ctrlPr>
-                          <a:rPr kumimoji="1" lang="en-US" altLang="ko-KR" i="1">
+                          <a:rPr kumimoji="1" lang="en-US" altLang="ko-KR" b="1" i="1">
                             <a:solidFill>
                               <a:schemeClr val="tx1"/>
                             </a:solidFill>
@@ -7167,7 +7189,7 @@
                       </m:sSubPr>
                       <m:e>
                         <m:r>
-                          <a:rPr kumimoji="1" lang="en-US" altLang="ko-KR" i="1">
+                          <a:rPr kumimoji="1" lang="en-US" altLang="ko-KR" b="1" i="1">
                             <a:solidFill>
                               <a:schemeClr val="tx1"/>
                             </a:solidFill>
@@ -7175,12 +7197,12 @@
                             <a:ea typeface="Arial" charset="0"/>
                             <a:cs typeface="Arial" charset="0"/>
                           </a:rPr>
-                          <m:t>𝑃</m:t>
+                          <m:t>𝑷</m:t>
                         </m:r>
                       </m:e>
                       <m:sub>
                         <m:r>
-                          <a:rPr kumimoji="1" lang="en-US" altLang="ko-KR" i="1">
+                          <a:rPr kumimoji="1" lang="en-US" altLang="ko-KR" b="1" i="1">
                             <a:solidFill>
                               <a:schemeClr val="tx1"/>
                             </a:solidFill>
@@ -7188,10 +7210,10 @@
                             <a:ea typeface="Arial" charset="0"/>
                             <a:cs typeface="Arial" charset="0"/>
                           </a:rPr>
-                          <m:t>𝑘</m:t>
+                          <m:t>𝒌</m:t>
                         </m:r>
                         <m:r>
-                          <a:rPr kumimoji="1" lang="en-US" altLang="ko-KR" i="1">
+                          <a:rPr kumimoji="1" lang="en-US" altLang="ko-KR" b="1" i="1">
                             <a:solidFill>
                               <a:schemeClr val="tx1"/>
                             </a:solidFill>
@@ -7199,12 +7221,23 @@
                             <a:ea typeface="Arial" charset="0"/>
                             <a:cs typeface="Arial" charset="0"/>
                           </a:rPr>
-                          <m:t>−7</m:t>
+                          <m:t>−</m:t>
+                        </m:r>
+                        <m:r>
+                          <a:rPr kumimoji="1" lang="en-US" altLang="ko-KR" b="1" i="1">
+                            <a:solidFill>
+                              <a:schemeClr val="tx1"/>
+                            </a:solidFill>
+                            <a:latin typeface="Arial" charset="0"/>
+                            <a:ea typeface="Arial" charset="0"/>
+                            <a:cs typeface="Arial" charset="0"/>
+                          </a:rPr>
+                          <m:t>𝟕</m:t>
                         </m:r>
                       </m:sub>
                     </m:sSub>
                     <m:r>
-                      <a:rPr kumimoji="1" lang="en-US" altLang="ko-KR" i="1">
+                      <a:rPr kumimoji="1" lang="en-US" altLang="ko-KR" b="1" i="1">
                         <a:solidFill>
                           <a:schemeClr val="tx1"/>
                         </a:solidFill>
@@ -7215,7 +7248,7 @@
                       <m:t>(</m:t>
                     </m:r>
                     <m:r>
-                      <a:rPr kumimoji="1" lang="en-US" altLang="ko-KR" i="1">
+                      <a:rPr kumimoji="1" lang="en-US" altLang="ko-KR" b="1" i="1">
                         <a:solidFill>
                           <a:schemeClr val="tx1"/>
                         </a:solidFill>
@@ -7223,10 +7256,10 @@
                         <a:ea typeface="Arial" charset="0"/>
                         <a:cs typeface="Arial" charset="0"/>
                       </a:rPr>
-                      <m:t>𝑖</m:t>
+                      <m:t>𝒊</m:t>
                     </m:r>
                     <m:r>
-                      <a:rPr kumimoji="1" lang="en-US" altLang="ko-KR" i="1">
+                      <a:rPr kumimoji="1" lang="en-US" altLang="ko-KR" b="1" i="1">
                         <a:solidFill>
                           <a:schemeClr val="tx1"/>
                         </a:solidFill>
@@ -7239,7 +7272,7 @@
                   </m:oMath>
                 </a14:m>
                 <a:r>
-                  <a:rPr kumimoji="1" lang="en-US" altLang="ko-KR" dirty="0">
+                  <a:rPr kumimoji="1" lang="en-US" altLang="ko-KR" b="1" dirty="0">
                     <a:solidFill>
                       <a:schemeClr val="tx1"/>
                     </a:solidFill>
@@ -7249,7 +7282,7 @@
                   </a:rPr>
                   <a:t>)</a:t>
                 </a:r>
-                <a:endParaRPr kumimoji="1" lang="en-US" altLang="ko-KR" dirty="0" smtClean="0">
+                <a:endParaRPr kumimoji="1" lang="en-US" altLang="ko-KR" b="1" dirty="0" smtClean="0">
                   <a:solidFill>
                     <a:schemeClr val="tx1"/>
                   </a:solidFill>
@@ -20749,7 +20782,7 @@
       </p:cxnSp>
       <p:pic>
         <p:nvPicPr>
-          <p:cNvPr id="6" name="그림 5"/>
+          <p:cNvPr id="7" name="그림 6"/>
           <p:cNvPicPr>
             <a:picLocks noChangeAspect="1"/>
           </p:cNvPicPr>
@@ -20922,7 +20955,7 @@
       </p:cxnSp>
       <p:pic>
         <p:nvPicPr>
-          <p:cNvPr id="6" name="그림 5"/>
+          <p:cNvPr id="7" name="그림 6"/>
           <p:cNvPicPr>
             <a:picLocks noChangeAspect="1"/>
           </p:cNvPicPr>
@@ -20942,7 +20975,7 @@
         </p:blipFill>
         <p:spPr>
           <a:xfrm>
-            <a:off x="2225963" y="1536700"/>
+            <a:off x="2222500" y="1536700"/>
             <a:ext cx="7740073" cy="5321300"/>
           </a:xfrm>
           <a:prstGeom prst="rect">
@@ -21116,7 +21149,7 @@
               <a:buChar char="è"/>
             </a:pPr>
             <a:r>
-              <a:rPr kumimoji="1" lang="en-US" altLang="ko-KR" smtClean="0">
+              <a:rPr kumimoji="1" lang="en-US" altLang="ko-KR" dirty="0" smtClean="0">
                 <a:latin typeface="Arial" charset="0"/>
                 <a:ea typeface="Arial" charset="0"/>
                 <a:cs typeface="Arial" charset="0"/>
@@ -21125,7 +21158,7 @@
               <a:t> Data </a:t>
             </a:r>
             <a:r>
-              <a:rPr kumimoji="1" lang="en-US" altLang="ko-KR">
+              <a:rPr kumimoji="1" lang="en-US" altLang="ko-KR" dirty="0">
                 <a:latin typeface="Arial" charset="0"/>
                 <a:ea typeface="Arial" charset="0"/>
                 <a:cs typeface="Arial" charset="0"/>
@@ -21134,22 +21167,13 @@
               <a:t>pre-processing allows</a:t>
             </a:r>
             <a:r>
-              <a:rPr kumimoji="1" lang="en-US" altLang="ko-KR" smtClean="0">
+              <a:rPr kumimoji="1" lang="en-US" altLang="ko-KR" dirty="0" smtClean="0">
                 <a:latin typeface="Arial" charset="0"/>
                 <a:ea typeface="Arial" charset="0"/>
                 <a:cs typeface="Arial" charset="0"/>
                 <a:sym typeface="Wingdings"/>
               </a:rPr>
-              <a:t> </a:t>
-            </a:r>
-            <a:r>
-              <a:rPr kumimoji="1" lang="en-US" altLang="ko-KR" dirty="0" smtClean="0">
-                <a:latin typeface="Arial" charset="0"/>
-                <a:ea typeface="Arial" charset="0"/>
-                <a:cs typeface="Arial" charset="0"/>
-                <a:sym typeface="Wingdings"/>
-              </a:rPr>
-              <a:t>accurate </a:t>
+              <a:t> accurate </a:t>
             </a:r>
             <a:r>
               <a:rPr kumimoji="1" lang="en-US" altLang="ko-KR" dirty="0">
@@ -21534,7 +21558,7 @@
       </p:cxnSp>
       <p:pic>
         <p:nvPicPr>
-          <p:cNvPr id="6" name="그림 5"/>
+          <p:cNvPr id="7" name="그림 6"/>
           <p:cNvPicPr>
             <a:picLocks noChangeAspect="1"/>
           </p:cNvPicPr>
@@ -21554,7 +21578,7 @@
         </p:blipFill>
         <p:spPr>
           <a:xfrm>
-            <a:off x="2225963" y="1536700"/>
+            <a:off x="2222500" y="1536700"/>
             <a:ext cx="7740073" cy="5321300"/>
           </a:xfrm>
           <a:prstGeom prst="rect">
@@ -21699,7 +21723,7 @@
       </p:cxnSp>
       <p:pic>
         <p:nvPicPr>
-          <p:cNvPr id="6" name="그림 5"/>
+          <p:cNvPr id="7" name="그림 6"/>
           <p:cNvPicPr>
             <a:picLocks noChangeAspect="1"/>
           </p:cNvPicPr>
@@ -21719,7 +21743,7 @@
         </p:blipFill>
         <p:spPr>
           <a:xfrm>
-            <a:off x="2222500" y="1536700"/>
+            <a:off x="2225963" y="1536700"/>
             <a:ext cx="7740073" cy="5321300"/>
           </a:xfrm>
           <a:prstGeom prst="rect">
@@ -21837,7 +21861,69 @@
                 <a:ea typeface="Arial" charset="0"/>
                 <a:cs typeface="Arial" charset="0"/>
               </a:rPr>
-              <a:t>: ELM vs. H-ELM</a:t>
+              <a:t>: </a:t>
+            </a:r>
+            <a:endParaRPr kumimoji="1" lang="en-US" altLang="ko-KR" dirty="0" smtClean="0">
+              <a:latin typeface="Arial" charset="0"/>
+              <a:ea typeface="Arial" charset="0"/>
+              <a:cs typeface="Arial" charset="0"/>
+            </a:endParaRPr>
+          </a:p>
+          <a:p>
+            <a:pPr lvl="1"/>
+            <a:r>
+              <a:rPr kumimoji="1" lang="en-US" altLang="ko-KR" dirty="0" smtClean="0">
+                <a:latin typeface="Arial" charset="0"/>
+                <a:ea typeface="Arial" charset="0"/>
+                <a:cs typeface="Arial" charset="0"/>
+              </a:rPr>
+              <a:t>Data-preprocessing</a:t>
+            </a:r>
+          </a:p>
+          <a:p>
+            <a:pPr lvl="2"/>
+            <a:r>
+              <a:rPr kumimoji="1" lang="en-US" altLang="ko-KR" dirty="0">
+                <a:latin typeface="Arial" charset="0"/>
+                <a:ea typeface="Arial" charset="0"/>
+                <a:cs typeface="Arial" charset="0"/>
+              </a:rPr>
+              <a:t>It seems to show stable predicted values, but it outputs inaccurate predictions each time because the feature types of the input data are too small</a:t>
+            </a:r>
+            <a:endParaRPr kumimoji="1" lang="en-US" altLang="ko-KR" dirty="0" smtClean="0">
+              <a:latin typeface="Arial" charset="0"/>
+              <a:ea typeface="Arial" charset="0"/>
+              <a:cs typeface="Arial" charset="0"/>
+            </a:endParaRPr>
+          </a:p>
+          <a:p>
+            <a:pPr lvl="1"/>
+            <a:r>
+              <a:rPr kumimoji="1" lang="en-US" altLang="ko-KR" dirty="0" smtClean="0">
+                <a:latin typeface="Arial" charset="0"/>
+                <a:ea typeface="Arial" charset="0"/>
+                <a:cs typeface="Arial" charset="0"/>
+              </a:rPr>
+              <a:t>ELM vs. H-ELM</a:t>
+            </a:r>
+          </a:p>
+          <a:p>
+            <a:pPr lvl="2"/>
+            <a:r>
+              <a:rPr kumimoji="1" lang="en-US" altLang="ko-KR" dirty="0">
+                <a:latin typeface="Arial" charset="0"/>
+                <a:ea typeface="Arial" charset="0"/>
+                <a:cs typeface="Arial" charset="0"/>
+              </a:rPr>
+              <a:t>ELM shows a prediction with a smaller RMSE than HELM, but this is not meaningful because it is an </a:t>
+            </a:r>
+            <a:r>
+              <a:rPr kumimoji="1" lang="en-US" altLang="ko-KR" dirty="0" smtClean="0">
+                <a:latin typeface="Arial" charset="0"/>
+                <a:ea typeface="Arial" charset="0"/>
+                <a:cs typeface="Arial" charset="0"/>
+              </a:rPr>
+              <a:t>inaccurate prediction</a:t>
             </a:r>
             <a:endParaRPr kumimoji="1" lang="ko-KR" altLang="en-US" dirty="0">
               <a:latin typeface="Arial" charset="0"/>
@@ -21915,13 +22001,13 @@
           <p:nvPr>
             <p:extLst>
               <p:ext uri="{D42A27DB-BD31-4B8C-83A1-F6EECF244321}">
-                <p14:modId xmlns:p14="http://schemas.microsoft.com/office/powerpoint/2010/main" val="925209236"/>
+                <p14:modId xmlns:p14="http://schemas.microsoft.com/office/powerpoint/2010/main" val="594227859"/>
               </p:ext>
             </p:extLst>
           </p:nvPr>
         </p:nvGraphicFramePr>
         <p:xfrm>
-          <a:off x="962332" y="3790337"/>
+          <a:off x="962332" y="4374534"/>
           <a:ext cx="10267336" cy="1470199"/>
         </p:xfrm>
         <a:graphic>
@@ -22222,44 +22308,6 @@
           </a:graphicData>
         </a:graphic>
       </p:graphicFrame>
-      <p:sp>
-        <p:nvSpPr>
-          <p:cNvPr id="7" name="텍스트 상자 6"/>
-          <p:cNvSpPr txBox="1"/>
-          <p:nvPr/>
-        </p:nvSpPr>
-        <p:spPr>
-          <a:xfrm rot="19363460">
-            <a:off x="-944467" y="-739704"/>
-            <a:ext cx="2504220" cy="1200329"/>
-          </a:xfrm>
-          <a:prstGeom prst="rect">
-            <a:avLst/>
-          </a:prstGeom>
-          <a:noFill/>
-        </p:spPr>
-        <p:txBody>
-          <a:bodyPr wrap="square" rtlCol="0">
-            <a:spAutoFit/>
-          </a:bodyPr>
-          <a:lstStyle/>
-          <a:p>
-            <a:r>
-              <a:rPr lang="en-US" altLang="ko-KR" sz="2400" b="1" dirty="0">
-                <a:solidFill>
-                  <a:srgbClr val="FF0000"/>
-                </a:solidFill>
-              </a:rPr>
-              <a:t>Need supplementary contents</a:t>
-            </a:r>
-            <a:endParaRPr kumimoji="1" lang="ko-KR" altLang="en-US" sz="2400" b="1" dirty="0">
-              <a:solidFill>
-                <a:srgbClr val="FF0000"/>
-              </a:solidFill>
-            </a:endParaRPr>
-          </a:p>
-        </p:txBody>
-      </p:sp>
     </p:spTree>
     <p:extLst>
       <p:ext uri="{BB962C8B-B14F-4D97-AF65-F5344CB8AC3E}">
@@ -22362,8 +22410,68 @@
                 <a:ea typeface="Arial" charset="0"/>
                 <a:cs typeface="Arial" charset="0"/>
               </a:rPr>
-              <a:t>Testing : ELM vs. H-ELM</a:t>
-            </a:r>
+              <a:t>Testing : </a:t>
+            </a:r>
+          </a:p>
+          <a:p>
+            <a:pPr lvl="1"/>
+            <a:r>
+              <a:rPr kumimoji="1" lang="en-US" altLang="ko-KR" dirty="0" smtClean="0">
+                <a:latin typeface="Arial" charset="0"/>
+                <a:ea typeface="Arial" charset="0"/>
+                <a:cs typeface="Arial" charset="0"/>
+              </a:rPr>
+              <a:t>Data-preprocessing</a:t>
+            </a:r>
+          </a:p>
+          <a:p>
+            <a:pPr lvl="2"/>
+            <a:r>
+              <a:rPr kumimoji="1" lang="en-US" altLang="ko-KR" dirty="0">
+                <a:latin typeface="Arial" charset="0"/>
+                <a:ea typeface="Arial" charset="0"/>
+                <a:cs typeface="Arial" charset="0"/>
+              </a:rPr>
+              <a:t>The number of types of features input through the data preprocessing has been increased, and as a result more accurate prediction has become possible</a:t>
+            </a:r>
+          </a:p>
+          <a:p>
+            <a:pPr lvl="1"/>
+            <a:r>
+              <a:rPr kumimoji="1" lang="en-US" altLang="ko-KR" dirty="0">
+                <a:latin typeface="Arial" charset="0"/>
+                <a:ea typeface="Arial" charset="0"/>
+                <a:cs typeface="Arial" charset="0"/>
+              </a:rPr>
+              <a:t>ELM vs. </a:t>
+            </a:r>
+            <a:r>
+              <a:rPr kumimoji="1" lang="en-US" altLang="ko-KR" dirty="0" smtClean="0">
+                <a:latin typeface="Arial" charset="0"/>
+                <a:ea typeface="Arial" charset="0"/>
+                <a:cs typeface="Arial" charset="0"/>
+              </a:rPr>
+              <a:t>H-ELM</a:t>
+            </a:r>
+          </a:p>
+          <a:p>
+            <a:pPr lvl="2"/>
+            <a:r>
+              <a:rPr kumimoji="1" lang="en-US" altLang="ko-KR" dirty="0">
+                <a:latin typeface="Arial" charset="0"/>
+                <a:ea typeface="Arial" charset="0"/>
+                <a:cs typeface="Arial" charset="0"/>
+              </a:rPr>
+              <a:t>ELM and HELM show similar RMSE results, but HELM performs more stable predictions</a:t>
+            </a:r>
+            <a:endParaRPr kumimoji="1" lang="ko-KR" altLang="en-US" dirty="0">
+              <a:latin typeface="Arial" charset="0"/>
+              <a:ea typeface="Arial" charset="0"/>
+              <a:cs typeface="Arial" charset="0"/>
+            </a:endParaRPr>
+          </a:p>
+          <a:p>
+            <a:pPr lvl="1"/>
             <a:endParaRPr kumimoji="1" lang="ko-KR" altLang="en-US" dirty="0">
               <a:latin typeface="Arial" charset="0"/>
               <a:ea typeface="Arial" charset="0"/>
@@ -22419,13 +22527,13 @@
           <p:nvPr>
             <p:extLst>
               <p:ext uri="{D42A27DB-BD31-4B8C-83A1-F6EECF244321}">
-                <p14:modId xmlns:p14="http://schemas.microsoft.com/office/powerpoint/2010/main" val="62541525"/>
+                <p14:modId xmlns:p14="http://schemas.microsoft.com/office/powerpoint/2010/main" val="1482577207"/>
               </p:ext>
             </p:extLst>
           </p:nvPr>
         </p:nvGraphicFramePr>
         <p:xfrm>
-          <a:off x="962332" y="3790337"/>
+          <a:off x="962332" y="4398597"/>
           <a:ext cx="10267336" cy="1470199"/>
         </p:xfrm>
         <a:graphic>
@@ -22726,44 +22834,6 @@
           </a:graphicData>
         </a:graphic>
       </p:graphicFrame>
-      <p:sp>
-        <p:nvSpPr>
-          <p:cNvPr id="8" name="텍스트 상자 7"/>
-          <p:cNvSpPr txBox="1"/>
-          <p:nvPr/>
-        </p:nvSpPr>
-        <p:spPr>
-          <a:xfrm rot="19363460">
-            <a:off x="-944467" y="-739704"/>
-            <a:ext cx="2504220" cy="1200329"/>
-          </a:xfrm>
-          <a:prstGeom prst="rect">
-            <a:avLst/>
-          </a:prstGeom>
-          <a:noFill/>
-        </p:spPr>
-        <p:txBody>
-          <a:bodyPr wrap="square" rtlCol="0">
-            <a:spAutoFit/>
-          </a:bodyPr>
-          <a:lstStyle/>
-          <a:p>
-            <a:r>
-              <a:rPr lang="en-US" altLang="ko-KR" sz="2400" b="1" dirty="0">
-                <a:solidFill>
-                  <a:srgbClr val="FF0000"/>
-                </a:solidFill>
-              </a:rPr>
-              <a:t>Need supplementary contents</a:t>
-            </a:r>
-            <a:endParaRPr kumimoji="1" lang="ko-KR" altLang="en-US" sz="2400" b="1" dirty="0">
-              <a:solidFill>
-                <a:srgbClr val="FF0000"/>
-              </a:solidFill>
-            </a:endParaRPr>
-          </a:p>
-        </p:txBody>
-      </p:sp>
     </p:spTree>
     <p:extLst>
       <p:ext uri="{BB962C8B-B14F-4D97-AF65-F5344CB8AC3E}">
@@ -22866,8 +22936,103 @@
                 <a:ea typeface="Arial" charset="0"/>
                 <a:cs typeface="Arial" charset="0"/>
               </a:rPr>
-              <a:t>Testing : ELM vs. H-ELM</a:t>
-            </a:r>
+              <a:t>Testing : </a:t>
+            </a:r>
+          </a:p>
+          <a:p>
+            <a:pPr lvl="1"/>
+            <a:r>
+              <a:rPr kumimoji="1" lang="en-US" altLang="ko-KR" dirty="0">
+                <a:latin typeface="Arial" charset="0"/>
+                <a:ea typeface="Arial" charset="0"/>
+                <a:cs typeface="Arial" charset="0"/>
+              </a:rPr>
+              <a:t>Data-preprocessing</a:t>
+            </a:r>
+          </a:p>
+          <a:p>
+            <a:pPr lvl="2"/>
+            <a:r>
+              <a:rPr lang="en-US" altLang="ko-KR" dirty="0"/>
+              <a:t>Similar to the result of </a:t>
+            </a:r>
+            <a:r>
+              <a:rPr lang="en-US" altLang="ko-KR" dirty="0" smtClean="0"/>
+              <a:t>case01,</a:t>
+            </a:r>
+            <a:r>
+              <a:rPr lang="ko-KR" altLang="en-US" dirty="0" smtClean="0"/>
+              <a:t> </a:t>
+            </a:r>
+            <a:r>
+              <a:rPr kumimoji="1" lang="en-US" altLang="ko-KR" dirty="0">
+                <a:latin typeface="Arial" charset="0"/>
+                <a:ea typeface="Arial" charset="0"/>
+                <a:cs typeface="Arial" charset="0"/>
+              </a:rPr>
+              <a:t>t</a:t>
+            </a:r>
+            <a:r>
+              <a:rPr kumimoji="1" lang="en-US" altLang="ko-KR" dirty="0" smtClean="0">
+                <a:latin typeface="Arial" charset="0"/>
+                <a:ea typeface="Arial" charset="0"/>
+                <a:cs typeface="Arial" charset="0"/>
+              </a:rPr>
+              <a:t>he </a:t>
+            </a:r>
+            <a:r>
+              <a:rPr kumimoji="1" lang="en-US" altLang="ko-KR" dirty="0">
+                <a:latin typeface="Arial" charset="0"/>
+                <a:ea typeface="Arial" charset="0"/>
+                <a:cs typeface="Arial" charset="0"/>
+              </a:rPr>
+              <a:t>number of types of features input through the data preprocessing has been increased, and as a result more accurate prediction has become possible</a:t>
+            </a:r>
+          </a:p>
+          <a:p>
+            <a:pPr lvl="1"/>
+            <a:r>
+              <a:rPr kumimoji="1" lang="en-US" altLang="ko-KR" dirty="0">
+                <a:latin typeface="Arial" charset="0"/>
+                <a:ea typeface="Arial" charset="0"/>
+                <a:cs typeface="Arial" charset="0"/>
+              </a:rPr>
+              <a:t>ELM vs. H-ELM</a:t>
+            </a:r>
+          </a:p>
+          <a:p>
+            <a:pPr lvl="2"/>
+            <a:r>
+              <a:rPr lang="en-US" altLang="ko-KR" dirty="0"/>
+              <a:t>Similar to the result of </a:t>
+            </a:r>
+            <a:r>
+              <a:rPr lang="en-US" altLang="ko-KR" dirty="0" smtClean="0"/>
+              <a:t>case01, </a:t>
+            </a:r>
+            <a:r>
+              <a:rPr kumimoji="1" lang="en-US" altLang="ko-KR" dirty="0" smtClean="0">
+                <a:latin typeface="Arial" charset="0"/>
+                <a:ea typeface="Arial" charset="0"/>
+                <a:cs typeface="Arial" charset="0"/>
+              </a:rPr>
+              <a:t>ELM </a:t>
+            </a:r>
+            <a:r>
+              <a:rPr kumimoji="1" lang="en-US" altLang="ko-KR" dirty="0">
+                <a:latin typeface="Arial" charset="0"/>
+                <a:ea typeface="Arial" charset="0"/>
+                <a:cs typeface="Arial" charset="0"/>
+              </a:rPr>
+              <a:t>and HELM show similar RMSE results, but HELM performs more stable predictions</a:t>
+            </a:r>
+            <a:endParaRPr kumimoji="1" lang="ko-KR" altLang="en-US" dirty="0">
+              <a:latin typeface="Arial" charset="0"/>
+              <a:ea typeface="Arial" charset="0"/>
+              <a:cs typeface="Arial" charset="0"/>
+            </a:endParaRPr>
+          </a:p>
+          <a:p>
             <a:endParaRPr kumimoji="1" lang="ko-KR" altLang="en-US" dirty="0">
               <a:latin typeface="Arial" charset="0"/>
               <a:ea typeface="Arial" charset="0"/>
@@ -22923,13 +23088,13 @@
           <p:nvPr>
             <p:extLst>
               <p:ext uri="{D42A27DB-BD31-4B8C-83A1-F6EECF244321}">
-                <p14:modId xmlns:p14="http://schemas.microsoft.com/office/powerpoint/2010/main" val="1015907292"/>
+                <p14:modId xmlns:p14="http://schemas.microsoft.com/office/powerpoint/2010/main" val="1244119644"/>
               </p:ext>
             </p:extLst>
           </p:nvPr>
         </p:nvGraphicFramePr>
         <p:xfrm>
-          <a:off x="962332" y="3790337"/>
+          <a:off x="962332" y="4398597"/>
           <a:ext cx="10267336" cy="1470199"/>
         </p:xfrm>
         <a:graphic>
@@ -23230,44 +23395,6 @@
           </a:graphicData>
         </a:graphic>
       </p:graphicFrame>
-      <p:sp>
-        <p:nvSpPr>
-          <p:cNvPr id="8" name="텍스트 상자 7"/>
-          <p:cNvSpPr txBox="1"/>
-          <p:nvPr/>
-        </p:nvSpPr>
-        <p:spPr>
-          <a:xfrm rot="19363460">
-            <a:off x="-944467" y="-739704"/>
-            <a:ext cx="2504220" cy="1200329"/>
-          </a:xfrm>
-          <a:prstGeom prst="rect">
-            <a:avLst/>
-          </a:prstGeom>
-          <a:noFill/>
-        </p:spPr>
-        <p:txBody>
-          <a:bodyPr wrap="square" rtlCol="0">
-            <a:spAutoFit/>
-          </a:bodyPr>
-          <a:lstStyle/>
-          <a:p>
-            <a:r>
-              <a:rPr lang="en-US" altLang="ko-KR" sz="2400" b="1" dirty="0">
-                <a:solidFill>
-                  <a:srgbClr val="FF0000"/>
-                </a:solidFill>
-              </a:rPr>
-              <a:t>Need supplementary contents</a:t>
-            </a:r>
-            <a:endParaRPr kumimoji="1" lang="ko-KR" altLang="en-US" sz="2400" b="1" dirty="0">
-              <a:solidFill>
-                <a:srgbClr val="FF0000"/>
-              </a:solidFill>
-            </a:endParaRPr>
-          </a:p>
-        </p:txBody>
-      </p:sp>
     </p:spTree>
     <p:extLst>
       <p:ext uri="{BB962C8B-B14F-4D97-AF65-F5344CB8AC3E}">
@@ -23683,8 +23810,81 @@
                 <a:ea typeface="Arial" charset="0"/>
                 <a:cs typeface="Arial" charset="0"/>
               </a:rPr>
-              <a:t>Testing : ELM vs. H-ELM</a:t>
-            </a:r>
+              <a:t>Testing : </a:t>
+            </a:r>
+          </a:p>
+          <a:p>
+            <a:pPr lvl="1"/>
+            <a:r>
+              <a:rPr kumimoji="1" lang="en-US" altLang="ko-KR" dirty="0" smtClean="0">
+                <a:latin typeface="Arial" charset="0"/>
+                <a:ea typeface="Arial" charset="0"/>
+                <a:cs typeface="Arial" charset="0"/>
+              </a:rPr>
+              <a:t>Data-preprocessing</a:t>
+            </a:r>
+          </a:p>
+          <a:p>
+            <a:pPr lvl="2"/>
+            <a:r>
+              <a:rPr kumimoji="1" lang="en-US" altLang="ko-KR" dirty="0">
+                <a:latin typeface="Arial" charset="0"/>
+                <a:ea typeface="Arial" charset="0"/>
+                <a:cs typeface="Arial" charset="0"/>
+              </a:rPr>
+              <a:t>Data preprocessing has provided enough types of features to be input, resulting in accurate prediction</a:t>
+            </a:r>
+            <a:endParaRPr kumimoji="1" lang="en-US" altLang="ko-KR" dirty="0" smtClean="0">
+              <a:latin typeface="Arial" charset="0"/>
+              <a:ea typeface="Arial" charset="0"/>
+              <a:cs typeface="Arial" charset="0"/>
+            </a:endParaRPr>
+          </a:p>
+          <a:p>
+            <a:pPr lvl="1"/>
+            <a:r>
+              <a:rPr kumimoji="1" lang="en-US" altLang="ko-KR" dirty="0" smtClean="0">
+                <a:latin typeface="Arial" charset="0"/>
+                <a:ea typeface="Arial" charset="0"/>
+                <a:cs typeface="Arial" charset="0"/>
+              </a:rPr>
+              <a:t>ELM </a:t>
+            </a:r>
+            <a:r>
+              <a:rPr kumimoji="1" lang="en-US" altLang="ko-KR" dirty="0">
+                <a:latin typeface="Arial" charset="0"/>
+                <a:ea typeface="Arial" charset="0"/>
+                <a:cs typeface="Arial" charset="0"/>
+              </a:rPr>
+              <a:t>vs. </a:t>
+            </a:r>
+            <a:r>
+              <a:rPr kumimoji="1" lang="en-US" altLang="ko-KR" dirty="0" smtClean="0">
+                <a:latin typeface="Arial" charset="0"/>
+                <a:ea typeface="Arial" charset="0"/>
+                <a:cs typeface="Arial" charset="0"/>
+              </a:rPr>
+              <a:t>H-ELM</a:t>
+            </a:r>
+          </a:p>
+          <a:p>
+            <a:pPr lvl="2"/>
+            <a:r>
+              <a:rPr kumimoji="1" lang="en-US" altLang="ko-KR" dirty="0">
+                <a:latin typeface="Arial" charset="0"/>
+                <a:ea typeface="Arial" charset="0"/>
+                <a:cs typeface="Arial" charset="0"/>
+              </a:rPr>
+              <a:t>HELM performed more accurate and more stable predictions than ELM</a:t>
+            </a:r>
+            <a:endParaRPr kumimoji="1" lang="en-US" altLang="ko-KR" dirty="0" smtClean="0">
+              <a:latin typeface="Arial" charset="0"/>
+              <a:ea typeface="Arial" charset="0"/>
+              <a:cs typeface="Arial" charset="0"/>
+            </a:endParaRPr>
+          </a:p>
+          <a:p>
+            <a:pPr lvl="1"/>
             <a:endParaRPr kumimoji="1" lang="ko-KR" altLang="en-US" dirty="0">
               <a:latin typeface="Arial" charset="0"/>
               <a:ea typeface="Arial" charset="0"/>
@@ -23747,13 +23947,13 @@
           <p:nvPr>
             <p:extLst>
               <p:ext uri="{D42A27DB-BD31-4B8C-83A1-F6EECF244321}">
-                <p14:modId xmlns:p14="http://schemas.microsoft.com/office/powerpoint/2010/main" val="1858862994"/>
+                <p14:modId xmlns:p14="http://schemas.microsoft.com/office/powerpoint/2010/main" val="1347774489"/>
               </p:ext>
             </p:extLst>
           </p:nvPr>
         </p:nvGraphicFramePr>
         <p:xfrm>
-          <a:off x="962332" y="3790337"/>
+          <a:off x="962332" y="4398597"/>
           <a:ext cx="10267336" cy="1470199"/>
         </p:xfrm>
         <a:graphic>
@@ -24054,44 +24254,6 @@
           </a:graphicData>
         </a:graphic>
       </p:graphicFrame>
-      <p:sp>
-        <p:nvSpPr>
-          <p:cNvPr id="8" name="텍스트 상자 7"/>
-          <p:cNvSpPr txBox="1"/>
-          <p:nvPr/>
-        </p:nvSpPr>
-        <p:spPr>
-          <a:xfrm rot="19363460">
-            <a:off x="-944467" y="-739704"/>
-            <a:ext cx="2504220" cy="1200329"/>
-          </a:xfrm>
-          <a:prstGeom prst="rect">
-            <a:avLst/>
-          </a:prstGeom>
-          <a:noFill/>
-        </p:spPr>
-        <p:txBody>
-          <a:bodyPr wrap="square" rtlCol="0">
-            <a:spAutoFit/>
-          </a:bodyPr>
-          <a:lstStyle/>
-          <a:p>
-            <a:r>
-              <a:rPr lang="en-US" altLang="ko-KR" sz="2400" b="1" dirty="0">
-                <a:solidFill>
-                  <a:srgbClr val="FF0000"/>
-                </a:solidFill>
-              </a:rPr>
-              <a:t>Need supplementary contents</a:t>
-            </a:r>
-            <a:endParaRPr kumimoji="1" lang="ko-KR" altLang="en-US" sz="2400" b="1" dirty="0">
-              <a:solidFill>
-                <a:srgbClr val="FF0000"/>
-              </a:solidFill>
-            </a:endParaRPr>
-          </a:p>
-        </p:txBody>
-      </p:sp>
     </p:spTree>
     <p:extLst>
       <p:ext uri="{BB962C8B-B14F-4D97-AF65-F5344CB8AC3E}">
@@ -24331,7 +24493,7 @@
                 <a:ea typeface="Arial" charset="0"/>
                 <a:cs typeface="Arial" charset="0"/>
               </a:rPr>
-              <a:t>accurate </a:t>
+              <a:t>accurate forecasting </a:t>
             </a:r>
             <a:r>
               <a:rPr kumimoji="1" lang="en-US" altLang="ko-KR" dirty="0">
@@ -24339,7 +24501,7 @@
                 <a:ea typeface="Arial" charset="0"/>
                 <a:cs typeface="Arial" charset="0"/>
               </a:rPr>
-              <a:t>forecasting result </a:t>
+              <a:t>result </a:t>
             </a:r>
             <a:r>
               <a:rPr kumimoji="1" lang="en-US" altLang="ko-KR" dirty="0" smtClean="0">
@@ -25174,8 +25336,13 @@
             </a:r>
             <a:r>
               <a:rPr lang="en-US" altLang="ko-KR" dirty="0" smtClean="0"/>
-              <a:t>data []. </a:t>
-            </a:r>
+              <a:t>data </a:t>
+            </a:r>
+            <a:r>
+              <a:rPr lang="en-US" altLang="ko-KR" dirty="0" smtClean="0"/>
+              <a:t>[5]. </a:t>
+            </a:r>
+            <a:endParaRPr lang="en-US" altLang="ko-KR" dirty="0" smtClean="0"/>
           </a:p>
           <a:p>
             <a:pPr lvl="1"/>
@@ -25189,7 +25356,15 @@
             </a:r>
             <a:r>
               <a:rPr lang="en-US" altLang="ko-KR" dirty="0"/>
-              <a:t>to the very fast training/tuning speed of ELM and multilayer concept, H-ELM show that the training efficiency and the forecasting accuracy are superior over the competitive algorithms and get better performance due to data pre-processing.</a:t>
+              <a:t>to the very fast training/tuning speed of ELM and multilayer concept, </a:t>
+            </a:r>
+            <a:r>
+              <a:rPr lang="en-US" altLang="ko-KR" b="1" dirty="0"/>
+              <a:t>H-ELM</a:t>
+            </a:r>
+            <a:r>
+              <a:rPr lang="en-US" altLang="ko-KR" dirty="0"/>
+              <a:t> show that the training efficiency and the forecasting accuracy are superior over the competitive algorithms and get better performance due to data pre-processing.</a:t>
             </a:r>
           </a:p>
           <a:p>
@@ -25471,8 +25646,21 @@
                 <a:ea typeface="Arial" charset="0"/>
                 <a:cs typeface="Arial" charset="0"/>
               </a:rPr>
-              <a:t>manner []</a:t>
-            </a:r>
+              <a:t>manner </a:t>
+            </a:r>
+            <a:r>
+              <a:rPr kumimoji="1" lang="en-US" altLang="ko-KR" dirty="0" smtClean="0">
+                <a:latin typeface="Arial" charset="0"/>
+                <a:ea typeface="Arial" charset="0"/>
+                <a:cs typeface="Arial" charset="0"/>
+              </a:rPr>
+              <a:t>[1]</a:t>
+            </a:r>
+            <a:endParaRPr kumimoji="1" lang="en-US" altLang="ko-KR" dirty="0" smtClean="0">
+              <a:latin typeface="Arial" charset="0"/>
+              <a:ea typeface="Arial" charset="0"/>
+              <a:cs typeface="Arial" charset="0"/>
+            </a:endParaRPr>
           </a:p>
           <a:p>
             <a:endParaRPr kumimoji="1" lang="en-US" altLang="ko-KR" dirty="0" smtClean="0">
@@ -26255,7 +26443,23 @@
                 <a:ea typeface="Arial" charset="0"/>
                 <a:cs typeface="Arial" charset="0"/>
               </a:rPr>
-              <a:t>According to ANN theory [] [], for </a:t>
+              <a:t>According to ANN theory </a:t>
+            </a:r>
+            <a:r>
+              <a:rPr kumimoji="1" lang="en-US" altLang="ko-KR" dirty="0" smtClean="0">
+                <a:latin typeface="Arial" charset="0"/>
+                <a:ea typeface="Arial" charset="0"/>
+                <a:cs typeface="Arial" charset="0"/>
+              </a:rPr>
+              <a:t>[3] [4], </a:t>
+            </a:r>
+            <a:r>
+              <a:rPr kumimoji="1" lang="en-US" altLang="ko-KR" dirty="0" smtClean="0">
+                <a:latin typeface="Arial" charset="0"/>
+                <a:ea typeface="Arial" charset="0"/>
+                <a:cs typeface="Arial" charset="0"/>
+              </a:rPr>
+              <a:t>for </a:t>
             </a:r>
             <a:r>
               <a:rPr kumimoji="1" lang="en-US" altLang="ko-KR" dirty="0">
@@ -26887,7 +27091,7 @@
                 <a:ea typeface="Arial" charset="0"/>
                 <a:cs typeface="Arial" charset="0"/>
               </a:rPr>
-              <a:t>difference[] </a:t>
+              <a:t>difference[1] </a:t>
             </a:r>
             <a:r>
               <a:rPr kumimoji="1" lang="en-US" altLang="ko-KR" dirty="0">

--- a/ppt_slides/prepare_ELM2017_26MAY2017.pptx
+++ b/ppt_slides/prepare_ELM2017_26MAY2017.pptx
@@ -5,7 +5,7 @@
     <p:sldMasterId id="2147483648" r:id="rId1"/>
   </p:sldMasterIdLst>
   <p:notesMasterIdLst>
-    <p:notesMasterId r:id="rId34"/>
+    <p:notesMasterId r:id="rId35"/>
   </p:notesMasterIdLst>
   <p:sldIdLst>
     <p:sldId id="257" r:id="rId2"/>
@@ -18,28 +18,29 @@
     <p:sldId id="298" r:id="rId9"/>
     <p:sldId id="290" r:id="rId10"/>
     <p:sldId id="294" r:id="rId11"/>
-    <p:sldId id="331" r:id="rId12"/>
-    <p:sldId id="332" r:id="rId13"/>
-    <p:sldId id="315" r:id="rId14"/>
-    <p:sldId id="322" r:id="rId15"/>
-    <p:sldId id="325" r:id="rId16"/>
-    <p:sldId id="326" r:id="rId17"/>
-    <p:sldId id="295" r:id="rId18"/>
-    <p:sldId id="304" r:id="rId19"/>
-    <p:sldId id="320" r:id="rId20"/>
-    <p:sldId id="321" r:id="rId21"/>
-    <p:sldId id="301" r:id="rId22"/>
-    <p:sldId id="302" r:id="rId23"/>
-    <p:sldId id="327" r:id="rId24"/>
-    <p:sldId id="330" r:id="rId25"/>
-    <p:sldId id="328" r:id="rId26"/>
-    <p:sldId id="329" r:id="rId27"/>
-    <p:sldId id="309" r:id="rId28"/>
-    <p:sldId id="310" r:id="rId29"/>
-    <p:sldId id="311" r:id="rId30"/>
-    <p:sldId id="312" r:id="rId31"/>
-    <p:sldId id="292" r:id="rId32"/>
-    <p:sldId id="299" r:id="rId33"/>
+    <p:sldId id="333" r:id="rId12"/>
+    <p:sldId id="331" r:id="rId13"/>
+    <p:sldId id="334" r:id="rId14"/>
+    <p:sldId id="315" r:id="rId15"/>
+    <p:sldId id="322" r:id="rId16"/>
+    <p:sldId id="325" r:id="rId17"/>
+    <p:sldId id="326" r:id="rId18"/>
+    <p:sldId id="295" r:id="rId19"/>
+    <p:sldId id="304" r:id="rId20"/>
+    <p:sldId id="320" r:id="rId21"/>
+    <p:sldId id="321" r:id="rId22"/>
+    <p:sldId id="301" r:id="rId23"/>
+    <p:sldId id="302" r:id="rId24"/>
+    <p:sldId id="327" r:id="rId25"/>
+    <p:sldId id="330" r:id="rId26"/>
+    <p:sldId id="328" r:id="rId27"/>
+    <p:sldId id="329" r:id="rId28"/>
+    <p:sldId id="309" r:id="rId29"/>
+    <p:sldId id="310" r:id="rId30"/>
+    <p:sldId id="311" r:id="rId31"/>
+    <p:sldId id="312" r:id="rId32"/>
+    <p:sldId id="292" r:id="rId33"/>
+    <p:sldId id="299" r:id="rId34"/>
   </p:sldIdLst>
   <p:sldSz cx="12192000" cy="6858000"/>
   <p:notesSz cx="6858000" cy="9144000"/>
@@ -146,6 +147,144 @@
 </p:presentation>
 </file>
 
+<file path=ppt/commentAuthors.xml><?xml version="1.0" encoding="utf-8"?>
+<p:cmAuthorLst xmlns:a="http://schemas.openxmlformats.org/drawingml/2006/main" xmlns:r="http://schemas.openxmlformats.org/officeDocument/2006/relationships" xmlns:p="http://schemas.openxmlformats.org/presentationml/2006/main">
+  <p:cmAuthor id="1" name="박지현" initials="박" lastIdx="11" clrIdx="0">
+    <p:extLst/>
+  </p:cmAuthor>
+</p:cmAuthorLst>
+</file>
+
+<file path=ppt/comments/comment1.xml><?xml version="1.0" encoding="utf-8"?>
+<p:cmLst xmlns:a="http://schemas.openxmlformats.org/drawingml/2006/main" xmlns:r="http://schemas.openxmlformats.org/officeDocument/2006/relationships" xmlns:p="http://schemas.openxmlformats.org/presentationml/2006/main">
+  <p:cm authorId="1" dt="2017-05-27T17:06:44.444" idx="3">
+    <p:pos x="10" y="10"/>
+    <p:text>수요 예측의 장점 &amp; 필요성에 대한 내용 논문 찾아 인용하기</p:text>
+    <p:extLst>
+      <p:ext uri="{C676402C-5697-4E1C-873F-D02D1690AC5C}">
+        <p15:threadingInfo xmlns:p15="http://schemas.microsoft.com/office/powerpoint/2012/main" timeZoneBias="-480"/>
+      </p:ext>
+    </p:extLst>
+  </p:cm>
+  <p:cm authorId="1" dt="2017-05-27T20:15:27.266" idx="10">
+    <p:pos x="146" y="146"/>
+    <p:text>수요예측이 경제적으로, 그리고 망 안정성에도 기여한다는 내용의 논문 첮아 인용</p:text>
+    <p:extLst>
+      <p:ext uri="{C676402C-5697-4E1C-873F-D02D1690AC5C}">
+        <p15:threadingInfo xmlns:p15="http://schemas.microsoft.com/office/powerpoint/2012/main" timeZoneBias="-480"/>
+      </p:ext>
+    </p:extLst>
+  </p:cm>
+  <p:cm authorId="1" dt="2017-05-27T20:16:16.684" idx="11">
+    <p:pos x="282" y="282"/>
+    <p:text>예측 알고리즘의 성능을 좌우하는 두가지 요소에 대한 근거 논문 찾아 인용</p:text>
+    <p:extLst>
+      <p:ext uri="{C676402C-5697-4E1C-873F-D02D1690AC5C}">
+        <p15:threadingInfo xmlns:p15="http://schemas.microsoft.com/office/powerpoint/2012/main" timeZoneBias="-480"/>
+      </p:ext>
+    </p:extLst>
+  </p:cm>
+</p:cmLst>
+</file>
+
+<file path=ppt/comments/comment2.xml><?xml version="1.0" encoding="utf-8"?>
+<p:cmLst xmlns:a="http://schemas.openxmlformats.org/drawingml/2006/main" xmlns:r="http://schemas.openxmlformats.org/officeDocument/2006/relationships" xmlns:p="http://schemas.openxmlformats.org/presentationml/2006/main">
+  <p:cm authorId="1" dt="2017-05-27T17:36:16.070" idx="8">
+    <p:pos x="10" y="10"/>
+    <p:text>[1]에 대한 관련 내용 파악하기</p:text>
+    <p:extLst>
+      <p:ext uri="{C676402C-5697-4E1C-873F-D02D1690AC5C}">
+        <p15:threadingInfo xmlns:p15="http://schemas.microsoft.com/office/powerpoint/2012/main" timeZoneBias="-480"/>
+      </p:ext>
+    </p:extLst>
+  </p:cm>
+</p:cmLst>
+</file>
+
+<file path=ppt/comments/comment3.xml><?xml version="1.0" encoding="utf-8"?>
+<p:cmLst xmlns:a="http://schemas.openxmlformats.org/drawingml/2006/main" xmlns:r="http://schemas.openxmlformats.org/officeDocument/2006/relationships" xmlns:p="http://schemas.openxmlformats.org/presentationml/2006/main">
+  <p:cm authorId="1" dt="2017-05-27T17:35:53.694" idx="7">
+    <p:pos x="10" y="10"/>
+    <p:text>[3][4]에 대한 논문 찾아 내용 파악하기</p:text>
+    <p:extLst>
+      <p:ext uri="{C676402C-5697-4E1C-873F-D02D1690AC5C}">
+        <p15:threadingInfo xmlns:p15="http://schemas.microsoft.com/office/powerpoint/2012/main" timeZoneBias="-480"/>
+      </p:ext>
+    </p:extLst>
+  </p:cm>
+</p:cmLst>
+</file>
+
+<file path=ppt/comments/comment4.xml><?xml version="1.0" encoding="utf-8"?>
+<p:cmLst xmlns:a="http://schemas.openxmlformats.org/drawingml/2006/main" xmlns:r="http://schemas.openxmlformats.org/officeDocument/2006/relationships" xmlns:p="http://schemas.openxmlformats.org/presentationml/2006/main">
+  <p:cm authorId="1" dt="2017-05-27T17:33:09.533" idx="5">
+    <p:pos x="10" y="10"/>
+    <p:text>figure 00 implemented forecasting algorithm structure 논문용 다시 그리기</p:text>
+    <p:extLst>
+      <p:ext uri="{C676402C-5697-4E1C-873F-D02D1690AC5C}">
+        <p15:threadingInfo xmlns:p15="http://schemas.microsoft.com/office/powerpoint/2012/main" timeZoneBias="-480"/>
+      </p:ext>
+    </p:extLst>
+  </p:cm>
+</p:cmLst>
+</file>
+
+<file path=ppt/comments/comment5.xml><?xml version="1.0" encoding="utf-8"?>
+<p:cmLst xmlns:a="http://schemas.openxmlformats.org/drawingml/2006/main" xmlns:r="http://schemas.openxmlformats.org/officeDocument/2006/relationships" xmlns:p="http://schemas.openxmlformats.org/presentationml/2006/main">
+  <p:cm authorId="1" dt="2017-05-27T17:06:03.919" idx="2">
+    <p:pos x="10" y="10"/>
+    <p:text>PCC에 관련된 내용이 서술된 논문 찾아 인용하기</p:text>
+    <p:extLst>
+      <p:ext uri="{C676402C-5697-4E1C-873F-D02D1690AC5C}">
+        <p15:threadingInfo xmlns:p15="http://schemas.microsoft.com/office/powerpoint/2012/main" timeZoneBias="-480"/>
+      </p:ext>
+    </p:extLst>
+  </p:cm>
+</p:cmLst>
+</file>
+
+<file path=ppt/comments/comment6.xml><?xml version="1.0" encoding="utf-8"?>
+<p:cmLst xmlns:a="http://schemas.openxmlformats.org/drawingml/2006/main" xmlns:r="http://schemas.openxmlformats.org/officeDocument/2006/relationships" xmlns:p="http://schemas.openxmlformats.org/presentationml/2006/main">
+  <p:cm authorId="1" dt="2017-05-27T17:06:03.919" idx="2">
+    <p:pos x="10" y="10"/>
+    <p:text>PCC에 관련된 내용이 서술된 논문 찾아 인용하기</p:text>
+    <p:extLst>
+      <p:ext uri="{C676402C-5697-4E1C-873F-D02D1690AC5C}">
+        <p15:threadingInfo xmlns:p15="http://schemas.microsoft.com/office/powerpoint/2012/main" timeZoneBias="-480"/>
+      </p:ext>
+    </p:extLst>
+  </p:cm>
+</p:cmLst>
+</file>
+
+<file path=ppt/comments/comment7.xml><?xml version="1.0" encoding="utf-8"?>
+<p:cmLst xmlns:a="http://schemas.openxmlformats.org/drawingml/2006/main" xmlns:r="http://schemas.openxmlformats.org/officeDocument/2006/relationships" xmlns:p="http://schemas.openxmlformats.org/presentationml/2006/main">
+  <p:cm authorId="1" dt="2017-05-27T17:06:03.919" idx="2">
+    <p:pos x="10" y="10"/>
+    <p:text>PCC에 관련된 내용이 서술된 논문 찾아 인용하기</p:text>
+    <p:extLst>
+      <p:ext uri="{C676402C-5697-4E1C-873F-D02D1690AC5C}">
+        <p15:threadingInfo xmlns:p15="http://schemas.microsoft.com/office/powerpoint/2012/main" timeZoneBias="-480"/>
+      </p:ext>
+    </p:extLst>
+  </p:cm>
+</p:cmLst>
+</file>
+
+<file path=ppt/comments/comment8.xml><?xml version="1.0" encoding="utf-8"?>
+<p:cmLst xmlns:a="http://schemas.openxmlformats.org/drawingml/2006/main" xmlns:r="http://schemas.openxmlformats.org/officeDocument/2006/relationships" xmlns:p="http://schemas.openxmlformats.org/presentationml/2006/main">
+  <p:cm authorId="1" dt="2017-05-27T17:34:54.642" idx="6">
+    <p:pos x="10" y="10"/>
+    <p:text>figure00 experiment flowchart 논문용 다시 그리기</p:text>
+    <p:extLst>
+      <p:ext uri="{C676402C-5697-4E1C-873F-D02D1690AC5C}">
+        <p15:threadingInfo xmlns:p15="http://schemas.microsoft.com/office/powerpoint/2012/main" timeZoneBias="-480"/>
+      </p:ext>
+    </p:extLst>
+  </p:cm>
+</p:cmLst>
+</file>
+
 <file path=ppt/notesMasters/notesMaster1.xml><?xml version="1.0" encoding="utf-8"?>
 <p:notesMaster xmlns:a="http://schemas.openxmlformats.org/drawingml/2006/main" xmlns:r="http://schemas.openxmlformats.org/officeDocument/2006/relationships" xmlns:p="http://schemas.openxmlformats.org/presentationml/2006/main">
   <p:cSld>
@@ -228,7 +367,7 @@
           <a:p>
             <a:fld id="{96223AE4-0464-1543-A980-755D476CA001}" type="datetimeFigureOut">
               <a:rPr kumimoji="1" lang="ko-KR" altLang="en-US" smtClean="0"/>
-              <a:t>2017. 5. 26.</a:t>
+              <a:t>2017. 5. 28.</a:t>
             </a:fld>
             <a:endParaRPr kumimoji="1" lang="ko-KR" altLang="en-US"/>
           </a:p>
@@ -496,6 +635,659 @@
 </p:notesMaster>
 </file>
 
+<file path=ppt/notesSlides/notesSlide1.xml><?xml version="1.0" encoding="utf-8"?>
+<p:notes xmlns:a="http://schemas.openxmlformats.org/drawingml/2006/main" xmlns:r="http://schemas.openxmlformats.org/officeDocument/2006/relationships" xmlns:p="http://schemas.openxmlformats.org/presentationml/2006/main">
+  <p:cSld>
+    <p:spTree>
+      <p:nvGrpSpPr>
+        <p:cNvPr id="1" name=""/>
+        <p:cNvGrpSpPr/>
+        <p:nvPr/>
+      </p:nvGrpSpPr>
+      <p:grpSpPr>
+        <a:xfrm>
+          <a:off x="0" y="0"/>
+          <a:ext cx="0" cy="0"/>
+          <a:chOff x="0" y="0"/>
+          <a:chExt cx="0" cy="0"/>
+        </a:xfrm>
+      </p:grpSpPr>
+      <p:sp>
+        <p:nvSpPr>
+          <p:cNvPr id="2" name="슬라이드 이미지 개체 틀 1"/>
+          <p:cNvSpPr>
+            <a:spLocks noGrp="1" noRot="1" noChangeAspect="1"/>
+          </p:cNvSpPr>
+          <p:nvPr>
+            <p:ph type="sldImg"/>
+          </p:nvPr>
+        </p:nvSpPr>
+        <p:spPr/>
+      </p:sp>
+      <p:sp>
+        <p:nvSpPr>
+          <p:cNvPr id="3" name="슬라이드 노트 개체 틀 2"/>
+          <p:cNvSpPr>
+            <a:spLocks noGrp="1"/>
+          </p:cNvSpPr>
+          <p:nvPr>
+            <p:ph type="body" idx="1"/>
+          </p:nvPr>
+        </p:nvSpPr>
+        <p:spPr/>
+        <p:txBody>
+          <a:bodyPr/>
+          <a:lstStyle/>
+          <a:p>
+            <a:r>
+              <a:rPr kumimoji="1" lang="en-US" altLang="ko-KR" dirty="0" smtClean="0"/>
+              <a:t>#</a:t>
+            </a:r>
+            <a:r>
+              <a:rPr kumimoji="1" lang="ko-KR" altLang="en-US" dirty="0" smtClean="0"/>
+              <a:t> 앞에 무슨 내용으로 이야기를 시작할 지</a:t>
+            </a:r>
+            <a:r>
+              <a:rPr kumimoji="1" lang="mr-IN" altLang="ko-KR" dirty="0" smtClean="0"/>
+              <a:t>…</a:t>
+            </a:r>
+            <a:r>
+              <a:rPr kumimoji="1" lang="en-US" altLang="ko-KR" dirty="0" smtClean="0"/>
+              <a:t>..</a:t>
+            </a:r>
+            <a:endParaRPr kumimoji="1" lang="ko-KR" altLang="en-US" dirty="0"/>
+          </a:p>
+        </p:txBody>
+      </p:sp>
+      <p:sp>
+        <p:nvSpPr>
+          <p:cNvPr id="4" name="슬라이드 번호 개체 틀 3"/>
+          <p:cNvSpPr>
+            <a:spLocks noGrp="1"/>
+          </p:cNvSpPr>
+          <p:nvPr>
+            <p:ph type="sldNum" sz="quarter" idx="10"/>
+          </p:nvPr>
+        </p:nvSpPr>
+        <p:spPr/>
+        <p:txBody>
+          <a:bodyPr/>
+          <a:lstStyle/>
+          <a:p>
+            <a:fld id="{071FF34B-FD6A-DA47-969A-A5284DB7CD72}" type="slidenum">
+              <a:rPr kumimoji="1" lang="ko-KR" altLang="en-US" smtClean="0"/>
+              <a:t>3</a:t>
+            </a:fld>
+            <a:endParaRPr kumimoji="1" lang="ko-KR" altLang="en-US"/>
+          </a:p>
+        </p:txBody>
+      </p:sp>
+    </p:spTree>
+    <p:extLst>
+      <p:ext uri="{BB962C8B-B14F-4D97-AF65-F5344CB8AC3E}">
+        <p14:creationId xmlns:p14="http://schemas.microsoft.com/office/powerpoint/2010/main" val="748812252"/>
+      </p:ext>
+    </p:extLst>
+  </p:cSld>
+  <p:clrMapOvr>
+    <a:masterClrMapping/>
+  </p:clrMapOvr>
+</p:notes>
+</file>
+
+<file path=ppt/notesSlides/notesSlide2.xml><?xml version="1.0" encoding="utf-8"?>
+<p:notes xmlns:a="http://schemas.openxmlformats.org/drawingml/2006/main" xmlns:r="http://schemas.openxmlformats.org/officeDocument/2006/relationships" xmlns:p="http://schemas.openxmlformats.org/presentationml/2006/main">
+  <p:cSld>
+    <p:spTree>
+      <p:nvGrpSpPr>
+        <p:cNvPr id="1" name=""/>
+        <p:cNvGrpSpPr/>
+        <p:nvPr/>
+      </p:nvGrpSpPr>
+      <p:grpSpPr>
+        <a:xfrm>
+          <a:off x="0" y="0"/>
+          <a:ext cx="0" cy="0"/>
+          <a:chOff x="0" y="0"/>
+          <a:chExt cx="0" cy="0"/>
+        </a:xfrm>
+      </p:grpSpPr>
+      <p:sp>
+        <p:nvSpPr>
+          <p:cNvPr id="2" name="슬라이드 이미지 개체 틀 1"/>
+          <p:cNvSpPr>
+            <a:spLocks noGrp="1" noRot="1" noChangeAspect="1"/>
+          </p:cNvSpPr>
+          <p:nvPr>
+            <p:ph type="sldImg"/>
+          </p:nvPr>
+        </p:nvSpPr>
+        <p:spPr/>
+      </p:sp>
+      <p:sp>
+        <p:nvSpPr>
+          <p:cNvPr id="3" name="슬라이드 노트 개체 틀 2"/>
+          <p:cNvSpPr>
+            <a:spLocks noGrp="1"/>
+          </p:cNvSpPr>
+          <p:nvPr>
+            <p:ph type="body" idx="1"/>
+          </p:nvPr>
+        </p:nvSpPr>
+        <p:spPr/>
+        <p:txBody>
+          <a:bodyPr/>
+          <a:lstStyle/>
+          <a:p>
+            <a:r>
+              <a:rPr kumimoji="1" lang="en-US" altLang="ko-KR" dirty="0" smtClean="0"/>
+              <a:t>#</a:t>
+            </a:r>
+            <a:r>
+              <a:rPr kumimoji="1" lang="ko-KR" altLang="en-US" dirty="0" smtClean="0"/>
+              <a:t> </a:t>
+            </a:r>
+            <a:r>
+              <a:rPr kumimoji="1" lang="en-US" altLang="ko-KR" dirty="0" smtClean="0"/>
+              <a:t>ELM</a:t>
+            </a:r>
+            <a:r>
+              <a:rPr kumimoji="1" lang="ko-KR" altLang="en-US" dirty="0" smtClean="0"/>
+              <a:t>을 기반으로한 예측 알고리즘이 있다</a:t>
+            </a:r>
+            <a:endParaRPr kumimoji="1" lang="en-US" altLang="ko-KR" dirty="0" smtClean="0"/>
+          </a:p>
+          <a:p>
+            <a:r>
+              <a:rPr kumimoji="1" lang="en-US" altLang="ko-KR" dirty="0" smtClean="0"/>
+              <a:t># ELM</a:t>
+            </a:r>
+            <a:r>
+              <a:rPr kumimoji="1" lang="ko-KR" altLang="en-US" dirty="0" smtClean="0"/>
+              <a:t>기반의 알고리즘은 </a:t>
+            </a:r>
+            <a:r>
+              <a:rPr kumimoji="1" lang="en-US" altLang="ko-KR" dirty="0" smtClean="0"/>
+              <a:t>gradient</a:t>
+            </a:r>
+            <a:r>
+              <a:rPr kumimoji="1" lang="en-US" altLang="ko-KR" baseline="0" dirty="0" smtClean="0"/>
+              <a:t> descent</a:t>
+            </a:r>
+            <a:r>
+              <a:rPr kumimoji="1" lang="ko-KR" altLang="en-US" baseline="0" dirty="0" smtClean="0"/>
+              <a:t> 방식과 비교하여 여러 장점을 가진다</a:t>
+            </a:r>
+            <a:endParaRPr kumimoji="1" lang="en-US" altLang="ko-KR" dirty="0" smtClean="0"/>
+          </a:p>
+          <a:p>
+            <a:r>
+              <a:rPr kumimoji="1" lang="en-US" altLang="ko-KR" dirty="0" smtClean="0"/>
+              <a:t>#</a:t>
+            </a:r>
+            <a:r>
+              <a:rPr kumimoji="1" lang="ko-KR" altLang="en-US" dirty="0" smtClean="0"/>
+              <a:t> 하지만 </a:t>
+            </a:r>
+            <a:r>
+              <a:rPr kumimoji="1" lang="en-US" altLang="ko-KR" dirty="0" smtClean="0"/>
+              <a:t>ELM</a:t>
+            </a:r>
+            <a:r>
+              <a:rPr kumimoji="1" lang="ko-KR" altLang="en-US" dirty="0" smtClean="0"/>
+              <a:t>기반은 안정성에 문제가 있다 </a:t>
+            </a:r>
+            <a:r>
+              <a:rPr kumimoji="1" lang="mr-IN" altLang="ko-KR" dirty="0" smtClean="0"/>
+              <a:t>–</a:t>
+            </a:r>
+            <a:r>
+              <a:rPr kumimoji="1" lang="ko-KR" altLang="en-US" dirty="0" smtClean="0"/>
+              <a:t> 그 근거는 </a:t>
+            </a:r>
+            <a:r>
+              <a:rPr kumimoji="1" lang="en-US" altLang="ko-KR" dirty="0" smtClean="0"/>
+              <a:t>randomly selected</a:t>
+            </a:r>
+            <a:r>
+              <a:rPr kumimoji="1" lang="en-US" altLang="ko-KR" baseline="0" dirty="0" smtClean="0"/>
+              <a:t>~</a:t>
+            </a:r>
+          </a:p>
+          <a:p>
+            <a:r>
+              <a:rPr kumimoji="1" lang="en-US" altLang="ko-KR" baseline="0" dirty="0" smtClean="0"/>
+              <a:t>#</a:t>
+            </a:r>
+            <a:r>
+              <a:rPr kumimoji="1" lang="ko-KR" altLang="en-US" baseline="0" dirty="0" smtClean="0"/>
+              <a:t> </a:t>
+            </a:r>
+            <a:r>
+              <a:rPr kumimoji="1" lang="en-US" altLang="ko-KR" baseline="0" dirty="0" smtClean="0"/>
+              <a:t>HELM</a:t>
+            </a:r>
+            <a:r>
+              <a:rPr kumimoji="1" lang="ko-KR" altLang="en-US" baseline="0" dirty="0" smtClean="0"/>
+              <a:t>은 </a:t>
+            </a:r>
+            <a:r>
+              <a:rPr kumimoji="1" lang="en-US" altLang="ko-KR" baseline="0" dirty="0" smtClean="0"/>
+              <a:t>ELM</a:t>
+            </a:r>
+            <a:r>
+              <a:rPr kumimoji="1" lang="ko-KR" altLang="en-US" baseline="0" dirty="0" smtClean="0"/>
+              <a:t>의 발전된 형태</a:t>
+            </a:r>
+            <a:r>
+              <a:rPr kumimoji="1" lang="en-US" altLang="ko-KR" baseline="0" dirty="0" smtClean="0"/>
+              <a:t>,</a:t>
+            </a:r>
+            <a:r>
+              <a:rPr kumimoji="1" lang="ko-KR" altLang="en-US" baseline="0" dirty="0" smtClean="0"/>
+              <a:t> </a:t>
+            </a:r>
+            <a:r>
+              <a:rPr kumimoji="1" lang="en-US" altLang="ko-KR" baseline="0" dirty="0" smtClean="0"/>
+              <a:t>ELM</a:t>
+            </a:r>
+            <a:r>
+              <a:rPr kumimoji="1" lang="ko-KR" altLang="en-US" baseline="0" dirty="0" smtClean="0"/>
+              <a:t>의 장점을 그대로 유지하면서 단점을 보완할 수 있다</a:t>
+            </a:r>
+            <a:endParaRPr kumimoji="1" lang="en-US" altLang="ko-KR" baseline="0" dirty="0" smtClean="0"/>
+          </a:p>
+          <a:p>
+            <a:r>
+              <a:rPr kumimoji="1" lang="en-US" altLang="ko-KR" baseline="0" dirty="0" smtClean="0"/>
+              <a:t># HELM</a:t>
+            </a:r>
+            <a:r>
+              <a:rPr kumimoji="1" lang="ko-KR" altLang="en-US" baseline="0" dirty="0" smtClean="0"/>
+              <a:t>을 기반으로 예측 알고리즘을 만든다면 보다 정확한 예측으로 </a:t>
+            </a:r>
+            <a:r>
+              <a:rPr kumimoji="1" lang="en-US" altLang="ko-KR" baseline="0" dirty="0" smtClean="0"/>
+              <a:t>~</a:t>
+            </a:r>
+            <a:r>
+              <a:rPr kumimoji="1" lang="ko-KR" altLang="en-US" baseline="0" dirty="0" smtClean="0"/>
+              <a:t>에 기여할 수 있을 것이다</a:t>
+            </a:r>
+            <a:endParaRPr kumimoji="1" lang="ko-KR" altLang="en-US" dirty="0" smtClean="0"/>
+          </a:p>
+          <a:p>
+            <a:endParaRPr kumimoji="1" lang="ko-KR" altLang="en-US" dirty="0"/>
+          </a:p>
+        </p:txBody>
+      </p:sp>
+      <p:sp>
+        <p:nvSpPr>
+          <p:cNvPr id="4" name="슬라이드 번호 개체 틀 3"/>
+          <p:cNvSpPr>
+            <a:spLocks noGrp="1"/>
+          </p:cNvSpPr>
+          <p:nvPr>
+            <p:ph type="sldNum" sz="quarter" idx="10"/>
+          </p:nvPr>
+        </p:nvSpPr>
+        <p:spPr/>
+        <p:txBody>
+          <a:bodyPr/>
+          <a:lstStyle/>
+          <a:p>
+            <a:fld id="{071FF34B-FD6A-DA47-969A-A5284DB7CD72}" type="slidenum">
+              <a:rPr kumimoji="1" lang="ko-KR" altLang="en-US" smtClean="0"/>
+              <a:t>4</a:t>
+            </a:fld>
+            <a:endParaRPr kumimoji="1" lang="ko-KR" altLang="en-US"/>
+          </a:p>
+        </p:txBody>
+      </p:sp>
+    </p:spTree>
+    <p:extLst>
+      <p:ext uri="{BB962C8B-B14F-4D97-AF65-F5344CB8AC3E}">
+        <p14:creationId xmlns:p14="http://schemas.microsoft.com/office/powerpoint/2010/main" val="1535069919"/>
+      </p:ext>
+    </p:extLst>
+  </p:cSld>
+  <p:clrMapOvr>
+    <a:masterClrMapping/>
+  </p:clrMapOvr>
+</p:notes>
+</file>
+
+<file path=ppt/notesSlides/notesSlide3.xml><?xml version="1.0" encoding="utf-8"?>
+<p:notes xmlns:a="http://schemas.openxmlformats.org/drawingml/2006/main" xmlns:r="http://schemas.openxmlformats.org/officeDocument/2006/relationships" xmlns:p="http://schemas.openxmlformats.org/presentationml/2006/main">
+  <p:cSld>
+    <p:spTree>
+      <p:nvGrpSpPr>
+        <p:cNvPr id="1" name=""/>
+        <p:cNvGrpSpPr/>
+        <p:nvPr/>
+      </p:nvGrpSpPr>
+      <p:grpSpPr>
+        <a:xfrm>
+          <a:off x="0" y="0"/>
+          <a:ext cx="0" cy="0"/>
+          <a:chOff x="0" y="0"/>
+          <a:chExt cx="0" cy="0"/>
+        </a:xfrm>
+      </p:grpSpPr>
+      <p:sp>
+        <p:nvSpPr>
+          <p:cNvPr id="2" name="슬라이드 이미지 개체 틀 1"/>
+          <p:cNvSpPr>
+            <a:spLocks noGrp="1" noRot="1" noChangeAspect="1"/>
+          </p:cNvSpPr>
+          <p:nvPr>
+            <p:ph type="sldImg"/>
+          </p:nvPr>
+        </p:nvSpPr>
+        <p:spPr/>
+      </p:sp>
+      <p:sp>
+        <p:nvSpPr>
+          <p:cNvPr id="3" name="슬라이드 노트 개체 틀 2"/>
+          <p:cNvSpPr>
+            <a:spLocks noGrp="1"/>
+          </p:cNvSpPr>
+          <p:nvPr>
+            <p:ph type="body" idx="1"/>
+          </p:nvPr>
+        </p:nvSpPr>
+        <p:spPr/>
+        <p:txBody>
+          <a:bodyPr/>
+          <a:lstStyle/>
+          <a:p>
+            <a:r>
+              <a:rPr kumimoji="1" lang="en-US" altLang="ko-KR" dirty="0" smtClean="0"/>
+              <a:t>#</a:t>
+            </a:r>
+            <a:r>
+              <a:rPr kumimoji="1" lang="ko-KR" altLang="en-US" dirty="0" smtClean="0"/>
+              <a:t> </a:t>
+            </a:r>
+            <a:r>
+              <a:rPr kumimoji="1" lang="en-US" altLang="ko-KR" dirty="0" smtClean="0"/>
+              <a:t>RELM</a:t>
+            </a:r>
+            <a:r>
+              <a:rPr kumimoji="1" lang="ko-KR" altLang="en-US" dirty="0" smtClean="0"/>
+              <a:t>은 하나의 층만 구성되어 있는 상태</a:t>
+            </a:r>
+            <a:endParaRPr kumimoji="1" lang="en-US" altLang="ko-KR" dirty="0" smtClean="0"/>
+          </a:p>
+          <a:p>
+            <a:r>
+              <a:rPr kumimoji="1" lang="en-US" altLang="ko-KR" dirty="0" smtClean="0"/>
+              <a:t>#</a:t>
+            </a:r>
+            <a:r>
+              <a:rPr kumimoji="1" lang="ko-KR" altLang="en-US" dirty="0" smtClean="0"/>
+              <a:t> </a:t>
+            </a:r>
+            <a:r>
+              <a:rPr kumimoji="1" lang="en-US" altLang="ko-KR" dirty="0" smtClean="0"/>
+              <a:t>RELM</a:t>
+            </a:r>
+            <a:r>
+              <a:rPr kumimoji="1" lang="ko-KR" altLang="en-US" dirty="0" smtClean="0"/>
+              <a:t> 층이 추가로 구성되면 성능이 저하된다</a:t>
+            </a:r>
+            <a:endParaRPr kumimoji="1" lang="en-US" altLang="ko-KR" dirty="0" smtClean="0"/>
+          </a:p>
+          <a:p>
+            <a:r>
+              <a:rPr kumimoji="1" lang="en-US" altLang="ko-KR" dirty="0" smtClean="0"/>
+              <a:t>#</a:t>
+            </a:r>
+            <a:r>
+              <a:rPr kumimoji="1" lang="ko-KR" altLang="en-US" dirty="0" smtClean="0"/>
+              <a:t> 그 이유는 </a:t>
+            </a:r>
+            <a:r>
+              <a:rPr kumimoji="1" lang="mr-IN" altLang="ko-KR" dirty="0" smtClean="0"/>
+              <a:t>…</a:t>
+            </a:r>
+            <a:r>
+              <a:rPr kumimoji="1" lang="ko-KR" altLang="en-US" dirty="0" smtClean="0"/>
+              <a:t> </a:t>
+            </a:r>
+            <a:endParaRPr kumimoji="1" lang="en-US" altLang="ko-KR" dirty="0" smtClean="0"/>
+          </a:p>
+          <a:p>
+            <a:endParaRPr kumimoji="1" lang="en-US" altLang="ko-KR" dirty="0" smtClean="0"/>
+          </a:p>
+          <a:p>
+            <a:r>
+              <a:rPr kumimoji="1" lang="en-US" altLang="ko-KR" dirty="0" smtClean="0"/>
+              <a:t>#</a:t>
+            </a:r>
+            <a:r>
+              <a:rPr kumimoji="1" lang="ko-KR" altLang="en-US" dirty="0" smtClean="0"/>
+              <a:t> </a:t>
+            </a:r>
+            <a:r>
+              <a:rPr kumimoji="1" lang="en-US" altLang="ko-KR" dirty="0" smtClean="0"/>
+              <a:t>case 00</a:t>
+            </a:r>
+            <a:r>
+              <a:rPr kumimoji="1" lang="ko-KR" altLang="en-US" dirty="0" smtClean="0"/>
+              <a:t>의 결과값의 그래프는 좀 이상해 보이는데 무시 가능하다</a:t>
+            </a:r>
+            <a:endParaRPr kumimoji="1" lang="en-US" altLang="ko-KR" dirty="0" smtClean="0"/>
+          </a:p>
+          <a:p>
+            <a:r>
+              <a:rPr kumimoji="1" lang="en-US" altLang="ko-KR" dirty="0" smtClean="0"/>
+              <a:t>#</a:t>
+            </a:r>
+            <a:r>
+              <a:rPr kumimoji="1" lang="ko-KR" altLang="en-US" dirty="0" smtClean="0"/>
+              <a:t> 그 이유는 </a:t>
+            </a:r>
+            <a:r>
+              <a:rPr kumimoji="1" lang="mr-IN" altLang="ko-KR" dirty="0" smtClean="0"/>
+              <a:t>…</a:t>
+            </a:r>
+            <a:endParaRPr kumimoji="1" lang="ko-KR" altLang="en-US" dirty="0"/>
+          </a:p>
+        </p:txBody>
+      </p:sp>
+      <p:sp>
+        <p:nvSpPr>
+          <p:cNvPr id="4" name="슬라이드 번호 개체 틀 3"/>
+          <p:cNvSpPr>
+            <a:spLocks noGrp="1"/>
+          </p:cNvSpPr>
+          <p:nvPr>
+            <p:ph type="sldNum" sz="quarter" idx="10"/>
+          </p:nvPr>
+        </p:nvSpPr>
+        <p:spPr/>
+        <p:txBody>
+          <a:bodyPr/>
+          <a:lstStyle/>
+          <a:p>
+            <a:fld id="{071FF34B-FD6A-DA47-969A-A5284DB7CD72}" type="slidenum">
+              <a:rPr kumimoji="1" lang="ko-KR" altLang="en-US" smtClean="0"/>
+              <a:t>21</a:t>
+            </a:fld>
+            <a:endParaRPr kumimoji="1" lang="ko-KR" altLang="en-US"/>
+          </a:p>
+        </p:txBody>
+      </p:sp>
+    </p:spTree>
+    <p:extLst>
+      <p:ext uri="{BB962C8B-B14F-4D97-AF65-F5344CB8AC3E}">
+        <p14:creationId xmlns:p14="http://schemas.microsoft.com/office/powerpoint/2010/main" val="185578449"/>
+      </p:ext>
+    </p:extLst>
+  </p:cSld>
+  <p:clrMapOvr>
+    <a:masterClrMapping/>
+  </p:clrMapOvr>
+</p:notes>
+</file>
+
+<file path=ppt/notesSlides/notesSlide4.xml><?xml version="1.0" encoding="utf-8"?>
+<p:notes xmlns:a="http://schemas.openxmlformats.org/drawingml/2006/main" xmlns:r="http://schemas.openxmlformats.org/officeDocument/2006/relationships" xmlns:p="http://schemas.openxmlformats.org/presentationml/2006/main">
+  <p:cSld>
+    <p:spTree>
+      <p:nvGrpSpPr>
+        <p:cNvPr id="1" name=""/>
+        <p:cNvGrpSpPr/>
+        <p:nvPr/>
+      </p:nvGrpSpPr>
+      <p:grpSpPr>
+        <a:xfrm>
+          <a:off x="0" y="0"/>
+          <a:ext cx="0" cy="0"/>
+          <a:chOff x="0" y="0"/>
+          <a:chExt cx="0" cy="0"/>
+        </a:xfrm>
+      </p:grpSpPr>
+      <p:sp>
+        <p:nvSpPr>
+          <p:cNvPr id="2" name="슬라이드 이미지 개체 틀 1"/>
+          <p:cNvSpPr>
+            <a:spLocks noGrp="1" noRot="1" noChangeAspect="1"/>
+          </p:cNvSpPr>
+          <p:nvPr>
+            <p:ph type="sldImg"/>
+          </p:nvPr>
+        </p:nvSpPr>
+        <p:spPr/>
+      </p:sp>
+      <p:sp>
+        <p:nvSpPr>
+          <p:cNvPr id="3" name="슬라이드 노트 개체 틀 2"/>
+          <p:cNvSpPr>
+            <a:spLocks noGrp="1"/>
+          </p:cNvSpPr>
+          <p:nvPr>
+            <p:ph type="body" idx="1"/>
+          </p:nvPr>
+        </p:nvSpPr>
+        <p:spPr/>
+        <p:txBody>
+          <a:bodyPr/>
+          <a:lstStyle/>
+          <a:p>
+            <a:r>
+              <a:rPr kumimoji="1" lang="en-US" altLang="ko-KR" dirty="0" smtClean="0"/>
+              <a:t>#</a:t>
+            </a:r>
+            <a:r>
+              <a:rPr kumimoji="1" lang="ko-KR" altLang="en-US" dirty="0" smtClean="0"/>
+              <a:t> </a:t>
+            </a:r>
+            <a:r>
+              <a:rPr kumimoji="1" lang="en-US" altLang="ko-KR" dirty="0" err="1" smtClean="0"/>
+              <a:t>trainingRMSE</a:t>
+            </a:r>
+            <a:r>
+              <a:rPr kumimoji="1" lang="ko-KR" altLang="en-US" dirty="0" smtClean="0"/>
+              <a:t>를 보면 </a:t>
+            </a:r>
+            <a:r>
+              <a:rPr kumimoji="1" lang="en-US" altLang="ko-KR" dirty="0" smtClean="0"/>
+              <a:t>ELM</a:t>
+            </a:r>
+            <a:r>
+              <a:rPr kumimoji="1" lang="ko-KR" altLang="en-US" dirty="0" smtClean="0"/>
+              <a:t>에서 </a:t>
+            </a:r>
+            <a:r>
+              <a:rPr kumimoji="1" lang="en-US" altLang="ko-KR" dirty="0" smtClean="0"/>
+              <a:t>HELM</a:t>
+            </a:r>
+            <a:r>
+              <a:rPr kumimoji="1" lang="ko-KR" altLang="en-US" dirty="0" smtClean="0"/>
+              <a:t>으로 변화를 줌에 따라 </a:t>
+            </a:r>
+            <a:r>
+              <a:rPr kumimoji="1" lang="en-US" altLang="ko-KR" dirty="0" smtClean="0"/>
+              <a:t>case01~03</a:t>
+            </a:r>
+            <a:r>
+              <a:rPr kumimoji="1" lang="ko-KR" altLang="en-US" dirty="0" smtClean="0"/>
+              <a:t>은 </a:t>
+            </a:r>
+            <a:r>
+              <a:rPr kumimoji="1" lang="en-US" altLang="ko-KR" dirty="0" smtClean="0"/>
+              <a:t>RMSE</a:t>
+            </a:r>
+            <a:r>
+              <a:rPr kumimoji="1" lang="ko-KR" altLang="en-US" dirty="0" smtClean="0"/>
+              <a:t>가 떨어지지만 </a:t>
+            </a:r>
+            <a:r>
+              <a:rPr kumimoji="1" lang="en-US" altLang="ko-KR" dirty="0" smtClean="0"/>
+              <a:t>case00</a:t>
+            </a:r>
+            <a:r>
+              <a:rPr kumimoji="1" lang="ko-KR" altLang="en-US" dirty="0" smtClean="0"/>
+              <a:t>의 </a:t>
+            </a:r>
+            <a:r>
+              <a:rPr kumimoji="1" lang="en-US" altLang="ko-KR" dirty="0" smtClean="0"/>
+              <a:t>RMSE</a:t>
+            </a:r>
+            <a:r>
+              <a:rPr kumimoji="1" lang="ko-KR" altLang="en-US" dirty="0" smtClean="0"/>
+              <a:t>는 증가하는 것을 보면 </a:t>
+            </a:r>
+            <a:r>
+              <a:rPr kumimoji="1" lang="en-US" altLang="ko-KR" dirty="0" smtClean="0"/>
+              <a:t>feature</a:t>
+            </a:r>
+            <a:r>
+              <a:rPr kumimoji="1" lang="ko-KR" altLang="en-US" dirty="0" smtClean="0"/>
+              <a:t>의 갯수가 문제였음을 알 수 잇음</a:t>
+            </a:r>
+            <a:endParaRPr kumimoji="1" lang="ko-KR" altLang="en-US" dirty="0"/>
+          </a:p>
+        </p:txBody>
+      </p:sp>
+      <p:sp>
+        <p:nvSpPr>
+          <p:cNvPr id="4" name="슬라이드 번호 개체 틀 3"/>
+          <p:cNvSpPr>
+            <a:spLocks noGrp="1"/>
+          </p:cNvSpPr>
+          <p:nvPr>
+            <p:ph type="sldNum" sz="quarter" idx="10"/>
+          </p:nvPr>
+        </p:nvSpPr>
+        <p:spPr/>
+        <p:txBody>
+          <a:bodyPr/>
+          <a:lstStyle/>
+          <a:p>
+            <a:fld id="{071FF34B-FD6A-DA47-969A-A5284DB7CD72}" type="slidenum">
+              <a:rPr kumimoji="1" lang="ko-KR" altLang="en-US" smtClean="0"/>
+              <a:t>24</a:t>
+            </a:fld>
+            <a:endParaRPr kumimoji="1" lang="ko-KR" altLang="en-US"/>
+          </a:p>
+        </p:txBody>
+      </p:sp>
+    </p:spTree>
+    <p:extLst>
+      <p:ext uri="{BB962C8B-B14F-4D97-AF65-F5344CB8AC3E}">
+        <p14:creationId xmlns:p14="http://schemas.microsoft.com/office/powerpoint/2010/main" val="631091659"/>
+      </p:ext>
+    </p:extLst>
+  </p:cSld>
+  <p:clrMapOvr>
+    <a:masterClrMapping/>
+  </p:clrMapOvr>
+</p:notes>
+</file>
+
 <file path=ppt/slideLayouts/slideLayout1.xml><?xml version="1.0" encoding="utf-8"?>
 <p:sldLayout xmlns:a="http://schemas.openxmlformats.org/drawingml/2006/main" xmlns:r="http://schemas.openxmlformats.org/officeDocument/2006/relationships" xmlns:p="http://schemas.openxmlformats.org/presentationml/2006/main" type="title" preserve="1">
   <p:cSld name="제목 슬라이드">
@@ -627,7 +1419,7 @@
           <a:p>
             <a:fld id="{E3EFA205-6D7A-A342-8BD2-019DFBBA20DC}" type="datetimeFigureOut">
               <a:rPr kumimoji="1" lang="ko-KR" altLang="en-US" smtClean="0"/>
-              <a:t>2017. 5. 26.</a:t>
+              <a:t>2017. 5. 28.</a:t>
             </a:fld>
             <a:endParaRPr kumimoji="1" lang="ko-KR" altLang="en-US"/>
           </a:p>
@@ -797,7 +1589,7 @@
           <a:p>
             <a:fld id="{E3EFA205-6D7A-A342-8BD2-019DFBBA20DC}" type="datetimeFigureOut">
               <a:rPr kumimoji="1" lang="ko-KR" altLang="en-US" smtClean="0"/>
-              <a:t>2017. 5. 26.</a:t>
+              <a:t>2017. 5. 28.</a:t>
             </a:fld>
             <a:endParaRPr kumimoji="1" lang="ko-KR" altLang="en-US"/>
           </a:p>
@@ -977,7 +1769,7 @@
           <a:p>
             <a:fld id="{E3EFA205-6D7A-A342-8BD2-019DFBBA20DC}" type="datetimeFigureOut">
               <a:rPr kumimoji="1" lang="ko-KR" altLang="en-US" smtClean="0"/>
-              <a:t>2017. 5. 26.</a:t>
+              <a:t>2017. 5. 28.</a:t>
             </a:fld>
             <a:endParaRPr kumimoji="1" lang="ko-KR" altLang="en-US"/>
           </a:p>
@@ -1147,7 +1939,7 @@
           <a:p>
             <a:fld id="{E3EFA205-6D7A-A342-8BD2-019DFBBA20DC}" type="datetimeFigureOut">
               <a:rPr kumimoji="1" lang="ko-KR" altLang="en-US" smtClean="0"/>
-              <a:t>2017. 5. 26.</a:t>
+              <a:t>2017. 5. 28.</a:t>
             </a:fld>
             <a:endParaRPr kumimoji="1" lang="ko-KR" altLang="en-US"/>
           </a:p>
@@ -1393,7 +2185,7 @@
           <a:p>
             <a:fld id="{E3EFA205-6D7A-A342-8BD2-019DFBBA20DC}" type="datetimeFigureOut">
               <a:rPr kumimoji="1" lang="ko-KR" altLang="en-US" smtClean="0"/>
-              <a:t>2017. 5. 26.</a:t>
+              <a:t>2017. 5. 28.</a:t>
             </a:fld>
             <a:endParaRPr kumimoji="1" lang="ko-KR" altLang="en-US"/>
           </a:p>
@@ -1625,7 +2417,7 @@
           <a:p>
             <a:fld id="{E3EFA205-6D7A-A342-8BD2-019DFBBA20DC}" type="datetimeFigureOut">
               <a:rPr kumimoji="1" lang="ko-KR" altLang="en-US" smtClean="0"/>
-              <a:t>2017. 5. 26.</a:t>
+              <a:t>2017. 5. 28.</a:t>
             </a:fld>
             <a:endParaRPr kumimoji="1" lang="ko-KR" altLang="en-US"/>
           </a:p>
@@ -1992,7 +2784,7 @@
           <a:p>
             <a:fld id="{E3EFA205-6D7A-A342-8BD2-019DFBBA20DC}" type="datetimeFigureOut">
               <a:rPr kumimoji="1" lang="ko-KR" altLang="en-US" smtClean="0"/>
-              <a:t>2017. 5. 26.</a:t>
+              <a:t>2017. 5. 28.</a:t>
             </a:fld>
             <a:endParaRPr kumimoji="1" lang="ko-KR" altLang="en-US"/>
           </a:p>
@@ -2110,7 +2902,7 @@
           <a:p>
             <a:fld id="{E3EFA205-6D7A-A342-8BD2-019DFBBA20DC}" type="datetimeFigureOut">
               <a:rPr kumimoji="1" lang="ko-KR" altLang="en-US" smtClean="0"/>
-              <a:t>2017. 5. 26.</a:t>
+              <a:t>2017. 5. 28.</a:t>
             </a:fld>
             <a:endParaRPr kumimoji="1" lang="ko-KR" altLang="en-US"/>
           </a:p>
@@ -2205,7 +2997,7 @@
           <a:p>
             <a:fld id="{E3EFA205-6D7A-A342-8BD2-019DFBBA20DC}" type="datetimeFigureOut">
               <a:rPr kumimoji="1" lang="ko-KR" altLang="en-US" smtClean="0"/>
-              <a:t>2017. 5. 26.</a:t>
+              <a:t>2017. 5. 28.</a:t>
             </a:fld>
             <a:endParaRPr kumimoji="1" lang="ko-KR" altLang="en-US"/>
           </a:p>
@@ -2482,7 +3274,7 @@
           <a:p>
             <a:fld id="{E3EFA205-6D7A-A342-8BD2-019DFBBA20DC}" type="datetimeFigureOut">
               <a:rPr kumimoji="1" lang="ko-KR" altLang="en-US" smtClean="0"/>
-              <a:t>2017. 5. 26.</a:t>
+              <a:t>2017. 5. 28.</a:t>
             </a:fld>
             <a:endParaRPr kumimoji="1" lang="ko-KR" altLang="en-US"/>
           </a:p>
@@ -2735,7 +3527,7 @@
           <a:p>
             <a:fld id="{E3EFA205-6D7A-A342-8BD2-019DFBBA20DC}" type="datetimeFigureOut">
               <a:rPr kumimoji="1" lang="ko-KR" altLang="en-US" smtClean="0"/>
-              <a:t>2017. 5. 26.</a:t>
+              <a:t>2017. 5. 28.</a:t>
             </a:fld>
             <a:endParaRPr kumimoji="1" lang="ko-KR" altLang="en-US"/>
           </a:p>
@@ -2948,7 +3740,7 @@
           <a:p>
             <a:fld id="{E3EFA205-6D7A-A342-8BD2-019DFBBA20DC}" type="datetimeFigureOut">
               <a:rPr kumimoji="1" lang="ko-KR" altLang="en-US" smtClean="0"/>
-              <a:t>2017. 5. 26.</a:t>
+              <a:t>2017. 5. 28.</a:t>
             </a:fld>
             <a:endParaRPr kumimoji="1" lang="ko-KR" altLang="en-US"/>
           </a:p>
@@ -3491,23 +4283,7 @@
                 <a:ea typeface="Arial" charset="0"/>
                 <a:cs typeface="Arial" charset="0"/>
               </a:rPr>
-              <a:t>26</a:t>
-            </a:r>
-            <a:r>
-              <a:rPr kumimoji="1" lang="en-US" altLang="ko-KR" dirty="0" smtClean="0">
-                <a:latin typeface="Arial" charset="0"/>
-                <a:ea typeface="Arial" charset="0"/>
-                <a:cs typeface="Arial" charset="0"/>
-              </a:rPr>
-              <a:t> </a:t>
-            </a:r>
-            <a:r>
-              <a:rPr kumimoji="1" lang="en-US" altLang="ko-KR" dirty="0" smtClean="0">
-                <a:latin typeface="Arial" charset="0"/>
-                <a:ea typeface="Arial" charset="0"/>
-                <a:cs typeface="Arial" charset="0"/>
-              </a:rPr>
-              <a:t>MAY 2017</a:t>
+              <a:t>26 MAY 2017</a:t>
             </a:r>
           </a:p>
           <a:p>
@@ -3540,17 +4316,49 @@
                 <a:ea typeface="Arial" charset="0"/>
                 <a:cs typeface="Arial" charset="0"/>
               </a:rPr>
-              <a:t> University</a:t>
-            </a:r>
-          </a:p>
-          <a:p>
+              <a:t> University </a:t>
+            </a:r>
+            <a:r>
+              <a:rPr kumimoji="1" lang="mr-IN" altLang="ko-KR" dirty="0" smtClean="0">
+                <a:latin typeface="Arial" charset="0"/>
+                <a:ea typeface="Arial" charset="0"/>
+                <a:cs typeface="Arial" charset="0"/>
+              </a:rPr>
+              <a:t>–</a:t>
+            </a:r>
             <a:r>
               <a:rPr kumimoji="1" lang="en-US" altLang="ko-KR" dirty="0" smtClean="0">
                 <a:latin typeface="Arial" charset="0"/>
                 <a:ea typeface="Arial" charset="0"/>
                 <a:cs typeface="Arial" charset="0"/>
               </a:rPr>
-              <a:t>Nanyang Technological University</a:t>
+              <a:t> undergraduate student</a:t>
+            </a:r>
+          </a:p>
+          <a:p>
+            <a:r>
+              <a:rPr kumimoji="1" lang="en-US" altLang="ko-KR" dirty="0" smtClean="0">
+                <a:latin typeface="Arial" charset="0"/>
+                <a:ea typeface="Arial" charset="0"/>
+                <a:cs typeface="Arial" charset="0"/>
+              </a:rPr>
+              <a:t>Nanyang Technological University </a:t>
+            </a:r>
+            <a:r>
+              <a:rPr kumimoji="1" lang="mr-IN" altLang="ko-KR" dirty="0" smtClean="0">
+                <a:latin typeface="Arial" charset="0"/>
+                <a:ea typeface="Arial" charset="0"/>
+                <a:cs typeface="Arial" charset="0"/>
+              </a:rPr>
+              <a:t>–</a:t>
+            </a:r>
+            <a:r>
+              <a:rPr kumimoji="1" lang="en-US" altLang="ko-KR" dirty="0" smtClean="0">
+                <a:latin typeface="Arial" charset="0"/>
+                <a:ea typeface="Arial" charset="0"/>
+                <a:cs typeface="Arial" charset="0"/>
+              </a:rPr>
+              <a:t> exchange student</a:t>
             </a:r>
             <a:endParaRPr kumimoji="1" lang="ko-KR" altLang="en-US" dirty="0">
               <a:latin typeface="Arial" charset="0"/>
@@ -3671,11 +4479,6 @@
               </a:rPr>
               <a:t>processes : </a:t>
             </a:r>
-            <a:endParaRPr kumimoji="1" lang="en-US" altLang="ko-KR" dirty="0" smtClean="0">
-              <a:latin typeface="Arial" charset="0"/>
-              <a:ea typeface="Arial" charset="0"/>
-              <a:cs typeface="Arial" charset="0"/>
-            </a:endParaRPr>
           </a:p>
           <a:p>
             <a:endParaRPr kumimoji="1" lang="en-US" altLang="ko-KR" dirty="0">
@@ -3724,8 +4527,8 @@
           </a:fontRef>
         </p:style>
       </p:cxnSp>
-      <mc:AlternateContent xmlns:mc="http://schemas.openxmlformats.org/markup-compatibility/2006">
-        <mc:Choice xmlns:a14="http://schemas.microsoft.com/office/drawing/2010/main" Requires="a14">
+      <mc:AlternateContent xmlns:mc="http://schemas.openxmlformats.org/markup-compatibility/2006" xmlns:a14="http://schemas.microsoft.com/office/drawing/2010/main">
+        <mc:Choice Requires="a14">
           <p:graphicFrame>
             <p:nvGraphicFramePr>
               <p:cNvPr id="4" name="표 3"/>
@@ -3968,13 +4771,7 @@
                                     <a:rPr lang="en-US" altLang="ko-KR" b="0" i="1" smtClean="0">
                                       <a:latin typeface="Cambria Math" charset="0"/>
                                     </a:rPr>
-                                    <m:t>,</m:t>
-                                  </m:r>
-                                  <m:r>
-                                    <a:rPr lang="en-US" altLang="ko-KR" b="0" i="1" smtClean="0">
-                                      <a:latin typeface="Cambria Math" charset="0"/>
-                                    </a:rPr>
-                                    <m:t>…,</m:t>
+                                    <m:t>,…,</m:t>
                                   </m:r>
                                   <m:sSub>
                                     <m:sSubPr>
@@ -4005,19 +4802,7 @@
                                     <a:rPr lang="en-US" altLang="ko-KR" b="0" i="1" smtClean="0">
                                       <a:latin typeface="Cambria Math" charset="0"/>
                                     </a:rPr>
-                                    <m:t>(</m:t>
-                                  </m:r>
-                                  <m:r>
-                                    <a:rPr lang="en-US" altLang="ko-KR" b="0" i="1" smtClean="0">
-                                      <a:latin typeface="Cambria Math" charset="0"/>
-                                    </a:rPr>
-                                    <m:t>48</m:t>
-                                  </m:r>
-                                  <m:r>
-                                    <a:rPr lang="en-US" altLang="ko-KR" b="0" i="1" smtClean="0">
-                                      <a:latin typeface="Cambria Math" charset="0"/>
-                                    </a:rPr>
-                                    <m:t>)</m:t>
+                                    <m:t>(48)</m:t>
                                   </m:r>
                                 </m:e>
                               </m:d>
@@ -5979,7 +6764,7 @@
             </a:graphic>
           </p:graphicFrame>
         </mc:Choice>
-        <mc:Fallback>
+        <mc:Fallback xmlns="">
           <p:graphicFrame>
             <p:nvGraphicFramePr>
               <p:cNvPr id="4" name="표 3"/>
@@ -6388,6 +7173,13 @@
   <p:clrMapOvr>
     <a:masterClrMapping/>
   </p:clrMapOvr>
+  <p:timing>
+    <p:tnLst>
+      <p:par>
+        <p:cTn id="1" dur="indefinite" restart="never" nodeType="tmRoot"/>
+      </p:par>
+    </p:tnLst>
+  </p:timing>
 </p:sld>
 </file>
 
@@ -6446,6 +7238,962 @@
           </a:p>
         </p:txBody>
       </p:sp>
+      <mc:AlternateContent xmlns:mc="http://schemas.openxmlformats.org/markup-compatibility/2006" xmlns:a14="http://schemas.microsoft.com/office/drawing/2010/main">
+        <mc:Choice Requires="a14">
+          <p:sp>
+            <p:nvSpPr>
+              <p:cNvPr id="3" name="내용 개체 틀 2"/>
+              <p:cNvSpPr>
+                <a:spLocks noGrp="1"/>
+              </p:cNvSpPr>
+              <p:nvPr>
+                <p:ph idx="1"/>
+              </p:nvPr>
+            </p:nvSpPr>
+            <p:spPr>
+              <a:xfrm>
+                <a:off x="838200" y="1363847"/>
+                <a:ext cx="10515600" cy="5284922"/>
+              </a:xfrm>
+            </p:spPr>
+            <p:txBody>
+              <a:bodyPr>
+                <a:normAutofit/>
+              </a:bodyPr>
+              <a:lstStyle/>
+              <a:p>
+                <a:pPr marL="228600" lvl="1">
+                  <a:spcBef>
+                    <a:spcPts val="1000"/>
+                  </a:spcBef>
+                </a:pPr>
+                <a:r>
+                  <a:rPr kumimoji="1" lang="en-US" altLang="ko-KR" sz="2800" dirty="0">
+                    <a:latin typeface="Arial" charset="0"/>
+                    <a:ea typeface="Arial" charset="0"/>
+                    <a:cs typeface="Arial" charset="0"/>
+                  </a:rPr>
+                  <a:t>Correlation </a:t>
+                </a:r>
+                <a:r>
+                  <a:rPr kumimoji="1" lang="en-US" altLang="ko-KR" sz="2800" dirty="0" smtClean="0">
+                    <a:latin typeface="Arial" charset="0"/>
+                    <a:ea typeface="Arial" charset="0"/>
+                    <a:cs typeface="Arial" charset="0"/>
+                  </a:rPr>
+                  <a:t>study :</a:t>
+                </a:r>
+              </a:p>
+              <a:p>
+                <a:pPr lvl="1"/>
+                <a:r>
+                  <a:rPr kumimoji="1" lang="en-US" altLang="ko-KR" dirty="0" smtClean="0">
+                    <a:latin typeface="Arial" charset="0"/>
+                    <a:ea typeface="Arial" charset="0"/>
+                    <a:cs typeface="Arial" charset="0"/>
+                  </a:rPr>
+                  <a:t>Pearson’s Correlation Coefficient</a:t>
+                </a:r>
+              </a:p>
+              <a:p>
+                <a:pPr lvl="2"/>
+                <a:r>
+                  <a:rPr kumimoji="1" lang="en-US" altLang="ko-KR" dirty="0">
+                    <a:latin typeface="Arial" charset="0"/>
+                    <a:ea typeface="Arial" charset="0"/>
+                    <a:cs typeface="Arial" charset="0"/>
+                  </a:rPr>
+                  <a:t>Pearson's correlation coefficient is the covariance of the two variables divided by the product of their standard deviations</a:t>
+                </a:r>
+                <a:r>
+                  <a:rPr kumimoji="1" lang="en-US" altLang="ko-KR" dirty="0" smtClean="0">
+                    <a:latin typeface="Arial" charset="0"/>
+                    <a:ea typeface="Arial" charset="0"/>
+                    <a:cs typeface="Arial" charset="0"/>
+                  </a:rPr>
+                  <a:t>.</a:t>
+                </a:r>
+                <a:br>
+                  <a:rPr kumimoji="1" lang="en-US" altLang="ko-KR" dirty="0" smtClean="0">
+                    <a:latin typeface="Arial" charset="0"/>
+                    <a:ea typeface="Arial" charset="0"/>
+                    <a:cs typeface="Arial" charset="0"/>
+                  </a:rPr>
+                </a:br>
+                <a:r>
+                  <a:rPr kumimoji="1" lang="en-US" altLang="ko-KR" dirty="0" smtClean="0">
+                    <a:latin typeface="Arial" charset="0"/>
+                    <a:ea typeface="Arial" charset="0"/>
+                    <a:cs typeface="Arial" charset="0"/>
+                  </a:rPr>
+                  <a:t/>
+                </a:r>
+                <a:br>
+                  <a:rPr kumimoji="1" lang="en-US" altLang="ko-KR" dirty="0" smtClean="0">
+                    <a:latin typeface="Arial" charset="0"/>
+                    <a:ea typeface="Arial" charset="0"/>
+                    <a:cs typeface="Arial" charset="0"/>
+                  </a:rPr>
+                </a:br>
+                <a14:m>
+                  <m:oMath xmlns:m="http://schemas.openxmlformats.org/officeDocument/2006/math">
+                    <m:sSub>
+                      <m:sSubPr>
+                        <m:ctrlPr>
+                          <a:rPr kumimoji="1" lang="en-US" altLang="ko-KR" i="1">
+                            <a:latin typeface="Cambria Math" charset="0"/>
+                            <a:ea typeface="Arial" charset="0"/>
+                            <a:cs typeface="Arial" charset="0"/>
+                          </a:rPr>
+                        </m:ctrlPr>
+                      </m:sSubPr>
+                      <m:e>
+                        <m:r>
+                          <a:rPr kumimoji="1" lang="en-US" altLang="ko-KR" i="1" smtClean="0">
+                            <a:latin typeface="Cambria Math" charset="0"/>
+                            <a:ea typeface="Cambria Math" charset="0"/>
+                            <a:cs typeface="Cambria Math" charset="0"/>
+                          </a:rPr>
+                          <m:t>𝜌</m:t>
+                        </m:r>
+                      </m:e>
+                      <m:sub>
+                        <m:r>
+                          <a:rPr kumimoji="1" lang="en-US" altLang="ko-KR" i="1">
+                            <a:latin typeface="Cambria Math" charset="0"/>
+                            <a:ea typeface="Arial" charset="0"/>
+                            <a:cs typeface="Arial" charset="0"/>
+                          </a:rPr>
+                          <m:t>𝑋</m:t>
+                        </m:r>
+                        <m:r>
+                          <a:rPr kumimoji="1" lang="en-US" altLang="ko-KR" i="1">
+                            <a:latin typeface="Cambria Math" charset="0"/>
+                            <a:ea typeface="Arial" charset="0"/>
+                            <a:cs typeface="Arial" charset="0"/>
+                          </a:rPr>
+                          <m:t>, </m:t>
+                        </m:r>
+                        <m:r>
+                          <a:rPr kumimoji="1" lang="en-US" altLang="ko-KR" i="1">
+                            <a:latin typeface="Cambria Math" charset="0"/>
+                            <a:ea typeface="Arial" charset="0"/>
+                            <a:cs typeface="Arial" charset="0"/>
+                          </a:rPr>
+                          <m:t>𝑌</m:t>
+                        </m:r>
+                      </m:sub>
+                    </m:sSub>
+                    <m:r>
+                      <a:rPr kumimoji="1" lang="mr-IN" altLang="ko-KR" i="1">
+                        <a:latin typeface="Cambria Math" charset="0"/>
+                        <a:ea typeface="Cambria Math" charset="0"/>
+                        <a:cs typeface="Cambria Math" charset="0"/>
+                      </a:rPr>
+                      <m:t>=</m:t>
+                    </m:r>
+                    <m:f>
+                      <m:fPr>
+                        <m:ctrlPr>
+                          <a:rPr kumimoji="1" lang="mr-IN" altLang="ko-KR" i="1" smtClean="0">
+                            <a:latin typeface="Cambria Math" charset="0"/>
+                            <a:ea typeface="Cambria Math" charset="0"/>
+                            <a:cs typeface="Cambria Math" charset="0"/>
+                          </a:rPr>
+                        </m:ctrlPr>
+                      </m:fPr>
+                      <m:num>
+                        <m:nary>
+                          <m:naryPr>
+                            <m:chr m:val="∑"/>
+                            <m:limLoc m:val="subSup"/>
+                            <m:ctrlPr>
+                              <a:rPr kumimoji="1" lang="is-IS" altLang="ko-KR" i="1" smtClean="0">
+                                <a:latin typeface="Cambria Math" charset="0"/>
+                                <a:ea typeface="Cambria Math" charset="0"/>
+                                <a:cs typeface="Cambria Math" charset="0"/>
+                              </a:rPr>
+                            </m:ctrlPr>
+                          </m:naryPr>
+                          <m:sub>
+                            <m:r>
+                              <m:rPr>
+                                <m:brk m:alnAt="25"/>
+                              </m:rPr>
+                              <a:rPr kumimoji="1" lang="en-US" altLang="ko-KR" b="0" i="1" smtClean="0">
+                                <a:latin typeface="Cambria Math" charset="0"/>
+                                <a:ea typeface="Cambria Math" charset="0"/>
+                                <a:cs typeface="Cambria Math" charset="0"/>
+                              </a:rPr>
+                              <m:t>𝑖</m:t>
+                            </m:r>
+                            <m:r>
+                              <a:rPr kumimoji="1" lang="en-US" altLang="ko-KR" b="0" i="1" smtClean="0">
+                                <a:latin typeface="Cambria Math" charset="0"/>
+                                <a:ea typeface="Cambria Math" charset="0"/>
+                                <a:cs typeface="Cambria Math" charset="0"/>
+                              </a:rPr>
+                              <m:t>=1</m:t>
+                            </m:r>
+                          </m:sub>
+                          <m:sup>
+                            <m:r>
+                              <a:rPr kumimoji="1" lang="en-US" altLang="ko-KR" b="0" i="1" smtClean="0">
+                                <a:latin typeface="Cambria Math" charset="0"/>
+                                <a:ea typeface="Cambria Math" charset="0"/>
+                                <a:cs typeface="Cambria Math" charset="0"/>
+                              </a:rPr>
+                              <m:t>𝑛</m:t>
+                            </m:r>
+                          </m:sup>
+                          <m:e>
+                            <m:d>
+                              <m:dPr>
+                                <m:ctrlPr>
+                                  <a:rPr kumimoji="1" lang="mr-IN" altLang="ko-KR" i="1" smtClean="0">
+                                    <a:latin typeface="Cambria Math" charset="0"/>
+                                    <a:ea typeface="Cambria Math" charset="0"/>
+                                    <a:cs typeface="Cambria Math" charset="0"/>
+                                  </a:rPr>
+                                </m:ctrlPr>
+                              </m:dPr>
+                              <m:e>
+                                <m:sSub>
+                                  <m:sSubPr>
+                                    <m:ctrlPr>
+                                      <a:rPr kumimoji="1" lang="en-US" altLang="ko-KR" i="1" smtClean="0">
+                                        <a:latin typeface="Cambria Math" charset="0"/>
+                                        <a:ea typeface="Cambria Math" charset="0"/>
+                                        <a:cs typeface="Cambria Math" charset="0"/>
+                                      </a:rPr>
+                                    </m:ctrlPr>
+                                  </m:sSubPr>
+                                  <m:e>
+                                    <m:r>
+                                      <a:rPr kumimoji="1" lang="en-US" altLang="ko-KR" b="0" i="1" smtClean="0">
+                                        <a:latin typeface="Cambria Math" charset="0"/>
+                                        <a:ea typeface="Cambria Math" charset="0"/>
+                                        <a:cs typeface="Cambria Math" charset="0"/>
+                                      </a:rPr>
+                                      <m:t>𝑋</m:t>
+                                    </m:r>
+                                  </m:e>
+                                  <m:sub>
+                                    <m:r>
+                                      <a:rPr kumimoji="1" lang="en-US" altLang="ko-KR" b="0" i="1" smtClean="0">
+                                        <a:latin typeface="Cambria Math" charset="0"/>
+                                        <a:ea typeface="Cambria Math" charset="0"/>
+                                        <a:cs typeface="Cambria Math" charset="0"/>
+                                      </a:rPr>
+                                      <m:t>𝑖</m:t>
+                                    </m:r>
+                                  </m:sub>
+                                </m:sSub>
+                                <m:r>
+                                  <a:rPr kumimoji="1" lang="en-US" altLang="ko-KR" i="1" smtClean="0">
+                                    <a:latin typeface="Cambria Math" charset="0"/>
+                                    <a:ea typeface="Cambria Math" charset="0"/>
+                                    <a:cs typeface="Cambria Math" charset="0"/>
+                                  </a:rPr>
+                                  <m:t>−</m:t>
+                                </m:r>
+                                <m:acc>
+                                  <m:accPr>
+                                    <m:chr m:val="̅"/>
+                                    <m:ctrlPr>
+                                      <a:rPr kumimoji="1" lang="en-US" altLang="ko-KR" i="1" smtClean="0">
+                                        <a:latin typeface="Cambria Math" charset="0"/>
+                                        <a:ea typeface="Cambria Math" charset="0"/>
+                                        <a:cs typeface="Cambria Math" charset="0"/>
+                                      </a:rPr>
+                                    </m:ctrlPr>
+                                  </m:accPr>
+                                  <m:e>
+                                    <m:r>
+                                      <a:rPr kumimoji="1" lang="en-US" altLang="ko-KR" b="0" i="1" smtClean="0">
+                                        <a:latin typeface="Cambria Math" charset="0"/>
+                                        <a:ea typeface="Cambria Math" charset="0"/>
+                                        <a:cs typeface="Cambria Math" charset="0"/>
+                                      </a:rPr>
+                                      <m:t>𝑋</m:t>
+                                    </m:r>
+                                  </m:e>
+                                </m:acc>
+                              </m:e>
+                            </m:d>
+                            <m:d>
+                              <m:dPr>
+                                <m:ctrlPr>
+                                  <a:rPr kumimoji="1" lang="mr-IN" altLang="ko-KR" i="1">
+                                    <a:latin typeface="Cambria Math" charset="0"/>
+                                    <a:ea typeface="Cambria Math" charset="0"/>
+                                    <a:cs typeface="Cambria Math" charset="0"/>
+                                  </a:rPr>
+                                </m:ctrlPr>
+                              </m:dPr>
+                              <m:e>
+                                <m:sSub>
+                                  <m:sSubPr>
+                                    <m:ctrlPr>
+                                      <a:rPr kumimoji="1" lang="en-US" altLang="ko-KR" i="1">
+                                        <a:latin typeface="Cambria Math" charset="0"/>
+                                        <a:ea typeface="Cambria Math" charset="0"/>
+                                        <a:cs typeface="Cambria Math" charset="0"/>
+                                      </a:rPr>
+                                    </m:ctrlPr>
+                                  </m:sSubPr>
+                                  <m:e>
+                                    <m:r>
+                                      <a:rPr kumimoji="1" lang="en-US" altLang="ko-KR" b="0" i="1" smtClean="0">
+                                        <a:latin typeface="Cambria Math" charset="0"/>
+                                        <a:ea typeface="Cambria Math" charset="0"/>
+                                        <a:cs typeface="Cambria Math" charset="0"/>
+                                      </a:rPr>
+                                      <m:t>𝑌</m:t>
+                                    </m:r>
+                                  </m:e>
+                                  <m:sub>
+                                    <m:r>
+                                      <a:rPr kumimoji="1" lang="en-US" altLang="ko-KR" i="1">
+                                        <a:latin typeface="Cambria Math" charset="0"/>
+                                        <a:ea typeface="Cambria Math" charset="0"/>
+                                        <a:cs typeface="Cambria Math" charset="0"/>
+                                      </a:rPr>
+                                      <m:t>𝑖</m:t>
+                                    </m:r>
+                                  </m:sub>
+                                </m:sSub>
+                                <m:r>
+                                  <a:rPr kumimoji="1" lang="en-US" altLang="ko-KR" i="1">
+                                    <a:latin typeface="Cambria Math" charset="0"/>
+                                    <a:ea typeface="Cambria Math" charset="0"/>
+                                    <a:cs typeface="Cambria Math" charset="0"/>
+                                  </a:rPr>
+                                  <m:t>−</m:t>
+                                </m:r>
+                                <m:acc>
+                                  <m:accPr>
+                                    <m:chr m:val="̅"/>
+                                    <m:ctrlPr>
+                                      <a:rPr kumimoji="1" lang="en-US" altLang="ko-KR" i="1">
+                                        <a:latin typeface="Cambria Math" charset="0"/>
+                                        <a:ea typeface="Cambria Math" charset="0"/>
+                                        <a:cs typeface="Cambria Math" charset="0"/>
+                                      </a:rPr>
+                                    </m:ctrlPr>
+                                  </m:accPr>
+                                  <m:e>
+                                    <m:r>
+                                      <a:rPr kumimoji="1" lang="en-US" altLang="ko-KR" b="0" i="1" smtClean="0">
+                                        <a:latin typeface="Cambria Math" charset="0"/>
+                                        <a:ea typeface="Cambria Math" charset="0"/>
+                                        <a:cs typeface="Cambria Math" charset="0"/>
+                                      </a:rPr>
+                                      <m:t>𝑌</m:t>
+                                    </m:r>
+                                  </m:e>
+                                </m:acc>
+                              </m:e>
+                            </m:d>
+                          </m:e>
+                        </m:nary>
+                      </m:num>
+                      <m:den>
+                        <m:rad>
+                          <m:radPr>
+                            <m:degHide m:val="on"/>
+                            <m:ctrlPr>
+                              <a:rPr kumimoji="1" lang="mr-IN" altLang="ko-KR" i="1">
+                                <a:latin typeface="Cambria Math" charset="0"/>
+                                <a:ea typeface="Cambria Math" charset="0"/>
+                                <a:cs typeface="Cambria Math" charset="0"/>
+                              </a:rPr>
+                            </m:ctrlPr>
+                          </m:radPr>
+                          <m:deg/>
+                          <m:e>
+                            <m:nary>
+                              <m:naryPr>
+                                <m:chr m:val="∑"/>
+                                <m:limLoc m:val="subSup"/>
+                                <m:ctrlPr>
+                                  <a:rPr kumimoji="1" lang="is-IS" altLang="ko-KR" i="1" smtClean="0">
+                                    <a:latin typeface="Cambria Math" charset="0"/>
+                                    <a:ea typeface="Cambria Math" charset="0"/>
+                                    <a:cs typeface="Cambria Math" charset="0"/>
+                                  </a:rPr>
+                                </m:ctrlPr>
+                              </m:naryPr>
+                              <m:sub>
+                                <m:r>
+                                  <m:rPr>
+                                    <m:brk m:alnAt="25"/>
+                                  </m:rPr>
+                                  <a:rPr kumimoji="1" lang="en-US" altLang="ko-KR" b="0" i="1" smtClean="0">
+                                    <a:latin typeface="Cambria Math" charset="0"/>
+                                    <a:ea typeface="Cambria Math" charset="0"/>
+                                    <a:cs typeface="Cambria Math" charset="0"/>
+                                  </a:rPr>
+                                  <m:t>𝑖</m:t>
+                                </m:r>
+                                <m:r>
+                                  <a:rPr kumimoji="1" lang="en-US" altLang="ko-KR" b="0" i="1" smtClean="0">
+                                    <a:latin typeface="Cambria Math" charset="0"/>
+                                    <a:ea typeface="Cambria Math" charset="0"/>
+                                    <a:cs typeface="Cambria Math" charset="0"/>
+                                  </a:rPr>
+                                  <m:t>=1</m:t>
+                                </m:r>
+                              </m:sub>
+                              <m:sup>
+                                <m:r>
+                                  <a:rPr kumimoji="1" lang="en-US" altLang="ko-KR" b="0" i="1" smtClean="0">
+                                    <a:latin typeface="Cambria Math" charset="0"/>
+                                    <a:ea typeface="Cambria Math" charset="0"/>
+                                    <a:cs typeface="Cambria Math" charset="0"/>
+                                  </a:rPr>
+                                  <m:t>𝑛</m:t>
+                                </m:r>
+                              </m:sup>
+                              <m:e>
+                                <m:sSup>
+                                  <m:sSupPr>
+                                    <m:ctrlPr>
+                                      <a:rPr kumimoji="1" lang="is-IS" altLang="ko-KR" i="1" smtClean="0">
+                                        <a:latin typeface="Cambria Math" charset="0"/>
+                                        <a:ea typeface="Cambria Math" charset="0"/>
+                                        <a:cs typeface="Cambria Math" charset="0"/>
+                                      </a:rPr>
+                                    </m:ctrlPr>
+                                  </m:sSupPr>
+                                  <m:e>
+                                    <m:d>
+                                      <m:dPr>
+                                        <m:ctrlPr>
+                                          <a:rPr kumimoji="1" lang="mr-IN" altLang="ko-KR" i="1" smtClean="0">
+                                            <a:latin typeface="Cambria Math" charset="0"/>
+                                            <a:ea typeface="Cambria Math" charset="0"/>
+                                            <a:cs typeface="Cambria Math" charset="0"/>
+                                          </a:rPr>
+                                        </m:ctrlPr>
+                                      </m:dPr>
+                                      <m:e>
+                                        <m:sSub>
+                                          <m:sSubPr>
+                                            <m:ctrlPr>
+                                              <a:rPr kumimoji="1" lang="en-US" altLang="ko-KR" i="1" smtClean="0">
+                                                <a:latin typeface="Cambria Math" charset="0"/>
+                                                <a:ea typeface="Cambria Math" charset="0"/>
+                                                <a:cs typeface="Cambria Math" charset="0"/>
+                                              </a:rPr>
+                                            </m:ctrlPr>
+                                          </m:sSubPr>
+                                          <m:e>
+                                            <m:r>
+                                              <a:rPr kumimoji="1" lang="en-US" altLang="ko-KR" b="0" i="1" smtClean="0">
+                                                <a:latin typeface="Cambria Math" charset="0"/>
+                                                <a:ea typeface="Cambria Math" charset="0"/>
+                                                <a:cs typeface="Cambria Math" charset="0"/>
+                                              </a:rPr>
+                                              <m:t>𝑋</m:t>
+                                            </m:r>
+                                          </m:e>
+                                          <m:sub>
+                                            <m:r>
+                                              <a:rPr kumimoji="1" lang="en-US" altLang="ko-KR" b="0" i="1" smtClean="0">
+                                                <a:latin typeface="Cambria Math" charset="0"/>
+                                                <a:ea typeface="Cambria Math" charset="0"/>
+                                                <a:cs typeface="Cambria Math" charset="0"/>
+                                              </a:rPr>
+                                              <m:t>𝑖</m:t>
+                                            </m:r>
+                                          </m:sub>
+                                        </m:sSub>
+                                        <m:r>
+                                          <a:rPr kumimoji="1" lang="en-US" altLang="ko-KR" b="0" i="1" smtClean="0">
+                                            <a:latin typeface="Cambria Math" charset="0"/>
+                                            <a:ea typeface="Cambria Math" charset="0"/>
+                                            <a:cs typeface="Cambria Math" charset="0"/>
+                                          </a:rPr>
+                                          <m:t>−</m:t>
+                                        </m:r>
+                                        <m:acc>
+                                          <m:accPr>
+                                            <m:chr m:val="̅"/>
+                                            <m:ctrlPr>
+                                              <a:rPr kumimoji="1" lang="en-US" altLang="ko-KR" b="0" i="1" smtClean="0">
+                                                <a:latin typeface="Cambria Math" charset="0"/>
+                                                <a:ea typeface="Cambria Math" charset="0"/>
+                                                <a:cs typeface="Cambria Math" charset="0"/>
+                                              </a:rPr>
+                                            </m:ctrlPr>
+                                          </m:accPr>
+                                          <m:e>
+                                            <m:r>
+                                              <a:rPr kumimoji="1" lang="en-US" altLang="ko-KR" b="0" i="1" smtClean="0">
+                                                <a:latin typeface="Cambria Math" charset="0"/>
+                                                <a:ea typeface="Cambria Math" charset="0"/>
+                                                <a:cs typeface="Cambria Math" charset="0"/>
+                                              </a:rPr>
+                                              <m:t>𝑋</m:t>
+                                            </m:r>
+                                          </m:e>
+                                        </m:acc>
+                                      </m:e>
+                                    </m:d>
+                                  </m:e>
+                                  <m:sup>
+                                    <m:r>
+                                      <a:rPr kumimoji="1" lang="en-US" altLang="ko-KR" b="0" i="1" smtClean="0">
+                                        <a:latin typeface="Cambria Math" charset="0"/>
+                                        <a:ea typeface="Cambria Math" charset="0"/>
+                                        <a:cs typeface="Cambria Math" charset="0"/>
+                                      </a:rPr>
+                                      <m:t>2</m:t>
+                                    </m:r>
+                                  </m:sup>
+                                </m:sSup>
+                              </m:e>
+                            </m:nary>
+                          </m:e>
+                        </m:rad>
+                        <m:rad>
+                          <m:radPr>
+                            <m:degHide m:val="on"/>
+                            <m:ctrlPr>
+                              <a:rPr kumimoji="1" lang="mr-IN" altLang="ko-KR" i="1">
+                                <a:latin typeface="Cambria Math" charset="0"/>
+                                <a:ea typeface="Cambria Math" charset="0"/>
+                                <a:cs typeface="Cambria Math" charset="0"/>
+                              </a:rPr>
+                            </m:ctrlPr>
+                          </m:radPr>
+                          <m:deg/>
+                          <m:e>
+                            <m:nary>
+                              <m:naryPr>
+                                <m:chr m:val="∑"/>
+                                <m:limLoc m:val="subSup"/>
+                                <m:ctrlPr>
+                                  <a:rPr kumimoji="1" lang="is-IS" altLang="ko-KR" i="1">
+                                    <a:latin typeface="Cambria Math" charset="0"/>
+                                    <a:ea typeface="Cambria Math" charset="0"/>
+                                    <a:cs typeface="Cambria Math" charset="0"/>
+                                  </a:rPr>
+                                </m:ctrlPr>
+                              </m:naryPr>
+                              <m:sub>
+                                <m:r>
+                                  <m:rPr>
+                                    <m:brk m:alnAt="25"/>
+                                  </m:rPr>
+                                  <a:rPr kumimoji="1" lang="en-US" altLang="ko-KR" i="1">
+                                    <a:latin typeface="Cambria Math" charset="0"/>
+                                    <a:ea typeface="Cambria Math" charset="0"/>
+                                    <a:cs typeface="Cambria Math" charset="0"/>
+                                  </a:rPr>
+                                  <m:t>𝑖</m:t>
+                                </m:r>
+                                <m:r>
+                                  <a:rPr kumimoji="1" lang="en-US" altLang="ko-KR" i="1">
+                                    <a:latin typeface="Cambria Math" charset="0"/>
+                                    <a:ea typeface="Cambria Math" charset="0"/>
+                                    <a:cs typeface="Cambria Math" charset="0"/>
+                                  </a:rPr>
+                                  <m:t>=1</m:t>
+                                </m:r>
+                              </m:sub>
+                              <m:sup>
+                                <m:r>
+                                  <a:rPr kumimoji="1" lang="en-US" altLang="ko-KR" i="1">
+                                    <a:latin typeface="Cambria Math" charset="0"/>
+                                    <a:ea typeface="Cambria Math" charset="0"/>
+                                    <a:cs typeface="Cambria Math" charset="0"/>
+                                  </a:rPr>
+                                  <m:t>𝑛</m:t>
+                                </m:r>
+                              </m:sup>
+                              <m:e>
+                                <m:sSup>
+                                  <m:sSupPr>
+                                    <m:ctrlPr>
+                                      <a:rPr kumimoji="1" lang="is-IS" altLang="ko-KR" i="1">
+                                        <a:latin typeface="Cambria Math" charset="0"/>
+                                        <a:ea typeface="Cambria Math" charset="0"/>
+                                        <a:cs typeface="Cambria Math" charset="0"/>
+                                      </a:rPr>
+                                    </m:ctrlPr>
+                                  </m:sSupPr>
+                                  <m:e>
+                                    <m:d>
+                                      <m:dPr>
+                                        <m:ctrlPr>
+                                          <a:rPr kumimoji="1" lang="mr-IN" altLang="ko-KR" i="1">
+                                            <a:latin typeface="Cambria Math" charset="0"/>
+                                            <a:ea typeface="Cambria Math" charset="0"/>
+                                            <a:cs typeface="Cambria Math" charset="0"/>
+                                          </a:rPr>
+                                        </m:ctrlPr>
+                                      </m:dPr>
+                                      <m:e>
+                                        <m:sSub>
+                                          <m:sSubPr>
+                                            <m:ctrlPr>
+                                              <a:rPr kumimoji="1" lang="en-US" altLang="ko-KR" i="1">
+                                                <a:latin typeface="Cambria Math" charset="0"/>
+                                                <a:ea typeface="Cambria Math" charset="0"/>
+                                                <a:cs typeface="Cambria Math" charset="0"/>
+                                              </a:rPr>
+                                            </m:ctrlPr>
+                                          </m:sSubPr>
+                                          <m:e>
+                                            <m:r>
+                                              <a:rPr kumimoji="1" lang="en-US" altLang="ko-KR" b="0" i="1" smtClean="0">
+                                                <a:latin typeface="Cambria Math" charset="0"/>
+                                                <a:ea typeface="Cambria Math" charset="0"/>
+                                                <a:cs typeface="Cambria Math" charset="0"/>
+                                              </a:rPr>
+                                              <m:t>𝑌</m:t>
+                                            </m:r>
+                                          </m:e>
+                                          <m:sub>
+                                            <m:r>
+                                              <a:rPr kumimoji="1" lang="en-US" altLang="ko-KR" i="1">
+                                                <a:latin typeface="Cambria Math" charset="0"/>
+                                                <a:ea typeface="Cambria Math" charset="0"/>
+                                                <a:cs typeface="Cambria Math" charset="0"/>
+                                              </a:rPr>
+                                              <m:t>𝑖</m:t>
+                                            </m:r>
+                                          </m:sub>
+                                        </m:sSub>
+                                        <m:r>
+                                          <a:rPr kumimoji="1" lang="en-US" altLang="ko-KR" i="1">
+                                            <a:latin typeface="Cambria Math" charset="0"/>
+                                            <a:ea typeface="Cambria Math" charset="0"/>
+                                            <a:cs typeface="Cambria Math" charset="0"/>
+                                          </a:rPr>
+                                          <m:t>−</m:t>
+                                        </m:r>
+                                        <m:acc>
+                                          <m:accPr>
+                                            <m:chr m:val="̅"/>
+                                            <m:ctrlPr>
+                                              <a:rPr kumimoji="1" lang="en-US" altLang="ko-KR" i="1">
+                                                <a:latin typeface="Cambria Math" charset="0"/>
+                                                <a:ea typeface="Cambria Math" charset="0"/>
+                                                <a:cs typeface="Cambria Math" charset="0"/>
+                                              </a:rPr>
+                                            </m:ctrlPr>
+                                          </m:accPr>
+                                          <m:e>
+                                            <m:r>
+                                              <a:rPr kumimoji="1" lang="en-US" altLang="ko-KR" b="0" i="1" smtClean="0">
+                                                <a:latin typeface="Cambria Math" charset="0"/>
+                                                <a:ea typeface="Cambria Math" charset="0"/>
+                                                <a:cs typeface="Cambria Math" charset="0"/>
+                                              </a:rPr>
+                                              <m:t>𝑌</m:t>
+                                            </m:r>
+                                          </m:e>
+                                        </m:acc>
+                                      </m:e>
+                                    </m:d>
+                                  </m:e>
+                                  <m:sup>
+                                    <m:r>
+                                      <a:rPr kumimoji="1" lang="en-US" altLang="ko-KR" i="1">
+                                        <a:latin typeface="Cambria Math" charset="0"/>
+                                        <a:ea typeface="Cambria Math" charset="0"/>
+                                        <a:cs typeface="Cambria Math" charset="0"/>
+                                      </a:rPr>
+                                      <m:t>2</m:t>
+                                    </m:r>
+                                  </m:sup>
+                                </m:sSup>
+                              </m:e>
+                            </m:nary>
+                          </m:e>
+                        </m:rad>
+                      </m:den>
+                    </m:f>
+                  </m:oMath>
+                </a14:m>
+                <a:endParaRPr kumimoji="1" lang="en-US" altLang="ko-KR" dirty="0" smtClean="0">
+                  <a:latin typeface="Arial" charset="0"/>
+                  <a:ea typeface="Arial" charset="0"/>
+                  <a:cs typeface="Arial" charset="0"/>
+                </a:endParaRPr>
+              </a:p>
+              <a:p>
+                <a:pPr lvl="2"/>
+                <a:endParaRPr kumimoji="1" lang="en-US" altLang="ko-KR" dirty="0" smtClean="0">
+                  <a:latin typeface="Arial" charset="0"/>
+                  <a:ea typeface="Arial" charset="0"/>
+                  <a:cs typeface="Arial" charset="0"/>
+                </a:endParaRPr>
+              </a:p>
+              <a:p>
+                <a:pPr lvl="2"/>
+                <a:r>
+                  <a:rPr kumimoji="1" lang="en-US" altLang="ko-KR" dirty="0" smtClean="0">
+                    <a:latin typeface="Arial" charset="0"/>
+                    <a:ea typeface="Arial" charset="0"/>
+                    <a:cs typeface="Arial" charset="0"/>
+                  </a:rPr>
+                  <a:t>The </a:t>
+                </a:r>
+                <a:r>
+                  <a:rPr kumimoji="1" lang="en-US" altLang="ko-KR" dirty="0">
+                    <a:latin typeface="Arial" charset="0"/>
+                    <a:ea typeface="Arial" charset="0"/>
+                    <a:cs typeface="Arial" charset="0"/>
+                  </a:rPr>
+                  <a:t>correlation coefficient ranges from −1 to 1. </a:t>
+                </a:r>
+                <a:endParaRPr kumimoji="1" lang="en-US" altLang="ko-KR" dirty="0" smtClean="0">
+                  <a:latin typeface="Arial" charset="0"/>
+                  <a:ea typeface="Arial" charset="0"/>
+                  <a:cs typeface="Arial" charset="0"/>
+                </a:endParaRPr>
+              </a:p>
+              <a:p>
+                <a:pPr lvl="3"/>
+                <a:r>
+                  <a:rPr kumimoji="1" lang="en-US" altLang="ko-KR" dirty="0" smtClean="0">
+                    <a:latin typeface="Arial" charset="0"/>
+                    <a:ea typeface="Arial" charset="0"/>
+                    <a:cs typeface="Arial" charset="0"/>
+                  </a:rPr>
+                  <a:t>A </a:t>
+                </a:r>
+                <a:r>
+                  <a:rPr kumimoji="1" lang="en-US" altLang="ko-KR" dirty="0">
+                    <a:latin typeface="Arial" charset="0"/>
+                    <a:ea typeface="Arial" charset="0"/>
+                    <a:cs typeface="Arial" charset="0"/>
+                  </a:rPr>
+                  <a:t>value of 1 implies that a linear equation describes the relationship between X and Y perfectly, with all data points lying on a line for which Y increases as X increases</a:t>
+                </a:r>
+                <a:r>
+                  <a:rPr kumimoji="1" lang="en-US" altLang="ko-KR" dirty="0" smtClean="0">
+                    <a:latin typeface="Arial" charset="0"/>
+                    <a:ea typeface="Arial" charset="0"/>
+                    <a:cs typeface="Arial" charset="0"/>
+                  </a:rPr>
+                  <a:t>.</a:t>
+                </a:r>
+              </a:p>
+              <a:p>
+                <a:pPr lvl="3"/>
+                <a:r>
+                  <a:rPr kumimoji="1" lang="en-US" altLang="ko-KR" dirty="0" smtClean="0">
+                    <a:latin typeface="Arial" charset="0"/>
+                    <a:ea typeface="Arial" charset="0"/>
+                    <a:cs typeface="Arial" charset="0"/>
+                  </a:rPr>
+                  <a:t> </a:t>
+                </a:r>
+                <a:r>
+                  <a:rPr kumimoji="1" lang="en-US" altLang="ko-KR" dirty="0">
+                    <a:latin typeface="Arial" charset="0"/>
+                    <a:ea typeface="Arial" charset="0"/>
+                    <a:cs typeface="Arial" charset="0"/>
+                  </a:rPr>
+                  <a:t>A value of −1 implies that all data points lie on a line for which Y decreases as X increases. A value of 0 implies that there is no linear correlation between the variables.</a:t>
+                </a:r>
+                <a:r>
+                  <a:rPr kumimoji="1" lang="en-US" altLang="ko-KR" dirty="0" smtClean="0">
+                    <a:latin typeface="Arial" charset="0"/>
+                    <a:ea typeface="Arial" charset="0"/>
+                    <a:cs typeface="Arial" charset="0"/>
+                  </a:rPr>
+                  <a:t/>
+                </a:r>
+                <a:br>
+                  <a:rPr kumimoji="1" lang="en-US" altLang="ko-KR" dirty="0" smtClean="0">
+                    <a:latin typeface="Arial" charset="0"/>
+                    <a:ea typeface="Arial" charset="0"/>
+                    <a:cs typeface="Arial" charset="0"/>
+                  </a:rPr>
+                </a:br>
+                <a:endParaRPr kumimoji="1" lang="en-US" altLang="ko-KR" dirty="0" smtClean="0">
+                  <a:latin typeface="Arial" charset="0"/>
+                  <a:ea typeface="Arial" charset="0"/>
+                  <a:cs typeface="Arial" charset="0"/>
+                </a:endParaRPr>
+              </a:p>
+              <a:p>
+                <a:pPr marL="0" indent="0">
+                  <a:buNone/>
+                </a:pPr>
+                <a:r>
+                  <a:rPr kumimoji="1" lang="en-US" altLang="ko-KR" dirty="0" smtClean="0">
+                    <a:ea typeface="Arial" charset="0"/>
+                    <a:cs typeface="Arial" charset="0"/>
+                  </a:rPr>
+                  <a:t>		</a:t>
+                </a:r>
+                <a:endParaRPr kumimoji="1" lang="en-US" altLang="ko-KR" dirty="0">
+                  <a:latin typeface="Arial" charset="0"/>
+                  <a:ea typeface="Arial" charset="0"/>
+                  <a:cs typeface="Arial" charset="0"/>
+                </a:endParaRPr>
+              </a:p>
+            </p:txBody>
+          </p:sp>
+        </mc:Choice>
+        <mc:Fallback xmlns="">
+          <p:sp>
+            <p:nvSpPr>
+              <p:cNvPr id="3" name="내용 개체 틀 2"/>
+              <p:cNvSpPr>
+                <a:spLocks noGrp="1" noRot="1" noChangeAspect="1" noMove="1" noResize="1" noEditPoints="1" noAdjustHandles="1" noChangeArrowheads="1" noChangeShapeType="1" noTextEdit="1"/>
+              </p:cNvSpPr>
+              <p:nvPr>
+                <p:ph idx="1"/>
+              </p:nvPr>
+            </p:nvSpPr>
+            <p:spPr>
+              <a:xfrm>
+                <a:off x="838200" y="1363847"/>
+                <a:ext cx="10515600" cy="5284922"/>
+              </a:xfrm>
+              <a:blipFill rotWithShape="0">
+                <a:blip r:embed="rId2"/>
+                <a:stretch>
+                  <a:fillRect l="-1043" t="-2076" r="-522"/>
+                </a:stretch>
+              </a:blipFill>
+            </p:spPr>
+            <p:txBody>
+              <a:bodyPr/>
+              <a:lstStyle/>
+              <a:p>
+                <a:r>
+                  <a:rPr lang="ko-KR" altLang="en-US">
+                    <a:noFill/>
+                  </a:rPr>
+                  <a:t> </a:t>
+                </a:r>
+              </a:p>
+            </p:txBody>
+          </p:sp>
+        </mc:Fallback>
+      </mc:AlternateContent>
+      <p:cxnSp>
+        <p:nvCxnSpPr>
+          <p:cNvPr id="5" name="직선 연결선[R] 4"/>
+          <p:cNvCxnSpPr/>
+          <p:nvPr/>
+        </p:nvCxnSpPr>
+        <p:spPr>
+          <a:xfrm>
+            <a:off x="838200" y="1133882"/>
+            <a:ext cx="10515600" cy="0"/>
+          </a:xfrm>
+          <a:prstGeom prst="line">
+            <a:avLst/>
+          </a:prstGeom>
+          <a:ln w="40132" cmpd="sng">
+            <a:solidFill>
+              <a:schemeClr val="accent1">
+                <a:lumMod val="60000"/>
+                <a:lumOff val="40000"/>
+              </a:schemeClr>
+            </a:solidFill>
+          </a:ln>
+        </p:spPr>
+        <p:style>
+          <a:lnRef idx="1">
+            <a:schemeClr val="accent1"/>
+          </a:lnRef>
+          <a:fillRef idx="0">
+            <a:schemeClr val="accent1"/>
+          </a:fillRef>
+          <a:effectRef idx="0">
+            <a:schemeClr val="accent1"/>
+          </a:effectRef>
+          <a:fontRef idx="minor">
+            <a:schemeClr val="tx1"/>
+          </a:fontRef>
+        </p:style>
+      </p:cxnSp>
+    </p:spTree>
+    <p:extLst>
+      <p:ext uri="{BB962C8B-B14F-4D97-AF65-F5344CB8AC3E}">
+        <p14:creationId xmlns:p14="http://schemas.microsoft.com/office/powerpoint/2010/main" val="1970365885"/>
+      </p:ext>
+    </p:extLst>
+  </p:cSld>
+  <p:clrMapOvr>
+    <a:masterClrMapping/>
+  </p:clrMapOvr>
+  <p:timing>
+    <p:tnLst>
+      <p:par>
+        <p:cTn id="1" dur="indefinite" restart="never" nodeType="tmRoot"/>
+      </p:par>
+    </p:tnLst>
+  </p:timing>
+</p:sld>
+</file>
+
+<file path=ppt/slides/slide12.xml><?xml version="1.0" encoding="utf-8"?>
+<p:sld xmlns:a="http://schemas.openxmlformats.org/drawingml/2006/main" xmlns:r="http://schemas.openxmlformats.org/officeDocument/2006/relationships" xmlns:p="http://schemas.openxmlformats.org/presentationml/2006/main">
+  <p:cSld>
+    <p:spTree>
+      <p:nvGrpSpPr>
+        <p:cNvPr id="1" name=""/>
+        <p:cNvGrpSpPr/>
+        <p:nvPr/>
+      </p:nvGrpSpPr>
+      <p:grpSpPr>
+        <a:xfrm>
+          <a:off x="0" y="0"/>
+          <a:ext cx="0" cy="0"/>
+          <a:chOff x="0" y="0"/>
+          <a:chExt cx="0" cy="0"/>
+        </a:xfrm>
+      </p:grpSpPr>
+      <p:sp>
+        <p:nvSpPr>
+          <p:cNvPr id="2" name="제목 1"/>
+          <p:cNvSpPr>
+            <a:spLocks noGrp="1"/>
+          </p:cNvSpPr>
+          <p:nvPr>
+            <p:ph type="title"/>
+          </p:nvPr>
+        </p:nvSpPr>
+        <p:spPr>
+          <a:xfrm>
+            <a:off x="838200" y="272138"/>
+            <a:ext cx="10515600" cy="688760"/>
+          </a:xfrm>
+        </p:spPr>
+        <p:txBody>
+          <a:bodyPr>
+            <a:normAutofit fontScale="90000"/>
+          </a:bodyPr>
+          <a:lstStyle/>
+          <a:p>
+            <a:r>
+              <a:rPr kumimoji="1" lang="en-US" altLang="ko-KR" dirty="0" smtClean="0">
+                <a:latin typeface="Arial" charset="0"/>
+                <a:ea typeface="Arial" charset="0"/>
+                <a:cs typeface="Arial" charset="0"/>
+              </a:rPr>
+              <a:t>Developed structure in this paper</a:t>
+            </a:r>
+            <a:endParaRPr kumimoji="1" lang="ko-KR" altLang="en-US" dirty="0">
+              <a:latin typeface="Arial" charset="0"/>
+              <a:ea typeface="Arial" charset="0"/>
+              <a:cs typeface="Arial" charset="0"/>
+            </a:endParaRPr>
+          </a:p>
+        </p:txBody>
+      </p:sp>
       <p:sp>
         <p:nvSpPr>
           <p:cNvPr id="3" name="내용 개체 틀 2"/>
@@ -6467,12 +8215,23 @@
           <a:lstStyle/>
           <a:p>
             <a:r>
+              <a:rPr kumimoji="1" lang="en-US" altLang="ko-KR" dirty="0" smtClean="0">
+                <a:latin typeface="Arial" charset="0"/>
+                <a:ea typeface="Arial" charset="0"/>
+                <a:cs typeface="Arial" charset="0"/>
+              </a:rPr>
+              <a:t>Correlation study</a:t>
+            </a:r>
+          </a:p>
+          <a:p>
+            <a:pPr lvl="1"/>
+            <a:r>
               <a:rPr kumimoji="1" lang="en-US" altLang="ko-KR" dirty="0">
                 <a:latin typeface="Arial" charset="0"/>
                 <a:ea typeface="Arial" charset="0"/>
                 <a:cs typeface="Arial" charset="0"/>
               </a:rPr>
-              <a:t>Pre-processing </a:t>
+              <a:t>Pearson’s Correlation </a:t>
             </a:r>
             <a:r>
               <a:rPr kumimoji="1" lang="en-US" altLang="ko-KR" dirty="0" smtClean="0">
@@ -6480,27 +8239,19 @@
                 <a:ea typeface="Arial" charset="0"/>
                 <a:cs typeface="Arial" charset="0"/>
               </a:rPr>
-              <a:t>processes </a:t>
-            </a:r>
-            <a:r>
-              <a:rPr kumimoji="1" lang="en-US" altLang="ko-KR" dirty="0" smtClean="0">
-                <a:latin typeface="Arial" charset="0"/>
-                <a:ea typeface="Arial" charset="0"/>
-                <a:cs typeface="Arial" charset="0"/>
-              </a:rPr>
-              <a:t>:</a:t>
+              <a:t>Coefficient</a:t>
             </a:r>
           </a:p>
           <a:p>
             <a:pPr lvl="1"/>
-            <a:r>
-              <a:rPr kumimoji="1" lang="en-US" altLang="ko-KR" dirty="0" smtClean="0">
-                <a:latin typeface="Arial" charset="0"/>
-                <a:ea typeface="Arial" charset="0"/>
-                <a:cs typeface="Arial" charset="0"/>
-              </a:rPr>
-              <a:t>Pearson’s Correlation Coefficient</a:t>
-            </a:r>
+            <a:endParaRPr kumimoji="1" lang="en-US" altLang="ko-KR" dirty="0">
+              <a:latin typeface="Arial" charset="0"/>
+              <a:ea typeface="Arial" charset="0"/>
+              <a:cs typeface="Arial" charset="0"/>
+            </a:endParaRPr>
+          </a:p>
+          <a:p>
+            <a:pPr lvl="1"/>
             <a:endParaRPr kumimoji="1" lang="en-US" altLang="ko-KR" dirty="0" smtClean="0">
               <a:latin typeface="Arial" charset="0"/>
               <a:ea typeface="Arial" charset="0"/>
@@ -6594,10 +8345,17 @@
   <p:clrMapOvr>
     <a:masterClrMapping/>
   </p:clrMapOvr>
+  <p:timing>
+    <p:tnLst>
+      <p:par>
+        <p:cTn id="1" dur="indefinite" restart="never" nodeType="tmRoot"/>
+      </p:par>
+    </p:tnLst>
+  </p:timing>
 </p:sld>
 </file>
 
-<file path=ppt/slides/slide12.xml><?xml version="1.0" encoding="utf-8"?>
+<file path=ppt/slides/slide13.xml><?xml version="1.0" encoding="utf-8"?>
 <p:sld xmlns:a="http://schemas.openxmlformats.org/drawingml/2006/main" xmlns:r="http://schemas.openxmlformats.org/officeDocument/2006/relationships" xmlns:p="http://schemas.openxmlformats.org/presentationml/2006/main">
   <p:cSld>
     <p:spTree>
@@ -6652,8 +8410,8 @@
           </a:p>
         </p:txBody>
       </p:sp>
-      <mc:AlternateContent xmlns:mc="http://schemas.openxmlformats.org/markup-compatibility/2006">
-        <mc:Choice xmlns:a14="http://schemas.microsoft.com/office/drawing/2010/main" Requires="a14">
+      <mc:AlternateContent xmlns:mc="http://schemas.openxmlformats.org/markup-compatibility/2006" xmlns:a14="http://schemas.microsoft.com/office/drawing/2010/main">
+        <mc:Choice Requires="a14">
           <p:sp>
             <p:nvSpPr>
               <p:cNvPr id="3" name="내용 개체 틀 2"/>
@@ -6671,50 +8429,24 @@
               </a:xfrm>
             </p:spPr>
             <p:txBody>
-              <a:bodyPr/>
+              <a:bodyPr>
+                <a:normAutofit/>
+              </a:bodyPr>
               <a:lstStyle/>
               <a:p>
                 <a:r>
                   <a:rPr kumimoji="1" lang="en-US" altLang="ko-KR" dirty="0" smtClean="0">
-                    <a:solidFill>
-                      <a:schemeClr val="tx1"/>
-                    </a:solidFill>
                     <a:latin typeface="Arial" charset="0"/>
                     <a:ea typeface="Arial" charset="0"/>
                     <a:cs typeface="Arial" charset="0"/>
                   </a:rPr>
-                  <a:t>Pre-processing </a:t>
-                </a:r>
-                <a:r>
-                  <a:rPr kumimoji="1" lang="en-US" altLang="ko-KR" dirty="0" smtClean="0">
-                    <a:solidFill>
-                      <a:schemeClr val="tx1"/>
-                    </a:solidFill>
-                    <a:latin typeface="Arial" charset="0"/>
-                    <a:ea typeface="Arial" charset="0"/>
-                    <a:cs typeface="Arial" charset="0"/>
-                  </a:rPr>
-                  <a:t>processes </a:t>
-                </a:r>
-                <a:r>
-                  <a:rPr kumimoji="1" lang="en-US" altLang="ko-KR" dirty="0" smtClean="0">
-                    <a:solidFill>
-                      <a:schemeClr val="tx1"/>
-                    </a:solidFill>
-                    <a:latin typeface="Arial" charset="0"/>
-                    <a:ea typeface="Arial" charset="0"/>
-                    <a:cs typeface="Arial" charset="0"/>
-                  </a:rPr>
-                  <a:t>:</a:t>
+                  <a:t>Correlation study</a:t>
                 </a:r>
               </a:p>
               <a:p>
                 <a:pPr lvl="1"/>
                 <a:r>
-                  <a:rPr kumimoji="1" lang="en-US" altLang="ko-KR" dirty="0" smtClean="0">
-                    <a:solidFill>
-                      <a:schemeClr val="tx1"/>
-                    </a:solidFill>
+                  <a:rPr kumimoji="1" lang="en-US" altLang="ko-KR" dirty="0">
                     <a:latin typeface="Arial" charset="0"/>
                     <a:ea typeface="Arial" charset="0"/>
                     <a:cs typeface="Arial" charset="0"/>
@@ -6723,11 +8455,19 @@
                 </a:r>
               </a:p>
               <a:p>
-                <a:pPr lvl="1"/>
-                <a:endParaRPr kumimoji="1" lang="en-US" altLang="ko-KR" dirty="0" smtClean="0">
-                  <a:solidFill>
-                    <a:schemeClr val="tx1"/>
-                  </a:solidFill>
+                <a:pPr lvl="2"/>
+                <a:r>
+                  <a:rPr kumimoji="1" lang="en-US" altLang="ko-KR" dirty="0">
+                    <a:latin typeface="Arial" charset="0"/>
+                    <a:ea typeface="Arial" charset="0"/>
+                    <a:cs typeface="Arial" charset="0"/>
+                  </a:rPr>
+                  <a:t>Through PCC trend, it is possible to observe the power consumption which changes in a weekly cycle and the power consumption which changes according to the seasonal change in an annual cycle</a:t>
+                </a:r>
+              </a:p>
+              <a:p>
+                <a:pPr lvl="2"/>
+                <a:endParaRPr kumimoji="1" lang="en-US" altLang="ko-KR" dirty="0">
                   <a:latin typeface="Arial" charset="0"/>
                   <a:ea typeface="Arial" charset="0"/>
                   <a:cs typeface="Arial" charset="0"/>
@@ -6736,166 +8476,18 @@
               <a:p>
                 <a:pPr lvl="2"/>
                 <a:r>
-                  <a:rPr kumimoji="1" lang="en-US" altLang="ko-KR" dirty="0" smtClean="0">
-                    <a:solidFill>
-                      <a:schemeClr val="tx1"/>
-                    </a:solidFill>
+                  <a:rPr kumimoji="1" lang="en-US" altLang="ko-KR" dirty="0">
                     <a:latin typeface="Arial" charset="0"/>
                     <a:ea typeface="Arial" charset="0"/>
                     <a:cs typeface="Arial" charset="0"/>
                   </a:rPr>
-                  <a:t>Through PCC </a:t>
-                </a:r>
-                <a:r>
-                  <a:rPr kumimoji="1" lang="en-US" altLang="ko-KR" dirty="0">
-                    <a:solidFill>
-                      <a:schemeClr val="tx1"/>
-                    </a:solidFill>
-                    <a:latin typeface="Arial" charset="0"/>
-                    <a:ea typeface="Arial" charset="0"/>
-                    <a:cs typeface="Arial" charset="0"/>
-                  </a:rPr>
-                  <a:t>data trend, it is possible to observe the power consumption which changes in a weekly cycle and the power consumption which changes according to the seasonal change in </a:t>
-                </a:r>
-                <a:r>
-                  <a:rPr kumimoji="1" lang="en-US" altLang="ko-KR" dirty="0" smtClean="0">
-                    <a:latin typeface="Arial" charset="0"/>
-                    <a:ea typeface="Arial" charset="0"/>
-                    <a:cs typeface="Arial" charset="0"/>
-                  </a:rPr>
-                  <a:t>an</a:t>
-                </a:r>
-                <a:r>
-                  <a:rPr kumimoji="1" lang="en-US" altLang="ko-KR" dirty="0" smtClean="0">
-                    <a:solidFill>
-                      <a:schemeClr val="tx1"/>
-                    </a:solidFill>
-                    <a:latin typeface="Arial" charset="0"/>
-                    <a:ea typeface="Arial" charset="0"/>
-                    <a:cs typeface="Arial" charset="0"/>
-                  </a:rPr>
-                  <a:t> </a:t>
-                </a:r>
-                <a:r>
-                  <a:rPr kumimoji="1" lang="en-US" altLang="ko-KR" dirty="0">
-                    <a:solidFill>
-                      <a:schemeClr val="tx1"/>
-                    </a:solidFill>
-                    <a:latin typeface="Arial" charset="0"/>
-                    <a:ea typeface="Arial" charset="0"/>
-                    <a:cs typeface="Arial" charset="0"/>
-                  </a:rPr>
-                  <a:t>annual </a:t>
-                </a:r>
-                <a:r>
-                  <a:rPr kumimoji="1" lang="en-US" altLang="ko-KR" dirty="0" smtClean="0">
-                    <a:solidFill>
-                      <a:schemeClr val="tx1"/>
-                    </a:solidFill>
-                    <a:latin typeface="Arial" charset="0"/>
-                    <a:ea typeface="Arial" charset="0"/>
-                    <a:cs typeface="Arial" charset="0"/>
-                  </a:rPr>
-                  <a:t>cycle</a:t>
-                </a:r>
-              </a:p>
-              <a:p>
-                <a:pPr lvl="2"/>
-                <a:endParaRPr kumimoji="1" lang="en-US" altLang="ko-KR" dirty="0" smtClean="0">
-                  <a:solidFill>
-                    <a:schemeClr val="tx1"/>
-                  </a:solidFill>
-                  <a:latin typeface="Arial" charset="0"/>
-                  <a:ea typeface="Arial" charset="0"/>
-                  <a:cs typeface="Arial" charset="0"/>
-                </a:endParaRPr>
-              </a:p>
-              <a:p>
-                <a:pPr lvl="2"/>
-                <a:r>
-                  <a:rPr lang="en-US" altLang="ko-KR" dirty="0">
-                    <a:latin typeface="Arial" charset="0"/>
-                    <a:ea typeface="Arial" charset="0"/>
-                    <a:cs typeface="Arial" charset="0"/>
-                  </a:rPr>
-                  <a:t>To avoid too many </a:t>
-                </a:r>
-                <a:r>
-                  <a:rPr lang="en-US" altLang="ko-KR" dirty="0" smtClean="0">
-                    <a:latin typeface="Arial" charset="0"/>
-                    <a:ea typeface="Arial" charset="0"/>
-                    <a:cs typeface="Arial" charset="0"/>
-                  </a:rPr>
-                  <a:t>inputs, t</a:t>
-                </a:r>
-                <a:r>
-                  <a:rPr kumimoji="1" lang="en-US" altLang="ko-KR" dirty="0" smtClean="0">
-                    <a:solidFill>
-                      <a:schemeClr val="tx1"/>
-                    </a:solidFill>
-                    <a:latin typeface="Arial" charset="0"/>
-                    <a:ea typeface="Arial" charset="0"/>
-                    <a:cs typeface="Arial" charset="0"/>
-                  </a:rPr>
-                  <a:t>he </a:t>
-                </a:r>
-                <a:r>
-                  <a:rPr kumimoji="1" lang="en-US" altLang="ko-KR" dirty="0">
-                    <a:solidFill>
-                      <a:schemeClr val="tx1"/>
-                    </a:solidFill>
-                    <a:latin typeface="Arial" charset="0"/>
-                    <a:ea typeface="Arial" charset="0"/>
-                    <a:cs typeface="Arial" charset="0"/>
-                  </a:rPr>
-                  <a:t>data with the highest </a:t>
-                </a:r>
-                <a:r>
-                  <a:rPr kumimoji="1" lang="en-US" altLang="ko-KR" dirty="0" smtClean="0">
-                    <a:latin typeface="Arial" charset="0"/>
-                    <a:ea typeface="Arial" charset="0"/>
-                    <a:cs typeface="Arial" charset="0"/>
-                  </a:rPr>
-                  <a:t>PCC</a:t>
-                </a:r>
-                <a:r>
-                  <a:rPr kumimoji="1" lang="en-US" altLang="ko-KR" dirty="0" smtClean="0">
-                    <a:solidFill>
-                      <a:schemeClr val="tx1"/>
-                    </a:solidFill>
-                    <a:latin typeface="Arial" charset="0"/>
-                    <a:ea typeface="Arial" charset="0"/>
-                    <a:cs typeface="Arial" charset="0"/>
-                  </a:rPr>
-                  <a:t> </a:t>
-                </a:r>
-                <a:r>
-                  <a:rPr kumimoji="1" lang="en-US" altLang="ko-KR" dirty="0">
-                    <a:solidFill>
-                      <a:schemeClr val="tx1"/>
-                    </a:solidFill>
-                    <a:latin typeface="Arial" charset="0"/>
-                    <a:ea typeface="Arial" charset="0"/>
-                    <a:cs typeface="Arial" charset="0"/>
-                  </a:rPr>
-                  <a:t>will be selected and </a:t>
-                </a:r>
-                <a:r>
-                  <a:rPr kumimoji="1" lang="en-US" altLang="ko-KR" dirty="0" smtClean="0">
-                    <a:solidFill>
-                      <a:schemeClr val="tx1"/>
-                    </a:solidFill>
-                    <a:latin typeface="Arial" charset="0"/>
-                    <a:ea typeface="Arial" charset="0"/>
-                    <a:cs typeface="Arial" charset="0"/>
-                  </a:rPr>
-                  <a:t>used</a:t>
+                  <a:t>To avoid too many inputs, the data with the highest PCC will be selected and used</a:t>
                 </a:r>
               </a:p>
               <a:p>
                 <a:pPr lvl="3"/>
                 <a:r>
-                  <a:rPr kumimoji="1" lang="en-US" altLang="ko-KR" dirty="0" smtClean="0">
+                  <a:rPr kumimoji="1" lang="en-US" altLang="ko-KR" dirty="0">
                     <a:latin typeface="Arial" charset="0"/>
                     <a:ea typeface="Arial" charset="0"/>
                     <a:cs typeface="Arial" charset="0"/>
@@ -6906,10 +8498,7 @@
               <a:p>
                 <a:pPr lvl="3"/>
                 <a:r>
-                  <a:rPr kumimoji="1" lang="en-US" altLang="ko-KR" dirty="0" smtClean="0">
-                    <a:solidFill>
-                      <a:schemeClr val="tx1"/>
-                    </a:solidFill>
+                  <a:rPr kumimoji="1" lang="en-US" altLang="ko-KR" dirty="0">
                     <a:latin typeface="Arial" charset="0"/>
                     <a:ea typeface="Arial" charset="0"/>
                     <a:cs typeface="Arial" charset="0"/>
@@ -6921,184 +8510,243 @@
                 <a:pPr lvl="4"/>
                 <a:r>
                   <a:rPr kumimoji="1" lang="en-US" altLang="ko-KR" dirty="0">
-                    <a:solidFill>
-                      <a:schemeClr val="tx1"/>
-                    </a:solidFill>
                     <a:latin typeface="Arial" charset="0"/>
                     <a:ea typeface="Arial" charset="0"/>
                     <a:cs typeface="Arial" charset="0"/>
                   </a:rPr>
-                  <a:t>the load </a:t>
+                  <a:t>the load data of the previous day </a:t>
                 </a:r>
                 <a:r>
-                  <a:rPr kumimoji="1" lang="en-US" altLang="ko-KR" dirty="0">
-                    <a:solidFill>
-                      <a:schemeClr val="tx1"/>
-                    </a:solidFill>
-                    <a:latin typeface="Arial" charset="0"/>
+                  <a:rPr kumimoji="1" lang="en-US" altLang="ko-KR" i="1" dirty="0" smtClean="0">
+                    <a:latin typeface="Cambria Math" charset="0"/>
                     <a:ea typeface="Arial" charset="0"/>
                     <a:cs typeface="Arial" charset="0"/>
                   </a:rPr>
-                  <a:t>data of </a:t>
+                  <a:t/>
                 </a:r>
-                <a:r>
-                  <a:rPr kumimoji="1" lang="en-US" altLang="ko-KR" b="1" dirty="0">
-                    <a:solidFill>
-                      <a:schemeClr val="tx1"/>
-                    </a:solidFill>
-                    <a:latin typeface="Arial" charset="0"/>
+                <a:br>
+                  <a:rPr kumimoji="1" lang="en-US" altLang="ko-KR" i="1" dirty="0" smtClean="0">
+                    <a:latin typeface="Cambria Math" charset="0"/>
                     <a:ea typeface="Arial" charset="0"/>
                     <a:cs typeface="Arial" charset="0"/>
                   </a:rPr>
-                  <a:t>the previous </a:t>
-                </a:r>
-                <a:r>
-                  <a:rPr kumimoji="1" lang="en-US" altLang="ko-KR" b="1" dirty="0">
-                    <a:solidFill>
-                      <a:schemeClr val="tx1"/>
-                    </a:solidFill>
-                    <a:latin typeface="Arial" charset="0"/>
-                    <a:ea typeface="Arial" charset="0"/>
-                    <a:cs typeface="Arial" charset="0"/>
-                  </a:rPr>
-                  <a:t>day</a:t>
-                </a:r>
-                <a:r>
-                  <a:rPr kumimoji="1" lang="ko-KR" altLang="en-US" b="1" dirty="0" smtClean="0">
-                    <a:solidFill>
-                      <a:schemeClr val="tx1"/>
-                    </a:solidFill>
-                    <a:latin typeface="Arial" charset="0"/>
-                    <a:ea typeface="Arial" charset="0"/>
-                    <a:cs typeface="Arial" charset="0"/>
-                  </a:rPr>
-                  <a:t> </a:t>
-                </a:r>
-                <a:r>
-                  <a:rPr kumimoji="1" lang="en-US" altLang="ko-KR" b="1" dirty="0">
-                    <a:solidFill>
-                      <a:schemeClr val="tx1"/>
-                    </a:solidFill>
-                    <a:latin typeface="Arial" charset="0"/>
-                    <a:ea typeface="Arial" charset="0"/>
-                    <a:cs typeface="Arial" charset="0"/>
-                  </a:rPr>
-                  <a:t>(</a:t>
-                </a:r>
+                </a:br>
                 <a14:m>
                   <m:oMath xmlns:m="http://schemas.openxmlformats.org/officeDocument/2006/math">
-                    <m:sSub>
-                      <m:sSubPr>
+                    <m:d>
+                      <m:dPr>
+                        <m:begChr m:val="["/>
+                        <m:endChr m:val="]"/>
                         <m:ctrlPr>
-                          <a:rPr kumimoji="1" lang="en-US" altLang="ko-KR" b="1" i="1">
-                            <a:solidFill>
-                              <a:schemeClr val="tx1"/>
-                            </a:solidFill>
-                            <a:latin typeface="Arial" charset="0"/>
+                          <a:rPr kumimoji="1" lang="mr-IN" altLang="ko-KR" i="1">
+                            <a:latin typeface="Cambria Math" charset="0"/>
                             <a:ea typeface="Arial" charset="0"/>
                             <a:cs typeface="Arial" charset="0"/>
                           </a:rPr>
                         </m:ctrlPr>
-                      </m:sSubPr>
+                      </m:dPr>
                       <m:e>
+                        <m:sSub>
+                          <m:sSubPr>
+                            <m:ctrlPr>
+                              <a:rPr kumimoji="1" lang="en-US" altLang="ko-KR" i="1">
+                                <a:latin typeface="Cambria Math" charset="0"/>
+                                <a:ea typeface="Arial" charset="0"/>
+                                <a:cs typeface="Arial" charset="0"/>
+                              </a:rPr>
+                            </m:ctrlPr>
+                          </m:sSubPr>
+                          <m:e>
+                            <m:r>
+                              <a:rPr kumimoji="1" lang="en-US" altLang="ko-KR" i="1">
+                                <a:latin typeface="Cambria Math" charset="0"/>
+                                <a:ea typeface="Arial" charset="0"/>
+                                <a:cs typeface="Arial" charset="0"/>
+                              </a:rPr>
+                              <m:t>𝑃</m:t>
+                            </m:r>
+                          </m:e>
+                          <m:sub>
+                            <m:r>
+                              <a:rPr kumimoji="1" lang="en-US" altLang="ko-KR" i="1">
+                                <a:latin typeface="Cambria Math" charset="0"/>
+                                <a:ea typeface="Arial" charset="0"/>
+                                <a:cs typeface="Arial" charset="0"/>
+                              </a:rPr>
+                              <m:t>𝑘</m:t>
+                            </m:r>
+                            <m:r>
+                              <a:rPr kumimoji="1" lang="en-US" altLang="ko-KR" i="1">
+                                <a:latin typeface="Cambria Math" charset="0"/>
+                                <a:ea typeface="Arial" charset="0"/>
+                                <a:cs typeface="Arial" charset="0"/>
+                              </a:rPr>
+                              <m:t>−1</m:t>
+                            </m:r>
+                          </m:sub>
+                        </m:sSub>
+                        <m:d>
+                          <m:dPr>
+                            <m:ctrlPr>
+                              <a:rPr kumimoji="1" lang="mr-IN" altLang="ko-KR" i="1">
+                                <a:latin typeface="Cambria Math" charset="0"/>
+                                <a:ea typeface="Arial" charset="0"/>
+                                <a:cs typeface="Arial" charset="0"/>
+                              </a:rPr>
+                            </m:ctrlPr>
+                          </m:dPr>
+                          <m:e>
+                            <m:r>
+                              <a:rPr kumimoji="1" lang="en-US" altLang="ko-KR" i="1">
+                                <a:latin typeface="Cambria Math" charset="0"/>
+                                <a:ea typeface="Arial" charset="0"/>
+                                <a:cs typeface="Arial" charset="0"/>
+                              </a:rPr>
+                              <m:t>1</m:t>
+                            </m:r>
+                          </m:e>
+                        </m:d>
                         <m:r>
-                          <a:rPr kumimoji="1" lang="en-US" altLang="ko-KR" b="1" i="1">
-                            <a:solidFill>
-                              <a:schemeClr val="tx1"/>
-                            </a:solidFill>
-                            <a:latin typeface="Arial" charset="0"/>
+                          <a:rPr kumimoji="1" lang="en-US" altLang="ko-KR" i="1">
+                            <a:latin typeface="Cambria Math" charset="0"/>
                             <a:ea typeface="Arial" charset="0"/>
                             <a:cs typeface="Arial" charset="0"/>
                           </a:rPr>
-                          <m:t>𝑷</m:t>
+                          <m:t>,</m:t>
                         </m:r>
-                      </m:e>
-                      <m:sub>
+                        <m:sSub>
+                          <m:sSubPr>
+                            <m:ctrlPr>
+                              <a:rPr kumimoji="1" lang="en-US" altLang="ko-KR" i="1">
+                                <a:latin typeface="Cambria Math" charset="0"/>
+                                <a:ea typeface="Arial" charset="0"/>
+                                <a:cs typeface="Arial" charset="0"/>
+                              </a:rPr>
+                            </m:ctrlPr>
+                          </m:sSubPr>
+                          <m:e>
+                            <m:r>
+                              <a:rPr kumimoji="1" lang="en-US" altLang="ko-KR" i="1">
+                                <a:latin typeface="Cambria Math" charset="0"/>
+                                <a:ea typeface="Arial" charset="0"/>
+                                <a:cs typeface="Arial" charset="0"/>
+                              </a:rPr>
+                              <m:t>𝑃</m:t>
+                            </m:r>
+                          </m:e>
+                          <m:sub>
+                            <m:r>
+                              <a:rPr kumimoji="1" lang="en-US" altLang="ko-KR" i="1">
+                                <a:latin typeface="Cambria Math" charset="0"/>
+                                <a:ea typeface="Arial" charset="0"/>
+                                <a:cs typeface="Arial" charset="0"/>
+                              </a:rPr>
+                              <m:t>𝑘</m:t>
+                            </m:r>
+                            <m:r>
+                              <a:rPr kumimoji="1" lang="en-US" altLang="ko-KR" i="1">
+                                <a:latin typeface="Cambria Math" charset="0"/>
+                                <a:ea typeface="Arial" charset="0"/>
+                                <a:cs typeface="Arial" charset="0"/>
+                              </a:rPr>
+                              <m:t>−1</m:t>
+                            </m:r>
+                          </m:sub>
+                        </m:sSub>
+                        <m:d>
+                          <m:dPr>
+                            <m:ctrlPr>
+                              <a:rPr kumimoji="1" lang="mr-IN" altLang="ko-KR" i="1">
+                                <a:latin typeface="Cambria Math" charset="0"/>
+                                <a:ea typeface="Arial" charset="0"/>
+                                <a:cs typeface="Arial" charset="0"/>
+                              </a:rPr>
+                            </m:ctrlPr>
+                          </m:dPr>
+                          <m:e>
+                            <m:r>
+                              <a:rPr kumimoji="1" lang="en-US" altLang="ko-KR" i="1">
+                                <a:latin typeface="Cambria Math" charset="0"/>
+                                <a:ea typeface="Arial" charset="0"/>
+                                <a:cs typeface="Arial" charset="0"/>
+                              </a:rPr>
+                              <m:t>2</m:t>
+                            </m:r>
+                          </m:e>
+                        </m:d>
                         <m:r>
-                          <a:rPr kumimoji="1" lang="en-US" altLang="ko-KR" b="1" i="1">
-                            <a:solidFill>
-                              <a:schemeClr val="tx1"/>
-                            </a:solidFill>
-                            <a:latin typeface="Arial" charset="0"/>
+                          <a:rPr kumimoji="1" lang="en-US" altLang="ko-KR" i="1">
+                            <a:latin typeface="Cambria Math" charset="0"/>
                             <a:ea typeface="Arial" charset="0"/>
                             <a:cs typeface="Arial" charset="0"/>
                           </a:rPr>
-                          <m:t>𝒌</m:t>
+                          <m:t>, …,</m:t>
                         </m:r>
-                        <m:r>
-                          <a:rPr kumimoji="1" lang="en-US" altLang="ko-KR" b="1" i="1">
-                            <a:solidFill>
-                              <a:schemeClr val="tx1"/>
-                            </a:solidFill>
-                            <a:latin typeface="Arial" charset="0"/>
-                            <a:ea typeface="Arial" charset="0"/>
-                            <a:cs typeface="Arial" charset="0"/>
-                          </a:rPr>
-                          <m:t>−</m:t>
-                        </m:r>
-                        <m:r>
-                          <a:rPr kumimoji="1" lang="en-US" altLang="ko-KR" b="1" i="1">
-                            <a:solidFill>
-                              <a:schemeClr val="tx1"/>
-                            </a:solidFill>
-                            <a:latin typeface="Arial" charset="0"/>
-                            <a:ea typeface="Arial" charset="0"/>
-                            <a:cs typeface="Arial" charset="0"/>
-                          </a:rPr>
-                          <m:t>𝟏</m:t>
-                        </m:r>
-                      </m:sub>
-                    </m:sSub>
-                    <m:r>
-                      <a:rPr kumimoji="1" lang="en-US" altLang="ko-KR" b="1" i="1">
-                        <a:solidFill>
-                          <a:schemeClr val="tx1"/>
-                        </a:solidFill>
-                        <a:latin typeface="Arial" charset="0"/>
-                        <a:ea typeface="Arial" charset="0"/>
-                        <a:cs typeface="Arial" charset="0"/>
-                      </a:rPr>
-                      <m:t>(</m:t>
-                    </m:r>
-                    <m:r>
-                      <a:rPr kumimoji="1" lang="en-US" altLang="ko-KR" b="1" i="1">
-                        <a:solidFill>
-                          <a:schemeClr val="tx1"/>
-                        </a:solidFill>
-                        <a:latin typeface="Arial" charset="0"/>
-                        <a:ea typeface="Arial" charset="0"/>
-                        <a:cs typeface="Arial" charset="0"/>
-                      </a:rPr>
-                      <m:t>𝒊</m:t>
-                    </m:r>
-                    <m:r>
-                      <a:rPr kumimoji="1" lang="en-US" altLang="ko-KR" b="1" i="1">
-                        <a:solidFill>
-                          <a:schemeClr val="tx1"/>
-                        </a:solidFill>
-                        <a:latin typeface="Arial" charset="0"/>
-                        <a:ea typeface="Arial" charset="0"/>
-                        <a:cs typeface="Arial" charset="0"/>
-                      </a:rPr>
-                      <m:t>)</m:t>
-                    </m:r>
+                        <m:sSub>
+                          <m:sSubPr>
+                            <m:ctrlPr>
+                              <a:rPr kumimoji="1" lang="en-US" altLang="ko-KR" i="1">
+                                <a:latin typeface="Cambria Math" charset="0"/>
+                                <a:ea typeface="Arial" charset="0"/>
+                                <a:cs typeface="Arial" charset="0"/>
+                              </a:rPr>
+                            </m:ctrlPr>
+                          </m:sSubPr>
+                          <m:e>
+                            <m:r>
+                              <a:rPr kumimoji="1" lang="en-US" altLang="ko-KR" i="1">
+                                <a:latin typeface="Cambria Math" charset="0"/>
+                                <a:ea typeface="Arial" charset="0"/>
+                                <a:cs typeface="Arial" charset="0"/>
+                              </a:rPr>
+                              <m:t>𝑃</m:t>
+                            </m:r>
+                          </m:e>
+                          <m:sub>
+                            <m:r>
+                              <a:rPr kumimoji="1" lang="en-US" altLang="ko-KR" i="1">
+                                <a:latin typeface="Cambria Math" charset="0"/>
+                                <a:ea typeface="Arial" charset="0"/>
+                                <a:cs typeface="Arial" charset="0"/>
+                              </a:rPr>
+                              <m:t>𝑘</m:t>
+                            </m:r>
+                            <m:r>
+                              <a:rPr kumimoji="1" lang="en-US" altLang="ko-KR" i="1">
+                                <a:latin typeface="Cambria Math" charset="0"/>
+                                <a:ea typeface="Arial" charset="0"/>
+                                <a:cs typeface="Arial" charset="0"/>
+                              </a:rPr>
+                              <m:t>−1</m:t>
+                            </m:r>
+                          </m:sub>
+                        </m:sSub>
+                        <m:d>
+                          <m:dPr>
+                            <m:ctrlPr>
+                              <a:rPr kumimoji="1" lang="mr-IN" altLang="ko-KR" i="1">
+                                <a:latin typeface="Cambria Math" charset="0"/>
+                                <a:ea typeface="Arial" charset="0"/>
+                                <a:cs typeface="Arial" charset="0"/>
+                              </a:rPr>
+                            </m:ctrlPr>
+                          </m:dPr>
+                          <m:e>
+                            <m:r>
+                              <a:rPr kumimoji="1" lang="en-US" altLang="ko-KR" i="1">
+                                <a:latin typeface="Cambria Math" charset="0"/>
+                                <a:ea typeface="Arial" charset="0"/>
+                                <a:cs typeface="Arial" charset="0"/>
+                              </a:rPr>
+                              <m:t>48</m:t>
+                            </m:r>
+                          </m:e>
+                        </m:d>
+                      </m:e>
+                    </m:d>
                   </m:oMath>
                 </a14:m>
-                <a:r>
-                  <a:rPr kumimoji="1" lang="en-US" altLang="ko-KR" b="1" dirty="0">
-                    <a:solidFill>
-                      <a:schemeClr val="tx1"/>
-                    </a:solidFill>
-                    <a:latin typeface="Arial" charset="0"/>
-                    <a:ea typeface="Arial" charset="0"/>
-                    <a:cs typeface="Arial" charset="0"/>
-                  </a:rPr>
-                  <a:t>)</a:t>
-                </a:r>
-                <a:endParaRPr kumimoji="1" lang="en-US" altLang="ko-KR" b="1" dirty="0" smtClean="0">
-                  <a:solidFill>
-                    <a:schemeClr val="tx1"/>
-                  </a:solidFill>
+                <a:endParaRPr kumimoji="1" lang="en-US" altLang="ko-KR" dirty="0">
                   <a:latin typeface="Arial" charset="0"/>
                   <a:ea typeface="Arial" charset="0"/>
                   <a:cs typeface="Arial" charset="0"/>
@@ -7108,195 +8756,258 @@
                 <a:pPr lvl="4"/>
                 <a:r>
                   <a:rPr kumimoji="1" lang="en-US" altLang="ko-KR" dirty="0">
-                    <a:solidFill>
-                      <a:schemeClr val="tx1"/>
-                    </a:solidFill>
                     <a:latin typeface="Arial" charset="0"/>
                     <a:ea typeface="Arial" charset="0"/>
                     <a:cs typeface="Arial" charset="0"/>
                   </a:rPr>
-                  <a:t>the load </a:t>
+                  <a:t>the load data of the same day of the previous </a:t>
                 </a:r>
                 <a:r>
-                  <a:rPr kumimoji="1" lang="en-US" altLang="ko-KR" dirty="0">
-                    <a:solidFill>
-                      <a:schemeClr val="tx1"/>
-                    </a:solidFill>
+                  <a:rPr kumimoji="1" lang="en-US" altLang="ko-KR" dirty="0" smtClean="0">
                     <a:latin typeface="Arial" charset="0"/>
                     <a:ea typeface="Arial" charset="0"/>
                     <a:cs typeface="Arial" charset="0"/>
                   </a:rPr>
-                  <a:t>data of </a:t>
+                  <a:t>week</a:t>
                 </a:r>
                 <a:r>
-                  <a:rPr kumimoji="1" lang="en-US" altLang="ko-KR" b="1" dirty="0">
-                    <a:solidFill>
-                      <a:schemeClr val="tx1"/>
-                    </a:solidFill>
-                    <a:latin typeface="Arial" charset="0"/>
+                  <a:rPr kumimoji="1" lang="mr-IN" altLang="ko-KR" dirty="0">
                     <a:ea typeface="Arial" charset="0"/>
                     <a:cs typeface="Arial" charset="0"/>
                   </a:rPr>
-                  <a:t>t</a:t>
+                  <a:t> </a:t>
                 </a:r>
                 <a:r>
-                  <a:rPr lang="en-US" altLang="ko-KR" b="1" dirty="0">
-                    <a:solidFill>
-                      <a:schemeClr val="tx1"/>
-                    </a:solidFill>
-                    <a:latin typeface="Arial" charset="0"/>
+                  <a:rPr kumimoji="1" lang="en-US" altLang="ko-KR" i="1" dirty="0" smtClean="0">
+                    <a:latin typeface="Cambria Math" charset="0"/>
                     <a:ea typeface="Arial" charset="0"/>
                     <a:cs typeface="Arial" charset="0"/>
                   </a:rPr>
-                  <a:t>he </a:t>
+                  <a:t/>
                 </a:r>
-                <a:r>
-                  <a:rPr lang="en-US" altLang="ko-KR" b="1" dirty="0">
-                    <a:solidFill>
-                      <a:schemeClr val="tx1"/>
-                    </a:solidFill>
-                    <a:latin typeface="Arial" charset="0"/>
+                <a:br>
+                  <a:rPr kumimoji="1" lang="en-US" altLang="ko-KR" i="1" dirty="0" smtClean="0">
+                    <a:latin typeface="Cambria Math" charset="0"/>
                     <a:ea typeface="Arial" charset="0"/>
                     <a:cs typeface="Arial" charset="0"/>
                   </a:rPr>
-                  <a:t>same day of the previous week </a:t>
-                </a:r>
-                <a:r>
-                  <a:rPr kumimoji="1" lang="en-US" altLang="ko-KR" b="1" dirty="0">
-                    <a:solidFill>
-                      <a:schemeClr val="tx1"/>
-                    </a:solidFill>
-                    <a:latin typeface="Arial" charset="0"/>
-                    <a:ea typeface="Arial" charset="0"/>
-                    <a:cs typeface="Arial" charset="0"/>
-                  </a:rPr>
-                  <a:t>(</a:t>
-                </a:r>
+                </a:br>
                 <a14:m>
                   <m:oMath xmlns:m="http://schemas.openxmlformats.org/officeDocument/2006/math">
-                    <m:sSub>
-                      <m:sSubPr>
+                    <m:d>
+                      <m:dPr>
+                        <m:begChr m:val="["/>
+                        <m:endChr m:val="]"/>
                         <m:ctrlPr>
-                          <a:rPr kumimoji="1" lang="en-US" altLang="ko-KR" b="1" i="1">
-                            <a:solidFill>
-                              <a:schemeClr val="tx1"/>
-                            </a:solidFill>
-                            <a:latin typeface="Arial" charset="0"/>
+                          <a:rPr kumimoji="1" lang="mr-IN" altLang="ko-KR" i="1">
+                            <a:latin typeface="Cambria Math" charset="0"/>
                             <a:ea typeface="Arial" charset="0"/>
                             <a:cs typeface="Arial" charset="0"/>
                           </a:rPr>
                         </m:ctrlPr>
-                      </m:sSubPr>
+                      </m:dPr>
                       <m:e>
+                        <m:sSub>
+                          <m:sSubPr>
+                            <m:ctrlPr>
+                              <a:rPr kumimoji="1" lang="en-US" altLang="ko-KR" i="1">
+                                <a:latin typeface="Cambria Math" charset="0"/>
+                                <a:ea typeface="Arial" charset="0"/>
+                                <a:cs typeface="Arial" charset="0"/>
+                              </a:rPr>
+                            </m:ctrlPr>
+                          </m:sSubPr>
+                          <m:e>
+                            <m:r>
+                              <a:rPr kumimoji="1" lang="en-US" altLang="ko-KR" i="1">
+                                <a:latin typeface="Cambria Math" charset="0"/>
+                                <a:ea typeface="Arial" charset="0"/>
+                                <a:cs typeface="Arial" charset="0"/>
+                              </a:rPr>
+                              <m:t>𝑃</m:t>
+                            </m:r>
+                          </m:e>
+                          <m:sub>
+                            <m:r>
+                              <a:rPr kumimoji="1" lang="en-US" altLang="ko-KR" i="1">
+                                <a:latin typeface="Cambria Math" charset="0"/>
+                                <a:ea typeface="Arial" charset="0"/>
+                                <a:cs typeface="Arial" charset="0"/>
+                              </a:rPr>
+                              <m:t>𝑘</m:t>
+                            </m:r>
+                            <m:r>
+                              <a:rPr kumimoji="1" lang="en-US" altLang="ko-KR" i="1">
+                                <a:latin typeface="Cambria Math" charset="0"/>
+                                <a:ea typeface="Arial" charset="0"/>
+                                <a:cs typeface="Arial" charset="0"/>
+                              </a:rPr>
+                              <m:t>−7</m:t>
+                            </m:r>
+                          </m:sub>
+                        </m:sSub>
+                        <m:d>
+                          <m:dPr>
+                            <m:ctrlPr>
+                              <a:rPr kumimoji="1" lang="mr-IN" altLang="ko-KR" i="1">
+                                <a:latin typeface="Cambria Math" charset="0"/>
+                                <a:ea typeface="Arial" charset="0"/>
+                                <a:cs typeface="Arial" charset="0"/>
+                              </a:rPr>
+                            </m:ctrlPr>
+                          </m:dPr>
+                          <m:e>
+                            <m:r>
+                              <a:rPr kumimoji="1" lang="en-US" altLang="ko-KR" i="1">
+                                <a:latin typeface="Cambria Math" charset="0"/>
+                                <a:ea typeface="Arial" charset="0"/>
+                                <a:cs typeface="Arial" charset="0"/>
+                              </a:rPr>
+                              <m:t>1</m:t>
+                            </m:r>
+                          </m:e>
+                        </m:d>
                         <m:r>
-                          <a:rPr kumimoji="1" lang="en-US" altLang="ko-KR" b="1" i="1">
-                            <a:solidFill>
-                              <a:schemeClr val="tx1"/>
-                            </a:solidFill>
-                            <a:latin typeface="Arial" charset="0"/>
+                          <a:rPr kumimoji="1" lang="en-US" altLang="ko-KR" i="1">
+                            <a:latin typeface="Cambria Math" charset="0"/>
                             <a:ea typeface="Arial" charset="0"/>
                             <a:cs typeface="Arial" charset="0"/>
                           </a:rPr>
-                          <m:t>𝑷</m:t>
+                          <m:t>,</m:t>
                         </m:r>
-                      </m:e>
-                      <m:sub>
+                        <m:sSub>
+                          <m:sSubPr>
+                            <m:ctrlPr>
+                              <a:rPr kumimoji="1" lang="en-US" altLang="ko-KR" i="1">
+                                <a:latin typeface="Cambria Math" charset="0"/>
+                                <a:ea typeface="Arial" charset="0"/>
+                                <a:cs typeface="Arial" charset="0"/>
+                              </a:rPr>
+                            </m:ctrlPr>
+                          </m:sSubPr>
+                          <m:e>
+                            <m:r>
+                              <a:rPr kumimoji="1" lang="en-US" altLang="ko-KR" i="1">
+                                <a:latin typeface="Cambria Math" charset="0"/>
+                                <a:ea typeface="Arial" charset="0"/>
+                                <a:cs typeface="Arial" charset="0"/>
+                              </a:rPr>
+                              <m:t>𝑃</m:t>
+                            </m:r>
+                          </m:e>
+                          <m:sub>
+                            <m:r>
+                              <a:rPr kumimoji="1" lang="en-US" altLang="ko-KR" i="1">
+                                <a:latin typeface="Cambria Math" charset="0"/>
+                                <a:ea typeface="Arial" charset="0"/>
+                                <a:cs typeface="Arial" charset="0"/>
+                              </a:rPr>
+                              <m:t>𝑘</m:t>
+                            </m:r>
+                            <m:r>
+                              <a:rPr kumimoji="1" lang="en-US" altLang="ko-KR" i="1">
+                                <a:latin typeface="Cambria Math" charset="0"/>
+                                <a:ea typeface="Arial" charset="0"/>
+                                <a:cs typeface="Arial" charset="0"/>
+                              </a:rPr>
+                              <m:t>−7</m:t>
+                            </m:r>
+                          </m:sub>
+                        </m:sSub>
+                        <m:d>
+                          <m:dPr>
+                            <m:ctrlPr>
+                              <a:rPr kumimoji="1" lang="mr-IN" altLang="ko-KR" i="1">
+                                <a:latin typeface="Cambria Math" charset="0"/>
+                                <a:ea typeface="Arial" charset="0"/>
+                                <a:cs typeface="Arial" charset="0"/>
+                              </a:rPr>
+                            </m:ctrlPr>
+                          </m:dPr>
+                          <m:e>
+                            <m:r>
+                              <a:rPr kumimoji="1" lang="en-US" altLang="ko-KR" i="1">
+                                <a:latin typeface="Cambria Math" charset="0"/>
+                                <a:ea typeface="Arial" charset="0"/>
+                                <a:cs typeface="Arial" charset="0"/>
+                              </a:rPr>
+                              <m:t>2</m:t>
+                            </m:r>
+                          </m:e>
+                        </m:d>
                         <m:r>
-                          <a:rPr kumimoji="1" lang="en-US" altLang="ko-KR" b="1" i="1">
-                            <a:solidFill>
-                              <a:schemeClr val="tx1"/>
-                            </a:solidFill>
-                            <a:latin typeface="Arial" charset="0"/>
+                          <a:rPr kumimoji="1" lang="en-US" altLang="ko-KR" i="1">
+                            <a:latin typeface="Cambria Math" charset="0"/>
                             <a:ea typeface="Arial" charset="0"/>
                             <a:cs typeface="Arial" charset="0"/>
                           </a:rPr>
-                          <m:t>𝒌</m:t>
+                          <m:t>, …,</m:t>
                         </m:r>
-                        <m:r>
-                          <a:rPr kumimoji="1" lang="en-US" altLang="ko-KR" b="1" i="1">
-                            <a:solidFill>
-                              <a:schemeClr val="tx1"/>
-                            </a:solidFill>
-                            <a:latin typeface="Arial" charset="0"/>
-                            <a:ea typeface="Arial" charset="0"/>
-                            <a:cs typeface="Arial" charset="0"/>
-                          </a:rPr>
-                          <m:t>−</m:t>
-                        </m:r>
-                        <m:r>
-                          <a:rPr kumimoji="1" lang="en-US" altLang="ko-KR" b="1" i="1">
-                            <a:solidFill>
-                              <a:schemeClr val="tx1"/>
-                            </a:solidFill>
-                            <a:latin typeface="Arial" charset="0"/>
-                            <a:ea typeface="Arial" charset="0"/>
-                            <a:cs typeface="Arial" charset="0"/>
-                          </a:rPr>
-                          <m:t>𝟕</m:t>
-                        </m:r>
-                      </m:sub>
-                    </m:sSub>
-                    <m:r>
-                      <a:rPr kumimoji="1" lang="en-US" altLang="ko-KR" b="1" i="1">
-                        <a:solidFill>
-                          <a:schemeClr val="tx1"/>
-                        </a:solidFill>
-                        <a:latin typeface="Arial" charset="0"/>
-                        <a:ea typeface="Arial" charset="0"/>
-                        <a:cs typeface="Arial" charset="0"/>
-                      </a:rPr>
-                      <m:t>(</m:t>
-                    </m:r>
-                    <m:r>
-                      <a:rPr kumimoji="1" lang="en-US" altLang="ko-KR" b="1" i="1">
-                        <a:solidFill>
-                          <a:schemeClr val="tx1"/>
-                        </a:solidFill>
-                        <a:latin typeface="Arial" charset="0"/>
-                        <a:ea typeface="Arial" charset="0"/>
-                        <a:cs typeface="Arial" charset="0"/>
-                      </a:rPr>
-                      <m:t>𝒊</m:t>
-                    </m:r>
-                    <m:r>
-                      <a:rPr kumimoji="1" lang="en-US" altLang="ko-KR" b="1" i="1">
-                        <a:solidFill>
-                          <a:schemeClr val="tx1"/>
-                        </a:solidFill>
-                        <a:latin typeface="Arial" charset="0"/>
-                        <a:ea typeface="Arial" charset="0"/>
-                        <a:cs typeface="Arial" charset="0"/>
-                      </a:rPr>
-                      <m:t>)</m:t>
-                    </m:r>
+                        <m:sSub>
+                          <m:sSubPr>
+                            <m:ctrlPr>
+                              <a:rPr kumimoji="1" lang="en-US" altLang="ko-KR" i="1">
+                                <a:latin typeface="Cambria Math" charset="0"/>
+                                <a:ea typeface="Arial" charset="0"/>
+                                <a:cs typeface="Arial" charset="0"/>
+                              </a:rPr>
+                            </m:ctrlPr>
+                          </m:sSubPr>
+                          <m:e>
+                            <m:r>
+                              <a:rPr kumimoji="1" lang="en-US" altLang="ko-KR" i="1">
+                                <a:latin typeface="Cambria Math" charset="0"/>
+                                <a:ea typeface="Arial" charset="0"/>
+                                <a:cs typeface="Arial" charset="0"/>
+                              </a:rPr>
+                              <m:t>𝑃</m:t>
+                            </m:r>
+                          </m:e>
+                          <m:sub>
+                            <m:r>
+                              <a:rPr kumimoji="1" lang="en-US" altLang="ko-KR" i="1">
+                                <a:latin typeface="Cambria Math" charset="0"/>
+                                <a:ea typeface="Arial" charset="0"/>
+                                <a:cs typeface="Arial" charset="0"/>
+                              </a:rPr>
+                              <m:t>𝑘</m:t>
+                            </m:r>
+                            <m:r>
+                              <a:rPr kumimoji="1" lang="en-US" altLang="ko-KR" i="1">
+                                <a:latin typeface="Cambria Math" charset="0"/>
+                                <a:ea typeface="Arial" charset="0"/>
+                                <a:cs typeface="Arial" charset="0"/>
+                              </a:rPr>
+                              <m:t>−7</m:t>
+                            </m:r>
+                          </m:sub>
+                        </m:sSub>
+                        <m:d>
+                          <m:dPr>
+                            <m:ctrlPr>
+                              <a:rPr kumimoji="1" lang="mr-IN" altLang="ko-KR" i="1">
+                                <a:latin typeface="Cambria Math" charset="0"/>
+                                <a:ea typeface="Arial" charset="0"/>
+                                <a:cs typeface="Arial" charset="0"/>
+                              </a:rPr>
+                            </m:ctrlPr>
+                          </m:dPr>
+                          <m:e>
+                            <m:r>
+                              <a:rPr kumimoji="1" lang="en-US" altLang="ko-KR" i="1">
+                                <a:latin typeface="Cambria Math" charset="0"/>
+                                <a:ea typeface="Arial" charset="0"/>
+                                <a:cs typeface="Arial" charset="0"/>
+                              </a:rPr>
+                              <m:t>48</m:t>
+                            </m:r>
+                          </m:e>
+                        </m:d>
+                      </m:e>
+                    </m:d>
                   </m:oMath>
                 </a14:m>
-                <a:r>
-                  <a:rPr kumimoji="1" lang="en-US" altLang="ko-KR" b="1" dirty="0">
-                    <a:solidFill>
-                      <a:schemeClr val="tx1"/>
-                    </a:solidFill>
-                    <a:latin typeface="Arial" charset="0"/>
-                    <a:ea typeface="Arial" charset="0"/>
-                    <a:cs typeface="Arial" charset="0"/>
-                  </a:rPr>
-                  <a:t>)</a:t>
-                </a:r>
-                <a:endParaRPr kumimoji="1" lang="en-US" altLang="ko-KR" b="1" dirty="0" smtClean="0">
-                  <a:solidFill>
-                    <a:schemeClr val="tx1"/>
-                  </a:solidFill>
-                  <a:latin typeface="Arial" charset="0"/>
-                  <a:ea typeface="Arial" charset="0"/>
-                  <a:cs typeface="Arial" charset="0"/>
-                </a:endParaRPr>
-              </a:p>
-              <a:p>
-                <a:pPr lvl="3"/>
                 <a:endParaRPr kumimoji="1" lang="en-US" altLang="ko-KR" dirty="0">
-                  <a:solidFill>
-                    <a:schemeClr val="tx1"/>
-                  </a:solidFill>
                   <a:latin typeface="Arial" charset="0"/>
                   <a:ea typeface="Arial" charset="0"/>
                   <a:cs typeface="Arial" charset="0"/>
@@ -7305,7 +9016,7 @@
             </p:txBody>
           </p:sp>
         </mc:Choice>
-        <mc:Fallback>
+        <mc:Fallback xmlns="">
           <p:sp>
             <p:nvSpPr>
               <p:cNvPr id="3" name="내용 개체 틀 2"/>
@@ -7384,17 +9095,24 @@
     </p:spTree>
     <p:extLst>
       <p:ext uri="{BB962C8B-B14F-4D97-AF65-F5344CB8AC3E}">
-        <p14:creationId xmlns:p14="http://schemas.microsoft.com/office/powerpoint/2010/main" val="1124065131"/>
+        <p14:creationId xmlns:p14="http://schemas.microsoft.com/office/powerpoint/2010/main" val="1788418993"/>
       </p:ext>
     </p:extLst>
   </p:cSld>
   <p:clrMapOvr>
     <a:masterClrMapping/>
   </p:clrMapOvr>
+  <p:timing>
+    <p:tnLst>
+      <p:par>
+        <p:cTn id="1" dur="indefinite" restart="never" nodeType="tmRoot"/>
+      </p:par>
+    </p:tnLst>
+  </p:timing>
 </p:sld>
 </file>
 
-<file path=ppt/slides/slide13.xml><?xml version="1.0" encoding="utf-8"?>
+<file path=ppt/slides/slide14.xml><?xml version="1.0" encoding="utf-8"?>
 <p:sld xmlns:a="http://schemas.openxmlformats.org/drawingml/2006/main" xmlns:r="http://schemas.openxmlformats.org/officeDocument/2006/relationships" xmlns:p="http://schemas.openxmlformats.org/presentationml/2006/main">
   <p:cSld>
     <p:spTree>
@@ -7449,8 +9167,8 @@
           </a:p>
         </p:txBody>
       </p:sp>
-      <mc:AlternateContent xmlns:mc="http://schemas.openxmlformats.org/markup-compatibility/2006">
-        <mc:Choice xmlns:a14="http://schemas.microsoft.com/office/drawing/2010/main" Requires="a14">
+      <mc:AlternateContent xmlns:mc="http://schemas.openxmlformats.org/markup-compatibility/2006" xmlns:a14="http://schemas.microsoft.com/office/drawing/2010/main">
+        <mc:Choice Requires="a14">
           <p:sp>
             <p:nvSpPr>
               <p:cNvPr id="3" name="내용 개체 틀 2"/>
@@ -7489,14 +9207,6 @@
                     <a:cs typeface="Arial" charset="0"/>
                   </a:rPr>
                   <a:t>Case 00</a:t>
-                </a:r>
-                <a:r>
-                  <a:rPr kumimoji="1" lang="en-US" altLang="ko-KR" dirty="0" smtClean="0">
-                    <a:latin typeface="Arial" charset="0"/>
-                    <a:ea typeface="Arial" charset="0"/>
-                    <a:cs typeface="Arial" charset="0"/>
-                  </a:rPr>
-                  <a:t/>
                 </a:r>
                 <a:br>
                   <a:rPr kumimoji="1" lang="en-US" altLang="ko-KR" dirty="0" smtClean="0">
@@ -7593,15 +9303,7 @@
                     <a:ea typeface="Arial" charset="0"/>
                     <a:cs typeface="Arial" charset="0"/>
                   </a:rPr>
-                  <a:t>Max </a:t>
-                </a:r>
-                <a:r>
-                  <a:rPr kumimoji="1" lang="en-US" altLang="ko-KR" dirty="0" smtClean="0">
-                    <a:latin typeface="Arial" charset="0"/>
-                    <a:ea typeface="Arial" charset="0"/>
-                    <a:cs typeface="Arial" charset="0"/>
-                  </a:rPr>
-                  <a:t>temperature of day k</a:t>
+                  <a:t>Max temperature of day k</a:t>
                 </a:r>
               </a:p>
               <a:p>
@@ -7946,43 +9648,7 @@
                     <a:ea typeface="Arial" charset="0"/>
                     <a:cs typeface="Arial" charset="0"/>
                   </a:rPr>
-                  <a:t>k </a:t>
-                </a:r>
-                <a:r>
-                  <a:rPr kumimoji="1" lang="en-US" altLang="ko-KR" dirty="0">
-                    <a:latin typeface="Arial" charset="0"/>
-                    <a:ea typeface="Arial" charset="0"/>
-                    <a:cs typeface="Arial" charset="0"/>
-                  </a:rPr>
-                  <a:t>(</a:t>
-                </a:r>
-                <a14:m>
-                  <m:oMath xmlns:m="http://schemas.openxmlformats.org/officeDocument/2006/math">
-                    <m:r>
-                      <a:rPr kumimoji="1" lang="en-US" altLang="ko-KR" i="1">
-                        <a:latin typeface="Cambria Math" charset="0"/>
-                        <a:ea typeface="Arial" charset="0"/>
-                        <a:cs typeface="Arial" charset="0"/>
-                      </a:rPr>
-                      <m:t>𝑖</m:t>
-                    </m:r>
-                    <m:r>
-                      <a:rPr kumimoji="1" lang="en-US" altLang="ko-KR" i="1">
-                        <a:latin typeface="Cambria Math" charset="0"/>
-                        <a:ea typeface="Arial" charset="0"/>
-                        <a:cs typeface="Arial" charset="0"/>
-                      </a:rPr>
-                      <m:t>=1, 2, 3, …, 48</m:t>
-                    </m:r>
-                  </m:oMath>
-                </a14:m>
-                <a:r>
-                  <a:rPr kumimoji="1" lang="en-US" altLang="ko-KR" dirty="0" smtClean="0">
-                    <a:latin typeface="Arial" charset="0"/>
-                    <a:ea typeface="Arial" charset="0"/>
-                    <a:cs typeface="Arial" charset="0"/>
-                  </a:rPr>
-                  <a:t>)</a:t>
+                  <a:t>k</a:t>
                 </a:r>
                 <a:br>
                   <a:rPr kumimoji="1" lang="en-US" altLang="ko-KR" dirty="0" smtClean="0">
@@ -8069,7 +9735,7 @@
                                 <a:ea typeface="Arial" charset="0"/>
                                 <a:cs typeface="Arial" charset="0"/>
                               </a:rPr>
-                              <m:t>𝑖</m:t>
+                              <m:t>1</m:t>
                             </m:r>
                           </m:e>
                         </m:d>
@@ -8079,8 +9745,120 @@
                             <a:ea typeface="Arial" charset="0"/>
                             <a:cs typeface="Arial" charset="0"/>
                           </a:rPr>
-                          <m:t> </m:t>
+                          <m:t>,</m:t>
                         </m:r>
+                        <m:sSub>
+                          <m:sSubPr>
+                            <m:ctrlPr>
+                              <a:rPr kumimoji="1" lang="en-US" altLang="ko-KR" i="1">
+                                <a:latin typeface="Cambria Math" charset="0"/>
+                                <a:ea typeface="Arial" charset="0"/>
+                                <a:cs typeface="Arial" charset="0"/>
+                              </a:rPr>
+                            </m:ctrlPr>
+                          </m:sSubPr>
+                          <m:e>
+                            <m:r>
+                              <a:rPr kumimoji="1" lang="en-US" altLang="ko-KR" i="1">
+                                <a:latin typeface="Cambria Math" charset="0"/>
+                                <a:ea typeface="Arial" charset="0"/>
+                                <a:cs typeface="Arial" charset="0"/>
+                              </a:rPr>
+                              <m:t>𝑃</m:t>
+                            </m:r>
+                          </m:e>
+                          <m:sub>
+                            <m:r>
+                              <a:rPr kumimoji="1" lang="en-US" altLang="ko-KR" i="1">
+                                <a:latin typeface="Cambria Math" charset="0"/>
+                                <a:ea typeface="Arial" charset="0"/>
+                                <a:cs typeface="Arial" charset="0"/>
+                              </a:rPr>
+                              <m:t>𝑘</m:t>
+                            </m:r>
+                          </m:sub>
+                        </m:sSub>
+                        <m:d>
+                          <m:dPr>
+                            <m:ctrlPr>
+                              <a:rPr kumimoji="1" lang="mr-IN" altLang="ko-KR" i="1">
+                                <a:latin typeface="Cambria Math" charset="0"/>
+                                <a:ea typeface="Arial" charset="0"/>
+                                <a:cs typeface="Arial" charset="0"/>
+                              </a:rPr>
+                            </m:ctrlPr>
+                          </m:dPr>
+                          <m:e>
+                            <m:r>
+                              <a:rPr kumimoji="1" lang="en-US" altLang="ko-KR" i="1">
+                                <a:latin typeface="Cambria Math" charset="0"/>
+                                <a:ea typeface="Arial" charset="0"/>
+                                <a:cs typeface="Arial" charset="0"/>
+                              </a:rPr>
+                              <m:t>2</m:t>
+                            </m:r>
+                          </m:e>
+                        </m:d>
+                        <m:r>
+                          <a:rPr kumimoji="1" lang="en-US" altLang="ko-KR" i="1">
+                            <a:latin typeface="Cambria Math" charset="0"/>
+                            <a:ea typeface="Arial" charset="0"/>
+                            <a:cs typeface="Arial" charset="0"/>
+                          </a:rPr>
+                          <m:t>, …,</m:t>
+                        </m:r>
+                        <m:sSub>
+                          <m:sSubPr>
+                            <m:ctrlPr>
+                              <a:rPr kumimoji="1" lang="en-US" altLang="ko-KR" i="1">
+                                <a:latin typeface="Cambria Math" charset="0"/>
+                                <a:ea typeface="Arial" charset="0"/>
+                                <a:cs typeface="Arial" charset="0"/>
+                              </a:rPr>
+                            </m:ctrlPr>
+                          </m:sSubPr>
+                          <m:e>
+                            <m:r>
+                              <a:rPr kumimoji="1" lang="en-US" altLang="ko-KR" i="1">
+                                <a:latin typeface="Cambria Math" charset="0"/>
+                                <a:ea typeface="Arial" charset="0"/>
+                                <a:cs typeface="Arial" charset="0"/>
+                              </a:rPr>
+                              <m:t>𝑃</m:t>
+                            </m:r>
+                          </m:e>
+                          <m:sub>
+                            <m:r>
+                              <a:rPr kumimoji="1" lang="en-US" altLang="ko-KR" i="1">
+                                <a:latin typeface="Cambria Math" charset="0"/>
+                                <a:ea typeface="Arial" charset="0"/>
+                                <a:cs typeface="Arial" charset="0"/>
+                              </a:rPr>
+                              <m:t>𝑘</m:t>
+                            </m:r>
+                          </m:sub>
+                        </m:sSub>
+                        <m:d>
+                          <m:dPr>
+                            <m:ctrlPr>
+                              <a:rPr kumimoji="1" lang="mr-IN" altLang="ko-KR" i="1">
+                                <a:latin typeface="Cambria Math" charset="0"/>
+                                <a:ea typeface="Arial" charset="0"/>
+                                <a:cs typeface="Arial" charset="0"/>
+                              </a:rPr>
+                            </m:ctrlPr>
+                          </m:dPr>
+                          <m:e>
+                            <m:r>
+                              <a:rPr kumimoji="1" lang="en-US" altLang="ko-KR" i="1">
+                                <a:latin typeface="Cambria Math" charset="0"/>
+                                <a:ea typeface="Arial" charset="0"/>
+                                <a:cs typeface="Arial" charset="0"/>
+                              </a:rPr>
+                              <m:t>48</m:t>
+                            </m:r>
+                          </m:e>
+                        </m:d>
                       </m:e>
                     </m:d>
                   </m:oMath>
@@ -8522,7 +10300,7 @@
             </p:txBody>
           </p:sp>
         </mc:Choice>
-        <mc:Fallback>
+        <mc:Fallback xmlns="">
           <p:sp>
             <p:nvSpPr>
               <p:cNvPr id="3" name="내용 개체 틀 2"/>
@@ -8607,7 +10385,7 @@
         <p:spPr>
           <a:xfrm>
             <a:off x="8756650" y="3712077"/>
-            <a:ext cx="2451100" cy="2031325"/>
+            <a:ext cx="2451100" cy="2308324"/>
           </a:xfrm>
           <a:prstGeom prst="rect">
             <a:avLst/>
@@ -8684,7 +10462,7 @@
                 <a:ea typeface="Arial" charset="0"/>
                 <a:cs typeface="Arial" charset="0"/>
               </a:rPr>
-              <a:t>result, which are not valuable, </a:t>
+              <a:t>result, which are not valuable and not accurate, </a:t>
             </a:r>
             <a:r>
               <a:rPr kumimoji="1" lang="en-US" altLang="ko-KR" dirty="0">
@@ -8781,10 +10559,17 @@
   <p:clrMapOvr>
     <a:masterClrMapping/>
   </p:clrMapOvr>
+  <p:timing>
+    <p:tnLst>
+      <p:par>
+        <p:cTn id="1" dur="indefinite" restart="never" nodeType="tmRoot"/>
+      </p:par>
+    </p:tnLst>
+  </p:timing>
 </p:sld>
 </file>
 
-<file path=ppt/slides/slide14.xml><?xml version="1.0" encoding="utf-8"?>
+<file path=ppt/slides/slide15.xml><?xml version="1.0" encoding="utf-8"?>
 <p:sld xmlns:a="http://schemas.openxmlformats.org/drawingml/2006/main" xmlns:r="http://schemas.openxmlformats.org/officeDocument/2006/relationships" xmlns:p="http://schemas.openxmlformats.org/presentationml/2006/main">
   <p:cSld>
     <p:spTree>
@@ -8839,8 +10624,8 @@
           </a:p>
         </p:txBody>
       </p:sp>
-      <mc:AlternateContent xmlns:mc="http://schemas.openxmlformats.org/markup-compatibility/2006">
-        <mc:Choice xmlns:a14="http://schemas.microsoft.com/office/drawing/2010/main" Requires="a14">
+      <mc:AlternateContent xmlns:mc="http://schemas.openxmlformats.org/markup-compatibility/2006" xmlns:a14="http://schemas.microsoft.com/office/drawing/2010/main">
+        <mc:Choice Requires="a14">
           <p:sp>
             <p:nvSpPr>
               <p:cNvPr id="3" name="내용 개체 틀 2"/>
@@ -8879,14 +10664,6 @@
                     <a:cs typeface="Arial" charset="0"/>
                   </a:rPr>
                   <a:t>Case 01</a:t>
-                </a:r>
-                <a:r>
-                  <a:rPr kumimoji="1" lang="en-US" altLang="ko-KR" dirty="0" smtClean="0">
-                    <a:latin typeface="Arial" charset="0"/>
-                    <a:ea typeface="Arial" charset="0"/>
-                    <a:cs typeface="Arial" charset="0"/>
-                  </a:rPr>
-                  <a:t/>
                 </a:r>
                 <a:br>
                   <a:rPr kumimoji="1" lang="en-US" altLang="ko-KR" dirty="0" smtClean="0">
@@ -8983,15 +10760,7 @@
                     <a:ea typeface="Arial" charset="0"/>
                     <a:cs typeface="Arial" charset="0"/>
                   </a:rPr>
-                  <a:t>Max </a:t>
-                </a:r>
-                <a:r>
-                  <a:rPr kumimoji="1" lang="en-US" altLang="ko-KR" dirty="0" smtClean="0">
-                    <a:latin typeface="Arial" charset="0"/>
-                    <a:ea typeface="Arial" charset="0"/>
-                    <a:cs typeface="Arial" charset="0"/>
-                  </a:rPr>
-                  <a:t>temperature of day k</a:t>
+                  <a:t>Max temperature of day k</a:t>
                 </a:r>
               </a:p>
               <a:p>
@@ -9624,14 +11393,6 @@
                     <a:cs typeface="Arial" charset="0"/>
                   </a:rPr>
                   <a:t>24 hourly loads of day k</a:t>
-                </a:r>
-                <a:r>
-                  <a:rPr kumimoji="1" lang="en-US" altLang="ko-KR" dirty="0" smtClean="0">
-                    <a:latin typeface="Arial" charset="0"/>
-                    <a:ea typeface="Arial" charset="0"/>
-                    <a:cs typeface="Arial" charset="0"/>
-                  </a:rPr>
-                  <a:t/>
                 </a:r>
                 <a:br>
                   <a:rPr kumimoji="1" lang="en-US" altLang="ko-KR" dirty="0" smtClean="0">
@@ -10275,7 +12036,7 @@
             </p:txBody>
           </p:sp>
         </mc:Choice>
-        <mc:Fallback>
+        <mc:Fallback xmlns="">
           <p:sp>
             <p:nvSpPr>
               <p:cNvPr id="3" name="내용 개체 틀 2"/>
@@ -10351,8 +12112,8 @@
           </a:fontRef>
         </p:style>
       </p:cxnSp>
-      <mc:AlternateContent xmlns:mc="http://schemas.openxmlformats.org/markup-compatibility/2006">
-        <mc:Choice xmlns:a14="http://schemas.microsoft.com/office/drawing/2010/main" Requires="a14">
+      <mc:AlternateContent xmlns:mc="http://schemas.openxmlformats.org/markup-compatibility/2006" xmlns:a14="http://schemas.microsoft.com/office/drawing/2010/main">
+        <mc:Choice Requires="a14">
           <p:sp>
             <p:nvSpPr>
               <p:cNvPr id="4" name="텍스트 상자 3"/>
@@ -10461,7 +12222,7 @@
                             <a:solidFill>
                               <a:srgbClr val="FF0000"/>
                             </a:solidFill>
-                            <a:latin typeface="Arial" charset="0"/>
+                            <a:latin typeface="Cambria Math" charset="0"/>
                             <a:ea typeface="Arial" charset="0"/>
                             <a:cs typeface="Arial" charset="0"/>
                           </a:rPr>
@@ -10473,7 +12234,7 @@
                             <a:solidFill>
                               <a:srgbClr val="FF0000"/>
                             </a:solidFill>
-                            <a:latin typeface="Arial" charset="0"/>
+                            <a:latin typeface="Cambria Math" charset="0"/>
                             <a:ea typeface="Arial" charset="0"/>
                             <a:cs typeface="Arial" charset="0"/>
                           </a:rPr>
@@ -10486,7 +12247,7 @@
                             <a:solidFill>
                               <a:srgbClr val="FF0000"/>
                             </a:solidFill>
-                            <a:latin typeface="Arial" charset="0"/>
+                            <a:latin typeface="Cambria Math" charset="0"/>
                             <a:ea typeface="Arial" charset="0"/>
                             <a:cs typeface="Arial" charset="0"/>
                           </a:rPr>
@@ -10497,7 +12258,7 @@
                             <a:solidFill>
                               <a:srgbClr val="FF0000"/>
                             </a:solidFill>
-                            <a:latin typeface="Arial" charset="0"/>
+                            <a:latin typeface="Cambria Math" charset="0"/>
                             <a:ea typeface="Arial" charset="0"/>
                             <a:cs typeface="Arial" charset="0"/>
                           </a:rPr>
@@ -10510,7 +12271,7 @@
                         <a:solidFill>
                           <a:srgbClr val="FF0000"/>
                         </a:solidFill>
-                        <a:latin typeface="Arial" charset="0"/>
+                        <a:latin typeface="Cambria Math" charset="0"/>
                         <a:ea typeface="Arial" charset="0"/>
                         <a:cs typeface="Arial" charset="0"/>
                       </a:rPr>
@@ -10521,7 +12282,7 @@
                         <a:solidFill>
                           <a:srgbClr val="FF0000"/>
                         </a:solidFill>
-                        <a:latin typeface="Arial" charset="0"/>
+                        <a:latin typeface="Cambria Math" charset="0"/>
                         <a:ea typeface="Arial" charset="0"/>
                         <a:cs typeface="Arial" charset="0"/>
                       </a:rPr>
@@ -10532,7 +12293,7 @@
                         <a:solidFill>
                           <a:srgbClr val="FF0000"/>
                         </a:solidFill>
-                        <a:latin typeface="Arial" charset="0"/>
+                        <a:latin typeface="Cambria Math" charset="0"/>
                         <a:ea typeface="Arial" charset="0"/>
                         <a:cs typeface="Arial" charset="0"/>
                       </a:rPr>
@@ -10616,29 +12377,7 @@
                     <a:ea typeface="Arial" charset="0"/>
                     <a:cs typeface="Arial" charset="0"/>
                   </a:rPr>
-                  <a:t>load </a:t>
-                </a:r>
-                <a:r>
-                  <a:rPr kumimoji="1" lang="en-US" altLang="ko-KR" dirty="0">
-                    <a:solidFill>
-                      <a:srgbClr val="FF0000"/>
-                    </a:solidFill>
-                    <a:latin typeface="Arial" charset="0"/>
-                    <a:ea typeface="Arial" charset="0"/>
-                    <a:cs typeface="Arial" charset="0"/>
-                  </a:rPr>
-                  <a:t>data of the previous </a:t>
-                </a:r>
-                <a:r>
-                  <a:rPr kumimoji="1" lang="en-US" altLang="ko-KR" dirty="0">
-                    <a:solidFill>
-                      <a:srgbClr val="FF0000"/>
-                    </a:solidFill>
-                    <a:latin typeface="Arial" charset="0"/>
-                    <a:ea typeface="Arial" charset="0"/>
-                    <a:cs typeface="Arial" charset="0"/>
-                  </a:rPr>
-                  <a:t>day</a:t>
+                  <a:t>load data of the previous day</a:t>
                 </a:r>
                 <a:r>
                   <a:rPr kumimoji="1" lang="ko-KR" altLang="en-US" dirty="0" smtClean="0">
@@ -10671,7 +12410,7 @@
                             <a:solidFill>
                               <a:srgbClr val="FF0000"/>
                             </a:solidFill>
-                            <a:latin typeface="Arial" charset="0"/>
+                            <a:latin typeface="Cambria Math" charset="0"/>
                             <a:ea typeface="Arial" charset="0"/>
                             <a:cs typeface="Arial" charset="0"/>
                           </a:rPr>
@@ -10683,7 +12422,7 @@
                             <a:solidFill>
                               <a:srgbClr val="FF0000"/>
                             </a:solidFill>
-                            <a:latin typeface="Arial" charset="0"/>
+                            <a:latin typeface="Cambria Math" charset="0"/>
                             <a:ea typeface="Arial" charset="0"/>
                             <a:cs typeface="Arial" charset="0"/>
                           </a:rPr>
@@ -10696,7 +12435,7 @@
                             <a:solidFill>
                               <a:srgbClr val="FF0000"/>
                             </a:solidFill>
-                            <a:latin typeface="Arial" charset="0"/>
+                            <a:latin typeface="Cambria Math" charset="0"/>
                             <a:ea typeface="Arial" charset="0"/>
                             <a:cs typeface="Arial" charset="0"/>
                           </a:rPr>
@@ -10707,7 +12446,7 @@
                             <a:solidFill>
                               <a:srgbClr val="FF0000"/>
                             </a:solidFill>
-                            <a:latin typeface="Arial" charset="0"/>
+                            <a:latin typeface="Cambria Math" charset="0"/>
                             <a:ea typeface="Arial" charset="0"/>
                             <a:cs typeface="Arial" charset="0"/>
                           </a:rPr>
@@ -10720,7 +12459,7 @@
                         <a:solidFill>
                           <a:srgbClr val="FF0000"/>
                         </a:solidFill>
-                        <a:latin typeface="Arial" charset="0"/>
+                        <a:latin typeface="Cambria Math" charset="0"/>
                         <a:ea typeface="Arial" charset="0"/>
                         <a:cs typeface="Arial" charset="0"/>
                       </a:rPr>
@@ -10731,7 +12470,7 @@
                         <a:solidFill>
                           <a:srgbClr val="FF0000"/>
                         </a:solidFill>
-                        <a:latin typeface="Arial" charset="0"/>
+                        <a:latin typeface="Cambria Math" charset="0"/>
                         <a:ea typeface="Arial" charset="0"/>
                         <a:cs typeface="Arial" charset="0"/>
                       </a:rPr>
@@ -10742,7 +12481,7 @@
                         <a:solidFill>
                           <a:srgbClr val="FF0000"/>
                         </a:solidFill>
-                        <a:latin typeface="Arial" charset="0"/>
+                        <a:latin typeface="Cambria Math" charset="0"/>
                         <a:ea typeface="Arial" charset="0"/>
                         <a:cs typeface="Arial" charset="0"/>
                       </a:rPr>
@@ -10806,7 +12545,7 @@
             </p:txBody>
           </p:sp>
         </mc:Choice>
-        <mc:Fallback>
+        <mc:Fallback xmlns="">
           <p:sp>
             <p:nvSpPr>
               <p:cNvPr id="4" name="텍스트 상자 3"/>
@@ -10903,10 +12642,17 @@
   <p:clrMapOvr>
     <a:masterClrMapping/>
   </p:clrMapOvr>
+  <p:timing>
+    <p:tnLst>
+      <p:par>
+        <p:cTn id="1" dur="indefinite" restart="never" nodeType="tmRoot"/>
+      </p:par>
+    </p:tnLst>
+  </p:timing>
 </p:sld>
 </file>
 
-<file path=ppt/slides/slide15.xml><?xml version="1.0" encoding="utf-8"?>
+<file path=ppt/slides/slide16.xml><?xml version="1.0" encoding="utf-8"?>
 <p:sld xmlns:a="http://schemas.openxmlformats.org/drawingml/2006/main" xmlns:r="http://schemas.openxmlformats.org/officeDocument/2006/relationships" xmlns:p="http://schemas.openxmlformats.org/presentationml/2006/main">
   <p:cSld>
     <p:spTree>
@@ -10961,8 +12707,8 @@
           </a:p>
         </p:txBody>
       </p:sp>
-      <mc:AlternateContent xmlns:mc="http://schemas.openxmlformats.org/markup-compatibility/2006">
-        <mc:Choice xmlns:a14="http://schemas.microsoft.com/office/drawing/2010/main" Requires="a14">
+      <mc:AlternateContent xmlns:mc="http://schemas.openxmlformats.org/markup-compatibility/2006" xmlns:a14="http://schemas.microsoft.com/office/drawing/2010/main">
+        <mc:Choice Requires="a14">
           <p:sp>
             <p:nvSpPr>
               <p:cNvPr id="3" name="내용 개체 틀 2"/>
@@ -11001,14 +12747,6 @@
                     <a:cs typeface="Arial" charset="0"/>
                   </a:rPr>
                   <a:t>Case 02</a:t>
-                </a:r>
-                <a:r>
-                  <a:rPr kumimoji="1" lang="en-US" altLang="ko-KR" dirty="0" smtClean="0">
-                    <a:latin typeface="Arial" charset="0"/>
-                    <a:ea typeface="Arial" charset="0"/>
-                    <a:cs typeface="Arial" charset="0"/>
-                  </a:rPr>
-                  <a:t/>
                 </a:r>
                 <a:br>
                   <a:rPr kumimoji="1" lang="en-US" altLang="ko-KR" dirty="0" smtClean="0">
@@ -11105,15 +12843,7 @@
                     <a:ea typeface="Arial" charset="0"/>
                     <a:cs typeface="Arial" charset="0"/>
                   </a:rPr>
-                  <a:t>Max </a:t>
-                </a:r>
-                <a:r>
-                  <a:rPr kumimoji="1" lang="en-US" altLang="ko-KR" dirty="0" smtClean="0">
-                    <a:latin typeface="Arial" charset="0"/>
-                    <a:ea typeface="Arial" charset="0"/>
-                    <a:cs typeface="Arial" charset="0"/>
-                  </a:rPr>
-                  <a:t>temperature of day k</a:t>
+                  <a:t>Max temperature of day k</a:t>
                 </a:r>
               </a:p>
               <a:p>
@@ -11745,15 +13475,7 @@
                     <a:ea typeface="Arial" charset="0"/>
                     <a:cs typeface="Arial" charset="0"/>
                   </a:rPr>
-                  <a:t>24 hourly loads of day </a:t>
-                </a:r>
-                <a:r>
-                  <a:rPr kumimoji="1" lang="en-US" altLang="ko-KR" dirty="0" smtClean="0">
-                    <a:latin typeface="Arial" charset="0"/>
-                    <a:ea typeface="Arial" charset="0"/>
-                    <a:cs typeface="Arial" charset="0"/>
-                  </a:rPr>
-                  <a:t>k </a:t>
+                  <a:t>24 hourly loads of day k </a:t>
                 </a:r>
                 <a:br>
                   <a:rPr kumimoji="1" lang="en-US" altLang="ko-KR" dirty="0" smtClean="0">
@@ -12397,7 +14119,7 @@
             </p:txBody>
           </p:sp>
         </mc:Choice>
-        <mc:Fallback>
+        <mc:Fallback xmlns="">
           <p:sp>
             <p:nvSpPr>
               <p:cNvPr id="3" name="내용 개체 틀 2"/>
@@ -12473,8 +14195,8 @@
           </a:fontRef>
         </p:style>
       </p:cxnSp>
-      <mc:AlternateContent xmlns:mc="http://schemas.openxmlformats.org/markup-compatibility/2006">
-        <mc:Choice xmlns:a14="http://schemas.microsoft.com/office/drawing/2010/main" Requires="a14">
+      <mc:AlternateContent xmlns:mc="http://schemas.openxmlformats.org/markup-compatibility/2006" xmlns:a14="http://schemas.microsoft.com/office/drawing/2010/main">
+        <mc:Choice Requires="a14">
           <p:sp>
             <p:nvSpPr>
               <p:cNvPr id="6" name="텍스트 상자 5"/>
@@ -12594,7 +14316,7 @@
                             <a:solidFill>
                               <a:srgbClr val="FF0000"/>
                             </a:solidFill>
-                            <a:latin typeface="Arial" charset="0"/>
+                            <a:latin typeface="Cambria Math" charset="0"/>
                             <a:ea typeface="Arial" charset="0"/>
                             <a:cs typeface="Arial" charset="0"/>
                           </a:rPr>
@@ -12606,7 +14328,7 @@
                             <a:solidFill>
                               <a:srgbClr val="FF0000"/>
                             </a:solidFill>
-                            <a:latin typeface="Arial" charset="0"/>
+                            <a:latin typeface="Cambria Math" charset="0"/>
                             <a:ea typeface="Arial" charset="0"/>
                             <a:cs typeface="Arial" charset="0"/>
                           </a:rPr>
@@ -12619,7 +14341,7 @@
                             <a:solidFill>
                               <a:srgbClr val="FF0000"/>
                             </a:solidFill>
-                            <a:latin typeface="Arial" charset="0"/>
+                            <a:latin typeface="Cambria Math" charset="0"/>
                             <a:ea typeface="Arial" charset="0"/>
                             <a:cs typeface="Arial" charset="0"/>
                           </a:rPr>
@@ -12630,7 +14352,7 @@
                             <a:solidFill>
                               <a:srgbClr val="FF0000"/>
                             </a:solidFill>
-                            <a:latin typeface="Arial" charset="0"/>
+                            <a:latin typeface="Cambria Math" charset="0"/>
                             <a:ea typeface="Arial" charset="0"/>
                             <a:cs typeface="Arial" charset="0"/>
                           </a:rPr>
@@ -12643,7 +14365,7 @@
                         <a:solidFill>
                           <a:srgbClr val="FF0000"/>
                         </a:solidFill>
-                        <a:latin typeface="Arial" charset="0"/>
+                        <a:latin typeface="Cambria Math" charset="0"/>
                         <a:ea typeface="Arial" charset="0"/>
                         <a:cs typeface="Arial" charset="0"/>
                       </a:rPr>
@@ -12654,7 +14376,7 @@
                         <a:solidFill>
                           <a:srgbClr val="FF0000"/>
                         </a:solidFill>
-                        <a:latin typeface="Arial" charset="0"/>
+                        <a:latin typeface="Cambria Math" charset="0"/>
                         <a:ea typeface="Arial" charset="0"/>
                         <a:cs typeface="Arial" charset="0"/>
                       </a:rPr>
@@ -12665,7 +14387,7 @@
                         <a:solidFill>
                           <a:srgbClr val="FF0000"/>
                         </a:solidFill>
-                        <a:latin typeface="Arial" charset="0"/>
+                        <a:latin typeface="Cambria Math" charset="0"/>
                         <a:ea typeface="Arial" charset="0"/>
                         <a:cs typeface="Arial" charset="0"/>
                       </a:rPr>
@@ -12749,29 +14471,7 @@
                     <a:ea typeface="Arial" charset="0"/>
                     <a:cs typeface="Arial" charset="0"/>
                   </a:rPr>
-                  <a:t>load </a:t>
-                </a:r>
-                <a:r>
-                  <a:rPr kumimoji="1" lang="en-US" altLang="ko-KR" dirty="0">
-                    <a:solidFill>
-                      <a:srgbClr val="FF0000"/>
-                    </a:solidFill>
-                    <a:latin typeface="Arial" charset="0"/>
-                    <a:ea typeface="Arial" charset="0"/>
-                    <a:cs typeface="Arial" charset="0"/>
-                  </a:rPr>
-                  <a:t>data of </a:t>
-                </a:r>
-                <a:r>
-                  <a:rPr kumimoji="1" lang="en-US" altLang="ko-KR" dirty="0">
-                    <a:solidFill>
-                      <a:srgbClr val="FF0000"/>
-                    </a:solidFill>
-                    <a:latin typeface="Arial" charset="0"/>
-                    <a:ea typeface="Arial" charset="0"/>
-                    <a:cs typeface="Arial" charset="0"/>
-                  </a:rPr>
-                  <a:t>t</a:t>
+                  <a:t>load data of t</a:t>
                 </a:r>
                 <a:r>
                   <a:rPr lang="en-US" altLang="ko-KR" dirty="0">
@@ -12782,18 +14482,7 @@
                     <a:ea typeface="Arial" charset="0"/>
                     <a:cs typeface="Arial" charset="0"/>
                   </a:rPr>
-                  <a:t>he </a:t>
-                </a:r>
-                <a:r>
-                  <a:rPr lang="en-US" altLang="ko-KR" dirty="0">
-                    <a:solidFill>
-                      <a:srgbClr val="FF0000"/>
-                    </a:solidFill>
-                    <a:latin typeface="Arial" charset="0"/>
-                    <a:ea typeface="Arial" charset="0"/>
-                    <a:cs typeface="Arial" charset="0"/>
-                  </a:rPr>
-                  <a:t>same day of the previous week </a:t>
+                  <a:t>he same day of the previous week </a:t>
                 </a:r>
                 <a:r>
                   <a:rPr kumimoji="1" lang="en-US" altLang="ko-KR" dirty="0">
@@ -12903,18 +14592,7 @@
                     <a:ea typeface="Arial" charset="0"/>
                     <a:cs typeface="Arial" charset="0"/>
                   </a:rPr>
-                  <a:t>) </a:t>
-                </a:r>
-                <a:r>
-                  <a:rPr kumimoji="1" lang="en-US" altLang="ko-KR" dirty="0">
-                    <a:solidFill>
-                      <a:srgbClr val="FF0000"/>
-                    </a:solidFill>
-                    <a:latin typeface="Arial" charset="0"/>
-                    <a:ea typeface="Arial" charset="0"/>
-                    <a:cs typeface="Arial" charset="0"/>
-                  </a:rPr>
-                  <a:t>acts as a hint in the </a:t>
+                  <a:t>) acts as a hint in the </a:t>
                 </a:r>
                 <a:r>
                   <a:rPr kumimoji="1" lang="en-US" altLang="ko-KR" dirty="0" smtClean="0">
@@ -12939,7 +14617,7 @@
             </p:txBody>
           </p:sp>
         </mc:Choice>
-        <mc:Fallback>
+        <mc:Fallback xmlns="">
           <p:sp>
             <p:nvSpPr>
               <p:cNvPr id="6" name="텍스트 상자 5"/>
@@ -13036,10 +14714,17 @@
   <p:clrMapOvr>
     <a:masterClrMapping/>
   </p:clrMapOvr>
+  <p:timing>
+    <p:tnLst>
+      <p:par>
+        <p:cTn id="1" dur="indefinite" restart="never" nodeType="tmRoot"/>
+      </p:par>
+    </p:tnLst>
+  </p:timing>
 </p:sld>
 </file>
 
-<file path=ppt/slides/slide16.xml><?xml version="1.0" encoding="utf-8"?>
+<file path=ppt/slides/slide17.xml><?xml version="1.0" encoding="utf-8"?>
 <p:sld xmlns:a="http://schemas.openxmlformats.org/drawingml/2006/main" xmlns:r="http://schemas.openxmlformats.org/officeDocument/2006/relationships" xmlns:p="http://schemas.openxmlformats.org/presentationml/2006/main">
   <p:cSld>
     <p:spTree>
@@ -13094,8 +14779,8 @@
           </a:p>
         </p:txBody>
       </p:sp>
-      <mc:AlternateContent xmlns:mc="http://schemas.openxmlformats.org/markup-compatibility/2006">
-        <mc:Choice xmlns:a14="http://schemas.microsoft.com/office/drawing/2010/main" Requires="a14">
+      <mc:AlternateContent xmlns:mc="http://schemas.openxmlformats.org/markup-compatibility/2006" xmlns:a14="http://schemas.microsoft.com/office/drawing/2010/main">
+        <mc:Choice Requires="a14">
           <p:sp>
             <p:nvSpPr>
               <p:cNvPr id="3" name="내용 개체 틀 2"/>
@@ -13134,14 +14819,6 @@
                     <a:cs typeface="Arial" charset="0"/>
                   </a:rPr>
                   <a:t>Case 03</a:t>
-                </a:r>
-                <a:r>
-                  <a:rPr kumimoji="1" lang="en-US" altLang="ko-KR" dirty="0" smtClean="0">
-                    <a:latin typeface="Arial" charset="0"/>
-                    <a:ea typeface="Arial" charset="0"/>
-                    <a:cs typeface="Arial" charset="0"/>
-                  </a:rPr>
-                  <a:t/>
                 </a:r>
                 <a:br>
                   <a:rPr kumimoji="1" lang="en-US" altLang="ko-KR" dirty="0" smtClean="0">
@@ -13238,15 +14915,7 @@
                     <a:ea typeface="Arial" charset="0"/>
                     <a:cs typeface="Arial" charset="0"/>
                   </a:rPr>
-                  <a:t>Max </a:t>
-                </a:r>
-                <a:r>
-                  <a:rPr kumimoji="1" lang="en-US" altLang="ko-KR" dirty="0" smtClean="0">
-                    <a:latin typeface="Arial" charset="0"/>
-                    <a:ea typeface="Arial" charset="0"/>
-                    <a:cs typeface="Arial" charset="0"/>
-                  </a:rPr>
-                  <a:t>temperature of day k</a:t>
+                  <a:t>Max temperature of day k</a:t>
                 </a:r>
               </a:p>
               <a:p>
@@ -13864,15 +15533,7 @@
                                 <a:ea typeface="Arial" charset="0"/>
                                 <a:cs typeface="Arial" charset="0"/>
                               </a:rPr>
-                              <m:t>−</m:t>
-                            </m:r>
-                            <m:r>
-                              <a:rPr kumimoji="1" lang="en-US" altLang="ko-KR" b="0" i="1" smtClean="0">
-                                <a:latin typeface="Cambria Math" charset="0"/>
-                                <a:ea typeface="Arial" charset="0"/>
-                                <a:cs typeface="Arial" charset="0"/>
-                              </a:rPr>
-                              <m:t>1</m:t>
+                              <m:t>−1</m:t>
                             </m:r>
                           </m:sub>
                         </m:sSub>
@@ -14106,14 +15767,6 @@
                     <a:cs typeface="Arial" charset="0"/>
                   </a:rPr>
                   <a:t>24 hourly loads of day k</a:t>
-                </a:r>
-                <a:r>
-                  <a:rPr kumimoji="1" lang="en-US" altLang="ko-KR" dirty="0" smtClean="0">
-                    <a:latin typeface="Arial" charset="0"/>
-                    <a:ea typeface="Arial" charset="0"/>
-                    <a:cs typeface="Arial" charset="0"/>
-                  </a:rPr>
-                  <a:t/>
                 </a:r>
                 <a:br>
                   <a:rPr kumimoji="1" lang="en-US" altLang="ko-KR" dirty="0" smtClean="0">
@@ -14757,7 +16410,7 @@
             </p:txBody>
           </p:sp>
         </mc:Choice>
-        <mc:Fallback>
+        <mc:Fallback xmlns="">
           <p:sp>
             <p:nvSpPr>
               <p:cNvPr id="3" name="내용 개체 틀 2"/>
@@ -14833,8 +16486,8 @@
           </a:fontRef>
         </p:style>
       </p:cxnSp>
-      <mc:AlternateContent xmlns:mc="http://schemas.openxmlformats.org/markup-compatibility/2006">
-        <mc:Choice xmlns:a14="http://schemas.microsoft.com/office/drawing/2010/main" Requires="a14">
+      <mc:AlternateContent xmlns:mc="http://schemas.openxmlformats.org/markup-compatibility/2006" xmlns:a14="http://schemas.microsoft.com/office/drawing/2010/main">
+        <mc:Choice Requires="a14">
           <p:sp>
             <p:nvSpPr>
               <p:cNvPr id="6" name="텍스트 상자 5"/>
@@ -14954,7 +16607,7 @@
                             <a:solidFill>
                               <a:srgbClr val="FF0000"/>
                             </a:solidFill>
-                            <a:latin typeface="Arial" charset="0"/>
+                            <a:latin typeface="Cambria Math" charset="0"/>
                             <a:ea typeface="Arial" charset="0"/>
                             <a:cs typeface="Arial" charset="0"/>
                           </a:rPr>
@@ -14966,7 +16619,7 @@
                             <a:solidFill>
                               <a:srgbClr val="FF0000"/>
                             </a:solidFill>
-                            <a:latin typeface="Arial" charset="0"/>
+                            <a:latin typeface="Cambria Math" charset="0"/>
                             <a:ea typeface="Arial" charset="0"/>
                             <a:cs typeface="Arial" charset="0"/>
                           </a:rPr>
@@ -14979,7 +16632,7 @@
                             <a:solidFill>
                               <a:srgbClr val="FF0000"/>
                             </a:solidFill>
-                            <a:latin typeface="Arial" charset="0"/>
+                            <a:latin typeface="Cambria Math" charset="0"/>
                             <a:ea typeface="Arial" charset="0"/>
                             <a:cs typeface="Arial" charset="0"/>
                           </a:rPr>
@@ -14990,7 +16643,7 @@
                             <a:solidFill>
                               <a:srgbClr val="FF0000"/>
                             </a:solidFill>
-                            <a:latin typeface="Arial" charset="0"/>
+                            <a:latin typeface="Cambria Math" charset="0"/>
                             <a:ea typeface="Arial" charset="0"/>
                             <a:cs typeface="Arial" charset="0"/>
                           </a:rPr>
@@ -15003,7 +16656,7 @@
                         <a:solidFill>
                           <a:srgbClr val="FF0000"/>
                         </a:solidFill>
-                        <a:latin typeface="Arial" charset="0"/>
+                        <a:latin typeface="Cambria Math" charset="0"/>
                         <a:ea typeface="Arial" charset="0"/>
                         <a:cs typeface="Arial" charset="0"/>
                       </a:rPr>
@@ -15014,7 +16667,7 @@
                         <a:solidFill>
                           <a:srgbClr val="FF0000"/>
                         </a:solidFill>
-                        <a:latin typeface="Arial" charset="0"/>
+                        <a:latin typeface="Cambria Math" charset="0"/>
                         <a:ea typeface="Arial" charset="0"/>
                         <a:cs typeface="Arial" charset="0"/>
                       </a:rPr>
@@ -15025,7 +16678,7 @@
                         <a:solidFill>
                           <a:srgbClr val="FF0000"/>
                         </a:solidFill>
-                        <a:latin typeface="Arial" charset="0"/>
+                        <a:latin typeface="Cambria Math" charset="0"/>
                         <a:ea typeface="Arial" charset="0"/>
                         <a:cs typeface="Arial" charset="0"/>
                       </a:rPr>
@@ -15053,29 +16706,7 @@
                     <a:ea typeface="Arial" charset="0"/>
                     <a:cs typeface="Arial" charset="0"/>
                   </a:rPr>
-                  <a:t>the load </a:t>
-                </a:r>
-                <a:r>
-                  <a:rPr kumimoji="1" lang="en-US" altLang="ko-KR" dirty="0">
-                    <a:solidFill>
-                      <a:srgbClr val="FF0000"/>
-                    </a:solidFill>
-                    <a:latin typeface="Arial" charset="0"/>
-                    <a:ea typeface="Arial" charset="0"/>
-                    <a:cs typeface="Arial" charset="0"/>
-                  </a:rPr>
-                  <a:t>data of the previous </a:t>
-                </a:r>
-                <a:r>
-                  <a:rPr kumimoji="1" lang="en-US" altLang="ko-KR" dirty="0">
-                    <a:solidFill>
-                      <a:srgbClr val="FF0000"/>
-                    </a:solidFill>
-                    <a:latin typeface="Arial" charset="0"/>
-                    <a:ea typeface="Arial" charset="0"/>
-                    <a:cs typeface="Arial" charset="0"/>
-                  </a:rPr>
-                  <a:t>day</a:t>
+                  <a:t>the load data of the previous day</a:t>
                 </a:r>
                 <a:r>
                   <a:rPr kumimoji="1" lang="ko-KR" altLang="en-US" dirty="0" smtClean="0">
@@ -15274,29 +16905,7 @@
                     <a:ea typeface="Arial" charset="0"/>
                     <a:cs typeface="Arial" charset="0"/>
                   </a:rPr>
-                  <a:t>load </a:t>
-                </a:r>
-                <a:r>
-                  <a:rPr kumimoji="1" lang="en-US" altLang="ko-KR" dirty="0">
-                    <a:solidFill>
-                      <a:srgbClr val="FF0000"/>
-                    </a:solidFill>
-                    <a:latin typeface="Arial" charset="0"/>
-                    <a:ea typeface="Arial" charset="0"/>
-                    <a:cs typeface="Arial" charset="0"/>
-                  </a:rPr>
-                  <a:t>data of </a:t>
-                </a:r>
-                <a:r>
-                  <a:rPr kumimoji="1" lang="en-US" altLang="ko-KR" dirty="0">
-                    <a:solidFill>
-                      <a:srgbClr val="FF0000"/>
-                    </a:solidFill>
-                    <a:latin typeface="Arial" charset="0"/>
-                    <a:ea typeface="Arial" charset="0"/>
-                    <a:cs typeface="Arial" charset="0"/>
-                  </a:rPr>
-                  <a:t>t</a:t>
+                  <a:t>load data of t</a:t>
                 </a:r>
                 <a:r>
                   <a:rPr lang="en-US" altLang="ko-KR" dirty="0">
@@ -15307,18 +16916,7 @@
                     <a:ea typeface="Arial" charset="0"/>
                     <a:cs typeface="Arial" charset="0"/>
                   </a:rPr>
-                  <a:t>he </a:t>
-                </a:r>
-                <a:r>
-                  <a:rPr lang="en-US" altLang="ko-KR" dirty="0">
-                    <a:solidFill>
-                      <a:srgbClr val="FF0000"/>
-                    </a:solidFill>
-                    <a:latin typeface="Arial" charset="0"/>
-                    <a:ea typeface="Arial" charset="0"/>
-                    <a:cs typeface="Arial" charset="0"/>
-                  </a:rPr>
-                  <a:t>same day of the previous week </a:t>
+                  <a:t>he same day of the previous week </a:t>
                 </a:r>
                 <a:r>
                   <a:rPr kumimoji="1" lang="en-US" altLang="ko-KR" dirty="0">
@@ -15450,29 +17048,7 @@
                     <a:ea typeface="Arial" charset="0"/>
                     <a:cs typeface="Arial" charset="0"/>
                   </a:rPr>
-                  <a:t>the load </a:t>
-                </a:r>
-                <a:r>
-                  <a:rPr kumimoji="1" lang="en-US" altLang="ko-KR" dirty="0">
-                    <a:solidFill>
-                      <a:srgbClr val="FF0000"/>
-                    </a:solidFill>
-                    <a:latin typeface="Arial" charset="0"/>
-                    <a:ea typeface="Arial" charset="0"/>
-                    <a:cs typeface="Arial" charset="0"/>
-                  </a:rPr>
-                  <a:t>data of the previous </a:t>
-                </a:r>
-                <a:r>
-                  <a:rPr kumimoji="1" lang="en-US" altLang="ko-KR" dirty="0">
-                    <a:solidFill>
-                      <a:srgbClr val="FF0000"/>
-                    </a:solidFill>
-                    <a:latin typeface="Arial" charset="0"/>
-                    <a:ea typeface="Arial" charset="0"/>
-                    <a:cs typeface="Arial" charset="0"/>
-                  </a:rPr>
-                  <a:t>day</a:t>
+                  <a:t>the load data of the previous day</a:t>
                 </a:r>
                 <a:r>
                   <a:rPr kumimoji="1" lang="ko-KR" altLang="en-US" dirty="0" smtClean="0">
@@ -15640,7 +17216,7 @@
             </p:txBody>
           </p:sp>
         </mc:Choice>
-        <mc:Fallback>
+        <mc:Fallback xmlns="">
           <p:sp>
             <p:nvSpPr>
               <p:cNvPr id="6" name="텍스트 상자 5"/>
@@ -15737,135 +17313,13 @@
   <p:clrMapOvr>
     <a:masterClrMapping/>
   </p:clrMapOvr>
-</p:sld>
-</file>
-
-<file path=ppt/slides/slide17.xml><?xml version="1.0" encoding="utf-8"?>
-<p:sld xmlns:a="http://schemas.openxmlformats.org/drawingml/2006/main" xmlns:r="http://schemas.openxmlformats.org/officeDocument/2006/relationships" xmlns:p="http://schemas.openxmlformats.org/presentationml/2006/main">
-  <p:cSld>
-    <p:spTree>
-      <p:nvGrpSpPr>
-        <p:cNvPr id="1" name=""/>
-        <p:cNvGrpSpPr/>
-        <p:nvPr/>
-      </p:nvGrpSpPr>
-      <p:grpSpPr>
-        <a:xfrm>
-          <a:off x="0" y="0"/>
-          <a:ext cx="0" cy="0"/>
-          <a:chOff x="0" y="0"/>
-          <a:chExt cx="0" cy="0"/>
-        </a:xfrm>
-      </p:grpSpPr>
-      <p:sp>
-        <p:nvSpPr>
-          <p:cNvPr id="2" name="제목 1"/>
-          <p:cNvSpPr>
-            <a:spLocks noGrp="1"/>
-          </p:cNvSpPr>
-          <p:nvPr>
-            <p:ph type="title"/>
-          </p:nvPr>
-        </p:nvSpPr>
-        <p:spPr>
-          <a:xfrm>
-            <a:off x="838200" y="272138"/>
-            <a:ext cx="10515600" cy="688760"/>
-          </a:xfrm>
-        </p:spPr>
-        <p:txBody>
-          <a:bodyPr>
-            <a:normAutofit fontScale="90000"/>
-          </a:bodyPr>
-          <a:lstStyle/>
-          <a:p>
-            <a:r>
-              <a:rPr kumimoji="1" lang="en-US" altLang="ko-KR" b="1" dirty="0" smtClean="0">
-                <a:latin typeface="Arial" charset="0"/>
-                <a:ea typeface="Arial" charset="0"/>
-                <a:cs typeface="Arial" charset="0"/>
-              </a:rPr>
-              <a:t>Experiments</a:t>
-            </a:r>
-            <a:endParaRPr kumimoji="1" lang="ko-KR" altLang="en-US" b="1" dirty="0">
-              <a:latin typeface="Arial" charset="0"/>
-              <a:ea typeface="Arial" charset="0"/>
-              <a:cs typeface="Arial" charset="0"/>
-            </a:endParaRPr>
-          </a:p>
-        </p:txBody>
-      </p:sp>
-      <p:cxnSp>
-        <p:nvCxnSpPr>
-          <p:cNvPr id="5" name="직선 연결선[R] 4"/>
-          <p:cNvCxnSpPr/>
-          <p:nvPr/>
-        </p:nvCxnSpPr>
-        <p:spPr>
-          <a:xfrm>
-            <a:off x="838200" y="1133882"/>
-            <a:ext cx="10515600" cy="0"/>
-          </a:xfrm>
-          <a:prstGeom prst="line">
-            <a:avLst/>
-          </a:prstGeom>
-          <a:ln w="77851" cmpd="tri"/>
-        </p:spPr>
-        <p:style>
-          <a:lnRef idx="1">
-            <a:schemeClr val="accent1"/>
-          </a:lnRef>
-          <a:fillRef idx="0">
-            <a:schemeClr val="accent1"/>
-          </a:fillRef>
-          <a:effectRef idx="0">
-            <a:schemeClr val="accent1"/>
-          </a:effectRef>
-          <a:fontRef idx="minor">
-            <a:schemeClr val="tx1"/>
-          </a:fontRef>
-        </p:style>
-      </p:cxnSp>
-      <p:pic>
-        <p:nvPicPr>
-          <p:cNvPr id="6" name="그림 5"/>
-          <p:cNvPicPr>
-            <a:picLocks noChangeAspect="1"/>
-          </p:cNvPicPr>
-          <p:nvPr/>
-        </p:nvPicPr>
-        <p:blipFill>
-          <a:blip r:embed="rId2">
-            <a:extLst>
-              <a:ext uri="{28A0092B-C50C-407E-A947-70E740481C1C}">
-                <a14:useLocalDpi xmlns:a14="http://schemas.microsoft.com/office/drawing/2010/main" val="0"/>
-              </a:ext>
-            </a:extLst>
-          </a:blip>
-          <a:stretch>
-            <a:fillRect/>
-          </a:stretch>
-        </p:blipFill>
-        <p:spPr>
-          <a:xfrm>
-            <a:off x="2749550" y="1524000"/>
-            <a:ext cx="6692900" cy="4737100"/>
-          </a:xfrm>
-          <a:prstGeom prst="rect">
-            <a:avLst/>
-          </a:prstGeom>
-        </p:spPr>
-      </p:pic>
-    </p:spTree>
-    <p:extLst>
-      <p:ext uri="{BB962C8B-B14F-4D97-AF65-F5344CB8AC3E}">
-        <p14:creationId xmlns:p14="http://schemas.microsoft.com/office/powerpoint/2010/main" val="637464843"/>
-      </p:ext>
-    </p:extLst>
-  </p:cSld>
-  <p:clrMapOvr>
-    <a:masterClrMapping/>
-  </p:clrMapOvr>
+  <p:timing>
+    <p:tnLst>
+      <p:par>
+        <p:cTn id="1" dur="indefinite" restart="never" nodeType="tmRoot"/>
+      </p:par>
+    </p:tnLst>
+  </p:timing>
 </p:sld>
 </file>
 
@@ -15909,6 +17363,142 @@
           <a:lstStyle/>
           <a:p>
             <a:r>
+              <a:rPr kumimoji="1" lang="en-US" altLang="ko-KR" b="1" dirty="0" smtClean="0">
+                <a:latin typeface="Arial" charset="0"/>
+                <a:ea typeface="Arial" charset="0"/>
+                <a:cs typeface="Arial" charset="0"/>
+              </a:rPr>
+              <a:t>Experiments</a:t>
+            </a:r>
+            <a:endParaRPr kumimoji="1" lang="ko-KR" altLang="en-US" b="1" dirty="0">
+              <a:latin typeface="Arial" charset="0"/>
+              <a:ea typeface="Arial" charset="0"/>
+              <a:cs typeface="Arial" charset="0"/>
+            </a:endParaRPr>
+          </a:p>
+        </p:txBody>
+      </p:sp>
+      <p:cxnSp>
+        <p:nvCxnSpPr>
+          <p:cNvPr id="5" name="직선 연결선[R] 4"/>
+          <p:cNvCxnSpPr/>
+          <p:nvPr/>
+        </p:nvCxnSpPr>
+        <p:spPr>
+          <a:xfrm>
+            <a:off x="838200" y="1133882"/>
+            <a:ext cx="10515600" cy="0"/>
+          </a:xfrm>
+          <a:prstGeom prst="line">
+            <a:avLst/>
+          </a:prstGeom>
+          <a:ln w="77851" cmpd="tri"/>
+        </p:spPr>
+        <p:style>
+          <a:lnRef idx="1">
+            <a:schemeClr val="accent1"/>
+          </a:lnRef>
+          <a:fillRef idx="0">
+            <a:schemeClr val="accent1"/>
+          </a:fillRef>
+          <a:effectRef idx="0">
+            <a:schemeClr val="accent1"/>
+          </a:effectRef>
+          <a:fontRef idx="minor">
+            <a:schemeClr val="tx1"/>
+          </a:fontRef>
+        </p:style>
+      </p:cxnSp>
+      <p:pic>
+        <p:nvPicPr>
+          <p:cNvPr id="3" name="그림 2"/>
+          <p:cNvPicPr>
+            <a:picLocks noChangeAspect="1"/>
+          </p:cNvPicPr>
+          <p:nvPr/>
+        </p:nvPicPr>
+        <p:blipFill>
+          <a:blip r:embed="rId2">
+            <a:extLst>
+              <a:ext uri="{28A0092B-C50C-407E-A947-70E740481C1C}">
+                <a14:useLocalDpi xmlns:a14="http://schemas.microsoft.com/office/drawing/2010/main" val="0"/>
+              </a:ext>
+            </a:extLst>
+          </a:blip>
+          <a:stretch>
+            <a:fillRect/>
+          </a:stretch>
+        </p:blipFill>
+        <p:spPr>
+          <a:xfrm>
+            <a:off x="2717800" y="1531937"/>
+            <a:ext cx="6756400" cy="4838700"/>
+          </a:xfrm>
+          <a:prstGeom prst="rect">
+            <a:avLst/>
+          </a:prstGeom>
+        </p:spPr>
+      </p:pic>
+    </p:spTree>
+    <p:extLst>
+      <p:ext uri="{BB962C8B-B14F-4D97-AF65-F5344CB8AC3E}">
+        <p14:creationId xmlns:p14="http://schemas.microsoft.com/office/powerpoint/2010/main" val="637464843"/>
+      </p:ext>
+    </p:extLst>
+  </p:cSld>
+  <p:clrMapOvr>
+    <a:masterClrMapping/>
+  </p:clrMapOvr>
+  <p:timing>
+    <p:tnLst>
+      <p:par>
+        <p:cTn id="1" dur="indefinite" restart="never" nodeType="tmRoot"/>
+      </p:par>
+    </p:tnLst>
+  </p:timing>
+</p:sld>
+</file>
+
+<file path=ppt/slides/slide19.xml><?xml version="1.0" encoding="utf-8"?>
+<p:sld xmlns:a="http://schemas.openxmlformats.org/drawingml/2006/main" xmlns:r="http://schemas.openxmlformats.org/officeDocument/2006/relationships" xmlns:p="http://schemas.openxmlformats.org/presentationml/2006/main">
+  <p:cSld>
+    <p:spTree>
+      <p:nvGrpSpPr>
+        <p:cNvPr id="1" name=""/>
+        <p:cNvGrpSpPr/>
+        <p:nvPr/>
+      </p:nvGrpSpPr>
+      <p:grpSpPr>
+        <a:xfrm>
+          <a:off x="0" y="0"/>
+          <a:ext cx="0" cy="0"/>
+          <a:chOff x="0" y="0"/>
+          <a:chExt cx="0" cy="0"/>
+        </a:xfrm>
+      </p:grpSpPr>
+      <p:sp>
+        <p:nvSpPr>
+          <p:cNvPr id="2" name="제목 1"/>
+          <p:cNvSpPr>
+            <a:spLocks noGrp="1"/>
+          </p:cNvSpPr>
+          <p:nvPr>
+            <p:ph type="title"/>
+          </p:nvPr>
+        </p:nvSpPr>
+        <p:spPr>
+          <a:xfrm>
+            <a:off x="838200" y="272138"/>
+            <a:ext cx="10515600" cy="688760"/>
+          </a:xfrm>
+        </p:spPr>
+        <p:txBody>
+          <a:bodyPr>
+            <a:normAutofit fontScale="90000"/>
+          </a:bodyPr>
+          <a:lstStyle/>
+          <a:p>
+            <a:r>
               <a:rPr kumimoji="1" lang="en-US" altLang="ko-KR" dirty="0" smtClean="0">
                 <a:latin typeface="Arial" charset="0"/>
                 <a:ea typeface="Arial" charset="0"/>
@@ -16008,8 +17598,8 @@
           </a:fontRef>
         </p:style>
       </p:cxnSp>
-      <mc:AlternateContent xmlns:mc="http://schemas.openxmlformats.org/markup-compatibility/2006">
-        <mc:Choice xmlns:a14="http://schemas.microsoft.com/office/drawing/2010/main" Requires="a14">
+      <mc:AlternateContent xmlns:mc="http://schemas.openxmlformats.org/markup-compatibility/2006" xmlns:a14="http://schemas.microsoft.com/office/drawing/2010/main">
+        <mc:Choice Requires="a14">
           <p:graphicFrame>
             <p:nvGraphicFramePr>
               <p:cNvPr id="6" name="표 5"/>
@@ -16252,13 +17842,7 @@
                                     <a:rPr lang="en-US" altLang="ko-KR" b="0" i="1" smtClean="0">
                                       <a:latin typeface="Cambria Math" charset="0"/>
                                     </a:rPr>
-                                    <m:t>,</m:t>
-                                  </m:r>
-                                  <m:r>
-                                    <a:rPr lang="en-US" altLang="ko-KR" b="0" i="1" smtClean="0">
-                                      <a:latin typeface="Cambria Math" charset="0"/>
-                                    </a:rPr>
-                                    <m:t>…,</m:t>
+                                    <m:t>,…,</m:t>
                                   </m:r>
                                   <m:sSub>
                                     <m:sSubPr>
@@ -16289,19 +17873,7 @@
                                     <a:rPr lang="en-US" altLang="ko-KR" b="0" i="1" smtClean="0">
                                       <a:latin typeface="Cambria Math" charset="0"/>
                                     </a:rPr>
-                                    <m:t>(</m:t>
-                                  </m:r>
-                                  <m:r>
-                                    <a:rPr lang="en-US" altLang="ko-KR" b="0" i="1" smtClean="0">
-                                      <a:latin typeface="Cambria Math" charset="0"/>
-                                    </a:rPr>
-                                    <m:t>48</m:t>
-                                  </m:r>
-                                  <m:r>
-                                    <a:rPr lang="en-US" altLang="ko-KR" b="0" i="1" smtClean="0">
-                                      <a:latin typeface="Cambria Math" charset="0"/>
-                                    </a:rPr>
-                                    <m:t>)</m:t>
+                                    <m:t>(48)</m:t>
                                   </m:r>
                                 </m:e>
                               </m:d>
@@ -18263,7 +19835,7 @@
             </a:graphic>
           </p:graphicFrame>
         </mc:Choice>
-        <mc:Fallback>
+        <mc:Fallback xmlns="">
           <p:graphicFrame>
             <p:nvGraphicFramePr>
               <p:cNvPr id="6" name="표 5"/>
@@ -18672,10 +20244,17 @@
   <p:clrMapOvr>
     <a:masterClrMapping/>
   </p:clrMapOvr>
+  <p:timing>
+    <p:tnLst>
+      <p:par>
+        <p:cTn id="1" dur="indefinite" restart="never" nodeType="tmRoot"/>
+      </p:par>
+    </p:tnLst>
+  </p:timing>
 </p:sld>
 </file>
 
-<file path=ppt/slides/slide19.xml><?xml version="1.0" encoding="utf-8"?>
+<file path=ppt/slides/slide2.xml><?xml version="1.0" encoding="utf-8"?>
 <p:sld xmlns:a="http://schemas.openxmlformats.org/drawingml/2006/main" xmlns:r="http://schemas.openxmlformats.org/officeDocument/2006/relationships" xmlns:p="http://schemas.openxmlformats.org/presentationml/2006/main">
   <p:cSld>
     <p:spTree>
@@ -18715,12 +20294,68 @@
           <a:lstStyle/>
           <a:p>
             <a:r>
+              <a:rPr kumimoji="1" lang="en-US" altLang="ko-KR" b="1" dirty="0" smtClean="0">
+                <a:latin typeface="Arial" charset="0"/>
+                <a:ea typeface="Arial" charset="0"/>
+                <a:cs typeface="Arial" charset="0"/>
+              </a:rPr>
+              <a:t>Contents</a:t>
+            </a:r>
+            <a:endParaRPr kumimoji="1" lang="ko-KR" altLang="en-US" b="1" dirty="0">
+              <a:latin typeface="Arial" charset="0"/>
+              <a:ea typeface="Arial" charset="0"/>
+              <a:cs typeface="Arial" charset="0"/>
+            </a:endParaRPr>
+          </a:p>
+        </p:txBody>
+      </p:sp>
+      <p:sp>
+        <p:nvSpPr>
+          <p:cNvPr id="3" name="내용 개체 틀 2"/>
+          <p:cNvSpPr>
+            <a:spLocks noGrp="1"/>
+          </p:cNvSpPr>
+          <p:nvPr>
+            <p:ph idx="1"/>
+          </p:nvPr>
+        </p:nvSpPr>
+        <p:spPr>
+          <a:xfrm>
+            <a:off x="838200" y="1363847"/>
+            <a:ext cx="10515600" cy="5284922"/>
+          </a:xfrm>
+        </p:spPr>
+        <p:txBody>
+          <a:bodyPr>
+            <a:normAutofit fontScale="92500" lnSpcReduction="20000"/>
+          </a:bodyPr>
+          <a:lstStyle/>
+          <a:p>
+            <a:r>
+              <a:rPr kumimoji="1" lang="en-US" altLang="ko-KR" dirty="0" smtClean="0">
+                <a:latin typeface="Arial" charset="0"/>
+                <a:ea typeface="Arial" charset="0"/>
+                <a:cs typeface="Arial" charset="0"/>
+              </a:rPr>
+              <a:t>Introduction</a:t>
+            </a:r>
+          </a:p>
+          <a:p>
+            <a:r>
+              <a:rPr kumimoji="1" lang="en-US" altLang="ko-KR" dirty="0" smtClean="0">
+                <a:latin typeface="Arial" charset="0"/>
+                <a:ea typeface="Arial" charset="0"/>
+                <a:cs typeface="Arial" charset="0"/>
+              </a:rPr>
+              <a:t>Hierarchical extreme </a:t>
+            </a:r>
+            <a:r>
               <a:rPr kumimoji="1" lang="en-US" altLang="ko-KR" dirty="0">
                 <a:latin typeface="Arial" charset="0"/>
                 <a:ea typeface="Arial" charset="0"/>
                 <a:cs typeface="Arial" charset="0"/>
               </a:rPr>
-              <a:t>Learning </a:t>
+              <a:t>l</a:t>
             </a:r>
             <a:r>
               <a:rPr kumimoji="1" lang="en-US" altLang="ko-KR" dirty="0" smtClean="0">
@@ -18728,7 +20363,297 @@
                 <a:ea typeface="Arial" charset="0"/>
                 <a:cs typeface="Arial" charset="0"/>
               </a:rPr>
-              <a:t>Algorithm</a:t>
+              <a:t>earning </a:t>
+            </a:r>
+            <a:r>
+              <a:rPr kumimoji="1" lang="en-US" altLang="ko-KR" dirty="0">
+                <a:latin typeface="Arial" charset="0"/>
+                <a:ea typeface="Arial" charset="0"/>
+                <a:cs typeface="Arial" charset="0"/>
+              </a:rPr>
+              <a:t>m</a:t>
+            </a:r>
+            <a:r>
+              <a:rPr kumimoji="1" lang="en-US" altLang="ko-KR" dirty="0" smtClean="0">
+                <a:latin typeface="Arial" charset="0"/>
+                <a:ea typeface="Arial" charset="0"/>
+                <a:cs typeface="Arial" charset="0"/>
+              </a:rPr>
+              <a:t>achine (H-ELM)</a:t>
+            </a:r>
+          </a:p>
+          <a:p>
+            <a:pPr lvl="1"/>
+            <a:r>
+              <a:rPr kumimoji="1" lang="en-US" altLang="ko-KR" dirty="0">
+                <a:solidFill>
+                  <a:schemeClr val="bg1">
+                    <a:lumMod val="50000"/>
+                  </a:schemeClr>
+                </a:solidFill>
+                <a:latin typeface="Arial" charset="0"/>
+                <a:ea typeface="Arial" charset="0"/>
+                <a:cs typeface="Arial" charset="0"/>
+              </a:rPr>
+              <a:t>Pros &amp;</a:t>
+            </a:r>
+            <a:r>
+              <a:rPr kumimoji="1" lang="en-US" altLang="ko-KR" dirty="0" smtClean="0">
+                <a:solidFill>
+                  <a:schemeClr val="bg1">
+                    <a:lumMod val="50000"/>
+                  </a:schemeClr>
+                </a:solidFill>
+                <a:latin typeface="Arial" charset="0"/>
+                <a:ea typeface="Arial" charset="0"/>
+                <a:cs typeface="Arial" charset="0"/>
+              </a:rPr>
+              <a:t> </a:t>
+            </a:r>
+            <a:r>
+              <a:rPr kumimoji="1" lang="en-US" altLang="ko-KR" dirty="0">
+                <a:solidFill>
+                  <a:schemeClr val="bg1">
+                    <a:lumMod val="50000"/>
+                  </a:schemeClr>
+                </a:solidFill>
+                <a:latin typeface="Arial" charset="0"/>
+                <a:ea typeface="Arial" charset="0"/>
+                <a:cs typeface="Arial" charset="0"/>
+              </a:rPr>
+              <a:t>cons of </a:t>
+            </a:r>
+            <a:r>
+              <a:rPr kumimoji="1" lang="en-US" altLang="ko-KR" dirty="0" smtClean="0">
+                <a:solidFill>
+                  <a:schemeClr val="bg1">
+                    <a:lumMod val="50000"/>
+                  </a:schemeClr>
+                </a:solidFill>
+                <a:latin typeface="Arial" charset="0"/>
+                <a:ea typeface="Arial" charset="0"/>
+                <a:cs typeface="Arial" charset="0"/>
+              </a:rPr>
+              <a:t>ELM</a:t>
+            </a:r>
+          </a:p>
+          <a:p>
+            <a:pPr lvl="1"/>
+            <a:r>
+              <a:rPr kumimoji="1" lang="en-US" altLang="ko-KR" dirty="0" smtClean="0">
+                <a:solidFill>
+                  <a:schemeClr val="bg1">
+                    <a:lumMod val="50000"/>
+                  </a:schemeClr>
+                </a:solidFill>
+                <a:latin typeface="Arial" charset="0"/>
+                <a:ea typeface="Arial" charset="0"/>
+                <a:cs typeface="Arial" charset="0"/>
+              </a:rPr>
+              <a:t>Comparison </a:t>
+            </a:r>
+            <a:r>
+              <a:rPr kumimoji="1" lang="en-US" altLang="ko-KR" dirty="0">
+                <a:solidFill>
+                  <a:schemeClr val="bg1">
+                    <a:lumMod val="50000"/>
+                  </a:schemeClr>
+                </a:solidFill>
+                <a:latin typeface="Arial" charset="0"/>
+                <a:ea typeface="Arial" charset="0"/>
+                <a:cs typeface="Arial" charset="0"/>
+              </a:rPr>
+              <a:t>b</a:t>
+            </a:r>
+            <a:r>
+              <a:rPr kumimoji="1" lang="en-US" altLang="ko-KR" dirty="0" smtClean="0">
+                <a:solidFill>
+                  <a:schemeClr val="bg1">
+                    <a:lumMod val="50000"/>
+                  </a:schemeClr>
+                </a:solidFill>
+                <a:latin typeface="Arial" charset="0"/>
+                <a:ea typeface="Arial" charset="0"/>
+                <a:cs typeface="Arial" charset="0"/>
+              </a:rPr>
+              <a:t>etween ELM </a:t>
+            </a:r>
+            <a:r>
+              <a:rPr kumimoji="1" lang="en-US" altLang="ko-KR" dirty="0">
+                <a:solidFill>
+                  <a:schemeClr val="bg1">
+                    <a:lumMod val="50000"/>
+                  </a:schemeClr>
+                </a:solidFill>
+                <a:latin typeface="Arial" charset="0"/>
+                <a:ea typeface="Arial" charset="0"/>
+                <a:cs typeface="Arial" charset="0"/>
+              </a:rPr>
+              <a:t>&amp; </a:t>
+            </a:r>
+            <a:r>
+              <a:rPr kumimoji="1" lang="en-US" altLang="ko-KR" dirty="0" smtClean="0">
+                <a:solidFill>
+                  <a:schemeClr val="bg1">
+                    <a:lumMod val="50000"/>
+                  </a:schemeClr>
+                </a:solidFill>
+                <a:latin typeface="Arial" charset="0"/>
+                <a:ea typeface="Arial" charset="0"/>
+                <a:cs typeface="Arial" charset="0"/>
+              </a:rPr>
+              <a:t>H-ELM</a:t>
+            </a:r>
+          </a:p>
+          <a:p>
+            <a:r>
+              <a:rPr kumimoji="1" lang="en-US" altLang="ko-KR" dirty="0" smtClean="0">
+                <a:latin typeface="Arial" charset="0"/>
+                <a:ea typeface="Arial" charset="0"/>
+                <a:cs typeface="Arial" charset="0"/>
+              </a:rPr>
+              <a:t>Implemented structure</a:t>
+            </a:r>
+          </a:p>
+          <a:p>
+            <a:pPr lvl="1"/>
+            <a:r>
+              <a:rPr kumimoji="1" lang="en-US" altLang="ko-KR" dirty="0">
+                <a:solidFill>
+                  <a:schemeClr val="bg1">
+                    <a:lumMod val="50000"/>
+                  </a:schemeClr>
+                </a:solidFill>
+                <a:latin typeface="Arial" charset="0"/>
+                <a:ea typeface="Arial" charset="0"/>
+                <a:cs typeface="Arial" charset="0"/>
+              </a:rPr>
+              <a:t>Pearson’s Correlation Coefficient</a:t>
+            </a:r>
+          </a:p>
+          <a:p>
+            <a:pPr lvl="1"/>
+            <a:r>
+              <a:rPr kumimoji="1" lang="en-US" altLang="ko-KR" dirty="0" smtClean="0">
+                <a:solidFill>
+                  <a:schemeClr val="bg1">
+                    <a:lumMod val="50000"/>
+                  </a:schemeClr>
+                </a:solidFill>
+                <a:latin typeface="Arial" charset="0"/>
+                <a:ea typeface="Arial" charset="0"/>
+                <a:cs typeface="Arial" charset="0"/>
+              </a:rPr>
+              <a:t>Developed structure in this paper</a:t>
+            </a:r>
+          </a:p>
+          <a:p>
+            <a:r>
+              <a:rPr kumimoji="1" lang="en-US" altLang="ko-KR" dirty="0" smtClean="0">
+                <a:latin typeface="Arial" charset="0"/>
+                <a:ea typeface="Arial" charset="0"/>
+                <a:cs typeface="Arial" charset="0"/>
+              </a:rPr>
+              <a:t>Experiments</a:t>
+            </a:r>
+          </a:p>
+          <a:p>
+            <a:pPr lvl="1"/>
+            <a:r>
+              <a:rPr kumimoji="1" lang="en-US" altLang="ko-KR" dirty="0" smtClean="0">
+                <a:solidFill>
+                  <a:schemeClr val="bg1">
+                    <a:lumMod val="50000"/>
+                  </a:schemeClr>
+                </a:solidFill>
+                <a:latin typeface="Arial" charset="0"/>
+                <a:ea typeface="Arial" charset="0"/>
+                <a:cs typeface="Arial" charset="0"/>
+              </a:rPr>
+              <a:t>Load data</a:t>
+            </a:r>
+          </a:p>
+          <a:p>
+            <a:pPr lvl="1"/>
+            <a:r>
+              <a:rPr kumimoji="1" lang="en-US" altLang="ko-KR" dirty="0" smtClean="0">
+                <a:solidFill>
+                  <a:schemeClr val="bg1">
+                    <a:lumMod val="50000"/>
+                  </a:schemeClr>
+                </a:solidFill>
+                <a:latin typeface="Arial" charset="0"/>
+                <a:ea typeface="Arial" charset="0"/>
+                <a:cs typeface="Arial" charset="0"/>
+              </a:rPr>
+              <a:t>Learning algorithm : ELM vs. H-ELM</a:t>
+            </a:r>
+          </a:p>
+          <a:p>
+            <a:pPr lvl="1"/>
+            <a:r>
+              <a:rPr kumimoji="1" lang="en-US" altLang="ko-KR" dirty="0">
+                <a:solidFill>
+                  <a:schemeClr val="bg1">
+                    <a:lumMod val="50000"/>
+                  </a:schemeClr>
+                </a:solidFill>
+                <a:latin typeface="Arial" charset="0"/>
+                <a:ea typeface="Arial" charset="0"/>
+                <a:cs typeface="Arial" charset="0"/>
+              </a:rPr>
+              <a:t>Performance comparing </a:t>
+            </a:r>
+            <a:r>
+              <a:rPr kumimoji="1" lang="en-US" altLang="ko-KR" dirty="0" smtClean="0">
+                <a:solidFill>
+                  <a:schemeClr val="bg1">
+                    <a:lumMod val="50000"/>
+                  </a:schemeClr>
+                </a:solidFill>
+                <a:latin typeface="Arial" charset="0"/>
+                <a:ea typeface="Arial" charset="0"/>
+                <a:cs typeface="Arial" charset="0"/>
+              </a:rPr>
+              <a:t>measurements</a:t>
+            </a:r>
+          </a:p>
+          <a:p>
+            <a:r>
+              <a:rPr kumimoji="1" lang="en-US" altLang="ko-KR" dirty="0">
+                <a:latin typeface="Arial" charset="0"/>
+                <a:ea typeface="Arial" charset="0"/>
+                <a:cs typeface="Arial" charset="0"/>
+              </a:rPr>
+              <a:t>R</a:t>
+            </a:r>
+            <a:r>
+              <a:rPr kumimoji="1" lang="en-US" altLang="ko-KR" dirty="0" smtClean="0">
+                <a:latin typeface="Arial" charset="0"/>
+                <a:ea typeface="Arial" charset="0"/>
+                <a:cs typeface="Arial" charset="0"/>
+              </a:rPr>
+              <a:t>esults</a:t>
+            </a:r>
+          </a:p>
+          <a:p>
+            <a:r>
+              <a:rPr kumimoji="1" lang="en-US" altLang="ko-KR" dirty="0" smtClean="0">
+                <a:latin typeface="Arial" charset="0"/>
+                <a:ea typeface="Arial" charset="0"/>
+                <a:cs typeface="Arial" charset="0"/>
+              </a:rPr>
+              <a:t>Conclusion</a:t>
+            </a:r>
+          </a:p>
+          <a:p>
+            <a:r>
+              <a:rPr kumimoji="1" lang="en-US" altLang="ko-KR" dirty="0" smtClean="0">
+                <a:latin typeface="Arial" charset="0"/>
+                <a:ea typeface="Arial" charset="0"/>
+                <a:cs typeface="Arial" charset="0"/>
+              </a:rPr>
+              <a:t>References</a:t>
             </a:r>
             <a:endParaRPr kumimoji="1" lang="ko-KR" altLang="en-US" dirty="0">
               <a:latin typeface="Arial" charset="0"/>
@@ -18738,8 +20663,122 @@
           </a:p>
         </p:txBody>
       </p:sp>
-      <mc:AlternateContent xmlns:mc="http://schemas.openxmlformats.org/markup-compatibility/2006">
-        <mc:Choice xmlns:a14="http://schemas.microsoft.com/office/drawing/2010/main" Requires="a14">
+      <p:cxnSp>
+        <p:nvCxnSpPr>
+          <p:cNvPr id="5" name="직선 연결선[R] 4"/>
+          <p:cNvCxnSpPr/>
+          <p:nvPr/>
+        </p:nvCxnSpPr>
+        <p:spPr>
+          <a:xfrm>
+            <a:off x="838200" y="1133882"/>
+            <a:ext cx="10515600" cy="0"/>
+          </a:xfrm>
+          <a:prstGeom prst="line">
+            <a:avLst/>
+          </a:prstGeom>
+          <a:ln w="77851" cmpd="tri"/>
+        </p:spPr>
+        <p:style>
+          <a:lnRef idx="1">
+            <a:schemeClr val="accent1"/>
+          </a:lnRef>
+          <a:fillRef idx="0">
+            <a:schemeClr val="accent1"/>
+          </a:fillRef>
+          <a:effectRef idx="0">
+            <a:schemeClr val="accent1"/>
+          </a:effectRef>
+          <a:fontRef idx="minor">
+            <a:schemeClr val="tx1"/>
+          </a:fontRef>
+        </p:style>
+      </p:cxnSp>
+    </p:spTree>
+    <p:extLst>
+      <p:ext uri="{BB962C8B-B14F-4D97-AF65-F5344CB8AC3E}">
+        <p14:creationId xmlns:p14="http://schemas.microsoft.com/office/powerpoint/2010/main" val="1823463736"/>
+      </p:ext>
+    </p:extLst>
+  </p:cSld>
+  <p:clrMapOvr>
+    <a:masterClrMapping/>
+  </p:clrMapOvr>
+  <p:timing>
+    <p:tnLst>
+      <p:par>
+        <p:cTn id="1" dur="indefinite" restart="never" nodeType="tmRoot"/>
+      </p:par>
+    </p:tnLst>
+  </p:timing>
+</p:sld>
+</file>
+
+<file path=ppt/slides/slide20.xml><?xml version="1.0" encoding="utf-8"?>
+<p:sld xmlns:a="http://schemas.openxmlformats.org/drawingml/2006/main" xmlns:r="http://schemas.openxmlformats.org/officeDocument/2006/relationships" xmlns:p="http://schemas.openxmlformats.org/presentationml/2006/main">
+  <p:cSld>
+    <p:spTree>
+      <p:nvGrpSpPr>
+        <p:cNvPr id="1" name=""/>
+        <p:cNvGrpSpPr/>
+        <p:nvPr/>
+      </p:nvGrpSpPr>
+      <p:grpSpPr>
+        <a:xfrm>
+          <a:off x="0" y="0"/>
+          <a:ext cx="0" cy="0"/>
+          <a:chOff x="0" y="0"/>
+          <a:chExt cx="0" cy="0"/>
+        </a:xfrm>
+      </p:grpSpPr>
+      <p:sp>
+        <p:nvSpPr>
+          <p:cNvPr id="2" name="제목 1"/>
+          <p:cNvSpPr>
+            <a:spLocks noGrp="1"/>
+          </p:cNvSpPr>
+          <p:nvPr>
+            <p:ph type="title"/>
+          </p:nvPr>
+        </p:nvSpPr>
+        <p:spPr>
+          <a:xfrm>
+            <a:off x="838200" y="272138"/>
+            <a:ext cx="10515600" cy="688760"/>
+          </a:xfrm>
+        </p:spPr>
+        <p:txBody>
+          <a:bodyPr>
+            <a:normAutofit fontScale="90000"/>
+          </a:bodyPr>
+          <a:lstStyle/>
+          <a:p>
+            <a:r>
+              <a:rPr kumimoji="1" lang="en-US" altLang="ko-KR" dirty="0">
+                <a:latin typeface="Arial" charset="0"/>
+                <a:ea typeface="Arial" charset="0"/>
+                <a:cs typeface="Arial" charset="0"/>
+              </a:rPr>
+              <a:t>Learning </a:t>
+            </a:r>
+            <a:r>
+              <a:rPr kumimoji="1" lang="en-US" altLang="ko-KR" dirty="0" smtClean="0">
+                <a:latin typeface="Arial" charset="0"/>
+                <a:ea typeface="Arial" charset="0"/>
+                <a:cs typeface="Arial" charset="0"/>
+              </a:rPr>
+              <a:t>Algorithm</a:t>
+            </a:r>
+            <a:endParaRPr kumimoji="1" lang="ko-KR" altLang="en-US" dirty="0">
+              <a:latin typeface="Arial" charset="0"/>
+              <a:ea typeface="Arial" charset="0"/>
+              <a:cs typeface="Arial" charset="0"/>
+            </a:endParaRPr>
+          </a:p>
+        </p:txBody>
+      </p:sp>
+      <mc:AlternateContent xmlns:mc="http://schemas.openxmlformats.org/markup-compatibility/2006" xmlns:a14="http://schemas.microsoft.com/office/drawing/2010/main">
+        <mc:Choice Requires="a14">
           <p:sp>
             <p:nvSpPr>
               <p:cNvPr id="3" name="내용 개체 틀 2"/>
@@ -18912,15 +20951,7 @@
                     <a:ea typeface="Arial" charset="0"/>
                     <a:cs typeface="Arial" charset="0"/>
                   </a:rPr>
-                  <a:t>RMSE</a:t>
-                </a:r>
-                <a:r>
-                  <a:rPr kumimoji="1" lang="en-US" altLang="ko-KR" dirty="0" smtClean="0">
-                    <a:latin typeface="Arial" charset="0"/>
-                    <a:ea typeface="Arial" charset="0"/>
-                    <a:cs typeface="Arial" charset="0"/>
-                  </a:rPr>
-                  <a:t> </a:t>
+                  <a:t>RMSE </a:t>
                 </a:r>
                 <a:r>
                   <a:rPr kumimoji="1" lang="en-US" altLang="ko-KR" dirty="0">
@@ -18955,7 +20986,7 @@
             </p:txBody>
           </p:sp>
         </mc:Choice>
-        <mc:Fallback>
+        <mc:Fallback xmlns="">
           <p:sp>
             <p:nvSpPr>
               <p:cNvPr id="3" name="내용 개체 틀 2"/>
@@ -19071,10 +21102,17 @@
   <p:clrMapOvr>
     <a:masterClrMapping/>
   </p:clrMapOvr>
+  <p:timing>
+    <p:tnLst>
+      <p:par>
+        <p:cTn id="1" dur="indefinite" restart="never" nodeType="tmRoot"/>
+      </p:par>
+    </p:tnLst>
+  </p:timing>
 </p:sld>
 </file>
 
-<file path=ppt/slides/slide2.xml><?xml version="1.0" encoding="utf-8"?>
+<file path=ppt/slides/slide21.xml><?xml version="1.0" encoding="utf-8"?>
 <p:sld xmlns:a="http://schemas.openxmlformats.org/drawingml/2006/main" xmlns:r="http://schemas.openxmlformats.org/officeDocument/2006/relationships" xmlns:p="http://schemas.openxmlformats.org/presentationml/2006/main">
   <p:cSld>
     <p:spTree>
@@ -19114,412 +21152,20 @@
           <a:lstStyle/>
           <a:p>
             <a:r>
-              <a:rPr kumimoji="1" lang="en-US" altLang="ko-KR" b="1" dirty="0" smtClean="0">
-                <a:latin typeface="Arial" charset="0"/>
-                <a:ea typeface="Arial" charset="0"/>
-                <a:cs typeface="Arial" charset="0"/>
-              </a:rPr>
-              <a:t>Contents</a:t>
-            </a:r>
-            <a:endParaRPr kumimoji="1" lang="ko-KR" altLang="en-US" b="1" dirty="0">
-              <a:latin typeface="Arial" charset="0"/>
-              <a:ea typeface="Arial" charset="0"/>
-              <a:cs typeface="Arial" charset="0"/>
-            </a:endParaRPr>
-          </a:p>
-        </p:txBody>
-      </p:sp>
-      <p:sp>
-        <p:nvSpPr>
-          <p:cNvPr id="3" name="내용 개체 틀 2"/>
-          <p:cNvSpPr>
-            <a:spLocks noGrp="1"/>
-          </p:cNvSpPr>
-          <p:nvPr>
-            <p:ph idx="1"/>
-          </p:nvPr>
-        </p:nvSpPr>
-        <p:spPr>
-          <a:xfrm>
-            <a:off x="838200" y="1363847"/>
-            <a:ext cx="10515600" cy="5284922"/>
-          </a:xfrm>
-        </p:spPr>
-        <p:txBody>
-          <a:bodyPr>
-            <a:normAutofit fontScale="92500" lnSpcReduction="10000"/>
-          </a:bodyPr>
-          <a:lstStyle/>
-          <a:p>
+              <a:rPr kumimoji="1" lang="en-US" altLang="ko-KR" dirty="0">
+                <a:latin typeface="Arial" charset="0"/>
+                <a:ea typeface="Arial" charset="0"/>
+                <a:cs typeface="Arial" charset="0"/>
+              </a:rPr>
+              <a:t>Learning </a:t>
+            </a:r>
             <a:r>
               <a:rPr kumimoji="1" lang="en-US" altLang="ko-KR" dirty="0" smtClean="0">
                 <a:latin typeface="Arial" charset="0"/>
                 <a:ea typeface="Arial" charset="0"/>
                 <a:cs typeface="Arial" charset="0"/>
               </a:rPr>
-              <a:t>Introduction</a:t>
-            </a:r>
-          </a:p>
-          <a:p>
-            <a:r>
-              <a:rPr kumimoji="1" lang="en-US" altLang="ko-KR" dirty="0" smtClean="0">
-                <a:latin typeface="Arial" charset="0"/>
-                <a:ea typeface="Arial" charset="0"/>
-                <a:cs typeface="Arial" charset="0"/>
-              </a:rPr>
-              <a:t>Hierarchical extreme </a:t>
-            </a:r>
-            <a:r>
-              <a:rPr kumimoji="1" lang="en-US" altLang="ko-KR" dirty="0">
-                <a:latin typeface="Arial" charset="0"/>
-                <a:ea typeface="Arial" charset="0"/>
-                <a:cs typeface="Arial" charset="0"/>
-              </a:rPr>
-              <a:t>l</a:t>
-            </a:r>
-            <a:r>
-              <a:rPr kumimoji="1" lang="en-US" altLang="ko-KR" dirty="0" smtClean="0">
-                <a:latin typeface="Arial" charset="0"/>
-                <a:ea typeface="Arial" charset="0"/>
-                <a:cs typeface="Arial" charset="0"/>
-              </a:rPr>
-              <a:t>earning </a:t>
-            </a:r>
-            <a:r>
-              <a:rPr kumimoji="1" lang="en-US" altLang="ko-KR" dirty="0">
-                <a:latin typeface="Arial" charset="0"/>
-                <a:ea typeface="Arial" charset="0"/>
-                <a:cs typeface="Arial" charset="0"/>
-              </a:rPr>
-              <a:t>m</a:t>
-            </a:r>
-            <a:r>
-              <a:rPr kumimoji="1" lang="en-US" altLang="ko-KR" dirty="0" smtClean="0">
-                <a:latin typeface="Arial" charset="0"/>
-                <a:ea typeface="Arial" charset="0"/>
-                <a:cs typeface="Arial" charset="0"/>
-              </a:rPr>
-              <a:t>achine (H-ELM)</a:t>
-            </a:r>
-          </a:p>
-          <a:p>
-            <a:pPr lvl="1"/>
-            <a:r>
-              <a:rPr kumimoji="1" lang="en-US" altLang="ko-KR" dirty="0">
-                <a:solidFill>
-                  <a:schemeClr val="bg1">
-                    <a:lumMod val="50000"/>
-                  </a:schemeClr>
-                </a:solidFill>
-                <a:latin typeface="Arial" charset="0"/>
-                <a:ea typeface="Arial" charset="0"/>
-                <a:cs typeface="Arial" charset="0"/>
-              </a:rPr>
-              <a:t>Pros &amp;</a:t>
-            </a:r>
-            <a:r>
-              <a:rPr kumimoji="1" lang="en-US" altLang="ko-KR" dirty="0" smtClean="0">
-                <a:solidFill>
-                  <a:schemeClr val="bg1">
-                    <a:lumMod val="50000"/>
-                  </a:schemeClr>
-                </a:solidFill>
-                <a:latin typeface="Arial" charset="0"/>
-                <a:ea typeface="Arial" charset="0"/>
-                <a:cs typeface="Arial" charset="0"/>
-              </a:rPr>
-              <a:t> </a:t>
-            </a:r>
-            <a:r>
-              <a:rPr kumimoji="1" lang="en-US" altLang="ko-KR" dirty="0">
-                <a:solidFill>
-                  <a:schemeClr val="bg1">
-                    <a:lumMod val="50000"/>
-                  </a:schemeClr>
-                </a:solidFill>
-                <a:latin typeface="Arial" charset="0"/>
-                <a:ea typeface="Arial" charset="0"/>
-                <a:cs typeface="Arial" charset="0"/>
-              </a:rPr>
-              <a:t>cons of </a:t>
-            </a:r>
-            <a:r>
-              <a:rPr kumimoji="1" lang="en-US" altLang="ko-KR" dirty="0" smtClean="0">
-                <a:solidFill>
-                  <a:schemeClr val="bg1">
-                    <a:lumMod val="50000"/>
-                  </a:schemeClr>
-                </a:solidFill>
-                <a:latin typeface="Arial" charset="0"/>
-                <a:ea typeface="Arial" charset="0"/>
-                <a:cs typeface="Arial" charset="0"/>
-              </a:rPr>
-              <a:t>ELM</a:t>
-            </a:r>
-          </a:p>
-          <a:p>
-            <a:pPr lvl="1"/>
-            <a:r>
-              <a:rPr kumimoji="1" lang="en-US" altLang="ko-KR" dirty="0" smtClean="0">
-                <a:solidFill>
-                  <a:schemeClr val="bg1">
-                    <a:lumMod val="50000"/>
-                  </a:schemeClr>
-                </a:solidFill>
-                <a:latin typeface="Arial" charset="0"/>
-                <a:ea typeface="Arial" charset="0"/>
-                <a:cs typeface="Arial" charset="0"/>
-              </a:rPr>
-              <a:t>Comparison </a:t>
-            </a:r>
-            <a:r>
-              <a:rPr kumimoji="1" lang="en-US" altLang="ko-KR" dirty="0">
-                <a:solidFill>
-                  <a:schemeClr val="bg1">
-                    <a:lumMod val="50000"/>
-                  </a:schemeClr>
-                </a:solidFill>
-                <a:latin typeface="Arial" charset="0"/>
-                <a:ea typeface="Arial" charset="0"/>
-                <a:cs typeface="Arial" charset="0"/>
-              </a:rPr>
-              <a:t>b</a:t>
-            </a:r>
-            <a:r>
-              <a:rPr kumimoji="1" lang="en-US" altLang="ko-KR" dirty="0" smtClean="0">
-                <a:solidFill>
-                  <a:schemeClr val="bg1">
-                    <a:lumMod val="50000"/>
-                  </a:schemeClr>
-                </a:solidFill>
-                <a:latin typeface="Arial" charset="0"/>
-                <a:ea typeface="Arial" charset="0"/>
-                <a:cs typeface="Arial" charset="0"/>
-              </a:rPr>
-              <a:t>etween ELM </a:t>
-            </a:r>
-            <a:r>
-              <a:rPr kumimoji="1" lang="en-US" altLang="ko-KR" dirty="0">
-                <a:solidFill>
-                  <a:schemeClr val="bg1">
-                    <a:lumMod val="50000"/>
-                  </a:schemeClr>
-                </a:solidFill>
-                <a:latin typeface="Arial" charset="0"/>
-                <a:ea typeface="Arial" charset="0"/>
-                <a:cs typeface="Arial" charset="0"/>
-              </a:rPr>
-              <a:t>&amp; </a:t>
-            </a:r>
-            <a:r>
-              <a:rPr kumimoji="1" lang="en-US" altLang="ko-KR" dirty="0" smtClean="0">
-                <a:solidFill>
-                  <a:schemeClr val="bg1">
-                    <a:lumMod val="50000"/>
-                  </a:schemeClr>
-                </a:solidFill>
-                <a:latin typeface="Arial" charset="0"/>
-                <a:ea typeface="Arial" charset="0"/>
-                <a:cs typeface="Arial" charset="0"/>
-              </a:rPr>
-              <a:t>H-ELM</a:t>
-            </a:r>
-          </a:p>
-          <a:p>
-            <a:r>
-              <a:rPr kumimoji="1" lang="en-US" altLang="ko-KR" dirty="0" smtClean="0">
-                <a:latin typeface="Arial" charset="0"/>
-                <a:ea typeface="Arial" charset="0"/>
-                <a:cs typeface="Arial" charset="0"/>
-              </a:rPr>
-              <a:t>Implementation structure</a:t>
-            </a:r>
-          </a:p>
-          <a:p>
-            <a:pPr lvl="1"/>
-            <a:r>
-              <a:rPr kumimoji="1" lang="en-US" altLang="ko-KR" dirty="0" smtClean="0">
-                <a:solidFill>
-                  <a:schemeClr val="bg1">
-                    <a:lumMod val="50000"/>
-                  </a:schemeClr>
-                </a:solidFill>
-                <a:latin typeface="Arial" charset="0"/>
-                <a:ea typeface="Arial" charset="0"/>
-                <a:cs typeface="Arial" charset="0"/>
-              </a:rPr>
-              <a:t>Developed </a:t>
-            </a:r>
-            <a:r>
-              <a:rPr kumimoji="1" lang="en-US" altLang="ko-KR" dirty="0" smtClean="0">
-                <a:solidFill>
-                  <a:schemeClr val="bg1">
-                    <a:lumMod val="50000"/>
-                  </a:schemeClr>
-                </a:solidFill>
-                <a:latin typeface="Arial" charset="0"/>
-                <a:ea typeface="Arial" charset="0"/>
-                <a:cs typeface="Arial" charset="0"/>
-              </a:rPr>
-              <a:t>structure in this </a:t>
-            </a:r>
-            <a:r>
-              <a:rPr kumimoji="1" lang="en-US" altLang="ko-KR" dirty="0" smtClean="0">
-                <a:solidFill>
-                  <a:schemeClr val="bg1">
-                    <a:lumMod val="50000"/>
-                  </a:schemeClr>
-                </a:solidFill>
-                <a:latin typeface="Arial" charset="0"/>
-                <a:ea typeface="Arial" charset="0"/>
-                <a:cs typeface="Arial" charset="0"/>
-              </a:rPr>
-              <a:t>paper</a:t>
-            </a:r>
-            <a:endParaRPr kumimoji="1" lang="en-US" altLang="ko-KR" dirty="0" smtClean="0">
-              <a:solidFill>
-                <a:schemeClr val="bg1">
-                  <a:lumMod val="50000"/>
-                </a:schemeClr>
-              </a:solidFill>
-              <a:latin typeface="Arial" charset="0"/>
-              <a:ea typeface="Arial" charset="0"/>
-              <a:cs typeface="Arial" charset="0"/>
-            </a:endParaRPr>
-          </a:p>
-          <a:p>
-            <a:r>
-              <a:rPr kumimoji="1" lang="en-US" altLang="ko-KR" dirty="0" smtClean="0">
-                <a:latin typeface="Arial" charset="0"/>
-                <a:ea typeface="Arial" charset="0"/>
-                <a:cs typeface="Arial" charset="0"/>
-              </a:rPr>
-              <a:t>Experiments</a:t>
-            </a:r>
-          </a:p>
-          <a:p>
-            <a:pPr lvl="1"/>
-            <a:r>
-              <a:rPr kumimoji="1" lang="en-US" altLang="ko-KR" dirty="0" smtClean="0">
-                <a:solidFill>
-                  <a:schemeClr val="bg1">
-                    <a:lumMod val="50000"/>
-                  </a:schemeClr>
-                </a:solidFill>
-                <a:latin typeface="Arial" charset="0"/>
-                <a:ea typeface="Arial" charset="0"/>
-                <a:cs typeface="Arial" charset="0"/>
-              </a:rPr>
-              <a:t>Load data</a:t>
-            </a:r>
-          </a:p>
-          <a:p>
-            <a:pPr lvl="1"/>
-            <a:r>
-              <a:rPr kumimoji="1" lang="en-US" altLang="ko-KR" dirty="0" smtClean="0">
-                <a:solidFill>
-                  <a:schemeClr val="bg1">
-                    <a:lumMod val="50000"/>
-                  </a:schemeClr>
-                </a:solidFill>
-                <a:latin typeface="Arial" charset="0"/>
-                <a:ea typeface="Arial" charset="0"/>
-                <a:cs typeface="Arial" charset="0"/>
-              </a:rPr>
-              <a:t>Learning algorithm </a:t>
-            </a:r>
-            <a:r>
-              <a:rPr kumimoji="1" lang="en-US" altLang="ko-KR" dirty="0" smtClean="0">
-                <a:solidFill>
-                  <a:schemeClr val="bg1">
-                    <a:lumMod val="50000"/>
-                  </a:schemeClr>
-                </a:solidFill>
-                <a:latin typeface="Arial" charset="0"/>
-                <a:ea typeface="Arial" charset="0"/>
-                <a:cs typeface="Arial" charset="0"/>
-              </a:rPr>
-              <a:t>: </a:t>
-            </a:r>
-            <a:r>
-              <a:rPr kumimoji="1" lang="en-US" altLang="ko-KR" dirty="0" smtClean="0">
-                <a:solidFill>
-                  <a:schemeClr val="bg1">
-                    <a:lumMod val="50000"/>
-                  </a:schemeClr>
-                </a:solidFill>
-                <a:latin typeface="Arial" charset="0"/>
-                <a:ea typeface="Arial" charset="0"/>
-                <a:cs typeface="Arial" charset="0"/>
-              </a:rPr>
-              <a:t>ELM vs. H-ELM</a:t>
-            </a:r>
-          </a:p>
-          <a:p>
-            <a:pPr lvl="1"/>
-            <a:r>
-              <a:rPr kumimoji="1" lang="en-US" altLang="ko-KR" dirty="0">
-                <a:solidFill>
-                  <a:schemeClr val="bg1">
-                    <a:lumMod val="50000"/>
-                  </a:schemeClr>
-                </a:solidFill>
-                <a:latin typeface="Arial" charset="0"/>
-                <a:ea typeface="Arial" charset="0"/>
-                <a:cs typeface="Arial" charset="0"/>
-              </a:rPr>
-              <a:t>Performance comparing </a:t>
-            </a:r>
-            <a:r>
-              <a:rPr kumimoji="1" lang="en-US" altLang="ko-KR" dirty="0" smtClean="0">
-                <a:solidFill>
-                  <a:schemeClr val="bg1">
-                    <a:lumMod val="50000"/>
-                  </a:schemeClr>
-                </a:solidFill>
-                <a:latin typeface="Arial" charset="0"/>
-                <a:ea typeface="Arial" charset="0"/>
-                <a:cs typeface="Arial" charset="0"/>
-              </a:rPr>
-              <a:t>measurements</a:t>
-            </a:r>
-          </a:p>
-          <a:p>
-            <a:r>
-              <a:rPr kumimoji="1" lang="en-US" altLang="ko-KR" dirty="0">
-                <a:latin typeface="Arial" charset="0"/>
-                <a:ea typeface="Arial" charset="0"/>
-                <a:cs typeface="Arial" charset="0"/>
-              </a:rPr>
-              <a:t>R</a:t>
-            </a:r>
-            <a:r>
-              <a:rPr kumimoji="1" lang="en-US" altLang="ko-KR" dirty="0" smtClean="0">
-                <a:latin typeface="Arial" charset="0"/>
-                <a:ea typeface="Arial" charset="0"/>
-                <a:cs typeface="Arial" charset="0"/>
-              </a:rPr>
-              <a:t>esults</a:t>
-            </a:r>
-          </a:p>
-          <a:p>
-            <a:r>
-              <a:rPr kumimoji="1" lang="en-US" altLang="ko-KR" dirty="0" smtClean="0">
-                <a:latin typeface="Arial" charset="0"/>
-                <a:ea typeface="Arial" charset="0"/>
-                <a:cs typeface="Arial" charset="0"/>
-              </a:rPr>
-              <a:t>Conclusion</a:t>
-            </a:r>
-          </a:p>
-          <a:p>
-            <a:r>
-              <a:rPr kumimoji="1" lang="en-US" altLang="ko-KR" dirty="0" smtClean="0">
-                <a:latin typeface="Arial" charset="0"/>
-                <a:ea typeface="Arial" charset="0"/>
-                <a:cs typeface="Arial" charset="0"/>
-              </a:rPr>
-              <a:t>References</a:t>
+              <a:t>Algorithm</a:t>
             </a:r>
             <a:endParaRPr kumimoji="1" lang="ko-KR" altLang="en-US" dirty="0">
               <a:latin typeface="Arial" charset="0"/>
@@ -19529,122 +21175,8 @@
           </a:p>
         </p:txBody>
       </p:sp>
-      <p:cxnSp>
-        <p:nvCxnSpPr>
-          <p:cNvPr id="5" name="직선 연결선[R] 4"/>
-          <p:cNvCxnSpPr/>
-          <p:nvPr/>
-        </p:nvCxnSpPr>
-        <p:spPr>
-          <a:xfrm>
-            <a:off x="838200" y="1133882"/>
-            <a:ext cx="10515600" cy="0"/>
-          </a:xfrm>
-          <a:prstGeom prst="line">
-            <a:avLst/>
-          </a:prstGeom>
-          <a:ln w="77851" cmpd="tri"/>
-        </p:spPr>
-        <p:style>
-          <a:lnRef idx="1">
-            <a:schemeClr val="accent1"/>
-          </a:lnRef>
-          <a:fillRef idx="0">
-            <a:schemeClr val="accent1"/>
-          </a:fillRef>
-          <a:effectRef idx="0">
-            <a:schemeClr val="accent1"/>
-          </a:effectRef>
-          <a:fontRef idx="minor">
-            <a:schemeClr val="tx1"/>
-          </a:fontRef>
-        </p:style>
-      </p:cxnSp>
-    </p:spTree>
-    <p:extLst>
-      <p:ext uri="{BB962C8B-B14F-4D97-AF65-F5344CB8AC3E}">
-        <p14:creationId xmlns:p14="http://schemas.microsoft.com/office/powerpoint/2010/main" val="1823463736"/>
-      </p:ext>
-    </p:extLst>
-  </p:cSld>
-  <p:clrMapOvr>
-    <a:masterClrMapping/>
-  </p:clrMapOvr>
-  <p:timing>
-    <p:tnLst>
-      <p:par>
-        <p:cTn id="1" dur="indefinite" restart="never" nodeType="tmRoot"/>
-      </p:par>
-    </p:tnLst>
-  </p:timing>
-</p:sld>
-</file>
-
-<file path=ppt/slides/slide20.xml><?xml version="1.0" encoding="utf-8"?>
-<p:sld xmlns:a="http://schemas.openxmlformats.org/drawingml/2006/main" xmlns:r="http://schemas.openxmlformats.org/officeDocument/2006/relationships" xmlns:p="http://schemas.openxmlformats.org/presentationml/2006/main">
-  <p:cSld>
-    <p:spTree>
-      <p:nvGrpSpPr>
-        <p:cNvPr id="1" name=""/>
-        <p:cNvGrpSpPr/>
-        <p:nvPr/>
-      </p:nvGrpSpPr>
-      <p:grpSpPr>
-        <a:xfrm>
-          <a:off x="0" y="0"/>
-          <a:ext cx="0" cy="0"/>
-          <a:chOff x="0" y="0"/>
-          <a:chExt cx="0" cy="0"/>
-        </a:xfrm>
-      </p:grpSpPr>
-      <p:sp>
-        <p:nvSpPr>
-          <p:cNvPr id="2" name="제목 1"/>
-          <p:cNvSpPr>
-            <a:spLocks noGrp="1"/>
-          </p:cNvSpPr>
-          <p:nvPr>
-            <p:ph type="title"/>
-          </p:nvPr>
-        </p:nvSpPr>
-        <p:spPr>
-          <a:xfrm>
-            <a:off x="838200" y="272138"/>
-            <a:ext cx="10515600" cy="688760"/>
-          </a:xfrm>
-        </p:spPr>
-        <p:txBody>
-          <a:bodyPr>
-            <a:normAutofit fontScale="90000"/>
-          </a:bodyPr>
-          <a:lstStyle/>
-          <a:p>
-            <a:r>
-              <a:rPr kumimoji="1" lang="en-US" altLang="ko-KR" dirty="0">
-                <a:latin typeface="Arial" charset="0"/>
-                <a:ea typeface="Arial" charset="0"/>
-                <a:cs typeface="Arial" charset="0"/>
-              </a:rPr>
-              <a:t>Learning </a:t>
-            </a:r>
-            <a:r>
-              <a:rPr kumimoji="1" lang="en-US" altLang="ko-KR" dirty="0" smtClean="0">
-                <a:latin typeface="Arial" charset="0"/>
-                <a:ea typeface="Arial" charset="0"/>
-                <a:cs typeface="Arial" charset="0"/>
-              </a:rPr>
-              <a:t>Algorithm</a:t>
-            </a:r>
-            <a:endParaRPr kumimoji="1" lang="ko-KR" altLang="en-US" dirty="0">
-              <a:latin typeface="Arial" charset="0"/>
-              <a:ea typeface="Arial" charset="0"/>
-              <a:cs typeface="Arial" charset="0"/>
-            </a:endParaRPr>
-          </a:p>
-        </p:txBody>
-      </p:sp>
-      <mc:AlternateContent xmlns:mc="http://schemas.openxmlformats.org/markup-compatibility/2006">
-        <mc:Choice xmlns:a14="http://schemas.microsoft.com/office/drawing/2010/main" Requires="a14">
+      <mc:AlternateContent xmlns:mc="http://schemas.openxmlformats.org/markup-compatibility/2006" xmlns:a14="http://schemas.microsoft.com/office/drawing/2010/main">
+        <mc:Choice Requires="a14">
           <p:sp>
             <p:nvSpPr>
               <p:cNvPr id="3" name="내용 개체 틀 2"/>
@@ -19876,15 +21408,7 @@
                     <a:ea typeface="Arial" charset="0"/>
                     <a:cs typeface="Arial" charset="0"/>
                   </a:rPr>
-                  <a:t>RMSE</a:t>
-                </a:r>
-                <a:r>
-                  <a:rPr kumimoji="1" lang="en-US" altLang="ko-KR" dirty="0" smtClean="0">
-                    <a:latin typeface="Arial" charset="0"/>
-                    <a:ea typeface="Arial" charset="0"/>
-                    <a:cs typeface="Arial" charset="0"/>
-                  </a:rPr>
-                  <a:t> </a:t>
+                  <a:t>RMSE </a:t>
                 </a:r>
                 <a:r>
                   <a:rPr kumimoji="1" lang="en-US" altLang="ko-KR" dirty="0">
@@ -19927,7 +21451,7 @@
             </p:txBody>
           </p:sp>
         </mc:Choice>
-        <mc:Fallback>
+        <mc:Fallback xmlns="">
           <p:sp>
             <p:nvSpPr>
               <p:cNvPr id="3" name="내용 개체 틀 2"/>
@@ -19944,7 +21468,7 @@
                 <a:ext cx="10515600" cy="5284922"/>
               </a:xfrm>
               <a:blipFill rotWithShape="0">
-                <a:blip r:embed="rId2"/>
+                <a:blip r:embed="rId3"/>
                 <a:stretch>
                   <a:fillRect l="-1043" t="-2076"/>
                 </a:stretch>
@@ -20003,44 +21527,6 @@
           </a:fontRef>
         </p:style>
       </p:cxnSp>
-      <p:sp>
-        <p:nvSpPr>
-          <p:cNvPr id="6" name="텍스트 상자 5"/>
-          <p:cNvSpPr txBox="1"/>
-          <p:nvPr/>
-        </p:nvSpPr>
-        <p:spPr>
-          <a:xfrm rot="19363460">
-            <a:off x="-944467" y="-739704"/>
-            <a:ext cx="2504220" cy="1200329"/>
-          </a:xfrm>
-          <a:prstGeom prst="rect">
-            <a:avLst/>
-          </a:prstGeom>
-          <a:noFill/>
-        </p:spPr>
-        <p:txBody>
-          <a:bodyPr wrap="square" rtlCol="0">
-            <a:spAutoFit/>
-          </a:bodyPr>
-          <a:lstStyle/>
-          <a:p>
-            <a:r>
-              <a:rPr lang="en-US" altLang="ko-KR" sz="2400" b="1" dirty="0">
-                <a:solidFill>
-                  <a:srgbClr val="FF0000"/>
-                </a:solidFill>
-              </a:rPr>
-              <a:t>Need supplementary contents</a:t>
-            </a:r>
-            <a:endParaRPr kumimoji="1" lang="ko-KR" altLang="en-US" sz="2400" b="1" dirty="0">
-              <a:solidFill>
-                <a:srgbClr val="FF0000"/>
-              </a:solidFill>
-            </a:endParaRPr>
-          </a:p>
-        </p:txBody>
-      </p:sp>
       <p:pic>
         <p:nvPicPr>
           <p:cNvPr id="4" name="그림 3"/>
@@ -20050,7 +21536,7 @@
           <p:nvPr/>
         </p:nvPicPr>
         <p:blipFill>
-          <a:blip r:embed="rId3">
+          <a:blip r:embed="rId4">
             <a:extLst>
               <a:ext uri="{28A0092B-C50C-407E-A947-70E740481C1C}">
                 <a14:useLocalDpi xmlns:a14="http://schemas.microsoft.com/office/drawing/2010/main" val="0"/>
@@ -20084,7 +21570,7 @@
 </p:sld>
 </file>
 
-<file path=ppt/slides/slide21.xml><?xml version="1.0" encoding="utf-8"?>
+<file path=ppt/slides/slide22.xml><?xml version="1.0" encoding="utf-8"?>
 <p:sld xmlns:a="http://schemas.openxmlformats.org/drawingml/2006/main" xmlns:r="http://schemas.openxmlformats.org/officeDocument/2006/relationships" xmlns:p="http://schemas.openxmlformats.org/presentationml/2006/main">
   <p:cSld>
     <p:spTree>
@@ -20181,14 +21667,6 @@
                     <a:cs typeface="Arial" charset="0"/>
                   </a:rPr>
                   <a:t>RMSE</a:t>
-                </a:r>
-                <a:r>
-                  <a:rPr kumimoji="1" lang="en-US" altLang="ko-KR" dirty="0" smtClean="0">
-                    <a:latin typeface="Arial" charset="0"/>
-                    <a:ea typeface="Arial" charset="0"/>
-                    <a:cs typeface="Arial" charset="0"/>
-                  </a:rPr>
-                  <a:t/>
                 </a:r>
                 <a:br>
                   <a:rPr kumimoji="1" lang="en-US" altLang="ko-KR" dirty="0" smtClean="0">
@@ -20486,6 +21964,33 @@
                 </a:endParaRPr>
               </a:p>
               <a:p>
+                <a:pPr lvl="1"/>
+                <a:r>
+                  <a:rPr kumimoji="1" lang="en-US" altLang="ko-KR" dirty="0" smtClean="0">
+                    <a:latin typeface="Arial" charset="0"/>
+                    <a:ea typeface="Arial" charset="0"/>
+                    <a:cs typeface="Arial" charset="0"/>
+                  </a:rPr>
+                  <a:t>MAPE</a:t>
+                </a:r>
+              </a:p>
+              <a:p>
+                <a:pPr lvl="1"/>
+                <a:r>
+                  <a:rPr kumimoji="1" lang="en-US" altLang="ko-KR" dirty="0" smtClean="0">
+                    <a:latin typeface="Arial" charset="0"/>
+                    <a:ea typeface="Arial" charset="0"/>
+                    <a:cs typeface="Arial" charset="0"/>
+                  </a:rPr>
+                  <a:t>MAE</a:t>
+                </a:r>
+                <a:endParaRPr kumimoji="1" lang="en-US" altLang="ko-KR" dirty="0" smtClean="0">
+                  <a:latin typeface="Arial" charset="0"/>
+                  <a:ea typeface="Arial" charset="0"/>
+                  <a:cs typeface="Arial" charset="0"/>
+                </a:endParaRPr>
+              </a:p>
+              <a:p>
                 <a:r>
                   <a:rPr kumimoji="1" lang="en-US" altLang="ko-KR" dirty="0" smtClean="0">
                     <a:latin typeface="Arial" charset="0"/>
@@ -20503,31 +22008,7 @@
                     <a:ea typeface="Arial" charset="0"/>
                     <a:cs typeface="Arial" charset="0"/>
                   </a:rPr>
-                  <a:t>Standard deviation of </a:t>
-                </a:r>
-                <a:r>
-                  <a:rPr kumimoji="1" lang="en-US" altLang="ko-KR" dirty="0" smtClean="0">
-                    <a:latin typeface="Arial" charset="0"/>
-                    <a:ea typeface="Arial" charset="0"/>
-                    <a:cs typeface="Arial" charset="0"/>
-                  </a:rPr>
-                  <a:t>RMSE</a:t>
-                </a:r>
-                <a:r>
-                  <a:rPr kumimoji="1" lang="en-US" altLang="ko-KR" dirty="0" smtClean="0">
-                    <a:latin typeface="Arial" charset="0"/>
-                    <a:ea typeface="Arial" charset="0"/>
-                    <a:cs typeface="Arial" charset="0"/>
-                  </a:rPr>
-                  <a:t> </a:t>
-                </a:r>
-                <a:r>
-                  <a:rPr kumimoji="1" lang="en-US" altLang="ko-KR" dirty="0" smtClean="0">
-                    <a:latin typeface="Arial" charset="0"/>
-                    <a:ea typeface="Arial" charset="0"/>
-                    <a:cs typeface="Arial" charset="0"/>
-                  </a:rPr>
-                  <a:t>of 1,000 trails</a:t>
+                  <a:t>Standard deviation of RMSE of 1,000 trails</a:t>
                 </a:r>
               </a:p>
               <a:p>
@@ -20658,7 +22139,7 @@
 </p:sld>
 </file>
 
-<file path=ppt/slides/slide22.xml><?xml version="1.0" encoding="utf-8"?>
+<file path=ppt/slides/slide23.xml><?xml version="1.0" encoding="utf-8"?>
 <p:sld xmlns:a="http://schemas.openxmlformats.org/drawingml/2006/main" xmlns:r="http://schemas.openxmlformats.org/officeDocument/2006/relationships" xmlns:p="http://schemas.openxmlformats.org/presentationml/2006/main">
   <p:cSld>
     <p:spTree>
@@ -20823,7 +22304,7 @@
 </p:sld>
 </file>
 
-<file path=ppt/slides/slide23.xml><?xml version="1.0" encoding="utf-8"?>
+<file path=ppt/slides/slide24.xml><?xml version="1.0" encoding="utf-8"?>
 <p:sld xmlns:a="http://schemas.openxmlformats.org/drawingml/2006/main" xmlns:r="http://schemas.openxmlformats.org/officeDocument/2006/relationships" xmlns:p="http://schemas.openxmlformats.org/presentationml/2006/main">
   <p:cSld>
     <p:spTree>
@@ -20904,15 +22385,7 @@
                 <a:ea typeface="Arial" charset="0"/>
                 <a:cs typeface="Arial" charset="0"/>
               </a:rPr>
-              <a:t>Training : H-ELM</a:t>
-            </a:r>
-            <a:r>
-              <a:rPr kumimoji="1" lang="en-US" altLang="ko-KR" dirty="0" smtClean="0">
-                <a:latin typeface="Arial" charset="0"/>
-                <a:ea typeface="Arial" charset="0"/>
-                <a:cs typeface="Arial" charset="0"/>
-              </a:rPr>
-              <a:t> RMSE</a:t>
+              <a:t>Training : H-ELM RMSE</a:t>
             </a:r>
             <a:endParaRPr kumimoji="1" lang="ko-KR" altLang="en-US" dirty="0">
               <a:latin typeface="Arial" charset="0"/>
@@ -20962,7 +22435,7 @@
           <p:nvPr/>
         </p:nvPicPr>
         <p:blipFill>
-          <a:blip r:embed="rId2">
+          <a:blip r:embed="rId3">
             <a:extLst>
               <a:ext uri="{28A0092B-C50C-407E-A947-70E740481C1C}">
                 <a14:useLocalDpi xmlns:a14="http://schemas.microsoft.com/office/drawing/2010/main" val="0"/>
@@ -20987,436 +22460,6 @@
     <p:extLst>
       <p:ext uri="{BB962C8B-B14F-4D97-AF65-F5344CB8AC3E}">
         <p14:creationId xmlns:p14="http://schemas.microsoft.com/office/powerpoint/2010/main" val="88161494"/>
-      </p:ext>
-    </p:extLst>
-  </p:cSld>
-  <p:clrMapOvr>
-    <a:masterClrMapping/>
-  </p:clrMapOvr>
-</p:sld>
-</file>
-
-<file path=ppt/slides/slide24.xml><?xml version="1.0" encoding="utf-8"?>
-<p:sld xmlns:a="http://schemas.openxmlformats.org/drawingml/2006/main" xmlns:r="http://schemas.openxmlformats.org/officeDocument/2006/relationships" xmlns:p="http://schemas.openxmlformats.org/presentationml/2006/main">
-  <p:cSld>
-    <p:spTree>
-      <p:nvGrpSpPr>
-        <p:cNvPr id="1" name=""/>
-        <p:cNvGrpSpPr/>
-        <p:nvPr/>
-      </p:nvGrpSpPr>
-      <p:grpSpPr>
-        <a:xfrm>
-          <a:off x="0" y="0"/>
-          <a:ext cx="0" cy="0"/>
-          <a:chOff x="0" y="0"/>
-          <a:chExt cx="0" cy="0"/>
-        </a:xfrm>
-      </p:grpSpPr>
-      <p:sp>
-        <p:nvSpPr>
-          <p:cNvPr id="2" name="제목 1"/>
-          <p:cNvSpPr>
-            <a:spLocks noGrp="1"/>
-          </p:cNvSpPr>
-          <p:nvPr>
-            <p:ph type="title"/>
-          </p:nvPr>
-        </p:nvSpPr>
-        <p:spPr>
-          <a:xfrm>
-            <a:off x="838200" y="272138"/>
-            <a:ext cx="10515600" cy="688760"/>
-          </a:xfrm>
-        </p:spPr>
-        <p:txBody>
-          <a:bodyPr>
-            <a:normAutofit fontScale="90000"/>
-          </a:bodyPr>
-          <a:lstStyle/>
-          <a:p>
-            <a:r>
-              <a:rPr kumimoji="1" lang="en-US" altLang="ko-KR" b="1" dirty="0" smtClean="0">
-                <a:latin typeface="Arial" charset="0"/>
-                <a:ea typeface="Arial" charset="0"/>
-                <a:cs typeface="Arial" charset="0"/>
-              </a:rPr>
-              <a:t>Results</a:t>
-            </a:r>
-            <a:endParaRPr kumimoji="1" lang="ko-KR" altLang="en-US" b="1" dirty="0">
-              <a:latin typeface="Arial" charset="0"/>
-              <a:ea typeface="Arial" charset="0"/>
-              <a:cs typeface="Arial" charset="0"/>
-            </a:endParaRPr>
-          </a:p>
-        </p:txBody>
-      </p:sp>
-      <p:sp>
-        <p:nvSpPr>
-          <p:cNvPr id="3" name="내용 개체 틀 2"/>
-          <p:cNvSpPr>
-            <a:spLocks noGrp="1"/>
-          </p:cNvSpPr>
-          <p:nvPr>
-            <p:ph idx="1"/>
-          </p:nvPr>
-        </p:nvSpPr>
-        <p:spPr>
-          <a:xfrm>
-            <a:off x="838200" y="1363847"/>
-            <a:ext cx="10515600" cy="5284922"/>
-          </a:xfrm>
-        </p:spPr>
-        <p:txBody>
-          <a:bodyPr/>
-          <a:lstStyle/>
-          <a:p>
-            <a:r>
-              <a:rPr kumimoji="1" lang="en-US" altLang="ko-KR" dirty="0" smtClean="0">
-                <a:latin typeface="Arial" charset="0"/>
-                <a:ea typeface="Arial" charset="0"/>
-                <a:cs typeface="Arial" charset="0"/>
-              </a:rPr>
-              <a:t>Training :</a:t>
-            </a:r>
-          </a:p>
-          <a:p>
-            <a:pPr lvl="1"/>
-            <a:r>
-              <a:rPr kumimoji="1" lang="en-US" altLang="ko-KR" dirty="0" smtClean="0">
-                <a:latin typeface="Arial" charset="0"/>
-                <a:ea typeface="Arial" charset="0"/>
-                <a:cs typeface="Arial" charset="0"/>
-              </a:rPr>
-              <a:t>Data pre-processing</a:t>
-            </a:r>
-          </a:p>
-          <a:p>
-            <a:pPr lvl="2"/>
-            <a:r>
-              <a:rPr kumimoji="1" lang="en-US" altLang="ko-KR" dirty="0" smtClean="0">
-                <a:latin typeface="Arial" charset="0"/>
-                <a:ea typeface="Arial" charset="0"/>
-                <a:cs typeface="Arial" charset="0"/>
-              </a:rPr>
-              <a:t> </a:t>
-            </a:r>
-            <a:r>
-              <a:rPr lang="en-US" altLang="ko-KR" dirty="0"/>
-              <a:t>As the number of input features increases through the data preprocessing process, the RMSE tends to </a:t>
-            </a:r>
-            <a:r>
-              <a:rPr lang="en-US" altLang="ko-KR" dirty="0" smtClean="0"/>
-              <a:t>decrease</a:t>
-            </a:r>
-          </a:p>
-          <a:p>
-            <a:pPr lvl="2">
-              <a:buFont typeface="Wingdings" charset="2"/>
-              <a:buChar char="è"/>
-            </a:pPr>
-            <a:r>
-              <a:rPr kumimoji="1" lang="en-US" altLang="ko-KR" dirty="0" smtClean="0">
-                <a:latin typeface="Arial" charset="0"/>
-                <a:ea typeface="Arial" charset="0"/>
-                <a:cs typeface="Arial" charset="0"/>
-                <a:sym typeface="Wingdings"/>
-              </a:rPr>
-              <a:t> Data pre-processing </a:t>
-            </a:r>
-            <a:r>
-              <a:rPr kumimoji="1" lang="en-US" altLang="ko-KR" dirty="0">
-                <a:latin typeface="Arial" charset="0"/>
-                <a:ea typeface="Arial" charset="0"/>
-                <a:cs typeface="Arial" charset="0"/>
-                <a:sym typeface="Wingdings"/>
-              </a:rPr>
-              <a:t>allows </a:t>
-            </a:r>
-            <a:r>
-              <a:rPr kumimoji="1" lang="en-US" altLang="ko-KR" dirty="0" smtClean="0">
-                <a:latin typeface="Arial" charset="0"/>
-                <a:ea typeface="Arial" charset="0"/>
-                <a:cs typeface="Arial" charset="0"/>
-                <a:sym typeface="Wingdings"/>
-              </a:rPr>
-              <a:t>extract more valuable features from input data </a:t>
-            </a:r>
-          </a:p>
-          <a:p>
-            <a:pPr lvl="2">
-              <a:buFont typeface="Wingdings" charset="2"/>
-              <a:buChar char="è"/>
-            </a:pPr>
-            <a:r>
-              <a:rPr kumimoji="1" lang="en-US" altLang="ko-KR" dirty="0" smtClean="0">
-                <a:latin typeface="Arial" charset="0"/>
-                <a:ea typeface="Arial" charset="0"/>
-                <a:cs typeface="Arial" charset="0"/>
-                <a:sym typeface="Wingdings"/>
-              </a:rPr>
-              <a:t> Data </a:t>
-            </a:r>
-            <a:r>
-              <a:rPr kumimoji="1" lang="en-US" altLang="ko-KR" dirty="0">
-                <a:latin typeface="Arial" charset="0"/>
-                <a:ea typeface="Arial" charset="0"/>
-                <a:cs typeface="Arial" charset="0"/>
-                <a:sym typeface="Wingdings"/>
-              </a:rPr>
-              <a:t>pre-processing allows</a:t>
-            </a:r>
-            <a:r>
-              <a:rPr kumimoji="1" lang="en-US" altLang="ko-KR" dirty="0" smtClean="0">
-                <a:latin typeface="Arial" charset="0"/>
-                <a:ea typeface="Arial" charset="0"/>
-                <a:cs typeface="Arial" charset="0"/>
-                <a:sym typeface="Wingdings"/>
-              </a:rPr>
-              <a:t> accurate </a:t>
-            </a:r>
-            <a:r>
-              <a:rPr kumimoji="1" lang="en-US" altLang="ko-KR" dirty="0">
-                <a:latin typeface="Arial" charset="0"/>
-                <a:ea typeface="Arial" charset="0"/>
-                <a:cs typeface="Arial" charset="0"/>
-                <a:sym typeface="Wingdings"/>
-              </a:rPr>
-              <a:t>learning</a:t>
-            </a:r>
-            <a:endParaRPr lang="en-US" altLang="ko-KR" dirty="0" smtClean="0"/>
-          </a:p>
-          <a:p>
-            <a:pPr lvl="2"/>
-            <a:endParaRPr lang="en-US" altLang="ko-KR" dirty="0" smtClean="0"/>
-          </a:p>
-          <a:p>
-            <a:pPr lvl="1"/>
-            <a:r>
-              <a:rPr kumimoji="1" lang="en-US" altLang="ko-KR" dirty="0" smtClean="0">
-                <a:latin typeface="Arial" charset="0"/>
-                <a:ea typeface="Arial" charset="0"/>
-                <a:cs typeface="Arial" charset="0"/>
-              </a:rPr>
-              <a:t>ELM vs. H-ELM</a:t>
-            </a:r>
-          </a:p>
-          <a:p>
-            <a:pPr lvl="2"/>
-            <a:r>
-              <a:rPr kumimoji="1" lang="en-US" altLang="ko-KR" dirty="0">
-                <a:latin typeface="Arial" charset="0"/>
-                <a:ea typeface="Arial" charset="0"/>
-                <a:cs typeface="Arial" charset="0"/>
-              </a:rPr>
-              <a:t>HELM shows a smaller </a:t>
-            </a:r>
-            <a:r>
-              <a:rPr kumimoji="1" lang="en-US" altLang="ko-KR" dirty="0" smtClean="0">
-                <a:latin typeface="Arial" charset="0"/>
-                <a:ea typeface="Arial" charset="0"/>
-                <a:cs typeface="Arial" charset="0"/>
-              </a:rPr>
-              <a:t>value </a:t>
-            </a:r>
-            <a:r>
-              <a:rPr kumimoji="1" lang="en-US" altLang="ko-KR" dirty="0">
-                <a:latin typeface="Arial" charset="0"/>
-                <a:ea typeface="Arial" charset="0"/>
-                <a:cs typeface="Arial" charset="0"/>
-              </a:rPr>
-              <a:t>of RMSE than </a:t>
-            </a:r>
-            <a:r>
-              <a:rPr kumimoji="1" lang="en-US" altLang="ko-KR" dirty="0" smtClean="0">
-                <a:latin typeface="Arial" charset="0"/>
-                <a:ea typeface="Arial" charset="0"/>
-                <a:cs typeface="Arial" charset="0"/>
-              </a:rPr>
-              <a:t>ELM</a:t>
-            </a:r>
-          </a:p>
-          <a:p>
-            <a:pPr marL="914400" lvl="2" indent="0">
-              <a:buNone/>
-            </a:pPr>
-            <a:r>
-              <a:rPr kumimoji="1" lang="en-US" altLang="ko-KR" dirty="0" smtClean="0">
-                <a:latin typeface="Arial" charset="0"/>
-                <a:ea typeface="Arial" charset="0"/>
-                <a:cs typeface="Arial" charset="0"/>
-                <a:sym typeface="Wingdings"/>
-              </a:rPr>
-              <a:t></a:t>
-            </a:r>
-            <a:r>
-              <a:rPr kumimoji="1" lang="ko-KR" altLang="en-US" dirty="0" smtClean="0">
-                <a:latin typeface="Arial" charset="0"/>
-                <a:ea typeface="Arial" charset="0"/>
-                <a:cs typeface="Arial" charset="0"/>
-                <a:sym typeface="Wingdings"/>
-              </a:rPr>
-              <a:t> </a:t>
-            </a:r>
-            <a:r>
-              <a:rPr kumimoji="1" lang="en-US" altLang="ko-KR" dirty="0">
-                <a:latin typeface="Arial" charset="0"/>
-                <a:ea typeface="Arial" charset="0"/>
-                <a:cs typeface="Arial" charset="0"/>
-                <a:sym typeface="Wingdings"/>
-              </a:rPr>
-              <a:t>Compared to ELM, HELM allows accurate learning</a:t>
-            </a:r>
-            <a:endParaRPr kumimoji="1" lang="en-US" altLang="ko-KR" dirty="0" smtClean="0">
-              <a:latin typeface="Arial" charset="0"/>
-              <a:ea typeface="Arial" charset="0"/>
-              <a:cs typeface="Arial" charset="0"/>
-            </a:endParaRPr>
-          </a:p>
-          <a:p>
-            <a:pPr lvl="2"/>
-            <a:r>
-              <a:rPr kumimoji="1" lang="en-US" altLang="ko-KR" dirty="0">
-                <a:latin typeface="Arial" charset="0"/>
-                <a:ea typeface="Arial" charset="0"/>
-                <a:cs typeface="Arial" charset="0"/>
-              </a:rPr>
-              <a:t>HELM shows dense RMSE distribution compared to </a:t>
-            </a:r>
-            <a:r>
-              <a:rPr kumimoji="1" lang="en-US" altLang="ko-KR" dirty="0" smtClean="0">
-                <a:latin typeface="Arial" charset="0"/>
-                <a:ea typeface="Arial" charset="0"/>
-                <a:cs typeface="Arial" charset="0"/>
-              </a:rPr>
-              <a:t>ELM</a:t>
-            </a:r>
-          </a:p>
-          <a:p>
-            <a:pPr marL="914400" lvl="2" indent="0">
-              <a:buNone/>
-            </a:pPr>
-            <a:r>
-              <a:rPr kumimoji="1" lang="en-US" altLang="ko-KR" dirty="0" smtClean="0">
-                <a:latin typeface="Arial" charset="0"/>
-                <a:ea typeface="Arial" charset="0"/>
-                <a:cs typeface="Arial" charset="0"/>
-                <a:sym typeface="Wingdings"/>
-              </a:rPr>
-              <a:t></a:t>
-            </a:r>
-            <a:r>
-              <a:rPr kumimoji="1" lang="ko-KR" altLang="en-US" dirty="0" smtClean="0">
-                <a:latin typeface="Arial" charset="0"/>
-                <a:ea typeface="Arial" charset="0"/>
-                <a:cs typeface="Arial" charset="0"/>
-                <a:sym typeface="Wingdings"/>
-              </a:rPr>
-              <a:t> </a:t>
-            </a:r>
-            <a:r>
-              <a:rPr kumimoji="1" lang="en-US" altLang="ko-KR" dirty="0" smtClean="0">
-                <a:latin typeface="Arial" charset="0"/>
-                <a:ea typeface="Arial" charset="0"/>
-                <a:cs typeface="Arial" charset="0"/>
-                <a:sym typeface="Wingdings"/>
-              </a:rPr>
-              <a:t>C</a:t>
-            </a:r>
-            <a:r>
-              <a:rPr kumimoji="1" lang="en-US" altLang="ko-KR" dirty="0" smtClean="0">
-                <a:latin typeface="Arial" charset="0"/>
-                <a:ea typeface="Arial" charset="0"/>
-                <a:cs typeface="Arial" charset="0"/>
-              </a:rPr>
-              <a:t>ompared </a:t>
-            </a:r>
-            <a:r>
-              <a:rPr kumimoji="1" lang="en-US" altLang="ko-KR" dirty="0">
-                <a:latin typeface="Arial" charset="0"/>
-                <a:ea typeface="Arial" charset="0"/>
-                <a:cs typeface="Arial" charset="0"/>
-              </a:rPr>
-              <a:t>to </a:t>
-            </a:r>
-            <a:r>
-              <a:rPr kumimoji="1" lang="en-US" altLang="ko-KR" dirty="0" smtClean="0">
-                <a:latin typeface="Arial" charset="0"/>
-                <a:ea typeface="Arial" charset="0"/>
-                <a:cs typeface="Arial" charset="0"/>
-              </a:rPr>
-              <a:t>ELM,</a:t>
-            </a:r>
-            <a:r>
-              <a:rPr kumimoji="1" lang="ko-KR" altLang="en-US" dirty="0" smtClean="0">
-                <a:latin typeface="Arial" charset="0"/>
-                <a:ea typeface="Arial" charset="0"/>
-                <a:cs typeface="Arial" charset="0"/>
-              </a:rPr>
-              <a:t> </a:t>
-            </a:r>
-            <a:r>
-              <a:rPr kumimoji="1" lang="en-US" altLang="ko-KR" dirty="0" smtClean="0">
-                <a:latin typeface="Arial" charset="0"/>
-                <a:ea typeface="Arial" charset="0"/>
-                <a:cs typeface="Arial" charset="0"/>
-              </a:rPr>
-              <a:t>HELM </a:t>
-            </a:r>
-            <a:r>
-              <a:rPr kumimoji="1" lang="en-US" altLang="ko-KR" dirty="0">
-                <a:latin typeface="Arial" charset="0"/>
-                <a:ea typeface="Arial" charset="0"/>
-                <a:cs typeface="Arial" charset="0"/>
-              </a:rPr>
-              <a:t>shows stable RMSE </a:t>
-            </a:r>
-            <a:r>
-              <a:rPr kumimoji="1" lang="en-US" altLang="ko-KR" dirty="0" smtClean="0">
-                <a:latin typeface="Arial" charset="0"/>
-                <a:ea typeface="Arial" charset="0"/>
-                <a:cs typeface="Arial" charset="0"/>
-              </a:rPr>
-              <a:t>distribution</a:t>
-            </a:r>
-          </a:p>
-        </p:txBody>
-      </p:sp>
-      <p:cxnSp>
-        <p:nvCxnSpPr>
-          <p:cNvPr id="5" name="직선 연결선[R] 4"/>
-          <p:cNvCxnSpPr/>
-          <p:nvPr/>
-        </p:nvCxnSpPr>
-        <p:spPr>
-          <a:xfrm>
-            <a:off x="838200" y="1133882"/>
-            <a:ext cx="10515600" cy="0"/>
-          </a:xfrm>
-          <a:prstGeom prst="line">
-            <a:avLst/>
-          </a:prstGeom>
-          <a:ln w="77851" cmpd="tri"/>
-        </p:spPr>
-        <p:style>
-          <a:lnRef idx="1">
-            <a:schemeClr val="accent1"/>
-          </a:lnRef>
-          <a:fillRef idx="0">
-            <a:schemeClr val="accent1"/>
-          </a:fillRef>
-          <a:effectRef idx="0">
-            <a:schemeClr val="accent1"/>
-          </a:effectRef>
-          <a:fontRef idx="minor">
-            <a:schemeClr val="tx1"/>
-          </a:fontRef>
-        </p:style>
-      </p:cxnSp>
-    </p:spTree>
-    <p:extLst>
-      <p:ext uri="{BB962C8B-B14F-4D97-AF65-F5344CB8AC3E}">
-        <p14:creationId xmlns:p14="http://schemas.microsoft.com/office/powerpoint/2010/main" val="228284634"/>
       </p:ext>
     </p:extLst>
   </p:cSld>
@@ -21507,15 +22550,437 @@
                 <a:ea typeface="Arial" charset="0"/>
                 <a:cs typeface="Arial" charset="0"/>
               </a:rPr>
-              <a:t>Testing : ELM</a:t>
-            </a:r>
+              <a:t>Training :</a:t>
+            </a:r>
+          </a:p>
+          <a:p>
+            <a:pPr lvl="1"/>
             <a:r>
               <a:rPr kumimoji="1" lang="en-US" altLang="ko-KR" dirty="0" smtClean="0">
                 <a:latin typeface="Arial" charset="0"/>
                 <a:ea typeface="Arial" charset="0"/>
                 <a:cs typeface="Arial" charset="0"/>
               </a:rPr>
-              <a:t> RMSE</a:t>
+              <a:t>Data pre-processing</a:t>
+            </a:r>
+          </a:p>
+          <a:p>
+            <a:pPr lvl="2"/>
+            <a:r>
+              <a:rPr kumimoji="1" lang="en-US" altLang="ko-KR" dirty="0" smtClean="0">
+                <a:latin typeface="Arial" charset="0"/>
+                <a:ea typeface="Arial" charset="0"/>
+                <a:cs typeface="Arial" charset="0"/>
+              </a:rPr>
+              <a:t> </a:t>
+            </a:r>
+            <a:r>
+              <a:rPr lang="en-US" altLang="ko-KR" dirty="0"/>
+              <a:t>As the number of input features increases through the data preprocessing process, the RMSE tends to </a:t>
+            </a:r>
+            <a:r>
+              <a:rPr lang="en-US" altLang="ko-KR" dirty="0" smtClean="0"/>
+              <a:t>decrease</a:t>
+            </a:r>
+          </a:p>
+          <a:p>
+            <a:pPr lvl="2">
+              <a:buFont typeface="Wingdings" charset="2"/>
+              <a:buChar char="è"/>
+            </a:pPr>
+            <a:r>
+              <a:rPr kumimoji="1" lang="en-US" altLang="ko-KR" dirty="0" smtClean="0">
+                <a:latin typeface="Arial" charset="0"/>
+                <a:ea typeface="Arial" charset="0"/>
+                <a:cs typeface="Arial" charset="0"/>
+                <a:sym typeface="Wingdings"/>
+              </a:rPr>
+              <a:t> Data pre-processing </a:t>
+            </a:r>
+            <a:r>
+              <a:rPr kumimoji="1" lang="en-US" altLang="ko-KR" dirty="0">
+                <a:latin typeface="Arial" charset="0"/>
+                <a:ea typeface="Arial" charset="0"/>
+                <a:cs typeface="Arial" charset="0"/>
+                <a:sym typeface="Wingdings"/>
+              </a:rPr>
+              <a:t>allows </a:t>
+            </a:r>
+            <a:r>
+              <a:rPr kumimoji="1" lang="en-US" altLang="ko-KR" dirty="0" smtClean="0">
+                <a:latin typeface="Arial" charset="0"/>
+                <a:ea typeface="Arial" charset="0"/>
+                <a:cs typeface="Arial" charset="0"/>
+                <a:sym typeface="Wingdings"/>
+              </a:rPr>
+              <a:t>extract more valuable features from input data </a:t>
+            </a:r>
+          </a:p>
+          <a:p>
+            <a:pPr lvl="2">
+              <a:buFont typeface="Wingdings" charset="2"/>
+              <a:buChar char="è"/>
+            </a:pPr>
+            <a:r>
+              <a:rPr kumimoji="1" lang="en-US" altLang="ko-KR" dirty="0" smtClean="0">
+                <a:latin typeface="Arial" charset="0"/>
+                <a:ea typeface="Arial" charset="0"/>
+                <a:cs typeface="Arial" charset="0"/>
+                <a:sym typeface="Wingdings"/>
+              </a:rPr>
+              <a:t> Data </a:t>
+            </a:r>
+            <a:r>
+              <a:rPr kumimoji="1" lang="en-US" altLang="ko-KR" dirty="0">
+                <a:latin typeface="Arial" charset="0"/>
+                <a:ea typeface="Arial" charset="0"/>
+                <a:cs typeface="Arial" charset="0"/>
+                <a:sym typeface="Wingdings"/>
+              </a:rPr>
+              <a:t>pre-processing allows</a:t>
+            </a:r>
+            <a:r>
+              <a:rPr kumimoji="1" lang="en-US" altLang="ko-KR" dirty="0" smtClean="0">
+                <a:latin typeface="Arial" charset="0"/>
+                <a:ea typeface="Arial" charset="0"/>
+                <a:cs typeface="Arial" charset="0"/>
+                <a:sym typeface="Wingdings"/>
+              </a:rPr>
+              <a:t> accurate </a:t>
+            </a:r>
+            <a:r>
+              <a:rPr kumimoji="1" lang="en-US" altLang="ko-KR" dirty="0">
+                <a:latin typeface="Arial" charset="0"/>
+                <a:ea typeface="Arial" charset="0"/>
+                <a:cs typeface="Arial" charset="0"/>
+                <a:sym typeface="Wingdings"/>
+              </a:rPr>
+              <a:t>learning</a:t>
+            </a:r>
+            <a:endParaRPr lang="en-US" altLang="ko-KR" dirty="0" smtClean="0"/>
+          </a:p>
+          <a:p>
+            <a:pPr lvl="2"/>
+            <a:endParaRPr lang="en-US" altLang="ko-KR" dirty="0" smtClean="0"/>
+          </a:p>
+          <a:p>
+            <a:pPr lvl="1"/>
+            <a:r>
+              <a:rPr kumimoji="1" lang="en-US" altLang="ko-KR" dirty="0" smtClean="0">
+                <a:latin typeface="Arial" charset="0"/>
+                <a:ea typeface="Arial" charset="0"/>
+                <a:cs typeface="Arial" charset="0"/>
+              </a:rPr>
+              <a:t>ELM vs. H-ELM</a:t>
+            </a:r>
+          </a:p>
+          <a:p>
+            <a:pPr lvl="2"/>
+            <a:r>
+              <a:rPr kumimoji="1" lang="en-US" altLang="ko-KR" dirty="0">
+                <a:latin typeface="Arial" charset="0"/>
+                <a:ea typeface="Arial" charset="0"/>
+                <a:cs typeface="Arial" charset="0"/>
+              </a:rPr>
+              <a:t>HELM shows a smaller </a:t>
+            </a:r>
+            <a:r>
+              <a:rPr kumimoji="1" lang="en-US" altLang="ko-KR" dirty="0" smtClean="0">
+                <a:latin typeface="Arial" charset="0"/>
+                <a:ea typeface="Arial" charset="0"/>
+                <a:cs typeface="Arial" charset="0"/>
+              </a:rPr>
+              <a:t>value </a:t>
+            </a:r>
+            <a:r>
+              <a:rPr kumimoji="1" lang="en-US" altLang="ko-KR" dirty="0">
+                <a:latin typeface="Arial" charset="0"/>
+                <a:ea typeface="Arial" charset="0"/>
+                <a:cs typeface="Arial" charset="0"/>
+              </a:rPr>
+              <a:t>of RMSE than </a:t>
+            </a:r>
+            <a:r>
+              <a:rPr kumimoji="1" lang="en-US" altLang="ko-KR" dirty="0" smtClean="0">
+                <a:latin typeface="Arial" charset="0"/>
+                <a:ea typeface="Arial" charset="0"/>
+                <a:cs typeface="Arial" charset="0"/>
+              </a:rPr>
+              <a:t>ELM</a:t>
+            </a:r>
+          </a:p>
+          <a:p>
+            <a:pPr marL="914400" lvl="2" indent="0">
+              <a:buNone/>
+            </a:pPr>
+            <a:r>
+              <a:rPr kumimoji="1" lang="en-US" altLang="ko-KR" dirty="0" smtClean="0">
+                <a:latin typeface="Arial" charset="0"/>
+                <a:ea typeface="Arial" charset="0"/>
+                <a:cs typeface="Arial" charset="0"/>
+                <a:sym typeface="Wingdings"/>
+              </a:rPr>
+              <a:t></a:t>
+            </a:r>
+            <a:r>
+              <a:rPr kumimoji="1" lang="ko-KR" altLang="en-US" dirty="0" smtClean="0">
+                <a:latin typeface="Arial" charset="0"/>
+                <a:ea typeface="Arial" charset="0"/>
+                <a:cs typeface="Arial" charset="0"/>
+                <a:sym typeface="Wingdings"/>
+              </a:rPr>
+              <a:t> </a:t>
+            </a:r>
+            <a:r>
+              <a:rPr kumimoji="1" lang="en-US" altLang="ko-KR" dirty="0">
+                <a:latin typeface="Arial" charset="0"/>
+                <a:ea typeface="Arial" charset="0"/>
+                <a:cs typeface="Arial" charset="0"/>
+                <a:sym typeface="Wingdings"/>
+              </a:rPr>
+              <a:t>Compared to ELM, HELM allows accurate learning</a:t>
+            </a:r>
+            <a:endParaRPr kumimoji="1" lang="en-US" altLang="ko-KR" dirty="0" smtClean="0">
+              <a:latin typeface="Arial" charset="0"/>
+              <a:ea typeface="Arial" charset="0"/>
+              <a:cs typeface="Arial" charset="0"/>
+            </a:endParaRPr>
+          </a:p>
+          <a:p>
+            <a:pPr lvl="2"/>
+            <a:r>
+              <a:rPr kumimoji="1" lang="en-US" altLang="ko-KR" dirty="0">
+                <a:latin typeface="Arial" charset="0"/>
+                <a:ea typeface="Arial" charset="0"/>
+                <a:cs typeface="Arial" charset="0"/>
+              </a:rPr>
+              <a:t>HELM shows dense RMSE distribution compared to </a:t>
+            </a:r>
+            <a:r>
+              <a:rPr kumimoji="1" lang="en-US" altLang="ko-KR" dirty="0" smtClean="0">
+                <a:latin typeface="Arial" charset="0"/>
+                <a:ea typeface="Arial" charset="0"/>
+                <a:cs typeface="Arial" charset="0"/>
+              </a:rPr>
+              <a:t>ELM</a:t>
+            </a:r>
+          </a:p>
+          <a:p>
+            <a:pPr marL="914400" lvl="2" indent="0">
+              <a:buNone/>
+            </a:pPr>
+            <a:r>
+              <a:rPr kumimoji="1" lang="en-US" altLang="ko-KR" dirty="0" smtClean="0">
+                <a:latin typeface="Arial" charset="0"/>
+                <a:ea typeface="Arial" charset="0"/>
+                <a:cs typeface="Arial" charset="0"/>
+                <a:sym typeface="Wingdings"/>
+              </a:rPr>
+              <a:t></a:t>
+            </a:r>
+            <a:r>
+              <a:rPr kumimoji="1" lang="ko-KR" altLang="en-US" dirty="0" smtClean="0">
+                <a:latin typeface="Arial" charset="0"/>
+                <a:ea typeface="Arial" charset="0"/>
+                <a:cs typeface="Arial" charset="0"/>
+                <a:sym typeface="Wingdings"/>
+              </a:rPr>
+              <a:t> </a:t>
+            </a:r>
+            <a:r>
+              <a:rPr kumimoji="1" lang="en-US" altLang="ko-KR" dirty="0" smtClean="0">
+                <a:latin typeface="Arial" charset="0"/>
+                <a:ea typeface="Arial" charset="0"/>
+                <a:cs typeface="Arial" charset="0"/>
+                <a:sym typeface="Wingdings"/>
+              </a:rPr>
+              <a:t>C</a:t>
+            </a:r>
+            <a:r>
+              <a:rPr kumimoji="1" lang="en-US" altLang="ko-KR" dirty="0" smtClean="0">
+                <a:latin typeface="Arial" charset="0"/>
+                <a:ea typeface="Arial" charset="0"/>
+                <a:cs typeface="Arial" charset="0"/>
+              </a:rPr>
+              <a:t>ompared </a:t>
+            </a:r>
+            <a:r>
+              <a:rPr kumimoji="1" lang="en-US" altLang="ko-KR" dirty="0">
+                <a:latin typeface="Arial" charset="0"/>
+                <a:ea typeface="Arial" charset="0"/>
+                <a:cs typeface="Arial" charset="0"/>
+              </a:rPr>
+              <a:t>to </a:t>
+            </a:r>
+            <a:r>
+              <a:rPr kumimoji="1" lang="en-US" altLang="ko-KR" dirty="0" smtClean="0">
+                <a:latin typeface="Arial" charset="0"/>
+                <a:ea typeface="Arial" charset="0"/>
+                <a:cs typeface="Arial" charset="0"/>
+              </a:rPr>
+              <a:t>ELM,</a:t>
+            </a:r>
+            <a:r>
+              <a:rPr kumimoji="1" lang="ko-KR" altLang="en-US" dirty="0" smtClean="0">
+                <a:latin typeface="Arial" charset="0"/>
+                <a:ea typeface="Arial" charset="0"/>
+                <a:cs typeface="Arial" charset="0"/>
+              </a:rPr>
+              <a:t> </a:t>
+            </a:r>
+            <a:r>
+              <a:rPr kumimoji="1" lang="en-US" altLang="ko-KR" dirty="0" smtClean="0">
+                <a:latin typeface="Arial" charset="0"/>
+                <a:ea typeface="Arial" charset="0"/>
+                <a:cs typeface="Arial" charset="0"/>
+              </a:rPr>
+              <a:t>HELM </a:t>
+            </a:r>
+            <a:r>
+              <a:rPr kumimoji="1" lang="en-US" altLang="ko-KR" dirty="0">
+                <a:latin typeface="Arial" charset="0"/>
+                <a:ea typeface="Arial" charset="0"/>
+                <a:cs typeface="Arial" charset="0"/>
+              </a:rPr>
+              <a:t>shows stable RMSE </a:t>
+            </a:r>
+            <a:r>
+              <a:rPr kumimoji="1" lang="en-US" altLang="ko-KR" dirty="0" smtClean="0">
+                <a:latin typeface="Arial" charset="0"/>
+                <a:ea typeface="Arial" charset="0"/>
+                <a:cs typeface="Arial" charset="0"/>
+              </a:rPr>
+              <a:t>distribution</a:t>
+            </a:r>
+          </a:p>
+        </p:txBody>
+      </p:sp>
+      <p:cxnSp>
+        <p:nvCxnSpPr>
+          <p:cNvPr id="5" name="직선 연결선[R] 4"/>
+          <p:cNvCxnSpPr/>
+          <p:nvPr/>
+        </p:nvCxnSpPr>
+        <p:spPr>
+          <a:xfrm>
+            <a:off x="838200" y="1133882"/>
+            <a:ext cx="10515600" cy="0"/>
+          </a:xfrm>
+          <a:prstGeom prst="line">
+            <a:avLst/>
+          </a:prstGeom>
+          <a:ln w="77851" cmpd="tri"/>
+        </p:spPr>
+        <p:style>
+          <a:lnRef idx="1">
+            <a:schemeClr val="accent1"/>
+          </a:lnRef>
+          <a:fillRef idx="0">
+            <a:schemeClr val="accent1"/>
+          </a:fillRef>
+          <a:effectRef idx="0">
+            <a:schemeClr val="accent1"/>
+          </a:effectRef>
+          <a:fontRef idx="minor">
+            <a:schemeClr val="tx1"/>
+          </a:fontRef>
+        </p:style>
+      </p:cxnSp>
+    </p:spTree>
+    <p:extLst>
+      <p:ext uri="{BB962C8B-B14F-4D97-AF65-F5344CB8AC3E}">
+        <p14:creationId xmlns:p14="http://schemas.microsoft.com/office/powerpoint/2010/main" val="228284634"/>
+      </p:ext>
+    </p:extLst>
+  </p:cSld>
+  <p:clrMapOvr>
+    <a:masterClrMapping/>
+  </p:clrMapOvr>
+</p:sld>
+</file>
+
+<file path=ppt/slides/slide26.xml><?xml version="1.0" encoding="utf-8"?>
+<p:sld xmlns:a="http://schemas.openxmlformats.org/drawingml/2006/main" xmlns:r="http://schemas.openxmlformats.org/officeDocument/2006/relationships" xmlns:p="http://schemas.openxmlformats.org/presentationml/2006/main">
+  <p:cSld>
+    <p:spTree>
+      <p:nvGrpSpPr>
+        <p:cNvPr id="1" name=""/>
+        <p:cNvGrpSpPr/>
+        <p:nvPr/>
+      </p:nvGrpSpPr>
+      <p:grpSpPr>
+        <a:xfrm>
+          <a:off x="0" y="0"/>
+          <a:ext cx="0" cy="0"/>
+          <a:chOff x="0" y="0"/>
+          <a:chExt cx="0" cy="0"/>
+        </a:xfrm>
+      </p:grpSpPr>
+      <p:sp>
+        <p:nvSpPr>
+          <p:cNvPr id="2" name="제목 1"/>
+          <p:cNvSpPr>
+            <a:spLocks noGrp="1"/>
+          </p:cNvSpPr>
+          <p:nvPr>
+            <p:ph type="title"/>
+          </p:nvPr>
+        </p:nvSpPr>
+        <p:spPr>
+          <a:xfrm>
+            <a:off x="838200" y="272138"/>
+            <a:ext cx="10515600" cy="688760"/>
+          </a:xfrm>
+        </p:spPr>
+        <p:txBody>
+          <a:bodyPr>
+            <a:normAutofit fontScale="90000"/>
+          </a:bodyPr>
+          <a:lstStyle/>
+          <a:p>
+            <a:r>
+              <a:rPr kumimoji="1" lang="en-US" altLang="ko-KR" b="1" dirty="0" smtClean="0">
+                <a:latin typeface="Arial" charset="0"/>
+                <a:ea typeface="Arial" charset="0"/>
+                <a:cs typeface="Arial" charset="0"/>
+              </a:rPr>
+              <a:t>Results</a:t>
+            </a:r>
+            <a:endParaRPr kumimoji="1" lang="ko-KR" altLang="en-US" b="1" dirty="0">
+              <a:latin typeface="Arial" charset="0"/>
+              <a:ea typeface="Arial" charset="0"/>
+              <a:cs typeface="Arial" charset="0"/>
+            </a:endParaRPr>
+          </a:p>
+        </p:txBody>
+      </p:sp>
+      <p:sp>
+        <p:nvSpPr>
+          <p:cNvPr id="3" name="내용 개체 틀 2"/>
+          <p:cNvSpPr>
+            <a:spLocks noGrp="1"/>
+          </p:cNvSpPr>
+          <p:nvPr>
+            <p:ph idx="1"/>
+          </p:nvPr>
+        </p:nvSpPr>
+        <p:spPr>
+          <a:xfrm>
+            <a:off x="838200" y="1363847"/>
+            <a:ext cx="10515600" cy="5284922"/>
+          </a:xfrm>
+        </p:spPr>
+        <p:txBody>
+          <a:bodyPr/>
+          <a:lstStyle/>
+          <a:p>
+            <a:r>
+              <a:rPr kumimoji="1" lang="en-US" altLang="ko-KR" dirty="0" smtClean="0">
+                <a:latin typeface="Arial" charset="0"/>
+                <a:ea typeface="Arial" charset="0"/>
+                <a:cs typeface="Arial" charset="0"/>
+              </a:rPr>
+              <a:t>Testing : ELM RMSE</a:t>
             </a:r>
             <a:endParaRPr kumimoji="1" lang="ko-KR" altLang="en-US" dirty="0">
               <a:latin typeface="Arial" charset="0"/>
@@ -21599,7 +23064,7 @@
 </p:sld>
 </file>
 
-<file path=ppt/slides/slide26.xml><?xml version="1.0" encoding="utf-8"?>
+<file path=ppt/slides/slide27.xml><?xml version="1.0" encoding="utf-8"?>
 <p:sld xmlns:a="http://schemas.openxmlformats.org/drawingml/2006/main" xmlns:r="http://schemas.openxmlformats.org/officeDocument/2006/relationships" xmlns:p="http://schemas.openxmlformats.org/presentationml/2006/main">
   <p:cSld>
     <p:spTree>
@@ -21764,7 +23229,7 @@
 </p:sld>
 </file>
 
-<file path=ppt/slides/slide27.xml><?xml version="1.0" encoding="utf-8"?>
+<file path=ppt/slides/slide28.xml><?xml version="1.0" encoding="utf-8"?>
 <p:sld xmlns:a="http://schemas.openxmlformats.org/drawingml/2006/main" xmlns:r="http://schemas.openxmlformats.org/officeDocument/2006/relationships" xmlns:p="http://schemas.openxmlformats.org/presentationml/2006/main">
   <p:cSld>
     <p:spTree>
@@ -22001,13 +23466,13 @@
           <p:nvPr>
             <p:extLst>
               <p:ext uri="{D42A27DB-BD31-4B8C-83A1-F6EECF244321}">
-                <p14:modId xmlns:p14="http://schemas.microsoft.com/office/powerpoint/2010/main" val="594227859"/>
+                <p14:modId xmlns:p14="http://schemas.microsoft.com/office/powerpoint/2010/main" val="686720027"/>
               </p:ext>
             </p:extLst>
           </p:nvPr>
         </p:nvGraphicFramePr>
         <p:xfrm>
-          <a:off x="962332" y="4374534"/>
+          <a:off x="962332" y="4403110"/>
           <a:ext cx="10267336" cy="1470199"/>
         </p:xfrm>
         <a:graphic>
@@ -22197,8 +23662,8 @@
                     <a:p>
                       <a:pPr algn="r" latinLnBrk="1"/>
                       <a:r>
-                        <a:rPr lang="nb-NO" altLang="ko-KR" dirty="0" smtClean="0"/>
-                        <a:t>0.0896</a:t>
+                        <a:rPr lang="is-IS" altLang="ko-KR" dirty="0" smtClean="0"/>
+                        <a:t>0.0681</a:t>
                       </a:r>
                       <a:endParaRPr lang="ko-KR" altLang="en-US" dirty="0"/>
                     </a:p>
@@ -22295,8 +23760,8 @@
                     <a:p>
                       <a:pPr algn="r" latinLnBrk="1"/>
                       <a:r>
-                        <a:rPr lang="nb-NO" altLang="ko-KR" dirty="0" smtClean="0"/>
-                        <a:t>0.0337</a:t>
+                        <a:rPr lang="pt-BR" altLang="ko-KR" smtClean="0"/>
+                        <a:t>0.0581</a:t>
                       </a:r>
                       <a:endParaRPr lang="ko-KR" altLang="en-US" dirty="0"/>
                     </a:p>
@@ -22321,7 +23786,7 @@
 </p:sld>
 </file>
 
-<file path=ppt/slides/slide28.xml><?xml version="1.0" encoding="utf-8"?>
+<file path=ppt/slides/slide29.xml><?xml version="1.0" encoding="utf-8"?>
 <p:sld xmlns:a="http://schemas.openxmlformats.org/drawingml/2006/main" xmlns:r="http://schemas.openxmlformats.org/officeDocument/2006/relationships" xmlns:p="http://schemas.openxmlformats.org/presentationml/2006/main">
   <p:cSld>
     <p:spTree>
@@ -22527,7 +23992,7 @@
           <p:nvPr>
             <p:extLst>
               <p:ext uri="{D42A27DB-BD31-4B8C-83A1-F6EECF244321}">
-                <p14:modId xmlns:p14="http://schemas.microsoft.com/office/powerpoint/2010/main" val="1482577207"/>
+                <p14:modId xmlns:p14="http://schemas.microsoft.com/office/powerpoint/2010/main" val="851963047"/>
               </p:ext>
             </p:extLst>
           </p:nvPr>
@@ -22723,8 +24188,8 @@
                     <a:p>
                       <a:pPr algn="r" latinLnBrk="1"/>
                       <a:r>
-                        <a:rPr lang="is-IS" altLang="ko-KR" dirty="0" smtClean="0"/>
-                        <a:t>0.1073</a:t>
+                        <a:rPr lang="hr-HR" altLang="ko-KR" dirty="0" smtClean="0"/>
+                        <a:t>0.1383</a:t>
                       </a:r>
                       <a:endParaRPr lang="ko-KR" altLang="en-US" dirty="0"/>
                     </a:p>
@@ -22821,8 +24286,8 @@
                     <a:p>
                       <a:pPr algn="r" latinLnBrk="1"/>
                       <a:r>
-                        <a:rPr lang="is-IS" altLang="ko-KR" dirty="0" smtClean="0"/>
-                        <a:t>0.0670</a:t>
+                        <a:rPr lang="nb-NO" altLang="ko-KR" dirty="0" smtClean="0"/>
+                        <a:t>0.1030</a:t>
                       </a:r>
                       <a:endParaRPr lang="ko-KR" altLang="en-US" dirty="0"/>
                     </a:p>
@@ -22847,7 +24312,327 @@
 </p:sld>
 </file>
 
-<file path=ppt/slides/slide29.xml><?xml version="1.0" encoding="utf-8"?>
+<file path=ppt/slides/slide3.xml><?xml version="1.0" encoding="utf-8"?>
+<p:sld xmlns:a="http://schemas.openxmlformats.org/drawingml/2006/main" xmlns:r="http://schemas.openxmlformats.org/officeDocument/2006/relationships" xmlns:p="http://schemas.openxmlformats.org/presentationml/2006/main">
+  <p:cSld>
+    <p:spTree>
+      <p:nvGrpSpPr>
+        <p:cNvPr id="1" name=""/>
+        <p:cNvGrpSpPr/>
+        <p:nvPr/>
+      </p:nvGrpSpPr>
+      <p:grpSpPr>
+        <a:xfrm>
+          <a:off x="0" y="0"/>
+          <a:ext cx="0" cy="0"/>
+          <a:chOff x="0" y="0"/>
+          <a:chExt cx="0" cy="0"/>
+        </a:xfrm>
+      </p:grpSpPr>
+      <p:sp>
+        <p:nvSpPr>
+          <p:cNvPr id="2" name="제목 1"/>
+          <p:cNvSpPr>
+            <a:spLocks noGrp="1"/>
+          </p:cNvSpPr>
+          <p:nvPr>
+            <p:ph type="title"/>
+          </p:nvPr>
+        </p:nvSpPr>
+        <p:spPr>
+          <a:xfrm>
+            <a:off x="838200" y="272138"/>
+            <a:ext cx="10515600" cy="688760"/>
+          </a:xfrm>
+        </p:spPr>
+        <p:txBody>
+          <a:bodyPr>
+            <a:normAutofit fontScale="90000"/>
+          </a:bodyPr>
+          <a:lstStyle/>
+          <a:p>
+            <a:r>
+              <a:rPr kumimoji="1" lang="en-US" altLang="ko-KR" b="1" dirty="0" smtClean="0">
+                <a:latin typeface="Arial" charset="0"/>
+                <a:ea typeface="Arial" charset="0"/>
+                <a:cs typeface="Arial" charset="0"/>
+              </a:rPr>
+              <a:t>Introduction</a:t>
+            </a:r>
+            <a:endParaRPr kumimoji="1" lang="ko-KR" altLang="en-US" b="1" dirty="0">
+              <a:latin typeface="Arial" charset="0"/>
+              <a:ea typeface="Arial" charset="0"/>
+              <a:cs typeface="Arial" charset="0"/>
+            </a:endParaRPr>
+          </a:p>
+        </p:txBody>
+      </p:sp>
+      <p:sp>
+        <p:nvSpPr>
+          <p:cNvPr id="3" name="내용 개체 틀 2"/>
+          <p:cNvSpPr>
+            <a:spLocks noGrp="1"/>
+          </p:cNvSpPr>
+          <p:nvPr>
+            <p:ph idx="1"/>
+          </p:nvPr>
+        </p:nvSpPr>
+        <p:spPr>
+          <a:xfrm>
+            <a:off x="838200" y="1363847"/>
+            <a:ext cx="10515600" cy="5284922"/>
+          </a:xfrm>
+        </p:spPr>
+        <p:txBody>
+          <a:bodyPr/>
+          <a:lstStyle/>
+          <a:p>
+            <a:r>
+              <a:rPr lang="en-US" altLang="ko-KR" dirty="0" smtClean="0">
+                <a:latin typeface="Arial" charset="0"/>
+                <a:ea typeface="Arial" charset="0"/>
+                <a:cs typeface="Arial" charset="0"/>
+              </a:rPr>
+              <a:t>With</a:t>
+            </a:r>
+            <a:r>
+              <a:rPr lang="en-US" altLang="ko-KR" b="1" dirty="0" smtClean="0">
+                <a:latin typeface="Arial" charset="0"/>
+                <a:ea typeface="Arial" charset="0"/>
+                <a:cs typeface="Arial" charset="0"/>
+              </a:rPr>
+              <a:t> machine learning</a:t>
+            </a:r>
+            <a:r>
+              <a:rPr lang="en-US" altLang="ko-KR" dirty="0" smtClean="0">
+                <a:latin typeface="Arial" charset="0"/>
+                <a:ea typeface="Arial" charset="0"/>
+                <a:cs typeface="Arial" charset="0"/>
+              </a:rPr>
+              <a:t>, we can effectively </a:t>
+            </a:r>
+            <a:r>
+              <a:rPr lang="en-US" altLang="ko-KR" dirty="0">
+                <a:latin typeface="Arial" charset="0"/>
+                <a:ea typeface="Arial" charset="0"/>
+                <a:cs typeface="Arial" charset="0"/>
+              </a:rPr>
+              <a:t>approach for short-term electricity </a:t>
+            </a:r>
+            <a:r>
+              <a:rPr lang="en-US" altLang="ko-KR" dirty="0" smtClean="0">
+                <a:latin typeface="Arial" charset="0"/>
+                <a:ea typeface="Arial" charset="0"/>
+                <a:cs typeface="Arial" charset="0"/>
+              </a:rPr>
+              <a:t>load forecasting (STLF).</a:t>
+            </a:r>
+            <a:endParaRPr lang="en-US" altLang="ko-KR" dirty="0">
+              <a:latin typeface="Arial" charset="0"/>
+              <a:ea typeface="Arial" charset="0"/>
+              <a:cs typeface="Arial" charset="0"/>
+            </a:endParaRPr>
+          </a:p>
+          <a:p>
+            <a:r>
+              <a:rPr lang="en-US" altLang="ko-KR" dirty="0" smtClean="0">
+                <a:latin typeface="Arial" charset="0"/>
+                <a:ea typeface="Arial" charset="0"/>
+                <a:cs typeface="Arial" charset="0"/>
+              </a:rPr>
+              <a:t>Accurate load </a:t>
+            </a:r>
+            <a:r>
+              <a:rPr lang="en-US" altLang="ko-KR" dirty="0">
+                <a:latin typeface="Arial" charset="0"/>
+                <a:ea typeface="Arial" charset="0"/>
+                <a:cs typeface="Arial" charset="0"/>
+              </a:rPr>
+              <a:t>forecasting is pivotal for the economic and secure operation of the power </a:t>
+            </a:r>
+            <a:r>
+              <a:rPr lang="en-US" altLang="ko-KR" dirty="0" smtClean="0">
+                <a:latin typeface="Arial" charset="0"/>
+                <a:ea typeface="Arial" charset="0"/>
+                <a:cs typeface="Arial" charset="0"/>
+              </a:rPr>
+              <a:t>system.</a:t>
+            </a:r>
+            <a:endParaRPr lang="en-US" altLang="ko-KR" dirty="0">
+              <a:latin typeface="Arial" charset="0"/>
+              <a:ea typeface="Arial" charset="0"/>
+              <a:cs typeface="Arial" charset="0"/>
+            </a:endParaRPr>
+          </a:p>
+          <a:p>
+            <a:r>
+              <a:rPr kumimoji="1" lang="en-US" altLang="ko-KR" dirty="0">
+                <a:latin typeface="Arial" charset="0"/>
+                <a:ea typeface="Arial" charset="0"/>
+                <a:cs typeface="Arial" charset="0"/>
+              </a:rPr>
+              <a:t>T</a:t>
+            </a:r>
+            <a:r>
+              <a:rPr kumimoji="1" lang="en-US" altLang="ko-KR" dirty="0" smtClean="0">
+                <a:latin typeface="Arial" charset="0"/>
+                <a:ea typeface="Arial" charset="0"/>
+                <a:cs typeface="Arial" charset="0"/>
+              </a:rPr>
+              <a:t>here </a:t>
+            </a:r>
+            <a:r>
+              <a:rPr kumimoji="1" lang="en-US" altLang="ko-KR" dirty="0">
+                <a:latin typeface="Arial" charset="0"/>
+                <a:ea typeface="Arial" charset="0"/>
+                <a:cs typeface="Arial" charset="0"/>
+              </a:rPr>
+              <a:t>have been continuous efforts to achieve high load forecasting accuracy</a:t>
+            </a:r>
+            <a:r>
+              <a:rPr kumimoji="1" lang="en-US" altLang="ko-KR" dirty="0" smtClean="0">
+                <a:latin typeface="Arial" charset="0"/>
+                <a:ea typeface="Arial" charset="0"/>
+                <a:cs typeface="Arial" charset="0"/>
+              </a:rPr>
+              <a:t>.</a:t>
+            </a:r>
+          </a:p>
+          <a:p>
+            <a:pPr lvl="1"/>
+            <a:r>
+              <a:rPr lang="en-US" altLang="ko-KR" dirty="0">
+                <a:latin typeface="Arial" charset="0"/>
+                <a:ea typeface="Arial" charset="0"/>
+                <a:cs typeface="Arial" charset="0"/>
+              </a:rPr>
+              <a:t>improvement of the performance of the</a:t>
+            </a:r>
+            <a:r>
+              <a:rPr lang="en-US" altLang="ko-KR" b="1" dirty="0">
+                <a:latin typeface="Arial" charset="0"/>
+                <a:ea typeface="Arial" charset="0"/>
+                <a:cs typeface="Arial" charset="0"/>
+              </a:rPr>
+              <a:t> learning </a:t>
+            </a:r>
+            <a:r>
+              <a:rPr lang="en-US" altLang="ko-KR" b="1" dirty="0" smtClean="0">
+                <a:latin typeface="Arial" charset="0"/>
+                <a:ea typeface="Arial" charset="0"/>
+                <a:cs typeface="Arial" charset="0"/>
+              </a:rPr>
+              <a:t>algorithm model</a:t>
+            </a:r>
+            <a:endParaRPr lang="en-US" altLang="ko-KR" b="1" dirty="0">
+              <a:latin typeface="Arial" charset="0"/>
+              <a:ea typeface="Arial" charset="0"/>
+              <a:cs typeface="Arial" charset="0"/>
+            </a:endParaRPr>
+          </a:p>
+          <a:p>
+            <a:pPr lvl="1"/>
+            <a:r>
+              <a:rPr lang="en-US" altLang="ko-KR" dirty="0">
+                <a:latin typeface="Arial" charset="0"/>
+                <a:ea typeface="Arial" charset="0"/>
+                <a:cs typeface="Arial" charset="0"/>
+              </a:rPr>
+              <a:t>how well the </a:t>
+            </a:r>
+            <a:r>
+              <a:rPr lang="en-US" altLang="ko-KR" b="1" dirty="0">
+                <a:latin typeface="Arial" charset="0"/>
+                <a:ea typeface="Arial" charset="0"/>
+                <a:cs typeface="Arial" charset="0"/>
+              </a:rPr>
+              <a:t>data features</a:t>
+            </a:r>
+            <a:r>
+              <a:rPr lang="en-US" altLang="ko-KR" dirty="0">
+                <a:latin typeface="Arial" charset="0"/>
+                <a:ea typeface="Arial" charset="0"/>
+                <a:cs typeface="Arial" charset="0"/>
+              </a:rPr>
+              <a:t> are extracted through the </a:t>
+            </a:r>
+            <a:r>
+              <a:rPr lang="en-US" altLang="ko-KR" b="1" dirty="0" smtClean="0">
+                <a:latin typeface="Arial" charset="0"/>
+                <a:ea typeface="Arial" charset="0"/>
+                <a:cs typeface="Arial" charset="0"/>
+              </a:rPr>
+              <a:t>pre-processing process</a:t>
+            </a:r>
+          </a:p>
+          <a:p>
+            <a:endParaRPr lang="en-US" altLang="ko-KR" dirty="0">
+              <a:latin typeface="Arial" charset="0"/>
+              <a:ea typeface="Arial" charset="0"/>
+              <a:cs typeface="Arial" charset="0"/>
+            </a:endParaRPr>
+          </a:p>
+          <a:p>
+            <a:endParaRPr kumimoji="1" lang="ko-KR" altLang="en-US" dirty="0">
+              <a:latin typeface="Arial" charset="0"/>
+              <a:ea typeface="Arial" charset="0"/>
+              <a:cs typeface="Arial" charset="0"/>
+            </a:endParaRPr>
+          </a:p>
+        </p:txBody>
+      </p:sp>
+      <p:cxnSp>
+        <p:nvCxnSpPr>
+          <p:cNvPr id="5" name="직선 연결선[R] 4"/>
+          <p:cNvCxnSpPr/>
+          <p:nvPr/>
+        </p:nvCxnSpPr>
+        <p:spPr>
+          <a:xfrm>
+            <a:off x="838200" y="1133882"/>
+            <a:ext cx="10515600" cy="0"/>
+          </a:xfrm>
+          <a:prstGeom prst="line">
+            <a:avLst/>
+          </a:prstGeom>
+          <a:ln w="77851" cmpd="tri"/>
+        </p:spPr>
+        <p:style>
+          <a:lnRef idx="1">
+            <a:schemeClr val="accent1"/>
+          </a:lnRef>
+          <a:fillRef idx="0">
+            <a:schemeClr val="accent1"/>
+          </a:fillRef>
+          <a:effectRef idx="0">
+            <a:schemeClr val="accent1"/>
+          </a:effectRef>
+          <a:fontRef idx="minor">
+            <a:schemeClr val="tx1"/>
+          </a:fontRef>
+        </p:style>
+      </p:cxnSp>
+    </p:spTree>
+    <p:extLst>
+      <p:ext uri="{BB962C8B-B14F-4D97-AF65-F5344CB8AC3E}">
+        <p14:creationId xmlns:p14="http://schemas.microsoft.com/office/powerpoint/2010/main" val="1020859649"/>
+      </p:ext>
+    </p:extLst>
+  </p:cSld>
+  <p:clrMapOvr>
+    <a:masterClrMapping/>
+  </p:clrMapOvr>
+  <p:timing>
+    <p:tnLst>
+      <p:par>
+        <p:cTn id="1" dur="indefinite" restart="never" nodeType="tmRoot"/>
+      </p:par>
+    </p:tnLst>
+  </p:timing>
+</p:sld>
+</file>
+
+<file path=ppt/slides/slide30.xml><?xml version="1.0" encoding="utf-8"?>
 <p:sld xmlns:a="http://schemas.openxmlformats.org/drawingml/2006/main" xmlns:r="http://schemas.openxmlformats.org/officeDocument/2006/relationships" xmlns:p="http://schemas.openxmlformats.org/presentationml/2006/main">
   <p:cSld>
     <p:spTree>
@@ -23088,7 +24873,7 @@
           <p:nvPr>
             <p:extLst>
               <p:ext uri="{D42A27DB-BD31-4B8C-83A1-F6EECF244321}">
-                <p14:modId xmlns:p14="http://schemas.microsoft.com/office/powerpoint/2010/main" val="1244119644"/>
+                <p14:modId xmlns:p14="http://schemas.microsoft.com/office/powerpoint/2010/main" val="1919484917"/>
               </p:ext>
             </p:extLst>
           </p:nvPr>
@@ -23285,7 +25070,7 @@
                       <a:pPr algn="r" latinLnBrk="1"/>
                       <a:r>
                         <a:rPr lang="nb-NO" altLang="ko-KR" dirty="0" smtClean="0"/>
-                        <a:t>0.1543</a:t>
+                        <a:t>0.1173</a:t>
                       </a:r>
                       <a:endParaRPr lang="ko-KR" altLang="en-US" dirty="0"/>
                     </a:p>
@@ -23383,7 +25168,7 @@
                       <a:pPr algn="r" latinLnBrk="1"/>
                       <a:r>
                         <a:rPr lang="is-IS" altLang="ko-KR" dirty="0" smtClean="0"/>
-                        <a:t>0.0807</a:t>
+                        <a:t>0.1244</a:t>
                       </a:r>
                       <a:endParaRPr lang="ko-KR" altLang="en-US" dirty="0"/>
                     </a:p>
@@ -23408,320 +25193,7 @@
 </p:sld>
 </file>
 
-<file path=ppt/slides/slide3.xml><?xml version="1.0" encoding="utf-8"?>
-<p:sld xmlns:a="http://schemas.openxmlformats.org/drawingml/2006/main" xmlns:r="http://schemas.openxmlformats.org/officeDocument/2006/relationships" xmlns:p="http://schemas.openxmlformats.org/presentationml/2006/main">
-  <p:cSld>
-    <p:spTree>
-      <p:nvGrpSpPr>
-        <p:cNvPr id="1" name=""/>
-        <p:cNvGrpSpPr/>
-        <p:nvPr/>
-      </p:nvGrpSpPr>
-      <p:grpSpPr>
-        <a:xfrm>
-          <a:off x="0" y="0"/>
-          <a:ext cx="0" cy="0"/>
-          <a:chOff x="0" y="0"/>
-          <a:chExt cx="0" cy="0"/>
-        </a:xfrm>
-      </p:grpSpPr>
-      <p:sp>
-        <p:nvSpPr>
-          <p:cNvPr id="2" name="제목 1"/>
-          <p:cNvSpPr>
-            <a:spLocks noGrp="1"/>
-          </p:cNvSpPr>
-          <p:nvPr>
-            <p:ph type="title"/>
-          </p:nvPr>
-        </p:nvSpPr>
-        <p:spPr>
-          <a:xfrm>
-            <a:off x="838200" y="272138"/>
-            <a:ext cx="10515600" cy="688760"/>
-          </a:xfrm>
-        </p:spPr>
-        <p:txBody>
-          <a:bodyPr>
-            <a:normAutofit fontScale="90000"/>
-          </a:bodyPr>
-          <a:lstStyle/>
-          <a:p>
-            <a:r>
-              <a:rPr kumimoji="1" lang="en-US" altLang="ko-KR" b="1" dirty="0" smtClean="0">
-                <a:latin typeface="Arial" charset="0"/>
-                <a:ea typeface="Arial" charset="0"/>
-                <a:cs typeface="Arial" charset="0"/>
-              </a:rPr>
-              <a:t>Introduction</a:t>
-            </a:r>
-            <a:endParaRPr kumimoji="1" lang="ko-KR" altLang="en-US" b="1" dirty="0">
-              <a:latin typeface="Arial" charset="0"/>
-              <a:ea typeface="Arial" charset="0"/>
-              <a:cs typeface="Arial" charset="0"/>
-            </a:endParaRPr>
-          </a:p>
-        </p:txBody>
-      </p:sp>
-      <p:sp>
-        <p:nvSpPr>
-          <p:cNvPr id="3" name="내용 개체 틀 2"/>
-          <p:cNvSpPr>
-            <a:spLocks noGrp="1"/>
-          </p:cNvSpPr>
-          <p:nvPr>
-            <p:ph idx="1"/>
-          </p:nvPr>
-        </p:nvSpPr>
-        <p:spPr>
-          <a:xfrm>
-            <a:off x="838200" y="1363847"/>
-            <a:ext cx="10515600" cy="5284922"/>
-          </a:xfrm>
-        </p:spPr>
-        <p:txBody>
-          <a:bodyPr/>
-          <a:lstStyle/>
-          <a:p>
-            <a:r>
-              <a:rPr lang="en-US" altLang="ko-KR" dirty="0" smtClean="0">
-                <a:latin typeface="Arial" charset="0"/>
-                <a:ea typeface="Arial" charset="0"/>
-                <a:cs typeface="Arial" charset="0"/>
-              </a:rPr>
-              <a:t>With</a:t>
-            </a:r>
-            <a:r>
-              <a:rPr lang="en-US" altLang="ko-KR" b="1" dirty="0" smtClean="0">
-                <a:latin typeface="Arial" charset="0"/>
-                <a:ea typeface="Arial" charset="0"/>
-                <a:cs typeface="Arial" charset="0"/>
-              </a:rPr>
-              <a:t> machine learning</a:t>
-            </a:r>
-            <a:r>
-              <a:rPr lang="en-US" altLang="ko-KR" dirty="0" smtClean="0">
-                <a:latin typeface="Arial" charset="0"/>
-                <a:ea typeface="Arial" charset="0"/>
-                <a:cs typeface="Arial" charset="0"/>
-              </a:rPr>
-              <a:t>, we can effectively </a:t>
-            </a:r>
-            <a:r>
-              <a:rPr lang="en-US" altLang="ko-KR" dirty="0">
-                <a:latin typeface="Arial" charset="0"/>
-                <a:ea typeface="Arial" charset="0"/>
-                <a:cs typeface="Arial" charset="0"/>
-              </a:rPr>
-              <a:t>approach for short-term electricity </a:t>
-            </a:r>
-            <a:r>
-              <a:rPr lang="en-US" altLang="ko-KR" dirty="0" smtClean="0">
-                <a:latin typeface="Arial" charset="0"/>
-                <a:ea typeface="Arial" charset="0"/>
-                <a:cs typeface="Arial" charset="0"/>
-              </a:rPr>
-              <a:t>load forecasting (STLF).</a:t>
-            </a:r>
-            <a:endParaRPr lang="en-US" altLang="ko-KR" dirty="0">
-              <a:latin typeface="Arial" charset="0"/>
-              <a:ea typeface="Arial" charset="0"/>
-              <a:cs typeface="Arial" charset="0"/>
-            </a:endParaRPr>
-          </a:p>
-          <a:p>
-            <a:r>
-              <a:rPr lang="en-US" altLang="ko-KR" dirty="0" smtClean="0">
-                <a:latin typeface="Arial" charset="0"/>
-                <a:ea typeface="Arial" charset="0"/>
-                <a:cs typeface="Arial" charset="0"/>
-              </a:rPr>
-              <a:t>Accurate load </a:t>
-            </a:r>
-            <a:r>
-              <a:rPr lang="en-US" altLang="ko-KR" dirty="0">
-                <a:latin typeface="Arial" charset="0"/>
-                <a:ea typeface="Arial" charset="0"/>
-                <a:cs typeface="Arial" charset="0"/>
-              </a:rPr>
-              <a:t>forecasting is pivotal for the economic and secure operation of the power </a:t>
-            </a:r>
-            <a:r>
-              <a:rPr lang="en-US" altLang="ko-KR" dirty="0" smtClean="0">
-                <a:latin typeface="Arial" charset="0"/>
-                <a:ea typeface="Arial" charset="0"/>
-                <a:cs typeface="Arial" charset="0"/>
-              </a:rPr>
-              <a:t>system.</a:t>
-            </a:r>
-            <a:endParaRPr lang="en-US" altLang="ko-KR" dirty="0">
-              <a:latin typeface="Arial" charset="0"/>
-              <a:ea typeface="Arial" charset="0"/>
-              <a:cs typeface="Arial" charset="0"/>
-            </a:endParaRPr>
-          </a:p>
-          <a:p>
-            <a:r>
-              <a:rPr kumimoji="1" lang="en-US" altLang="ko-KR" dirty="0">
-                <a:latin typeface="Arial" charset="0"/>
-                <a:ea typeface="Arial" charset="0"/>
-                <a:cs typeface="Arial" charset="0"/>
-              </a:rPr>
-              <a:t>T</a:t>
-            </a:r>
-            <a:r>
-              <a:rPr kumimoji="1" lang="en-US" altLang="ko-KR" dirty="0" smtClean="0">
-                <a:latin typeface="Arial" charset="0"/>
-                <a:ea typeface="Arial" charset="0"/>
-                <a:cs typeface="Arial" charset="0"/>
-              </a:rPr>
-              <a:t>here </a:t>
-            </a:r>
-            <a:r>
-              <a:rPr kumimoji="1" lang="en-US" altLang="ko-KR" dirty="0">
-                <a:latin typeface="Arial" charset="0"/>
-                <a:ea typeface="Arial" charset="0"/>
-                <a:cs typeface="Arial" charset="0"/>
-              </a:rPr>
-              <a:t>have been continuous efforts to achieve high load forecasting accuracy</a:t>
-            </a:r>
-            <a:r>
-              <a:rPr kumimoji="1" lang="en-US" altLang="ko-KR" dirty="0" smtClean="0">
-                <a:latin typeface="Arial" charset="0"/>
-                <a:ea typeface="Arial" charset="0"/>
-                <a:cs typeface="Arial" charset="0"/>
-              </a:rPr>
-              <a:t>.</a:t>
-            </a:r>
-          </a:p>
-          <a:p>
-            <a:pPr lvl="1"/>
-            <a:r>
-              <a:rPr lang="en-US" altLang="ko-KR" dirty="0">
-                <a:latin typeface="Arial" charset="0"/>
-                <a:ea typeface="Arial" charset="0"/>
-                <a:cs typeface="Arial" charset="0"/>
-              </a:rPr>
-              <a:t>improvement of the performance of the</a:t>
-            </a:r>
-            <a:r>
-              <a:rPr lang="en-US" altLang="ko-KR" b="1" dirty="0">
-                <a:latin typeface="Arial" charset="0"/>
-                <a:ea typeface="Arial" charset="0"/>
-                <a:cs typeface="Arial" charset="0"/>
-              </a:rPr>
-              <a:t> learning </a:t>
-            </a:r>
-            <a:r>
-              <a:rPr lang="en-US" altLang="ko-KR" b="1" dirty="0" smtClean="0">
-                <a:latin typeface="Arial" charset="0"/>
-                <a:ea typeface="Arial" charset="0"/>
-                <a:cs typeface="Arial" charset="0"/>
-              </a:rPr>
-              <a:t>algorithm model</a:t>
-            </a:r>
-            <a:endParaRPr lang="en-US" altLang="ko-KR" b="1" dirty="0">
-              <a:latin typeface="Arial" charset="0"/>
-              <a:ea typeface="Arial" charset="0"/>
-              <a:cs typeface="Arial" charset="0"/>
-            </a:endParaRPr>
-          </a:p>
-          <a:p>
-            <a:pPr lvl="1"/>
-            <a:r>
-              <a:rPr lang="en-US" altLang="ko-KR" dirty="0">
-                <a:latin typeface="Arial" charset="0"/>
-                <a:ea typeface="Arial" charset="0"/>
-                <a:cs typeface="Arial" charset="0"/>
-              </a:rPr>
-              <a:t>how well the </a:t>
-            </a:r>
-            <a:r>
-              <a:rPr lang="en-US" altLang="ko-KR" b="1" dirty="0">
-                <a:latin typeface="Arial" charset="0"/>
-                <a:ea typeface="Arial" charset="0"/>
-                <a:cs typeface="Arial" charset="0"/>
-              </a:rPr>
-              <a:t>data features</a:t>
-            </a:r>
-            <a:r>
-              <a:rPr lang="en-US" altLang="ko-KR" dirty="0">
-                <a:latin typeface="Arial" charset="0"/>
-                <a:ea typeface="Arial" charset="0"/>
-                <a:cs typeface="Arial" charset="0"/>
-              </a:rPr>
-              <a:t> are extracted through the </a:t>
-            </a:r>
-            <a:r>
-              <a:rPr lang="en-US" altLang="ko-KR" b="1" dirty="0" smtClean="0">
-                <a:latin typeface="Arial" charset="0"/>
-                <a:ea typeface="Arial" charset="0"/>
-                <a:cs typeface="Arial" charset="0"/>
-              </a:rPr>
-              <a:t>pre-processing process</a:t>
-            </a:r>
-          </a:p>
-          <a:p>
-            <a:endParaRPr lang="en-US" altLang="ko-KR" dirty="0">
-              <a:latin typeface="Arial" charset="0"/>
-              <a:ea typeface="Arial" charset="0"/>
-              <a:cs typeface="Arial" charset="0"/>
-            </a:endParaRPr>
-          </a:p>
-          <a:p>
-            <a:endParaRPr kumimoji="1" lang="ko-KR" altLang="en-US" dirty="0">
-              <a:latin typeface="Arial" charset="0"/>
-              <a:ea typeface="Arial" charset="0"/>
-              <a:cs typeface="Arial" charset="0"/>
-            </a:endParaRPr>
-          </a:p>
-        </p:txBody>
-      </p:sp>
-      <p:cxnSp>
-        <p:nvCxnSpPr>
-          <p:cNvPr id="5" name="직선 연결선[R] 4"/>
-          <p:cNvCxnSpPr/>
-          <p:nvPr/>
-        </p:nvCxnSpPr>
-        <p:spPr>
-          <a:xfrm>
-            <a:off x="838200" y="1133882"/>
-            <a:ext cx="10515600" cy="0"/>
-          </a:xfrm>
-          <a:prstGeom prst="line">
-            <a:avLst/>
-          </a:prstGeom>
-          <a:ln w="77851" cmpd="tri"/>
-        </p:spPr>
-        <p:style>
-          <a:lnRef idx="1">
-            <a:schemeClr val="accent1"/>
-          </a:lnRef>
-          <a:fillRef idx="0">
-            <a:schemeClr val="accent1"/>
-          </a:fillRef>
-          <a:effectRef idx="0">
-            <a:schemeClr val="accent1"/>
-          </a:effectRef>
-          <a:fontRef idx="minor">
-            <a:schemeClr val="tx1"/>
-          </a:fontRef>
-        </p:style>
-      </p:cxnSp>
-    </p:spTree>
-    <p:extLst>
-      <p:ext uri="{BB962C8B-B14F-4D97-AF65-F5344CB8AC3E}">
-        <p14:creationId xmlns:p14="http://schemas.microsoft.com/office/powerpoint/2010/main" val="1020859649"/>
-      </p:ext>
-    </p:extLst>
-  </p:cSld>
-  <p:clrMapOvr>
-    <a:masterClrMapping/>
-  </p:clrMapOvr>
-</p:sld>
-</file>
-
-<file path=ppt/slides/slide30.xml><?xml version="1.0" encoding="utf-8"?>
+<file path=ppt/slides/slide31.xml><?xml version="1.0" encoding="utf-8"?>
 <p:sld xmlns:a="http://schemas.openxmlformats.org/drawingml/2006/main" xmlns:r="http://schemas.openxmlformats.org/officeDocument/2006/relationships" xmlns:p="http://schemas.openxmlformats.org/presentationml/2006/main">
   <p:cSld>
     <p:spTree>
@@ -23947,7 +25419,7 @@
           <p:nvPr>
             <p:extLst>
               <p:ext uri="{D42A27DB-BD31-4B8C-83A1-F6EECF244321}">
-                <p14:modId xmlns:p14="http://schemas.microsoft.com/office/powerpoint/2010/main" val="1347774489"/>
+                <p14:modId xmlns:p14="http://schemas.microsoft.com/office/powerpoint/2010/main" val="1029582628"/>
               </p:ext>
             </p:extLst>
           </p:nvPr>
@@ -24143,8 +25615,8 @@
                     <a:p>
                       <a:pPr algn="r" latinLnBrk="1"/>
                       <a:r>
-                        <a:rPr lang="hr-HR" altLang="ko-KR" dirty="0" smtClean="0"/>
-                        <a:t>0.0932</a:t>
+                        <a:rPr lang="nb-NO" altLang="ko-KR" dirty="0" smtClean="0"/>
+                        <a:t>0.1400</a:t>
                       </a:r>
                       <a:endParaRPr lang="ko-KR" altLang="en-US" dirty="0"/>
                     </a:p>
@@ -24242,7 +25714,7 @@
                       <a:pPr algn="r" latinLnBrk="1"/>
                       <a:r>
                         <a:rPr lang="hr-HR" altLang="ko-KR" dirty="0" smtClean="0"/>
-                        <a:t>0.0755</a:t>
+                        <a:t>0.0970</a:t>
                       </a:r>
                       <a:endParaRPr lang="ko-KR" altLang="en-US" dirty="0"/>
                     </a:p>
@@ -24267,7 +25739,7 @@
 </p:sld>
 </file>
 
-<file path=ppt/slides/slide31.xml><?xml version="1.0" encoding="utf-8"?>
+<file path=ppt/slides/slide32.xml><?xml version="1.0" encoding="utf-8"?>
 <p:sld xmlns:a="http://schemas.openxmlformats.org/drawingml/2006/main" xmlns:r="http://schemas.openxmlformats.org/officeDocument/2006/relationships" xmlns:p="http://schemas.openxmlformats.org/presentationml/2006/main">
   <p:cSld>
     <p:spTree>
@@ -24420,7 +25892,18 @@
                 <a:ea typeface="Arial" charset="0"/>
                 <a:cs typeface="Arial" charset="0"/>
               </a:rPr>
-              <a:t>Learning </a:t>
+              <a:t>Learning algorithm</a:t>
+            </a:r>
+          </a:p>
+          <a:p>
+            <a:pPr lvl="1"/>
+            <a:r>
+              <a:rPr kumimoji="1" lang="en-US" altLang="ko-KR" dirty="0">
+                <a:latin typeface="Arial" charset="0"/>
+                <a:ea typeface="Arial" charset="0"/>
+                <a:cs typeface="Arial" charset="0"/>
+              </a:rPr>
+              <a:t>H-ELM showed </a:t>
             </a:r>
             <a:r>
               <a:rPr kumimoji="1" lang="en-US" altLang="ko-KR" dirty="0" smtClean="0">
@@ -24428,18 +25911,15 @@
                 <a:ea typeface="Arial" charset="0"/>
                 <a:cs typeface="Arial" charset="0"/>
               </a:rPr>
-              <a:t>algorithm</a:t>
-            </a:r>
-          </a:p>
-          <a:p>
-            <a:pPr lvl="1"/>
+              <a:t>better </a:t>
+            </a:r>
             <a:r>
               <a:rPr kumimoji="1" lang="en-US" altLang="ko-KR" dirty="0">
                 <a:latin typeface="Arial" charset="0"/>
                 <a:ea typeface="Arial" charset="0"/>
                 <a:cs typeface="Arial" charset="0"/>
               </a:rPr>
-              <a:t>H-ELM showed </a:t>
+              <a:t>prediction accuracy compared to </a:t>
             </a:r>
             <a:r>
               <a:rPr kumimoji="1" lang="en-US" altLang="ko-KR" dirty="0" smtClean="0">
@@ -24447,29 +25927,8 @@
                 <a:ea typeface="Arial" charset="0"/>
                 <a:cs typeface="Arial" charset="0"/>
               </a:rPr>
-              <a:t>better </a:t>
-            </a:r>
-            <a:r>
-              <a:rPr kumimoji="1" lang="en-US" altLang="ko-KR" dirty="0">
-                <a:latin typeface="Arial" charset="0"/>
-                <a:ea typeface="Arial" charset="0"/>
-                <a:cs typeface="Arial" charset="0"/>
-              </a:rPr>
-              <a:t>prediction accuracy compared to </a:t>
-            </a:r>
-            <a:r>
-              <a:rPr kumimoji="1" lang="en-US" altLang="ko-KR" dirty="0" smtClean="0">
-                <a:latin typeface="Arial" charset="0"/>
-                <a:ea typeface="Arial" charset="0"/>
-                <a:cs typeface="Arial" charset="0"/>
-              </a:rPr>
               <a:t>ELM</a:t>
             </a:r>
-            <a:endParaRPr kumimoji="1" lang="en-US" altLang="ko-KR" dirty="0" smtClean="0">
-              <a:latin typeface="Arial" charset="0"/>
-              <a:ea typeface="Arial" charset="0"/>
-              <a:cs typeface="Arial" charset="0"/>
-            </a:endParaRPr>
           </a:p>
           <a:p>
             <a:pPr lvl="2"/>
@@ -24509,7 +25968,18 @@
                 <a:ea typeface="Arial" charset="0"/>
                 <a:cs typeface="Arial" charset="0"/>
               </a:rPr>
-              <a:t>than single ELM</a:t>
+              <a:t>than </a:t>
+            </a:r>
+            <a:r>
+              <a:rPr kumimoji="1" lang="en-US" altLang="ko-KR" dirty="0" smtClean="0">
+                <a:solidFill>
+                  <a:srgbClr val="FF0000"/>
+                </a:solidFill>
+                <a:latin typeface="Arial" charset="0"/>
+                <a:ea typeface="Arial" charset="0"/>
+                <a:cs typeface="Arial" charset="0"/>
+              </a:rPr>
+              <a:t>single ELM</a:t>
             </a:r>
           </a:p>
           <a:p>
@@ -24531,10 +26001,24 @@
                 <a:ea typeface="Arial" charset="0"/>
                 <a:cs typeface="Arial" charset="0"/>
               </a:rPr>
-              <a:t>, which was a disadvantage of </a:t>
+              <a:t>, which was a </a:t>
+            </a:r>
+            <a:r>
+              <a:rPr kumimoji="1" lang="en-US" altLang="ko-KR" dirty="0">
+                <a:solidFill>
+                  <a:srgbClr val="FF0000"/>
+                </a:solidFill>
+                <a:latin typeface="Arial" charset="0"/>
+                <a:ea typeface="Arial" charset="0"/>
+                <a:cs typeface="Arial" charset="0"/>
+              </a:rPr>
+              <a:t>disadvantage of </a:t>
             </a:r>
             <a:r>
               <a:rPr kumimoji="1" lang="en-US" altLang="ko-KR" dirty="0" smtClean="0">
+                <a:solidFill>
+                  <a:srgbClr val="FF0000"/>
+                </a:solidFill>
                 <a:latin typeface="Arial" charset="0"/>
                 <a:ea typeface="Arial" charset="0"/>
                 <a:cs typeface="Arial" charset="0"/>
@@ -24552,11 +26036,6 @@
               </a:rPr>
               <a:t>Similar training time compare to ELM</a:t>
             </a:r>
-            <a:endParaRPr kumimoji="1" lang="en-US" altLang="ko-KR" dirty="0" smtClean="0">
-              <a:latin typeface="Arial" charset="0"/>
-              <a:ea typeface="Arial" charset="0"/>
-              <a:cs typeface="Arial" charset="0"/>
-            </a:endParaRPr>
           </a:p>
           <a:p>
             <a:pPr lvl="2"/>
@@ -24612,7 +26091,7 @@
 </p:sld>
 </file>
 
-<file path=ppt/slides/slide32.xml><?xml version="1.0" encoding="utf-8"?>
+<file path=ppt/slides/slide33.xml><?xml version="1.0" encoding="utf-8"?>
 <p:sld xmlns:a="http://schemas.openxmlformats.org/drawingml/2006/main" xmlns:r="http://schemas.openxmlformats.org/officeDocument/2006/relationships" xmlns:p="http://schemas.openxmlformats.org/presentationml/2006/main">
   <p:cSld>
     <p:spTree>
@@ -25288,86 +26767,333 @@
           </a:xfrm>
         </p:spPr>
         <p:txBody>
-          <a:bodyPr/>
+          <a:bodyPr>
+            <a:normAutofit/>
+          </a:bodyPr>
           <a:lstStyle/>
           <a:p>
             <a:r>
-              <a:rPr lang="en-US" altLang="ko-KR" dirty="0"/>
+              <a:rPr lang="en-US" altLang="ko-KR" dirty="0">
+                <a:latin typeface="Arial" charset="0"/>
+                <a:ea typeface="Arial" charset="0"/>
+                <a:cs typeface="Arial" charset="0"/>
+              </a:rPr>
               <a:t>In this </a:t>
             </a:r>
             <a:r>
-              <a:rPr lang="en-US" altLang="ko-KR" dirty="0" smtClean="0"/>
+              <a:rPr lang="en-US" altLang="ko-KR" dirty="0" smtClean="0">
+                <a:latin typeface="Arial" charset="0"/>
+                <a:ea typeface="Arial" charset="0"/>
+                <a:cs typeface="Arial" charset="0"/>
+              </a:rPr>
               <a:t>paper</a:t>
             </a:r>
             <a:r>
-              <a:rPr lang="mr-IN" altLang="ko-KR" dirty="0" smtClean="0"/>
+              <a:rPr lang="mr-IN" altLang="ko-KR" dirty="0" smtClean="0">
+                <a:latin typeface="Arial" charset="0"/>
+                <a:ea typeface="Arial" charset="0"/>
+                <a:cs typeface="Arial" charset="0"/>
+              </a:rPr>
               <a:t>…</a:t>
             </a:r>
-            <a:endParaRPr lang="en-US" altLang="ko-KR" dirty="0" smtClean="0"/>
-          </a:p>
-          <a:p>
-            <a:endParaRPr lang="en-US" altLang="ko-KR" dirty="0" smtClean="0"/>
+            <a:endParaRPr lang="en-US" altLang="ko-KR" dirty="0" smtClean="0">
+              <a:latin typeface="Arial" charset="0"/>
+              <a:ea typeface="Arial" charset="0"/>
+              <a:cs typeface="Arial" charset="0"/>
+            </a:endParaRPr>
           </a:p>
           <a:p>
             <a:pPr lvl="1"/>
             <a:r>
-              <a:rPr lang="en-US" altLang="ko-KR" dirty="0" smtClean="0"/>
-              <a:t>We </a:t>
-            </a:r>
-            <a:r>
-              <a:rPr lang="en-US" altLang="ko-KR" dirty="0"/>
-              <a:t>design Hierarchical extreme learning machine (</a:t>
-            </a:r>
-            <a:r>
-              <a:rPr lang="en-US" altLang="ko-KR" dirty="0" smtClean="0"/>
+              <a:rPr lang="en-US" altLang="ko-KR" dirty="0" smtClean="0">
+                <a:latin typeface="Arial" charset="0"/>
+                <a:ea typeface="Arial" charset="0"/>
+                <a:cs typeface="Arial" charset="0"/>
+              </a:rPr>
+              <a:t>We designed </a:t>
+            </a:r>
+            <a:r>
+              <a:rPr lang="en-US" altLang="ko-KR" b="1" dirty="0">
+                <a:latin typeface="Arial" charset="0"/>
+                <a:ea typeface="Arial" charset="0"/>
+                <a:cs typeface="Arial" charset="0"/>
+              </a:rPr>
+              <a:t>Hierarchical extreme learning machine </a:t>
+            </a:r>
+            <a:r>
+              <a:rPr lang="en-US" altLang="ko-KR" dirty="0">
+                <a:latin typeface="Arial" charset="0"/>
+                <a:ea typeface="Arial" charset="0"/>
+                <a:cs typeface="Arial" charset="0"/>
+              </a:rPr>
+              <a:t>(</a:t>
+            </a:r>
+            <a:r>
+              <a:rPr lang="en-US" altLang="ko-KR" dirty="0" smtClean="0">
+                <a:latin typeface="Arial" charset="0"/>
+                <a:ea typeface="Arial" charset="0"/>
+                <a:cs typeface="Arial" charset="0"/>
+              </a:rPr>
               <a:t>H-ELM) </a:t>
             </a:r>
             <a:r>
-              <a:rPr lang="en-US" altLang="ko-KR" dirty="0"/>
-              <a:t>based model for predicting the electricity load of </a:t>
-            </a:r>
-            <a:r>
-              <a:rPr lang="en-US" altLang="ko-KR" b="1" dirty="0"/>
-              <a:t>Australian National Electricity Market (NEM)</a:t>
-            </a:r>
-            <a:r>
-              <a:rPr lang="en-US" altLang="ko-KR" dirty="0"/>
+              <a:rPr lang="en-US" altLang="ko-KR" dirty="0">
+                <a:latin typeface="Arial" charset="0"/>
+                <a:ea typeface="Arial" charset="0"/>
+                <a:cs typeface="Arial" charset="0"/>
+              </a:rPr>
+              <a:t>based model for predicting the electricity load </a:t>
+            </a:r>
+            <a:r>
+              <a:rPr lang="en-US" altLang="ko-KR" dirty="0" smtClean="0">
+                <a:latin typeface="Arial" charset="0"/>
+                <a:ea typeface="Arial" charset="0"/>
+                <a:cs typeface="Arial" charset="0"/>
+              </a:rPr>
+              <a:t>using </a:t>
+            </a:r>
+            <a:r>
+              <a:rPr lang="en-US" altLang="ko-KR" dirty="0">
+                <a:latin typeface="Arial" charset="0"/>
+                <a:ea typeface="Arial" charset="0"/>
+                <a:cs typeface="Arial" charset="0"/>
+              </a:rPr>
+              <a:t>Australian National Electricity Market (NEM) </a:t>
+            </a:r>
+            <a:r>
+              <a:rPr lang="en-US" altLang="ko-KR" dirty="0" smtClean="0">
+                <a:latin typeface="Arial" charset="0"/>
+                <a:ea typeface="Arial" charset="0"/>
+                <a:cs typeface="Arial" charset="0"/>
+              </a:rPr>
+              <a:t>data [5</a:t>
+            </a:r>
+            <a:r>
+              <a:rPr lang="en-US" altLang="ko-KR" dirty="0">
+                <a:latin typeface="Arial" charset="0"/>
+                <a:ea typeface="Arial" charset="0"/>
+                <a:cs typeface="Arial" charset="0"/>
+              </a:rPr>
+              <a:t>] and </a:t>
+            </a:r>
+            <a:r>
+              <a:rPr lang="en-US" altLang="ko-KR" dirty="0" smtClean="0">
+                <a:latin typeface="Arial" charset="0"/>
+                <a:ea typeface="Arial" charset="0"/>
+                <a:cs typeface="Arial" charset="0"/>
+              </a:rPr>
+              <a:t>the </a:t>
+            </a:r>
+            <a:r>
+              <a:rPr lang="en-US" altLang="ko-KR" dirty="0">
+                <a:latin typeface="Arial" charset="0"/>
+                <a:ea typeface="Arial" charset="0"/>
+                <a:cs typeface="Arial" charset="0"/>
+              </a:rPr>
+              <a:t>historical weather data are obtained from </a:t>
+            </a:r>
+            <a:r>
+              <a:rPr lang="en-US" altLang="ko-KR" dirty="0" smtClean="0">
+                <a:latin typeface="Arial" charset="0"/>
+                <a:ea typeface="Arial" charset="0"/>
+                <a:cs typeface="Arial" charset="0"/>
+              </a:rPr>
+              <a:t>[6]. </a:t>
+            </a:r>
+          </a:p>
+          <a:p>
+            <a:pPr lvl="1"/>
+            <a:endParaRPr lang="en-US" altLang="ko-KR" dirty="0" smtClean="0">
+              <a:latin typeface="Arial" charset="0"/>
+              <a:ea typeface="Arial" charset="0"/>
+              <a:cs typeface="Arial" charset="0"/>
+            </a:endParaRPr>
+          </a:p>
+          <a:p>
+            <a:pPr lvl="1"/>
+            <a:r>
+              <a:rPr lang="en-US" altLang="ko-KR" dirty="0" smtClean="0">
+                <a:latin typeface="Arial" charset="0"/>
+                <a:ea typeface="Arial" charset="0"/>
+                <a:cs typeface="Arial" charset="0"/>
+              </a:rPr>
+              <a:t>Owing </a:t>
+            </a:r>
+            <a:r>
+              <a:rPr lang="en-US" altLang="ko-KR" dirty="0">
+                <a:latin typeface="Arial" charset="0"/>
+                <a:ea typeface="Arial" charset="0"/>
+                <a:cs typeface="Arial" charset="0"/>
+              </a:rPr>
+              <a:t>to the very </a:t>
+            </a:r>
+            <a:r>
+              <a:rPr lang="en-US" altLang="ko-KR" dirty="0">
+                <a:solidFill>
+                  <a:schemeClr val="accent1"/>
+                </a:solidFill>
+                <a:latin typeface="Arial" charset="0"/>
+                <a:ea typeface="Arial" charset="0"/>
+                <a:cs typeface="Arial" charset="0"/>
+              </a:rPr>
+              <a:t>fast training/tuning speed of ELM</a:t>
+            </a:r>
+            <a:r>
+              <a:rPr lang="en-US" altLang="ko-KR" dirty="0">
+                <a:latin typeface="Arial" charset="0"/>
+                <a:ea typeface="Arial" charset="0"/>
+                <a:cs typeface="Arial" charset="0"/>
+              </a:rPr>
               <a:t> </a:t>
             </a:r>
             <a:r>
-              <a:rPr lang="en-US" altLang="ko-KR" dirty="0" smtClean="0"/>
-              <a:t>data </a:t>
-            </a:r>
-            <a:r>
-              <a:rPr lang="en-US" altLang="ko-KR" dirty="0" smtClean="0"/>
-              <a:t>[5]. </a:t>
-            </a:r>
-            <a:endParaRPr lang="en-US" altLang="ko-KR" dirty="0" smtClean="0"/>
+              <a:rPr lang="en-US" altLang="ko-KR" dirty="0" smtClean="0">
+                <a:latin typeface="Arial" charset="0"/>
+                <a:ea typeface="Arial" charset="0"/>
+                <a:cs typeface="Arial" charset="0"/>
+              </a:rPr>
+              <a:t>and </a:t>
+            </a:r>
+            <a:r>
+              <a:rPr lang="en-US" altLang="ko-KR" dirty="0" smtClean="0">
+                <a:solidFill>
+                  <a:schemeClr val="accent1"/>
+                </a:solidFill>
+                <a:latin typeface="Arial" charset="0"/>
+                <a:ea typeface="Arial" charset="0"/>
+                <a:cs typeface="Arial" charset="0"/>
+              </a:rPr>
+              <a:t>multilayer</a:t>
+            </a:r>
+            <a:r>
+              <a:rPr lang="en-US" altLang="ko-KR" dirty="0" smtClean="0">
+                <a:latin typeface="Arial" charset="0"/>
+                <a:ea typeface="Arial" charset="0"/>
+                <a:cs typeface="Arial" charset="0"/>
+              </a:rPr>
+              <a:t> concept</a:t>
+            </a:r>
+            <a:r>
+              <a:rPr lang="en-US" altLang="ko-KR" dirty="0">
+                <a:latin typeface="Arial" charset="0"/>
+                <a:ea typeface="Arial" charset="0"/>
+                <a:cs typeface="Arial" charset="0"/>
+              </a:rPr>
+              <a:t>, </a:t>
+            </a:r>
+            <a:r>
+              <a:rPr lang="en-US" altLang="ko-KR" b="1" dirty="0">
+                <a:latin typeface="Arial" charset="0"/>
+                <a:ea typeface="Arial" charset="0"/>
+                <a:cs typeface="Arial" charset="0"/>
+              </a:rPr>
+              <a:t>H-ELM</a:t>
+            </a:r>
+            <a:r>
+              <a:rPr lang="en-US" altLang="ko-KR" dirty="0">
+                <a:latin typeface="Arial" charset="0"/>
+                <a:ea typeface="Arial" charset="0"/>
+                <a:cs typeface="Arial" charset="0"/>
+              </a:rPr>
+              <a:t> show that the training efficiency and the forecasting accuracy are superior over the competitive algorithms </a:t>
+            </a:r>
+            <a:r>
+              <a:rPr lang="en-US" altLang="ko-KR" dirty="0" smtClean="0">
+                <a:latin typeface="Arial" charset="0"/>
+                <a:ea typeface="Arial" charset="0"/>
+                <a:cs typeface="Arial" charset="0"/>
+              </a:rPr>
+              <a:t>and</a:t>
+            </a:r>
+            <a:r>
+              <a:rPr lang="ko-KR" altLang="en-US" dirty="0" smtClean="0">
+                <a:latin typeface="Arial" charset="0"/>
+                <a:ea typeface="Arial" charset="0"/>
+                <a:cs typeface="Arial" charset="0"/>
+              </a:rPr>
+              <a:t> </a:t>
+            </a:r>
+            <a:r>
+              <a:rPr lang="en-US" altLang="ko-KR" dirty="0" smtClean="0">
+                <a:latin typeface="Arial" charset="0"/>
+                <a:ea typeface="Arial" charset="0"/>
+                <a:cs typeface="Arial" charset="0"/>
+              </a:rPr>
+              <a:t>able to overcome </a:t>
+            </a:r>
+            <a:r>
+              <a:rPr lang="en-US" altLang="ko-KR" dirty="0">
+                <a:solidFill>
+                  <a:schemeClr val="accent1"/>
+                </a:solidFill>
+                <a:latin typeface="Arial" charset="0"/>
+                <a:ea typeface="Arial" charset="0"/>
+                <a:cs typeface="Arial" charset="0"/>
+              </a:rPr>
+              <a:t>overcome instability</a:t>
+            </a:r>
+            <a:r>
+              <a:rPr lang="en-US" altLang="ko-KR" dirty="0">
+                <a:latin typeface="Arial" charset="0"/>
+                <a:ea typeface="Arial" charset="0"/>
+                <a:cs typeface="Arial" charset="0"/>
+              </a:rPr>
+              <a:t> which is characteristic of ELM </a:t>
+            </a:r>
+            <a:r>
+              <a:rPr lang="en-US" altLang="ko-KR" dirty="0" smtClean="0">
+                <a:latin typeface="Arial" charset="0"/>
+                <a:ea typeface="Arial" charset="0"/>
+                <a:cs typeface="Arial" charset="0"/>
+              </a:rPr>
+              <a:t>algorithm.</a:t>
+            </a:r>
           </a:p>
           <a:p>
             <a:pPr lvl="1"/>
-            <a:endParaRPr lang="en-US" altLang="ko-KR" dirty="0" smtClean="0"/>
+            <a:endParaRPr lang="en-US" altLang="ko-KR" dirty="0" smtClean="0">
+              <a:latin typeface="Arial" charset="0"/>
+              <a:ea typeface="Arial" charset="0"/>
+              <a:cs typeface="Arial" charset="0"/>
+            </a:endParaRPr>
           </a:p>
           <a:p>
             <a:pPr lvl="1"/>
             <a:r>
-              <a:rPr lang="en-US" altLang="ko-KR" dirty="0" smtClean="0"/>
-              <a:t>Owing </a:t>
-            </a:r>
-            <a:r>
-              <a:rPr lang="en-US" altLang="ko-KR" dirty="0"/>
-              <a:t>to the very fast training/tuning speed of ELM and multilayer concept, </a:t>
-            </a:r>
-            <a:r>
-              <a:rPr lang="en-US" altLang="ko-KR" b="1" dirty="0"/>
-              <a:t>H-ELM</a:t>
-            </a:r>
-            <a:r>
-              <a:rPr lang="en-US" altLang="ko-KR" dirty="0"/>
-              <a:t> show that the training efficiency and the forecasting accuracy are superior over the competitive algorithms and get better performance due to data pre-processing.</a:t>
-            </a:r>
-          </a:p>
-          <a:p>
+              <a:rPr lang="en-US" altLang="ko-KR" dirty="0" smtClean="0">
+                <a:latin typeface="Arial" charset="0"/>
+                <a:ea typeface="Arial" charset="0"/>
+                <a:cs typeface="Arial" charset="0"/>
+              </a:rPr>
+              <a:t>Also, we checked </a:t>
+            </a:r>
+            <a:r>
+              <a:rPr lang="en-US" altLang="ko-KR" dirty="0">
+                <a:latin typeface="Arial" charset="0"/>
+                <a:ea typeface="Arial" charset="0"/>
+                <a:cs typeface="Arial" charset="0"/>
+              </a:rPr>
+              <a:t>whether the HELM-based prediction algorithm can perform better due to the data preprocessing </a:t>
+            </a:r>
+            <a:r>
+              <a:rPr lang="en-US" altLang="ko-KR" dirty="0" smtClean="0">
+                <a:latin typeface="Arial" charset="0"/>
+                <a:ea typeface="Arial" charset="0"/>
+                <a:cs typeface="Arial" charset="0"/>
+              </a:rPr>
+              <a:t>process.</a:t>
+            </a:r>
+          </a:p>
+          <a:p>
+            <a:pPr lvl="1"/>
+            <a:endParaRPr kumimoji="1" lang="en-US" altLang="ko-KR" dirty="0">
+              <a:latin typeface="Arial" charset="0"/>
+              <a:ea typeface="Arial" charset="0"/>
+              <a:cs typeface="Arial" charset="0"/>
+            </a:endParaRPr>
+          </a:p>
+          <a:p>
+            <a:pPr lvl="1"/>
             <a:endParaRPr kumimoji="1" lang="ko-KR" altLang="en-US" dirty="0">
               <a:latin typeface="Arial" charset="0"/>
               <a:ea typeface="Arial" charset="0"/>
@@ -25407,44 +27133,6 @@
           </a:fontRef>
         </p:style>
       </p:cxnSp>
-      <p:sp>
-        <p:nvSpPr>
-          <p:cNvPr id="4" name="텍스트 상자 3"/>
-          <p:cNvSpPr txBox="1"/>
-          <p:nvPr/>
-        </p:nvSpPr>
-        <p:spPr>
-          <a:xfrm rot="19363460">
-            <a:off x="-944467" y="-739704"/>
-            <a:ext cx="2504220" cy="1200329"/>
-          </a:xfrm>
-          <a:prstGeom prst="rect">
-            <a:avLst/>
-          </a:prstGeom>
-          <a:noFill/>
-        </p:spPr>
-        <p:txBody>
-          <a:bodyPr wrap="square" rtlCol="0">
-            <a:spAutoFit/>
-          </a:bodyPr>
-          <a:lstStyle/>
-          <a:p>
-            <a:r>
-              <a:rPr lang="en-US" altLang="ko-KR" sz="2400" b="1" dirty="0">
-                <a:solidFill>
-                  <a:srgbClr val="FF0000"/>
-                </a:solidFill>
-              </a:rPr>
-              <a:t>Need supplementary contents</a:t>
-            </a:r>
-            <a:endParaRPr kumimoji="1" lang="ko-KR" altLang="en-US" sz="2400" b="1" dirty="0">
-              <a:solidFill>
-                <a:srgbClr val="FF0000"/>
-              </a:solidFill>
-            </a:endParaRPr>
-          </a:p>
-        </p:txBody>
-      </p:sp>
     </p:spTree>
     <p:extLst>
       <p:ext uri="{BB962C8B-B14F-4D97-AF65-F5344CB8AC3E}">
@@ -25455,6 +27143,13 @@
   <p:clrMapOvr>
     <a:masterClrMapping/>
   </p:clrMapOvr>
+  <p:timing>
+    <p:tnLst>
+      <p:par>
+        <p:cTn id="1" dur="indefinite" restart="never" nodeType="tmRoot"/>
+      </p:par>
+    </p:tnLst>
+  </p:timing>
 </p:sld>
 </file>
 
@@ -25646,21 +27341,8 @@
                 <a:ea typeface="Arial" charset="0"/>
                 <a:cs typeface="Arial" charset="0"/>
               </a:rPr>
-              <a:t>manner </a:t>
-            </a:r>
-            <a:r>
-              <a:rPr kumimoji="1" lang="en-US" altLang="ko-KR" dirty="0" smtClean="0">
-                <a:latin typeface="Arial" charset="0"/>
-                <a:ea typeface="Arial" charset="0"/>
-                <a:cs typeface="Arial" charset="0"/>
-              </a:rPr>
-              <a:t>[1]</a:t>
-            </a:r>
-            <a:endParaRPr kumimoji="1" lang="en-US" altLang="ko-KR" dirty="0" smtClean="0">
-              <a:latin typeface="Arial" charset="0"/>
-              <a:ea typeface="Arial" charset="0"/>
-              <a:cs typeface="Arial" charset="0"/>
-            </a:endParaRPr>
+              <a:t>manner [1]</a:t>
+            </a:r>
           </a:p>
           <a:p>
             <a:endParaRPr kumimoji="1" lang="en-US" altLang="ko-KR" dirty="0" smtClean="0">
@@ -25929,6 +27611,13 @@
   <p:clrMapOvr>
     <a:masterClrMapping/>
   </p:clrMapOvr>
+  <p:timing>
+    <p:tnLst>
+      <p:par>
+        <p:cTn id="1" dur="indefinite" restart="never" nodeType="tmRoot"/>
+      </p:par>
+    </p:tnLst>
+  </p:timing>
 </p:sld>
 </file>
 
@@ -26357,6 +28046,13 @@
   <p:clrMapOvr>
     <a:masterClrMapping/>
   </p:clrMapOvr>
+  <p:timing>
+    <p:tnLst>
+      <p:par>
+        <p:cTn id="1" dur="indefinite" restart="never" nodeType="tmRoot"/>
+      </p:par>
+    </p:tnLst>
+  </p:timing>
 </p:sld>
 </file>
 
@@ -26443,23 +28139,7 @@
                 <a:ea typeface="Arial" charset="0"/>
                 <a:cs typeface="Arial" charset="0"/>
               </a:rPr>
-              <a:t>According to ANN theory </a:t>
-            </a:r>
-            <a:r>
-              <a:rPr kumimoji="1" lang="en-US" altLang="ko-KR" dirty="0" smtClean="0">
-                <a:latin typeface="Arial" charset="0"/>
-                <a:ea typeface="Arial" charset="0"/>
-                <a:cs typeface="Arial" charset="0"/>
-              </a:rPr>
-              <a:t>[3] [4], </a:t>
-            </a:r>
-            <a:r>
-              <a:rPr kumimoji="1" lang="en-US" altLang="ko-KR" dirty="0" smtClean="0">
-                <a:latin typeface="Arial" charset="0"/>
-                <a:ea typeface="Arial" charset="0"/>
-                <a:cs typeface="Arial" charset="0"/>
-              </a:rPr>
-              <a:t>for </a:t>
+              <a:t>According to ANN theory [3] [4], for </a:t>
             </a:r>
             <a:r>
               <a:rPr kumimoji="1" lang="en-US" altLang="ko-KR" dirty="0">
@@ -26997,6 +28677,13 @@
   <p:clrMapOvr>
     <a:masterClrMapping/>
   </p:clrMapOvr>
+  <p:timing>
+    <p:tnLst>
+      <p:par>
+        <p:cTn id="1" dur="indefinite" restart="never" nodeType="tmRoot"/>
+      </p:par>
+    </p:tnLst>
+  </p:timing>
 </p:sld>
 </file>
 
@@ -27378,6 +29065,13 @@
   <p:clrMapOvr>
     <a:masterClrMapping/>
   </p:clrMapOvr>
+  <p:timing>
+    <p:tnLst>
+      <p:par>
+        <p:cTn id="1" dur="indefinite" restart="never" nodeType="tmRoot"/>
+      </p:par>
+    </p:tnLst>
+  </p:timing>
 </p:sld>
 </file>
 
@@ -27426,7 +29120,7 @@
                 <a:ea typeface="Arial" charset="0"/>
                 <a:cs typeface="Arial" charset="0"/>
               </a:rPr>
-              <a:t>Implementation structure</a:t>
+              <a:t>Implemented structure</a:t>
             </a:r>
             <a:endParaRPr kumimoji="1" lang="ko-KR" altLang="en-US" b="1" dirty="0">
               <a:latin typeface="Arial" charset="0"/>
@@ -27470,7 +29164,7 @@
                 <a:ea typeface="Arial" charset="0"/>
                 <a:cs typeface="Arial" charset="0"/>
               </a:rPr>
-              <a:t>Testing</a:t>
+              <a:t>Testing Algorithm</a:t>
             </a:r>
             <a:endParaRPr kumimoji="1" lang="ko-KR" altLang="en-US" dirty="0">
               <a:latin typeface="Arial" charset="0"/>
@@ -28247,7 +29941,7 @@
             <a:p>
               <a:r>
                 <a:rPr kumimoji="1" lang="en-US" altLang="ko-KR" sz="1400" b="1" i="1" dirty="0" smtClean="0"/>
-                <a:t>forecasting</a:t>
+                <a:t>“forecasting”</a:t>
               </a:r>
               <a:endParaRPr kumimoji="1" lang="ko-KR" altLang="en-US" sz="1400" b="1" i="1" dirty="0"/>
             </a:p>
@@ -28328,6 +30022,13 @@
   <p:clrMapOvr>
     <a:masterClrMapping/>
   </p:clrMapOvr>
+  <p:timing>
+    <p:tnLst>
+      <p:par>
+        <p:cTn id="1" dur="indefinite" restart="never" nodeType="tmRoot"/>
+      </p:par>
+    </p:tnLst>
+  </p:timing>
 </p:sld>
 </file>
 

--- a/ppt_slides/prepare_ELM2017_26MAY2017.pptx
+++ b/ppt_slides/prepare_ELM2017_26MAY2017.pptx
@@ -21064,7 +21064,7 @@
       </p:cxnSp>
       <p:pic>
         <p:nvPicPr>
-          <p:cNvPr id="6" name="그림 5"/>
+          <p:cNvPr id="4" name="그림 3"/>
           <p:cNvPicPr>
             <a:picLocks noChangeAspect="1"/>
           </p:cNvPicPr>
@@ -21084,8 +21084,8 @@
         </p:blipFill>
         <p:spPr>
           <a:xfrm>
-            <a:off x="3213100" y="2910777"/>
-            <a:ext cx="5771573" cy="3967956"/>
+            <a:off x="3216000" y="2918733"/>
+            <a:ext cx="5760000" cy="3960000"/>
           </a:xfrm>
           <a:prstGeom prst="rect">
             <a:avLst/>
@@ -21529,7 +21529,7 @@
       </p:cxnSp>
       <p:pic>
         <p:nvPicPr>
-          <p:cNvPr id="4" name="그림 3"/>
+          <p:cNvPr id="7" name="그림 6"/>
           <p:cNvPicPr>
             <a:picLocks noChangeAspect="1"/>
           </p:cNvPicPr>
@@ -21549,8 +21549,8 @@
         </p:blipFill>
         <p:spPr>
           <a:xfrm>
-            <a:off x="3213100" y="2910777"/>
-            <a:ext cx="5771573" cy="3967956"/>
+            <a:off x="3216000" y="2918733"/>
+            <a:ext cx="5760000" cy="3960000"/>
           </a:xfrm>
           <a:prstGeom prst="rect">
             <a:avLst/>
@@ -21625,469 +21625,123 @@
           </a:p>
         </p:txBody>
       </p:sp>
-      <mc:AlternateContent xmlns:mc="http://schemas.openxmlformats.org/markup-compatibility/2006">
-        <mc:Choice xmlns:a14="http://schemas.microsoft.com/office/drawing/2010/main" Requires="a14">
-          <p:sp>
-            <p:nvSpPr>
-              <p:cNvPr id="3" name="내용 개체 틀 2"/>
-              <p:cNvSpPr>
-                <a:spLocks noGrp="1"/>
-              </p:cNvSpPr>
-              <p:nvPr>
-                <p:ph idx="1"/>
-              </p:nvPr>
-            </p:nvSpPr>
-            <p:spPr>
-              <a:xfrm>
-                <a:off x="838200" y="1363847"/>
-                <a:ext cx="10515600" cy="5284922"/>
-              </a:xfrm>
-            </p:spPr>
-            <p:txBody>
-              <a:bodyPr>
-                <a:normAutofit/>
-              </a:bodyPr>
-              <a:lstStyle/>
-              <a:p>
-                <a:r>
-                  <a:rPr kumimoji="1" lang="en-US" altLang="ko-KR" dirty="0" smtClean="0">
-                    <a:latin typeface="Arial" charset="0"/>
-                    <a:ea typeface="Arial" charset="0"/>
-                    <a:cs typeface="Arial" charset="0"/>
-                  </a:rPr>
-                  <a:t>Accuracy</a:t>
-                </a:r>
-              </a:p>
-              <a:p>
-                <a:pPr lvl="1"/>
-                <a:r>
-                  <a:rPr kumimoji="1" lang="en-US" altLang="ko-KR" dirty="0" smtClean="0">
-                    <a:latin typeface="Arial" charset="0"/>
-                    <a:ea typeface="Arial" charset="0"/>
-                    <a:cs typeface="Arial" charset="0"/>
-                  </a:rPr>
-                  <a:t>RMSE</a:t>
-                </a:r>
-                <a:br>
-                  <a:rPr kumimoji="1" lang="en-US" altLang="ko-KR" dirty="0" smtClean="0">
-                    <a:latin typeface="Arial" charset="0"/>
-                    <a:ea typeface="Arial" charset="0"/>
-                    <a:cs typeface="Arial" charset="0"/>
-                  </a:rPr>
-                </a:br>
-                <a14:m>
-                  <m:oMath xmlns:m="http://schemas.openxmlformats.org/officeDocument/2006/math">
-                    <m:r>
-                      <a:rPr kumimoji="1" lang="en-US" altLang="ko-KR" b="0" i="1" smtClean="0">
-                        <a:latin typeface="Cambria Math" charset="0"/>
-                        <a:ea typeface="Arial" charset="0"/>
-                        <a:cs typeface="Arial" charset="0"/>
-                      </a:rPr>
-                      <m:t>𝑅𝑀𝑆𝐸</m:t>
-                    </m:r>
-                    <m:r>
-                      <a:rPr kumimoji="1" lang="en-US" altLang="ko-KR" b="0" i="1" smtClean="0">
-                        <a:latin typeface="Cambria Math" charset="0"/>
-                        <a:ea typeface="Arial" charset="0"/>
-                        <a:cs typeface="Arial" charset="0"/>
-                      </a:rPr>
-                      <m:t>=</m:t>
-                    </m:r>
-                    <m:rad>
-                      <m:radPr>
-                        <m:ctrlPr>
-                          <a:rPr kumimoji="1" lang="mr-IN" altLang="ko-KR" b="0" i="1" smtClean="0">
-                            <a:latin typeface="Cambria Math" charset="0"/>
-                            <a:ea typeface="Arial" charset="0"/>
-                            <a:cs typeface="Arial" charset="0"/>
-                          </a:rPr>
-                        </m:ctrlPr>
-                      </m:radPr>
-                      <m:deg>
-                        <m:r>
-                          <a:rPr kumimoji="1" lang="mr-IN" altLang="ko-KR" b="0" i="1" smtClean="0">
-                            <a:latin typeface="Cambria Math" charset="0"/>
-                            <a:ea typeface="Arial" charset="0"/>
-                            <a:cs typeface="Arial" charset="0"/>
-                          </a:rPr>
-                          <m:t>2</m:t>
-                        </m:r>
-                      </m:deg>
-                      <m:e>
-                        <m:f>
-                          <m:fPr>
-                            <m:ctrlPr>
-                              <a:rPr kumimoji="1" lang="mr-IN" altLang="ko-KR" b="0" i="1" smtClean="0">
-                                <a:latin typeface="Cambria Math" charset="0"/>
-                                <a:ea typeface="Arial" charset="0"/>
-                                <a:cs typeface="Arial" charset="0"/>
-                              </a:rPr>
-                            </m:ctrlPr>
-                          </m:fPr>
-                          <m:num>
-                            <m:r>
-                              <a:rPr kumimoji="1" lang="en-US" altLang="ko-KR" b="0" i="1" smtClean="0">
-                                <a:latin typeface="Cambria Math" charset="0"/>
-                                <a:ea typeface="Arial" charset="0"/>
-                                <a:cs typeface="Arial" charset="0"/>
-                              </a:rPr>
-                              <m:t>1</m:t>
-                            </m:r>
-                          </m:num>
-                          <m:den>
-                            <m:r>
-                              <a:rPr kumimoji="1" lang="en-US" altLang="ko-KR" b="0" i="1" smtClean="0">
-                                <a:latin typeface="Cambria Math" charset="0"/>
-                                <a:ea typeface="Arial" charset="0"/>
-                                <a:cs typeface="Arial" charset="0"/>
-                              </a:rPr>
-                              <m:t>𝑁</m:t>
-                            </m:r>
-                          </m:den>
-                        </m:f>
-                        <m:nary>
-                          <m:naryPr>
-                            <m:chr m:val="∑"/>
-                            <m:limLoc m:val="subSup"/>
-                            <m:ctrlPr>
-                              <a:rPr kumimoji="1" lang="is-IS" altLang="ko-KR" b="0" i="1" smtClean="0">
-                                <a:latin typeface="Cambria Math" charset="0"/>
-                                <a:ea typeface="Arial" charset="0"/>
-                                <a:cs typeface="Arial" charset="0"/>
-                              </a:rPr>
-                            </m:ctrlPr>
-                          </m:naryPr>
-                          <m:sub>
-                            <m:r>
-                              <m:rPr>
-                                <m:brk m:alnAt="25"/>
-                              </m:rPr>
-                              <a:rPr kumimoji="1" lang="en-US" altLang="ko-KR" b="0" i="1" smtClean="0">
-                                <a:latin typeface="Cambria Math" charset="0"/>
-                                <a:ea typeface="Arial" charset="0"/>
-                                <a:cs typeface="Arial" charset="0"/>
-                              </a:rPr>
-                              <m:t>𝑖</m:t>
-                            </m:r>
-                            <m:r>
-                              <a:rPr kumimoji="1" lang="en-US" altLang="ko-KR" b="0" i="1" smtClean="0">
-                                <a:latin typeface="Cambria Math" charset="0"/>
-                                <a:ea typeface="Arial" charset="0"/>
-                                <a:cs typeface="Arial" charset="0"/>
-                              </a:rPr>
-                              <m:t>=1</m:t>
-                            </m:r>
-                          </m:sub>
-                          <m:sup>
-                            <m:r>
-                              <a:rPr kumimoji="1" lang="en-US" altLang="ko-KR" b="0" i="1" smtClean="0">
-                                <a:latin typeface="Cambria Math" charset="0"/>
-                                <a:ea typeface="Arial" charset="0"/>
-                                <a:cs typeface="Arial" charset="0"/>
-                              </a:rPr>
-                              <m:t>48</m:t>
-                            </m:r>
-                          </m:sup>
-                          <m:e>
-                            <m:sSup>
-                              <m:sSupPr>
-                                <m:ctrlPr>
-                                  <a:rPr kumimoji="1" lang="is-IS" altLang="ko-KR" b="0" i="1" smtClean="0">
-                                    <a:latin typeface="Cambria Math" charset="0"/>
-                                    <a:ea typeface="Arial" charset="0"/>
-                                    <a:cs typeface="Arial" charset="0"/>
-                                  </a:rPr>
-                                </m:ctrlPr>
-                              </m:sSupPr>
-                              <m:e>
-                                <m:d>
-                                  <m:dPr>
-                                    <m:ctrlPr>
-                                      <a:rPr kumimoji="1" lang="mr-IN" altLang="ko-KR" b="0" i="1" smtClean="0">
-                                        <a:latin typeface="Cambria Math" charset="0"/>
-                                        <a:ea typeface="Arial" charset="0"/>
-                                        <a:cs typeface="Arial" charset="0"/>
-                                      </a:rPr>
-                                    </m:ctrlPr>
-                                  </m:dPr>
-                                  <m:e>
-                                    <m:sSub>
-                                      <m:sSubPr>
-                                        <m:ctrlPr>
-                                          <a:rPr kumimoji="1" lang="en-US" altLang="ko-KR" b="0" i="1" smtClean="0">
-                                            <a:latin typeface="Cambria Math" charset="0"/>
-                                            <a:ea typeface="Arial" charset="0"/>
-                                            <a:cs typeface="Arial" charset="0"/>
-                                          </a:rPr>
-                                        </m:ctrlPr>
-                                      </m:sSubPr>
-                                      <m:e>
-                                        <m:r>
-                                          <a:rPr kumimoji="1" lang="en-US" altLang="ko-KR" b="0" i="1" smtClean="0">
-                                            <a:latin typeface="Cambria Math" charset="0"/>
-                                            <a:ea typeface="Arial" charset="0"/>
-                                            <a:cs typeface="Arial" charset="0"/>
-                                          </a:rPr>
-                                          <m:t>𝑃</m:t>
-                                        </m:r>
-                                      </m:e>
-                                      <m:sub>
-                                        <m:r>
-                                          <a:rPr kumimoji="1" lang="en-US" altLang="ko-KR" b="0" i="1" smtClean="0">
-                                            <a:latin typeface="Cambria Math" charset="0"/>
-                                            <a:ea typeface="Arial" charset="0"/>
-                                            <a:cs typeface="Arial" charset="0"/>
-                                          </a:rPr>
-                                          <m:t>𝑘</m:t>
-                                        </m:r>
-                                      </m:sub>
-                                    </m:sSub>
-                                    <m:d>
-                                      <m:dPr>
-                                        <m:ctrlPr>
-                                          <a:rPr kumimoji="1" lang="mr-IN" altLang="ko-KR" b="0" i="1" smtClean="0">
-                                            <a:latin typeface="Cambria Math" charset="0"/>
-                                            <a:ea typeface="Arial" charset="0"/>
-                                            <a:cs typeface="Arial" charset="0"/>
-                                          </a:rPr>
-                                        </m:ctrlPr>
-                                      </m:dPr>
-                                      <m:e>
-                                        <m:r>
-                                          <a:rPr kumimoji="1" lang="en-US" altLang="ko-KR" b="0" i="1" smtClean="0">
-                                            <a:latin typeface="Cambria Math" charset="0"/>
-                                            <a:ea typeface="Arial" charset="0"/>
-                                            <a:cs typeface="Arial" charset="0"/>
-                                          </a:rPr>
-                                          <m:t>𝑖</m:t>
-                                        </m:r>
-                                      </m:e>
-                                    </m:d>
-                                    <m:r>
-                                      <a:rPr kumimoji="1" lang="en-US" altLang="ko-KR" b="0" i="1" smtClean="0">
-                                        <a:latin typeface="Cambria Math" charset="0"/>
-                                        <a:ea typeface="Arial" charset="0"/>
-                                        <a:cs typeface="Arial" charset="0"/>
-                                      </a:rPr>
-                                      <m:t>−</m:t>
-                                    </m:r>
-                                    <m:sSub>
-                                      <m:sSubPr>
-                                        <m:ctrlPr>
-                                          <a:rPr kumimoji="1" lang="en-US" altLang="ko-KR" b="0" i="1" smtClean="0">
-                                            <a:latin typeface="Cambria Math" charset="0"/>
-                                            <a:ea typeface="Arial" charset="0"/>
-                                            <a:cs typeface="Arial" charset="0"/>
-                                          </a:rPr>
-                                        </m:ctrlPr>
-                                      </m:sSubPr>
-                                      <m:e>
-                                        <m:acc>
-                                          <m:accPr>
-                                            <m:chr m:val="̂"/>
-                                            <m:ctrlPr>
-                                              <a:rPr kumimoji="1" lang="en-US" altLang="ko-KR" b="0" i="1" smtClean="0">
-                                                <a:latin typeface="Cambria Math" charset="0"/>
-                                                <a:ea typeface="Arial" charset="0"/>
-                                                <a:cs typeface="Arial" charset="0"/>
-                                              </a:rPr>
-                                            </m:ctrlPr>
-                                          </m:accPr>
-                                          <m:e>
-                                            <m:r>
-                                              <a:rPr kumimoji="1" lang="en-US" altLang="ko-KR" b="0" i="1" smtClean="0">
-                                                <a:latin typeface="Cambria Math" charset="0"/>
-                                                <a:ea typeface="Arial" charset="0"/>
-                                                <a:cs typeface="Arial" charset="0"/>
-                                              </a:rPr>
-                                              <m:t>𝑃</m:t>
-                                            </m:r>
-                                          </m:e>
-                                        </m:acc>
-                                      </m:e>
-                                      <m:sub>
-                                        <m:r>
-                                          <a:rPr kumimoji="1" lang="en-US" altLang="ko-KR" b="0" i="1" smtClean="0">
-                                            <a:latin typeface="Cambria Math" charset="0"/>
-                                            <a:ea typeface="Arial" charset="0"/>
-                                            <a:cs typeface="Arial" charset="0"/>
-                                          </a:rPr>
-                                          <m:t>𝑘</m:t>
-                                        </m:r>
-                                      </m:sub>
-                                    </m:sSub>
-                                    <m:d>
-                                      <m:dPr>
-                                        <m:ctrlPr>
-                                          <a:rPr kumimoji="1" lang="mr-IN" altLang="ko-KR" b="0" i="1" smtClean="0">
-                                            <a:latin typeface="Cambria Math" charset="0"/>
-                                            <a:ea typeface="Arial" charset="0"/>
-                                            <a:cs typeface="Arial" charset="0"/>
-                                          </a:rPr>
-                                        </m:ctrlPr>
-                                      </m:dPr>
-                                      <m:e>
-                                        <m:r>
-                                          <a:rPr kumimoji="1" lang="en-US" altLang="ko-KR" b="0" i="1" smtClean="0">
-                                            <a:latin typeface="Cambria Math" charset="0"/>
-                                            <a:ea typeface="Arial" charset="0"/>
-                                            <a:cs typeface="Arial" charset="0"/>
-                                          </a:rPr>
-                                          <m:t>𝑖</m:t>
-                                        </m:r>
-                                      </m:e>
-                                    </m:d>
-                                  </m:e>
-                                </m:d>
-                              </m:e>
-                              <m:sup>
-                                <m:r>
-                                  <a:rPr kumimoji="1" lang="en-US" altLang="ko-KR" b="0" i="1" smtClean="0">
-                                    <a:latin typeface="Cambria Math" charset="0"/>
-                                    <a:ea typeface="Arial" charset="0"/>
-                                    <a:cs typeface="Arial" charset="0"/>
-                                  </a:rPr>
-                                  <m:t>2</m:t>
-                                </m:r>
-                              </m:sup>
-                            </m:sSup>
-                          </m:e>
-                        </m:nary>
-                      </m:e>
-                    </m:rad>
-                  </m:oMath>
-                </a14:m>
-                <a:endParaRPr kumimoji="1" lang="en-US" altLang="ko-KR" dirty="0" smtClean="0">
-                  <a:latin typeface="Arial" charset="0"/>
-                  <a:ea typeface="Arial" charset="0"/>
-                  <a:cs typeface="Arial" charset="0"/>
-                </a:endParaRPr>
-              </a:p>
-              <a:p>
-                <a:pPr lvl="1"/>
-                <a:r>
-                  <a:rPr kumimoji="1" lang="en-US" altLang="ko-KR" dirty="0" smtClean="0">
-                    <a:latin typeface="Arial" charset="0"/>
-                    <a:ea typeface="Arial" charset="0"/>
-                    <a:cs typeface="Arial" charset="0"/>
-                  </a:rPr>
-                  <a:t>MAPE</a:t>
-                </a:r>
-              </a:p>
-              <a:p>
-                <a:pPr lvl="1"/>
-                <a:r>
-                  <a:rPr kumimoji="1" lang="en-US" altLang="ko-KR" dirty="0" smtClean="0">
-                    <a:latin typeface="Arial" charset="0"/>
-                    <a:ea typeface="Arial" charset="0"/>
-                    <a:cs typeface="Arial" charset="0"/>
-                  </a:rPr>
-                  <a:t>MAE</a:t>
-                </a:r>
-                <a:endParaRPr kumimoji="1" lang="en-US" altLang="ko-KR" dirty="0" smtClean="0">
-                  <a:latin typeface="Arial" charset="0"/>
-                  <a:ea typeface="Arial" charset="0"/>
-                  <a:cs typeface="Arial" charset="0"/>
-                </a:endParaRPr>
-              </a:p>
-              <a:p>
-                <a:r>
-                  <a:rPr kumimoji="1" lang="en-US" altLang="ko-KR" dirty="0" smtClean="0">
-                    <a:latin typeface="Arial" charset="0"/>
-                    <a:ea typeface="Arial" charset="0"/>
-                    <a:cs typeface="Arial" charset="0"/>
-                  </a:rPr>
-                  <a:t>Stability</a:t>
-                </a:r>
-              </a:p>
-              <a:p>
-                <a:pPr lvl="1"/>
-                <a:r>
-                  <a:rPr kumimoji="1" lang="en-US" altLang="ko-KR" dirty="0" smtClean="0">
-                    <a:latin typeface="Arial" charset="0"/>
-                    <a:ea typeface="Arial" charset="0"/>
-                    <a:cs typeface="Arial" charset="0"/>
-                  </a:rPr>
-                  <a:t>Standard deviation of RMSE of 1,000 trails</a:t>
-                </a:r>
-              </a:p>
-              <a:p>
-                <a:pPr lvl="1"/>
-                <a:endParaRPr kumimoji="1" lang="en-US" altLang="ko-KR" dirty="0" smtClean="0">
-                  <a:latin typeface="Arial" charset="0"/>
-                  <a:ea typeface="Arial" charset="0"/>
-                  <a:cs typeface="Arial" charset="0"/>
-                </a:endParaRPr>
-              </a:p>
-              <a:p>
-                <a:r>
-                  <a:rPr kumimoji="1" lang="en-US" altLang="ko-KR" dirty="0" smtClean="0">
-                    <a:latin typeface="Arial" charset="0"/>
-                    <a:ea typeface="Arial" charset="0"/>
-                    <a:cs typeface="Arial" charset="0"/>
-                  </a:rPr>
-                  <a:t>Efficiency</a:t>
-                </a:r>
-              </a:p>
-              <a:p>
-                <a:pPr lvl="1"/>
-                <a:r>
-                  <a:rPr kumimoji="1" lang="en-US" altLang="ko-KR" dirty="0" smtClean="0">
-                    <a:latin typeface="Arial" charset="0"/>
-                    <a:ea typeface="Arial" charset="0"/>
-                    <a:cs typeface="Arial" charset="0"/>
-                  </a:rPr>
-                  <a:t>Average of training time of 1,000 trails</a:t>
-                </a:r>
-              </a:p>
-              <a:p>
-                <a:endParaRPr kumimoji="1" lang="en-US" altLang="ko-KR" dirty="0" smtClean="0">
-                  <a:latin typeface="Arial" charset="0"/>
-                  <a:ea typeface="Arial" charset="0"/>
-                  <a:cs typeface="Arial" charset="0"/>
-                </a:endParaRPr>
-              </a:p>
-            </p:txBody>
-          </p:sp>
-        </mc:Choice>
-        <mc:Fallback>
-          <p:sp>
-            <p:nvSpPr>
-              <p:cNvPr id="3" name="내용 개체 틀 2"/>
-              <p:cNvSpPr>
-                <a:spLocks noGrp="1" noRot="1" noChangeAspect="1" noMove="1" noResize="1" noEditPoints="1" noAdjustHandles="1" noChangeArrowheads="1" noChangeShapeType="1" noTextEdit="1"/>
-              </p:cNvSpPr>
-              <p:nvPr>
-                <p:ph idx="1"/>
-              </p:nvPr>
-            </p:nvSpPr>
-            <p:spPr>
-              <a:xfrm>
-                <a:off x="838200" y="1363847"/>
-                <a:ext cx="10515600" cy="5284922"/>
-              </a:xfrm>
-              <a:blipFill rotWithShape="0">
-                <a:blip r:embed="rId2"/>
-                <a:stretch>
-                  <a:fillRect l="-1043" t="-2076"/>
-                </a:stretch>
-              </a:blipFill>
-            </p:spPr>
-            <p:txBody>
-              <a:bodyPr/>
-              <a:lstStyle/>
-              <a:p>
-                <a:r>
-                  <a:rPr lang="ko-KR" altLang="en-US">
-                    <a:noFill/>
-                  </a:rPr>
-                  <a:t> </a:t>
-                </a:r>
-              </a:p>
-            </p:txBody>
-          </p:sp>
-        </mc:Fallback>
-      </mc:AlternateContent>
+      <p:sp>
+        <p:nvSpPr>
+          <p:cNvPr id="3" name="내용 개체 틀 2"/>
+          <p:cNvSpPr>
+            <a:spLocks noGrp="1"/>
+          </p:cNvSpPr>
+          <p:nvPr>
+            <p:ph idx="1"/>
+          </p:nvPr>
+        </p:nvSpPr>
+        <p:spPr>
+          <a:xfrm>
+            <a:off x="838200" y="1363847"/>
+            <a:ext cx="10515600" cy="5284922"/>
+          </a:xfrm>
+        </p:spPr>
+        <p:txBody>
+          <a:bodyPr>
+            <a:normAutofit/>
+          </a:bodyPr>
+          <a:lstStyle/>
+          <a:p>
+            <a:r>
+              <a:rPr kumimoji="1" lang="en-US" altLang="ko-KR" dirty="0" smtClean="0">
+                <a:latin typeface="Arial" charset="0"/>
+                <a:ea typeface="Arial" charset="0"/>
+                <a:cs typeface="Arial" charset="0"/>
+              </a:rPr>
+              <a:t>Accuracy</a:t>
+            </a:r>
+            <a:endParaRPr kumimoji="1" lang="en-US" altLang="ko-KR" dirty="0" smtClean="0">
+              <a:latin typeface="Arial" charset="0"/>
+              <a:ea typeface="Arial" charset="0"/>
+              <a:cs typeface="Arial" charset="0"/>
+            </a:endParaRPr>
+          </a:p>
+          <a:p>
+            <a:pPr lvl="1"/>
+            <a:r>
+              <a:rPr kumimoji="1" lang="en-US" altLang="ko-KR" dirty="0" smtClean="0">
+                <a:latin typeface="Arial" charset="0"/>
+                <a:ea typeface="Arial" charset="0"/>
+                <a:cs typeface="Arial" charset="0"/>
+              </a:rPr>
+              <a:t>MAPE</a:t>
+            </a:r>
+          </a:p>
+          <a:p>
+            <a:pPr lvl="1"/>
+            <a:r>
+              <a:rPr kumimoji="1" lang="en-US" altLang="ko-KR" dirty="0" smtClean="0">
+                <a:latin typeface="Arial" charset="0"/>
+                <a:ea typeface="Arial" charset="0"/>
+                <a:cs typeface="Arial" charset="0"/>
+              </a:rPr>
+              <a:t>MAE</a:t>
+            </a:r>
+          </a:p>
+          <a:p>
+            <a:r>
+              <a:rPr kumimoji="1" lang="en-US" altLang="ko-KR" dirty="0" smtClean="0">
+                <a:latin typeface="Arial" charset="0"/>
+                <a:ea typeface="Arial" charset="0"/>
+                <a:cs typeface="Arial" charset="0"/>
+              </a:rPr>
+              <a:t>Stability</a:t>
+            </a:r>
+          </a:p>
+          <a:p>
+            <a:pPr lvl="1"/>
+            <a:r>
+              <a:rPr kumimoji="1" lang="en-US" altLang="ko-KR" dirty="0" smtClean="0">
+                <a:latin typeface="Arial" charset="0"/>
+                <a:ea typeface="Arial" charset="0"/>
+                <a:cs typeface="Arial" charset="0"/>
+              </a:rPr>
+              <a:t>Standard deviation of RMSE of 1,000 trails</a:t>
+            </a:r>
+          </a:p>
+          <a:p>
+            <a:pPr lvl="1"/>
+            <a:endParaRPr kumimoji="1" lang="en-US" altLang="ko-KR" dirty="0" smtClean="0">
+              <a:latin typeface="Arial" charset="0"/>
+              <a:ea typeface="Arial" charset="0"/>
+              <a:cs typeface="Arial" charset="0"/>
+            </a:endParaRPr>
+          </a:p>
+          <a:p>
+            <a:r>
+              <a:rPr kumimoji="1" lang="en-US" altLang="ko-KR" dirty="0" smtClean="0">
+                <a:latin typeface="Arial" charset="0"/>
+                <a:ea typeface="Arial" charset="0"/>
+                <a:cs typeface="Arial" charset="0"/>
+              </a:rPr>
+              <a:t>Efficiency</a:t>
+            </a:r>
+          </a:p>
+          <a:p>
+            <a:pPr lvl="1"/>
+            <a:r>
+              <a:rPr kumimoji="1" lang="en-US" altLang="ko-KR" dirty="0" smtClean="0">
+                <a:latin typeface="Arial" charset="0"/>
+                <a:ea typeface="Arial" charset="0"/>
+                <a:cs typeface="Arial" charset="0"/>
+              </a:rPr>
+              <a:t>Average of training time of 1,000 trails</a:t>
+            </a:r>
+          </a:p>
+          <a:p>
+            <a:endParaRPr kumimoji="1" lang="en-US" altLang="ko-KR" dirty="0" smtClean="0">
+              <a:latin typeface="Arial" charset="0"/>
+              <a:ea typeface="Arial" charset="0"/>
+              <a:cs typeface="Arial" charset="0"/>
+            </a:endParaRPr>
+          </a:p>
+        </p:txBody>
+      </p:sp>
       <p:cxnSp>
         <p:nvCxnSpPr>
           <p:cNvPr id="5" name="직선 연결선[R] 4"/>
@@ -22220,7 +21874,26 @@
                 <a:ea typeface="Arial" charset="0"/>
                 <a:cs typeface="Arial" charset="0"/>
               </a:rPr>
-              <a:t>Training : ELM RMSE</a:t>
+              <a:t>Training </a:t>
+            </a:r>
+            <a:r>
+              <a:rPr kumimoji="1" lang="en-US" altLang="ko-KR" dirty="0" smtClean="0">
+                <a:latin typeface="Arial" charset="0"/>
+                <a:ea typeface="Arial" charset="0"/>
+                <a:cs typeface="Arial" charset="0"/>
+              </a:rPr>
+              <a:t>: ELM</a:t>
+            </a:r>
+          </a:p>
+          <a:p>
+            <a:pPr lvl="1"/>
+            <a:r>
+              <a:rPr kumimoji="1" lang="en-US" altLang="ko-KR" dirty="0" smtClean="0">
+                <a:latin typeface="Arial" charset="0"/>
+                <a:ea typeface="Arial" charset="0"/>
+                <a:cs typeface="Arial" charset="0"/>
+              </a:rPr>
+              <a:t>MAPE</a:t>
             </a:r>
             <a:endParaRPr kumimoji="1" lang="ko-KR" altLang="en-US" dirty="0">
               <a:latin typeface="Arial" charset="0"/>
@@ -22263,7 +21936,7 @@
       </p:cxnSp>
       <p:pic>
         <p:nvPicPr>
-          <p:cNvPr id="7" name="그림 6"/>
+          <p:cNvPr id="4" name="그림 3"/>
           <p:cNvPicPr>
             <a:picLocks noChangeAspect="1"/>
           </p:cNvPicPr>
@@ -22283,8 +21956,8 @@
         </p:blipFill>
         <p:spPr>
           <a:xfrm>
-            <a:off x="2222500" y="1536700"/>
-            <a:ext cx="7740073" cy="5321300"/>
+            <a:off x="2692363" y="1968769"/>
+            <a:ext cx="6807273" cy="4680000"/>
           </a:xfrm>
           <a:prstGeom prst="rect">
             <a:avLst/>
@@ -22385,7 +22058,31 @@
                 <a:ea typeface="Arial" charset="0"/>
                 <a:cs typeface="Arial" charset="0"/>
               </a:rPr>
-              <a:t>Training : H-ELM RMSE</a:t>
+              <a:t>Training </a:t>
+            </a:r>
+            <a:r>
+              <a:rPr kumimoji="1" lang="en-US" altLang="ko-KR" dirty="0" smtClean="0">
+                <a:latin typeface="Arial" charset="0"/>
+                <a:ea typeface="Arial" charset="0"/>
+                <a:cs typeface="Arial" charset="0"/>
+              </a:rPr>
+              <a:t>: H-ELM </a:t>
+            </a:r>
+            <a:endParaRPr kumimoji="1" lang="en-US" altLang="ko-KR" dirty="0">
+              <a:latin typeface="Arial" charset="0"/>
+              <a:ea typeface="Arial" charset="0"/>
+              <a:cs typeface="Arial" charset="0"/>
+            </a:endParaRPr>
+          </a:p>
+          <a:p>
+            <a:pPr lvl="1"/>
+            <a:r>
+              <a:rPr kumimoji="1" lang="en-US" altLang="ko-KR" dirty="0" smtClean="0">
+                <a:latin typeface="Arial" charset="0"/>
+                <a:ea typeface="Arial" charset="0"/>
+                <a:cs typeface="Arial" charset="0"/>
+              </a:rPr>
+              <a:t>MAPE</a:t>
             </a:r>
             <a:endParaRPr kumimoji="1" lang="ko-KR" altLang="en-US" dirty="0">
               <a:latin typeface="Arial" charset="0"/>
@@ -22428,7 +22125,7 @@
       </p:cxnSp>
       <p:pic>
         <p:nvPicPr>
-          <p:cNvPr id="7" name="그림 6"/>
+          <p:cNvPr id="4" name="그림 3"/>
           <p:cNvPicPr>
             <a:picLocks noChangeAspect="1"/>
           </p:cNvPicPr>
@@ -22448,8 +22145,8 @@
         </p:blipFill>
         <p:spPr>
           <a:xfrm>
-            <a:off x="2222500" y="1536700"/>
-            <a:ext cx="7740073" cy="5321300"/>
+            <a:off x="2692363" y="1968769"/>
+            <a:ext cx="6807273" cy="4680000"/>
           </a:xfrm>
           <a:prstGeom prst="rect">
             <a:avLst/>
@@ -22980,7 +22677,23 @@
                 <a:ea typeface="Arial" charset="0"/>
                 <a:cs typeface="Arial" charset="0"/>
               </a:rPr>
-              <a:t>Testing : ELM RMSE</a:t>
+              <a:t>Testing : ELM </a:t>
+            </a:r>
+            <a:endParaRPr kumimoji="1" lang="en-US" altLang="ko-KR" dirty="0" smtClean="0">
+              <a:latin typeface="Arial" charset="0"/>
+              <a:ea typeface="Arial" charset="0"/>
+              <a:cs typeface="Arial" charset="0"/>
+            </a:endParaRPr>
+          </a:p>
+          <a:p>
+            <a:pPr lvl="1"/>
+            <a:r>
+              <a:rPr kumimoji="1" lang="en-US" altLang="ko-KR" dirty="0" smtClean="0">
+                <a:latin typeface="Arial" charset="0"/>
+                <a:ea typeface="Arial" charset="0"/>
+                <a:cs typeface="Arial" charset="0"/>
+              </a:rPr>
+              <a:t>MAPE</a:t>
             </a:r>
             <a:endParaRPr kumimoji="1" lang="ko-KR" altLang="en-US" dirty="0">
               <a:latin typeface="Arial" charset="0"/>
@@ -23023,7 +22736,7 @@
       </p:cxnSp>
       <p:pic>
         <p:nvPicPr>
-          <p:cNvPr id="7" name="그림 6"/>
+          <p:cNvPr id="4" name="그림 3"/>
           <p:cNvPicPr>
             <a:picLocks noChangeAspect="1"/>
           </p:cNvPicPr>
@@ -23043,8 +22756,8 @@
         </p:blipFill>
         <p:spPr>
           <a:xfrm>
-            <a:off x="2222500" y="1536700"/>
-            <a:ext cx="7740073" cy="5321300"/>
+            <a:off x="2692363" y="1968769"/>
+            <a:ext cx="6807273" cy="4680000"/>
           </a:xfrm>
           <a:prstGeom prst="rect">
             <a:avLst/>
@@ -23145,7 +22858,26 @@
                 <a:ea typeface="Arial" charset="0"/>
                 <a:cs typeface="Arial" charset="0"/>
               </a:rPr>
-              <a:t>Testing : H-ELM RMSE</a:t>
+              <a:t>Testing : </a:t>
+            </a:r>
+            <a:r>
+              <a:rPr kumimoji="1" lang="en-US" altLang="ko-KR" dirty="0" smtClean="0">
+                <a:latin typeface="Arial" charset="0"/>
+                <a:ea typeface="Arial" charset="0"/>
+                <a:cs typeface="Arial" charset="0"/>
+              </a:rPr>
+              <a:t>H-ELM</a:t>
+            </a:r>
+          </a:p>
+          <a:p>
+            <a:pPr lvl="1"/>
+            <a:r>
+              <a:rPr kumimoji="1" lang="en-US" altLang="ko-KR" dirty="0" smtClean="0">
+                <a:latin typeface="Arial" charset="0"/>
+                <a:ea typeface="Arial" charset="0"/>
+                <a:cs typeface="Arial" charset="0"/>
+              </a:rPr>
+              <a:t>MAPE</a:t>
             </a:r>
             <a:endParaRPr kumimoji="1" lang="ko-KR" altLang="en-US" dirty="0">
               <a:latin typeface="Arial" charset="0"/>
@@ -23188,7 +22920,7 @@
       </p:cxnSp>
       <p:pic>
         <p:nvPicPr>
-          <p:cNvPr id="7" name="그림 6"/>
+          <p:cNvPr id="4" name="그림 3"/>
           <p:cNvPicPr>
             <a:picLocks noChangeAspect="1"/>
           </p:cNvPicPr>
@@ -23208,8 +22940,8 @@
         </p:blipFill>
         <p:spPr>
           <a:xfrm>
-            <a:off x="2225963" y="1536700"/>
-            <a:ext cx="7740073" cy="5321300"/>
+            <a:off x="2692362" y="1968769"/>
+            <a:ext cx="6807600" cy="4680225"/>
           </a:xfrm>
           <a:prstGeom prst="rect">
             <a:avLst/>
@@ -23459,21 +23191,21 @@
       </p:cxnSp>
       <p:graphicFrame>
         <p:nvGraphicFramePr>
-          <p:cNvPr id="6" name="내용 개체 틀 3"/>
+          <p:cNvPr id="4" name="표 3"/>
           <p:cNvGraphicFramePr>
-            <a:graphicFrameLocks/>
+            <a:graphicFrameLocks noGrp="1"/>
           </p:cNvGraphicFramePr>
           <p:nvPr>
             <p:extLst>
               <p:ext uri="{D42A27DB-BD31-4B8C-83A1-F6EECF244321}">
-                <p14:modId xmlns:p14="http://schemas.microsoft.com/office/powerpoint/2010/main" val="686720027"/>
+                <p14:modId xmlns:p14="http://schemas.microsoft.com/office/powerpoint/2010/main" val="1559757929"/>
               </p:ext>
             </p:extLst>
           </p:nvPr>
         </p:nvGraphicFramePr>
         <p:xfrm>
-          <a:off x="962332" y="4403110"/>
-          <a:ext cx="10267336" cy="1470199"/>
+          <a:off x="1104277" y="4216169"/>
+          <a:ext cx="9983445" cy="2244590"/>
         </p:xfrm>
         <a:graphic>
           <a:graphicData uri="http://schemas.openxmlformats.org/drawingml/2006/table">
@@ -23482,36 +23214,43 @@
                 <a:tableStyleId>{5C22544A-7EE6-4342-B048-85BDC9FD1C3A}</a:tableStyleId>
               </a:tblPr>
               <a:tblGrid>
-                <a:gridCol w="2566834"/>
-                <a:gridCol w="2566834"/>
-                <a:gridCol w="2566834"/>
-                <a:gridCol w="2566834"/>
+                <a:gridCol w="1996689"/>
+                <a:gridCol w="1996689"/>
+                <a:gridCol w="1996689"/>
+                <a:gridCol w="1996689"/>
+                <a:gridCol w="1996689"/>
               </a:tblGrid>
-              <a:tr h="400659">
+              <a:tr h="1026498">
                 <a:tc>
                   <a:txBody>
                     <a:bodyPr/>
                     <a:lstStyle/>
                     <a:p>
-                      <a:pPr algn="ctr" latinLnBrk="1"/>
+                      <a:pPr marL="0" marR="0" indent="0" algn="ctr" defTabSz="914400" rtl="0" eaLnBrk="1" fontAlgn="auto" latinLnBrk="1" hangingPunct="1">
+                        <a:lnSpc>
+                          <a:spcPct val="100000"/>
+                        </a:lnSpc>
+                        <a:spcBef>
+                          <a:spcPts val="0"/>
+                        </a:spcBef>
+                        <a:spcAft>
+                          <a:spcPts val="0"/>
+                        </a:spcAft>
+                        <a:buClrTx/>
+                        <a:buSzTx/>
+                        <a:buFontTx/>
+                        <a:buNone/>
+                        <a:tabLst/>
+                        <a:defRPr/>
+                      </a:pPr>
                       <a:r>
                         <a:rPr lang="en-US" altLang="ko-KR" dirty="0" smtClean="0"/>
                         <a:t>Method</a:t>
                       </a:r>
-                      <a:endParaRPr lang="ko-KR" altLang="en-US" dirty="0"/>
+                      <a:endParaRPr lang="ko-KR" altLang="en-US" dirty="0" smtClean="0"/>
                     </a:p>
                   </a:txBody>
-                  <a:tcPr anchor="ctr">
-                    <a:lnR w="12700" cap="flat" cmpd="sng" algn="ctr">
-                      <a:solidFill>
-                        <a:schemeClr val="tx1"/>
-                      </a:solidFill>
-                      <a:prstDash val="solid"/>
-                      <a:round/>
-                      <a:headEnd type="none" w="med" len="med"/>
-                      <a:tailEnd type="none" w="med" len="med"/>
-                    </a:lnR>
-                  </a:tcPr>
+                  <a:tcPr anchor="ctr"/>
                 </a:tc>
                 <a:tc>
                   <a:txBody>
@@ -23521,22 +23260,41 @@
                       <a:pPr algn="ctr" latinLnBrk="1"/>
                       <a:r>
                         <a:rPr lang="en-US" altLang="ko-KR" dirty="0" smtClean="0"/>
-                        <a:t>RMSE</a:t>
+                        <a:t>MAPE </a:t>
+                      </a:r>
+                    </a:p>
+                    <a:p>
+                      <a:pPr algn="ctr" latinLnBrk="1"/>
+                      <a:r>
+                        <a:rPr lang="en-US" altLang="ko-KR" dirty="0" smtClean="0"/>
+                        <a:t>[%]</a:t>
                       </a:r>
                       <a:endParaRPr lang="ko-KR" altLang="en-US" dirty="0"/>
                     </a:p>
                   </a:txBody>
-                  <a:tcPr anchor="ctr">
-                    <a:lnL w="12700" cap="flat" cmpd="sng" algn="ctr">
-                      <a:solidFill>
-                        <a:schemeClr val="tx1"/>
-                      </a:solidFill>
-                      <a:prstDash val="solid"/>
-                      <a:round/>
-                      <a:headEnd type="none" w="med" len="med"/>
-                      <a:tailEnd type="none" w="med" len="med"/>
-                    </a:lnL>
-                  </a:tcPr>
+                  <a:tcPr anchor="ctr"/>
+                </a:tc>
+                <a:tc>
+                  <a:txBody>
+                    <a:bodyPr/>
+                    <a:lstStyle/>
+                    <a:p>
+                      <a:pPr algn="ctr" latinLnBrk="1"/>
+                      <a:r>
+                        <a:rPr lang="en-US" altLang="ko-KR" dirty="0" smtClean="0"/>
+                        <a:t>MAE </a:t>
+                      </a:r>
+                    </a:p>
+                    <a:p>
+                      <a:pPr algn="ctr" latinLnBrk="1"/>
+                      <a:r>
+                        <a:rPr lang="en-US" altLang="ko-KR" dirty="0" smtClean="0"/>
+                        <a:t>[MW]</a:t>
+                      </a:r>
+                      <a:endParaRPr lang="ko-KR" altLang="en-US" dirty="0"/>
+                    </a:p>
+                  </a:txBody>
+                  <a:tcPr anchor="ctr"/>
                 </a:tc>
                 <a:tc>
                   <a:txBody>
@@ -23565,7 +23323,11 @@
                       <a:pPr algn="ctr" latinLnBrk="1"/>
                       <a:r>
                         <a:rPr lang="en-US" altLang="ko-KR" dirty="0" smtClean="0"/>
-                        <a:t>Training time [sec]</a:t>
+                        <a:t>Training time</a:t>
+                      </a:r>
+                      <a:r>
+                        <a:rPr lang="en-US" altLang="ko-KR" baseline="0" dirty="0" smtClean="0"/>
+                        <a:t> [sec]</a:t>
                       </a:r>
                       <a:endParaRPr lang="ko-KR" altLang="en-US" dirty="0"/>
                     </a:p>
@@ -23573,7 +23335,7 @@
                   <a:tcPr anchor="ctr"/>
                 </a:tc>
               </a:tr>
-              <a:tr h="534770">
+              <a:tr h="609046">
                 <a:tc>
                   <a:txBody>
                     <a:bodyPr/>
@@ -23587,17 +23349,7 @@
                       <a:endParaRPr lang="ko-KR" altLang="en-US" dirty="0"/>
                     </a:p>
                   </a:txBody>
-                  <a:tcPr anchor="ctr">
-                    <a:lnR w="12700" cap="flat" cmpd="sng" algn="ctr">
-                      <a:solidFill>
-                        <a:schemeClr val="tx1"/>
-                      </a:solidFill>
-                      <a:prstDash val="solid"/>
-                      <a:round/>
-                      <a:headEnd type="none" w="med" len="med"/>
-                      <a:tailEnd type="none" w="med" len="med"/>
-                    </a:lnR>
-                  </a:tcPr>
+                  <a:tcPr anchor="ctr"/>
                 </a:tc>
                 <a:tc>
                   <a:txBody>
@@ -23606,31 +23358,13 @@
                     <a:p>
                       <a:pPr algn="r" latinLnBrk="1"/>
                       <a:r>
-                        <a:rPr lang="nb-NO" altLang="ko-KR" dirty="0" smtClean="0">
-                          <a:solidFill>
-                            <a:schemeClr val="accent1"/>
-                          </a:solidFill>
-                        </a:rPr>
-                        <a:t>0.14251752</a:t>
+                        <a:rPr lang="fi-FI" altLang="ko-KR" dirty="0" smtClean="0"/>
+                        <a:t>14.864887</a:t>
                       </a:r>
-                      <a:endParaRPr lang="ko-KR" altLang="en-US" dirty="0">
-                        <a:solidFill>
-                          <a:schemeClr val="accent1"/>
-                        </a:solidFill>
-                      </a:endParaRPr>
+                      <a:endParaRPr lang="ko-KR" altLang="en-US" dirty="0"/>
                     </a:p>
                   </a:txBody>
-                  <a:tcPr anchor="ctr">
-                    <a:lnL w="12700" cap="flat" cmpd="sng" algn="ctr">
-                      <a:solidFill>
-                        <a:schemeClr val="tx1"/>
-                      </a:solidFill>
-                      <a:prstDash val="solid"/>
-                      <a:round/>
-                      <a:headEnd type="none" w="med" len="med"/>
-                      <a:tailEnd type="none" w="med" len="med"/>
-                    </a:lnL>
-                  </a:tcPr>
+                  <a:tcPr anchor="ctr"/>
                 </a:tc>
                 <a:tc>
                   <a:txBody>
@@ -23638,19 +23372,7 @@
                     <a:lstStyle/>
                     <a:p>
                       <a:pPr algn="r" latinLnBrk="1"/>
-                      <a:r>
-                        <a:rPr lang="is-IS" altLang="ko-KR" dirty="0" smtClean="0">
-                          <a:solidFill>
-                            <a:srgbClr val="FF0000"/>
-                          </a:solidFill>
-                        </a:rPr>
-                        <a:t>0.000223489260592</a:t>
-                      </a:r>
-                      <a:endParaRPr lang="ko-KR" altLang="en-US" dirty="0">
-                        <a:solidFill>
-                          <a:srgbClr val="FF0000"/>
-                        </a:solidFill>
-                      </a:endParaRPr>
+                      <a:endParaRPr lang="ko-KR" altLang="en-US" dirty="0"/>
                     </a:p>
                   </a:txBody>
                   <a:tcPr anchor="ctr"/>
@@ -23663,15 +23385,46 @@
                       <a:pPr algn="r" latinLnBrk="1"/>
                       <a:r>
                         <a:rPr lang="is-IS" altLang="ko-KR" dirty="0" smtClean="0"/>
-                        <a:t>0.0681</a:t>
+                        <a:t>0.0153152940226</a:t>
                       </a:r>
                       <a:endParaRPr lang="ko-KR" altLang="en-US" dirty="0"/>
                     </a:p>
                   </a:txBody>
                   <a:tcPr anchor="ctr"/>
                 </a:tc>
+                <a:tc>
+                  <a:txBody>
+                    <a:bodyPr/>
+                    <a:lstStyle/>
+                    <a:p>
+                      <a:pPr marL="0" marR="0" indent="0" algn="r" defTabSz="914400" rtl="0" eaLnBrk="1" fontAlgn="auto" latinLnBrk="1" hangingPunct="1">
+                        <a:lnSpc>
+                          <a:spcPct val="100000"/>
+                        </a:lnSpc>
+                        <a:spcBef>
+                          <a:spcPts val="0"/>
+                        </a:spcBef>
+                        <a:spcAft>
+                          <a:spcPts val="0"/>
+                        </a:spcAft>
+                        <a:buClrTx/>
+                        <a:buSzTx/>
+                        <a:buFontTx/>
+                        <a:buNone/>
+                        <a:tabLst/>
+                        <a:defRPr/>
+                      </a:pPr>
+                      <a:r>
+                        <a:rPr lang="is-IS" altLang="ko-KR" dirty="0" smtClean="0"/>
+                        <a:t>0.0681</a:t>
+                      </a:r>
+                      <a:endParaRPr lang="ko-KR" altLang="en-US" dirty="0" smtClean="0"/>
+                    </a:p>
+                  </a:txBody>
+                  <a:tcPr anchor="ctr"/>
+                </a:tc>
               </a:tr>
-              <a:tr h="534770">
+              <a:tr h="609046">
                 <a:tc>
                   <a:txBody>
                     <a:bodyPr/>
@@ -23685,17 +23438,7 @@
                       <a:endParaRPr lang="ko-KR" altLang="en-US" dirty="0"/>
                     </a:p>
                   </a:txBody>
-                  <a:tcPr anchor="ctr">
-                    <a:lnR w="12700" cap="flat" cmpd="sng" algn="ctr">
-                      <a:solidFill>
-                        <a:schemeClr val="tx1"/>
-                      </a:solidFill>
-                      <a:prstDash val="solid"/>
-                      <a:round/>
-                      <a:headEnd type="none" w="med" len="med"/>
-                      <a:tailEnd type="none" w="med" len="med"/>
-                    </a:lnR>
-                  </a:tcPr>
+                  <a:tcPr anchor="ctr"/>
                 </a:tc>
                 <a:tc>
                   <a:txBody>
@@ -23703,52 +23446,7 @@
                     <a:lstStyle/>
                     <a:p>
                       <a:pPr algn="r" latinLnBrk="1"/>
-                      <a:r>
-                        <a:rPr lang="is-IS" altLang="ko-KR" dirty="0" smtClean="0">
-                          <a:solidFill>
-                            <a:srgbClr val="FF0000"/>
-                          </a:solidFill>
-                        </a:rPr>
-                        <a:t>0.16046469</a:t>
-                      </a:r>
-                      <a:endParaRPr lang="ko-KR" altLang="en-US" dirty="0">
-                        <a:solidFill>
-                          <a:srgbClr val="FF0000"/>
-                        </a:solidFill>
-                      </a:endParaRPr>
-                    </a:p>
-                  </a:txBody>
-                  <a:tcPr anchor="ctr">
-                    <a:lnL w="12700" cap="flat" cmpd="sng" algn="ctr">
-                      <a:solidFill>
-                        <a:schemeClr val="tx1"/>
-                      </a:solidFill>
-                      <a:prstDash val="solid"/>
-                      <a:round/>
-                      <a:headEnd type="none" w="med" len="med"/>
-                      <a:tailEnd type="none" w="med" len="med"/>
-                    </a:lnL>
-                  </a:tcPr>
-                </a:tc>
-                <a:tc>
-                  <a:txBody>
-                    <a:bodyPr/>
-                    <a:lstStyle/>
-                    <a:p>
-                      <a:pPr algn="r" latinLnBrk="1"/>
-                      <a:r>
-                        <a:rPr lang="nb-NO" altLang="ko-KR" dirty="0" smtClean="0">
-                          <a:solidFill>
-                            <a:schemeClr val="accent1"/>
-                          </a:solidFill>
-                        </a:rPr>
-                        <a:t>0.000211855384402</a:t>
-                      </a:r>
-                      <a:endParaRPr lang="ko-KR" altLang="en-US" dirty="0">
-                        <a:solidFill>
-                          <a:schemeClr val="accent1"/>
-                        </a:solidFill>
-                      </a:endParaRPr>
+                      <a:endParaRPr lang="ko-KR" altLang="en-US" dirty="0"/>
                     </a:p>
                   </a:txBody>
                   <a:tcPr anchor="ctr"/>
@@ -23759,11 +23457,49 @@
                     <a:lstStyle/>
                     <a:p>
                       <a:pPr algn="r" latinLnBrk="1"/>
+                      <a:endParaRPr lang="ko-KR" altLang="en-US" dirty="0"/>
+                    </a:p>
+                  </a:txBody>
+                  <a:tcPr anchor="ctr"/>
+                </a:tc>
+                <a:tc>
+                  <a:txBody>
+                    <a:bodyPr/>
+                    <a:lstStyle/>
+                    <a:p>
+                      <a:pPr algn="r" latinLnBrk="1"/>
+                      <a:endParaRPr lang="ko-KR" altLang="en-US" dirty="0"/>
+                    </a:p>
+                  </a:txBody>
+                  <a:tcPr anchor="ctr"/>
+                </a:tc>
+                <a:tc>
+                  <a:txBody>
+                    <a:bodyPr/>
+                    <a:lstStyle/>
+                    <a:p>
+                      <a:pPr marL="0" marR="0" indent="0" algn="r" defTabSz="914400" rtl="0" eaLnBrk="1" fontAlgn="auto" latinLnBrk="1" hangingPunct="1">
+                        <a:lnSpc>
+                          <a:spcPct val="100000"/>
+                        </a:lnSpc>
+                        <a:spcBef>
+                          <a:spcPts val="0"/>
+                        </a:spcBef>
+                        <a:spcAft>
+                          <a:spcPts val="0"/>
+                        </a:spcAft>
+                        <a:buClrTx/>
+                        <a:buSzTx/>
+                        <a:buFontTx/>
+                        <a:buNone/>
+                        <a:tabLst/>
+                        <a:defRPr/>
+                      </a:pPr>
                       <a:r>
-                        <a:rPr lang="pt-BR" altLang="ko-KR" smtClean="0"/>
+                        <a:rPr lang="pt-BR" altLang="ko-KR" dirty="0" smtClean="0"/>
                         <a:t>0.0581</a:t>
                       </a:r>
-                      <a:endParaRPr lang="ko-KR" altLang="en-US" dirty="0"/>
+                      <a:endParaRPr lang="ko-KR" altLang="en-US" dirty="0" smtClean="0"/>
                     </a:p>
                   </a:txBody>
                   <a:tcPr anchor="ctr"/>
@@ -23985,21 +23721,21 @@
       </p:cxnSp>
       <p:graphicFrame>
         <p:nvGraphicFramePr>
-          <p:cNvPr id="7" name="내용 개체 틀 3"/>
+          <p:cNvPr id="8" name="표 7"/>
           <p:cNvGraphicFramePr>
-            <a:graphicFrameLocks/>
+            <a:graphicFrameLocks noGrp="1"/>
           </p:cNvGraphicFramePr>
           <p:nvPr>
             <p:extLst>
               <p:ext uri="{D42A27DB-BD31-4B8C-83A1-F6EECF244321}">
-                <p14:modId xmlns:p14="http://schemas.microsoft.com/office/powerpoint/2010/main" val="851963047"/>
+                <p14:modId xmlns:p14="http://schemas.microsoft.com/office/powerpoint/2010/main" val="311079582"/>
               </p:ext>
             </p:extLst>
           </p:nvPr>
         </p:nvGraphicFramePr>
         <p:xfrm>
-          <a:off x="962332" y="4398597"/>
-          <a:ext cx="10267336" cy="1470199"/>
+          <a:off x="1104277" y="4216169"/>
+          <a:ext cx="9983445" cy="2244590"/>
         </p:xfrm>
         <a:graphic>
           <a:graphicData uri="http://schemas.openxmlformats.org/drawingml/2006/table">
@@ -24008,36 +23744,43 @@
                 <a:tableStyleId>{5C22544A-7EE6-4342-B048-85BDC9FD1C3A}</a:tableStyleId>
               </a:tblPr>
               <a:tblGrid>
-                <a:gridCol w="2566834"/>
-                <a:gridCol w="2566834"/>
-                <a:gridCol w="2566834"/>
-                <a:gridCol w="2566834"/>
+                <a:gridCol w="1996689"/>
+                <a:gridCol w="1996689"/>
+                <a:gridCol w="1996689"/>
+                <a:gridCol w="1996689"/>
+                <a:gridCol w="1996689"/>
               </a:tblGrid>
-              <a:tr h="400659">
+              <a:tr h="1026498">
                 <a:tc>
                   <a:txBody>
                     <a:bodyPr/>
                     <a:lstStyle/>
                     <a:p>
-                      <a:pPr algn="ctr" latinLnBrk="1"/>
+                      <a:pPr marL="0" marR="0" indent="0" algn="ctr" defTabSz="914400" rtl="0" eaLnBrk="1" fontAlgn="auto" latinLnBrk="1" hangingPunct="1">
+                        <a:lnSpc>
+                          <a:spcPct val="100000"/>
+                        </a:lnSpc>
+                        <a:spcBef>
+                          <a:spcPts val="0"/>
+                        </a:spcBef>
+                        <a:spcAft>
+                          <a:spcPts val="0"/>
+                        </a:spcAft>
+                        <a:buClrTx/>
+                        <a:buSzTx/>
+                        <a:buFontTx/>
+                        <a:buNone/>
+                        <a:tabLst/>
+                        <a:defRPr/>
+                      </a:pPr>
                       <a:r>
                         <a:rPr lang="en-US" altLang="ko-KR" dirty="0" smtClean="0"/>
                         <a:t>Method</a:t>
                       </a:r>
-                      <a:endParaRPr lang="ko-KR" altLang="en-US" dirty="0"/>
+                      <a:endParaRPr lang="ko-KR" altLang="en-US" dirty="0" smtClean="0"/>
                     </a:p>
                   </a:txBody>
-                  <a:tcPr anchor="ctr">
-                    <a:lnR w="12700" cap="flat" cmpd="sng" algn="ctr">
-                      <a:solidFill>
-                        <a:schemeClr val="tx1"/>
-                      </a:solidFill>
-                      <a:prstDash val="solid"/>
-                      <a:round/>
-                      <a:headEnd type="none" w="med" len="med"/>
-                      <a:tailEnd type="none" w="med" len="med"/>
-                    </a:lnR>
-                  </a:tcPr>
+                  <a:tcPr anchor="ctr"/>
                 </a:tc>
                 <a:tc>
                   <a:txBody>
@@ -24047,22 +23790,41 @@
                       <a:pPr algn="ctr" latinLnBrk="1"/>
                       <a:r>
                         <a:rPr lang="en-US" altLang="ko-KR" dirty="0" smtClean="0"/>
-                        <a:t>RMSE</a:t>
+                        <a:t>MAPE </a:t>
+                      </a:r>
+                    </a:p>
+                    <a:p>
+                      <a:pPr algn="ctr" latinLnBrk="1"/>
+                      <a:r>
+                        <a:rPr lang="en-US" altLang="ko-KR" dirty="0" smtClean="0"/>
+                        <a:t>[%]</a:t>
                       </a:r>
                       <a:endParaRPr lang="ko-KR" altLang="en-US" dirty="0"/>
                     </a:p>
                   </a:txBody>
-                  <a:tcPr anchor="ctr">
-                    <a:lnL w="12700" cap="flat" cmpd="sng" algn="ctr">
-                      <a:solidFill>
-                        <a:schemeClr val="tx1"/>
-                      </a:solidFill>
-                      <a:prstDash val="solid"/>
-                      <a:round/>
-                      <a:headEnd type="none" w="med" len="med"/>
-                      <a:tailEnd type="none" w="med" len="med"/>
-                    </a:lnL>
-                  </a:tcPr>
+                  <a:tcPr anchor="ctr"/>
+                </a:tc>
+                <a:tc>
+                  <a:txBody>
+                    <a:bodyPr/>
+                    <a:lstStyle/>
+                    <a:p>
+                      <a:pPr algn="ctr" latinLnBrk="1"/>
+                      <a:r>
+                        <a:rPr lang="en-US" altLang="ko-KR" dirty="0" smtClean="0"/>
+                        <a:t>MAE </a:t>
+                      </a:r>
+                    </a:p>
+                    <a:p>
+                      <a:pPr algn="ctr" latinLnBrk="1"/>
+                      <a:r>
+                        <a:rPr lang="en-US" altLang="ko-KR" dirty="0" smtClean="0"/>
+                        <a:t>[MW]</a:t>
+                      </a:r>
+                      <a:endParaRPr lang="ko-KR" altLang="en-US" dirty="0"/>
+                    </a:p>
+                  </a:txBody>
+                  <a:tcPr anchor="ctr"/>
                 </a:tc>
                 <a:tc>
                   <a:txBody>
@@ -24091,7 +23853,11 @@
                       <a:pPr algn="ctr" latinLnBrk="1"/>
                       <a:r>
                         <a:rPr lang="en-US" altLang="ko-KR" dirty="0" smtClean="0"/>
-                        <a:t>Training time [sec]</a:t>
+                        <a:t>Training time</a:t>
+                      </a:r>
+                      <a:r>
+                        <a:rPr lang="en-US" altLang="ko-KR" baseline="0" dirty="0" smtClean="0"/>
+                        <a:t> [sec]</a:t>
                       </a:r>
                       <a:endParaRPr lang="ko-KR" altLang="en-US" dirty="0"/>
                     </a:p>
@@ -24099,7 +23865,7 @@
                   <a:tcPr anchor="ctr"/>
                 </a:tc>
               </a:tr>
-              <a:tr h="534770">
+              <a:tr h="609046">
                 <a:tc>
                   <a:txBody>
                     <a:bodyPr/>
@@ -24113,17 +23879,7 @@
                       <a:endParaRPr lang="ko-KR" altLang="en-US" dirty="0"/>
                     </a:p>
                   </a:txBody>
-                  <a:tcPr anchor="ctr">
-                    <a:lnR w="12700" cap="flat" cmpd="sng" algn="ctr">
-                      <a:solidFill>
-                        <a:schemeClr val="tx1"/>
-                      </a:solidFill>
-                      <a:prstDash val="solid"/>
-                      <a:round/>
-                      <a:headEnd type="none" w="med" len="med"/>
-                      <a:tailEnd type="none" w="med" len="med"/>
-                    </a:lnR>
-                  </a:tcPr>
+                  <a:tcPr anchor="ctr"/>
                 </a:tc>
                 <a:tc>
                   <a:txBody>
@@ -24132,31 +23888,13 @@
                     <a:p>
                       <a:pPr algn="r" latinLnBrk="1"/>
                       <a:r>
-                        <a:rPr lang="nb-NO" altLang="ko-KR" dirty="0" smtClean="0">
-                          <a:solidFill>
-                            <a:srgbClr val="FF0000"/>
-                          </a:solidFill>
-                        </a:rPr>
-                        <a:t>0.084615210</a:t>
+                        <a:rPr lang="nb-NO" altLang="ko-KR" dirty="0" smtClean="0"/>
+                        <a:t>7.8030438</a:t>
                       </a:r>
-                      <a:endParaRPr lang="ko-KR" altLang="en-US" dirty="0">
-                        <a:solidFill>
-                          <a:srgbClr val="FF0000"/>
-                        </a:solidFill>
-                      </a:endParaRPr>
+                      <a:endParaRPr lang="ko-KR" altLang="en-US" dirty="0"/>
                     </a:p>
                   </a:txBody>
-                  <a:tcPr anchor="ctr">
-                    <a:lnL w="12700" cap="flat" cmpd="sng" algn="ctr">
-                      <a:solidFill>
-                        <a:schemeClr val="tx1"/>
-                      </a:solidFill>
-                      <a:prstDash val="solid"/>
-                      <a:round/>
-                      <a:headEnd type="none" w="med" len="med"/>
-                      <a:tailEnd type="none" w="med" len="med"/>
-                    </a:lnL>
-                  </a:tcPr>
+                  <a:tcPr anchor="ctr"/>
                 </a:tc>
                 <a:tc>
                   <a:txBody>
@@ -24164,19 +23902,7 @@
                     <a:lstStyle/>
                     <a:p>
                       <a:pPr algn="r" latinLnBrk="1"/>
-                      <a:r>
-                        <a:rPr lang="is-IS" altLang="ko-KR" dirty="0" smtClean="0">
-                          <a:solidFill>
-                            <a:srgbClr val="FF0000"/>
-                          </a:solidFill>
-                        </a:rPr>
-                        <a:t>0.001075866072470</a:t>
-                      </a:r>
-                      <a:endParaRPr lang="ko-KR" altLang="en-US" dirty="0">
-                        <a:solidFill>
-                          <a:srgbClr val="FF0000"/>
-                        </a:solidFill>
-                      </a:endParaRPr>
+                      <a:endParaRPr lang="ko-KR" altLang="en-US" dirty="0"/>
                     </a:p>
                   </a:txBody>
                   <a:tcPr anchor="ctr"/>
@@ -24188,16 +23914,47 @@
                     <a:p>
                       <a:pPr algn="r" latinLnBrk="1"/>
                       <a:r>
-                        <a:rPr lang="hr-HR" altLang="ko-KR" dirty="0" smtClean="0"/>
-                        <a:t>0.1383</a:t>
+                        <a:rPr lang="is-IS" altLang="ko-KR" dirty="0" smtClean="0"/>
+                        <a:t>0.0297305439163</a:t>
                       </a:r>
                       <a:endParaRPr lang="ko-KR" altLang="en-US" dirty="0"/>
                     </a:p>
                   </a:txBody>
                   <a:tcPr anchor="ctr"/>
                 </a:tc>
+                <a:tc>
+                  <a:txBody>
+                    <a:bodyPr/>
+                    <a:lstStyle/>
+                    <a:p>
+                      <a:pPr marL="0" marR="0" indent="0" algn="r" defTabSz="914400" rtl="0" eaLnBrk="1" fontAlgn="auto" latinLnBrk="1" hangingPunct="1">
+                        <a:lnSpc>
+                          <a:spcPct val="100000"/>
+                        </a:lnSpc>
+                        <a:spcBef>
+                          <a:spcPts val="0"/>
+                        </a:spcBef>
+                        <a:spcAft>
+                          <a:spcPts val="0"/>
+                        </a:spcAft>
+                        <a:buClrTx/>
+                        <a:buSzTx/>
+                        <a:buFontTx/>
+                        <a:buNone/>
+                        <a:tabLst/>
+                        <a:defRPr/>
+                      </a:pPr>
+                      <a:r>
+                        <a:rPr lang="hr-HR" altLang="ko-KR" dirty="0" smtClean="0"/>
+                        <a:t>0.1383</a:t>
+                      </a:r>
+                      <a:endParaRPr lang="ko-KR" altLang="en-US" dirty="0" smtClean="0"/>
+                    </a:p>
+                  </a:txBody>
+                  <a:tcPr anchor="ctr"/>
+                </a:tc>
               </a:tr>
-              <a:tr h="534770">
+              <a:tr h="609046">
                 <a:tc>
                   <a:txBody>
                     <a:bodyPr/>
@@ -24211,17 +23968,7 @@
                       <a:endParaRPr lang="ko-KR" altLang="en-US" dirty="0"/>
                     </a:p>
                   </a:txBody>
-                  <a:tcPr anchor="ctr">
-                    <a:lnR w="12700" cap="flat" cmpd="sng" algn="ctr">
-                      <a:solidFill>
-                        <a:schemeClr val="tx1"/>
-                      </a:solidFill>
-                      <a:prstDash val="solid"/>
-                      <a:round/>
-                      <a:headEnd type="none" w="med" len="med"/>
-                      <a:tailEnd type="none" w="med" len="med"/>
-                    </a:lnR>
-                  </a:tcPr>
+                  <a:tcPr anchor="ctr"/>
                 </a:tc>
                 <a:tc>
                   <a:txBody>
@@ -24229,52 +23976,7 @@
                     <a:lstStyle/>
                     <a:p>
                       <a:pPr algn="r" latinLnBrk="1"/>
-                      <a:r>
-                        <a:rPr lang="is-IS" altLang="ko-KR" dirty="0" smtClean="0">
-                          <a:solidFill>
-                            <a:schemeClr val="accent1"/>
-                          </a:solidFill>
-                        </a:rPr>
-                        <a:t>0.084134204</a:t>
-                      </a:r>
-                      <a:endParaRPr lang="ko-KR" altLang="en-US" dirty="0">
-                        <a:solidFill>
-                          <a:schemeClr val="accent1"/>
-                        </a:solidFill>
-                      </a:endParaRPr>
-                    </a:p>
-                  </a:txBody>
-                  <a:tcPr anchor="ctr">
-                    <a:lnL w="12700" cap="flat" cmpd="sng" algn="ctr">
-                      <a:solidFill>
-                        <a:schemeClr val="tx1"/>
-                      </a:solidFill>
-                      <a:prstDash val="solid"/>
-                      <a:round/>
-                      <a:headEnd type="none" w="med" len="med"/>
-                      <a:tailEnd type="none" w="med" len="med"/>
-                    </a:lnL>
-                  </a:tcPr>
-                </a:tc>
-                <a:tc>
-                  <a:txBody>
-                    <a:bodyPr/>
-                    <a:lstStyle/>
-                    <a:p>
-                      <a:pPr algn="r" latinLnBrk="1"/>
-                      <a:r>
-                        <a:rPr lang="is-IS" altLang="ko-KR" dirty="0" smtClean="0">
-                          <a:solidFill>
-                            <a:schemeClr val="accent1"/>
-                          </a:solidFill>
-                        </a:rPr>
-                        <a:t>0.000738290998444</a:t>
-                      </a:r>
-                      <a:endParaRPr lang="ko-KR" altLang="en-US" dirty="0">
-                        <a:solidFill>
-                          <a:schemeClr val="accent1"/>
-                        </a:solidFill>
-                      </a:endParaRPr>
+                      <a:endParaRPr lang="ko-KR" altLang="en-US" dirty="0"/>
                     </a:p>
                   </a:txBody>
                   <a:tcPr anchor="ctr"/>
@@ -24285,11 +23987,49 @@
                     <a:lstStyle/>
                     <a:p>
                       <a:pPr algn="r" latinLnBrk="1"/>
+                      <a:endParaRPr lang="ko-KR" altLang="en-US" dirty="0"/>
+                    </a:p>
+                  </a:txBody>
+                  <a:tcPr anchor="ctr"/>
+                </a:tc>
+                <a:tc>
+                  <a:txBody>
+                    <a:bodyPr/>
+                    <a:lstStyle/>
+                    <a:p>
+                      <a:pPr algn="r" latinLnBrk="1"/>
+                      <a:endParaRPr lang="ko-KR" altLang="en-US" dirty="0"/>
+                    </a:p>
+                  </a:txBody>
+                  <a:tcPr anchor="ctr"/>
+                </a:tc>
+                <a:tc>
+                  <a:txBody>
+                    <a:bodyPr/>
+                    <a:lstStyle/>
+                    <a:p>
+                      <a:pPr marL="0" marR="0" indent="0" algn="r" defTabSz="914400" rtl="0" eaLnBrk="1" fontAlgn="auto" latinLnBrk="1" hangingPunct="1">
+                        <a:lnSpc>
+                          <a:spcPct val="100000"/>
+                        </a:lnSpc>
+                        <a:spcBef>
+                          <a:spcPts val="0"/>
+                        </a:spcBef>
+                        <a:spcAft>
+                          <a:spcPts val="0"/>
+                        </a:spcAft>
+                        <a:buClrTx/>
+                        <a:buSzTx/>
+                        <a:buFontTx/>
+                        <a:buNone/>
+                        <a:tabLst/>
+                        <a:defRPr/>
+                      </a:pPr>
                       <a:r>
                         <a:rPr lang="nb-NO" altLang="ko-KR" dirty="0" smtClean="0"/>
                         <a:t>0.1030</a:t>
                       </a:r>
-                      <a:endParaRPr lang="ko-KR" altLang="en-US" dirty="0"/>
+                      <a:endParaRPr lang="ko-KR" altLang="en-US" dirty="0" smtClean="0"/>
                     </a:p>
                   </a:txBody>
                   <a:tcPr anchor="ctr"/>
@@ -24866,21 +24606,21 @@
       </p:cxnSp>
       <p:graphicFrame>
         <p:nvGraphicFramePr>
-          <p:cNvPr id="7" name="내용 개체 틀 3"/>
+          <p:cNvPr id="8" name="표 7"/>
           <p:cNvGraphicFramePr>
-            <a:graphicFrameLocks/>
+            <a:graphicFrameLocks noGrp="1"/>
           </p:cNvGraphicFramePr>
           <p:nvPr>
             <p:extLst>
               <p:ext uri="{D42A27DB-BD31-4B8C-83A1-F6EECF244321}">
-                <p14:modId xmlns:p14="http://schemas.microsoft.com/office/powerpoint/2010/main" val="1919484917"/>
+                <p14:modId xmlns:p14="http://schemas.microsoft.com/office/powerpoint/2010/main" val="2108304259"/>
               </p:ext>
             </p:extLst>
           </p:nvPr>
         </p:nvGraphicFramePr>
         <p:xfrm>
-          <a:off x="962332" y="4398597"/>
-          <a:ext cx="10267336" cy="1470199"/>
+          <a:off x="1104277" y="4216169"/>
+          <a:ext cx="9983445" cy="2244590"/>
         </p:xfrm>
         <a:graphic>
           <a:graphicData uri="http://schemas.openxmlformats.org/drawingml/2006/table">
@@ -24889,36 +24629,43 @@
                 <a:tableStyleId>{5C22544A-7EE6-4342-B048-85BDC9FD1C3A}</a:tableStyleId>
               </a:tblPr>
               <a:tblGrid>
-                <a:gridCol w="2566834"/>
-                <a:gridCol w="2566834"/>
-                <a:gridCol w="2566834"/>
-                <a:gridCol w="2566834"/>
+                <a:gridCol w="1996689"/>
+                <a:gridCol w="1996689"/>
+                <a:gridCol w="1996689"/>
+                <a:gridCol w="1996689"/>
+                <a:gridCol w="1996689"/>
               </a:tblGrid>
-              <a:tr h="400659">
+              <a:tr h="1026498">
                 <a:tc>
                   <a:txBody>
                     <a:bodyPr/>
                     <a:lstStyle/>
                     <a:p>
-                      <a:pPr algn="ctr" latinLnBrk="1"/>
+                      <a:pPr marL="0" marR="0" indent="0" algn="ctr" defTabSz="914400" rtl="0" eaLnBrk="1" fontAlgn="auto" latinLnBrk="1" hangingPunct="1">
+                        <a:lnSpc>
+                          <a:spcPct val="100000"/>
+                        </a:lnSpc>
+                        <a:spcBef>
+                          <a:spcPts val="0"/>
+                        </a:spcBef>
+                        <a:spcAft>
+                          <a:spcPts val="0"/>
+                        </a:spcAft>
+                        <a:buClrTx/>
+                        <a:buSzTx/>
+                        <a:buFontTx/>
+                        <a:buNone/>
+                        <a:tabLst/>
+                        <a:defRPr/>
+                      </a:pPr>
                       <a:r>
                         <a:rPr lang="en-US" altLang="ko-KR" dirty="0" smtClean="0"/>
                         <a:t>Method</a:t>
                       </a:r>
-                      <a:endParaRPr lang="ko-KR" altLang="en-US" dirty="0"/>
+                      <a:endParaRPr lang="ko-KR" altLang="en-US" dirty="0" smtClean="0"/>
                     </a:p>
                   </a:txBody>
-                  <a:tcPr anchor="ctr">
-                    <a:lnR w="12700" cap="flat" cmpd="sng" algn="ctr">
-                      <a:solidFill>
-                        <a:schemeClr val="tx1"/>
-                      </a:solidFill>
-                      <a:prstDash val="solid"/>
-                      <a:round/>
-                      <a:headEnd type="none" w="med" len="med"/>
-                      <a:tailEnd type="none" w="med" len="med"/>
-                    </a:lnR>
-                  </a:tcPr>
+                  <a:tcPr anchor="ctr"/>
                 </a:tc>
                 <a:tc>
                   <a:txBody>
@@ -24928,22 +24675,41 @@
                       <a:pPr algn="ctr" latinLnBrk="1"/>
                       <a:r>
                         <a:rPr lang="en-US" altLang="ko-KR" dirty="0" smtClean="0"/>
-                        <a:t>RMSE</a:t>
+                        <a:t>MAPE </a:t>
+                      </a:r>
+                    </a:p>
+                    <a:p>
+                      <a:pPr algn="ctr" latinLnBrk="1"/>
+                      <a:r>
+                        <a:rPr lang="en-US" altLang="ko-KR" dirty="0" smtClean="0"/>
+                        <a:t>[%]</a:t>
                       </a:r>
                       <a:endParaRPr lang="ko-KR" altLang="en-US" dirty="0"/>
                     </a:p>
                   </a:txBody>
-                  <a:tcPr anchor="ctr">
-                    <a:lnL w="12700" cap="flat" cmpd="sng" algn="ctr">
-                      <a:solidFill>
-                        <a:schemeClr val="tx1"/>
-                      </a:solidFill>
-                      <a:prstDash val="solid"/>
-                      <a:round/>
-                      <a:headEnd type="none" w="med" len="med"/>
-                      <a:tailEnd type="none" w="med" len="med"/>
-                    </a:lnL>
-                  </a:tcPr>
+                  <a:tcPr anchor="ctr"/>
+                </a:tc>
+                <a:tc>
+                  <a:txBody>
+                    <a:bodyPr/>
+                    <a:lstStyle/>
+                    <a:p>
+                      <a:pPr algn="ctr" latinLnBrk="1"/>
+                      <a:r>
+                        <a:rPr lang="en-US" altLang="ko-KR" dirty="0" smtClean="0"/>
+                        <a:t>MAE </a:t>
+                      </a:r>
+                    </a:p>
+                    <a:p>
+                      <a:pPr algn="ctr" latinLnBrk="1"/>
+                      <a:r>
+                        <a:rPr lang="en-US" altLang="ko-KR" dirty="0" smtClean="0"/>
+                        <a:t>[MW]</a:t>
+                      </a:r>
+                      <a:endParaRPr lang="ko-KR" altLang="en-US" dirty="0"/>
+                    </a:p>
+                  </a:txBody>
+                  <a:tcPr anchor="ctr"/>
                 </a:tc>
                 <a:tc>
                   <a:txBody>
@@ -24972,7 +24738,11 @@
                       <a:pPr algn="ctr" latinLnBrk="1"/>
                       <a:r>
                         <a:rPr lang="en-US" altLang="ko-KR" dirty="0" smtClean="0"/>
-                        <a:t>Training time [sec]</a:t>
+                        <a:t>Training time</a:t>
+                      </a:r>
+                      <a:r>
+                        <a:rPr lang="en-US" altLang="ko-KR" baseline="0" dirty="0" smtClean="0"/>
+                        <a:t> [sec]</a:t>
                       </a:r>
                       <a:endParaRPr lang="ko-KR" altLang="en-US" dirty="0"/>
                     </a:p>
@@ -24980,7 +24750,7 @@
                   <a:tcPr anchor="ctr"/>
                 </a:tc>
               </a:tr>
-              <a:tr h="534770">
+              <a:tr h="609046">
                 <a:tc>
                   <a:txBody>
                     <a:bodyPr/>
@@ -24994,17 +24764,7 @@
                       <a:endParaRPr lang="ko-KR" altLang="en-US" dirty="0"/>
                     </a:p>
                   </a:txBody>
-                  <a:tcPr anchor="ctr">
-                    <a:lnR w="12700" cap="flat" cmpd="sng" algn="ctr">
-                      <a:solidFill>
-                        <a:schemeClr val="tx1"/>
-                      </a:solidFill>
-                      <a:prstDash val="solid"/>
-                      <a:round/>
-                      <a:headEnd type="none" w="med" len="med"/>
-                      <a:tailEnd type="none" w="med" len="med"/>
-                    </a:lnR>
-                  </a:tcPr>
+                  <a:tcPr anchor="ctr"/>
                 </a:tc>
                 <a:tc>
                   <a:txBody>
@@ -25013,31 +24773,13 @@
                     <a:p>
                       <a:pPr algn="r" latinLnBrk="1"/>
                       <a:r>
-                        <a:rPr lang="is-IS" altLang="ko-KR" dirty="0" smtClean="0">
-                          <a:solidFill>
-                            <a:srgbClr val="FF0000"/>
-                          </a:solidFill>
-                        </a:rPr>
-                        <a:t>0.091727159</a:t>
+                        <a:rPr lang="is-IS" altLang="ko-KR" dirty="0" smtClean="0"/>
+                        <a:t>9.0077064</a:t>
                       </a:r>
-                      <a:endParaRPr lang="ko-KR" altLang="en-US" dirty="0">
-                        <a:solidFill>
-                          <a:srgbClr val="FF0000"/>
-                        </a:solidFill>
-                      </a:endParaRPr>
+                      <a:endParaRPr lang="ko-KR" altLang="en-US" dirty="0"/>
                     </a:p>
                   </a:txBody>
-                  <a:tcPr anchor="ctr">
-                    <a:lnL w="12700" cap="flat" cmpd="sng" algn="ctr">
-                      <a:solidFill>
-                        <a:schemeClr val="tx1"/>
-                      </a:solidFill>
-                      <a:prstDash val="solid"/>
-                      <a:round/>
-                      <a:headEnd type="none" w="med" len="med"/>
-                      <a:tailEnd type="none" w="med" len="med"/>
-                    </a:lnL>
-                  </a:tcPr>
+                  <a:tcPr anchor="ctr"/>
                 </a:tc>
                 <a:tc>
                   <a:txBody>
@@ -25045,19 +24787,7 @@
                     <a:lstStyle/>
                     <a:p>
                       <a:pPr algn="r" latinLnBrk="1"/>
-                      <a:r>
-                        <a:rPr lang="is-IS" altLang="ko-KR" dirty="0" smtClean="0">
-                          <a:solidFill>
-                            <a:srgbClr val="FF0000"/>
-                          </a:solidFill>
-                        </a:rPr>
-                        <a:t>0.000965011574915</a:t>
-                      </a:r>
-                      <a:endParaRPr lang="ko-KR" altLang="en-US" dirty="0">
-                        <a:solidFill>
-                          <a:srgbClr val="FF0000"/>
-                        </a:solidFill>
-                      </a:endParaRPr>
+                      <a:endParaRPr lang="ko-KR" altLang="en-US" dirty="0"/>
                     </a:p>
                   </a:txBody>
                   <a:tcPr anchor="ctr"/>
@@ -25069,16 +24799,47 @@
                     <a:p>
                       <a:pPr algn="r" latinLnBrk="1"/>
                       <a:r>
-                        <a:rPr lang="nb-NO" altLang="ko-KR" dirty="0" smtClean="0"/>
-                        <a:t>0.1173</a:t>
+                        <a:rPr lang="is-IS" altLang="ko-KR" dirty="0" smtClean="0"/>
+                        <a:t>0.0284706143074</a:t>
                       </a:r>
                       <a:endParaRPr lang="ko-KR" altLang="en-US" dirty="0"/>
                     </a:p>
                   </a:txBody>
                   <a:tcPr anchor="ctr"/>
                 </a:tc>
+                <a:tc>
+                  <a:txBody>
+                    <a:bodyPr/>
+                    <a:lstStyle/>
+                    <a:p>
+                      <a:pPr marL="0" marR="0" indent="0" algn="r" defTabSz="914400" rtl="0" eaLnBrk="1" fontAlgn="auto" latinLnBrk="1" hangingPunct="1">
+                        <a:lnSpc>
+                          <a:spcPct val="100000"/>
+                        </a:lnSpc>
+                        <a:spcBef>
+                          <a:spcPts val="0"/>
+                        </a:spcBef>
+                        <a:spcAft>
+                          <a:spcPts val="0"/>
+                        </a:spcAft>
+                        <a:buClrTx/>
+                        <a:buSzTx/>
+                        <a:buFontTx/>
+                        <a:buNone/>
+                        <a:tabLst/>
+                        <a:defRPr/>
+                      </a:pPr>
+                      <a:r>
+                        <a:rPr lang="nb-NO" altLang="ko-KR" dirty="0" smtClean="0"/>
+                        <a:t>0.1173</a:t>
+                      </a:r>
+                      <a:endParaRPr lang="ko-KR" altLang="en-US" dirty="0" smtClean="0"/>
+                    </a:p>
+                  </a:txBody>
+                  <a:tcPr anchor="ctr"/>
+                </a:tc>
               </a:tr>
-              <a:tr h="534770">
+              <a:tr h="609046">
                 <a:tc>
                   <a:txBody>
                     <a:bodyPr/>
@@ -25092,17 +24853,7 @@
                       <a:endParaRPr lang="ko-KR" altLang="en-US" dirty="0"/>
                     </a:p>
                   </a:txBody>
-                  <a:tcPr anchor="ctr">
-                    <a:lnR w="12700" cap="flat" cmpd="sng" algn="ctr">
-                      <a:solidFill>
-                        <a:schemeClr val="tx1"/>
-                      </a:solidFill>
-                      <a:prstDash val="solid"/>
-                      <a:round/>
-                      <a:headEnd type="none" w="med" len="med"/>
-                      <a:tailEnd type="none" w="med" len="med"/>
-                    </a:lnR>
-                  </a:tcPr>
+                  <a:tcPr anchor="ctr"/>
                 </a:tc>
                 <a:tc>
                   <a:txBody>
@@ -25110,52 +24861,7 @@
                     <a:lstStyle/>
                     <a:p>
                       <a:pPr algn="r" latinLnBrk="1"/>
-                      <a:r>
-                        <a:rPr lang="is-IS" altLang="ko-KR" dirty="0" smtClean="0">
-                          <a:solidFill>
-                            <a:schemeClr val="accent1"/>
-                          </a:solidFill>
-                        </a:rPr>
-                        <a:t>0.091034215</a:t>
-                      </a:r>
-                      <a:endParaRPr lang="ko-KR" altLang="en-US" dirty="0">
-                        <a:solidFill>
-                          <a:schemeClr val="accent1"/>
-                        </a:solidFill>
-                      </a:endParaRPr>
-                    </a:p>
-                  </a:txBody>
-                  <a:tcPr anchor="ctr">
-                    <a:lnL w="12700" cap="flat" cmpd="sng" algn="ctr">
-                      <a:solidFill>
-                        <a:schemeClr val="tx1"/>
-                      </a:solidFill>
-                      <a:prstDash val="solid"/>
-                      <a:round/>
-                      <a:headEnd type="none" w="med" len="med"/>
-                      <a:tailEnd type="none" w="med" len="med"/>
-                    </a:lnL>
-                  </a:tcPr>
-                </a:tc>
-                <a:tc>
-                  <a:txBody>
-                    <a:bodyPr/>
-                    <a:lstStyle/>
-                    <a:p>
-                      <a:pPr algn="r" latinLnBrk="1"/>
-                      <a:r>
-                        <a:rPr lang="is-IS" altLang="ko-KR" dirty="0" smtClean="0">
-                          <a:solidFill>
-                            <a:schemeClr val="accent1"/>
-                          </a:solidFill>
-                        </a:rPr>
-                        <a:t>0.000730282875860</a:t>
-                      </a:r>
-                      <a:endParaRPr lang="ko-KR" altLang="en-US" dirty="0">
-                        <a:solidFill>
-                          <a:schemeClr val="accent1"/>
-                        </a:solidFill>
-                      </a:endParaRPr>
+                      <a:endParaRPr lang="ko-KR" altLang="en-US" dirty="0"/>
                     </a:p>
                   </a:txBody>
                   <a:tcPr anchor="ctr"/>
@@ -25166,11 +24872,49 @@
                     <a:lstStyle/>
                     <a:p>
                       <a:pPr algn="r" latinLnBrk="1"/>
+                      <a:endParaRPr lang="ko-KR" altLang="en-US" dirty="0"/>
+                    </a:p>
+                  </a:txBody>
+                  <a:tcPr anchor="ctr"/>
+                </a:tc>
+                <a:tc>
+                  <a:txBody>
+                    <a:bodyPr/>
+                    <a:lstStyle/>
+                    <a:p>
+                      <a:pPr algn="r" latinLnBrk="1"/>
+                      <a:endParaRPr lang="ko-KR" altLang="en-US" dirty="0"/>
+                    </a:p>
+                  </a:txBody>
+                  <a:tcPr anchor="ctr"/>
+                </a:tc>
+                <a:tc>
+                  <a:txBody>
+                    <a:bodyPr/>
+                    <a:lstStyle/>
+                    <a:p>
+                      <a:pPr marL="0" marR="0" indent="0" algn="r" defTabSz="914400" rtl="0" eaLnBrk="1" fontAlgn="auto" latinLnBrk="1" hangingPunct="1">
+                        <a:lnSpc>
+                          <a:spcPct val="100000"/>
+                        </a:lnSpc>
+                        <a:spcBef>
+                          <a:spcPts val="0"/>
+                        </a:spcBef>
+                        <a:spcAft>
+                          <a:spcPts val="0"/>
+                        </a:spcAft>
+                        <a:buClrTx/>
+                        <a:buSzTx/>
+                        <a:buFontTx/>
+                        <a:buNone/>
+                        <a:tabLst/>
+                        <a:defRPr/>
+                      </a:pPr>
                       <a:r>
                         <a:rPr lang="is-IS" altLang="ko-KR" dirty="0" smtClean="0"/>
                         <a:t>0.1244</a:t>
                       </a:r>
-                      <a:endParaRPr lang="ko-KR" altLang="en-US" dirty="0"/>
+                      <a:endParaRPr lang="ko-KR" altLang="en-US" dirty="0" smtClean="0"/>
                     </a:p>
                   </a:txBody>
                   <a:tcPr anchor="ctr"/>
@@ -25412,21 +25156,21 @@
       </p:cxnSp>
       <p:graphicFrame>
         <p:nvGraphicFramePr>
-          <p:cNvPr id="7" name="내용 개체 틀 3"/>
+          <p:cNvPr id="8" name="표 7"/>
           <p:cNvGraphicFramePr>
-            <a:graphicFrameLocks/>
+            <a:graphicFrameLocks noGrp="1"/>
           </p:cNvGraphicFramePr>
           <p:nvPr>
             <p:extLst>
               <p:ext uri="{D42A27DB-BD31-4B8C-83A1-F6EECF244321}">
-                <p14:modId xmlns:p14="http://schemas.microsoft.com/office/powerpoint/2010/main" val="1029582628"/>
+                <p14:modId xmlns:p14="http://schemas.microsoft.com/office/powerpoint/2010/main" val="1178371322"/>
               </p:ext>
             </p:extLst>
           </p:nvPr>
         </p:nvGraphicFramePr>
         <p:xfrm>
-          <a:off x="962332" y="4398597"/>
-          <a:ext cx="10267336" cy="1470199"/>
+          <a:off x="1104277" y="4216169"/>
+          <a:ext cx="9983445" cy="2244590"/>
         </p:xfrm>
         <a:graphic>
           <a:graphicData uri="http://schemas.openxmlformats.org/drawingml/2006/table">
@@ -25435,36 +25179,43 @@
                 <a:tableStyleId>{5C22544A-7EE6-4342-B048-85BDC9FD1C3A}</a:tableStyleId>
               </a:tblPr>
               <a:tblGrid>
-                <a:gridCol w="2566834"/>
-                <a:gridCol w="2566834"/>
-                <a:gridCol w="2566834"/>
-                <a:gridCol w="2566834"/>
+                <a:gridCol w="1996689"/>
+                <a:gridCol w="1996689"/>
+                <a:gridCol w="1996689"/>
+                <a:gridCol w="1996689"/>
+                <a:gridCol w="1996689"/>
               </a:tblGrid>
-              <a:tr h="400659">
+              <a:tr h="1026498">
                 <a:tc>
                   <a:txBody>
                     <a:bodyPr/>
                     <a:lstStyle/>
                     <a:p>
-                      <a:pPr algn="ctr" latinLnBrk="1"/>
+                      <a:pPr marL="0" marR="0" indent="0" algn="ctr" defTabSz="914400" rtl="0" eaLnBrk="1" fontAlgn="auto" latinLnBrk="1" hangingPunct="1">
+                        <a:lnSpc>
+                          <a:spcPct val="100000"/>
+                        </a:lnSpc>
+                        <a:spcBef>
+                          <a:spcPts val="0"/>
+                        </a:spcBef>
+                        <a:spcAft>
+                          <a:spcPts val="0"/>
+                        </a:spcAft>
+                        <a:buClrTx/>
+                        <a:buSzTx/>
+                        <a:buFontTx/>
+                        <a:buNone/>
+                        <a:tabLst/>
+                        <a:defRPr/>
+                      </a:pPr>
                       <a:r>
                         <a:rPr lang="en-US" altLang="ko-KR" dirty="0" smtClean="0"/>
                         <a:t>Method</a:t>
                       </a:r>
-                      <a:endParaRPr lang="ko-KR" altLang="en-US" dirty="0"/>
+                      <a:endParaRPr lang="ko-KR" altLang="en-US" dirty="0" smtClean="0"/>
                     </a:p>
                   </a:txBody>
-                  <a:tcPr anchor="ctr">
-                    <a:lnR w="12700" cap="flat" cmpd="sng" algn="ctr">
-                      <a:solidFill>
-                        <a:schemeClr val="tx1"/>
-                      </a:solidFill>
-                      <a:prstDash val="solid"/>
-                      <a:round/>
-                      <a:headEnd type="none" w="med" len="med"/>
-                      <a:tailEnd type="none" w="med" len="med"/>
-                    </a:lnR>
-                  </a:tcPr>
+                  <a:tcPr anchor="ctr"/>
                 </a:tc>
                 <a:tc>
                   <a:txBody>
@@ -25474,22 +25225,41 @@
                       <a:pPr algn="ctr" latinLnBrk="1"/>
                       <a:r>
                         <a:rPr lang="en-US" altLang="ko-KR" dirty="0" smtClean="0"/>
-                        <a:t>RMSE</a:t>
+                        <a:t>MAPE </a:t>
+                      </a:r>
+                    </a:p>
+                    <a:p>
+                      <a:pPr algn="ctr" latinLnBrk="1"/>
+                      <a:r>
+                        <a:rPr lang="en-US" altLang="ko-KR" dirty="0" smtClean="0"/>
+                        <a:t>[%]</a:t>
                       </a:r>
                       <a:endParaRPr lang="ko-KR" altLang="en-US" dirty="0"/>
                     </a:p>
                   </a:txBody>
-                  <a:tcPr anchor="ctr">
-                    <a:lnL w="12700" cap="flat" cmpd="sng" algn="ctr">
-                      <a:solidFill>
-                        <a:schemeClr val="tx1"/>
-                      </a:solidFill>
-                      <a:prstDash val="solid"/>
-                      <a:round/>
-                      <a:headEnd type="none" w="med" len="med"/>
-                      <a:tailEnd type="none" w="med" len="med"/>
-                    </a:lnL>
-                  </a:tcPr>
+                  <a:tcPr anchor="ctr"/>
+                </a:tc>
+                <a:tc>
+                  <a:txBody>
+                    <a:bodyPr/>
+                    <a:lstStyle/>
+                    <a:p>
+                      <a:pPr algn="ctr" latinLnBrk="1"/>
+                      <a:r>
+                        <a:rPr lang="en-US" altLang="ko-KR" dirty="0" smtClean="0"/>
+                        <a:t>MAE </a:t>
+                      </a:r>
+                    </a:p>
+                    <a:p>
+                      <a:pPr algn="ctr" latinLnBrk="1"/>
+                      <a:r>
+                        <a:rPr lang="en-US" altLang="ko-KR" dirty="0" smtClean="0"/>
+                        <a:t>[MW]</a:t>
+                      </a:r>
+                      <a:endParaRPr lang="ko-KR" altLang="en-US" dirty="0"/>
+                    </a:p>
+                  </a:txBody>
+                  <a:tcPr anchor="ctr"/>
                 </a:tc>
                 <a:tc>
                   <a:txBody>
@@ -25518,7 +25288,11 @@
                       <a:pPr algn="ctr" latinLnBrk="1"/>
                       <a:r>
                         <a:rPr lang="en-US" altLang="ko-KR" dirty="0" smtClean="0"/>
-                        <a:t>Training time [sec]</a:t>
+                        <a:t>Training time</a:t>
+                      </a:r>
+                      <a:r>
+                        <a:rPr lang="en-US" altLang="ko-KR" baseline="0" dirty="0" smtClean="0"/>
+                        <a:t> [sec]</a:t>
                       </a:r>
                       <a:endParaRPr lang="ko-KR" altLang="en-US" dirty="0"/>
                     </a:p>
@@ -25526,7 +25300,7 @@
                   <a:tcPr anchor="ctr"/>
                 </a:tc>
               </a:tr>
-              <a:tr h="534770">
+              <a:tr h="609046">
                 <a:tc>
                   <a:txBody>
                     <a:bodyPr/>
@@ -25540,17 +25314,7 @@
                       <a:endParaRPr lang="ko-KR" altLang="en-US" dirty="0"/>
                     </a:p>
                   </a:txBody>
-                  <a:tcPr anchor="ctr">
-                    <a:lnR w="12700" cap="flat" cmpd="sng" algn="ctr">
-                      <a:solidFill>
-                        <a:schemeClr val="tx1"/>
-                      </a:solidFill>
-                      <a:prstDash val="solid"/>
-                      <a:round/>
-                      <a:headEnd type="none" w="med" len="med"/>
-                      <a:tailEnd type="none" w="med" len="med"/>
-                    </a:lnR>
-                  </a:tcPr>
+                  <a:tcPr anchor="ctr"/>
                 </a:tc>
                 <a:tc>
                   <a:txBody>
@@ -25559,31 +25323,13 @@
                     <a:p>
                       <a:pPr algn="r" latinLnBrk="1"/>
                       <a:r>
-                        <a:rPr lang="is-IS" altLang="ko-KR" dirty="0" smtClean="0">
-                          <a:solidFill>
-                            <a:srgbClr val="FF0000"/>
-                          </a:solidFill>
-                        </a:rPr>
-                        <a:t>0.081853308</a:t>
+                        <a:rPr lang="nb-NO" altLang="ko-KR" smtClean="0"/>
+                        <a:t>7.7451563</a:t>
                       </a:r>
-                      <a:endParaRPr lang="ko-KR" altLang="en-US" dirty="0">
-                        <a:solidFill>
-                          <a:srgbClr val="FF0000"/>
-                        </a:solidFill>
-                      </a:endParaRPr>
+                      <a:endParaRPr lang="ko-KR" altLang="en-US" dirty="0"/>
                     </a:p>
                   </a:txBody>
-                  <a:tcPr anchor="ctr">
-                    <a:lnL w="12700" cap="flat" cmpd="sng" algn="ctr">
-                      <a:solidFill>
-                        <a:schemeClr val="tx1"/>
-                      </a:solidFill>
-                      <a:prstDash val="solid"/>
-                      <a:round/>
-                      <a:headEnd type="none" w="med" len="med"/>
-                      <a:tailEnd type="none" w="med" len="med"/>
-                    </a:lnL>
-                  </a:tcPr>
+                  <a:tcPr anchor="ctr"/>
                 </a:tc>
                 <a:tc>
                   <a:txBody>
@@ -25591,19 +25337,7 @@
                     <a:lstStyle/>
                     <a:p>
                       <a:pPr algn="r" latinLnBrk="1"/>
-                      <a:r>
-                        <a:rPr lang="fi-FI" altLang="ko-KR" dirty="0" smtClean="0">
-                          <a:solidFill>
-                            <a:srgbClr val="FF0000"/>
-                          </a:solidFill>
-                        </a:rPr>
-                        <a:t>0.001019103848060</a:t>
-                      </a:r>
-                      <a:endParaRPr lang="ko-KR" altLang="en-US" dirty="0">
-                        <a:solidFill>
-                          <a:srgbClr val="FF0000"/>
-                        </a:solidFill>
-                      </a:endParaRPr>
+                      <a:endParaRPr lang="ko-KR" altLang="en-US" dirty="0"/>
                     </a:p>
                   </a:txBody>
                   <a:tcPr anchor="ctr"/>
@@ -25615,16 +25349,47 @@
                     <a:p>
                       <a:pPr algn="r" latinLnBrk="1"/>
                       <a:r>
-                        <a:rPr lang="nb-NO" altLang="ko-KR" dirty="0" smtClean="0"/>
-                        <a:t>0.1400</a:t>
+                        <a:rPr lang="cs-CZ" altLang="ko-KR" dirty="0" smtClean="0"/>
+                        <a:t>0.0371536189396</a:t>
                       </a:r>
                       <a:endParaRPr lang="ko-KR" altLang="en-US" dirty="0"/>
                     </a:p>
                   </a:txBody>
                   <a:tcPr anchor="ctr"/>
                 </a:tc>
+                <a:tc>
+                  <a:txBody>
+                    <a:bodyPr/>
+                    <a:lstStyle/>
+                    <a:p>
+                      <a:pPr marL="0" marR="0" indent="0" algn="r" defTabSz="914400" rtl="0" eaLnBrk="1" fontAlgn="auto" latinLnBrk="1" hangingPunct="1">
+                        <a:lnSpc>
+                          <a:spcPct val="100000"/>
+                        </a:lnSpc>
+                        <a:spcBef>
+                          <a:spcPts val="0"/>
+                        </a:spcBef>
+                        <a:spcAft>
+                          <a:spcPts val="0"/>
+                        </a:spcAft>
+                        <a:buClrTx/>
+                        <a:buSzTx/>
+                        <a:buFontTx/>
+                        <a:buNone/>
+                        <a:tabLst/>
+                        <a:defRPr/>
+                      </a:pPr>
+                      <a:r>
+                        <a:rPr lang="nb-NO" altLang="ko-KR" dirty="0" smtClean="0"/>
+                        <a:t>0.1400</a:t>
+                      </a:r>
+                      <a:endParaRPr lang="ko-KR" altLang="en-US" dirty="0" smtClean="0"/>
+                    </a:p>
+                  </a:txBody>
+                  <a:tcPr anchor="ctr"/>
+                </a:tc>
               </a:tr>
-              <a:tr h="534770">
+              <a:tr h="609046">
                 <a:tc>
                   <a:txBody>
                     <a:bodyPr/>
@@ -25638,17 +25403,7 @@
                       <a:endParaRPr lang="ko-KR" altLang="en-US" dirty="0"/>
                     </a:p>
                   </a:txBody>
-                  <a:tcPr anchor="ctr">
-                    <a:lnR w="12700" cap="flat" cmpd="sng" algn="ctr">
-                      <a:solidFill>
-                        <a:schemeClr val="tx1"/>
-                      </a:solidFill>
-                      <a:prstDash val="solid"/>
-                      <a:round/>
-                      <a:headEnd type="none" w="med" len="med"/>
-                      <a:tailEnd type="none" w="med" len="med"/>
-                    </a:lnR>
-                  </a:tcPr>
+                  <a:tcPr anchor="ctr"/>
                 </a:tc>
                 <a:tc>
                   <a:txBody>
@@ -25656,52 +25411,7 @@
                     <a:lstStyle/>
                     <a:p>
                       <a:pPr algn="r" latinLnBrk="1"/>
-                      <a:r>
-                        <a:rPr lang="is-IS" altLang="ko-KR" dirty="0" smtClean="0">
-                          <a:solidFill>
-                            <a:schemeClr val="accent1"/>
-                          </a:solidFill>
-                        </a:rPr>
-                        <a:t>0.080043132</a:t>
-                      </a:r>
-                      <a:endParaRPr lang="ko-KR" altLang="en-US" dirty="0">
-                        <a:solidFill>
-                          <a:schemeClr val="accent1"/>
-                        </a:solidFill>
-                      </a:endParaRPr>
-                    </a:p>
-                  </a:txBody>
-                  <a:tcPr anchor="ctr">
-                    <a:lnL w="12700" cap="flat" cmpd="sng" algn="ctr">
-                      <a:solidFill>
-                        <a:schemeClr val="tx1"/>
-                      </a:solidFill>
-                      <a:prstDash val="solid"/>
-                      <a:round/>
-                      <a:headEnd type="none" w="med" len="med"/>
-                      <a:tailEnd type="none" w="med" len="med"/>
-                    </a:lnL>
-                  </a:tcPr>
-                </a:tc>
-                <a:tc>
-                  <a:txBody>
-                    <a:bodyPr/>
-                    <a:lstStyle/>
-                    <a:p>
-                      <a:pPr algn="r" latinLnBrk="1"/>
-                      <a:r>
-                        <a:rPr lang="is-IS" altLang="ko-KR" dirty="0" smtClean="0">
-                          <a:solidFill>
-                            <a:schemeClr val="accent1"/>
-                          </a:solidFill>
-                        </a:rPr>
-                        <a:t>0.000597998594125</a:t>
-                      </a:r>
-                      <a:endParaRPr lang="ko-KR" altLang="en-US" dirty="0">
-                        <a:solidFill>
-                          <a:schemeClr val="accent1"/>
-                        </a:solidFill>
-                      </a:endParaRPr>
+                      <a:endParaRPr lang="ko-KR" altLang="en-US" dirty="0"/>
                     </a:p>
                   </a:txBody>
                   <a:tcPr anchor="ctr"/>
@@ -25712,11 +25422,49 @@
                     <a:lstStyle/>
                     <a:p>
                       <a:pPr algn="r" latinLnBrk="1"/>
+                      <a:endParaRPr lang="ko-KR" altLang="en-US" dirty="0"/>
+                    </a:p>
+                  </a:txBody>
+                  <a:tcPr anchor="ctr"/>
+                </a:tc>
+                <a:tc>
+                  <a:txBody>
+                    <a:bodyPr/>
+                    <a:lstStyle/>
+                    <a:p>
+                      <a:pPr algn="r" latinLnBrk="1"/>
+                      <a:endParaRPr lang="ko-KR" altLang="en-US" dirty="0"/>
+                    </a:p>
+                  </a:txBody>
+                  <a:tcPr anchor="ctr"/>
+                </a:tc>
+                <a:tc>
+                  <a:txBody>
+                    <a:bodyPr/>
+                    <a:lstStyle/>
+                    <a:p>
+                      <a:pPr marL="0" marR="0" indent="0" algn="r" defTabSz="914400" rtl="0" eaLnBrk="1" fontAlgn="auto" latinLnBrk="1" hangingPunct="1">
+                        <a:lnSpc>
+                          <a:spcPct val="100000"/>
+                        </a:lnSpc>
+                        <a:spcBef>
+                          <a:spcPts val="0"/>
+                        </a:spcBef>
+                        <a:spcAft>
+                          <a:spcPts val="0"/>
+                        </a:spcAft>
+                        <a:buClrTx/>
+                        <a:buSzTx/>
+                        <a:buFontTx/>
+                        <a:buNone/>
+                        <a:tabLst/>
+                        <a:defRPr/>
+                      </a:pPr>
                       <a:r>
                         <a:rPr lang="hr-HR" altLang="ko-KR" dirty="0" smtClean="0"/>
                         <a:t>0.0970</a:t>
                       </a:r>
-                      <a:endParaRPr lang="ko-KR" altLang="en-US" dirty="0"/>
+                      <a:endParaRPr lang="ko-KR" altLang="en-US" dirty="0" smtClean="0"/>
                     </a:p>
                   </a:txBody>
                   <a:tcPr anchor="ctr"/>

--- a/ppt_slides/prepare_ELM2017_26MAY2017.pptx
+++ b/ppt_slides/prepare_ELM2017_26MAY2017.pptx
@@ -367,7 +367,7 @@
           <a:p>
             <a:fld id="{96223AE4-0464-1543-A980-755D476CA001}" type="datetimeFigureOut">
               <a:rPr kumimoji="1" lang="ko-KR" altLang="en-US" smtClean="0"/>
-              <a:t>2017. 5. 28.</a:t>
+              <a:t>2017. 5. 29.</a:t>
             </a:fld>
             <a:endParaRPr kumimoji="1" lang="ko-KR" altLang="en-US"/>
           </a:p>
@@ -1419,7 +1419,7 @@
           <a:p>
             <a:fld id="{E3EFA205-6D7A-A342-8BD2-019DFBBA20DC}" type="datetimeFigureOut">
               <a:rPr kumimoji="1" lang="ko-KR" altLang="en-US" smtClean="0"/>
-              <a:t>2017. 5. 28.</a:t>
+              <a:t>2017. 5. 29.</a:t>
             </a:fld>
             <a:endParaRPr kumimoji="1" lang="ko-KR" altLang="en-US"/>
           </a:p>
@@ -1589,7 +1589,7 @@
           <a:p>
             <a:fld id="{E3EFA205-6D7A-A342-8BD2-019DFBBA20DC}" type="datetimeFigureOut">
               <a:rPr kumimoji="1" lang="ko-KR" altLang="en-US" smtClean="0"/>
-              <a:t>2017. 5. 28.</a:t>
+              <a:t>2017. 5. 29.</a:t>
             </a:fld>
             <a:endParaRPr kumimoji="1" lang="ko-KR" altLang="en-US"/>
           </a:p>
@@ -1769,7 +1769,7 @@
           <a:p>
             <a:fld id="{E3EFA205-6D7A-A342-8BD2-019DFBBA20DC}" type="datetimeFigureOut">
               <a:rPr kumimoji="1" lang="ko-KR" altLang="en-US" smtClean="0"/>
-              <a:t>2017. 5. 28.</a:t>
+              <a:t>2017. 5. 29.</a:t>
             </a:fld>
             <a:endParaRPr kumimoji="1" lang="ko-KR" altLang="en-US"/>
           </a:p>
@@ -1939,7 +1939,7 @@
           <a:p>
             <a:fld id="{E3EFA205-6D7A-A342-8BD2-019DFBBA20DC}" type="datetimeFigureOut">
               <a:rPr kumimoji="1" lang="ko-KR" altLang="en-US" smtClean="0"/>
-              <a:t>2017. 5. 28.</a:t>
+              <a:t>2017. 5. 29.</a:t>
             </a:fld>
             <a:endParaRPr kumimoji="1" lang="ko-KR" altLang="en-US"/>
           </a:p>
@@ -2185,7 +2185,7 @@
           <a:p>
             <a:fld id="{E3EFA205-6D7A-A342-8BD2-019DFBBA20DC}" type="datetimeFigureOut">
               <a:rPr kumimoji="1" lang="ko-KR" altLang="en-US" smtClean="0"/>
-              <a:t>2017. 5. 28.</a:t>
+              <a:t>2017. 5. 29.</a:t>
             </a:fld>
             <a:endParaRPr kumimoji="1" lang="ko-KR" altLang="en-US"/>
           </a:p>
@@ -2417,7 +2417,7 @@
           <a:p>
             <a:fld id="{E3EFA205-6D7A-A342-8BD2-019DFBBA20DC}" type="datetimeFigureOut">
               <a:rPr kumimoji="1" lang="ko-KR" altLang="en-US" smtClean="0"/>
-              <a:t>2017. 5. 28.</a:t>
+              <a:t>2017. 5. 29.</a:t>
             </a:fld>
             <a:endParaRPr kumimoji="1" lang="ko-KR" altLang="en-US"/>
           </a:p>
@@ -2784,7 +2784,7 @@
           <a:p>
             <a:fld id="{E3EFA205-6D7A-A342-8BD2-019DFBBA20DC}" type="datetimeFigureOut">
               <a:rPr kumimoji="1" lang="ko-KR" altLang="en-US" smtClean="0"/>
-              <a:t>2017. 5. 28.</a:t>
+              <a:t>2017. 5. 29.</a:t>
             </a:fld>
             <a:endParaRPr kumimoji="1" lang="ko-KR" altLang="en-US"/>
           </a:p>
@@ -2902,7 +2902,7 @@
           <a:p>
             <a:fld id="{E3EFA205-6D7A-A342-8BD2-019DFBBA20DC}" type="datetimeFigureOut">
               <a:rPr kumimoji="1" lang="ko-KR" altLang="en-US" smtClean="0"/>
-              <a:t>2017. 5. 28.</a:t>
+              <a:t>2017. 5. 29.</a:t>
             </a:fld>
             <a:endParaRPr kumimoji="1" lang="ko-KR" altLang="en-US"/>
           </a:p>
@@ -2997,7 +2997,7 @@
           <a:p>
             <a:fld id="{E3EFA205-6D7A-A342-8BD2-019DFBBA20DC}" type="datetimeFigureOut">
               <a:rPr kumimoji="1" lang="ko-KR" altLang="en-US" smtClean="0"/>
-              <a:t>2017. 5. 28.</a:t>
+              <a:t>2017. 5. 29.</a:t>
             </a:fld>
             <a:endParaRPr kumimoji="1" lang="ko-KR" altLang="en-US"/>
           </a:p>
@@ -3274,7 +3274,7 @@
           <a:p>
             <a:fld id="{E3EFA205-6D7A-A342-8BD2-019DFBBA20DC}" type="datetimeFigureOut">
               <a:rPr kumimoji="1" lang="ko-KR" altLang="en-US" smtClean="0"/>
-              <a:t>2017. 5. 28.</a:t>
+              <a:t>2017. 5. 29.</a:t>
             </a:fld>
             <a:endParaRPr kumimoji="1" lang="ko-KR" altLang="en-US"/>
           </a:p>
@@ -3527,7 +3527,7 @@
           <a:p>
             <a:fld id="{E3EFA205-6D7A-A342-8BD2-019DFBBA20DC}" type="datetimeFigureOut">
               <a:rPr kumimoji="1" lang="ko-KR" altLang="en-US" smtClean="0"/>
-              <a:t>2017. 5. 28.</a:t>
+              <a:t>2017. 5. 29.</a:t>
             </a:fld>
             <a:endParaRPr kumimoji="1" lang="ko-KR" altLang="en-US"/>
           </a:p>
@@ -3740,7 +3740,7 @@
           <a:p>
             <a:fld id="{E3EFA205-6D7A-A342-8BD2-019DFBBA20DC}" type="datetimeFigureOut">
               <a:rPr kumimoji="1" lang="ko-KR" altLang="en-US" smtClean="0"/>
-              <a:t>2017. 5. 28.</a:t>
+              <a:t>2017. 5. 29.</a:t>
             </a:fld>
             <a:endParaRPr kumimoji="1" lang="ko-KR" altLang="en-US"/>
           </a:p>
@@ -21655,11 +21655,6 @@
               </a:rPr>
               <a:t>Accuracy</a:t>
             </a:r>
-            <a:endParaRPr kumimoji="1" lang="en-US" altLang="ko-KR" dirty="0" smtClean="0">
-              <a:latin typeface="Arial" charset="0"/>
-              <a:ea typeface="Arial" charset="0"/>
-              <a:cs typeface="Arial" charset="0"/>
-            </a:endParaRPr>
           </a:p>
           <a:p>
             <a:pPr lvl="1"/>
@@ -21874,15 +21869,7 @@
                 <a:ea typeface="Arial" charset="0"/>
                 <a:cs typeface="Arial" charset="0"/>
               </a:rPr>
-              <a:t>Training </a:t>
-            </a:r>
-            <a:r>
-              <a:rPr kumimoji="1" lang="en-US" altLang="ko-KR" dirty="0" smtClean="0">
-                <a:latin typeface="Arial" charset="0"/>
-                <a:ea typeface="Arial" charset="0"/>
-                <a:cs typeface="Arial" charset="0"/>
-              </a:rPr>
-              <a:t>: ELM</a:t>
+              <a:t>Training : ELM</a:t>
             </a:r>
           </a:p>
           <a:p>
@@ -22058,15 +22045,7 @@
                 <a:ea typeface="Arial" charset="0"/>
                 <a:cs typeface="Arial" charset="0"/>
               </a:rPr>
-              <a:t>Training </a:t>
-            </a:r>
-            <a:r>
-              <a:rPr kumimoji="1" lang="en-US" altLang="ko-KR" dirty="0" smtClean="0">
-                <a:latin typeface="Arial" charset="0"/>
-                <a:ea typeface="Arial" charset="0"/>
-                <a:cs typeface="Arial" charset="0"/>
-              </a:rPr>
-              <a:t>: H-ELM </a:t>
+              <a:t>Training : H-ELM </a:t>
             </a:r>
             <a:endParaRPr kumimoji="1" lang="en-US" altLang="ko-KR" dirty="0">
               <a:latin typeface="Arial" charset="0"/>
@@ -22273,7 +22252,19 @@
             </a:r>
             <a:r>
               <a:rPr lang="en-US" altLang="ko-KR" dirty="0"/>
-              <a:t>As the number of input features increases through the data preprocessing process, the RMSE tends to </a:t>
+              <a:t>As the number of input features increases through the data preprocessing process, the </a:t>
+            </a:r>
+            <a:r>
+              <a:rPr lang="en-US" altLang="ko-KR" dirty="0" smtClean="0"/>
+              <a:t>MAPE</a:t>
+            </a:r>
+            <a:r>
+              <a:rPr lang="en-US" altLang="ko-KR" dirty="0" smtClean="0"/>
+              <a:t> </a:t>
+            </a:r>
+            <a:r>
+              <a:rPr lang="en-US" altLang="ko-KR" dirty="0"/>
+              <a:t>tends to </a:t>
             </a:r>
             <a:r>
               <a:rPr lang="en-US" altLang="ko-KR" dirty="0" smtClean="0"/>
@@ -22390,12 +22381,36 @@
               <a:t>value </a:t>
             </a:r>
             <a:r>
+              <a:rPr kumimoji="1" lang="en-US" altLang="ko-KR">
+                <a:latin typeface="Arial" charset="0"/>
+                <a:ea typeface="Arial" charset="0"/>
+                <a:cs typeface="Arial" charset="0"/>
+              </a:rPr>
+              <a:t>of </a:t>
+            </a:r>
+            <a:r>
+              <a:rPr kumimoji="1" lang="en-US" altLang="ko-KR" smtClean="0">
+                <a:latin typeface="Arial" charset="0"/>
+                <a:ea typeface="Arial" charset="0"/>
+                <a:cs typeface="Arial" charset="0"/>
+              </a:rPr>
+              <a:t>MAPE</a:t>
+            </a:r>
+            <a:r>
+              <a:rPr kumimoji="1" lang="en-US" altLang="ko-KR" smtClean="0">
+                <a:latin typeface="Arial" charset="0"/>
+                <a:ea typeface="Arial" charset="0"/>
+                <a:cs typeface="Arial" charset="0"/>
+              </a:rPr>
+              <a:t> </a:t>
+            </a:r>
+            <a:r>
               <a:rPr kumimoji="1" lang="en-US" altLang="ko-KR" dirty="0">
                 <a:latin typeface="Arial" charset="0"/>
                 <a:ea typeface="Arial" charset="0"/>
                 <a:cs typeface="Arial" charset="0"/>
               </a:rPr>
-              <a:t>of RMSE than </a:t>
+              <a:t>than </a:t>
             </a:r>
             <a:r>
               <a:rPr kumimoji="1" lang="en-US" altLang="ko-KR" dirty="0" smtClean="0">
@@ -22451,7 +22466,31 @@
                 <a:ea typeface="Arial" charset="0"/>
                 <a:cs typeface="Arial" charset="0"/>
               </a:rPr>
-              <a:t>HELM shows dense RMSE distribution compared to </a:t>
+              <a:t>HELM shows dense </a:t>
+            </a:r>
+            <a:r>
+              <a:rPr kumimoji="1" lang="en-US" altLang="ko-KR" dirty="0" smtClean="0">
+                <a:latin typeface="Arial" charset="0"/>
+                <a:ea typeface="Arial" charset="0"/>
+                <a:cs typeface="Arial" charset="0"/>
+              </a:rPr>
+              <a:t>MAPE</a:t>
+            </a:r>
+            <a:r>
+              <a:rPr kumimoji="1" lang="en-US" altLang="ko-KR" dirty="0" smtClean="0">
+                <a:latin typeface="Arial" charset="0"/>
+                <a:ea typeface="Arial" charset="0"/>
+                <a:cs typeface="Arial" charset="0"/>
+              </a:rPr>
+              <a:t> </a:t>
+            </a:r>
+            <a:r>
+              <a:rPr kumimoji="1" lang="en-US" altLang="ko-KR" dirty="0">
+                <a:latin typeface="Arial" charset="0"/>
+                <a:ea typeface="Arial" charset="0"/>
+                <a:cs typeface="Arial" charset="0"/>
+              </a:rPr>
+              <a:t>distribution compared to </a:t>
             </a:r>
             <a:r>
               <a:rPr kumimoji="1" lang="en-US" altLang="ko-KR" dirty="0" smtClean="0">
@@ -22679,11 +22718,6 @@
               </a:rPr>
               <a:t>Testing : ELM </a:t>
             </a:r>
-            <a:endParaRPr kumimoji="1" lang="en-US" altLang="ko-KR" dirty="0" smtClean="0">
-              <a:latin typeface="Arial" charset="0"/>
-              <a:ea typeface="Arial" charset="0"/>
-              <a:cs typeface="Arial" charset="0"/>
-            </a:endParaRPr>
           </a:p>
           <a:p>
             <a:pPr lvl="1"/>
@@ -22858,15 +22892,7 @@
                 <a:ea typeface="Arial" charset="0"/>
                 <a:cs typeface="Arial" charset="0"/>
               </a:rPr>
-              <a:t>Testing : </a:t>
-            </a:r>
-            <a:r>
-              <a:rPr kumimoji="1" lang="en-US" altLang="ko-KR" dirty="0" smtClean="0">
-                <a:latin typeface="Arial" charset="0"/>
-                <a:ea typeface="Arial" charset="0"/>
-                <a:cs typeface="Arial" charset="0"/>
-              </a:rPr>
-              <a:t>H-ELM</a:t>
+              <a:t>Testing : H-ELM</a:t>
             </a:r>
           </a:p>
           <a:p>
@@ -23198,7 +23224,7 @@
           <p:nvPr>
             <p:extLst>
               <p:ext uri="{D42A27DB-BD31-4B8C-83A1-F6EECF244321}">
-                <p14:modId xmlns:p14="http://schemas.microsoft.com/office/powerpoint/2010/main" val="1559757929"/>
+                <p14:modId xmlns:p14="http://schemas.microsoft.com/office/powerpoint/2010/main" val="1623232091"/>
               </p:ext>
             </p:extLst>
           </p:nvPr>
@@ -23282,28 +23308,6 @@
                       <a:pPr algn="ctr" latinLnBrk="1"/>
                       <a:r>
                         <a:rPr lang="en-US" altLang="ko-KR" dirty="0" smtClean="0"/>
-                        <a:t>MAE </a:t>
-                      </a:r>
-                    </a:p>
-                    <a:p>
-                      <a:pPr algn="ctr" latinLnBrk="1"/>
-                      <a:r>
-                        <a:rPr lang="en-US" altLang="ko-KR" dirty="0" smtClean="0"/>
-                        <a:t>[MW]</a:t>
-                      </a:r>
-                      <a:endParaRPr lang="ko-KR" altLang="en-US" dirty="0"/>
-                    </a:p>
-                  </a:txBody>
-                  <a:tcPr anchor="ctr"/>
-                </a:tc>
-                <a:tc>
-                  <a:txBody>
-                    <a:bodyPr/>
-                    <a:lstStyle/>
-                    <a:p>
-                      <a:pPr algn="ctr" latinLnBrk="1"/>
-                      <a:r>
-                        <a:rPr lang="en-US" altLang="ko-KR" dirty="0" smtClean="0"/>
                         <a:t>Standard</a:t>
                       </a:r>
                       <a:r>
@@ -23320,7 +23324,23 @@
                     <a:bodyPr/>
                     <a:lstStyle/>
                     <a:p>
-                      <a:pPr algn="ctr" latinLnBrk="1"/>
+                      <a:pPr marL="0" marR="0" indent="0" algn="ctr" defTabSz="914400" rtl="0" eaLnBrk="1" fontAlgn="auto" latinLnBrk="1" hangingPunct="1">
+                        <a:lnSpc>
+                          <a:spcPct val="100000"/>
+                        </a:lnSpc>
+                        <a:spcBef>
+                          <a:spcPts val="0"/>
+                        </a:spcBef>
+                        <a:spcAft>
+                          <a:spcPts val="0"/>
+                        </a:spcAft>
+                        <a:buClrTx/>
+                        <a:buSzTx/>
+                        <a:buFontTx/>
+                        <a:buNone/>
+                        <a:tabLst/>
+                        <a:defRPr/>
+                      </a:pPr>
                       <a:r>
                         <a:rPr lang="en-US" altLang="ko-KR" dirty="0" smtClean="0"/>
                         <a:t>Training time</a:t>
@@ -23328,6 +23348,28 @@
                       <a:r>
                         <a:rPr lang="en-US" altLang="ko-KR" baseline="0" dirty="0" smtClean="0"/>
                         <a:t> [sec]</a:t>
+                      </a:r>
+                      <a:endParaRPr lang="ko-KR" altLang="en-US" dirty="0" smtClean="0"/>
+                    </a:p>
+                  </a:txBody>
+                  <a:tcPr anchor="ctr"/>
+                </a:tc>
+                <a:tc>
+                  <a:txBody>
+                    <a:bodyPr/>
+                    <a:lstStyle/>
+                    <a:p>
+                      <a:pPr algn="ctr" latinLnBrk="1"/>
+                      <a:r>
+                        <a:rPr lang="en-US" altLang="ko-KR" dirty="0" smtClean="0"/>
+                        <a:t>MAE </a:t>
+                      </a:r>
+                    </a:p>
+                    <a:p>
+                      <a:pPr algn="ctr" latinLnBrk="1"/>
+                      <a:r>
+                        <a:rPr lang="en-US" altLang="ko-KR" dirty="0" smtClean="0"/>
+                        <a:t>[MW]</a:t>
                       </a:r>
                       <a:endParaRPr lang="ko-KR" altLang="en-US" dirty="0"/>
                     </a:p>
@@ -23358,21 +23400,18 @@
                     <a:p>
                       <a:pPr algn="r" latinLnBrk="1"/>
                       <a:r>
-                        <a:rPr lang="fi-FI" altLang="ko-KR" dirty="0" smtClean="0"/>
-                        <a:t>14.864887</a:t>
+                        <a:rPr lang="is-IS" altLang="ko-KR" dirty="0" smtClean="0">
+                          <a:solidFill>
+                            <a:schemeClr val="accent1"/>
+                          </a:solidFill>
+                        </a:rPr>
+                        <a:t>22.973061</a:t>
                       </a:r>
-                      <a:endParaRPr lang="ko-KR" altLang="en-US" dirty="0"/>
-                    </a:p>
-                  </a:txBody>
-                  <a:tcPr anchor="ctr"/>
-                </a:tc>
-                <a:tc>
-                  <a:txBody>
-                    <a:bodyPr/>
-                    <a:lstStyle/>
-                    <a:p>
-                      <a:pPr algn="r" latinLnBrk="1"/>
-                      <a:endParaRPr lang="ko-KR" altLang="en-US" dirty="0"/>
+                      <a:endParaRPr lang="ko-KR" altLang="en-US" dirty="0">
+                        <a:solidFill>
+                          <a:schemeClr val="accent1"/>
+                        </a:solidFill>
+                      </a:endParaRPr>
                     </a:p>
                   </a:txBody>
                   <a:tcPr anchor="ctr"/>
@@ -23384,10 +23423,41 @@
                     <a:p>
                       <a:pPr algn="r" latinLnBrk="1"/>
                       <a:r>
-                        <a:rPr lang="is-IS" altLang="ko-KR" dirty="0" smtClean="0"/>
-                        <a:t>0.0153152940226</a:t>
+                        <a:rPr lang="nb-NO" altLang="ko-KR" dirty="0" smtClean="0">
+                          <a:solidFill>
+                            <a:srgbClr val="FF0000"/>
+                          </a:solidFill>
+                        </a:rPr>
+                        <a:t>0.0336759154144</a:t>
                       </a:r>
-                      <a:endParaRPr lang="ko-KR" altLang="en-US" dirty="0"/>
+                      <a:endParaRPr lang="ko-KR" altLang="en-US" dirty="0">
+                        <a:solidFill>
+                          <a:srgbClr val="FF0000"/>
+                        </a:solidFill>
+                      </a:endParaRPr>
+                    </a:p>
+                  </a:txBody>
+                  <a:tcPr anchor="ctr"/>
+                </a:tc>
+                <a:tc>
+                  <a:txBody>
+                    <a:bodyPr/>
+                    <a:lstStyle/>
+                    <a:p>
+                      <a:pPr algn="r" latinLnBrk="1"/>
+                      <a:r>
+                        <a:rPr lang="is-IS" altLang="ko-KR" dirty="0" smtClean="0">
+                          <a:solidFill>
+                            <a:srgbClr val="FF0000"/>
+                          </a:solidFill>
+                        </a:rPr>
+                        <a:t>0.0681</a:t>
+                      </a:r>
+                      <a:endParaRPr lang="ko-KR" altLang="en-US" dirty="0">
+                        <a:solidFill>
+                          <a:srgbClr val="FF0000"/>
+                        </a:solidFill>
+                      </a:endParaRPr>
                     </a:p>
                   </a:txBody>
                   <a:tcPr anchor="ctr"/>
@@ -23415,10 +23485,18 @@
                         <a:defRPr/>
                       </a:pPr>
                       <a:r>
-                        <a:rPr lang="is-IS" altLang="ko-KR" dirty="0" smtClean="0"/>
-                        <a:t>0.0681</a:t>
+                        <a:rPr lang="is-IS" altLang="ko-KR" dirty="0" smtClean="0">
+                          <a:solidFill>
+                            <a:schemeClr val="accent1"/>
+                          </a:solidFill>
+                        </a:rPr>
+                        <a:t>19056.307</a:t>
                       </a:r>
-                      <a:endParaRPr lang="ko-KR" altLang="en-US" dirty="0" smtClean="0"/>
+                      <a:endParaRPr lang="ko-KR" altLang="en-US" dirty="0" smtClean="0">
+                        <a:solidFill>
+                          <a:schemeClr val="accent1"/>
+                        </a:solidFill>
+                      </a:endParaRPr>
                     </a:p>
                   </a:txBody>
                   <a:tcPr anchor="ctr"/>
@@ -23446,7 +23524,19 @@
                     <a:lstStyle/>
                     <a:p>
                       <a:pPr algn="r" latinLnBrk="1"/>
-                      <a:endParaRPr lang="ko-KR" altLang="en-US" dirty="0"/>
+                      <a:r>
+                        <a:rPr lang="hr-HR" altLang="ko-KR" dirty="0" smtClean="0">
+                          <a:solidFill>
+                            <a:srgbClr val="FF0000"/>
+                          </a:solidFill>
+                        </a:rPr>
+                        <a:t>26.892541</a:t>
+                      </a:r>
+                      <a:endParaRPr lang="ko-KR" altLang="en-US" dirty="0">
+                        <a:solidFill>
+                          <a:srgbClr val="FF0000"/>
+                        </a:solidFill>
+                      </a:endParaRPr>
                     </a:p>
                   </a:txBody>
                   <a:tcPr anchor="ctr"/>
@@ -23457,7 +23547,19 @@
                     <a:lstStyle/>
                     <a:p>
                       <a:pPr algn="r" latinLnBrk="1"/>
-                      <a:endParaRPr lang="ko-KR" altLang="en-US" dirty="0"/>
+                      <a:r>
+                        <a:rPr lang="nb-NO" altLang="ko-KR" dirty="0" smtClean="0">
+                          <a:solidFill>
+                            <a:schemeClr val="accent1"/>
+                          </a:solidFill>
+                        </a:rPr>
+                        <a:t>0.0286463665933</a:t>
+                      </a:r>
+                      <a:endParaRPr lang="ko-KR" altLang="en-US" dirty="0">
+                        <a:solidFill>
+                          <a:schemeClr val="accent1"/>
+                        </a:solidFill>
+                      </a:endParaRPr>
                     </a:p>
                   </a:txBody>
                   <a:tcPr anchor="ctr"/>
@@ -23468,7 +23570,19 @@
                     <a:lstStyle/>
                     <a:p>
                       <a:pPr algn="r" latinLnBrk="1"/>
-                      <a:endParaRPr lang="ko-KR" altLang="en-US" dirty="0"/>
+                      <a:r>
+                        <a:rPr lang="pt-BR" altLang="ko-KR" dirty="0" smtClean="0">
+                          <a:solidFill>
+                            <a:schemeClr val="accent1"/>
+                          </a:solidFill>
+                        </a:rPr>
+                        <a:t>0.0581</a:t>
+                      </a:r>
+                      <a:endParaRPr lang="ko-KR" altLang="en-US" dirty="0">
+                        <a:solidFill>
+                          <a:schemeClr val="accent1"/>
+                        </a:solidFill>
+                      </a:endParaRPr>
                     </a:p>
                   </a:txBody>
                   <a:tcPr anchor="ctr"/>
@@ -23496,10 +23610,18 @@
                         <a:defRPr/>
                       </a:pPr>
                       <a:r>
-                        <a:rPr lang="pt-BR" altLang="ko-KR" dirty="0" smtClean="0"/>
-                        <a:t>0.0581</a:t>
+                        <a:rPr lang="hr-HR" altLang="ko-KR" dirty="0" smtClean="0">
+                          <a:solidFill>
+                            <a:srgbClr val="FF0000"/>
+                          </a:solidFill>
+                        </a:rPr>
+                        <a:t>21624.653</a:t>
                       </a:r>
-                      <a:endParaRPr lang="ko-KR" altLang="en-US" dirty="0" smtClean="0"/>
+                      <a:endParaRPr lang="ko-KR" altLang="en-US" dirty="0" smtClean="0">
+                        <a:solidFill>
+                          <a:srgbClr val="FF0000"/>
+                        </a:solidFill>
+                      </a:endParaRPr>
                     </a:p>
                   </a:txBody>
                   <a:tcPr anchor="ctr"/>
@@ -23721,14 +23843,14 @@
       </p:cxnSp>
       <p:graphicFrame>
         <p:nvGraphicFramePr>
-          <p:cNvPr id="8" name="표 7"/>
+          <p:cNvPr id="6" name="표 5"/>
           <p:cNvGraphicFramePr>
             <a:graphicFrameLocks noGrp="1"/>
           </p:cNvGraphicFramePr>
           <p:nvPr>
             <p:extLst>
               <p:ext uri="{D42A27DB-BD31-4B8C-83A1-F6EECF244321}">
-                <p14:modId xmlns:p14="http://schemas.microsoft.com/office/powerpoint/2010/main" val="311079582"/>
+                <p14:modId xmlns:p14="http://schemas.microsoft.com/office/powerpoint/2010/main" val="1719809858"/>
               </p:ext>
             </p:extLst>
           </p:nvPr>
@@ -23812,28 +23934,6 @@
                       <a:pPr algn="ctr" latinLnBrk="1"/>
                       <a:r>
                         <a:rPr lang="en-US" altLang="ko-KR" dirty="0" smtClean="0"/>
-                        <a:t>MAE </a:t>
-                      </a:r>
-                    </a:p>
-                    <a:p>
-                      <a:pPr algn="ctr" latinLnBrk="1"/>
-                      <a:r>
-                        <a:rPr lang="en-US" altLang="ko-KR" dirty="0" smtClean="0"/>
-                        <a:t>[MW]</a:t>
-                      </a:r>
-                      <a:endParaRPr lang="ko-KR" altLang="en-US" dirty="0"/>
-                    </a:p>
-                  </a:txBody>
-                  <a:tcPr anchor="ctr"/>
-                </a:tc>
-                <a:tc>
-                  <a:txBody>
-                    <a:bodyPr/>
-                    <a:lstStyle/>
-                    <a:p>
-                      <a:pPr algn="ctr" latinLnBrk="1"/>
-                      <a:r>
-                        <a:rPr lang="en-US" altLang="ko-KR" dirty="0" smtClean="0"/>
                         <a:t>Standard</a:t>
                       </a:r>
                       <a:r>
@@ -23850,7 +23950,23 @@
                     <a:bodyPr/>
                     <a:lstStyle/>
                     <a:p>
-                      <a:pPr algn="ctr" latinLnBrk="1"/>
+                      <a:pPr marL="0" marR="0" indent="0" algn="ctr" defTabSz="914400" rtl="0" eaLnBrk="1" fontAlgn="auto" latinLnBrk="1" hangingPunct="1">
+                        <a:lnSpc>
+                          <a:spcPct val="100000"/>
+                        </a:lnSpc>
+                        <a:spcBef>
+                          <a:spcPts val="0"/>
+                        </a:spcBef>
+                        <a:spcAft>
+                          <a:spcPts val="0"/>
+                        </a:spcAft>
+                        <a:buClrTx/>
+                        <a:buSzTx/>
+                        <a:buFontTx/>
+                        <a:buNone/>
+                        <a:tabLst/>
+                        <a:defRPr/>
+                      </a:pPr>
                       <a:r>
                         <a:rPr lang="en-US" altLang="ko-KR" dirty="0" smtClean="0"/>
                         <a:t>Training time</a:t>
@@ -23858,6 +23974,28 @@
                       <a:r>
                         <a:rPr lang="en-US" altLang="ko-KR" baseline="0" dirty="0" smtClean="0"/>
                         <a:t> [sec]</a:t>
+                      </a:r>
+                      <a:endParaRPr lang="ko-KR" altLang="en-US" dirty="0" smtClean="0"/>
+                    </a:p>
+                  </a:txBody>
+                  <a:tcPr anchor="ctr"/>
+                </a:tc>
+                <a:tc>
+                  <a:txBody>
+                    <a:bodyPr/>
+                    <a:lstStyle/>
+                    <a:p>
+                      <a:pPr algn="ctr" latinLnBrk="1"/>
+                      <a:r>
+                        <a:rPr lang="en-US" altLang="ko-KR" dirty="0" smtClean="0"/>
+                        <a:t>MAE </a:t>
+                      </a:r>
+                    </a:p>
+                    <a:p>
+                      <a:pPr algn="ctr" latinLnBrk="1"/>
+                      <a:r>
+                        <a:rPr lang="en-US" altLang="ko-KR" dirty="0" smtClean="0"/>
+                        <a:t>[MW]</a:t>
                       </a:r>
                       <a:endParaRPr lang="ko-KR" altLang="en-US" dirty="0"/>
                     </a:p>
@@ -23888,21 +24026,18 @@
                     <a:p>
                       <a:pPr algn="r" latinLnBrk="1"/>
                       <a:r>
-                        <a:rPr lang="nb-NO" altLang="ko-KR" dirty="0" smtClean="0"/>
-                        <a:t>7.8030438</a:t>
+                        <a:rPr lang="is-IS" altLang="ko-KR" dirty="0" smtClean="0">
+                          <a:solidFill>
+                            <a:srgbClr val="FF0000"/>
+                          </a:solidFill>
+                        </a:rPr>
+                        <a:t>11.807609</a:t>
                       </a:r>
-                      <a:endParaRPr lang="ko-KR" altLang="en-US" dirty="0"/>
-                    </a:p>
-                  </a:txBody>
-                  <a:tcPr anchor="ctr"/>
-                </a:tc>
-                <a:tc>
-                  <a:txBody>
-                    <a:bodyPr/>
-                    <a:lstStyle/>
-                    <a:p>
-                      <a:pPr algn="r" latinLnBrk="1"/>
-                      <a:endParaRPr lang="ko-KR" altLang="en-US" dirty="0"/>
+                      <a:endParaRPr lang="ko-KR" altLang="en-US" dirty="0">
+                        <a:solidFill>
+                          <a:srgbClr val="FF0000"/>
+                        </a:solidFill>
+                      </a:endParaRPr>
                     </a:p>
                   </a:txBody>
                   <a:tcPr anchor="ctr"/>
@@ -23914,10 +24049,41 @@
                     <a:p>
                       <a:pPr algn="r" latinLnBrk="1"/>
                       <a:r>
-                        <a:rPr lang="is-IS" altLang="ko-KR" dirty="0" smtClean="0"/>
-                        <a:t>0.0297305439163</a:t>
+                        <a:rPr lang="fi-FI" altLang="ko-KR" dirty="0" smtClean="0">
+                          <a:solidFill>
+                            <a:srgbClr val="FF0000"/>
+                          </a:solidFill>
+                        </a:rPr>
+                        <a:t>0.168111879768</a:t>
                       </a:r>
-                      <a:endParaRPr lang="ko-KR" altLang="en-US" dirty="0"/>
+                      <a:endParaRPr lang="ko-KR" altLang="en-US" dirty="0">
+                        <a:solidFill>
+                          <a:srgbClr val="FF0000"/>
+                        </a:solidFill>
+                      </a:endParaRPr>
+                    </a:p>
+                  </a:txBody>
+                  <a:tcPr anchor="ctr"/>
+                </a:tc>
+                <a:tc>
+                  <a:txBody>
+                    <a:bodyPr/>
+                    <a:lstStyle/>
+                    <a:p>
+                      <a:pPr algn="r" latinLnBrk="1"/>
+                      <a:r>
+                        <a:rPr lang="hr-HR" altLang="ko-KR" dirty="0" smtClean="0">
+                          <a:solidFill>
+                            <a:srgbClr val="FF0000"/>
+                          </a:solidFill>
+                        </a:rPr>
+                        <a:t>0.1383</a:t>
+                      </a:r>
+                      <a:endParaRPr lang="ko-KR" altLang="en-US" dirty="0">
+                        <a:solidFill>
+                          <a:srgbClr val="FF0000"/>
+                        </a:solidFill>
+                      </a:endParaRPr>
                     </a:p>
                   </a:txBody>
                   <a:tcPr anchor="ctr"/>
@@ -23945,10 +24111,18 @@
                         <a:defRPr/>
                       </a:pPr>
                       <a:r>
-                        <a:rPr lang="hr-HR" altLang="ko-KR" dirty="0" smtClean="0"/>
-                        <a:t>0.1383</a:t>
+                        <a:rPr lang="hr-HR" altLang="ko-KR" dirty="0" smtClean="0">
+                          <a:solidFill>
+                            <a:srgbClr val="FF0000"/>
+                          </a:solidFill>
+                        </a:rPr>
+                        <a:t>10909.385</a:t>
                       </a:r>
-                      <a:endParaRPr lang="ko-KR" altLang="en-US" dirty="0" smtClean="0"/>
+                      <a:endParaRPr lang="ko-KR" altLang="en-US" dirty="0" smtClean="0">
+                        <a:solidFill>
+                          <a:srgbClr val="FF0000"/>
+                        </a:solidFill>
+                      </a:endParaRPr>
                     </a:p>
                   </a:txBody>
                   <a:tcPr anchor="ctr"/>
@@ -23976,7 +24150,19 @@
                     <a:lstStyle/>
                     <a:p>
                       <a:pPr algn="r" latinLnBrk="1"/>
-                      <a:endParaRPr lang="ko-KR" altLang="en-US" dirty="0"/>
+                      <a:r>
+                        <a:rPr lang="is-IS" altLang="ko-KR" dirty="0" smtClean="0">
+                          <a:solidFill>
+                            <a:schemeClr val="accent1"/>
+                          </a:solidFill>
+                        </a:rPr>
+                        <a:t>11.657106</a:t>
+                      </a:r>
+                      <a:endParaRPr lang="ko-KR" altLang="en-US" dirty="0">
+                        <a:solidFill>
+                          <a:schemeClr val="accent1"/>
+                        </a:solidFill>
+                      </a:endParaRPr>
                     </a:p>
                   </a:txBody>
                   <a:tcPr anchor="ctr"/>
@@ -23987,7 +24173,19 @@
                     <a:lstStyle/>
                     <a:p>
                       <a:pPr algn="r" latinLnBrk="1"/>
-                      <a:endParaRPr lang="ko-KR" altLang="en-US" dirty="0"/>
+                      <a:r>
+                        <a:rPr lang="is-IS" altLang="ko-KR" dirty="0" smtClean="0">
+                          <a:solidFill>
+                            <a:schemeClr val="accent1"/>
+                          </a:solidFill>
+                        </a:rPr>
+                        <a:t>0.103974760226</a:t>
+                      </a:r>
+                      <a:endParaRPr lang="ko-KR" altLang="en-US" dirty="0">
+                        <a:solidFill>
+                          <a:schemeClr val="accent1"/>
+                        </a:solidFill>
+                      </a:endParaRPr>
                     </a:p>
                   </a:txBody>
                   <a:tcPr anchor="ctr"/>
@@ -23998,7 +24196,19 @@
                     <a:lstStyle/>
                     <a:p>
                       <a:pPr algn="r" latinLnBrk="1"/>
-                      <a:endParaRPr lang="ko-KR" altLang="en-US" dirty="0"/>
+                      <a:r>
+                        <a:rPr lang="nb-NO" altLang="ko-KR" dirty="0" smtClean="0">
+                          <a:solidFill>
+                            <a:schemeClr val="accent1"/>
+                          </a:solidFill>
+                        </a:rPr>
+                        <a:t>0.1030</a:t>
+                      </a:r>
+                      <a:endParaRPr lang="ko-KR" altLang="en-US" dirty="0">
+                        <a:solidFill>
+                          <a:schemeClr val="accent1"/>
+                        </a:solidFill>
+                      </a:endParaRPr>
                     </a:p>
                   </a:txBody>
                   <a:tcPr anchor="ctr"/>
@@ -24026,10 +24236,18 @@
                         <a:defRPr/>
                       </a:pPr>
                       <a:r>
-                        <a:rPr lang="nb-NO" altLang="ko-KR" dirty="0" smtClean="0"/>
-                        <a:t>0.1030</a:t>
+                        <a:rPr lang="fi-FI" altLang="ko-KR" dirty="0" smtClean="0">
+                          <a:solidFill>
+                            <a:schemeClr val="accent1"/>
+                          </a:solidFill>
+                        </a:rPr>
+                        <a:t>10828.877</a:t>
                       </a:r>
-                      <a:endParaRPr lang="ko-KR" altLang="en-US" dirty="0" smtClean="0"/>
+                      <a:endParaRPr lang="ko-KR" altLang="en-US" dirty="0" smtClean="0">
+                        <a:solidFill>
+                          <a:schemeClr val="accent1"/>
+                        </a:solidFill>
+                      </a:endParaRPr>
                     </a:p>
                   </a:txBody>
                   <a:tcPr anchor="ctr"/>
@@ -24606,14 +24824,14 @@
       </p:cxnSp>
       <p:graphicFrame>
         <p:nvGraphicFramePr>
-          <p:cNvPr id="8" name="표 7"/>
+          <p:cNvPr id="6" name="표 5"/>
           <p:cNvGraphicFramePr>
             <a:graphicFrameLocks noGrp="1"/>
           </p:cNvGraphicFramePr>
           <p:nvPr>
             <p:extLst>
               <p:ext uri="{D42A27DB-BD31-4B8C-83A1-F6EECF244321}">
-                <p14:modId xmlns:p14="http://schemas.microsoft.com/office/powerpoint/2010/main" val="2108304259"/>
+                <p14:modId xmlns:p14="http://schemas.microsoft.com/office/powerpoint/2010/main" val="315054327"/>
               </p:ext>
             </p:extLst>
           </p:nvPr>
@@ -24697,28 +24915,6 @@
                       <a:pPr algn="ctr" latinLnBrk="1"/>
                       <a:r>
                         <a:rPr lang="en-US" altLang="ko-KR" dirty="0" smtClean="0"/>
-                        <a:t>MAE </a:t>
-                      </a:r>
-                    </a:p>
-                    <a:p>
-                      <a:pPr algn="ctr" latinLnBrk="1"/>
-                      <a:r>
-                        <a:rPr lang="en-US" altLang="ko-KR" dirty="0" smtClean="0"/>
-                        <a:t>[MW]</a:t>
-                      </a:r>
-                      <a:endParaRPr lang="ko-KR" altLang="en-US" dirty="0"/>
-                    </a:p>
-                  </a:txBody>
-                  <a:tcPr anchor="ctr"/>
-                </a:tc>
-                <a:tc>
-                  <a:txBody>
-                    <a:bodyPr/>
-                    <a:lstStyle/>
-                    <a:p>
-                      <a:pPr algn="ctr" latinLnBrk="1"/>
-                      <a:r>
-                        <a:rPr lang="en-US" altLang="ko-KR" dirty="0" smtClean="0"/>
                         <a:t>Standard</a:t>
                       </a:r>
                       <a:r>
@@ -24735,7 +24931,23 @@
                     <a:bodyPr/>
                     <a:lstStyle/>
                     <a:p>
-                      <a:pPr algn="ctr" latinLnBrk="1"/>
+                      <a:pPr marL="0" marR="0" indent="0" algn="ctr" defTabSz="914400" rtl="0" eaLnBrk="1" fontAlgn="auto" latinLnBrk="1" hangingPunct="1">
+                        <a:lnSpc>
+                          <a:spcPct val="100000"/>
+                        </a:lnSpc>
+                        <a:spcBef>
+                          <a:spcPts val="0"/>
+                        </a:spcBef>
+                        <a:spcAft>
+                          <a:spcPts val="0"/>
+                        </a:spcAft>
+                        <a:buClrTx/>
+                        <a:buSzTx/>
+                        <a:buFontTx/>
+                        <a:buNone/>
+                        <a:tabLst/>
+                        <a:defRPr/>
+                      </a:pPr>
                       <a:r>
                         <a:rPr lang="en-US" altLang="ko-KR" dirty="0" smtClean="0"/>
                         <a:t>Training time</a:t>
@@ -24743,6 +24955,28 @@
                       <a:r>
                         <a:rPr lang="en-US" altLang="ko-KR" baseline="0" dirty="0" smtClean="0"/>
                         <a:t> [sec]</a:t>
+                      </a:r>
+                      <a:endParaRPr lang="ko-KR" altLang="en-US" dirty="0" smtClean="0"/>
+                    </a:p>
+                  </a:txBody>
+                  <a:tcPr anchor="ctr"/>
+                </a:tc>
+                <a:tc>
+                  <a:txBody>
+                    <a:bodyPr/>
+                    <a:lstStyle/>
+                    <a:p>
+                      <a:pPr algn="ctr" latinLnBrk="1"/>
+                      <a:r>
+                        <a:rPr lang="en-US" altLang="ko-KR" dirty="0" smtClean="0"/>
+                        <a:t>MAE </a:t>
+                      </a:r>
+                    </a:p>
+                    <a:p>
+                      <a:pPr algn="ctr" latinLnBrk="1"/>
+                      <a:r>
+                        <a:rPr lang="en-US" altLang="ko-KR" dirty="0" smtClean="0"/>
+                        <a:t>[MW]</a:t>
                       </a:r>
                       <a:endParaRPr lang="ko-KR" altLang="en-US" dirty="0"/>
                     </a:p>
@@ -24773,21 +25007,18 @@
                     <a:p>
                       <a:pPr algn="r" latinLnBrk="1"/>
                       <a:r>
-                        <a:rPr lang="is-IS" altLang="ko-KR" dirty="0" smtClean="0"/>
-                        <a:t>9.0077064</a:t>
+                        <a:rPr lang="hr-HR" altLang="ko-KR" dirty="0" smtClean="0">
+                          <a:solidFill>
+                            <a:srgbClr val="FF0000"/>
+                          </a:solidFill>
+                        </a:rPr>
+                        <a:t>12.846329</a:t>
                       </a:r>
-                      <a:endParaRPr lang="ko-KR" altLang="en-US" dirty="0"/>
-                    </a:p>
-                  </a:txBody>
-                  <a:tcPr anchor="ctr"/>
-                </a:tc>
-                <a:tc>
-                  <a:txBody>
-                    <a:bodyPr/>
-                    <a:lstStyle/>
-                    <a:p>
-                      <a:pPr algn="r" latinLnBrk="1"/>
-                      <a:endParaRPr lang="ko-KR" altLang="en-US" dirty="0"/>
+                      <a:endParaRPr lang="ko-KR" altLang="en-US" dirty="0">
+                        <a:solidFill>
+                          <a:srgbClr val="FF0000"/>
+                        </a:solidFill>
+                      </a:endParaRPr>
                     </a:p>
                   </a:txBody>
                   <a:tcPr anchor="ctr"/>
@@ -24799,10 +25030,41 @@
                     <a:p>
                       <a:pPr algn="r" latinLnBrk="1"/>
                       <a:r>
-                        <a:rPr lang="is-IS" altLang="ko-KR" dirty="0" smtClean="0"/>
-                        <a:t>0.0284706143074</a:t>
+                        <a:rPr lang="cs-CZ" altLang="ko-KR" dirty="0" smtClean="0">
+                          <a:solidFill>
+                            <a:srgbClr val="FF0000"/>
+                          </a:solidFill>
+                        </a:rPr>
+                        <a:t>0.145121675704</a:t>
                       </a:r>
-                      <a:endParaRPr lang="ko-KR" altLang="en-US" dirty="0"/>
+                      <a:endParaRPr lang="ko-KR" altLang="en-US" dirty="0">
+                        <a:solidFill>
+                          <a:srgbClr val="FF0000"/>
+                        </a:solidFill>
+                      </a:endParaRPr>
+                    </a:p>
+                  </a:txBody>
+                  <a:tcPr anchor="ctr"/>
+                </a:tc>
+                <a:tc>
+                  <a:txBody>
+                    <a:bodyPr/>
+                    <a:lstStyle/>
+                    <a:p>
+                      <a:pPr algn="r" latinLnBrk="1"/>
+                      <a:r>
+                        <a:rPr lang="nb-NO" altLang="ko-KR" dirty="0" smtClean="0">
+                          <a:solidFill>
+                            <a:schemeClr val="accent1"/>
+                          </a:solidFill>
+                        </a:rPr>
+                        <a:t>0.1173</a:t>
+                      </a:r>
+                      <a:endParaRPr lang="ko-KR" altLang="en-US" dirty="0">
+                        <a:solidFill>
+                          <a:schemeClr val="accent1"/>
+                        </a:solidFill>
+                      </a:endParaRPr>
                     </a:p>
                   </a:txBody>
                   <a:tcPr anchor="ctr"/>
@@ -24830,10 +25092,18 @@
                         <a:defRPr/>
                       </a:pPr>
                       <a:r>
-                        <a:rPr lang="nb-NO" altLang="ko-KR" dirty="0" smtClean="0"/>
-                        <a:t>0.1173</a:t>
+                        <a:rPr lang="hr-HR" altLang="ko-KR" dirty="0" smtClean="0">
+                          <a:solidFill>
+                            <a:srgbClr val="FF0000"/>
+                          </a:solidFill>
+                        </a:rPr>
+                        <a:t>11819.954</a:t>
                       </a:r>
-                      <a:endParaRPr lang="ko-KR" altLang="en-US" dirty="0" smtClean="0"/>
+                      <a:endParaRPr lang="ko-KR" altLang="en-US" dirty="0" smtClean="0">
+                        <a:solidFill>
+                          <a:srgbClr val="FF0000"/>
+                        </a:solidFill>
+                      </a:endParaRPr>
                     </a:p>
                   </a:txBody>
                   <a:tcPr anchor="ctr"/>
@@ -24861,7 +25131,19 @@
                     <a:lstStyle/>
                     <a:p>
                       <a:pPr algn="r" latinLnBrk="1"/>
-                      <a:endParaRPr lang="ko-KR" altLang="en-US" dirty="0"/>
+                      <a:r>
+                        <a:rPr lang="is-IS" altLang="ko-KR" dirty="0" smtClean="0">
+                          <a:solidFill>
+                            <a:schemeClr val="accent1"/>
+                          </a:solidFill>
+                        </a:rPr>
+                        <a:t>12.784406</a:t>
+                      </a:r>
+                      <a:endParaRPr lang="ko-KR" altLang="en-US" dirty="0">
+                        <a:solidFill>
+                          <a:schemeClr val="accent1"/>
+                        </a:solidFill>
+                      </a:endParaRPr>
                     </a:p>
                   </a:txBody>
                   <a:tcPr anchor="ctr"/>
@@ -24872,7 +25154,19 @@
                     <a:lstStyle/>
                     <a:p>
                       <a:pPr algn="r" latinLnBrk="1"/>
-                      <a:endParaRPr lang="ko-KR" altLang="en-US" dirty="0"/>
+                      <a:r>
+                        <a:rPr lang="is-IS" altLang="ko-KR" dirty="0" smtClean="0">
+                          <a:solidFill>
+                            <a:schemeClr val="accent1"/>
+                          </a:solidFill>
+                        </a:rPr>
+                        <a:t>0.116388595507</a:t>
+                      </a:r>
+                      <a:endParaRPr lang="ko-KR" altLang="en-US" dirty="0">
+                        <a:solidFill>
+                          <a:schemeClr val="accent1"/>
+                        </a:solidFill>
+                      </a:endParaRPr>
                     </a:p>
                   </a:txBody>
                   <a:tcPr anchor="ctr"/>
@@ -24883,7 +25177,19 @@
                     <a:lstStyle/>
                     <a:p>
                       <a:pPr algn="r" latinLnBrk="1"/>
-                      <a:endParaRPr lang="ko-KR" altLang="en-US" dirty="0"/>
+                      <a:r>
+                        <a:rPr lang="is-IS" altLang="ko-KR" dirty="0" smtClean="0">
+                          <a:solidFill>
+                            <a:srgbClr val="FF0000"/>
+                          </a:solidFill>
+                        </a:rPr>
+                        <a:t>0.1244</a:t>
+                      </a:r>
+                      <a:endParaRPr lang="ko-KR" altLang="en-US" dirty="0">
+                        <a:solidFill>
+                          <a:srgbClr val="FF0000"/>
+                        </a:solidFill>
+                      </a:endParaRPr>
                     </a:p>
                   </a:txBody>
                   <a:tcPr anchor="ctr"/>
@@ -24911,10 +25217,18 @@
                         <a:defRPr/>
                       </a:pPr>
                       <a:r>
-                        <a:rPr lang="is-IS" altLang="ko-KR" dirty="0" smtClean="0"/>
-                        <a:t>0.1244</a:t>
+                        <a:rPr lang="nb-NO" altLang="ko-KR" dirty="0" smtClean="0">
+                          <a:solidFill>
+                            <a:schemeClr val="accent1"/>
+                          </a:solidFill>
+                        </a:rPr>
+                        <a:t>11737.837</a:t>
                       </a:r>
-                      <a:endParaRPr lang="ko-KR" altLang="en-US" dirty="0" smtClean="0"/>
+                      <a:endParaRPr lang="ko-KR" altLang="en-US" dirty="0" smtClean="0">
+                        <a:solidFill>
+                          <a:schemeClr val="accent1"/>
+                        </a:solidFill>
+                      </a:endParaRPr>
                     </a:p>
                   </a:txBody>
                   <a:tcPr anchor="ctr"/>
@@ -25156,14 +25470,14 @@
       </p:cxnSp>
       <p:graphicFrame>
         <p:nvGraphicFramePr>
-          <p:cNvPr id="8" name="표 7"/>
+          <p:cNvPr id="6" name="표 5"/>
           <p:cNvGraphicFramePr>
             <a:graphicFrameLocks noGrp="1"/>
           </p:cNvGraphicFramePr>
           <p:nvPr>
             <p:extLst>
               <p:ext uri="{D42A27DB-BD31-4B8C-83A1-F6EECF244321}">
-                <p14:modId xmlns:p14="http://schemas.microsoft.com/office/powerpoint/2010/main" val="1178371322"/>
+                <p14:modId xmlns:p14="http://schemas.microsoft.com/office/powerpoint/2010/main" val="684003220"/>
               </p:ext>
             </p:extLst>
           </p:nvPr>
@@ -25247,28 +25561,6 @@
                       <a:pPr algn="ctr" latinLnBrk="1"/>
                       <a:r>
                         <a:rPr lang="en-US" altLang="ko-KR" dirty="0" smtClean="0"/>
-                        <a:t>MAE </a:t>
-                      </a:r>
-                    </a:p>
-                    <a:p>
-                      <a:pPr algn="ctr" latinLnBrk="1"/>
-                      <a:r>
-                        <a:rPr lang="en-US" altLang="ko-KR" dirty="0" smtClean="0"/>
-                        <a:t>[MW]</a:t>
-                      </a:r>
-                      <a:endParaRPr lang="ko-KR" altLang="en-US" dirty="0"/>
-                    </a:p>
-                  </a:txBody>
-                  <a:tcPr anchor="ctr"/>
-                </a:tc>
-                <a:tc>
-                  <a:txBody>
-                    <a:bodyPr/>
-                    <a:lstStyle/>
-                    <a:p>
-                      <a:pPr algn="ctr" latinLnBrk="1"/>
-                      <a:r>
-                        <a:rPr lang="en-US" altLang="ko-KR" dirty="0" smtClean="0"/>
                         <a:t>Standard</a:t>
                       </a:r>
                       <a:r>
@@ -25285,7 +25577,23 @@
                     <a:bodyPr/>
                     <a:lstStyle/>
                     <a:p>
-                      <a:pPr algn="ctr" latinLnBrk="1"/>
+                      <a:pPr marL="0" marR="0" indent="0" algn="ctr" defTabSz="914400" rtl="0" eaLnBrk="1" fontAlgn="auto" latinLnBrk="1" hangingPunct="1">
+                        <a:lnSpc>
+                          <a:spcPct val="100000"/>
+                        </a:lnSpc>
+                        <a:spcBef>
+                          <a:spcPts val="0"/>
+                        </a:spcBef>
+                        <a:spcAft>
+                          <a:spcPts val="0"/>
+                        </a:spcAft>
+                        <a:buClrTx/>
+                        <a:buSzTx/>
+                        <a:buFontTx/>
+                        <a:buNone/>
+                        <a:tabLst/>
+                        <a:defRPr/>
+                      </a:pPr>
                       <a:r>
                         <a:rPr lang="en-US" altLang="ko-KR" dirty="0" smtClean="0"/>
                         <a:t>Training time</a:t>
@@ -25293,6 +25601,28 @@
                       <a:r>
                         <a:rPr lang="en-US" altLang="ko-KR" baseline="0" dirty="0" smtClean="0"/>
                         <a:t> [sec]</a:t>
+                      </a:r>
+                      <a:endParaRPr lang="ko-KR" altLang="en-US" dirty="0" smtClean="0"/>
+                    </a:p>
+                  </a:txBody>
+                  <a:tcPr anchor="ctr"/>
+                </a:tc>
+                <a:tc>
+                  <a:txBody>
+                    <a:bodyPr/>
+                    <a:lstStyle/>
+                    <a:p>
+                      <a:pPr algn="ctr" latinLnBrk="1"/>
+                      <a:r>
+                        <a:rPr lang="en-US" altLang="ko-KR" dirty="0" smtClean="0"/>
+                        <a:t>MAE </a:t>
+                      </a:r>
+                    </a:p>
+                    <a:p>
+                      <a:pPr algn="ctr" latinLnBrk="1"/>
+                      <a:r>
+                        <a:rPr lang="en-US" altLang="ko-KR" dirty="0" smtClean="0"/>
+                        <a:t>[MW]</a:t>
                       </a:r>
                       <a:endParaRPr lang="ko-KR" altLang="en-US" dirty="0"/>
                     </a:p>
@@ -25323,21 +25653,18 @@
                     <a:p>
                       <a:pPr algn="r" latinLnBrk="1"/>
                       <a:r>
-                        <a:rPr lang="nb-NO" altLang="ko-KR" smtClean="0"/>
-                        <a:t>7.7451563</a:t>
+                        <a:rPr lang="nb-NO" altLang="ko-KR" dirty="0" smtClean="0">
+                          <a:solidFill>
+                            <a:srgbClr val="FF0000"/>
+                          </a:solidFill>
+                        </a:rPr>
+                        <a:t>11.618014</a:t>
                       </a:r>
-                      <a:endParaRPr lang="ko-KR" altLang="en-US" dirty="0"/>
-                    </a:p>
-                  </a:txBody>
-                  <a:tcPr anchor="ctr"/>
-                </a:tc>
-                <a:tc>
-                  <a:txBody>
-                    <a:bodyPr/>
-                    <a:lstStyle/>
-                    <a:p>
-                      <a:pPr algn="r" latinLnBrk="1"/>
-                      <a:endParaRPr lang="ko-KR" altLang="en-US" dirty="0"/>
+                      <a:endParaRPr lang="ko-KR" altLang="en-US" dirty="0">
+                        <a:solidFill>
+                          <a:srgbClr val="FF0000"/>
+                        </a:solidFill>
+                      </a:endParaRPr>
                     </a:p>
                   </a:txBody>
                   <a:tcPr anchor="ctr"/>
@@ -25349,10 +25676,41 @@
                     <a:p>
                       <a:pPr algn="r" latinLnBrk="1"/>
                       <a:r>
-                        <a:rPr lang="cs-CZ" altLang="ko-KR" dirty="0" smtClean="0"/>
-                        <a:t>0.0371536189396</a:t>
+                        <a:rPr lang="nb-NO" altLang="ko-KR" dirty="0" smtClean="0">
+                          <a:solidFill>
+                            <a:srgbClr val="FF0000"/>
+                          </a:solidFill>
+                        </a:rPr>
+                        <a:t>0.177854591743</a:t>
                       </a:r>
-                      <a:endParaRPr lang="ko-KR" altLang="en-US" dirty="0"/>
+                      <a:endParaRPr lang="ko-KR" altLang="en-US" dirty="0">
+                        <a:solidFill>
+                          <a:srgbClr val="FF0000"/>
+                        </a:solidFill>
+                      </a:endParaRPr>
+                    </a:p>
+                  </a:txBody>
+                  <a:tcPr anchor="ctr"/>
+                </a:tc>
+                <a:tc>
+                  <a:txBody>
+                    <a:bodyPr/>
+                    <a:lstStyle/>
+                    <a:p>
+                      <a:pPr algn="r" latinLnBrk="1"/>
+                      <a:r>
+                        <a:rPr lang="nb-NO" altLang="ko-KR" dirty="0" smtClean="0">
+                          <a:solidFill>
+                            <a:srgbClr val="FF0000"/>
+                          </a:solidFill>
+                        </a:rPr>
+                        <a:t>0.1400</a:t>
+                      </a:r>
+                      <a:endParaRPr lang="ko-KR" altLang="en-US" dirty="0">
+                        <a:solidFill>
+                          <a:srgbClr val="FF0000"/>
+                        </a:solidFill>
+                      </a:endParaRPr>
                     </a:p>
                   </a:txBody>
                   <a:tcPr anchor="ctr"/>
@@ -25380,10 +25738,18 @@
                         <a:defRPr/>
                       </a:pPr>
                       <a:r>
-                        <a:rPr lang="nb-NO" altLang="ko-KR" dirty="0" smtClean="0"/>
-                        <a:t>0.1400</a:t>
+                        <a:rPr lang="hr-HR" altLang="ko-KR" dirty="0" smtClean="0">
+                          <a:solidFill>
+                            <a:srgbClr val="FF0000"/>
+                          </a:solidFill>
+                        </a:rPr>
+                        <a:t>10645.320</a:t>
                       </a:r>
-                      <a:endParaRPr lang="ko-KR" altLang="en-US" dirty="0" smtClean="0"/>
+                      <a:endParaRPr lang="ko-KR" altLang="en-US" dirty="0" smtClean="0">
+                        <a:solidFill>
+                          <a:srgbClr val="FF0000"/>
+                        </a:solidFill>
+                      </a:endParaRPr>
                     </a:p>
                   </a:txBody>
                   <a:tcPr anchor="ctr"/>
@@ -25411,7 +25777,19 @@
                     <a:lstStyle/>
                     <a:p>
                       <a:pPr algn="r" latinLnBrk="1"/>
-                      <a:endParaRPr lang="ko-KR" altLang="en-US" dirty="0"/>
+                      <a:r>
+                        <a:rPr lang="hr-HR" altLang="ko-KR" dirty="0" smtClean="0">
+                          <a:solidFill>
+                            <a:schemeClr val="accent1"/>
+                          </a:solidFill>
+                        </a:rPr>
+                        <a:t>11.364907</a:t>
+                      </a:r>
+                      <a:endParaRPr lang="ko-KR" altLang="en-US" dirty="0">
+                        <a:solidFill>
+                          <a:schemeClr val="accent1"/>
+                        </a:solidFill>
+                      </a:endParaRPr>
                     </a:p>
                   </a:txBody>
                   <a:tcPr anchor="ctr"/>
@@ -25422,7 +25800,19 @@
                     <a:lstStyle/>
                     <a:p>
                       <a:pPr algn="r" latinLnBrk="1"/>
-                      <a:endParaRPr lang="ko-KR" altLang="en-US" dirty="0"/>
+                      <a:r>
+                        <a:rPr lang="hr-HR" altLang="ko-KR" dirty="0" smtClean="0">
+                          <a:solidFill>
+                            <a:schemeClr val="accent1"/>
+                          </a:solidFill>
+                        </a:rPr>
+                        <a:t>0.103866743239</a:t>
+                      </a:r>
+                      <a:endParaRPr lang="ko-KR" altLang="en-US" dirty="0">
+                        <a:solidFill>
+                          <a:schemeClr val="accent1"/>
+                        </a:solidFill>
+                      </a:endParaRPr>
                     </a:p>
                   </a:txBody>
                   <a:tcPr anchor="ctr"/>
@@ -25433,7 +25823,19 @@
                     <a:lstStyle/>
                     <a:p>
                       <a:pPr algn="r" latinLnBrk="1"/>
-                      <a:endParaRPr lang="ko-KR" altLang="en-US" dirty="0"/>
+                      <a:r>
+                        <a:rPr lang="hr-HR" altLang="ko-KR" dirty="0" smtClean="0">
+                          <a:solidFill>
+                            <a:schemeClr val="accent1"/>
+                          </a:solidFill>
+                        </a:rPr>
+                        <a:t>0.0970</a:t>
+                      </a:r>
+                      <a:endParaRPr lang="ko-KR" altLang="en-US" dirty="0">
+                        <a:solidFill>
+                          <a:schemeClr val="accent1"/>
+                        </a:solidFill>
+                      </a:endParaRPr>
                     </a:p>
                   </a:txBody>
                   <a:tcPr anchor="ctr"/>
@@ -25461,10 +25863,18 @@
                         <a:defRPr/>
                       </a:pPr>
                       <a:r>
-                        <a:rPr lang="hr-HR" altLang="ko-KR" dirty="0" smtClean="0"/>
-                        <a:t>0.0970</a:t>
+                        <a:rPr lang="is-IS" altLang="ko-KR" dirty="0" smtClean="0">
+                          <a:solidFill>
+                            <a:schemeClr val="accent1"/>
+                          </a:solidFill>
+                        </a:rPr>
+                        <a:t>10373.912</a:t>
                       </a:r>
-                      <a:endParaRPr lang="ko-KR" altLang="en-US" dirty="0" smtClean="0"/>
+                      <a:endParaRPr lang="ko-KR" altLang="en-US" dirty="0" smtClean="0">
+                        <a:solidFill>
+                          <a:schemeClr val="accent1"/>
+                        </a:solidFill>
+                      </a:endParaRPr>
                     </a:p>
                   </a:txBody>
                   <a:tcPr anchor="ctr"/>

--- a/ppt_slides/prepare_ELM2017_26MAY2017.pptx
+++ b/ppt_slides/prepare_ELM2017_26MAY2017.pptx
@@ -5,7 +5,7 @@
     <p:sldMasterId id="2147483648" r:id="rId1"/>
   </p:sldMasterIdLst>
   <p:notesMasterIdLst>
-    <p:notesMasterId r:id="rId35"/>
+    <p:notesMasterId r:id="rId39"/>
   </p:notesMasterIdLst>
   <p:sldIdLst>
     <p:sldId id="257" r:id="rId2"/>
@@ -32,15 +32,19 @@
     <p:sldId id="301" r:id="rId23"/>
     <p:sldId id="302" r:id="rId24"/>
     <p:sldId id="327" r:id="rId25"/>
-    <p:sldId id="330" r:id="rId26"/>
-    <p:sldId id="328" r:id="rId27"/>
-    <p:sldId id="329" r:id="rId28"/>
-    <p:sldId id="309" r:id="rId29"/>
-    <p:sldId id="310" r:id="rId30"/>
-    <p:sldId id="311" r:id="rId31"/>
-    <p:sldId id="312" r:id="rId32"/>
-    <p:sldId id="292" r:id="rId33"/>
-    <p:sldId id="299" r:id="rId34"/>
+    <p:sldId id="337" r:id="rId26"/>
+    <p:sldId id="338" r:id="rId27"/>
+    <p:sldId id="330" r:id="rId28"/>
+    <p:sldId id="328" r:id="rId29"/>
+    <p:sldId id="329" r:id="rId30"/>
+    <p:sldId id="335" r:id="rId31"/>
+    <p:sldId id="336" r:id="rId32"/>
+    <p:sldId id="309" r:id="rId33"/>
+    <p:sldId id="310" r:id="rId34"/>
+    <p:sldId id="311" r:id="rId35"/>
+    <p:sldId id="312" r:id="rId36"/>
+    <p:sldId id="292" r:id="rId37"/>
+    <p:sldId id="299" r:id="rId38"/>
   </p:sldIdLst>
   <p:sldSz cx="12192000" cy="6858000"/>
   <p:notesSz cx="6858000" cy="9144000"/>
@@ -1185,12 +1189,20 @@
               <a:t> </a:t>
             </a:r>
             <a:r>
-              <a:rPr kumimoji="1" lang="en-US" altLang="ko-KR" dirty="0" err="1" smtClean="0"/>
-              <a:t>trainingRMSE</a:t>
+              <a:rPr kumimoji="1" lang="en-US" altLang="ko-KR" dirty="0" smtClean="0"/>
+              <a:t>training</a:t>
+            </a:r>
+            <a:r>
+              <a:rPr kumimoji="1" lang="en-US" altLang="ko-KR" baseline="0" dirty="0" smtClean="0"/>
+              <a:t> MAPE</a:t>
             </a:r>
             <a:r>
               <a:rPr kumimoji="1" lang="ko-KR" altLang="en-US" dirty="0" smtClean="0"/>
-              <a:t>를 보면 </a:t>
+              <a:t>를 </a:t>
+            </a:r>
+            <a:r>
+              <a:rPr kumimoji="1" lang="ko-KR" altLang="en-US" dirty="0" smtClean="0"/>
+              <a:t>보면 </a:t>
             </a:r>
             <a:r>
               <a:rPr kumimoji="1" lang="en-US" altLang="ko-KR" dirty="0" smtClean="0"/>
@@ -1218,11 +1230,15 @@
             </a:r>
             <a:r>
               <a:rPr kumimoji="1" lang="en-US" altLang="ko-KR" dirty="0" smtClean="0"/>
-              <a:t>RMSE</a:t>
+              <a:t>MAPE</a:t>
             </a:r>
             <a:r>
               <a:rPr kumimoji="1" lang="ko-KR" altLang="en-US" dirty="0" smtClean="0"/>
-              <a:t>가 떨어지지만 </a:t>
+              <a:t>가 </a:t>
+            </a:r>
+            <a:r>
+              <a:rPr kumimoji="1" lang="ko-KR" altLang="en-US" dirty="0" smtClean="0"/>
+              <a:t>떨어지지만 </a:t>
             </a:r>
             <a:r>
               <a:rPr kumimoji="1" lang="en-US" altLang="ko-KR" dirty="0" smtClean="0"/>
@@ -1234,11 +1250,15 @@
             </a:r>
             <a:r>
               <a:rPr kumimoji="1" lang="en-US" altLang="ko-KR" dirty="0" smtClean="0"/>
-              <a:t>RMSE</a:t>
+              <a:t>MAPE</a:t>
             </a:r>
             <a:r>
               <a:rPr kumimoji="1" lang="ko-KR" altLang="en-US" dirty="0" smtClean="0"/>
-              <a:t>는 증가하는 것을 보면 </a:t>
+              <a:t>는 </a:t>
+            </a:r>
+            <a:r>
+              <a:rPr kumimoji="1" lang="ko-KR" altLang="en-US" dirty="0" smtClean="0"/>
+              <a:t>증가하는 것을 보면 </a:t>
             </a:r>
             <a:r>
               <a:rPr kumimoji="1" lang="en-US" altLang="ko-KR" dirty="0" smtClean="0"/>
@@ -1279,6 +1299,174 @@
     <p:extLst>
       <p:ext uri="{BB962C8B-B14F-4D97-AF65-F5344CB8AC3E}">
         <p14:creationId xmlns:p14="http://schemas.microsoft.com/office/powerpoint/2010/main" val="631091659"/>
+      </p:ext>
+    </p:extLst>
+  </p:cSld>
+  <p:clrMapOvr>
+    <a:masterClrMapping/>
+  </p:clrMapOvr>
+</p:notes>
+</file>
+
+<file path=ppt/notesSlides/notesSlide5.xml><?xml version="1.0" encoding="utf-8"?>
+<p:notes xmlns:a="http://schemas.openxmlformats.org/drawingml/2006/main" xmlns:r="http://schemas.openxmlformats.org/officeDocument/2006/relationships" xmlns:p="http://schemas.openxmlformats.org/presentationml/2006/main">
+  <p:cSld>
+    <p:spTree>
+      <p:nvGrpSpPr>
+        <p:cNvPr id="1" name=""/>
+        <p:cNvGrpSpPr/>
+        <p:nvPr/>
+      </p:nvGrpSpPr>
+      <p:grpSpPr>
+        <a:xfrm>
+          <a:off x="0" y="0"/>
+          <a:ext cx="0" cy="0"/>
+          <a:chOff x="0" y="0"/>
+          <a:chExt cx="0" cy="0"/>
+        </a:xfrm>
+      </p:grpSpPr>
+      <p:sp>
+        <p:nvSpPr>
+          <p:cNvPr id="2" name="슬라이드 이미지 개체 틀 1"/>
+          <p:cNvSpPr>
+            <a:spLocks noGrp="1" noRot="1" noChangeAspect="1"/>
+          </p:cNvSpPr>
+          <p:nvPr>
+            <p:ph type="sldImg"/>
+          </p:nvPr>
+        </p:nvSpPr>
+        <p:spPr/>
+      </p:sp>
+      <p:sp>
+        <p:nvSpPr>
+          <p:cNvPr id="3" name="슬라이드 노트 개체 틀 2"/>
+          <p:cNvSpPr>
+            <a:spLocks noGrp="1"/>
+          </p:cNvSpPr>
+          <p:nvPr>
+            <p:ph type="body" idx="1"/>
+          </p:nvPr>
+        </p:nvSpPr>
+        <p:spPr/>
+        <p:txBody>
+          <a:bodyPr/>
+          <a:lstStyle/>
+          <a:p>
+            <a:r>
+              <a:rPr kumimoji="1" lang="en-US" altLang="ko-KR" dirty="0" smtClean="0"/>
+              <a:t>#</a:t>
+            </a:r>
+            <a:r>
+              <a:rPr kumimoji="1" lang="ko-KR" altLang="en-US" dirty="0" smtClean="0"/>
+              <a:t> </a:t>
+            </a:r>
+            <a:r>
+              <a:rPr kumimoji="1" lang="en-US" altLang="ko-KR" dirty="0" err="1" smtClean="0"/>
+              <a:t>trainingMAE</a:t>
+            </a:r>
+            <a:r>
+              <a:rPr kumimoji="1" lang="ko-KR" altLang="en-US" dirty="0" smtClean="0"/>
+              <a:t>를 </a:t>
+            </a:r>
+            <a:r>
+              <a:rPr kumimoji="1" lang="ko-KR" altLang="en-US" dirty="0" smtClean="0"/>
+              <a:t>보면 </a:t>
+            </a:r>
+            <a:r>
+              <a:rPr kumimoji="1" lang="en-US" altLang="ko-KR" dirty="0" smtClean="0"/>
+              <a:t>ELM</a:t>
+            </a:r>
+            <a:r>
+              <a:rPr kumimoji="1" lang="ko-KR" altLang="en-US" dirty="0" smtClean="0"/>
+              <a:t>에서 </a:t>
+            </a:r>
+            <a:r>
+              <a:rPr kumimoji="1" lang="en-US" altLang="ko-KR" dirty="0" smtClean="0"/>
+              <a:t>HELM</a:t>
+            </a:r>
+            <a:r>
+              <a:rPr kumimoji="1" lang="ko-KR" altLang="en-US" dirty="0" smtClean="0"/>
+              <a:t>으로 변화를 줌에 따라 </a:t>
+            </a:r>
+            <a:r>
+              <a:rPr kumimoji="1" lang="en-US" altLang="ko-KR" dirty="0" smtClean="0"/>
+              <a:t>case01~03</a:t>
+            </a:r>
+            <a:r>
+              <a:rPr kumimoji="1" lang="ko-KR" altLang="en-US" dirty="0" smtClean="0"/>
+              <a:t>은 </a:t>
+            </a:r>
+            <a:r>
+              <a:rPr kumimoji="1" lang="en-US" altLang="ko-KR" dirty="0" smtClean="0"/>
+              <a:t>MAE</a:t>
+            </a:r>
+            <a:r>
+              <a:rPr kumimoji="1" lang="ko-KR" altLang="en-US" dirty="0" smtClean="0"/>
+              <a:t>가 </a:t>
+            </a:r>
+            <a:r>
+              <a:rPr kumimoji="1" lang="ko-KR" altLang="en-US" dirty="0" smtClean="0"/>
+              <a:t>떨어지지만 </a:t>
+            </a:r>
+            <a:r>
+              <a:rPr kumimoji="1" lang="en-US" altLang="ko-KR" dirty="0" smtClean="0"/>
+              <a:t>case00</a:t>
+            </a:r>
+            <a:r>
+              <a:rPr kumimoji="1" lang="ko-KR" altLang="en-US" dirty="0" smtClean="0"/>
+              <a:t>의 </a:t>
+            </a:r>
+            <a:r>
+              <a:rPr kumimoji="1" lang="en-US" altLang="ko-KR" dirty="0" smtClean="0"/>
+              <a:t>MAE</a:t>
+            </a:r>
+            <a:r>
+              <a:rPr kumimoji="1" lang="ko-KR" altLang="en-US" dirty="0" smtClean="0"/>
+              <a:t>는 </a:t>
+            </a:r>
+            <a:r>
+              <a:rPr kumimoji="1" lang="ko-KR" altLang="en-US" dirty="0" smtClean="0"/>
+              <a:t>증가하는 것을 보면 </a:t>
+            </a:r>
+            <a:r>
+              <a:rPr kumimoji="1" lang="en-US" altLang="ko-KR" dirty="0" smtClean="0"/>
+              <a:t>feature</a:t>
+            </a:r>
+            <a:r>
+              <a:rPr kumimoji="1" lang="ko-KR" altLang="en-US" dirty="0" smtClean="0"/>
+              <a:t>의 갯수가 문제였음을 알 수 잇음</a:t>
+            </a:r>
+            <a:endParaRPr kumimoji="1" lang="ko-KR" altLang="en-US" dirty="0"/>
+          </a:p>
+        </p:txBody>
+      </p:sp>
+      <p:sp>
+        <p:nvSpPr>
+          <p:cNvPr id="4" name="슬라이드 번호 개체 틀 3"/>
+          <p:cNvSpPr>
+            <a:spLocks noGrp="1"/>
+          </p:cNvSpPr>
+          <p:nvPr>
+            <p:ph type="sldNum" sz="quarter" idx="10"/>
+          </p:nvPr>
+        </p:nvSpPr>
+        <p:spPr/>
+        <p:txBody>
+          <a:bodyPr/>
+          <a:lstStyle/>
+          <a:p>
+            <a:fld id="{071FF34B-FD6A-DA47-969A-A5284DB7CD72}" type="slidenum">
+              <a:rPr kumimoji="1" lang="ko-KR" altLang="en-US" smtClean="0"/>
+              <a:t>26</a:t>
+            </a:fld>
+            <a:endParaRPr kumimoji="1" lang="ko-KR" altLang="en-US"/>
+          </a:p>
+        </p:txBody>
+      </p:sp>
+    </p:spTree>
+    <p:extLst>
+      <p:ext uri="{BB962C8B-B14F-4D97-AF65-F5344CB8AC3E}">
+        <p14:creationId xmlns:p14="http://schemas.microsoft.com/office/powerpoint/2010/main" val="212743326"/>
       </p:ext>
     </p:extLst>
   </p:cSld>
@@ -20777,8 +20965,8 @@
           </a:p>
         </p:txBody>
       </p:sp>
-      <mc:AlternateContent xmlns:mc="http://schemas.openxmlformats.org/markup-compatibility/2006" xmlns:a14="http://schemas.microsoft.com/office/drawing/2010/main">
-        <mc:Choice Requires="a14">
+      <mc:AlternateContent xmlns:mc="http://schemas.openxmlformats.org/markup-compatibility/2006">
+        <mc:Choice xmlns:a14="http://schemas.microsoft.com/office/drawing/2010/main" Requires="a14">
           <p:sp>
             <p:nvSpPr>
               <p:cNvPr id="3" name="내용 개체 틀 2"/>
@@ -20951,7 +21139,7 @@
                     <a:ea typeface="Arial" charset="0"/>
                     <a:cs typeface="Arial" charset="0"/>
                   </a:rPr>
-                  <a:t>RMSE </a:t>
+                  <a:t>MAPE </a:t>
                 </a:r>
                 <a:r>
                   <a:rPr kumimoji="1" lang="en-US" altLang="ko-KR" dirty="0">
@@ -20962,12 +21150,28 @@
                   <a:t>at each node number is the average value of </a:t>
                 </a:r>
                 <a:r>
+                  <a:rPr kumimoji="1" lang="en-US" altLang="ko-KR" dirty="0">
+                    <a:latin typeface="Arial" charset="0"/>
+                    <a:ea typeface="Arial" charset="0"/>
+                    <a:cs typeface="Arial" charset="0"/>
+                  </a:rPr>
+                  <a:t>2</a:t>
+                </a:r>
+                <a:r>
                   <a:rPr kumimoji="1" lang="en-US" altLang="ko-KR" dirty="0" smtClean="0">
                     <a:latin typeface="Arial" charset="0"/>
                     <a:ea typeface="Arial" charset="0"/>
                     <a:cs typeface="Arial" charset="0"/>
                   </a:rPr>
-                  <a:t>30 trails</a:t>
+                  <a:t>0 </a:t>
+                </a:r>
+                <a:r>
+                  <a:rPr kumimoji="1" lang="en-US" altLang="ko-KR" dirty="0" smtClean="0">
+                    <a:latin typeface="Arial" charset="0"/>
+                    <a:ea typeface="Arial" charset="0"/>
+                    <a:cs typeface="Arial" charset="0"/>
+                  </a:rPr>
+                  <a:t>trails</a:t>
                 </a:r>
                 <a:endParaRPr kumimoji="1" lang="en-US" altLang="ko-KR" dirty="0">
                   <a:latin typeface="Arial" charset="0"/>
@@ -20986,7 +21190,7 @@
             </p:txBody>
           </p:sp>
         </mc:Choice>
-        <mc:Fallback xmlns="">
+        <mc:Fallback>
           <p:sp>
             <p:nvSpPr>
               <p:cNvPr id="3" name="내용 개체 틀 2"/>
@@ -21175,8 +21379,8 @@
           </a:p>
         </p:txBody>
       </p:sp>
-      <mc:AlternateContent xmlns:mc="http://schemas.openxmlformats.org/markup-compatibility/2006" xmlns:a14="http://schemas.microsoft.com/office/drawing/2010/main">
-        <mc:Choice Requires="a14">
+      <mc:AlternateContent xmlns:mc="http://schemas.openxmlformats.org/markup-compatibility/2006">
+        <mc:Choice xmlns:a14="http://schemas.microsoft.com/office/drawing/2010/main" Requires="a14">
           <p:sp>
             <p:nvSpPr>
               <p:cNvPr id="3" name="내용 개체 틀 2"/>
@@ -21408,7 +21612,15 @@
                     <a:ea typeface="Arial" charset="0"/>
                     <a:cs typeface="Arial" charset="0"/>
                   </a:rPr>
-                  <a:t>RMSE </a:t>
+                  <a:t>MAPE</a:t>
+                </a:r>
+                <a:r>
+                  <a:rPr kumimoji="1" lang="en-US" altLang="ko-KR" dirty="0" smtClean="0">
+                    <a:latin typeface="Arial" charset="0"/>
+                    <a:ea typeface="Arial" charset="0"/>
+                    <a:cs typeface="Arial" charset="0"/>
+                  </a:rPr>
+                  <a:t> </a:t>
                 </a:r>
                 <a:r>
                   <a:rPr kumimoji="1" lang="en-US" altLang="ko-KR" dirty="0">
@@ -21419,12 +21631,28 @@
                   <a:t>at each node number is the average value of </a:t>
                 </a:r>
                 <a:r>
+                  <a:rPr kumimoji="1" lang="en-US" altLang="ko-KR" dirty="0">
+                    <a:latin typeface="Arial" charset="0"/>
+                    <a:ea typeface="Arial" charset="0"/>
+                    <a:cs typeface="Arial" charset="0"/>
+                  </a:rPr>
+                  <a:t>2</a:t>
+                </a:r>
+                <a:r>
                   <a:rPr kumimoji="1" lang="en-US" altLang="ko-KR" dirty="0" smtClean="0">
                     <a:latin typeface="Arial" charset="0"/>
                     <a:ea typeface="Arial" charset="0"/>
                     <a:cs typeface="Arial" charset="0"/>
                   </a:rPr>
-                  <a:t>30 trails</a:t>
+                  <a:t>0 </a:t>
+                </a:r>
+                <a:r>
+                  <a:rPr kumimoji="1" lang="en-US" altLang="ko-KR" dirty="0" smtClean="0">
+                    <a:latin typeface="Arial" charset="0"/>
+                    <a:ea typeface="Arial" charset="0"/>
+                    <a:cs typeface="Arial" charset="0"/>
+                  </a:rPr>
+                  <a:t>trails</a:t>
                 </a:r>
                 <a:endParaRPr kumimoji="1" lang="en-US" altLang="ko-KR" dirty="0">
                   <a:latin typeface="Arial" charset="0"/>
@@ -21451,7 +21679,7 @@
             </p:txBody>
           </p:sp>
         </mc:Choice>
-        <mc:Fallback xmlns="">
+        <mc:Fallback>
           <p:sp>
             <p:nvSpPr>
               <p:cNvPr id="3" name="내용 개체 틀 2"/>
@@ -21696,11 +21924,75 @@
                 <a:ea typeface="Arial" charset="0"/>
                 <a:cs typeface="Arial" charset="0"/>
               </a:rPr>
-              <a:t>Standard deviation of RMSE of 1,000 trails</a:t>
+              <a:t>Standard deviation of </a:t>
+            </a:r>
+            <a:r>
+              <a:rPr kumimoji="1" lang="en-US" altLang="ko-KR" dirty="0" smtClean="0">
+                <a:latin typeface="Arial" charset="0"/>
+                <a:ea typeface="Arial" charset="0"/>
+                <a:cs typeface="Arial" charset="0"/>
+              </a:rPr>
+              <a:t>MAPE</a:t>
+            </a:r>
+            <a:r>
+              <a:rPr kumimoji="1" lang="en-US" altLang="ko-KR" dirty="0" smtClean="0">
+                <a:latin typeface="Arial" charset="0"/>
+                <a:ea typeface="Arial" charset="0"/>
+                <a:cs typeface="Arial" charset="0"/>
+              </a:rPr>
+              <a:t> </a:t>
+            </a:r>
+            <a:r>
+              <a:rPr kumimoji="1" lang="en-US" altLang="ko-KR" dirty="0" smtClean="0">
+                <a:latin typeface="Arial" charset="0"/>
+                <a:ea typeface="Arial" charset="0"/>
+                <a:cs typeface="Arial" charset="0"/>
+              </a:rPr>
+              <a:t>of 1,000 </a:t>
+            </a:r>
+            <a:r>
+              <a:rPr kumimoji="1" lang="en-US" altLang="ko-KR" dirty="0" smtClean="0">
+                <a:latin typeface="Arial" charset="0"/>
+                <a:ea typeface="Arial" charset="0"/>
+                <a:cs typeface="Arial" charset="0"/>
+              </a:rPr>
+              <a:t>trails</a:t>
             </a:r>
           </a:p>
           <a:p>
             <a:pPr lvl="1"/>
+            <a:r>
+              <a:rPr kumimoji="1" lang="en-US" altLang="ko-KR" dirty="0">
+                <a:latin typeface="Arial" charset="0"/>
+                <a:ea typeface="Arial" charset="0"/>
+                <a:cs typeface="Arial" charset="0"/>
+              </a:rPr>
+              <a:t>Standard deviation of </a:t>
+            </a:r>
+            <a:r>
+              <a:rPr kumimoji="1" lang="en-US" altLang="ko-KR" dirty="0" smtClean="0">
+                <a:latin typeface="Arial" charset="0"/>
+                <a:ea typeface="Arial" charset="0"/>
+                <a:cs typeface="Arial" charset="0"/>
+              </a:rPr>
+              <a:t>MAE </a:t>
+            </a:r>
+            <a:r>
+              <a:rPr kumimoji="1" lang="en-US" altLang="ko-KR" dirty="0">
+                <a:latin typeface="Arial" charset="0"/>
+                <a:ea typeface="Arial" charset="0"/>
+                <a:cs typeface="Arial" charset="0"/>
+              </a:rPr>
+              <a:t>of 1,000 </a:t>
+            </a:r>
+            <a:r>
+              <a:rPr kumimoji="1" lang="en-US" altLang="ko-KR" dirty="0" smtClean="0">
+                <a:latin typeface="Arial" charset="0"/>
+                <a:ea typeface="Arial" charset="0"/>
+                <a:cs typeface="Arial" charset="0"/>
+              </a:rPr>
+              <a:t>trails</a:t>
+            </a:r>
             <a:endParaRPr kumimoji="1" lang="en-US" altLang="ko-KR" dirty="0" smtClean="0">
               <a:latin typeface="Arial" charset="0"/>
               <a:ea typeface="Arial" charset="0"/>
@@ -22226,6 +22518,363 @@
                 <a:ea typeface="Arial" charset="0"/>
                 <a:cs typeface="Arial" charset="0"/>
               </a:rPr>
+              <a:t>Training : ELM</a:t>
+            </a:r>
+          </a:p>
+          <a:p>
+            <a:pPr lvl="1"/>
+            <a:r>
+              <a:rPr kumimoji="1" lang="en-US" altLang="ko-KR" dirty="0" smtClean="0">
+                <a:latin typeface="Arial" charset="0"/>
+                <a:ea typeface="Arial" charset="0"/>
+                <a:cs typeface="Arial" charset="0"/>
+              </a:rPr>
+              <a:t>MAE</a:t>
+            </a:r>
+            <a:endParaRPr kumimoji="1" lang="ko-KR" altLang="en-US" dirty="0">
+              <a:latin typeface="Arial" charset="0"/>
+              <a:ea typeface="Arial" charset="0"/>
+              <a:cs typeface="Arial" charset="0"/>
+            </a:endParaRPr>
+          </a:p>
+        </p:txBody>
+      </p:sp>
+      <p:cxnSp>
+        <p:nvCxnSpPr>
+          <p:cNvPr id="5" name="직선 연결선[R] 4"/>
+          <p:cNvCxnSpPr/>
+          <p:nvPr/>
+        </p:nvCxnSpPr>
+        <p:spPr>
+          <a:xfrm>
+            <a:off x="838200" y="1133882"/>
+            <a:ext cx="10515600" cy="0"/>
+          </a:xfrm>
+          <a:prstGeom prst="line">
+            <a:avLst/>
+          </a:prstGeom>
+          <a:ln w="77851" cmpd="tri"/>
+        </p:spPr>
+        <p:style>
+          <a:lnRef idx="1">
+            <a:schemeClr val="accent1"/>
+          </a:lnRef>
+          <a:fillRef idx="0">
+            <a:schemeClr val="accent1"/>
+          </a:fillRef>
+          <a:effectRef idx="0">
+            <a:schemeClr val="accent1"/>
+          </a:effectRef>
+          <a:fontRef idx="minor">
+            <a:schemeClr val="tx1"/>
+          </a:fontRef>
+        </p:style>
+      </p:cxnSp>
+      <p:pic>
+        <p:nvPicPr>
+          <p:cNvPr id="6" name="그림 5"/>
+          <p:cNvPicPr>
+            <a:picLocks noChangeAspect="1"/>
+          </p:cNvPicPr>
+          <p:nvPr/>
+        </p:nvPicPr>
+        <p:blipFill>
+          <a:blip r:embed="rId2">
+            <a:extLst>
+              <a:ext uri="{28A0092B-C50C-407E-A947-70E740481C1C}">
+                <a14:useLocalDpi xmlns:a14="http://schemas.microsoft.com/office/drawing/2010/main" val="0"/>
+              </a:ext>
+            </a:extLst>
+          </a:blip>
+          <a:stretch>
+            <a:fillRect/>
+          </a:stretch>
+        </p:blipFill>
+        <p:spPr>
+          <a:xfrm>
+            <a:off x="2692363" y="1968769"/>
+            <a:ext cx="6807273" cy="4680000"/>
+          </a:xfrm>
+          <a:prstGeom prst="rect">
+            <a:avLst/>
+          </a:prstGeom>
+        </p:spPr>
+      </p:pic>
+    </p:spTree>
+    <p:extLst>
+      <p:ext uri="{BB962C8B-B14F-4D97-AF65-F5344CB8AC3E}">
+        <p14:creationId xmlns:p14="http://schemas.microsoft.com/office/powerpoint/2010/main" val="451903061"/>
+      </p:ext>
+    </p:extLst>
+  </p:cSld>
+  <p:clrMapOvr>
+    <a:masterClrMapping/>
+  </p:clrMapOvr>
+</p:sld>
+</file>
+
+<file path=ppt/slides/slide26.xml><?xml version="1.0" encoding="utf-8"?>
+<p:sld xmlns:a="http://schemas.openxmlformats.org/drawingml/2006/main" xmlns:r="http://schemas.openxmlformats.org/officeDocument/2006/relationships" xmlns:p="http://schemas.openxmlformats.org/presentationml/2006/main">
+  <p:cSld>
+    <p:spTree>
+      <p:nvGrpSpPr>
+        <p:cNvPr id="1" name=""/>
+        <p:cNvGrpSpPr/>
+        <p:nvPr/>
+      </p:nvGrpSpPr>
+      <p:grpSpPr>
+        <a:xfrm>
+          <a:off x="0" y="0"/>
+          <a:ext cx="0" cy="0"/>
+          <a:chOff x="0" y="0"/>
+          <a:chExt cx="0" cy="0"/>
+        </a:xfrm>
+      </p:grpSpPr>
+      <p:sp>
+        <p:nvSpPr>
+          <p:cNvPr id="2" name="제목 1"/>
+          <p:cNvSpPr>
+            <a:spLocks noGrp="1"/>
+          </p:cNvSpPr>
+          <p:nvPr>
+            <p:ph type="title"/>
+          </p:nvPr>
+        </p:nvSpPr>
+        <p:spPr>
+          <a:xfrm>
+            <a:off x="838200" y="272138"/>
+            <a:ext cx="10515600" cy="688760"/>
+          </a:xfrm>
+        </p:spPr>
+        <p:txBody>
+          <a:bodyPr>
+            <a:normAutofit fontScale="90000"/>
+          </a:bodyPr>
+          <a:lstStyle/>
+          <a:p>
+            <a:r>
+              <a:rPr kumimoji="1" lang="en-US" altLang="ko-KR" b="1" dirty="0" smtClean="0">
+                <a:latin typeface="Arial" charset="0"/>
+                <a:ea typeface="Arial" charset="0"/>
+                <a:cs typeface="Arial" charset="0"/>
+              </a:rPr>
+              <a:t>Results</a:t>
+            </a:r>
+            <a:endParaRPr kumimoji="1" lang="ko-KR" altLang="en-US" b="1" dirty="0">
+              <a:latin typeface="Arial" charset="0"/>
+              <a:ea typeface="Arial" charset="0"/>
+              <a:cs typeface="Arial" charset="0"/>
+            </a:endParaRPr>
+          </a:p>
+        </p:txBody>
+      </p:sp>
+      <p:sp>
+        <p:nvSpPr>
+          <p:cNvPr id="3" name="내용 개체 틀 2"/>
+          <p:cNvSpPr>
+            <a:spLocks noGrp="1"/>
+          </p:cNvSpPr>
+          <p:nvPr>
+            <p:ph idx="1"/>
+          </p:nvPr>
+        </p:nvSpPr>
+        <p:spPr>
+          <a:xfrm>
+            <a:off x="838200" y="1363847"/>
+            <a:ext cx="10515600" cy="5284922"/>
+          </a:xfrm>
+        </p:spPr>
+        <p:txBody>
+          <a:bodyPr/>
+          <a:lstStyle/>
+          <a:p>
+            <a:r>
+              <a:rPr kumimoji="1" lang="en-US" altLang="ko-KR" dirty="0" smtClean="0">
+                <a:latin typeface="Arial" charset="0"/>
+                <a:ea typeface="Arial" charset="0"/>
+                <a:cs typeface="Arial" charset="0"/>
+              </a:rPr>
+              <a:t>Training : H-ELM </a:t>
+            </a:r>
+            <a:endParaRPr kumimoji="1" lang="en-US" altLang="ko-KR" dirty="0">
+              <a:latin typeface="Arial" charset="0"/>
+              <a:ea typeface="Arial" charset="0"/>
+              <a:cs typeface="Arial" charset="0"/>
+            </a:endParaRPr>
+          </a:p>
+          <a:p>
+            <a:pPr lvl="1"/>
+            <a:r>
+              <a:rPr kumimoji="1" lang="en-US" altLang="ko-KR" dirty="0" smtClean="0">
+                <a:latin typeface="Arial" charset="0"/>
+                <a:ea typeface="Arial" charset="0"/>
+                <a:cs typeface="Arial" charset="0"/>
+              </a:rPr>
+              <a:t>MAE</a:t>
+            </a:r>
+            <a:endParaRPr kumimoji="1" lang="ko-KR" altLang="en-US" dirty="0">
+              <a:latin typeface="Arial" charset="0"/>
+              <a:ea typeface="Arial" charset="0"/>
+              <a:cs typeface="Arial" charset="0"/>
+            </a:endParaRPr>
+          </a:p>
+        </p:txBody>
+      </p:sp>
+      <p:cxnSp>
+        <p:nvCxnSpPr>
+          <p:cNvPr id="5" name="직선 연결선[R] 4"/>
+          <p:cNvCxnSpPr/>
+          <p:nvPr/>
+        </p:nvCxnSpPr>
+        <p:spPr>
+          <a:xfrm>
+            <a:off x="838200" y="1133882"/>
+            <a:ext cx="10515600" cy="0"/>
+          </a:xfrm>
+          <a:prstGeom prst="line">
+            <a:avLst/>
+          </a:prstGeom>
+          <a:ln w="77851" cmpd="tri"/>
+        </p:spPr>
+        <p:style>
+          <a:lnRef idx="1">
+            <a:schemeClr val="accent1"/>
+          </a:lnRef>
+          <a:fillRef idx="0">
+            <a:schemeClr val="accent1"/>
+          </a:fillRef>
+          <a:effectRef idx="0">
+            <a:schemeClr val="accent1"/>
+          </a:effectRef>
+          <a:fontRef idx="minor">
+            <a:schemeClr val="tx1"/>
+          </a:fontRef>
+        </p:style>
+      </p:cxnSp>
+      <p:pic>
+        <p:nvPicPr>
+          <p:cNvPr id="6" name="그림 5"/>
+          <p:cNvPicPr>
+            <a:picLocks noChangeAspect="1"/>
+          </p:cNvPicPr>
+          <p:nvPr/>
+        </p:nvPicPr>
+        <p:blipFill>
+          <a:blip r:embed="rId3">
+            <a:extLst>
+              <a:ext uri="{28A0092B-C50C-407E-A947-70E740481C1C}">
+                <a14:useLocalDpi xmlns:a14="http://schemas.microsoft.com/office/drawing/2010/main" val="0"/>
+              </a:ext>
+            </a:extLst>
+          </a:blip>
+          <a:stretch>
+            <a:fillRect/>
+          </a:stretch>
+        </p:blipFill>
+        <p:spPr>
+          <a:xfrm>
+            <a:off x="2692363" y="1968769"/>
+            <a:ext cx="6807273" cy="4680000"/>
+          </a:xfrm>
+          <a:prstGeom prst="rect">
+            <a:avLst/>
+          </a:prstGeom>
+        </p:spPr>
+      </p:pic>
+    </p:spTree>
+    <p:extLst>
+      <p:ext uri="{BB962C8B-B14F-4D97-AF65-F5344CB8AC3E}">
+        <p14:creationId xmlns:p14="http://schemas.microsoft.com/office/powerpoint/2010/main" val="1632570435"/>
+      </p:ext>
+    </p:extLst>
+  </p:cSld>
+  <p:clrMapOvr>
+    <a:masterClrMapping/>
+  </p:clrMapOvr>
+</p:sld>
+</file>
+
+<file path=ppt/slides/slide27.xml><?xml version="1.0" encoding="utf-8"?>
+<p:sld xmlns:a="http://schemas.openxmlformats.org/drawingml/2006/main" xmlns:r="http://schemas.openxmlformats.org/officeDocument/2006/relationships" xmlns:p="http://schemas.openxmlformats.org/presentationml/2006/main">
+  <p:cSld>
+    <p:spTree>
+      <p:nvGrpSpPr>
+        <p:cNvPr id="1" name=""/>
+        <p:cNvGrpSpPr/>
+        <p:nvPr/>
+      </p:nvGrpSpPr>
+      <p:grpSpPr>
+        <a:xfrm>
+          <a:off x="0" y="0"/>
+          <a:ext cx="0" cy="0"/>
+          <a:chOff x="0" y="0"/>
+          <a:chExt cx="0" cy="0"/>
+        </a:xfrm>
+      </p:grpSpPr>
+      <p:sp>
+        <p:nvSpPr>
+          <p:cNvPr id="2" name="제목 1"/>
+          <p:cNvSpPr>
+            <a:spLocks noGrp="1"/>
+          </p:cNvSpPr>
+          <p:nvPr>
+            <p:ph type="title"/>
+          </p:nvPr>
+        </p:nvSpPr>
+        <p:spPr>
+          <a:xfrm>
+            <a:off x="838200" y="272138"/>
+            <a:ext cx="10515600" cy="688760"/>
+          </a:xfrm>
+        </p:spPr>
+        <p:txBody>
+          <a:bodyPr>
+            <a:normAutofit fontScale="90000"/>
+          </a:bodyPr>
+          <a:lstStyle/>
+          <a:p>
+            <a:r>
+              <a:rPr kumimoji="1" lang="en-US" altLang="ko-KR" b="1" dirty="0" smtClean="0">
+                <a:latin typeface="Arial" charset="0"/>
+                <a:ea typeface="Arial" charset="0"/>
+                <a:cs typeface="Arial" charset="0"/>
+              </a:rPr>
+              <a:t>Results</a:t>
+            </a:r>
+            <a:endParaRPr kumimoji="1" lang="ko-KR" altLang="en-US" b="1" dirty="0">
+              <a:latin typeface="Arial" charset="0"/>
+              <a:ea typeface="Arial" charset="0"/>
+              <a:cs typeface="Arial" charset="0"/>
+            </a:endParaRPr>
+          </a:p>
+        </p:txBody>
+      </p:sp>
+      <p:sp>
+        <p:nvSpPr>
+          <p:cNvPr id="3" name="내용 개체 틀 2"/>
+          <p:cNvSpPr>
+            <a:spLocks noGrp="1"/>
+          </p:cNvSpPr>
+          <p:nvPr>
+            <p:ph idx="1"/>
+          </p:nvPr>
+        </p:nvSpPr>
+        <p:spPr>
+          <a:xfrm>
+            <a:off x="838200" y="1363847"/>
+            <a:ext cx="10515600" cy="5284922"/>
+          </a:xfrm>
+        </p:spPr>
+        <p:txBody>
+          <a:bodyPr/>
+          <a:lstStyle/>
+          <a:p>
+            <a:r>
+              <a:rPr kumimoji="1" lang="en-US" altLang="ko-KR" dirty="0" smtClean="0">
+                <a:latin typeface="Arial" charset="0"/>
+                <a:ea typeface="Arial" charset="0"/>
+                <a:cs typeface="Arial" charset="0"/>
+              </a:rPr>
               <a:t>Training :</a:t>
             </a:r>
           </a:p>
@@ -22251,23 +22900,43 @@
               <a:t> </a:t>
             </a:r>
             <a:r>
-              <a:rPr lang="en-US" altLang="ko-KR" dirty="0"/>
+              <a:rPr lang="en-US" altLang="ko-KR" dirty="0">
+                <a:latin typeface="Arial" charset="0"/>
+                <a:ea typeface="Arial" charset="0"/>
+                <a:cs typeface="Arial" charset="0"/>
+              </a:rPr>
               <a:t>As the number of input features increases through the data preprocessing process, the </a:t>
             </a:r>
             <a:r>
-              <a:rPr lang="en-US" altLang="ko-KR" dirty="0" smtClean="0"/>
-              <a:t>MAPE</a:t>
-            </a:r>
-            <a:r>
-              <a:rPr lang="en-US" altLang="ko-KR" dirty="0" smtClean="0"/>
+              <a:rPr kumimoji="1" lang="en-US" altLang="ko-KR" dirty="0">
+                <a:latin typeface="Arial" charset="0"/>
+                <a:ea typeface="Arial" charset="0"/>
+                <a:cs typeface="Arial" charset="0"/>
+              </a:rPr>
+              <a:t>MAPE &amp; MAE</a:t>
+            </a:r>
+            <a:r>
+              <a:rPr lang="en-US" altLang="ko-KR" dirty="0" smtClean="0">
+                <a:latin typeface="Arial" charset="0"/>
+                <a:ea typeface="Arial" charset="0"/>
+                <a:cs typeface="Arial" charset="0"/>
+              </a:rPr>
               <a:t> </a:t>
             </a:r>
             <a:r>
-              <a:rPr lang="en-US" altLang="ko-KR" dirty="0"/>
+              <a:rPr lang="en-US" altLang="ko-KR" dirty="0">
+                <a:latin typeface="Arial" charset="0"/>
+                <a:ea typeface="Arial" charset="0"/>
+                <a:cs typeface="Arial" charset="0"/>
+              </a:rPr>
               <a:t>tends to </a:t>
             </a:r>
             <a:r>
-              <a:rPr lang="en-US" altLang="ko-KR" dirty="0" smtClean="0"/>
+              <a:rPr lang="en-US" altLang="ko-KR" dirty="0" smtClean="0">
+                <a:latin typeface="Arial" charset="0"/>
+                <a:ea typeface="Arial" charset="0"/>
+                <a:cs typeface="Arial" charset="0"/>
+              </a:rPr>
               <a:t>decrease</a:t>
             </a:r>
           </a:p>
@@ -22345,11 +23014,19 @@
               </a:rPr>
               <a:t>learning</a:t>
             </a:r>
-            <a:endParaRPr lang="en-US" altLang="ko-KR" dirty="0" smtClean="0"/>
+            <a:endParaRPr lang="en-US" altLang="ko-KR" dirty="0" smtClean="0">
+              <a:latin typeface="Arial" charset="0"/>
+              <a:ea typeface="Arial" charset="0"/>
+              <a:cs typeface="Arial" charset="0"/>
+            </a:endParaRPr>
           </a:p>
           <a:p>
             <a:pPr lvl="2"/>
-            <a:endParaRPr lang="en-US" altLang="ko-KR" dirty="0" smtClean="0"/>
+            <a:endParaRPr lang="en-US" altLang="ko-KR" dirty="0" smtClean="0">
+              <a:latin typeface="Arial" charset="0"/>
+              <a:ea typeface="Arial" charset="0"/>
+              <a:cs typeface="Arial" charset="0"/>
+            </a:endParaRPr>
           </a:p>
           <a:p>
             <a:pPr lvl="1"/>
@@ -22381,7 +23058,7 @@
               <a:t>value </a:t>
             </a:r>
             <a:r>
-              <a:rPr kumimoji="1" lang="en-US" altLang="ko-KR">
+              <a:rPr kumimoji="1" lang="en-US" altLang="ko-KR" dirty="0">
                 <a:latin typeface="Arial" charset="0"/>
                 <a:ea typeface="Arial" charset="0"/>
                 <a:cs typeface="Arial" charset="0"/>
@@ -22389,7 +23066,7 @@
               <a:t>of </a:t>
             </a:r>
             <a:r>
-              <a:rPr kumimoji="1" lang="en-US" altLang="ko-KR" smtClean="0">
+              <a:rPr kumimoji="1" lang="en-US" altLang="ko-KR" dirty="0" smtClean="0">
                 <a:latin typeface="Arial" charset="0"/>
                 <a:ea typeface="Arial" charset="0"/>
                 <a:cs typeface="Arial" charset="0"/>
@@ -22397,7 +23074,7 @@
               <a:t>MAPE</a:t>
             </a:r>
             <a:r>
-              <a:rPr kumimoji="1" lang="en-US" altLang="ko-KR" smtClean="0">
+              <a:rPr kumimoji="1" lang="en-US" altLang="ko-KR" dirty="0" smtClean="0">
                 <a:latin typeface="Arial" charset="0"/>
                 <a:ea typeface="Arial" charset="0"/>
                 <a:cs typeface="Arial" charset="0"/>
@@ -22578,7 +23255,15 @@
                 <a:ea typeface="Arial" charset="0"/>
                 <a:cs typeface="Arial" charset="0"/>
               </a:rPr>
-              <a:t>shows stable RMSE </a:t>
+              <a:t>shows stable </a:t>
+            </a:r>
+            <a:r>
+              <a:rPr kumimoji="1" lang="en-US" altLang="ko-KR" dirty="0">
+                <a:latin typeface="Arial" charset="0"/>
+                <a:ea typeface="Arial" charset="0"/>
+                <a:cs typeface="Arial" charset="0"/>
+              </a:rPr>
+              <a:t>MAPE &amp; MAE </a:t>
             </a:r>
             <a:r>
               <a:rPr kumimoji="1" lang="en-US" altLang="ko-KR" dirty="0" smtClean="0">
@@ -22635,7 +23320,7 @@
 </p:sld>
 </file>
 
-<file path=ppt/slides/slide26.xml><?xml version="1.0" encoding="utf-8"?>
+<file path=ppt/slides/slide28.xml><?xml version="1.0" encoding="utf-8"?>
 <p:sld xmlns:a="http://schemas.openxmlformats.org/drawingml/2006/main" xmlns:r="http://schemas.openxmlformats.org/officeDocument/2006/relationships" xmlns:p="http://schemas.openxmlformats.org/presentationml/2006/main">
   <p:cSld>
     <p:spTree>
@@ -22811,7 +23496,7 @@
 </p:sld>
 </file>
 
-<file path=ppt/slides/slide27.xml><?xml version="1.0" encoding="utf-8"?>
+<file path=ppt/slides/slide29.xml><?xml version="1.0" encoding="utf-8"?>
 <p:sld xmlns:a="http://schemas.openxmlformats.org/drawingml/2006/main" xmlns:r="http://schemas.openxmlformats.org/officeDocument/2006/relationships" xmlns:p="http://schemas.openxmlformats.org/presentationml/2006/main">
   <p:cSld>
     <p:spTree>
@@ -22978,1289 +23663,6 @@
     <p:extLst>
       <p:ext uri="{BB962C8B-B14F-4D97-AF65-F5344CB8AC3E}">
         <p14:creationId xmlns:p14="http://schemas.microsoft.com/office/powerpoint/2010/main" val="2007070308"/>
-      </p:ext>
-    </p:extLst>
-  </p:cSld>
-  <p:clrMapOvr>
-    <a:masterClrMapping/>
-  </p:clrMapOvr>
-</p:sld>
-</file>
-
-<file path=ppt/slides/slide28.xml><?xml version="1.0" encoding="utf-8"?>
-<p:sld xmlns:a="http://schemas.openxmlformats.org/drawingml/2006/main" xmlns:r="http://schemas.openxmlformats.org/officeDocument/2006/relationships" xmlns:p="http://schemas.openxmlformats.org/presentationml/2006/main">
-  <p:cSld>
-    <p:spTree>
-      <p:nvGrpSpPr>
-        <p:cNvPr id="1" name=""/>
-        <p:cNvGrpSpPr/>
-        <p:nvPr/>
-      </p:nvGrpSpPr>
-      <p:grpSpPr>
-        <a:xfrm>
-          <a:off x="0" y="0"/>
-          <a:ext cx="0" cy="0"/>
-          <a:chOff x="0" y="0"/>
-          <a:chExt cx="0" cy="0"/>
-        </a:xfrm>
-      </p:grpSpPr>
-      <p:sp>
-        <p:nvSpPr>
-          <p:cNvPr id="2" name="제목 1"/>
-          <p:cNvSpPr>
-            <a:spLocks noGrp="1"/>
-          </p:cNvSpPr>
-          <p:nvPr>
-            <p:ph type="title"/>
-          </p:nvPr>
-        </p:nvSpPr>
-        <p:spPr>
-          <a:xfrm>
-            <a:off x="838200" y="272138"/>
-            <a:ext cx="10515600" cy="688760"/>
-          </a:xfrm>
-        </p:spPr>
-        <p:txBody>
-          <a:bodyPr>
-            <a:normAutofit fontScale="90000"/>
-          </a:bodyPr>
-          <a:lstStyle/>
-          <a:p>
-            <a:r>
-              <a:rPr kumimoji="1" lang="en-US" altLang="ko-KR" dirty="0">
-                <a:latin typeface="Arial" charset="0"/>
-                <a:ea typeface="Arial" charset="0"/>
-                <a:cs typeface="Arial" charset="0"/>
-              </a:rPr>
-              <a:t>Result of </a:t>
-            </a:r>
-            <a:r>
-              <a:rPr kumimoji="1" lang="en-US" altLang="ko-KR" dirty="0" smtClean="0">
-                <a:latin typeface="Arial" charset="0"/>
-                <a:ea typeface="Arial" charset="0"/>
-                <a:cs typeface="Arial" charset="0"/>
-              </a:rPr>
-              <a:t>case 00</a:t>
-            </a:r>
-            <a:endParaRPr kumimoji="1" lang="ko-KR" altLang="en-US" dirty="0">
-              <a:latin typeface="Arial" charset="0"/>
-              <a:ea typeface="Arial" charset="0"/>
-              <a:cs typeface="Arial" charset="0"/>
-            </a:endParaRPr>
-          </a:p>
-        </p:txBody>
-      </p:sp>
-      <p:sp>
-        <p:nvSpPr>
-          <p:cNvPr id="3" name="내용 개체 틀 2"/>
-          <p:cNvSpPr>
-            <a:spLocks noGrp="1"/>
-          </p:cNvSpPr>
-          <p:nvPr>
-            <p:ph idx="1"/>
-          </p:nvPr>
-        </p:nvSpPr>
-        <p:spPr>
-          <a:xfrm>
-            <a:off x="838200" y="1363847"/>
-            <a:ext cx="10515600" cy="5284922"/>
-          </a:xfrm>
-        </p:spPr>
-        <p:txBody>
-          <a:bodyPr/>
-          <a:lstStyle/>
-          <a:p>
-            <a:r>
-              <a:rPr kumimoji="1" lang="en-US" altLang="ko-KR" dirty="0" smtClean="0">
-                <a:latin typeface="Arial" charset="0"/>
-                <a:ea typeface="Arial" charset="0"/>
-                <a:cs typeface="Arial" charset="0"/>
-              </a:rPr>
-              <a:t>Testing </a:t>
-            </a:r>
-            <a:r>
-              <a:rPr kumimoji="1" lang="en-US" altLang="ko-KR" dirty="0">
-                <a:latin typeface="Arial" charset="0"/>
-                <a:ea typeface="Arial" charset="0"/>
-                <a:cs typeface="Arial" charset="0"/>
-              </a:rPr>
-              <a:t>: </a:t>
-            </a:r>
-            <a:endParaRPr kumimoji="1" lang="en-US" altLang="ko-KR" dirty="0" smtClean="0">
-              <a:latin typeface="Arial" charset="0"/>
-              <a:ea typeface="Arial" charset="0"/>
-              <a:cs typeface="Arial" charset="0"/>
-            </a:endParaRPr>
-          </a:p>
-          <a:p>
-            <a:pPr lvl="1"/>
-            <a:r>
-              <a:rPr kumimoji="1" lang="en-US" altLang="ko-KR" dirty="0" smtClean="0">
-                <a:latin typeface="Arial" charset="0"/>
-                <a:ea typeface="Arial" charset="0"/>
-                <a:cs typeface="Arial" charset="0"/>
-              </a:rPr>
-              <a:t>Data-preprocessing</a:t>
-            </a:r>
-          </a:p>
-          <a:p>
-            <a:pPr lvl="2"/>
-            <a:r>
-              <a:rPr kumimoji="1" lang="en-US" altLang="ko-KR" dirty="0">
-                <a:latin typeface="Arial" charset="0"/>
-                <a:ea typeface="Arial" charset="0"/>
-                <a:cs typeface="Arial" charset="0"/>
-              </a:rPr>
-              <a:t>It seems to show stable predicted values, but it outputs inaccurate predictions each time because the feature types of the input data are too small</a:t>
-            </a:r>
-            <a:endParaRPr kumimoji="1" lang="en-US" altLang="ko-KR" dirty="0" smtClean="0">
-              <a:latin typeface="Arial" charset="0"/>
-              <a:ea typeface="Arial" charset="0"/>
-              <a:cs typeface="Arial" charset="0"/>
-            </a:endParaRPr>
-          </a:p>
-          <a:p>
-            <a:pPr lvl="1"/>
-            <a:r>
-              <a:rPr kumimoji="1" lang="en-US" altLang="ko-KR" dirty="0" smtClean="0">
-                <a:latin typeface="Arial" charset="0"/>
-                <a:ea typeface="Arial" charset="0"/>
-                <a:cs typeface="Arial" charset="0"/>
-              </a:rPr>
-              <a:t>ELM vs. H-ELM</a:t>
-            </a:r>
-          </a:p>
-          <a:p>
-            <a:pPr lvl="2"/>
-            <a:r>
-              <a:rPr kumimoji="1" lang="en-US" altLang="ko-KR" dirty="0">
-                <a:latin typeface="Arial" charset="0"/>
-                <a:ea typeface="Arial" charset="0"/>
-                <a:cs typeface="Arial" charset="0"/>
-              </a:rPr>
-              <a:t>ELM shows a prediction with a smaller RMSE than HELM, but this is not meaningful because it is an </a:t>
-            </a:r>
-            <a:r>
-              <a:rPr kumimoji="1" lang="en-US" altLang="ko-KR" dirty="0" smtClean="0">
-                <a:latin typeface="Arial" charset="0"/>
-                <a:ea typeface="Arial" charset="0"/>
-                <a:cs typeface="Arial" charset="0"/>
-              </a:rPr>
-              <a:t>inaccurate prediction</a:t>
-            </a:r>
-            <a:endParaRPr kumimoji="1" lang="ko-KR" altLang="en-US" dirty="0">
-              <a:latin typeface="Arial" charset="0"/>
-              <a:ea typeface="Arial" charset="0"/>
-              <a:cs typeface="Arial" charset="0"/>
-            </a:endParaRPr>
-          </a:p>
-          <a:p>
-            <a:endParaRPr kumimoji="1" lang="en-US" altLang="ko-KR" dirty="0">
-              <a:latin typeface="Arial" charset="0"/>
-              <a:ea typeface="Arial" charset="0"/>
-              <a:cs typeface="Arial" charset="0"/>
-            </a:endParaRPr>
-          </a:p>
-          <a:p>
-            <a:endParaRPr kumimoji="1" lang="ko-KR" altLang="en-US" dirty="0">
-              <a:latin typeface="Arial" charset="0"/>
-              <a:ea typeface="Arial" charset="0"/>
-              <a:cs typeface="Arial" charset="0"/>
-            </a:endParaRPr>
-          </a:p>
-          <a:p>
-            <a:endParaRPr kumimoji="1" lang="ko-KR" altLang="en-US" dirty="0">
-              <a:latin typeface="Arial" charset="0"/>
-              <a:ea typeface="Arial" charset="0"/>
-              <a:cs typeface="Arial" charset="0"/>
-            </a:endParaRPr>
-          </a:p>
-        </p:txBody>
-      </p:sp>
-      <p:cxnSp>
-        <p:nvCxnSpPr>
-          <p:cNvPr id="5" name="직선 연결선[R] 4"/>
-          <p:cNvCxnSpPr/>
-          <p:nvPr/>
-        </p:nvCxnSpPr>
-        <p:spPr>
-          <a:xfrm>
-            <a:off x="838200" y="1133882"/>
-            <a:ext cx="10515600" cy="0"/>
-          </a:xfrm>
-          <a:prstGeom prst="line">
-            <a:avLst/>
-          </a:prstGeom>
-          <a:ln w="40132" cmpd="sng">
-            <a:solidFill>
-              <a:schemeClr val="accent1">
-                <a:lumMod val="60000"/>
-                <a:lumOff val="40000"/>
-              </a:schemeClr>
-            </a:solidFill>
-          </a:ln>
-        </p:spPr>
-        <p:style>
-          <a:lnRef idx="1">
-            <a:schemeClr val="accent1"/>
-          </a:lnRef>
-          <a:fillRef idx="0">
-            <a:schemeClr val="accent1"/>
-          </a:fillRef>
-          <a:effectRef idx="0">
-            <a:schemeClr val="accent1"/>
-          </a:effectRef>
-          <a:fontRef idx="minor">
-            <a:schemeClr val="tx1"/>
-          </a:fontRef>
-        </p:style>
-      </p:cxnSp>
-      <p:graphicFrame>
-        <p:nvGraphicFramePr>
-          <p:cNvPr id="4" name="표 3"/>
-          <p:cNvGraphicFramePr>
-            <a:graphicFrameLocks noGrp="1"/>
-          </p:cNvGraphicFramePr>
-          <p:nvPr>
-            <p:extLst>
-              <p:ext uri="{D42A27DB-BD31-4B8C-83A1-F6EECF244321}">
-                <p14:modId xmlns:p14="http://schemas.microsoft.com/office/powerpoint/2010/main" val="1623232091"/>
-              </p:ext>
-            </p:extLst>
-          </p:nvPr>
-        </p:nvGraphicFramePr>
-        <p:xfrm>
-          <a:off x="1104277" y="4216169"/>
-          <a:ext cx="9983445" cy="2244590"/>
-        </p:xfrm>
-        <a:graphic>
-          <a:graphicData uri="http://schemas.openxmlformats.org/drawingml/2006/table">
-            <a:tbl>
-              <a:tblPr firstRow="1" bandRow="1">
-                <a:tableStyleId>{5C22544A-7EE6-4342-B048-85BDC9FD1C3A}</a:tableStyleId>
-              </a:tblPr>
-              <a:tblGrid>
-                <a:gridCol w="1996689"/>
-                <a:gridCol w="1996689"/>
-                <a:gridCol w="1996689"/>
-                <a:gridCol w="1996689"/>
-                <a:gridCol w="1996689"/>
-              </a:tblGrid>
-              <a:tr h="1026498">
-                <a:tc>
-                  <a:txBody>
-                    <a:bodyPr/>
-                    <a:lstStyle/>
-                    <a:p>
-                      <a:pPr marL="0" marR="0" indent="0" algn="ctr" defTabSz="914400" rtl="0" eaLnBrk="1" fontAlgn="auto" latinLnBrk="1" hangingPunct="1">
-                        <a:lnSpc>
-                          <a:spcPct val="100000"/>
-                        </a:lnSpc>
-                        <a:spcBef>
-                          <a:spcPts val="0"/>
-                        </a:spcBef>
-                        <a:spcAft>
-                          <a:spcPts val="0"/>
-                        </a:spcAft>
-                        <a:buClrTx/>
-                        <a:buSzTx/>
-                        <a:buFontTx/>
-                        <a:buNone/>
-                        <a:tabLst/>
-                        <a:defRPr/>
-                      </a:pPr>
-                      <a:r>
-                        <a:rPr lang="en-US" altLang="ko-KR" dirty="0" smtClean="0"/>
-                        <a:t>Method</a:t>
-                      </a:r>
-                      <a:endParaRPr lang="ko-KR" altLang="en-US" dirty="0" smtClean="0"/>
-                    </a:p>
-                  </a:txBody>
-                  <a:tcPr anchor="ctr"/>
-                </a:tc>
-                <a:tc>
-                  <a:txBody>
-                    <a:bodyPr/>
-                    <a:lstStyle/>
-                    <a:p>
-                      <a:pPr algn="ctr" latinLnBrk="1"/>
-                      <a:r>
-                        <a:rPr lang="en-US" altLang="ko-KR" dirty="0" smtClean="0"/>
-                        <a:t>MAPE </a:t>
-                      </a:r>
-                    </a:p>
-                    <a:p>
-                      <a:pPr algn="ctr" latinLnBrk="1"/>
-                      <a:r>
-                        <a:rPr lang="en-US" altLang="ko-KR" dirty="0" smtClean="0"/>
-                        <a:t>[%]</a:t>
-                      </a:r>
-                      <a:endParaRPr lang="ko-KR" altLang="en-US" dirty="0"/>
-                    </a:p>
-                  </a:txBody>
-                  <a:tcPr anchor="ctr"/>
-                </a:tc>
-                <a:tc>
-                  <a:txBody>
-                    <a:bodyPr/>
-                    <a:lstStyle/>
-                    <a:p>
-                      <a:pPr algn="ctr" latinLnBrk="1"/>
-                      <a:r>
-                        <a:rPr lang="en-US" altLang="ko-KR" dirty="0" smtClean="0"/>
-                        <a:t>Standard</a:t>
-                      </a:r>
-                      <a:r>
-                        <a:rPr lang="en-US" altLang="ko-KR" baseline="0" dirty="0" smtClean="0"/>
-                        <a:t> deviation</a:t>
-                      </a:r>
-                      <a:endParaRPr lang="ko-KR" altLang="en-US" dirty="0"/>
-                    </a:p>
-                  </a:txBody>
-                  <a:tcPr anchor="ctr"/>
-                </a:tc>
-                <a:tc>
-                  <a:txBody>
-                    <a:bodyPr/>
-                    <a:lstStyle/>
-                    <a:p>
-                      <a:pPr marL="0" marR="0" indent="0" algn="ctr" defTabSz="914400" rtl="0" eaLnBrk="1" fontAlgn="auto" latinLnBrk="1" hangingPunct="1">
-                        <a:lnSpc>
-                          <a:spcPct val="100000"/>
-                        </a:lnSpc>
-                        <a:spcBef>
-                          <a:spcPts val="0"/>
-                        </a:spcBef>
-                        <a:spcAft>
-                          <a:spcPts val="0"/>
-                        </a:spcAft>
-                        <a:buClrTx/>
-                        <a:buSzTx/>
-                        <a:buFontTx/>
-                        <a:buNone/>
-                        <a:tabLst/>
-                        <a:defRPr/>
-                      </a:pPr>
-                      <a:r>
-                        <a:rPr lang="en-US" altLang="ko-KR" dirty="0" smtClean="0"/>
-                        <a:t>Training time</a:t>
-                      </a:r>
-                      <a:r>
-                        <a:rPr lang="en-US" altLang="ko-KR" baseline="0" dirty="0" smtClean="0"/>
-                        <a:t> [sec]</a:t>
-                      </a:r>
-                      <a:endParaRPr lang="ko-KR" altLang="en-US" dirty="0" smtClean="0"/>
-                    </a:p>
-                  </a:txBody>
-                  <a:tcPr anchor="ctr"/>
-                </a:tc>
-                <a:tc>
-                  <a:txBody>
-                    <a:bodyPr/>
-                    <a:lstStyle/>
-                    <a:p>
-                      <a:pPr algn="ctr" latinLnBrk="1"/>
-                      <a:r>
-                        <a:rPr lang="en-US" altLang="ko-KR" dirty="0" smtClean="0"/>
-                        <a:t>MAE </a:t>
-                      </a:r>
-                    </a:p>
-                    <a:p>
-                      <a:pPr algn="ctr" latinLnBrk="1"/>
-                      <a:r>
-                        <a:rPr lang="en-US" altLang="ko-KR" dirty="0" smtClean="0"/>
-                        <a:t>[MW]</a:t>
-                      </a:r>
-                      <a:endParaRPr lang="ko-KR" altLang="en-US" dirty="0"/>
-                    </a:p>
-                  </a:txBody>
-                  <a:tcPr anchor="ctr"/>
-                </a:tc>
-              </a:tr>
-              <a:tr h="609046">
-                <a:tc>
-                  <a:txBody>
-                    <a:bodyPr/>
-                    <a:lstStyle/>
-                    <a:p>
-                      <a:pPr algn="ctr" latinLnBrk="1"/>
-                      <a:r>
-                        <a:rPr lang="en-US" altLang="ko-KR" dirty="0" smtClean="0"/>
-                        <a:t>Single ELM</a:t>
-                      </a:r>
-                      <a:endParaRPr lang="ko-KR" altLang="en-US" dirty="0"/>
-                    </a:p>
-                  </a:txBody>
-                  <a:tcPr anchor="ctr"/>
-                </a:tc>
-                <a:tc>
-                  <a:txBody>
-                    <a:bodyPr/>
-                    <a:lstStyle/>
-                    <a:p>
-                      <a:pPr algn="r" latinLnBrk="1"/>
-                      <a:r>
-                        <a:rPr lang="is-IS" altLang="ko-KR" dirty="0" smtClean="0">
-                          <a:solidFill>
-                            <a:schemeClr val="accent1"/>
-                          </a:solidFill>
-                        </a:rPr>
-                        <a:t>22.973061</a:t>
-                      </a:r>
-                      <a:endParaRPr lang="ko-KR" altLang="en-US" dirty="0">
-                        <a:solidFill>
-                          <a:schemeClr val="accent1"/>
-                        </a:solidFill>
-                      </a:endParaRPr>
-                    </a:p>
-                  </a:txBody>
-                  <a:tcPr anchor="ctr"/>
-                </a:tc>
-                <a:tc>
-                  <a:txBody>
-                    <a:bodyPr/>
-                    <a:lstStyle/>
-                    <a:p>
-                      <a:pPr algn="r" latinLnBrk="1"/>
-                      <a:r>
-                        <a:rPr lang="nb-NO" altLang="ko-KR" dirty="0" smtClean="0">
-                          <a:solidFill>
-                            <a:srgbClr val="FF0000"/>
-                          </a:solidFill>
-                        </a:rPr>
-                        <a:t>0.0336759154144</a:t>
-                      </a:r>
-                      <a:endParaRPr lang="ko-KR" altLang="en-US" dirty="0">
-                        <a:solidFill>
-                          <a:srgbClr val="FF0000"/>
-                        </a:solidFill>
-                      </a:endParaRPr>
-                    </a:p>
-                  </a:txBody>
-                  <a:tcPr anchor="ctr"/>
-                </a:tc>
-                <a:tc>
-                  <a:txBody>
-                    <a:bodyPr/>
-                    <a:lstStyle/>
-                    <a:p>
-                      <a:pPr algn="r" latinLnBrk="1"/>
-                      <a:r>
-                        <a:rPr lang="is-IS" altLang="ko-KR" dirty="0" smtClean="0">
-                          <a:solidFill>
-                            <a:srgbClr val="FF0000"/>
-                          </a:solidFill>
-                        </a:rPr>
-                        <a:t>0.0681</a:t>
-                      </a:r>
-                      <a:endParaRPr lang="ko-KR" altLang="en-US" dirty="0">
-                        <a:solidFill>
-                          <a:srgbClr val="FF0000"/>
-                        </a:solidFill>
-                      </a:endParaRPr>
-                    </a:p>
-                  </a:txBody>
-                  <a:tcPr anchor="ctr"/>
-                </a:tc>
-                <a:tc>
-                  <a:txBody>
-                    <a:bodyPr/>
-                    <a:lstStyle/>
-                    <a:p>
-                      <a:pPr marL="0" marR="0" indent="0" algn="r" defTabSz="914400" rtl="0" eaLnBrk="1" fontAlgn="auto" latinLnBrk="1" hangingPunct="1">
-                        <a:lnSpc>
-                          <a:spcPct val="100000"/>
-                        </a:lnSpc>
-                        <a:spcBef>
-                          <a:spcPts val="0"/>
-                        </a:spcBef>
-                        <a:spcAft>
-                          <a:spcPts val="0"/>
-                        </a:spcAft>
-                        <a:buClrTx/>
-                        <a:buSzTx/>
-                        <a:buFontTx/>
-                        <a:buNone/>
-                        <a:tabLst/>
-                        <a:defRPr/>
-                      </a:pPr>
-                      <a:r>
-                        <a:rPr lang="is-IS" altLang="ko-KR" dirty="0" smtClean="0">
-                          <a:solidFill>
-                            <a:schemeClr val="accent1"/>
-                          </a:solidFill>
-                        </a:rPr>
-                        <a:t>19056.307</a:t>
-                      </a:r>
-                      <a:endParaRPr lang="ko-KR" altLang="en-US" dirty="0" smtClean="0">
-                        <a:solidFill>
-                          <a:schemeClr val="accent1"/>
-                        </a:solidFill>
-                      </a:endParaRPr>
-                    </a:p>
-                  </a:txBody>
-                  <a:tcPr anchor="ctr"/>
-                </a:tc>
-              </a:tr>
-              <a:tr h="609046">
-                <a:tc>
-                  <a:txBody>
-                    <a:bodyPr/>
-                    <a:lstStyle/>
-                    <a:p>
-                      <a:pPr algn="ctr" latinLnBrk="1"/>
-                      <a:r>
-                        <a:rPr lang="en-US" altLang="ko-KR" dirty="0" smtClean="0"/>
-                        <a:t>H-ELM</a:t>
-                      </a:r>
-                      <a:endParaRPr lang="ko-KR" altLang="en-US" dirty="0"/>
-                    </a:p>
-                  </a:txBody>
-                  <a:tcPr anchor="ctr"/>
-                </a:tc>
-                <a:tc>
-                  <a:txBody>
-                    <a:bodyPr/>
-                    <a:lstStyle/>
-                    <a:p>
-                      <a:pPr algn="r" latinLnBrk="1"/>
-                      <a:r>
-                        <a:rPr lang="hr-HR" altLang="ko-KR" dirty="0" smtClean="0">
-                          <a:solidFill>
-                            <a:srgbClr val="FF0000"/>
-                          </a:solidFill>
-                        </a:rPr>
-                        <a:t>26.892541</a:t>
-                      </a:r>
-                      <a:endParaRPr lang="ko-KR" altLang="en-US" dirty="0">
-                        <a:solidFill>
-                          <a:srgbClr val="FF0000"/>
-                        </a:solidFill>
-                      </a:endParaRPr>
-                    </a:p>
-                  </a:txBody>
-                  <a:tcPr anchor="ctr"/>
-                </a:tc>
-                <a:tc>
-                  <a:txBody>
-                    <a:bodyPr/>
-                    <a:lstStyle/>
-                    <a:p>
-                      <a:pPr algn="r" latinLnBrk="1"/>
-                      <a:r>
-                        <a:rPr lang="nb-NO" altLang="ko-KR" dirty="0" smtClean="0">
-                          <a:solidFill>
-                            <a:schemeClr val="accent1"/>
-                          </a:solidFill>
-                        </a:rPr>
-                        <a:t>0.0286463665933</a:t>
-                      </a:r>
-                      <a:endParaRPr lang="ko-KR" altLang="en-US" dirty="0">
-                        <a:solidFill>
-                          <a:schemeClr val="accent1"/>
-                        </a:solidFill>
-                      </a:endParaRPr>
-                    </a:p>
-                  </a:txBody>
-                  <a:tcPr anchor="ctr"/>
-                </a:tc>
-                <a:tc>
-                  <a:txBody>
-                    <a:bodyPr/>
-                    <a:lstStyle/>
-                    <a:p>
-                      <a:pPr algn="r" latinLnBrk="1"/>
-                      <a:r>
-                        <a:rPr lang="pt-BR" altLang="ko-KR" dirty="0" smtClean="0">
-                          <a:solidFill>
-                            <a:schemeClr val="accent1"/>
-                          </a:solidFill>
-                        </a:rPr>
-                        <a:t>0.0581</a:t>
-                      </a:r>
-                      <a:endParaRPr lang="ko-KR" altLang="en-US" dirty="0">
-                        <a:solidFill>
-                          <a:schemeClr val="accent1"/>
-                        </a:solidFill>
-                      </a:endParaRPr>
-                    </a:p>
-                  </a:txBody>
-                  <a:tcPr anchor="ctr"/>
-                </a:tc>
-                <a:tc>
-                  <a:txBody>
-                    <a:bodyPr/>
-                    <a:lstStyle/>
-                    <a:p>
-                      <a:pPr marL="0" marR="0" indent="0" algn="r" defTabSz="914400" rtl="0" eaLnBrk="1" fontAlgn="auto" latinLnBrk="1" hangingPunct="1">
-                        <a:lnSpc>
-                          <a:spcPct val="100000"/>
-                        </a:lnSpc>
-                        <a:spcBef>
-                          <a:spcPts val="0"/>
-                        </a:spcBef>
-                        <a:spcAft>
-                          <a:spcPts val="0"/>
-                        </a:spcAft>
-                        <a:buClrTx/>
-                        <a:buSzTx/>
-                        <a:buFontTx/>
-                        <a:buNone/>
-                        <a:tabLst/>
-                        <a:defRPr/>
-                      </a:pPr>
-                      <a:r>
-                        <a:rPr lang="hr-HR" altLang="ko-KR" dirty="0" smtClean="0">
-                          <a:solidFill>
-                            <a:srgbClr val="FF0000"/>
-                          </a:solidFill>
-                        </a:rPr>
-                        <a:t>21624.653</a:t>
-                      </a:r>
-                      <a:endParaRPr lang="ko-KR" altLang="en-US" dirty="0" smtClean="0">
-                        <a:solidFill>
-                          <a:srgbClr val="FF0000"/>
-                        </a:solidFill>
-                      </a:endParaRPr>
-                    </a:p>
-                  </a:txBody>
-                  <a:tcPr anchor="ctr"/>
-                </a:tc>
-              </a:tr>
-            </a:tbl>
-          </a:graphicData>
-        </a:graphic>
-      </p:graphicFrame>
-    </p:spTree>
-    <p:extLst>
-      <p:ext uri="{BB962C8B-B14F-4D97-AF65-F5344CB8AC3E}">
-        <p14:creationId xmlns:p14="http://schemas.microsoft.com/office/powerpoint/2010/main" val="1610209009"/>
-      </p:ext>
-    </p:extLst>
-  </p:cSld>
-  <p:clrMapOvr>
-    <a:masterClrMapping/>
-  </p:clrMapOvr>
-</p:sld>
-</file>
-
-<file path=ppt/slides/slide29.xml><?xml version="1.0" encoding="utf-8"?>
-<p:sld xmlns:a="http://schemas.openxmlformats.org/drawingml/2006/main" xmlns:r="http://schemas.openxmlformats.org/officeDocument/2006/relationships" xmlns:p="http://schemas.openxmlformats.org/presentationml/2006/main">
-  <p:cSld>
-    <p:spTree>
-      <p:nvGrpSpPr>
-        <p:cNvPr id="1" name=""/>
-        <p:cNvGrpSpPr/>
-        <p:nvPr/>
-      </p:nvGrpSpPr>
-      <p:grpSpPr>
-        <a:xfrm>
-          <a:off x="0" y="0"/>
-          <a:ext cx="0" cy="0"/>
-          <a:chOff x="0" y="0"/>
-          <a:chExt cx="0" cy="0"/>
-        </a:xfrm>
-      </p:grpSpPr>
-      <p:sp>
-        <p:nvSpPr>
-          <p:cNvPr id="2" name="제목 1"/>
-          <p:cNvSpPr>
-            <a:spLocks noGrp="1"/>
-          </p:cNvSpPr>
-          <p:nvPr>
-            <p:ph type="title"/>
-          </p:nvPr>
-        </p:nvSpPr>
-        <p:spPr>
-          <a:xfrm>
-            <a:off x="838200" y="272138"/>
-            <a:ext cx="10515600" cy="688760"/>
-          </a:xfrm>
-        </p:spPr>
-        <p:txBody>
-          <a:bodyPr>
-            <a:normAutofit fontScale="90000"/>
-          </a:bodyPr>
-          <a:lstStyle/>
-          <a:p>
-            <a:r>
-              <a:rPr kumimoji="1" lang="en-US" altLang="ko-KR" dirty="0">
-                <a:latin typeface="Arial" charset="0"/>
-                <a:ea typeface="Arial" charset="0"/>
-                <a:cs typeface="Arial" charset="0"/>
-              </a:rPr>
-              <a:t>Result of case </a:t>
-            </a:r>
-            <a:r>
-              <a:rPr kumimoji="1" lang="en-US" altLang="ko-KR" dirty="0" smtClean="0">
-                <a:latin typeface="Arial" charset="0"/>
-                <a:ea typeface="Arial" charset="0"/>
-                <a:cs typeface="Arial" charset="0"/>
-              </a:rPr>
-              <a:t>01</a:t>
-            </a:r>
-            <a:endParaRPr kumimoji="1" lang="ko-KR" altLang="en-US" dirty="0">
-              <a:latin typeface="Arial" charset="0"/>
-              <a:ea typeface="Arial" charset="0"/>
-              <a:cs typeface="Arial" charset="0"/>
-            </a:endParaRPr>
-          </a:p>
-        </p:txBody>
-      </p:sp>
-      <p:sp>
-        <p:nvSpPr>
-          <p:cNvPr id="3" name="내용 개체 틀 2"/>
-          <p:cNvSpPr>
-            <a:spLocks noGrp="1"/>
-          </p:cNvSpPr>
-          <p:nvPr>
-            <p:ph idx="1"/>
-          </p:nvPr>
-        </p:nvSpPr>
-        <p:spPr>
-          <a:xfrm>
-            <a:off x="838200" y="1363847"/>
-            <a:ext cx="10515600" cy="5284922"/>
-          </a:xfrm>
-        </p:spPr>
-        <p:txBody>
-          <a:bodyPr/>
-          <a:lstStyle/>
-          <a:p>
-            <a:r>
-              <a:rPr kumimoji="1" lang="en-US" altLang="ko-KR" dirty="0">
-                <a:latin typeface="Arial" charset="0"/>
-                <a:ea typeface="Arial" charset="0"/>
-                <a:cs typeface="Arial" charset="0"/>
-              </a:rPr>
-              <a:t>Testing : </a:t>
-            </a:r>
-          </a:p>
-          <a:p>
-            <a:pPr lvl="1"/>
-            <a:r>
-              <a:rPr kumimoji="1" lang="en-US" altLang="ko-KR" dirty="0" smtClean="0">
-                <a:latin typeface="Arial" charset="0"/>
-                <a:ea typeface="Arial" charset="0"/>
-                <a:cs typeface="Arial" charset="0"/>
-              </a:rPr>
-              <a:t>Data-preprocessing</a:t>
-            </a:r>
-          </a:p>
-          <a:p>
-            <a:pPr lvl="2"/>
-            <a:r>
-              <a:rPr kumimoji="1" lang="en-US" altLang="ko-KR" dirty="0">
-                <a:latin typeface="Arial" charset="0"/>
-                <a:ea typeface="Arial" charset="0"/>
-                <a:cs typeface="Arial" charset="0"/>
-              </a:rPr>
-              <a:t>The number of types of features input through the data preprocessing has been increased, and as a result more accurate prediction has become possible</a:t>
-            </a:r>
-          </a:p>
-          <a:p>
-            <a:pPr lvl="1"/>
-            <a:r>
-              <a:rPr kumimoji="1" lang="en-US" altLang="ko-KR" dirty="0">
-                <a:latin typeface="Arial" charset="0"/>
-                <a:ea typeface="Arial" charset="0"/>
-                <a:cs typeface="Arial" charset="0"/>
-              </a:rPr>
-              <a:t>ELM vs. </a:t>
-            </a:r>
-            <a:r>
-              <a:rPr kumimoji="1" lang="en-US" altLang="ko-KR" dirty="0" smtClean="0">
-                <a:latin typeface="Arial" charset="0"/>
-                <a:ea typeface="Arial" charset="0"/>
-                <a:cs typeface="Arial" charset="0"/>
-              </a:rPr>
-              <a:t>H-ELM</a:t>
-            </a:r>
-          </a:p>
-          <a:p>
-            <a:pPr lvl="2"/>
-            <a:r>
-              <a:rPr kumimoji="1" lang="en-US" altLang="ko-KR" dirty="0">
-                <a:latin typeface="Arial" charset="0"/>
-                <a:ea typeface="Arial" charset="0"/>
-                <a:cs typeface="Arial" charset="0"/>
-              </a:rPr>
-              <a:t>ELM and HELM show similar RMSE results, but HELM performs more stable predictions</a:t>
-            </a:r>
-            <a:endParaRPr kumimoji="1" lang="ko-KR" altLang="en-US" dirty="0">
-              <a:latin typeface="Arial" charset="0"/>
-              <a:ea typeface="Arial" charset="0"/>
-              <a:cs typeface="Arial" charset="0"/>
-            </a:endParaRPr>
-          </a:p>
-          <a:p>
-            <a:pPr lvl="1"/>
-            <a:endParaRPr kumimoji="1" lang="ko-KR" altLang="en-US" dirty="0">
-              <a:latin typeface="Arial" charset="0"/>
-              <a:ea typeface="Arial" charset="0"/>
-              <a:cs typeface="Arial" charset="0"/>
-            </a:endParaRPr>
-          </a:p>
-        </p:txBody>
-      </p:sp>
-      <p:cxnSp>
-        <p:nvCxnSpPr>
-          <p:cNvPr id="5" name="직선 연결선[R] 4"/>
-          <p:cNvCxnSpPr/>
-          <p:nvPr/>
-        </p:nvCxnSpPr>
-        <p:spPr>
-          <a:xfrm>
-            <a:off x="838200" y="1133882"/>
-            <a:ext cx="10515600" cy="0"/>
-          </a:xfrm>
-          <a:prstGeom prst="line">
-            <a:avLst/>
-          </a:prstGeom>
-          <a:ln w="40132" cmpd="sng">
-            <a:solidFill>
-              <a:schemeClr val="accent1">
-                <a:lumMod val="60000"/>
-                <a:lumOff val="40000"/>
-              </a:schemeClr>
-            </a:solidFill>
-          </a:ln>
-        </p:spPr>
-        <p:style>
-          <a:lnRef idx="1">
-            <a:schemeClr val="accent1"/>
-          </a:lnRef>
-          <a:fillRef idx="0">
-            <a:schemeClr val="accent1"/>
-          </a:fillRef>
-          <a:effectRef idx="0">
-            <a:schemeClr val="accent1"/>
-          </a:effectRef>
-          <a:fontRef idx="minor">
-            <a:schemeClr val="tx1"/>
-          </a:fontRef>
-        </p:style>
-      </p:cxnSp>
-      <p:graphicFrame>
-        <p:nvGraphicFramePr>
-          <p:cNvPr id="6" name="표 5"/>
-          <p:cNvGraphicFramePr>
-            <a:graphicFrameLocks noGrp="1"/>
-          </p:cNvGraphicFramePr>
-          <p:nvPr>
-            <p:extLst>
-              <p:ext uri="{D42A27DB-BD31-4B8C-83A1-F6EECF244321}">
-                <p14:modId xmlns:p14="http://schemas.microsoft.com/office/powerpoint/2010/main" val="1719809858"/>
-              </p:ext>
-            </p:extLst>
-          </p:nvPr>
-        </p:nvGraphicFramePr>
-        <p:xfrm>
-          <a:off x="1104277" y="4216169"/>
-          <a:ext cx="9983445" cy="2244590"/>
-        </p:xfrm>
-        <a:graphic>
-          <a:graphicData uri="http://schemas.openxmlformats.org/drawingml/2006/table">
-            <a:tbl>
-              <a:tblPr firstRow="1" bandRow="1">
-                <a:tableStyleId>{5C22544A-7EE6-4342-B048-85BDC9FD1C3A}</a:tableStyleId>
-              </a:tblPr>
-              <a:tblGrid>
-                <a:gridCol w="1996689"/>
-                <a:gridCol w="1996689"/>
-                <a:gridCol w="1996689"/>
-                <a:gridCol w="1996689"/>
-                <a:gridCol w="1996689"/>
-              </a:tblGrid>
-              <a:tr h="1026498">
-                <a:tc>
-                  <a:txBody>
-                    <a:bodyPr/>
-                    <a:lstStyle/>
-                    <a:p>
-                      <a:pPr marL="0" marR="0" indent="0" algn="ctr" defTabSz="914400" rtl="0" eaLnBrk="1" fontAlgn="auto" latinLnBrk="1" hangingPunct="1">
-                        <a:lnSpc>
-                          <a:spcPct val="100000"/>
-                        </a:lnSpc>
-                        <a:spcBef>
-                          <a:spcPts val="0"/>
-                        </a:spcBef>
-                        <a:spcAft>
-                          <a:spcPts val="0"/>
-                        </a:spcAft>
-                        <a:buClrTx/>
-                        <a:buSzTx/>
-                        <a:buFontTx/>
-                        <a:buNone/>
-                        <a:tabLst/>
-                        <a:defRPr/>
-                      </a:pPr>
-                      <a:r>
-                        <a:rPr lang="en-US" altLang="ko-KR" dirty="0" smtClean="0"/>
-                        <a:t>Method</a:t>
-                      </a:r>
-                      <a:endParaRPr lang="ko-KR" altLang="en-US" dirty="0" smtClean="0"/>
-                    </a:p>
-                  </a:txBody>
-                  <a:tcPr anchor="ctr"/>
-                </a:tc>
-                <a:tc>
-                  <a:txBody>
-                    <a:bodyPr/>
-                    <a:lstStyle/>
-                    <a:p>
-                      <a:pPr algn="ctr" latinLnBrk="1"/>
-                      <a:r>
-                        <a:rPr lang="en-US" altLang="ko-KR" dirty="0" smtClean="0"/>
-                        <a:t>MAPE </a:t>
-                      </a:r>
-                    </a:p>
-                    <a:p>
-                      <a:pPr algn="ctr" latinLnBrk="1"/>
-                      <a:r>
-                        <a:rPr lang="en-US" altLang="ko-KR" dirty="0" smtClean="0"/>
-                        <a:t>[%]</a:t>
-                      </a:r>
-                      <a:endParaRPr lang="ko-KR" altLang="en-US" dirty="0"/>
-                    </a:p>
-                  </a:txBody>
-                  <a:tcPr anchor="ctr"/>
-                </a:tc>
-                <a:tc>
-                  <a:txBody>
-                    <a:bodyPr/>
-                    <a:lstStyle/>
-                    <a:p>
-                      <a:pPr algn="ctr" latinLnBrk="1"/>
-                      <a:r>
-                        <a:rPr lang="en-US" altLang="ko-KR" dirty="0" smtClean="0"/>
-                        <a:t>Standard</a:t>
-                      </a:r>
-                      <a:r>
-                        <a:rPr lang="en-US" altLang="ko-KR" baseline="0" dirty="0" smtClean="0"/>
-                        <a:t> deviation</a:t>
-                      </a:r>
-                      <a:endParaRPr lang="ko-KR" altLang="en-US" dirty="0"/>
-                    </a:p>
-                  </a:txBody>
-                  <a:tcPr anchor="ctr"/>
-                </a:tc>
-                <a:tc>
-                  <a:txBody>
-                    <a:bodyPr/>
-                    <a:lstStyle/>
-                    <a:p>
-                      <a:pPr marL="0" marR="0" indent="0" algn="ctr" defTabSz="914400" rtl="0" eaLnBrk="1" fontAlgn="auto" latinLnBrk="1" hangingPunct="1">
-                        <a:lnSpc>
-                          <a:spcPct val="100000"/>
-                        </a:lnSpc>
-                        <a:spcBef>
-                          <a:spcPts val="0"/>
-                        </a:spcBef>
-                        <a:spcAft>
-                          <a:spcPts val="0"/>
-                        </a:spcAft>
-                        <a:buClrTx/>
-                        <a:buSzTx/>
-                        <a:buFontTx/>
-                        <a:buNone/>
-                        <a:tabLst/>
-                        <a:defRPr/>
-                      </a:pPr>
-                      <a:r>
-                        <a:rPr lang="en-US" altLang="ko-KR" dirty="0" smtClean="0"/>
-                        <a:t>Training time</a:t>
-                      </a:r>
-                      <a:r>
-                        <a:rPr lang="en-US" altLang="ko-KR" baseline="0" dirty="0" smtClean="0"/>
-                        <a:t> [sec]</a:t>
-                      </a:r>
-                      <a:endParaRPr lang="ko-KR" altLang="en-US" dirty="0" smtClean="0"/>
-                    </a:p>
-                  </a:txBody>
-                  <a:tcPr anchor="ctr"/>
-                </a:tc>
-                <a:tc>
-                  <a:txBody>
-                    <a:bodyPr/>
-                    <a:lstStyle/>
-                    <a:p>
-                      <a:pPr algn="ctr" latinLnBrk="1"/>
-                      <a:r>
-                        <a:rPr lang="en-US" altLang="ko-KR" dirty="0" smtClean="0"/>
-                        <a:t>MAE </a:t>
-                      </a:r>
-                    </a:p>
-                    <a:p>
-                      <a:pPr algn="ctr" latinLnBrk="1"/>
-                      <a:r>
-                        <a:rPr lang="en-US" altLang="ko-KR" dirty="0" smtClean="0"/>
-                        <a:t>[MW]</a:t>
-                      </a:r>
-                      <a:endParaRPr lang="ko-KR" altLang="en-US" dirty="0"/>
-                    </a:p>
-                  </a:txBody>
-                  <a:tcPr anchor="ctr"/>
-                </a:tc>
-              </a:tr>
-              <a:tr h="609046">
-                <a:tc>
-                  <a:txBody>
-                    <a:bodyPr/>
-                    <a:lstStyle/>
-                    <a:p>
-                      <a:pPr algn="ctr" latinLnBrk="1"/>
-                      <a:r>
-                        <a:rPr lang="en-US" altLang="ko-KR" dirty="0" smtClean="0"/>
-                        <a:t>Single ELM</a:t>
-                      </a:r>
-                      <a:endParaRPr lang="ko-KR" altLang="en-US" dirty="0"/>
-                    </a:p>
-                  </a:txBody>
-                  <a:tcPr anchor="ctr"/>
-                </a:tc>
-                <a:tc>
-                  <a:txBody>
-                    <a:bodyPr/>
-                    <a:lstStyle/>
-                    <a:p>
-                      <a:pPr algn="r" latinLnBrk="1"/>
-                      <a:r>
-                        <a:rPr lang="is-IS" altLang="ko-KR" dirty="0" smtClean="0">
-                          <a:solidFill>
-                            <a:srgbClr val="FF0000"/>
-                          </a:solidFill>
-                        </a:rPr>
-                        <a:t>11.807609</a:t>
-                      </a:r>
-                      <a:endParaRPr lang="ko-KR" altLang="en-US" dirty="0">
-                        <a:solidFill>
-                          <a:srgbClr val="FF0000"/>
-                        </a:solidFill>
-                      </a:endParaRPr>
-                    </a:p>
-                  </a:txBody>
-                  <a:tcPr anchor="ctr"/>
-                </a:tc>
-                <a:tc>
-                  <a:txBody>
-                    <a:bodyPr/>
-                    <a:lstStyle/>
-                    <a:p>
-                      <a:pPr algn="r" latinLnBrk="1"/>
-                      <a:r>
-                        <a:rPr lang="fi-FI" altLang="ko-KR" dirty="0" smtClean="0">
-                          <a:solidFill>
-                            <a:srgbClr val="FF0000"/>
-                          </a:solidFill>
-                        </a:rPr>
-                        <a:t>0.168111879768</a:t>
-                      </a:r>
-                      <a:endParaRPr lang="ko-KR" altLang="en-US" dirty="0">
-                        <a:solidFill>
-                          <a:srgbClr val="FF0000"/>
-                        </a:solidFill>
-                      </a:endParaRPr>
-                    </a:p>
-                  </a:txBody>
-                  <a:tcPr anchor="ctr"/>
-                </a:tc>
-                <a:tc>
-                  <a:txBody>
-                    <a:bodyPr/>
-                    <a:lstStyle/>
-                    <a:p>
-                      <a:pPr algn="r" latinLnBrk="1"/>
-                      <a:r>
-                        <a:rPr lang="hr-HR" altLang="ko-KR" dirty="0" smtClean="0">
-                          <a:solidFill>
-                            <a:srgbClr val="FF0000"/>
-                          </a:solidFill>
-                        </a:rPr>
-                        <a:t>0.1383</a:t>
-                      </a:r>
-                      <a:endParaRPr lang="ko-KR" altLang="en-US" dirty="0">
-                        <a:solidFill>
-                          <a:srgbClr val="FF0000"/>
-                        </a:solidFill>
-                      </a:endParaRPr>
-                    </a:p>
-                  </a:txBody>
-                  <a:tcPr anchor="ctr"/>
-                </a:tc>
-                <a:tc>
-                  <a:txBody>
-                    <a:bodyPr/>
-                    <a:lstStyle/>
-                    <a:p>
-                      <a:pPr marL="0" marR="0" indent="0" algn="r" defTabSz="914400" rtl="0" eaLnBrk="1" fontAlgn="auto" latinLnBrk="1" hangingPunct="1">
-                        <a:lnSpc>
-                          <a:spcPct val="100000"/>
-                        </a:lnSpc>
-                        <a:spcBef>
-                          <a:spcPts val="0"/>
-                        </a:spcBef>
-                        <a:spcAft>
-                          <a:spcPts val="0"/>
-                        </a:spcAft>
-                        <a:buClrTx/>
-                        <a:buSzTx/>
-                        <a:buFontTx/>
-                        <a:buNone/>
-                        <a:tabLst/>
-                        <a:defRPr/>
-                      </a:pPr>
-                      <a:r>
-                        <a:rPr lang="hr-HR" altLang="ko-KR" dirty="0" smtClean="0">
-                          <a:solidFill>
-                            <a:srgbClr val="FF0000"/>
-                          </a:solidFill>
-                        </a:rPr>
-                        <a:t>10909.385</a:t>
-                      </a:r>
-                      <a:endParaRPr lang="ko-KR" altLang="en-US" dirty="0" smtClean="0">
-                        <a:solidFill>
-                          <a:srgbClr val="FF0000"/>
-                        </a:solidFill>
-                      </a:endParaRPr>
-                    </a:p>
-                  </a:txBody>
-                  <a:tcPr anchor="ctr"/>
-                </a:tc>
-              </a:tr>
-              <a:tr h="609046">
-                <a:tc>
-                  <a:txBody>
-                    <a:bodyPr/>
-                    <a:lstStyle/>
-                    <a:p>
-                      <a:pPr algn="ctr" latinLnBrk="1"/>
-                      <a:r>
-                        <a:rPr lang="en-US" altLang="ko-KR" dirty="0" smtClean="0"/>
-                        <a:t>H-ELM</a:t>
-                      </a:r>
-                      <a:endParaRPr lang="ko-KR" altLang="en-US" dirty="0"/>
-                    </a:p>
-                  </a:txBody>
-                  <a:tcPr anchor="ctr"/>
-                </a:tc>
-                <a:tc>
-                  <a:txBody>
-                    <a:bodyPr/>
-                    <a:lstStyle/>
-                    <a:p>
-                      <a:pPr algn="r" latinLnBrk="1"/>
-                      <a:r>
-                        <a:rPr lang="is-IS" altLang="ko-KR" dirty="0" smtClean="0">
-                          <a:solidFill>
-                            <a:schemeClr val="accent1"/>
-                          </a:solidFill>
-                        </a:rPr>
-                        <a:t>11.657106</a:t>
-                      </a:r>
-                      <a:endParaRPr lang="ko-KR" altLang="en-US" dirty="0">
-                        <a:solidFill>
-                          <a:schemeClr val="accent1"/>
-                        </a:solidFill>
-                      </a:endParaRPr>
-                    </a:p>
-                  </a:txBody>
-                  <a:tcPr anchor="ctr"/>
-                </a:tc>
-                <a:tc>
-                  <a:txBody>
-                    <a:bodyPr/>
-                    <a:lstStyle/>
-                    <a:p>
-                      <a:pPr algn="r" latinLnBrk="1"/>
-                      <a:r>
-                        <a:rPr lang="is-IS" altLang="ko-KR" dirty="0" smtClean="0">
-                          <a:solidFill>
-                            <a:schemeClr val="accent1"/>
-                          </a:solidFill>
-                        </a:rPr>
-                        <a:t>0.103974760226</a:t>
-                      </a:r>
-                      <a:endParaRPr lang="ko-KR" altLang="en-US" dirty="0">
-                        <a:solidFill>
-                          <a:schemeClr val="accent1"/>
-                        </a:solidFill>
-                      </a:endParaRPr>
-                    </a:p>
-                  </a:txBody>
-                  <a:tcPr anchor="ctr"/>
-                </a:tc>
-                <a:tc>
-                  <a:txBody>
-                    <a:bodyPr/>
-                    <a:lstStyle/>
-                    <a:p>
-                      <a:pPr algn="r" latinLnBrk="1"/>
-                      <a:r>
-                        <a:rPr lang="nb-NO" altLang="ko-KR" dirty="0" smtClean="0">
-                          <a:solidFill>
-                            <a:schemeClr val="accent1"/>
-                          </a:solidFill>
-                        </a:rPr>
-                        <a:t>0.1030</a:t>
-                      </a:r>
-                      <a:endParaRPr lang="ko-KR" altLang="en-US" dirty="0">
-                        <a:solidFill>
-                          <a:schemeClr val="accent1"/>
-                        </a:solidFill>
-                      </a:endParaRPr>
-                    </a:p>
-                  </a:txBody>
-                  <a:tcPr anchor="ctr"/>
-                </a:tc>
-                <a:tc>
-                  <a:txBody>
-                    <a:bodyPr/>
-                    <a:lstStyle/>
-                    <a:p>
-                      <a:pPr marL="0" marR="0" indent="0" algn="r" defTabSz="914400" rtl="0" eaLnBrk="1" fontAlgn="auto" latinLnBrk="1" hangingPunct="1">
-                        <a:lnSpc>
-                          <a:spcPct val="100000"/>
-                        </a:lnSpc>
-                        <a:spcBef>
-                          <a:spcPts val="0"/>
-                        </a:spcBef>
-                        <a:spcAft>
-                          <a:spcPts val="0"/>
-                        </a:spcAft>
-                        <a:buClrTx/>
-                        <a:buSzTx/>
-                        <a:buFontTx/>
-                        <a:buNone/>
-                        <a:tabLst/>
-                        <a:defRPr/>
-                      </a:pPr>
-                      <a:r>
-                        <a:rPr lang="fi-FI" altLang="ko-KR" dirty="0" smtClean="0">
-                          <a:solidFill>
-                            <a:schemeClr val="accent1"/>
-                          </a:solidFill>
-                        </a:rPr>
-                        <a:t>10828.877</a:t>
-                      </a:r>
-                      <a:endParaRPr lang="ko-KR" altLang="en-US" dirty="0" smtClean="0">
-                        <a:solidFill>
-                          <a:schemeClr val="accent1"/>
-                        </a:solidFill>
-                      </a:endParaRPr>
-                    </a:p>
-                  </a:txBody>
-                  <a:tcPr anchor="ctr"/>
-                </a:tc>
-              </a:tr>
-            </a:tbl>
-          </a:graphicData>
-        </a:graphic>
-      </p:graphicFrame>
-    </p:spTree>
-    <p:extLst>
-      <p:ext uri="{BB962C8B-B14F-4D97-AF65-F5344CB8AC3E}">
-        <p14:creationId xmlns:p14="http://schemas.microsoft.com/office/powerpoint/2010/main" val="193894769"/>
       </p:ext>
     </p:extLst>
   </p:cSld>
@@ -24630,22 +24032,14 @@
           <a:lstStyle/>
           <a:p>
             <a:r>
-              <a:rPr kumimoji="1" lang="en-US" altLang="ko-KR" dirty="0">
-                <a:latin typeface="Arial" charset="0"/>
-                <a:ea typeface="Arial" charset="0"/>
-                <a:cs typeface="Arial" charset="0"/>
-              </a:rPr>
-              <a:t>Result of case </a:t>
-            </a:r>
-            <a:r>
-              <a:rPr kumimoji="1" lang="en-US" altLang="ko-KR" dirty="0" smtClean="0">
-                <a:latin typeface="Arial" charset="0"/>
-                <a:ea typeface="Arial" charset="0"/>
-                <a:cs typeface="Arial" charset="0"/>
-              </a:rPr>
-              <a:t>02</a:t>
-            </a:r>
-            <a:endParaRPr kumimoji="1" lang="ko-KR" altLang="en-US" dirty="0">
+              <a:rPr kumimoji="1" lang="en-US" altLang="ko-KR" b="1" dirty="0" smtClean="0">
+                <a:latin typeface="Arial" charset="0"/>
+                <a:ea typeface="Arial" charset="0"/>
+                <a:cs typeface="Arial" charset="0"/>
+              </a:rPr>
+              <a:t>Results</a:t>
+            </a:r>
+            <a:endParaRPr kumimoji="1" lang="ko-KR" altLang="en-US" b="1" dirty="0">
               <a:latin typeface="Arial" charset="0"/>
               <a:ea typeface="Arial" charset="0"/>
               <a:cs typeface="Arial" charset="0"/>
@@ -24674,46 +24068,450 @@
           <a:lstStyle/>
           <a:p>
             <a:r>
+              <a:rPr kumimoji="1" lang="en-US" altLang="ko-KR" dirty="0" smtClean="0">
+                <a:latin typeface="Arial" charset="0"/>
+                <a:ea typeface="Arial" charset="0"/>
+                <a:cs typeface="Arial" charset="0"/>
+              </a:rPr>
+              <a:t>Testing : ELM </a:t>
+            </a:r>
+          </a:p>
+          <a:p>
+            <a:pPr lvl="1"/>
+            <a:r>
+              <a:rPr kumimoji="1" lang="en-US" altLang="ko-KR" dirty="0" smtClean="0">
+                <a:latin typeface="Arial" charset="0"/>
+                <a:ea typeface="Arial" charset="0"/>
+                <a:cs typeface="Arial" charset="0"/>
+              </a:rPr>
+              <a:t>MAE</a:t>
+            </a:r>
+            <a:endParaRPr kumimoji="1" lang="ko-KR" altLang="en-US" dirty="0">
+              <a:latin typeface="Arial" charset="0"/>
+              <a:ea typeface="Arial" charset="0"/>
+              <a:cs typeface="Arial" charset="0"/>
+            </a:endParaRPr>
+          </a:p>
+        </p:txBody>
+      </p:sp>
+      <p:cxnSp>
+        <p:nvCxnSpPr>
+          <p:cNvPr id="5" name="직선 연결선[R] 4"/>
+          <p:cNvCxnSpPr/>
+          <p:nvPr/>
+        </p:nvCxnSpPr>
+        <p:spPr>
+          <a:xfrm>
+            <a:off x="838200" y="1133882"/>
+            <a:ext cx="10515600" cy="0"/>
+          </a:xfrm>
+          <a:prstGeom prst="line">
+            <a:avLst/>
+          </a:prstGeom>
+          <a:ln w="77851" cmpd="tri"/>
+        </p:spPr>
+        <p:style>
+          <a:lnRef idx="1">
+            <a:schemeClr val="accent1"/>
+          </a:lnRef>
+          <a:fillRef idx="0">
+            <a:schemeClr val="accent1"/>
+          </a:fillRef>
+          <a:effectRef idx="0">
+            <a:schemeClr val="accent1"/>
+          </a:effectRef>
+          <a:fontRef idx="minor">
+            <a:schemeClr val="tx1"/>
+          </a:fontRef>
+        </p:style>
+      </p:cxnSp>
+      <p:pic>
+        <p:nvPicPr>
+          <p:cNvPr id="6" name="그림 5"/>
+          <p:cNvPicPr>
+            <a:picLocks noChangeAspect="1"/>
+          </p:cNvPicPr>
+          <p:nvPr/>
+        </p:nvPicPr>
+        <p:blipFill>
+          <a:blip r:embed="rId2">
+            <a:extLst>
+              <a:ext uri="{28A0092B-C50C-407E-A947-70E740481C1C}">
+                <a14:useLocalDpi xmlns:a14="http://schemas.microsoft.com/office/drawing/2010/main" val="0"/>
+              </a:ext>
+            </a:extLst>
+          </a:blip>
+          <a:stretch>
+            <a:fillRect/>
+          </a:stretch>
+        </p:blipFill>
+        <p:spPr>
+          <a:xfrm>
+            <a:off x="2692363" y="1968769"/>
+            <a:ext cx="6807273" cy="4680000"/>
+          </a:xfrm>
+          <a:prstGeom prst="rect">
+            <a:avLst/>
+          </a:prstGeom>
+        </p:spPr>
+      </p:pic>
+    </p:spTree>
+    <p:extLst>
+      <p:ext uri="{BB962C8B-B14F-4D97-AF65-F5344CB8AC3E}">
+        <p14:creationId xmlns:p14="http://schemas.microsoft.com/office/powerpoint/2010/main" val="1744267877"/>
+      </p:ext>
+    </p:extLst>
+  </p:cSld>
+  <p:clrMapOvr>
+    <a:masterClrMapping/>
+  </p:clrMapOvr>
+</p:sld>
+</file>
+
+<file path=ppt/slides/slide31.xml><?xml version="1.0" encoding="utf-8"?>
+<p:sld xmlns:a="http://schemas.openxmlformats.org/drawingml/2006/main" xmlns:r="http://schemas.openxmlformats.org/officeDocument/2006/relationships" xmlns:p="http://schemas.openxmlformats.org/presentationml/2006/main">
+  <p:cSld>
+    <p:spTree>
+      <p:nvGrpSpPr>
+        <p:cNvPr id="1" name=""/>
+        <p:cNvGrpSpPr/>
+        <p:nvPr/>
+      </p:nvGrpSpPr>
+      <p:grpSpPr>
+        <a:xfrm>
+          <a:off x="0" y="0"/>
+          <a:ext cx="0" cy="0"/>
+          <a:chOff x="0" y="0"/>
+          <a:chExt cx="0" cy="0"/>
+        </a:xfrm>
+      </p:grpSpPr>
+      <p:sp>
+        <p:nvSpPr>
+          <p:cNvPr id="2" name="제목 1"/>
+          <p:cNvSpPr>
+            <a:spLocks noGrp="1"/>
+          </p:cNvSpPr>
+          <p:nvPr>
+            <p:ph type="title"/>
+          </p:nvPr>
+        </p:nvSpPr>
+        <p:spPr>
+          <a:xfrm>
+            <a:off x="838200" y="272138"/>
+            <a:ext cx="10515600" cy="688760"/>
+          </a:xfrm>
+        </p:spPr>
+        <p:txBody>
+          <a:bodyPr>
+            <a:normAutofit fontScale="90000"/>
+          </a:bodyPr>
+          <a:lstStyle/>
+          <a:p>
+            <a:r>
+              <a:rPr kumimoji="1" lang="en-US" altLang="ko-KR" b="1" dirty="0" smtClean="0">
+                <a:latin typeface="Arial" charset="0"/>
+                <a:ea typeface="Arial" charset="0"/>
+                <a:cs typeface="Arial" charset="0"/>
+              </a:rPr>
+              <a:t>Results</a:t>
+            </a:r>
+            <a:endParaRPr kumimoji="1" lang="ko-KR" altLang="en-US" b="1" dirty="0">
+              <a:latin typeface="Arial" charset="0"/>
+              <a:ea typeface="Arial" charset="0"/>
+              <a:cs typeface="Arial" charset="0"/>
+            </a:endParaRPr>
+          </a:p>
+        </p:txBody>
+      </p:sp>
+      <p:sp>
+        <p:nvSpPr>
+          <p:cNvPr id="3" name="내용 개체 틀 2"/>
+          <p:cNvSpPr>
+            <a:spLocks noGrp="1"/>
+          </p:cNvSpPr>
+          <p:nvPr>
+            <p:ph idx="1"/>
+          </p:nvPr>
+        </p:nvSpPr>
+        <p:spPr>
+          <a:xfrm>
+            <a:off x="838200" y="1363847"/>
+            <a:ext cx="10515600" cy="5284922"/>
+          </a:xfrm>
+        </p:spPr>
+        <p:txBody>
+          <a:bodyPr/>
+          <a:lstStyle/>
+          <a:p>
+            <a:r>
+              <a:rPr kumimoji="1" lang="en-US" altLang="ko-KR" dirty="0" smtClean="0">
+                <a:latin typeface="Arial" charset="0"/>
+                <a:ea typeface="Arial" charset="0"/>
+                <a:cs typeface="Arial" charset="0"/>
+              </a:rPr>
+              <a:t>Testing : H-ELM</a:t>
+            </a:r>
+          </a:p>
+          <a:p>
+            <a:pPr lvl="1"/>
+            <a:r>
+              <a:rPr kumimoji="1" lang="en-US" altLang="ko-KR" dirty="0" smtClean="0">
+                <a:latin typeface="Arial" charset="0"/>
+                <a:ea typeface="Arial" charset="0"/>
+                <a:cs typeface="Arial" charset="0"/>
+              </a:rPr>
+              <a:t>MAE</a:t>
+            </a:r>
+            <a:endParaRPr kumimoji="1" lang="ko-KR" altLang="en-US" dirty="0">
+              <a:latin typeface="Arial" charset="0"/>
+              <a:ea typeface="Arial" charset="0"/>
+              <a:cs typeface="Arial" charset="0"/>
+            </a:endParaRPr>
+          </a:p>
+        </p:txBody>
+      </p:sp>
+      <p:cxnSp>
+        <p:nvCxnSpPr>
+          <p:cNvPr id="5" name="직선 연결선[R] 4"/>
+          <p:cNvCxnSpPr/>
+          <p:nvPr/>
+        </p:nvCxnSpPr>
+        <p:spPr>
+          <a:xfrm>
+            <a:off x="838200" y="1133882"/>
+            <a:ext cx="10515600" cy="0"/>
+          </a:xfrm>
+          <a:prstGeom prst="line">
+            <a:avLst/>
+          </a:prstGeom>
+          <a:ln w="77851" cmpd="tri"/>
+        </p:spPr>
+        <p:style>
+          <a:lnRef idx="1">
+            <a:schemeClr val="accent1"/>
+          </a:lnRef>
+          <a:fillRef idx="0">
+            <a:schemeClr val="accent1"/>
+          </a:fillRef>
+          <a:effectRef idx="0">
+            <a:schemeClr val="accent1"/>
+          </a:effectRef>
+          <a:fontRef idx="minor">
+            <a:schemeClr val="tx1"/>
+          </a:fontRef>
+        </p:style>
+      </p:cxnSp>
+      <p:pic>
+        <p:nvPicPr>
+          <p:cNvPr id="6" name="그림 5"/>
+          <p:cNvPicPr>
+            <a:picLocks noChangeAspect="1"/>
+          </p:cNvPicPr>
+          <p:nvPr/>
+        </p:nvPicPr>
+        <p:blipFill>
+          <a:blip r:embed="rId2">
+            <a:extLst>
+              <a:ext uri="{28A0092B-C50C-407E-A947-70E740481C1C}">
+                <a14:useLocalDpi xmlns:a14="http://schemas.microsoft.com/office/drawing/2010/main" val="0"/>
+              </a:ext>
+            </a:extLst>
+          </a:blip>
+          <a:stretch>
+            <a:fillRect/>
+          </a:stretch>
+        </p:blipFill>
+        <p:spPr>
+          <a:xfrm>
+            <a:off x="2692363" y="1968769"/>
+            <a:ext cx="6807273" cy="4680000"/>
+          </a:xfrm>
+          <a:prstGeom prst="rect">
+            <a:avLst/>
+          </a:prstGeom>
+        </p:spPr>
+      </p:pic>
+    </p:spTree>
+    <p:extLst>
+      <p:ext uri="{BB962C8B-B14F-4D97-AF65-F5344CB8AC3E}">
+        <p14:creationId xmlns:p14="http://schemas.microsoft.com/office/powerpoint/2010/main" val="610943542"/>
+      </p:ext>
+    </p:extLst>
+  </p:cSld>
+  <p:clrMapOvr>
+    <a:masterClrMapping/>
+  </p:clrMapOvr>
+</p:sld>
+</file>
+
+<file path=ppt/slides/slide32.xml><?xml version="1.0" encoding="utf-8"?>
+<p:sld xmlns:a="http://schemas.openxmlformats.org/drawingml/2006/main" xmlns:r="http://schemas.openxmlformats.org/officeDocument/2006/relationships" xmlns:p="http://schemas.openxmlformats.org/presentationml/2006/main">
+  <p:cSld>
+    <p:spTree>
+      <p:nvGrpSpPr>
+        <p:cNvPr id="1" name=""/>
+        <p:cNvGrpSpPr/>
+        <p:nvPr/>
+      </p:nvGrpSpPr>
+      <p:grpSpPr>
+        <a:xfrm>
+          <a:off x="0" y="0"/>
+          <a:ext cx="0" cy="0"/>
+          <a:chOff x="0" y="0"/>
+          <a:chExt cx="0" cy="0"/>
+        </a:xfrm>
+      </p:grpSpPr>
+      <p:sp>
+        <p:nvSpPr>
+          <p:cNvPr id="2" name="제목 1"/>
+          <p:cNvSpPr>
+            <a:spLocks noGrp="1"/>
+          </p:cNvSpPr>
+          <p:nvPr>
+            <p:ph type="title"/>
+          </p:nvPr>
+        </p:nvSpPr>
+        <p:spPr>
+          <a:xfrm>
+            <a:off x="838200" y="272138"/>
+            <a:ext cx="10515600" cy="688760"/>
+          </a:xfrm>
+        </p:spPr>
+        <p:txBody>
+          <a:bodyPr>
+            <a:normAutofit fontScale="90000"/>
+          </a:bodyPr>
+          <a:lstStyle/>
+          <a:p>
+            <a:r>
               <a:rPr kumimoji="1" lang="en-US" altLang="ko-KR" dirty="0">
                 <a:latin typeface="Arial" charset="0"/>
                 <a:ea typeface="Arial" charset="0"/>
                 <a:cs typeface="Arial" charset="0"/>
               </a:rPr>
-              <a:t>Testing : </a:t>
-            </a:r>
+              <a:t>Result of </a:t>
+            </a:r>
+            <a:r>
+              <a:rPr kumimoji="1" lang="en-US" altLang="ko-KR" dirty="0" smtClean="0">
+                <a:latin typeface="Arial" charset="0"/>
+                <a:ea typeface="Arial" charset="0"/>
+                <a:cs typeface="Arial" charset="0"/>
+              </a:rPr>
+              <a:t>case 00</a:t>
+            </a:r>
+            <a:endParaRPr kumimoji="1" lang="ko-KR" altLang="en-US" dirty="0">
+              <a:latin typeface="Arial" charset="0"/>
+              <a:ea typeface="Arial" charset="0"/>
+              <a:cs typeface="Arial" charset="0"/>
+            </a:endParaRPr>
+          </a:p>
+        </p:txBody>
+      </p:sp>
+      <p:sp>
+        <p:nvSpPr>
+          <p:cNvPr id="3" name="내용 개체 틀 2"/>
+          <p:cNvSpPr>
+            <a:spLocks noGrp="1"/>
+          </p:cNvSpPr>
+          <p:nvPr>
+            <p:ph idx="1"/>
+          </p:nvPr>
+        </p:nvSpPr>
+        <p:spPr>
+          <a:xfrm>
+            <a:off x="838200" y="1363847"/>
+            <a:ext cx="10515600" cy="5284922"/>
+          </a:xfrm>
+        </p:spPr>
+        <p:txBody>
+          <a:bodyPr/>
+          <a:lstStyle/>
+          <a:p>
+            <a:r>
+              <a:rPr kumimoji="1" lang="en-US" altLang="ko-KR" dirty="0" smtClean="0">
+                <a:latin typeface="Arial" charset="0"/>
+                <a:ea typeface="Arial" charset="0"/>
+                <a:cs typeface="Arial" charset="0"/>
+              </a:rPr>
+              <a:t>Testing </a:t>
+            </a:r>
+            <a:r>
+              <a:rPr kumimoji="1" lang="en-US" altLang="ko-KR" dirty="0">
+                <a:latin typeface="Arial" charset="0"/>
+                <a:ea typeface="Arial" charset="0"/>
+                <a:cs typeface="Arial" charset="0"/>
+              </a:rPr>
+              <a:t>: </a:t>
+            </a:r>
+            <a:endParaRPr kumimoji="1" lang="en-US" altLang="ko-KR" dirty="0" smtClean="0">
+              <a:latin typeface="Arial" charset="0"/>
+              <a:ea typeface="Arial" charset="0"/>
+              <a:cs typeface="Arial" charset="0"/>
+            </a:endParaRPr>
           </a:p>
           <a:p>
             <a:pPr lvl="1"/>
             <a:r>
+              <a:rPr kumimoji="1" lang="en-US" altLang="ko-KR" dirty="0" smtClean="0">
+                <a:latin typeface="Arial" charset="0"/>
+                <a:ea typeface="Arial" charset="0"/>
+                <a:cs typeface="Arial" charset="0"/>
+              </a:rPr>
+              <a:t>Data-preprocessing</a:t>
+            </a:r>
+          </a:p>
+          <a:p>
+            <a:pPr lvl="2"/>
+            <a:r>
               <a:rPr kumimoji="1" lang="en-US" altLang="ko-KR" dirty="0">
                 <a:latin typeface="Arial" charset="0"/>
                 <a:ea typeface="Arial" charset="0"/>
                 <a:cs typeface="Arial" charset="0"/>
               </a:rPr>
-              <a:t>Data-preprocessing</a:t>
+              <a:t>It seems to show stable predicted values, but it outputs inaccurate predictions each time because the feature types of the input data are too small</a:t>
+            </a:r>
+            <a:endParaRPr kumimoji="1" lang="en-US" altLang="ko-KR" dirty="0" smtClean="0">
+              <a:latin typeface="Arial" charset="0"/>
+              <a:ea typeface="Arial" charset="0"/>
+              <a:cs typeface="Arial" charset="0"/>
+            </a:endParaRPr>
+          </a:p>
+          <a:p>
+            <a:pPr lvl="1"/>
+            <a:r>
+              <a:rPr kumimoji="1" lang="en-US" altLang="ko-KR" dirty="0" smtClean="0">
+                <a:latin typeface="Arial" charset="0"/>
+                <a:ea typeface="Arial" charset="0"/>
+                <a:cs typeface="Arial" charset="0"/>
+              </a:rPr>
+              <a:t>ELM vs. H-ELM</a:t>
             </a:r>
           </a:p>
           <a:p>
             <a:pPr lvl="2"/>
             <a:r>
-              <a:rPr lang="en-US" altLang="ko-KR" dirty="0"/>
-              <a:t>Similar to the result of </a:t>
-            </a:r>
-            <a:r>
-              <a:rPr lang="en-US" altLang="ko-KR" dirty="0" smtClean="0"/>
-              <a:t>case01,</a:t>
-            </a:r>
-            <a:r>
-              <a:rPr lang="ko-KR" altLang="en-US" dirty="0" smtClean="0"/>
-              <a:t> </a:t>
-            </a:r>
-            <a:r>
               <a:rPr kumimoji="1" lang="en-US" altLang="ko-KR" dirty="0">
                 <a:latin typeface="Arial" charset="0"/>
                 <a:ea typeface="Arial" charset="0"/>
                 <a:cs typeface="Arial" charset="0"/>
               </a:rPr>
-              <a:t>t</a:t>
+              <a:t>ELM shows a prediction with a smaller </a:t>
+            </a:r>
+            <a:r>
+              <a:rPr kumimoji="1" lang="en-US" altLang="ko-KR" dirty="0">
+                <a:latin typeface="Arial" charset="0"/>
+                <a:ea typeface="Arial" charset="0"/>
+                <a:cs typeface="Arial" charset="0"/>
+              </a:rPr>
+              <a:t>MAPE &amp; MAE </a:t>
+            </a:r>
+            <a:r>
+              <a:rPr kumimoji="1" lang="en-US" altLang="ko-KR" dirty="0">
+                <a:latin typeface="Arial" charset="0"/>
+                <a:ea typeface="Arial" charset="0"/>
+                <a:cs typeface="Arial" charset="0"/>
+              </a:rPr>
+              <a:t>than HELM, but this is not meaningful because it is an </a:t>
             </a:r>
             <a:r>
               <a:rPr kumimoji="1" lang="en-US" altLang="ko-KR" dirty="0" smtClean="0">
@@ -24721,54 +24519,22 @@
                 <a:ea typeface="Arial" charset="0"/>
                 <a:cs typeface="Arial" charset="0"/>
               </a:rPr>
-              <a:t>he </a:t>
-            </a:r>
-            <a:r>
-              <a:rPr kumimoji="1" lang="en-US" altLang="ko-KR" dirty="0">
-                <a:latin typeface="Arial" charset="0"/>
-                <a:ea typeface="Arial" charset="0"/>
-                <a:cs typeface="Arial" charset="0"/>
-              </a:rPr>
-              <a:t>number of types of features input through the data preprocessing has been increased, and as a result more accurate prediction has become possible</a:t>
-            </a:r>
-          </a:p>
-          <a:p>
-            <a:pPr lvl="1"/>
-            <a:r>
-              <a:rPr kumimoji="1" lang="en-US" altLang="ko-KR" dirty="0">
-                <a:latin typeface="Arial" charset="0"/>
-                <a:ea typeface="Arial" charset="0"/>
-                <a:cs typeface="Arial" charset="0"/>
-              </a:rPr>
-              <a:t>ELM vs. H-ELM</a:t>
-            </a:r>
-          </a:p>
-          <a:p>
-            <a:pPr lvl="2"/>
-            <a:r>
-              <a:rPr lang="en-US" altLang="ko-KR" dirty="0"/>
-              <a:t>Similar to the result of </a:t>
-            </a:r>
-            <a:r>
-              <a:rPr lang="en-US" altLang="ko-KR" dirty="0" smtClean="0"/>
-              <a:t>case01, </a:t>
-            </a:r>
-            <a:r>
-              <a:rPr kumimoji="1" lang="en-US" altLang="ko-KR" dirty="0" smtClean="0">
-                <a:latin typeface="Arial" charset="0"/>
-                <a:ea typeface="Arial" charset="0"/>
-                <a:cs typeface="Arial" charset="0"/>
-              </a:rPr>
-              <a:t>ELM </a:t>
-            </a:r>
-            <a:r>
-              <a:rPr kumimoji="1" lang="en-US" altLang="ko-KR" dirty="0">
-                <a:latin typeface="Arial" charset="0"/>
-                <a:ea typeface="Arial" charset="0"/>
-                <a:cs typeface="Arial" charset="0"/>
-              </a:rPr>
-              <a:t>and HELM show similar RMSE results, but HELM performs more stable predictions</a:t>
-            </a:r>
+              <a:t>inaccurate prediction</a:t>
+            </a:r>
+            <a:endParaRPr kumimoji="1" lang="ko-KR" altLang="en-US" dirty="0">
+              <a:latin typeface="Arial" charset="0"/>
+              <a:ea typeface="Arial" charset="0"/>
+              <a:cs typeface="Arial" charset="0"/>
+            </a:endParaRPr>
+          </a:p>
+          <a:p>
+            <a:endParaRPr kumimoji="1" lang="en-US" altLang="ko-KR" dirty="0">
+              <a:latin typeface="Arial" charset="0"/>
+              <a:ea typeface="Arial" charset="0"/>
+              <a:cs typeface="Arial" charset="0"/>
+            </a:endParaRPr>
+          </a:p>
+          <a:p>
             <a:endParaRPr kumimoji="1" lang="ko-KR" altLang="en-US" dirty="0">
               <a:latin typeface="Arial" charset="0"/>
               <a:ea typeface="Arial" charset="0"/>
@@ -24824,21 +24590,21 @@
       </p:cxnSp>
       <p:graphicFrame>
         <p:nvGraphicFramePr>
-          <p:cNvPr id="6" name="표 5"/>
+          <p:cNvPr id="4" name="표 3"/>
           <p:cNvGraphicFramePr>
             <a:graphicFrameLocks noGrp="1"/>
           </p:cNvGraphicFramePr>
           <p:nvPr>
             <p:extLst>
               <p:ext uri="{D42A27DB-BD31-4B8C-83A1-F6EECF244321}">
-                <p14:modId xmlns:p14="http://schemas.microsoft.com/office/powerpoint/2010/main" val="315054327"/>
+                <p14:modId xmlns:p14="http://schemas.microsoft.com/office/powerpoint/2010/main" val="1522127898"/>
               </p:ext>
             </p:extLst>
           </p:nvPr>
         </p:nvGraphicFramePr>
         <p:xfrm>
           <a:off x="1104277" y="4216169"/>
-          <a:ext cx="9983445" cy="2244590"/>
+          <a:ext cx="9983448" cy="2244590"/>
         </p:xfrm>
         <a:graphic>
           <a:graphicData uri="http://schemas.openxmlformats.org/drawingml/2006/table">
@@ -24847,11 +24613,12 @@
                 <a:tableStyleId>{5C22544A-7EE6-4342-B048-85BDC9FD1C3A}</a:tableStyleId>
               </a:tblPr>
               <a:tblGrid>
-                <a:gridCol w="1996689"/>
-                <a:gridCol w="1996689"/>
-                <a:gridCol w="1996689"/>
-                <a:gridCol w="1996689"/>
-                <a:gridCol w="1996689"/>
+                <a:gridCol w="1663908"/>
+                <a:gridCol w="1663908"/>
+                <a:gridCol w="1663908"/>
+                <a:gridCol w="1663908"/>
+                <a:gridCol w="1663908"/>
+                <a:gridCol w="1663908"/>
               </a:tblGrid>
               <a:tr h="1026498">
                 <a:tc>
@@ -24921,6 +24688,61 @@
                         <a:rPr lang="en-US" altLang="ko-KR" baseline="0" dirty="0" smtClean="0"/>
                         <a:t> deviation</a:t>
                       </a:r>
+                    </a:p>
+                    <a:p>
+                      <a:pPr algn="ctr" latinLnBrk="1"/>
+                      <a:r>
+                        <a:rPr lang="en-US" altLang="ko-KR" baseline="0" dirty="0" smtClean="0"/>
+                        <a:t>(MAPE)</a:t>
+                      </a:r>
+                      <a:endParaRPr lang="ko-KR" altLang="en-US" dirty="0"/>
+                    </a:p>
+                  </a:txBody>
+                  <a:tcPr anchor="ctr"/>
+                </a:tc>
+                <a:tc>
+                  <a:txBody>
+                    <a:bodyPr/>
+                    <a:lstStyle/>
+                    <a:p>
+                      <a:pPr algn="ctr" latinLnBrk="1"/>
+                      <a:r>
+                        <a:rPr lang="en-US" altLang="ko-KR" dirty="0" smtClean="0"/>
+                        <a:t>MAE </a:t>
+                      </a:r>
+                    </a:p>
+                    <a:p>
+                      <a:pPr algn="ctr" latinLnBrk="1"/>
+                      <a:r>
+                        <a:rPr lang="en-US" altLang="ko-KR" dirty="0" smtClean="0"/>
+                        <a:t>[MW]</a:t>
+                      </a:r>
+                      <a:endParaRPr lang="ko-KR" altLang="en-US" dirty="0"/>
+                    </a:p>
+                  </a:txBody>
+                  <a:tcPr anchor="ctr"/>
+                </a:tc>
+                <a:tc>
+                  <a:txBody>
+                    <a:bodyPr/>
+                    <a:lstStyle/>
+                    <a:p>
+                      <a:pPr algn="ctr" latinLnBrk="1"/>
+                      <a:r>
+                        <a:rPr lang="en-US" altLang="ko-KR" dirty="0" smtClean="0"/>
+                        <a:t>Standard</a:t>
+                      </a:r>
+                      <a:r>
+                        <a:rPr lang="en-US" altLang="ko-KR" baseline="0" dirty="0" smtClean="0"/>
+                        <a:t> deviation</a:t>
+                      </a:r>
+                    </a:p>
+                    <a:p>
+                      <a:pPr algn="ctr" latinLnBrk="1"/>
+                      <a:r>
+                        <a:rPr lang="en-US" altLang="ko-KR" baseline="0" dirty="0" smtClean="0"/>
+                        <a:t>(MAE)</a:t>
+                      </a:r>
                       <a:endParaRPr lang="ko-KR" altLang="en-US" dirty="0"/>
                     </a:p>
                   </a:txBody>
@@ -24961,28 +24783,6 @@
                   </a:txBody>
                   <a:tcPr anchor="ctr"/>
                 </a:tc>
-                <a:tc>
-                  <a:txBody>
-                    <a:bodyPr/>
-                    <a:lstStyle/>
-                    <a:p>
-                      <a:pPr algn="ctr" latinLnBrk="1"/>
-                      <a:r>
-                        <a:rPr lang="en-US" altLang="ko-KR" dirty="0" smtClean="0"/>
-                        <a:t>MAE </a:t>
-                      </a:r>
-                    </a:p>
-                    <a:p>
-                      <a:pPr algn="ctr" latinLnBrk="1"/>
-                      <a:r>
-                        <a:rPr lang="en-US" altLang="ko-KR" dirty="0" smtClean="0"/>
-                        <a:t>[MW]</a:t>
-                      </a:r>
-                      <a:endParaRPr lang="ko-KR" altLang="en-US" dirty="0"/>
-                    </a:p>
-                  </a:txBody>
-                  <a:tcPr anchor="ctr"/>
-                </a:tc>
               </a:tr>
               <a:tr h="609046">
                 <a:tc>
@@ -25007,14 +24807,37 @@
                     <a:p>
                       <a:pPr algn="r" latinLnBrk="1"/>
                       <a:r>
-                        <a:rPr lang="hr-HR" altLang="ko-KR" dirty="0" smtClean="0">
+                        <a:rPr lang="is-IS" altLang="ko-KR" sz="1400" dirty="0" smtClean="0">
+                          <a:solidFill>
+                            <a:schemeClr val="accent1"/>
+                          </a:solidFill>
+                        </a:rPr>
+                        <a:t>22.973061</a:t>
+                      </a:r>
+                      <a:endParaRPr lang="ko-KR" altLang="en-US" sz="1400" dirty="0">
+                        <a:solidFill>
+                          <a:schemeClr val="accent1"/>
+                        </a:solidFill>
+                      </a:endParaRPr>
+                    </a:p>
+                  </a:txBody>
+                  <a:tcPr anchor="ctr"/>
+                </a:tc>
+                <a:tc>
+                  <a:txBody>
+                    <a:bodyPr/>
+                    <a:lstStyle/>
+                    <a:p>
+                      <a:pPr algn="r" latinLnBrk="1"/>
+                      <a:r>
+                        <a:rPr lang="nb-NO" altLang="ko-KR" sz="1400" dirty="0" smtClean="0">
                           <a:solidFill>
                             <a:srgbClr val="FF0000"/>
                           </a:solidFill>
                         </a:rPr>
-                        <a:t>12.846329</a:t>
+                        <a:t>0.0336759154144</a:t>
                       </a:r>
-                      <a:endParaRPr lang="ko-KR" altLang="en-US" dirty="0">
+                      <a:endParaRPr lang="ko-KR" altLang="en-US" sz="1400" dirty="0">
                         <a:solidFill>
                           <a:srgbClr val="FF0000"/>
                         </a:solidFill>
@@ -25028,39 +24851,32 @@
                     <a:bodyPr/>
                     <a:lstStyle/>
                     <a:p>
-                      <a:pPr algn="r" latinLnBrk="1"/>
+                      <a:pPr marL="0" marR="0" indent="0" algn="r" defTabSz="914400" rtl="0" eaLnBrk="1" fontAlgn="auto" latinLnBrk="1" hangingPunct="1">
+                        <a:lnSpc>
+                          <a:spcPct val="100000"/>
+                        </a:lnSpc>
+                        <a:spcBef>
+                          <a:spcPts val="0"/>
+                        </a:spcBef>
+                        <a:spcAft>
+                          <a:spcPts val="0"/>
+                        </a:spcAft>
+                        <a:buClrTx/>
+                        <a:buSzTx/>
+                        <a:buFontTx/>
+                        <a:buNone/>
+                        <a:tabLst/>
+                        <a:defRPr/>
+                      </a:pPr>
                       <a:r>
-                        <a:rPr lang="cs-CZ" altLang="ko-KR" dirty="0" smtClean="0">
-                          <a:solidFill>
-                            <a:srgbClr val="FF0000"/>
-                          </a:solidFill>
-                        </a:rPr>
-                        <a:t>0.145121675704</a:t>
-                      </a:r>
-                      <a:endParaRPr lang="ko-KR" altLang="en-US" dirty="0">
-                        <a:solidFill>
-                          <a:srgbClr val="FF0000"/>
-                        </a:solidFill>
-                      </a:endParaRPr>
-                    </a:p>
-                  </a:txBody>
-                  <a:tcPr anchor="ctr"/>
-                </a:tc>
-                <a:tc>
-                  <a:txBody>
-                    <a:bodyPr/>
-                    <a:lstStyle/>
-                    <a:p>
-                      <a:pPr algn="r" latinLnBrk="1"/>
-                      <a:r>
-                        <a:rPr lang="nb-NO" altLang="ko-KR" dirty="0" smtClean="0">
+                        <a:rPr lang="is-IS" altLang="ko-KR" sz="1400" dirty="0" smtClean="0">
                           <a:solidFill>
                             <a:schemeClr val="accent1"/>
                           </a:solidFill>
                         </a:rPr>
-                        <a:t>0.1173</a:t>
+                        <a:t>19056.307</a:t>
                       </a:r>
-                      <a:endParaRPr lang="ko-KR" altLang="en-US" dirty="0">
+                      <a:endParaRPr lang="ko-KR" altLang="en-US" sz="1400" dirty="0" smtClean="0">
                         <a:solidFill>
                           <a:schemeClr val="accent1"/>
                         </a:solidFill>
@@ -25092,100 +24908,14 @@
                         <a:defRPr/>
                       </a:pPr>
                       <a:r>
-                        <a:rPr lang="hr-HR" altLang="ko-KR" dirty="0" smtClean="0">
+                        <a:rPr lang="hr-HR" altLang="ko-KR" sz="1400" dirty="0" smtClean="0">
                           <a:solidFill>
                             <a:srgbClr val="FF0000"/>
                           </a:solidFill>
                         </a:rPr>
-                        <a:t>11819.954</a:t>
+                        <a:t>26.8281335728</a:t>
                       </a:r>
-                      <a:endParaRPr lang="ko-KR" altLang="en-US" dirty="0" smtClean="0">
-                        <a:solidFill>
-                          <a:srgbClr val="FF0000"/>
-                        </a:solidFill>
-                      </a:endParaRPr>
-                    </a:p>
-                  </a:txBody>
-                  <a:tcPr anchor="ctr"/>
-                </a:tc>
-              </a:tr>
-              <a:tr h="609046">
-                <a:tc>
-                  <a:txBody>
-                    <a:bodyPr/>
-                    <a:lstStyle/>
-                    <a:p>
-                      <a:pPr algn="ctr" latinLnBrk="1"/>
-                      <a:r>
-                        <a:rPr lang="en-US" altLang="ko-KR" dirty="0" smtClean="0"/>
-                        <a:t>H-ELM</a:t>
-                      </a:r>
-                      <a:endParaRPr lang="ko-KR" altLang="en-US" dirty="0"/>
-                    </a:p>
-                  </a:txBody>
-                  <a:tcPr anchor="ctr"/>
-                </a:tc>
-                <a:tc>
-                  <a:txBody>
-                    <a:bodyPr/>
-                    <a:lstStyle/>
-                    <a:p>
-                      <a:pPr algn="r" latinLnBrk="1"/>
-                      <a:r>
-                        <a:rPr lang="is-IS" altLang="ko-KR" dirty="0" smtClean="0">
-                          <a:solidFill>
-                            <a:schemeClr val="accent1"/>
-                          </a:solidFill>
-                        </a:rPr>
-                        <a:t>12.784406</a:t>
-                      </a:r>
-                      <a:endParaRPr lang="ko-KR" altLang="en-US" dirty="0">
-                        <a:solidFill>
-                          <a:schemeClr val="accent1"/>
-                        </a:solidFill>
-                      </a:endParaRPr>
-                    </a:p>
-                  </a:txBody>
-                  <a:tcPr anchor="ctr"/>
-                </a:tc>
-                <a:tc>
-                  <a:txBody>
-                    <a:bodyPr/>
-                    <a:lstStyle/>
-                    <a:p>
-                      <a:pPr algn="r" latinLnBrk="1"/>
-                      <a:r>
-                        <a:rPr lang="is-IS" altLang="ko-KR" dirty="0" smtClean="0">
-                          <a:solidFill>
-                            <a:schemeClr val="accent1"/>
-                          </a:solidFill>
-                        </a:rPr>
-                        <a:t>0.116388595507</a:t>
-                      </a:r>
-                      <a:endParaRPr lang="ko-KR" altLang="en-US" dirty="0">
-                        <a:solidFill>
-                          <a:schemeClr val="accent1"/>
-                        </a:solidFill>
-                      </a:endParaRPr>
-                    </a:p>
-                  </a:txBody>
-                  <a:tcPr anchor="ctr"/>
-                </a:tc>
-                <a:tc>
-                  <a:txBody>
-                    <a:bodyPr/>
-                    <a:lstStyle/>
-                    <a:p>
-                      <a:pPr algn="r" latinLnBrk="1"/>
-                      <a:r>
-                        <a:rPr lang="is-IS" altLang="ko-KR" dirty="0" smtClean="0">
-                          <a:solidFill>
-                            <a:srgbClr val="FF0000"/>
-                          </a:solidFill>
-                        </a:rPr>
-                        <a:t>0.1244</a:t>
-                      </a:r>
-                      <a:endParaRPr lang="ko-KR" altLang="en-US" dirty="0">
+                      <a:endParaRPr lang="ko-KR" altLang="en-US" sz="1400" dirty="0" smtClean="0">
                         <a:solidFill>
                           <a:srgbClr val="FF0000"/>
                         </a:solidFill>
@@ -25217,14 +24947,194 @@
                         <a:defRPr/>
                       </a:pPr>
                       <a:r>
-                        <a:rPr lang="nb-NO" altLang="ko-KR" dirty="0" smtClean="0">
+                        <a:rPr lang="is-IS" altLang="ko-KR" sz="1400" dirty="0" smtClean="0">
+                          <a:solidFill>
+                            <a:srgbClr val="FF0000"/>
+                          </a:solidFill>
+                        </a:rPr>
+                        <a:t>0.0681</a:t>
+                      </a:r>
+                      <a:endParaRPr lang="ko-KR" altLang="en-US" sz="1400" dirty="0" smtClean="0">
+                        <a:solidFill>
+                          <a:schemeClr val="accent1"/>
+                        </a:solidFill>
+                      </a:endParaRPr>
+                    </a:p>
+                  </a:txBody>
+                  <a:tcPr anchor="ctr"/>
+                </a:tc>
+              </a:tr>
+              <a:tr h="609046">
+                <a:tc>
+                  <a:txBody>
+                    <a:bodyPr/>
+                    <a:lstStyle/>
+                    <a:p>
+                      <a:pPr algn="ctr" latinLnBrk="1"/>
+                      <a:r>
+                        <a:rPr lang="en-US" altLang="ko-KR" dirty="0" smtClean="0"/>
+                        <a:t>H-ELM</a:t>
+                      </a:r>
+                      <a:endParaRPr lang="ko-KR" altLang="en-US" dirty="0"/>
+                    </a:p>
+                  </a:txBody>
+                  <a:tcPr anchor="ctr"/>
+                </a:tc>
+                <a:tc>
+                  <a:txBody>
+                    <a:bodyPr/>
+                    <a:lstStyle/>
+                    <a:p>
+                      <a:pPr algn="r" latinLnBrk="1"/>
+                      <a:r>
+                        <a:rPr lang="hr-HR" altLang="ko-KR" sz="1400" dirty="0" smtClean="0">
+                          <a:solidFill>
+                            <a:srgbClr val="FF0000"/>
+                          </a:solidFill>
+                        </a:rPr>
+                        <a:t>26.892541</a:t>
+                      </a:r>
+                      <a:endParaRPr lang="ko-KR" altLang="en-US" sz="1400" dirty="0">
+                        <a:solidFill>
+                          <a:srgbClr val="FF0000"/>
+                        </a:solidFill>
+                      </a:endParaRPr>
+                    </a:p>
+                  </a:txBody>
+                  <a:tcPr anchor="ctr"/>
+                </a:tc>
+                <a:tc>
+                  <a:txBody>
+                    <a:bodyPr/>
+                    <a:lstStyle/>
+                    <a:p>
+                      <a:pPr algn="r" latinLnBrk="1"/>
+                      <a:r>
+                        <a:rPr lang="nb-NO" altLang="ko-KR" sz="1400" dirty="0" smtClean="0">
                           <a:solidFill>
                             <a:schemeClr val="accent1"/>
                           </a:solidFill>
                         </a:rPr>
-                        <a:t>11737.837</a:t>
+                        <a:t>0.0286463665933</a:t>
                       </a:r>
-                      <a:endParaRPr lang="ko-KR" altLang="en-US" dirty="0" smtClean="0">
+                      <a:endParaRPr lang="ko-KR" altLang="en-US" sz="1400" dirty="0">
+                        <a:solidFill>
+                          <a:schemeClr val="accent1"/>
+                        </a:solidFill>
+                      </a:endParaRPr>
+                    </a:p>
+                  </a:txBody>
+                  <a:tcPr anchor="ctr"/>
+                </a:tc>
+                <a:tc>
+                  <a:txBody>
+                    <a:bodyPr/>
+                    <a:lstStyle/>
+                    <a:p>
+                      <a:pPr marL="0" marR="0" indent="0" algn="r" defTabSz="914400" rtl="0" eaLnBrk="1" fontAlgn="auto" latinLnBrk="1" hangingPunct="1">
+                        <a:lnSpc>
+                          <a:spcPct val="100000"/>
+                        </a:lnSpc>
+                        <a:spcBef>
+                          <a:spcPts val="0"/>
+                        </a:spcBef>
+                        <a:spcAft>
+                          <a:spcPts val="0"/>
+                        </a:spcAft>
+                        <a:buClrTx/>
+                        <a:buSzTx/>
+                        <a:buFontTx/>
+                        <a:buNone/>
+                        <a:tabLst/>
+                        <a:defRPr/>
+                      </a:pPr>
+                      <a:r>
+                        <a:rPr lang="hr-HR" altLang="ko-KR" sz="1400" dirty="0" smtClean="0">
+                          <a:solidFill>
+                            <a:srgbClr val="FF0000"/>
+                          </a:solidFill>
+                        </a:rPr>
+                        <a:t>21624.653</a:t>
+                      </a:r>
+                      <a:endParaRPr lang="ko-KR" altLang="en-US" sz="1400" dirty="0" smtClean="0">
+                        <a:solidFill>
+                          <a:srgbClr val="FF0000"/>
+                        </a:solidFill>
+                      </a:endParaRPr>
+                    </a:p>
+                  </a:txBody>
+                  <a:tcPr anchor="ctr"/>
+                </a:tc>
+                <a:tc>
+                  <a:txBody>
+                    <a:bodyPr/>
+                    <a:lstStyle/>
+                    <a:p>
+                      <a:pPr marL="0" marR="0" indent="0" algn="r" defTabSz="914400" rtl="0" eaLnBrk="1" fontAlgn="auto" latinLnBrk="1" hangingPunct="1">
+                        <a:lnSpc>
+                          <a:spcPct val="100000"/>
+                        </a:lnSpc>
+                        <a:spcBef>
+                          <a:spcPts val="0"/>
+                        </a:spcBef>
+                        <a:spcAft>
+                          <a:spcPts val="0"/>
+                        </a:spcAft>
+                        <a:buClrTx/>
+                        <a:buSzTx/>
+                        <a:buFontTx/>
+                        <a:buNone/>
+                        <a:tabLst/>
+                        <a:defRPr/>
+                      </a:pPr>
+                      <a:r>
+                        <a:rPr lang="is-IS" altLang="ko-KR" sz="1400" dirty="0" smtClean="0">
+                          <a:solidFill>
+                            <a:schemeClr val="accent1"/>
+                          </a:solidFill>
+                        </a:rPr>
+                        <a:t>13.8147237034</a:t>
+                      </a:r>
+                      <a:endParaRPr lang="ko-KR" altLang="en-US" sz="1400" dirty="0" smtClean="0">
+                        <a:solidFill>
+                          <a:schemeClr val="accent1"/>
+                        </a:solidFill>
+                      </a:endParaRPr>
+                    </a:p>
+                  </a:txBody>
+                  <a:tcPr anchor="ctr"/>
+                </a:tc>
+                <a:tc>
+                  <a:txBody>
+                    <a:bodyPr/>
+                    <a:lstStyle/>
+                    <a:p>
+                      <a:pPr marL="0" marR="0" indent="0" algn="r" defTabSz="914400" rtl="0" eaLnBrk="1" fontAlgn="auto" latinLnBrk="1" hangingPunct="1">
+                        <a:lnSpc>
+                          <a:spcPct val="100000"/>
+                        </a:lnSpc>
+                        <a:spcBef>
+                          <a:spcPts val="0"/>
+                        </a:spcBef>
+                        <a:spcAft>
+                          <a:spcPts val="0"/>
+                        </a:spcAft>
+                        <a:buClrTx/>
+                        <a:buSzTx/>
+                        <a:buFontTx/>
+                        <a:buNone/>
+                        <a:tabLst/>
+                        <a:defRPr/>
+                      </a:pPr>
+                      <a:r>
+                        <a:rPr lang="pt-BR" altLang="ko-KR" sz="1400" dirty="0" smtClean="0">
+                          <a:solidFill>
+                            <a:schemeClr val="accent1"/>
+                          </a:solidFill>
+                        </a:rPr>
+                        <a:t>0.0581</a:t>
+                      </a:r>
+                      <a:endParaRPr lang="ko-KR" altLang="en-US" sz="1400" dirty="0" smtClean="0">
                         <a:solidFill>
                           <a:schemeClr val="accent1"/>
                         </a:solidFill>
@@ -25241,7 +25151,7 @@
     </p:spTree>
     <p:extLst>
       <p:ext uri="{BB962C8B-B14F-4D97-AF65-F5344CB8AC3E}">
-        <p14:creationId xmlns:p14="http://schemas.microsoft.com/office/powerpoint/2010/main" val="1056690084"/>
+        <p14:creationId xmlns:p14="http://schemas.microsoft.com/office/powerpoint/2010/main" val="1610209009"/>
       </p:ext>
     </p:extLst>
   </p:cSld>
@@ -25251,7 +25161,7 @@
 </p:sld>
 </file>
 
-<file path=ppt/slides/slide31.xml><?xml version="1.0" encoding="utf-8"?>
+<file path=ppt/slides/slide33.xml><?xml version="1.0" encoding="utf-8"?>
 <p:sld xmlns:a="http://schemas.openxmlformats.org/drawingml/2006/main" xmlns:r="http://schemas.openxmlformats.org/officeDocument/2006/relationships" xmlns:p="http://schemas.openxmlformats.org/presentationml/2006/main">
   <p:cSld>
     <p:spTree>
@@ -25304,7 +25214,7 @@
                 <a:ea typeface="Arial" charset="0"/>
                 <a:cs typeface="Arial" charset="0"/>
               </a:rPr>
-              <a:t>03</a:t>
+              <a:t>01</a:t>
             </a:r>
             <a:endParaRPr kumimoji="1" lang="ko-KR" altLang="en-US" dirty="0">
               <a:latin typeface="Arial" charset="0"/>
@@ -25362,59 +25272,54 @@
                 <a:ea typeface="Arial" charset="0"/>
                 <a:cs typeface="Arial" charset="0"/>
               </a:rPr>
-              <a:t>Data preprocessing has provided enough types of features to be input, resulting in accurate prediction</a:t>
-            </a:r>
-            <a:endParaRPr kumimoji="1" lang="en-US" altLang="ko-KR" dirty="0" smtClean="0">
-              <a:latin typeface="Arial" charset="0"/>
-              <a:ea typeface="Arial" charset="0"/>
-              <a:cs typeface="Arial" charset="0"/>
-            </a:endParaRPr>
+              <a:t>The number of types of features input through the data preprocessing has been increased, and as a result more accurate prediction has become possible</a:t>
+            </a:r>
           </a:p>
           <a:p>
             <a:pPr lvl="1"/>
             <a:r>
+              <a:rPr kumimoji="1" lang="en-US" altLang="ko-KR" dirty="0">
+                <a:latin typeface="Arial" charset="0"/>
+                <a:ea typeface="Arial" charset="0"/>
+                <a:cs typeface="Arial" charset="0"/>
+              </a:rPr>
+              <a:t>ELM vs. </a:t>
+            </a:r>
+            <a:r>
               <a:rPr kumimoji="1" lang="en-US" altLang="ko-KR" dirty="0" smtClean="0">
                 <a:latin typeface="Arial" charset="0"/>
                 <a:ea typeface="Arial" charset="0"/>
                 <a:cs typeface="Arial" charset="0"/>
               </a:rPr>
-              <a:t>ELM </a:t>
-            </a:r>
+              <a:t>H-ELM</a:t>
+            </a:r>
+          </a:p>
+          <a:p>
+            <a:pPr lvl="2"/>
             <a:r>
               <a:rPr kumimoji="1" lang="en-US" altLang="ko-KR" dirty="0">
                 <a:latin typeface="Arial" charset="0"/>
                 <a:ea typeface="Arial" charset="0"/>
                 <a:cs typeface="Arial" charset="0"/>
               </a:rPr>
-              <a:t>vs. </a:t>
-            </a:r>
-            <a:r>
-              <a:rPr kumimoji="1" lang="en-US" altLang="ko-KR" dirty="0" smtClean="0">
-                <a:latin typeface="Arial" charset="0"/>
-                <a:ea typeface="Arial" charset="0"/>
-                <a:cs typeface="Arial" charset="0"/>
-              </a:rPr>
-              <a:t>H-ELM</a:t>
-            </a:r>
-          </a:p>
-          <a:p>
-            <a:pPr lvl="2"/>
+              <a:t>ELM and HELM show similar </a:t>
+            </a:r>
             <a:r>
               <a:rPr kumimoji="1" lang="en-US" altLang="ko-KR" dirty="0">
                 <a:latin typeface="Arial" charset="0"/>
                 <a:ea typeface="Arial" charset="0"/>
                 <a:cs typeface="Arial" charset="0"/>
               </a:rPr>
-              <a:t>HELM performed more accurate and more stable predictions than ELM</a:t>
-            </a:r>
-            <a:endParaRPr kumimoji="1" lang="en-US" altLang="ko-KR" dirty="0" smtClean="0">
-              <a:latin typeface="Arial" charset="0"/>
-              <a:ea typeface="Arial" charset="0"/>
-              <a:cs typeface="Arial" charset="0"/>
-            </a:endParaRPr>
-          </a:p>
-          <a:p>
-            <a:pPr lvl="1"/>
+              <a:t>MAPE &amp; MAE </a:t>
+            </a:r>
+            <a:r>
+              <a:rPr kumimoji="1" lang="en-US" altLang="ko-KR" dirty="0">
+                <a:latin typeface="Arial" charset="0"/>
+                <a:ea typeface="Arial" charset="0"/>
+                <a:cs typeface="Arial" charset="0"/>
+              </a:rPr>
+              <a:t>results, but HELM performs more stable predictions</a:t>
+            </a:r>
             <a:endParaRPr kumimoji="1" lang="ko-KR" altLang="en-US" dirty="0">
               <a:latin typeface="Arial" charset="0"/>
               <a:ea typeface="Arial" charset="0"/>
@@ -25422,6 +25327,7 @@
             </a:endParaRPr>
           </a:p>
           <a:p>
+            <a:pPr lvl="1"/>
             <a:endParaRPr kumimoji="1" lang="ko-KR" altLang="en-US" dirty="0">
               <a:latin typeface="Arial" charset="0"/>
               <a:ea typeface="Arial" charset="0"/>
@@ -25470,21 +25376,21 @@
       </p:cxnSp>
       <p:graphicFrame>
         <p:nvGraphicFramePr>
-          <p:cNvPr id="6" name="표 5"/>
+          <p:cNvPr id="7" name="표 6"/>
           <p:cNvGraphicFramePr>
             <a:graphicFrameLocks noGrp="1"/>
           </p:cNvGraphicFramePr>
           <p:nvPr>
             <p:extLst>
               <p:ext uri="{D42A27DB-BD31-4B8C-83A1-F6EECF244321}">
-                <p14:modId xmlns:p14="http://schemas.microsoft.com/office/powerpoint/2010/main" val="684003220"/>
+                <p14:modId xmlns:p14="http://schemas.microsoft.com/office/powerpoint/2010/main" val="1502134035"/>
               </p:ext>
             </p:extLst>
           </p:nvPr>
         </p:nvGraphicFramePr>
         <p:xfrm>
           <a:off x="1104277" y="4216169"/>
-          <a:ext cx="9983445" cy="2244590"/>
+          <a:ext cx="9983448" cy="2244590"/>
         </p:xfrm>
         <a:graphic>
           <a:graphicData uri="http://schemas.openxmlformats.org/drawingml/2006/table">
@@ -25493,11 +25399,12 @@
                 <a:tableStyleId>{5C22544A-7EE6-4342-B048-85BDC9FD1C3A}</a:tableStyleId>
               </a:tblPr>
               <a:tblGrid>
-                <a:gridCol w="1996689"/>
-                <a:gridCol w="1996689"/>
-                <a:gridCol w="1996689"/>
-                <a:gridCol w="1996689"/>
-                <a:gridCol w="1996689"/>
+                <a:gridCol w="1663908"/>
+                <a:gridCol w="1663908"/>
+                <a:gridCol w="1663908"/>
+                <a:gridCol w="1663908"/>
+                <a:gridCol w="1663908"/>
+                <a:gridCol w="1663908"/>
               </a:tblGrid>
               <a:tr h="1026498">
                 <a:tc>
@@ -25567,6 +25474,61 @@
                         <a:rPr lang="en-US" altLang="ko-KR" baseline="0" dirty="0" smtClean="0"/>
                         <a:t> deviation</a:t>
                       </a:r>
+                    </a:p>
+                    <a:p>
+                      <a:pPr algn="ctr" latinLnBrk="1"/>
+                      <a:r>
+                        <a:rPr lang="en-US" altLang="ko-KR" baseline="0" dirty="0" smtClean="0"/>
+                        <a:t>(MAPE)</a:t>
+                      </a:r>
+                      <a:endParaRPr lang="ko-KR" altLang="en-US" dirty="0"/>
+                    </a:p>
+                  </a:txBody>
+                  <a:tcPr anchor="ctr"/>
+                </a:tc>
+                <a:tc>
+                  <a:txBody>
+                    <a:bodyPr/>
+                    <a:lstStyle/>
+                    <a:p>
+                      <a:pPr algn="ctr" latinLnBrk="1"/>
+                      <a:r>
+                        <a:rPr lang="en-US" altLang="ko-KR" dirty="0" smtClean="0"/>
+                        <a:t>MAE </a:t>
+                      </a:r>
+                    </a:p>
+                    <a:p>
+                      <a:pPr algn="ctr" latinLnBrk="1"/>
+                      <a:r>
+                        <a:rPr lang="en-US" altLang="ko-KR" dirty="0" smtClean="0"/>
+                        <a:t>[MW]</a:t>
+                      </a:r>
+                      <a:endParaRPr lang="ko-KR" altLang="en-US" dirty="0"/>
+                    </a:p>
+                  </a:txBody>
+                  <a:tcPr anchor="ctr"/>
+                </a:tc>
+                <a:tc>
+                  <a:txBody>
+                    <a:bodyPr/>
+                    <a:lstStyle/>
+                    <a:p>
+                      <a:pPr algn="ctr" latinLnBrk="1"/>
+                      <a:r>
+                        <a:rPr lang="en-US" altLang="ko-KR" dirty="0" smtClean="0"/>
+                        <a:t>Standard</a:t>
+                      </a:r>
+                      <a:r>
+                        <a:rPr lang="en-US" altLang="ko-KR" baseline="0" dirty="0" smtClean="0"/>
+                        <a:t> deviation</a:t>
+                      </a:r>
+                    </a:p>
+                    <a:p>
+                      <a:pPr algn="ctr" latinLnBrk="1"/>
+                      <a:r>
+                        <a:rPr lang="en-US" altLang="ko-KR" baseline="0" dirty="0" smtClean="0"/>
+                        <a:t>(MAE)</a:t>
+                      </a:r>
                       <a:endParaRPr lang="ko-KR" altLang="en-US" dirty="0"/>
                     </a:p>
                   </a:txBody>
@@ -25607,28 +25569,6 @@
                   </a:txBody>
                   <a:tcPr anchor="ctr"/>
                 </a:tc>
-                <a:tc>
-                  <a:txBody>
-                    <a:bodyPr/>
-                    <a:lstStyle/>
-                    <a:p>
-                      <a:pPr algn="ctr" latinLnBrk="1"/>
-                      <a:r>
-                        <a:rPr lang="en-US" altLang="ko-KR" dirty="0" smtClean="0"/>
-                        <a:t>MAE </a:t>
-                      </a:r>
-                    </a:p>
-                    <a:p>
-                      <a:pPr algn="ctr" latinLnBrk="1"/>
-                      <a:r>
-                        <a:rPr lang="en-US" altLang="ko-KR" dirty="0" smtClean="0"/>
-                        <a:t>[MW]</a:t>
-                      </a:r>
-                      <a:endParaRPr lang="ko-KR" altLang="en-US" dirty="0"/>
-                    </a:p>
-                  </a:txBody>
-                  <a:tcPr anchor="ctr"/>
-                </a:tc>
               </a:tr>
               <a:tr h="609046">
                 <a:tc>
@@ -25653,14 +25593,14 @@
                     <a:p>
                       <a:pPr algn="r" latinLnBrk="1"/>
                       <a:r>
-                        <a:rPr lang="nb-NO" altLang="ko-KR" dirty="0" smtClean="0">
+                        <a:rPr lang="is-IS" altLang="ko-KR" sz="1400" dirty="0" smtClean="0">
                           <a:solidFill>
                             <a:srgbClr val="FF0000"/>
                           </a:solidFill>
                         </a:rPr>
-                        <a:t>11.618014</a:t>
+                        <a:t>11.807609</a:t>
                       </a:r>
-                      <a:endParaRPr lang="ko-KR" altLang="en-US" dirty="0">
+                      <a:endParaRPr lang="ko-KR" altLang="en-US" sz="1400" dirty="0">
                         <a:solidFill>
                           <a:srgbClr val="FF0000"/>
                         </a:solidFill>
@@ -25676,37 +25616,14 @@
                     <a:p>
                       <a:pPr algn="r" latinLnBrk="1"/>
                       <a:r>
-                        <a:rPr lang="nb-NO" altLang="ko-KR" dirty="0" smtClean="0">
+                        <a:rPr lang="fi-FI" altLang="ko-KR" sz="1400" dirty="0" smtClean="0">
                           <a:solidFill>
                             <a:srgbClr val="FF0000"/>
                           </a:solidFill>
                         </a:rPr>
-                        <a:t>0.177854591743</a:t>
+                        <a:t>0.168111879768</a:t>
                       </a:r>
-                      <a:endParaRPr lang="ko-KR" altLang="en-US" dirty="0">
-                        <a:solidFill>
-                          <a:srgbClr val="FF0000"/>
-                        </a:solidFill>
-                      </a:endParaRPr>
-                    </a:p>
-                  </a:txBody>
-                  <a:tcPr anchor="ctr"/>
-                </a:tc>
-                <a:tc>
-                  <a:txBody>
-                    <a:bodyPr/>
-                    <a:lstStyle/>
-                    <a:p>
-                      <a:pPr algn="r" latinLnBrk="1"/>
-                      <a:r>
-                        <a:rPr lang="nb-NO" altLang="ko-KR" dirty="0" smtClean="0">
-                          <a:solidFill>
-                            <a:srgbClr val="FF0000"/>
-                          </a:solidFill>
-                        </a:rPr>
-                        <a:t>0.1400</a:t>
-                      </a:r>
-                      <a:endParaRPr lang="ko-KR" altLang="en-US" dirty="0">
+                      <a:endParaRPr lang="ko-KR" altLang="en-US" sz="1400" dirty="0">
                         <a:solidFill>
                           <a:srgbClr val="FF0000"/>
                         </a:solidFill>
@@ -25738,14 +25655,76 @@
                         <a:defRPr/>
                       </a:pPr>
                       <a:r>
-                        <a:rPr lang="hr-HR" altLang="ko-KR" dirty="0" smtClean="0">
+                        <a:rPr lang="hr-HR" altLang="ko-KR" sz="1400" dirty="0" smtClean="0">
                           <a:solidFill>
                             <a:srgbClr val="FF0000"/>
                           </a:solidFill>
                         </a:rPr>
-                        <a:t>10645.320</a:t>
+                        <a:t>10909.385</a:t>
                       </a:r>
-                      <a:endParaRPr lang="ko-KR" altLang="en-US" dirty="0" smtClean="0">
+                      <a:endParaRPr lang="ko-KR" altLang="en-US" sz="1400" dirty="0" smtClean="0">
+                        <a:solidFill>
+                          <a:srgbClr val="FF0000"/>
+                        </a:solidFill>
+                      </a:endParaRPr>
+                    </a:p>
+                  </a:txBody>
+                  <a:tcPr anchor="ctr"/>
+                </a:tc>
+                <a:tc>
+                  <a:txBody>
+                    <a:bodyPr/>
+                    <a:lstStyle/>
+                    <a:p>
+                      <a:pPr marL="0" marR="0" indent="0" algn="r" defTabSz="914400" rtl="0" eaLnBrk="1" fontAlgn="auto" latinLnBrk="1" hangingPunct="1">
+                        <a:lnSpc>
+                          <a:spcPct val="100000"/>
+                        </a:lnSpc>
+                        <a:spcBef>
+                          <a:spcPts val="0"/>
+                        </a:spcBef>
+                        <a:spcAft>
+                          <a:spcPts val="0"/>
+                        </a:spcAft>
+                        <a:buClrTx/>
+                        <a:buSzTx/>
+                        <a:buFontTx/>
+                        <a:buNone/>
+                        <a:tabLst/>
+                        <a:defRPr/>
+                      </a:pPr>
+                      <a:r>
+                        <a:rPr lang="hr-HR" altLang="ko-KR" sz="1400" dirty="0" smtClean="0">
+                          <a:solidFill>
+                            <a:srgbClr val="FF0000"/>
+                          </a:solidFill>
+                        </a:rPr>
+                        <a:t>117.971109917</a:t>
+                      </a:r>
+                      <a:endParaRPr lang="ko-KR" altLang="en-US" sz="1400" dirty="0" smtClean="0">
+                        <a:solidFill>
+                          <a:srgbClr val="FF0000"/>
+                        </a:solidFill>
+                      </a:endParaRPr>
+                    </a:p>
+                  </a:txBody>
+                  <a:tcPr anchor="ctr"/>
+                </a:tc>
+                <a:tc>
+                  <a:txBody>
+                    <a:bodyPr/>
+                    <a:lstStyle/>
+                    <a:p>
+                      <a:pPr algn="r" latinLnBrk="1"/>
+                      <a:r>
+                        <a:rPr lang="hr-HR" altLang="ko-KR" sz="1400" dirty="0" smtClean="0">
+                          <a:solidFill>
+                            <a:srgbClr val="FF0000"/>
+                          </a:solidFill>
+                        </a:rPr>
+                        <a:t>0.1383</a:t>
+                      </a:r>
+                      <a:endParaRPr lang="ko-KR" altLang="en-US" sz="1400" dirty="0">
                         <a:solidFill>
                           <a:srgbClr val="FF0000"/>
                         </a:solidFill>
@@ -25778,14 +25757,14 @@
                     <a:p>
                       <a:pPr algn="r" latinLnBrk="1"/>
                       <a:r>
-                        <a:rPr lang="hr-HR" altLang="ko-KR" dirty="0" smtClean="0">
+                        <a:rPr lang="is-IS" altLang="ko-KR" sz="1400" dirty="0" smtClean="0">
                           <a:solidFill>
                             <a:schemeClr val="accent1"/>
                           </a:solidFill>
                         </a:rPr>
-                        <a:t>11.364907</a:t>
+                        <a:t>11.657106</a:t>
                       </a:r>
-                      <a:endParaRPr lang="ko-KR" altLang="en-US" dirty="0">
+                      <a:endParaRPr lang="ko-KR" altLang="en-US" sz="1400" dirty="0">
                         <a:solidFill>
                           <a:schemeClr val="accent1"/>
                         </a:solidFill>
@@ -25801,37 +25780,14 @@
                     <a:p>
                       <a:pPr algn="r" latinLnBrk="1"/>
                       <a:r>
-                        <a:rPr lang="hr-HR" altLang="ko-KR" dirty="0" smtClean="0">
+                        <a:rPr lang="is-IS" altLang="ko-KR" sz="1400" dirty="0" smtClean="0">
                           <a:solidFill>
                             <a:schemeClr val="accent1"/>
                           </a:solidFill>
                         </a:rPr>
-                        <a:t>0.103866743239</a:t>
+                        <a:t>0.103974760226</a:t>
                       </a:r>
-                      <a:endParaRPr lang="ko-KR" altLang="en-US" dirty="0">
-                        <a:solidFill>
-                          <a:schemeClr val="accent1"/>
-                        </a:solidFill>
-                      </a:endParaRPr>
-                    </a:p>
-                  </a:txBody>
-                  <a:tcPr anchor="ctr"/>
-                </a:tc>
-                <a:tc>
-                  <a:txBody>
-                    <a:bodyPr/>
-                    <a:lstStyle/>
-                    <a:p>
-                      <a:pPr algn="r" latinLnBrk="1"/>
-                      <a:r>
-                        <a:rPr lang="hr-HR" altLang="ko-KR" dirty="0" smtClean="0">
-                          <a:solidFill>
-                            <a:schemeClr val="accent1"/>
-                          </a:solidFill>
-                        </a:rPr>
-                        <a:t>0.0970</a:t>
-                      </a:r>
-                      <a:endParaRPr lang="ko-KR" altLang="en-US" dirty="0">
+                      <a:endParaRPr lang="ko-KR" altLang="en-US" sz="1400" dirty="0">
                         <a:solidFill>
                           <a:schemeClr val="accent1"/>
                         </a:solidFill>
@@ -25863,14 +25819,1698 @@
                         <a:defRPr/>
                       </a:pPr>
                       <a:r>
-                        <a:rPr lang="is-IS" altLang="ko-KR" dirty="0" smtClean="0">
+                        <a:rPr lang="fi-FI" altLang="ko-KR" sz="1400" dirty="0" smtClean="0">
+                          <a:solidFill>
+                            <a:schemeClr val="accent1"/>
+                          </a:solidFill>
+                        </a:rPr>
+                        <a:t>10828.877</a:t>
+                      </a:r>
+                      <a:endParaRPr lang="ko-KR" altLang="en-US" sz="1400" dirty="0" smtClean="0">
+                        <a:solidFill>
+                          <a:schemeClr val="accent1"/>
+                        </a:solidFill>
+                      </a:endParaRPr>
+                    </a:p>
+                  </a:txBody>
+                  <a:tcPr anchor="ctr"/>
+                </a:tc>
+                <a:tc>
+                  <a:txBody>
+                    <a:bodyPr/>
+                    <a:lstStyle/>
+                    <a:p>
+                      <a:pPr marL="0" marR="0" indent="0" algn="r" defTabSz="914400" rtl="0" eaLnBrk="1" fontAlgn="auto" latinLnBrk="1" hangingPunct="1">
+                        <a:lnSpc>
+                          <a:spcPct val="100000"/>
+                        </a:lnSpc>
+                        <a:spcBef>
+                          <a:spcPts val="0"/>
+                        </a:spcBef>
+                        <a:spcAft>
+                          <a:spcPts val="0"/>
+                        </a:spcAft>
+                        <a:buClrTx/>
+                        <a:buSzTx/>
+                        <a:buFontTx/>
+                        <a:buNone/>
+                        <a:tabLst/>
+                        <a:defRPr/>
+                      </a:pPr>
+                      <a:r>
+                        <a:rPr lang="is-IS" altLang="ko-KR" sz="1400" dirty="0" smtClean="0">
+                          <a:solidFill>
+                            <a:schemeClr val="accent1"/>
+                          </a:solidFill>
+                        </a:rPr>
+                        <a:t>78.9932773785</a:t>
+                      </a:r>
+                      <a:endParaRPr lang="ko-KR" altLang="en-US" sz="1400" dirty="0" smtClean="0">
+                        <a:solidFill>
+                          <a:schemeClr val="accent1"/>
+                        </a:solidFill>
+                      </a:endParaRPr>
+                    </a:p>
+                  </a:txBody>
+                  <a:tcPr anchor="ctr"/>
+                </a:tc>
+                <a:tc>
+                  <a:txBody>
+                    <a:bodyPr/>
+                    <a:lstStyle/>
+                    <a:p>
+                      <a:pPr algn="r" latinLnBrk="1"/>
+                      <a:r>
+                        <a:rPr lang="nb-NO" altLang="ko-KR" sz="1400" dirty="0" smtClean="0">
+                          <a:solidFill>
+                            <a:schemeClr val="accent1"/>
+                          </a:solidFill>
+                        </a:rPr>
+                        <a:t>0.1030</a:t>
+                      </a:r>
+                      <a:endParaRPr lang="ko-KR" altLang="en-US" sz="1400" dirty="0">
+                        <a:solidFill>
+                          <a:schemeClr val="accent1"/>
+                        </a:solidFill>
+                      </a:endParaRPr>
+                    </a:p>
+                  </a:txBody>
+                  <a:tcPr anchor="ctr"/>
+                </a:tc>
+              </a:tr>
+            </a:tbl>
+          </a:graphicData>
+        </a:graphic>
+      </p:graphicFrame>
+    </p:spTree>
+    <p:extLst>
+      <p:ext uri="{BB962C8B-B14F-4D97-AF65-F5344CB8AC3E}">
+        <p14:creationId xmlns:p14="http://schemas.microsoft.com/office/powerpoint/2010/main" val="193894769"/>
+      </p:ext>
+    </p:extLst>
+  </p:cSld>
+  <p:clrMapOvr>
+    <a:masterClrMapping/>
+  </p:clrMapOvr>
+</p:sld>
+</file>
+
+<file path=ppt/slides/slide34.xml><?xml version="1.0" encoding="utf-8"?>
+<p:sld xmlns:a="http://schemas.openxmlformats.org/drawingml/2006/main" xmlns:r="http://schemas.openxmlformats.org/officeDocument/2006/relationships" xmlns:p="http://schemas.openxmlformats.org/presentationml/2006/main">
+  <p:cSld>
+    <p:spTree>
+      <p:nvGrpSpPr>
+        <p:cNvPr id="1" name=""/>
+        <p:cNvGrpSpPr/>
+        <p:nvPr/>
+      </p:nvGrpSpPr>
+      <p:grpSpPr>
+        <a:xfrm>
+          <a:off x="0" y="0"/>
+          <a:ext cx="0" cy="0"/>
+          <a:chOff x="0" y="0"/>
+          <a:chExt cx="0" cy="0"/>
+        </a:xfrm>
+      </p:grpSpPr>
+      <p:sp>
+        <p:nvSpPr>
+          <p:cNvPr id="2" name="제목 1"/>
+          <p:cNvSpPr>
+            <a:spLocks noGrp="1"/>
+          </p:cNvSpPr>
+          <p:nvPr>
+            <p:ph type="title"/>
+          </p:nvPr>
+        </p:nvSpPr>
+        <p:spPr>
+          <a:xfrm>
+            <a:off x="838200" y="272138"/>
+            <a:ext cx="10515600" cy="688760"/>
+          </a:xfrm>
+        </p:spPr>
+        <p:txBody>
+          <a:bodyPr>
+            <a:normAutofit fontScale="90000"/>
+          </a:bodyPr>
+          <a:lstStyle/>
+          <a:p>
+            <a:r>
+              <a:rPr kumimoji="1" lang="en-US" altLang="ko-KR" dirty="0">
+                <a:latin typeface="Arial" charset="0"/>
+                <a:ea typeface="Arial" charset="0"/>
+                <a:cs typeface="Arial" charset="0"/>
+              </a:rPr>
+              <a:t>Result of case </a:t>
+            </a:r>
+            <a:r>
+              <a:rPr kumimoji="1" lang="en-US" altLang="ko-KR" dirty="0" smtClean="0">
+                <a:latin typeface="Arial" charset="0"/>
+                <a:ea typeface="Arial" charset="0"/>
+                <a:cs typeface="Arial" charset="0"/>
+              </a:rPr>
+              <a:t>02</a:t>
+            </a:r>
+            <a:endParaRPr kumimoji="1" lang="ko-KR" altLang="en-US" dirty="0">
+              <a:latin typeface="Arial" charset="0"/>
+              <a:ea typeface="Arial" charset="0"/>
+              <a:cs typeface="Arial" charset="0"/>
+            </a:endParaRPr>
+          </a:p>
+        </p:txBody>
+      </p:sp>
+      <p:sp>
+        <p:nvSpPr>
+          <p:cNvPr id="3" name="내용 개체 틀 2"/>
+          <p:cNvSpPr>
+            <a:spLocks noGrp="1"/>
+          </p:cNvSpPr>
+          <p:nvPr>
+            <p:ph idx="1"/>
+          </p:nvPr>
+        </p:nvSpPr>
+        <p:spPr>
+          <a:xfrm>
+            <a:off x="838200" y="1363847"/>
+            <a:ext cx="10515600" cy="5284922"/>
+          </a:xfrm>
+        </p:spPr>
+        <p:txBody>
+          <a:bodyPr/>
+          <a:lstStyle/>
+          <a:p>
+            <a:r>
+              <a:rPr kumimoji="1" lang="en-US" altLang="ko-KR" dirty="0">
+                <a:latin typeface="Arial" charset="0"/>
+                <a:ea typeface="Arial" charset="0"/>
+                <a:cs typeface="Arial" charset="0"/>
+              </a:rPr>
+              <a:t>Testing : </a:t>
+            </a:r>
+          </a:p>
+          <a:p>
+            <a:pPr lvl="1"/>
+            <a:r>
+              <a:rPr kumimoji="1" lang="en-US" altLang="ko-KR" dirty="0">
+                <a:latin typeface="Arial" charset="0"/>
+                <a:ea typeface="Arial" charset="0"/>
+                <a:cs typeface="Arial" charset="0"/>
+              </a:rPr>
+              <a:t>Data-preprocessing</a:t>
+            </a:r>
+          </a:p>
+          <a:p>
+            <a:pPr lvl="2"/>
+            <a:r>
+              <a:rPr lang="en-US" altLang="ko-KR" dirty="0"/>
+              <a:t>Similar to the result of </a:t>
+            </a:r>
+            <a:r>
+              <a:rPr lang="en-US" altLang="ko-KR" dirty="0" smtClean="0"/>
+              <a:t>case01,</a:t>
+            </a:r>
+            <a:r>
+              <a:rPr lang="ko-KR" altLang="en-US" dirty="0" smtClean="0"/>
+              <a:t> </a:t>
+            </a:r>
+            <a:r>
+              <a:rPr kumimoji="1" lang="en-US" altLang="ko-KR" dirty="0">
+                <a:latin typeface="Arial" charset="0"/>
+                <a:ea typeface="Arial" charset="0"/>
+                <a:cs typeface="Arial" charset="0"/>
+              </a:rPr>
+              <a:t>t</a:t>
+            </a:r>
+            <a:r>
+              <a:rPr kumimoji="1" lang="en-US" altLang="ko-KR" dirty="0" smtClean="0">
+                <a:latin typeface="Arial" charset="0"/>
+                <a:ea typeface="Arial" charset="0"/>
+                <a:cs typeface="Arial" charset="0"/>
+              </a:rPr>
+              <a:t>he </a:t>
+            </a:r>
+            <a:r>
+              <a:rPr kumimoji="1" lang="en-US" altLang="ko-KR" dirty="0">
+                <a:latin typeface="Arial" charset="0"/>
+                <a:ea typeface="Arial" charset="0"/>
+                <a:cs typeface="Arial" charset="0"/>
+              </a:rPr>
+              <a:t>number of types of features input through the data preprocessing has been increased, and as a result more accurate prediction has become possible</a:t>
+            </a:r>
+          </a:p>
+          <a:p>
+            <a:pPr lvl="1"/>
+            <a:r>
+              <a:rPr kumimoji="1" lang="en-US" altLang="ko-KR" dirty="0">
+                <a:latin typeface="Arial" charset="0"/>
+                <a:ea typeface="Arial" charset="0"/>
+                <a:cs typeface="Arial" charset="0"/>
+              </a:rPr>
+              <a:t>ELM vs. H-ELM</a:t>
+            </a:r>
+          </a:p>
+          <a:p>
+            <a:pPr lvl="2"/>
+            <a:r>
+              <a:rPr lang="en-US" altLang="ko-KR" dirty="0"/>
+              <a:t>Similar to the result of </a:t>
+            </a:r>
+            <a:r>
+              <a:rPr lang="en-US" altLang="ko-KR" dirty="0" smtClean="0"/>
+              <a:t>case01, </a:t>
+            </a:r>
+            <a:r>
+              <a:rPr kumimoji="1" lang="en-US" altLang="ko-KR" dirty="0" smtClean="0">
+                <a:latin typeface="Arial" charset="0"/>
+                <a:ea typeface="Arial" charset="0"/>
+                <a:cs typeface="Arial" charset="0"/>
+              </a:rPr>
+              <a:t>ELM </a:t>
+            </a:r>
+            <a:r>
+              <a:rPr kumimoji="1" lang="en-US" altLang="ko-KR" dirty="0">
+                <a:latin typeface="Arial" charset="0"/>
+                <a:ea typeface="Arial" charset="0"/>
+                <a:cs typeface="Arial" charset="0"/>
+              </a:rPr>
+              <a:t>and HELM show similar </a:t>
+            </a:r>
+            <a:r>
+              <a:rPr kumimoji="1" lang="en-US" altLang="ko-KR" dirty="0" smtClean="0">
+                <a:latin typeface="Arial" charset="0"/>
+                <a:ea typeface="Arial" charset="0"/>
+                <a:cs typeface="Arial" charset="0"/>
+              </a:rPr>
+              <a:t>MAPE &amp; MAE</a:t>
+            </a:r>
+            <a:r>
+              <a:rPr kumimoji="1" lang="en-US" altLang="ko-KR" dirty="0" smtClean="0">
+                <a:latin typeface="Arial" charset="0"/>
+                <a:ea typeface="Arial" charset="0"/>
+                <a:cs typeface="Arial" charset="0"/>
+              </a:rPr>
+              <a:t> </a:t>
+            </a:r>
+            <a:r>
+              <a:rPr kumimoji="1" lang="en-US" altLang="ko-KR" dirty="0">
+                <a:latin typeface="Arial" charset="0"/>
+                <a:ea typeface="Arial" charset="0"/>
+                <a:cs typeface="Arial" charset="0"/>
+              </a:rPr>
+              <a:t>results, but HELM performs more stable predictions</a:t>
+            </a:r>
+            <a:endParaRPr kumimoji="1" lang="ko-KR" altLang="en-US" dirty="0">
+              <a:latin typeface="Arial" charset="0"/>
+              <a:ea typeface="Arial" charset="0"/>
+              <a:cs typeface="Arial" charset="0"/>
+            </a:endParaRPr>
+          </a:p>
+          <a:p>
+            <a:endParaRPr kumimoji="1" lang="ko-KR" altLang="en-US" dirty="0">
+              <a:latin typeface="Arial" charset="0"/>
+              <a:ea typeface="Arial" charset="0"/>
+              <a:cs typeface="Arial" charset="0"/>
+            </a:endParaRPr>
+          </a:p>
+        </p:txBody>
+      </p:sp>
+      <p:cxnSp>
+        <p:nvCxnSpPr>
+          <p:cNvPr id="5" name="직선 연결선[R] 4"/>
+          <p:cNvCxnSpPr/>
+          <p:nvPr/>
+        </p:nvCxnSpPr>
+        <p:spPr>
+          <a:xfrm>
+            <a:off x="838200" y="1133882"/>
+            <a:ext cx="10515600" cy="0"/>
+          </a:xfrm>
+          <a:prstGeom prst="line">
+            <a:avLst/>
+          </a:prstGeom>
+          <a:ln w="40132" cmpd="sng">
+            <a:solidFill>
+              <a:schemeClr val="accent1">
+                <a:lumMod val="60000"/>
+                <a:lumOff val="40000"/>
+              </a:schemeClr>
+            </a:solidFill>
+          </a:ln>
+        </p:spPr>
+        <p:style>
+          <a:lnRef idx="1">
+            <a:schemeClr val="accent1"/>
+          </a:lnRef>
+          <a:fillRef idx="0">
+            <a:schemeClr val="accent1"/>
+          </a:fillRef>
+          <a:effectRef idx="0">
+            <a:schemeClr val="accent1"/>
+          </a:effectRef>
+          <a:fontRef idx="minor">
+            <a:schemeClr val="tx1"/>
+          </a:fontRef>
+        </p:style>
+      </p:cxnSp>
+      <p:graphicFrame>
+        <p:nvGraphicFramePr>
+          <p:cNvPr id="7" name="표 6"/>
+          <p:cNvGraphicFramePr>
+            <a:graphicFrameLocks noGrp="1"/>
+          </p:cNvGraphicFramePr>
+          <p:nvPr>
+            <p:extLst>
+              <p:ext uri="{D42A27DB-BD31-4B8C-83A1-F6EECF244321}">
+                <p14:modId xmlns:p14="http://schemas.microsoft.com/office/powerpoint/2010/main" val="984555679"/>
+              </p:ext>
+            </p:extLst>
+          </p:nvPr>
+        </p:nvGraphicFramePr>
+        <p:xfrm>
+          <a:off x="1104277" y="4216169"/>
+          <a:ext cx="9983448" cy="2244590"/>
+        </p:xfrm>
+        <a:graphic>
+          <a:graphicData uri="http://schemas.openxmlformats.org/drawingml/2006/table">
+            <a:tbl>
+              <a:tblPr firstRow="1" bandRow="1">
+                <a:tableStyleId>{5C22544A-7EE6-4342-B048-85BDC9FD1C3A}</a:tableStyleId>
+              </a:tblPr>
+              <a:tblGrid>
+                <a:gridCol w="1663908"/>
+                <a:gridCol w="1663908"/>
+                <a:gridCol w="1663908"/>
+                <a:gridCol w="1663908"/>
+                <a:gridCol w="1663908"/>
+                <a:gridCol w="1663908"/>
+              </a:tblGrid>
+              <a:tr h="1026498">
+                <a:tc>
+                  <a:txBody>
+                    <a:bodyPr/>
+                    <a:lstStyle/>
+                    <a:p>
+                      <a:pPr marL="0" marR="0" indent="0" algn="ctr" defTabSz="914400" rtl="0" eaLnBrk="1" fontAlgn="auto" latinLnBrk="1" hangingPunct="1">
+                        <a:lnSpc>
+                          <a:spcPct val="100000"/>
+                        </a:lnSpc>
+                        <a:spcBef>
+                          <a:spcPts val="0"/>
+                        </a:spcBef>
+                        <a:spcAft>
+                          <a:spcPts val="0"/>
+                        </a:spcAft>
+                        <a:buClrTx/>
+                        <a:buSzTx/>
+                        <a:buFontTx/>
+                        <a:buNone/>
+                        <a:tabLst/>
+                        <a:defRPr/>
+                      </a:pPr>
+                      <a:r>
+                        <a:rPr lang="en-US" altLang="ko-KR" dirty="0" smtClean="0"/>
+                        <a:t>Method</a:t>
+                      </a:r>
+                      <a:endParaRPr lang="ko-KR" altLang="en-US" dirty="0" smtClean="0"/>
+                    </a:p>
+                  </a:txBody>
+                  <a:tcPr anchor="ctr"/>
+                </a:tc>
+                <a:tc>
+                  <a:txBody>
+                    <a:bodyPr/>
+                    <a:lstStyle/>
+                    <a:p>
+                      <a:pPr algn="ctr" latinLnBrk="1"/>
+                      <a:r>
+                        <a:rPr lang="en-US" altLang="ko-KR" dirty="0" smtClean="0"/>
+                        <a:t>MAPE </a:t>
+                      </a:r>
+                    </a:p>
+                    <a:p>
+                      <a:pPr algn="ctr" latinLnBrk="1"/>
+                      <a:r>
+                        <a:rPr lang="en-US" altLang="ko-KR" dirty="0" smtClean="0"/>
+                        <a:t>[%]</a:t>
+                      </a:r>
+                      <a:endParaRPr lang="ko-KR" altLang="en-US" dirty="0"/>
+                    </a:p>
+                  </a:txBody>
+                  <a:tcPr anchor="ctr"/>
+                </a:tc>
+                <a:tc>
+                  <a:txBody>
+                    <a:bodyPr/>
+                    <a:lstStyle/>
+                    <a:p>
+                      <a:pPr algn="ctr" latinLnBrk="1"/>
+                      <a:r>
+                        <a:rPr lang="en-US" altLang="ko-KR" dirty="0" smtClean="0"/>
+                        <a:t>Standard</a:t>
+                      </a:r>
+                      <a:r>
+                        <a:rPr lang="en-US" altLang="ko-KR" baseline="0" dirty="0" smtClean="0"/>
+                        <a:t> deviation</a:t>
+                      </a:r>
+                    </a:p>
+                    <a:p>
+                      <a:pPr algn="ctr" latinLnBrk="1"/>
+                      <a:r>
+                        <a:rPr lang="en-US" altLang="ko-KR" baseline="0" dirty="0" smtClean="0"/>
+                        <a:t>(MAPE)</a:t>
+                      </a:r>
+                      <a:endParaRPr lang="ko-KR" altLang="en-US" dirty="0"/>
+                    </a:p>
+                  </a:txBody>
+                  <a:tcPr anchor="ctr"/>
+                </a:tc>
+                <a:tc>
+                  <a:txBody>
+                    <a:bodyPr/>
+                    <a:lstStyle/>
+                    <a:p>
+                      <a:pPr algn="ctr" latinLnBrk="1"/>
+                      <a:r>
+                        <a:rPr lang="en-US" altLang="ko-KR" dirty="0" smtClean="0"/>
+                        <a:t>MAE </a:t>
+                      </a:r>
+                    </a:p>
+                    <a:p>
+                      <a:pPr algn="ctr" latinLnBrk="1"/>
+                      <a:r>
+                        <a:rPr lang="en-US" altLang="ko-KR" dirty="0" smtClean="0"/>
+                        <a:t>[MW]</a:t>
+                      </a:r>
+                      <a:endParaRPr lang="ko-KR" altLang="en-US" dirty="0"/>
+                    </a:p>
+                  </a:txBody>
+                  <a:tcPr anchor="ctr"/>
+                </a:tc>
+                <a:tc>
+                  <a:txBody>
+                    <a:bodyPr/>
+                    <a:lstStyle/>
+                    <a:p>
+                      <a:pPr algn="ctr" latinLnBrk="1"/>
+                      <a:r>
+                        <a:rPr lang="en-US" altLang="ko-KR" dirty="0" smtClean="0"/>
+                        <a:t>Standard</a:t>
+                      </a:r>
+                      <a:r>
+                        <a:rPr lang="en-US" altLang="ko-KR" baseline="0" dirty="0" smtClean="0"/>
+                        <a:t> deviation</a:t>
+                      </a:r>
+                    </a:p>
+                    <a:p>
+                      <a:pPr algn="ctr" latinLnBrk="1"/>
+                      <a:r>
+                        <a:rPr lang="en-US" altLang="ko-KR" baseline="0" dirty="0" smtClean="0"/>
+                        <a:t>(MAE)</a:t>
+                      </a:r>
+                      <a:endParaRPr lang="ko-KR" altLang="en-US" dirty="0"/>
+                    </a:p>
+                  </a:txBody>
+                  <a:tcPr anchor="ctr"/>
+                </a:tc>
+                <a:tc>
+                  <a:txBody>
+                    <a:bodyPr/>
+                    <a:lstStyle/>
+                    <a:p>
+                      <a:pPr marL="0" marR="0" indent="0" algn="ctr" defTabSz="914400" rtl="0" eaLnBrk="1" fontAlgn="auto" latinLnBrk="1" hangingPunct="1">
+                        <a:lnSpc>
+                          <a:spcPct val="100000"/>
+                        </a:lnSpc>
+                        <a:spcBef>
+                          <a:spcPts val="0"/>
+                        </a:spcBef>
+                        <a:spcAft>
+                          <a:spcPts val="0"/>
+                        </a:spcAft>
+                        <a:buClrTx/>
+                        <a:buSzTx/>
+                        <a:buFontTx/>
+                        <a:buNone/>
+                        <a:tabLst/>
+                        <a:defRPr/>
+                      </a:pPr>
+                      <a:r>
+                        <a:rPr lang="en-US" altLang="ko-KR" dirty="0" smtClean="0"/>
+                        <a:t>Training time</a:t>
+                      </a:r>
+                      <a:r>
+                        <a:rPr lang="en-US" altLang="ko-KR" baseline="0" dirty="0" smtClean="0"/>
+                        <a:t> [sec]</a:t>
+                      </a:r>
+                      <a:endParaRPr lang="ko-KR" altLang="en-US" dirty="0" smtClean="0"/>
+                    </a:p>
+                  </a:txBody>
+                  <a:tcPr anchor="ctr"/>
+                </a:tc>
+              </a:tr>
+              <a:tr h="609046">
+                <a:tc>
+                  <a:txBody>
+                    <a:bodyPr/>
+                    <a:lstStyle/>
+                    <a:p>
+                      <a:pPr algn="ctr" latinLnBrk="1"/>
+                      <a:r>
+                        <a:rPr lang="en-US" altLang="ko-KR" dirty="0" smtClean="0"/>
+                        <a:t>Single ELM</a:t>
+                      </a:r>
+                      <a:endParaRPr lang="ko-KR" altLang="en-US" dirty="0"/>
+                    </a:p>
+                  </a:txBody>
+                  <a:tcPr anchor="ctr"/>
+                </a:tc>
+                <a:tc>
+                  <a:txBody>
+                    <a:bodyPr/>
+                    <a:lstStyle/>
+                    <a:p>
+                      <a:pPr algn="r" latinLnBrk="1"/>
+                      <a:r>
+                        <a:rPr lang="hr-HR" altLang="ko-KR" sz="1400" dirty="0" smtClean="0">
+                          <a:solidFill>
+                            <a:srgbClr val="FF0000"/>
+                          </a:solidFill>
+                        </a:rPr>
+                        <a:t>12.846329</a:t>
+                      </a:r>
+                      <a:endParaRPr lang="ko-KR" altLang="en-US" sz="1400" dirty="0">
+                        <a:solidFill>
+                          <a:srgbClr val="FF0000"/>
+                        </a:solidFill>
+                      </a:endParaRPr>
+                    </a:p>
+                  </a:txBody>
+                  <a:tcPr anchor="ctr"/>
+                </a:tc>
+                <a:tc>
+                  <a:txBody>
+                    <a:bodyPr/>
+                    <a:lstStyle/>
+                    <a:p>
+                      <a:pPr algn="r" latinLnBrk="1"/>
+                      <a:r>
+                        <a:rPr lang="cs-CZ" altLang="ko-KR" sz="1400" dirty="0" smtClean="0">
+                          <a:solidFill>
+                            <a:srgbClr val="FF0000"/>
+                          </a:solidFill>
+                        </a:rPr>
+                        <a:t>0.145121675704</a:t>
+                      </a:r>
+                      <a:endParaRPr lang="ko-KR" altLang="en-US" sz="1400" dirty="0">
+                        <a:solidFill>
+                          <a:srgbClr val="FF0000"/>
+                        </a:solidFill>
+                      </a:endParaRPr>
+                    </a:p>
+                  </a:txBody>
+                  <a:tcPr anchor="ctr"/>
+                </a:tc>
+                <a:tc>
+                  <a:txBody>
+                    <a:bodyPr/>
+                    <a:lstStyle/>
+                    <a:p>
+                      <a:pPr marL="0" marR="0" indent="0" algn="r" defTabSz="914400" rtl="0" eaLnBrk="1" fontAlgn="auto" latinLnBrk="1" hangingPunct="1">
+                        <a:lnSpc>
+                          <a:spcPct val="100000"/>
+                        </a:lnSpc>
+                        <a:spcBef>
+                          <a:spcPts val="0"/>
+                        </a:spcBef>
+                        <a:spcAft>
+                          <a:spcPts val="0"/>
+                        </a:spcAft>
+                        <a:buClrTx/>
+                        <a:buSzTx/>
+                        <a:buFontTx/>
+                        <a:buNone/>
+                        <a:tabLst/>
+                        <a:defRPr/>
+                      </a:pPr>
+                      <a:r>
+                        <a:rPr lang="hr-HR" altLang="ko-KR" sz="1400" dirty="0" smtClean="0">
+                          <a:solidFill>
+                            <a:srgbClr val="FF0000"/>
+                          </a:solidFill>
+                        </a:rPr>
+                        <a:t>11819.954</a:t>
+                      </a:r>
+                      <a:endParaRPr lang="ko-KR" altLang="en-US" sz="1400" dirty="0" smtClean="0">
+                        <a:solidFill>
+                          <a:srgbClr val="FF0000"/>
+                        </a:solidFill>
+                      </a:endParaRPr>
+                    </a:p>
+                  </a:txBody>
+                  <a:tcPr anchor="ctr"/>
+                </a:tc>
+                <a:tc>
+                  <a:txBody>
+                    <a:bodyPr/>
+                    <a:lstStyle/>
+                    <a:p>
+                      <a:pPr marL="0" marR="0" indent="0" algn="r" defTabSz="914400" rtl="0" eaLnBrk="1" fontAlgn="auto" latinLnBrk="1" hangingPunct="1">
+                        <a:lnSpc>
+                          <a:spcPct val="100000"/>
+                        </a:lnSpc>
+                        <a:spcBef>
+                          <a:spcPts val="0"/>
+                        </a:spcBef>
+                        <a:spcAft>
+                          <a:spcPts val="0"/>
+                        </a:spcAft>
+                        <a:buClrTx/>
+                        <a:buSzTx/>
+                        <a:buFontTx/>
+                        <a:buNone/>
+                        <a:tabLst/>
+                        <a:defRPr/>
+                      </a:pPr>
+                      <a:r>
+                        <a:rPr lang="is-IS" altLang="ko-KR" sz="1400" dirty="0" smtClean="0">
+                          <a:solidFill>
+                            <a:srgbClr val="FF0000"/>
+                          </a:solidFill>
+                        </a:rPr>
+                        <a:t>113.70928671</a:t>
+                      </a:r>
+                      <a:endParaRPr lang="ko-KR" altLang="en-US" sz="1400" dirty="0" smtClean="0">
+                        <a:solidFill>
+                          <a:srgbClr val="FF0000"/>
+                        </a:solidFill>
+                      </a:endParaRPr>
+                    </a:p>
+                  </a:txBody>
+                  <a:tcPr anchor="ctr"/>
+                </a:tc>
+                <a:tc>
+                  <a:txBody>
+                    <a:bodyPr/>
+                    <a:lstStyle/>
+                    <a:p>
+                      <a:pPr algn="r" latinLnBrk="1"/>
+                      <a:r>
+                        <a:rPr lang="nb-NO" altLang="ko-KR" sz="1400" dirty="0" smtClean="0">
+                          <a:solidFill>
+                            <a:schemeClr val="accent1"/>
+                          </a:solidFill>
+                        </a:rPr>
+                        <a:t>0.1173</a:t>
+                      </a:r>
+                      <a:endParaRPr lang="ko-KR" altLang="en-US" sz="1400" dirty="0">
+                        <a:solidFill>
+                          <a:schemeClr val="accent1"/>
+                        </a:solidFill>
+                      </a:endParaRPr>
+                    </a:p>
+                  </a:txBody>
+                  <a:tcPr anchor="ctr"/>
+                </a:tc>
+              </a:tr>
+              <a:tr h="609046">
+                <a:tc>
+                  <a:txBody>
+                    <a:bodyPr/>
+                    <a:lstStyle/>
+                    <a:p>
+                      <a:pPr algn="ctr" latinLnBrk="1"/>
+                      <a:r>
+                        <a:rPr lang="en-US" altLang="ko-KR" dirty="0" smtClean="0"/>
+                        <a:t>H-ELM</a:t>
+                      </a:r>
+                      <a:endParaRPr lang="ko-KR" altLang="en-US" dirty="0"/>
+                    </a:p>
+                  </a:txBody>
+                  <a:tcPr anchor="ctr"/>
+                </a:tc>
+                <a:tc>
+                  <a:txBody>
+                    <a:bodyPr/>
+                    <a:lstStyle/>
+                    <a:p>
+                      <a:pPr algn="r" latinLnBrk="1"/>
+                      <a:r>
+                        <a:rPr lang="is-IS" altLang="ko-KR" sz="1400" dirty="0" smtClean="0">
+                          <a:solidFill>
+                            <a:schemeClr val="accent1"/>
+                          </a:solidFill>
+                        </a:rPr>
+                        <a:t>12.784406</a:t>
+                      </a:r>
+                      <a:endParaRPr lang="ko-KR" altLang="en-US" sz="1400" dirty="0">
+                        <a:solidFill>
+                          <a:schemeClr val="accent1"/>
+                        </a:solidFill>
+                      </a:endParaRPr>
+                    </a:p>
+                  </a:txBody>
+                  <a:tcPr anchor="ctr"/>
+                </a:tc>
+                <a:tc>
+                  <a:txBody>
+                    <a:bodyPr/>
+                    <a:lstStyle/>
+                    <a:p>
+                      <a:pPr algn="r" latinLnBrk="1"/>
+                      <a:r>
+                        <a:rPr lang="is-IS" altLang="ko-KR" sz="1400" dirty="0" smtClean="0">
+                          <a:solidFill>
+                            <a:schemeClr val="accent1"/>
+                          </a:solidFill>
+                        </a:rPr>
+                        <a:t>0.116388595507</a:t>
+                      </a:r>
+                      <a:endParaRPr lang="ko-KR" altLang="en-US" sz="1400" dirty="0">
+                        <a:solidFill>
+                          <a:schemeClr val="accent1"/>
+                        </a:solidFill>
+                      </a:endParaRPr>
+                    </a:p>
+                  </a:txBody>
+                  <a:tcPr anchor="ctr"/>
+                </a:tc>
+                <a:tc>
+                  <a:txBody>
+                    <a:bodyPr/>
+                    <a:lstStyle/>
+                    <a:p>
+                      <a:pPr marL="0" marR="0" indent="0" algn="r" defTabSz="914400" rtl="0" eaLnBrk="1" fontAlgn="auto" latinLnBrk="1" hangingPunct="1">
+                        <a:lnSpc>
+                          <a:spcPct val="100000"/>
+                        </a:lnSpc>
+                        <a:spcBef>
+                          <a:spcPts val="0"/>
+                        </a:spcBef>
+                        <a:spcAft>
+                          <a:spcPts val="0"/>
+                        </a:spcAft>
+                        <a:buClrTx/>
+                        <a:buSzTx/>
+                        <a:buFontTx/>
+                        <a:buNone/>
+                        <a:tabLst/>
+                        <a:defRPr/>
+                      </a:pPr>
+                      <a:r>
+                        <a:rPr lang="nb-NO" altLang="ko-KR" sz="1400" dirty="0" smtClean="0">
+                          <a:solidFill>
+                            <a:schemeClr val="accent1"/>
+                          </a:solidFill>
+                        </a:rPr>
+                        <a:t>11737.837</a:t>
+                      </a:r>
+                      <a:endParaRPr lang="ko-KR" altLang="en-US" sz="1400" dirty="0" smtClean="0">
+                        <a:solidFill>
+                          <a:schemeClr val="accent1"/>
+                        </a:solidFill>
+                      </a:endParaRPr>
+                    </a:p>
+                  </a:txBody>
+                  <a:tcPr anchor="ctr"/>
+                </a:tc>
+                <a:tc>
+                  <a:txBody>
+                    <a:bodyPr/>
+                    <a:lstStyle/>
+                    <a:p>
+                      <a:pPr marL="0" marR="0" indent="0" algn="r" defTabSz="914400" rtl="0" eaLnBrk="1" fontAlgn="auto" latinLnBrk="1" hangingPunct="1">
+                        <a:lnSpc>
+                          <a:spcPct val="100000"/>
+                        </a:lnSpc>
+                        <a:spcBef>
+                          <a:spcPts val="0"/>
+                        </a:spcBef>
+                        <a:spcAft>
+                          <a:spcPts val="0"/>
+                        </a:spcAft>
+                        <a:buClrTx/>
+                        <a:buSzTx/>
+                        <a:buFontTx/>
+                        <a:buNone/>
+                        <a:tabLst/>
+                        <a:defRPr/>
+                      </a:pPr>
+                      <a:r>
+                        <a:rPr lang="is-IS" altLang="ko-KR" sz="1400" dirty="0" smtClean="0">
+                          <a:solidFill>
+                            <a:schemeClr val="accent1"/>
+                          </a:solidFill>
+                        </a:rPr>
+                        <a:t>85.2619283796</a:t>
+                      </a:r>
+                      <a:endParaRPr lang="ko-KR" altLang="en-US" sz="1400" dirty="0" smtClean="0">
+                        <a:solidFill>
+                          <a:schemeClr val="accent1"/>
+                        </a:solidFill>
+                      </a:endParaRPr>
+                    </a:p>
+                  </a:txBody>
+                  <a:tcPr anchor="ctr"/>
+                </a:tc>
+                <a:tc>
+                  <a:txBody>
+                    <a:bodyPr/>
+                    <a:lstStyle/>
+                    <a:p>
+                      <a:pPr algn="r" latinLnBrk="1"/>
+                      <a:r>
+                        <a:rPr lang="is-IS" altLang="ko-KR" sz="1400" dirty="0" smtClean="0">
+                          <a:solidFill>
+                            <a:srgbClr val="FF0000"/>
+                          </a:solidFill>
+                        </a:rPr>
+                        <a:t>0.1244</a:t>
+                      </a:r>
+                      <a:endParaRPr lang="ko-KR" altLang="en-US" sz="1400" dirty="0">
+                        <a:solidFill>
+                          <a:srgbClr val="FF0000"/>
+                        </a:solidFill>
+                      </a:endParaRPr>
+                    </a:p>
+                  </a:txBody>
+                  <a:tcPr anchor="ctr"/>
+                </a:tc>
+              </a:tr>
+            </a:tbl>
+          </a:graphicData>
+        </a:graphic>
+      </p:graphicFrame>
+    </p:spTree>
+    <p:extLst>
+      <p:ext uri="{BB962C8B-B14F-4D97-AF65-F5344CB8AC3E}">
+        <p14:creationId xmlns:p14="http://schemas.microsoft.com/office/powerpoint/2010/main" val="1056690084"/>
+      </p:ext>
+    </p:extLst>
+  </p:cSld>
+  <p:clrMapOvr>
+    <a:masterClrMapping/>
+  </p:clrMapOvr>
+</p:sld>
+</file>
+
+<file path=ppt/slides/slide35.xml><?xml version="1.0" encoding="utf-8"?>
+<p:sld xmlns:a="http://schemas.openxmlformats.org/drawingml/2006/main" xmlns:r="http://schemas.openxmlformats.org/officeDocument/2006/relationships" xmlns:p="http://schemas.openxmlformats.org/presentationml/2006/main">
+  <p:cSld>
+    <p:spTree>
+      <p:nvGrpSpPr>
+        <p:cNvPr id="1" name=""/>
+        <p:cNvGrpSpPr/>
+        <p:nvPr/>
+      </p:nvGrpSpPr>
+      <p:grpSpPr>
+        <a:xfrm>
+          <a:off x="0" y="0"/>
+          <a:ext cx="0" cy="0"/>
+          <a:chOff x="0" y="0"/>
+          <a:chExt cx="0" cy="0"/>
+        </a:xfrm>
+      </p:grpSpPr>
+      <p:sp>
+        <p:nvSpPr>
+          <p:cNvPr id="2" name="제목 1"/>
+          <p:cNvSpPr>
+            <a:spLocks noGrp="1"/>
+          </p:cNvSpPr>
+          <p:nvPr>
+            <p:ph type="title"/>
+          </p:nvPr>
+        </p:nvSpPr>
+        <p:spPr>
+          <a:xfrm>
+            <a:off x="838200" y="272138"/>
+            <a:ext cx="10515600" cy="688760"/>
+          </a:xfrm>
+        </p:spPr>
+        <p:txBody>
+          <a:bodyPr>
+            <a:normAutofit fontScale="90000"/>
+          </a:bodyPr>
+          <a:lstStyle/>
+          <a:p>
+            <a:r>
+              <a:rPr kumimoji="1" lang="en-US" altLang="ko-KR" dirty="0">
+                <a:latin typeface="Arial" charset="0"/>
+                <a:ea typeface="Arial" charset="0"/>
+                <a:cs typeface="Arial" charset="0"/>
+              </a:rPr>
+              <a:t>Result of case </a:t>
+            </a:r>
+            <a:r>
+              <a:rPr kumimoji="1" lang="en-US" altLang="ko-KR" dirty="0" smtClean="0">
+                <a:latin typeface="Arial" charset="0"/>
+                <a:ea typeface="Arial" charset="0"/>
+                <a:cs typeface="Arial" charset="0"/>
+              </a:rPr>
+              <a:t>03</a:t>
+            </a:r>
+            <a:endParaRPr kumimoji="1" lang="ko-KR" altLang="en-US" dirty="0">
+              <a:latin typeface="Arial" charset="0"/>
+              <a:ea typeface="Arial" charset="0"/>
+              <a:cs typeface="Arial" charset="0"/>
+            </a:endParaRPr>
+          </a:p>
+        </p:txBody>
+      </p:sp>
+      <p:sp>
+        <p:nvSpPr>
+          <p:cNvPr id="3" name="내용 개체 틀 2"/>
+          <p:cNvSpPr>
+            <a:spLocks noGrp="1"/>
+          </p:cNvSpPr>
+          <p:nvPr>
+            <p:ph idx="1"/>
+          </p:nvPr>
+        </p:nvSpPr>
+        <p:spPr>
+          <a:xfrm>
+            <a:off x="838200" y="1363847"/>
+            <a:ext cx="10515600" cy="5284922"/>
+          </a:xfrm>
+        </p:spPr>
+        <p:txBody>
+          <a:bodyPr/>
+          <a:lstStyle/>
+          <a:p>
+            <a:r>
+              <a:rPr kumimoji="1" lang="en-US" altLang="ko-KR" dirty="0">
+                <a:latin typeface="Arial" charset="0"/>
+                <a:ea typeface="Arial" charset="0"/>
+                <a:cs typeface="Arial" charset="0"/>
+              </a:rPr>
+              <a:t>Testing : </a:t>
+            </a:r>
+          </a:p>
+          <a:p>
+            <a:pPr lvl="1"/>
+            <a:r>
+              <a:rPr kumimoji="1" lang="en-US" altLang="ko-KR" dirty="0" smtClean="0">
+                <a:latin typeface="Arial" charset="0"/>
+                <a:ea typeface="Arial" charset="0"/>
+                <a:cs typeface="Arial" charset="0"/>
+              </a:rPr>
+              <a:t>Data-preprocessing</a:t>
+            </a:r>
+          </a:p>
+          <a:p>
+            <a:pPr lvl="2"/>
+            <a:r>
+              <a:rPr kumimoji="1" lang="en-US" altLang="ko-KR" dirty="0">
+                <a:latin typeface="Arial" charset="0"/>
+                <a:ea typeface="Arial" charset="0"/>
+                <a:cs typeface="Arial" charset="0"/>
+              </a:rPr>
+              <a:t>Data preprocessing has provided enough types of features to be input, resulting in </a:t>
+            </a:r>
+            <a:r>
+              <a:rPr kumimoji="1" lang="en-US" altLang="ko-KR" dirty="0" smtClean="0">
+                <a:latin typeface="Arial" charset="0"/>
+                <a:ea typeface="Arial" charset="0"/>
+                <a:cs typeface="Arial" charset="0"/>
+              </a:rPr>
+              <a:t>accurate and stable </a:t>
+            </a:r>
+            <a:r>
+              <a:rPr kumimoji="1" lang="en-US" altLang="ko-KR" dirty="0">
+                <a:latin typeface="Arial" charset="0"/>
+                <a:ea typeface="Arial" charset="0"/>
+                <a:cs typeface="Arial" charset="0"/>
+              </a:rPr>
+              <a:t>prediction</a:t>
+            </a:r>
+            <a:endParaRPr kumimoji="1" lang="en-US" altLang="ko-KR" dirty="0" smtClean="0">
+              <a:latin typeface="Arial" charset="0"/>
+              <a:ea typeface="Arial" charset="0"/>
+              <a:cs typeface="Arial" charset="0"/>
+            </a:endParaRPr>
+          </a:p>
+          <a:p>
+            <a:pPr lvl="1"/>
+            <a:r>
+              <a:rPr kumimoji="1" lang="en-US" altLang="ko-KR" dirty="0" smtClean="0">
+                <a:latin typeface="Arial" charset="0"/>
+                <a:ea typeface="Arial" charset="0"/>
+                <a:cs typeface="Arial" charset="0"/>
+              </a:rPr>
+              <a:t>ELM </a:t>
+            </a:r>
+            <a:r>
+              <a:rPr kumimoji="1" lang="en-US" altLang="ko-KR" dirty="0">
+                <a:latin typeface="Arial" charset="0"/>
+                <a:ea typeface="Arial" charset="0"/>
+                <a:cs typeface="Arial" charset="0"/>
+              </a:rPr>
+              <a:t>vs. </a:t>
+            </a:r>
+            <a:r>
+              <a:rPr kumimoji="1" lang="en-US" altLang="ko-KR" dirty="0" smtClean="0">
+                <a:latin typeface="Arial" charset="0"/>
+                <a:ea typeface="Arial" charset="0"/>
+                <a:cs typeface="Arial" charset="0"/>
+              </a:rPr>
+              <a:t>H-ELM</a:t>
+            </a:r>
+          </a:p>
+          <a:p>
+            <a:pPr lvl="2"/>
+            <a:r>
+              <a:rPr kumimoji="1" lang="en-US" altLang="ko-KR" dirty="0">
+                <a:latin typeface="Arial" charset="0"/>
+                <a:ea typeface="Arial" charset="0"/>
+                <a:cs typeface="Arial" charset="0"/>
+              </a:rPr>
+              <a:t>HELM performed more </a:t>
+            </a:r>
+            <a:r>
+              <a:rPr kumimoji="1" lang="en-US" altLang="ko-KR" dirty="0" smtClean="0">
+                <a:latin typeface="Arial" charset="0"/>
+                <a:ea typeface="Arial" charset="0"/>
+                <a:cs typeface="Arial" charset="0"/>
+              </a:rPr>
+              <a:t>accurate </a:t>
+            </a:r>
+            <a:r>
+              <a:rPr kumimoji="1" lang="en-US" altLang="ko-KR" dirty="0">
+                <a:latin typeface="Arial" charset="0"/>
+                <a:ea typeface="Arial" charset="0"/>
+                <a:cs typeface="Arial" charset="0"/>
+              </a:rPr>
+              <a:t>predictions than </a:t>
+            </a:r>
+            <a:r>
+              <a:rPr kumimoji="1" lang="en-US" altLang="ko-KR" dirty="0" smtClean="0">
+                <a:latin typeface="Arial" charset="0"/>
+                <a:ea typeface="Arial" charset="0"/>
+                <a:cs typeface="Arial" charset="0"/>
+              </a:rPr>
+              <a:t>ELM</a:t>
+            </a:r>
+          </a:p>
+          <a:p>
+            <a:pPr lvl="2"/>
+            <a:r>
+              <a:rPr kumimoji="1" lang="en-US" altLang="ko-KR" dirty="0">
+                <a:latin typeface="Arial" charset="0"/>
+                <a:ea typeface="Arial" charset="0"/>
+                <a:cs typeface="Arial" charset="0"/>
+              </a:rPr>
+              <a:t>HELM </a:t>
+            </a:r>
+            <a:r>
+              <a:rPr kumimoji="1" lang="en-US" altLang="ko-KR" dirty="0" smtClean="0">
+                <a:latin typeface="Arial" charset="0"/>
+                <a:ea typeface="Arial" charset="0"/>
+                <a:cs typeface="Arial" charset="0"/>
+              </a:rPr>
+              <a:t>performed </a:t>
+            </a:r>
+            <a:r>
+              <a:rPr kumimoji="1" lang="en-US" altLang="ko-KR" dirty="0">
+                <a:latin typeface="Arial" charset="0"/>
+                <a:ea typeface="Arial" charset="0"/>
+                <a:cs typeface="Arial" charset="0"/>
+              </a:rPr>
+              <a:t>more stable predictions than ELM</a:t>
+            </a:r>
+            <a:endParaRPr kumimoji="1" lang="en-US" altLang="ko-KR" dirty="0" smtClean="0">
+              <a:latin typeface="Arial" charset="0"/>
+              <a:ea typeface="Arial" charset="0"/>
+              <a:cs typeface="Arial" charset="0"/>
+            </a:endParaRPr>
+          </a:p>
+          <a:p>
+            <a:pPr lvl="1"/>
+            <a:endParaRPr kumimoji="1" lang="ko-KR" altLang="en-US" dirty="0">
+              <a:latin typeface="Arial" charset="0"/>
+              <a:ea typeface="Arial" charset="0"/>
+              <a:cs typeface="Arial" charset="0"/>
+            </a:endParaRPr>
+          </a:p>
+          <a:p>
+            <a:endParaRPr kumimoji="1" lang="ko-KR" altLang="en-US" dirty="0">
+              <a:latin typeface="Arial" charset="0"/>
+              <a:ea typeface="Arial" charset="0"/>
+              <a:cs typeface="Arial" charset="0"/>
+            </a:endParaRPr>
+          </a:p>
+        </p:txBody>
+      </p:sp>
+      <p:cxnSp>
+        <p:nvCxnSpPr>
+          <p:cNvPr id="5" name="직선 연결선[R] 4"/>
+          <p:cNvCxnSpPr/>
+          <p:nvPr/>
+        </p:nvCxnSpPr>
+        <p:spPr>
+          <a:xfrm>
+            <a:off x="838200" y="1133882"/>
+            <a:ext cx="10515600" cy="0"/>
+          </a:xfrm>
+          <a:prstGeom prst="line">
+            <a:avLst/>
+          </a:prstGeom>
+          <a:ln w="40132" cmpd="sng">
+            <a:solidFill>
+              <a:schemeClr val="accent1">
+                <a:lumMod val="60000"/>
+                <a:lumOff val="40000"/>
+              </a:schemeClr>
+            </a:solidFill>
+          </a:ln>
+        </p:spPr>
+        <p:style>
+          <a:lnRef idx="1">
+            <a:schemeClr val="accent1"/>
+          </a:lnRef>
+          <a:fillRef idx="0">
+            <a:schemeClr val="accent1"/>
+          </a:fillRef>
+          <a:effectRef idx="0">
+            <a:schemeClr val="accent1"/>
+          </a:effectRef>
+          <a:fontRef idx="minor">
+            <a:schemeClr val="tx1"/>
+          </a:fontRef>
+        </p:style>
+      </p:cxnSp>
+      <p:graphicFrame>
+        <p:nvGraphicFramePr>
+          <p:cNvPr id="7" name="표 6"/>
+          <p:cNvGraphicFramePr>
+            <a:graphicFrameLocks noGrp="1"/>
+          </p:cNvGraphicFramePr>
+          <p:nvPr>
+            <p:extLst>
+              <p:ext uri="{D42A27DB-BD31-4B8C-83A1-F6EECF244321}">
+                <p14:modId xmlns:p14="http://schemas.microsoft.com/office/powerpoint/2010/main" val="686020499"/>
+              </p:ext>
+            </p:extLst>
+          </p:nvPr>
+        </p:nvGraphicFramePr>
+        <p:xfrm>
+          <a:off x="1104277" y="4216169"/>
+          <a:ext cx="9983448" cy="2244590"/>
+        </p:xfrm>
+        <a:graphic>
+          <a:graphicData uri="http://schemas.openxmlformats.org/drawingml/2006/table">
+            <a:tbl>
+              <a:tblPr firstRow="1" bandRow="1">
+                <a:tableStyleId>{5C22544A-7EE6-4342-B048-85BDC9FD1C3A}</a:tableStyleId>
+              </a:tblPr>
+              <a:tblGrid>
+                <a:gridCol w="1663908"/>
+                <a:gridCol w="1663908"/>
+                <a:gridCol w="1663908"/>
+                <a:gridCol w="1663908"/>
+                <a:gridCol w="1663908"/>
+                <a:gridCol w="1663908"/>
+              </a:tblGrid>
+              <a:tr h="1026498">
+                <a:tc>
+                  <a:txBody>
+                    <a:bodyPr/>
+                    <a:lstStyle/>
+                    <a:p>
+                      <a:pPr marL="0" marR="0" indent="0" algn="ctr" defTabSz="914400" rtl="0" eaLnBrk="1" fontAlgn="auto" latinLnBrk="1" hangingPunct="1">
+                        <a:lnSpc>
+                          <a:spcPct val="100000"/>
+                        </a:lnSpc>
+                        <a:spcBef>
+                          <a:spcPts val="0"/>
+                        </a:spcBef>
+                        <a:spcAft>
+                          <a:spcPts val="0"/>
+                        </a:spcAft>
+                        <a:buClrTx/>
+                        <a:buSzTx/>
+                        <a:buFontTx/>
+                        <a:buNone/>
+                        <a:tabLst/>
+                        <a:defRPr/>
+                      </a:pPr>
+                      <a:r>
+                        <a:rPr lang="en-US" altLang="ko-KR" dirty="0" smtClean="0"/>
+                        <a:t>Method</a:t>
+                      </a:r>
+                      <a:endParaRPr lang="ko-KR" altLang="en-US" dirty="0" smtClean="0"/>
+                    </a:p>
+                  </a:txBody>
+                  <a:tcPr anchor="ctr"/>
+                </a:tc>
+                <a:tc>
+                  <a:txBody>
+                    <a:bodyPr/>
+                    <a:lstStyle/>
+                    <a:p>
+                      <a:pPr algn="ctr" latinLnBrk="1"/>
+                      <a:r>
+                        <a:rPr lang="en-US" altLang="ko-KR" dirty="0" smtClean="0"/>
+                        <a:t>MAPE </a:t>
+                      </a:r>
+                    </a:p>
+                    <a:p>
+                      <a:pPr algn="ctr" latinLnBrk="1"/>
+                      <a:r>
+                        <a:rPr lang="en-US" altLang="ko-KR" dirty="0" smtClean="0"/>
+                        <a:t>[%]</a:t>
+                      </a:r>
+                      <a:endParaRPr lang="ko-KR" altLang="en-US" dirty="0"/>
+                    </a:p>
+                  </a:txBody>
+                  <a:tcPr anchor="ctr"/>
+                </a:tc>
+                <a:tc>
+                  <a:txBody>
+                    <a:bodyPr/>
+                    <a:lstStyle/>
+                    <a:p>
+                      <a:pPr algn="ctr" latinLnBrk="1"/>
+                      <a:r>
+                        <a:rPr lang="en-US" altLang="ko-KR" dirty="0" smtClean="0"/>
+                        <a:t>Standard</a:t>
+                      </a:r>
+                      <a:r>
+                        <a:rPr lang="en-US" altLang="ko-KR" baseline="0" dirty="0" smtClean="0"/>
+                        <a:t> deviation</a:t>
+                      </a:r>
+                    </a:p>
+                    <a:p>
+                      <a:pPr algn="ctr" latinLnBrk="1"/>
+                      <a:r>
+                        <a:rPr lang="en-US" altLang="ko-KR" baseline="0" dirty="0" smtClean="0"/>
+                        <a:t>(MAPE)</a:t>
+                      </a:r>
+                      <a:endParaRPr lang="ko-KR" altLang="en-US" dirty="0"/>
+                    </a:p>
+                  </a:txBody>
+                  <a:tcPr anchor="ctr"/>
+                </a:tc>
+                <a:tc>
+                  <a:txBody>
+                    <a:bodyPr/>
+                    <a:lstStyle/>
+                    <a:p>
+                      <a:pPr algn="ctr" latinLnBrk="1"/>
+                      <a:r>
+                        <a:rPr lang="en-US" altLang="ko-KR" dirty="0" smtClean="0"/>
+                        <a:t>MAE </a:t>
+                      </a:r>
+                    </a:p>
+                    <a:p>
+                      <a:pPr algn="ctr" latinLnBrk="1"/>
+                      <a:r>
+                        <a:rPr lang="en-US" altLang="ko-KR" dirty="0" smtClean="0"/>
+                        <a:t>[MW]</a:t>
+                      </a:r>
+                      <a:endParaRPr lang="ko-KR" altLang="en-US" dirty="0"/>
+                    </a:p>
+                  </a:txBody>
+                  <a:tcPr anchor="ctr"/>
+                </a:tc>
+                <a:tc>
+                  <a:txBody>
+                    <a:bodyPr/>
+                    <a:lstStyle/>
+                    <a:p>
+                      <a:pPr algn="ctr" latinLnBrk="1"/>
+                      <a:r>
+                        <a:rPr lang="en-US" altLang="ko-KR" dirty="0" smtClean="0"/>
+                        <a:t>Standard</a:t>
+                      </a:r>
+                      <a:r>
+                        <a:rPr lang="en-US" altLang="ko-KR" baseline="0" dirty="0" smtClean="0"/>
+                        <a:t> deviation</a:t>
+                      </a:r>
+                    </a:p>
+                    <a:p>
+                      <a:pPr algn="ctr" latinLnBrk="1"/>
+                      <a:r>
+                        <a:rPr lang="en-US" altLang="ko-KR" baseline="0" dirty="0" smtClean="0"/>
+                        <a:t>(MAE)</a:t>
+                      </a:r>
+                      <a:endParaRPr lang="ko-KR" altLang="en-US" dirty="0"/>
+                    </a:p>
+                  </a:txBody>
+                  <a:tcPr anchor="ctr"/>
+                </a:tc>
+                <a:tc>
+                  <a:txBody>
+                    <a:bodyPr/>
+                    <a:lstStyle/>
+                    <a:p>
+                      <a:pPr marL="0" marR="0" indent="0" algn="ctr" defTabSz="914400" rtl="0" eaLnBrk="1" fontAlgn="auto" latinLnBrk="1" hangingPunct="1">
+                        <a:lnSpc>
+                          <a:spcPct val="100000"/>
+                        </a:lnSpc>
+                        <a:spcBef>
+                          <a:spcPts val="0"/>
+                        </a:spcBef>
+                        <a:spcAft>
+                          <a:spcPts val="0"/>
+                        </a:spcAft>
+                        <a:buClrTx/>
+                        <a:buSzTx/>
+                        <a:buFontTx/>
+                        <a:buNone/>
+                        <a:tabLst/>
+                        <a:defRPr/>
+                      </a:pPr>
+                      <a:r>
+                        <a:rPr lang="en-US" altLang="ko-KR" dirty="0" smtClean="0"/>
+                        <a:t>Training time</a:t>
+                      </a:r>
+                      <a:r>
+                        <a:rPr lang="en-US" altLang="ko-KR" baseline="0" dirty="0" smtClean="0"/>
+                        <a:t> [sec]</a:t>
+                      </a:r>
+                      <a:endParaRPr lang="ko-KR" altLang="en-US" dirty="0" smtClean="0"/>
+                    </a:p>
+                  </a:txBody>
+                  <a:tcPr anchor="ctr"/>
+                </a:tc>
+              </a:tr>
+              <a:tr h="609046">
+                <a:tc>
+                  <a:txBody>
+                    <a:bodyPr/>
+                    <a:lstStyle/>
+                    <a:p>
+                      <a:pPr algn="ctr" latinLnBrk="1"/>
+                      <a:r>
+                        <a:rPr lang="en-US" altLang="ko-KR" dirty="0" smtClean="0"/>
+                        <a:t>Single ELM</a:t>
+                      </a:r>
+                      <a:endParaRPr lang="ko-KR" altLang="en-US" dirty="0"/>
+                    </a:p>
+                  </a:txBody>
+                  <a:tcPr anchor="ctr"/>
+                </a:tc>
+                <a:tc>
+                  <a:txBody>
+                    <a:bodyPr/>
+                    <a:lstStyle/>
+                    <a:p>
+                      <a:pPr algn="r" latinLnBrk="1"/>
+                      <a:r>
+                        <a:rPr lang="nb-NO" altLang="ko-KR" sz="1400" dirty="0" smtClean="0">
+                          <a:solidFill>
+                            <a:srgbClr val="FF0000"/>
+                          </a:solidFill>
+                        </a:rPr>
+                        <a:t>11.618014</a:t>
+                      </a:r>
+                      <a:endParaRPr lang="ko-KR" altLang="en-US" sz="1400" dirty="0">
+                        <a:solidFill>
+                          <a:srgbClr val="FF0000"/>
+                        </a:solidFill>
+                      </a:endParaRPr>
+                    </a:p>
+                  </a:txBody>
+                  <a:tcPr anchor="ctr"/>
+                </a:tc>
+                <a:tc>
+                  <a:txBody>
+                    <a:bodyPr/>
+                    <a:lstStyle/>
+                    <a:p>
+                      <a:pPr algn="r" latinLnBrk="1"/>
+                      <a:r>
+                        <a:rPr lang="nb-NO" altLang="ko-KR" sz="1400" dirty="0" smtClean="0">
+                          <a:solidFill>
+                            <a:srgbClr val="FF0000"/>
+                          </a:solidFill>
+                        </a:rPr>
+                        <a:t>0.177854591743</a:t>
+                      </a:r>
+                      <a:endParaRPr lang="ko-KR" altLang="en-US" sz="1400" dirty="0">
+                        <a:solidFill>
+                          <a:srgbClr val="FF0000"/>
+                        </a:solidFill>
+                      </a:endParaRPr>
+                    </a:p>
+                  </a:txBody>
+                  <a:tcPr anchor="ctr"/>
+                </a:tc>
+                <a:tc>
+                  <a:txBody>
+                    <a:bodyPr/>
+                    <a:lstStyle/>
+                    <a:p>
+                      <a:pPr marL="0" marR="0" indent="0" algn="r" defTabSz="914400" rtl="0" eaLnBrk="1" fontAlgn="auto" latinLnBrk="1" hangingPunct="1">
+                        <a:lnSpc>
+                          <a:spcPct val="100000"/>
+                        </a:lnSpc>
+                        <a:spcBef>
+                          <a:spcPts val="0"/>
+                        </a:spcBef>
+                        <a:spcAft>
+                          <a:spcPts val="0"/>
+                        </a:spcAft>
+                        <a:buClrTx/>
+                        <a:buSzTx/>
+                        <a:buFontTx/>
+                        <a:buNone/>
+                        <a:tabLst/>
+                        <a:defRPr/>
+                      </a:pPr>
+                      <a:r>
+                        <a:rPr lang="hr-HR" altLang="ko-KR" sz="1400" dirty="0" smtClean="0">
+                          <a:solidFill>
+                            <a:srgbClr val="FF0000"/>
+                          </a:solidFill>
+                        </a:rPr>
+                        <a:t>10645.320</a:t>
+                      </a:r>
+                      <a:endParaRPr lang="ko-KR" altLang="en-US" sz="1400" dirty="0" smtClean="0">
+                        <a:solidFill>
+                          <a:srgbClr val="FF0000"/>
+                        </a:solidFill>
+                      </a:endParaRPr>
+                    </a:p>
+                  </a:txBody>
+                  <a:tcPr anchor="ctr"/>
+                </a:tc>
+                <a:tc>
+                  <a:txBody>
+                    <a:bodyPr/>
+                    <a:lstStyle/>
+                    <a:p>
+                      <a:pPr marL="0" marR="0" indent="0" algn="r" defTabSz="914400" rtl="0" eaLnBrk="1" fontAlgn="auto" latinLnBrk="1" hangingPunct="1">
+                        <a:lnSpc>
+                          <a:spcPct val="100000"/>
+                        </a:lnSpc>
+                        <a:spcBef>
+                          <a:spcPts val="0"/>
+                        </a:spcBef>
+                        <a:spcAft>
+                          <a:spcPts val="0"/>
+                        </a:spcAft>
+                        <a:buClrTx/>
+                        <a:buSzTx/>
+                        <a:buFontTx/>
+                        <a:buNone/>
+                        <a:tabLst/>
+                        <a:defRPr/>
+                      </a:pPr>
+                      <a:r>
+                        <a:rPr lang="is-IS" altLang="ko-KR" sz="1400" dirty="0" smtClean="0">
+                          <a:solidFill>
+                            <a:srgbClr val="FF0000"/>
+                          </a:solidFill>
+                        </a:rPr>
+                        <a:t>123.732960847</a:t>
+                      </a:r>
+                      <a:endParaRPr lang="ko-KR" altLang="en-US" sz="1400" dirty="0" smtClean="0">
+                        <a:solidFill>
+                          <a:srgbClr val="FF0000"/>
+                        </a:solidFill>
+                      </a:endParaRPr>
+                    </a:p>
+                  </a:txBody>
+                  <a:tcPr anchor="ctr"/>
+                </a:tc>
+                <a:tc>
+                  <a:txBody>
+                    <a:bodyPr/>
+                    <a:lstStyle/>
+                    <a:p>
+                      <a:pPr algn="r" latinLnBrk="1"/>
+                      <a:r>
+                        <a:rPr lang="nb-NO" altLang="ko-KR" sz="1400" dirty="0" smtClean="0">
+                          <a:solidFill>
+                            <a:srgbClr val="FF0000"/>
+                          </a:solidFill>
+                        </a:rPr>
+                        <a:t>0.1400</a:t>
+                      </a:r>
+                      <a:endParaRPr lang="ko-KR" altLang="en-US" sz="1400" dirty="0">
+                        <a:solidFill>
+                          <a:srgbClr val="FF0000"/>
+                        </a:solidFill>
+                      </a:endParaRPr>
+                    </a:p>
+                  </a:txBody>
+                  <a:tcPr anchor="ctr"/>
+                </a:tc>
+              </a:tr>
+              <a:tr h="609046">
+                <a:tc>
+                  <a:txBody>
+                    <a:bodyPr/>
+                    <a:lstStyle/>
+                    <a:p>
+                      <a:pPr algn="ctr" latinLnBrk="1"/>
+                      <a:r>
+                        <a:rPr lang="en-US" altLang="ko-KR" dirty="0" smtClean="0"/>
+                        <a:t>H-ELM</a:t>
+                      </a:r>
+                      <a:endParaRPr lang="ko-KR" altLang="en-US" dirty="0"/>
+                    </a:p>
+                  </a:txBody>
+                  <a:tcPr anchor="ctr"/>
+                </a:tc>
+                <a:tc>
+                  <a:txBody>
+                    <a:bodyPr/>
+                    <a:lstStyle/>
+                    <a:p>
+                      <a:pPr algn="r" latinLnBrk="1"/>
+                      <a:r>
+                        <a:rPr lang="hr-HR" altLang="ko-KR" sz="1400" dirty="0" smtClean="0">
+                          <a:solidFill>
+                            <a:schemeClr val="accent1"/>
+                          </a:solidFill>
+                        </a:rPr>
+                        <a:t>11.364907</a:t>
+                      </a:r>
+                      <a:endParaRPr lang="ko-KR" altLang="en-US" sz="1400" dirty="0">
+                        <a:solidFill>
+                          <a:schemeClr val="accent1"/>
+                        </a:solidFill>
+                      </a:endParaRPr>
+                    </a:p>
+                  </a:txBody>
+                  <a:tcPr anchor="ctr"/>
+                </a:tc>
+                <a:tc>
+                  <a:txBody>
+                    <a:bodyPr/>
+                    <a:lstStyle/>
+                    <a:p>
+                      <a:pPr algn="r" latinLnBrk="1"/>
+                      <a:r>
+                        <a:rPr lang="hr-HR" altLang="ko-KR" sz="1400" dirty="0" smtClean="0">
+                          <a:solidFill>
+                            <a:schemeClr val="accent1"/>
+                          </a:solidFill>
+                        </a:rPr>
+                        <a:t>0.103866743239</a:t>
+                      </a:r>
+                      <a:endParaRPr lang="ko-KR" altLang="en-US" sz="1400" dirty="0">
+                        <a:solidFill>
+                          <a:schemeClr val="accent1"/>
+                        </a:solidFill>
+                      </a:endParaRPr>
+                    </a:p>
+                  </a:txBody>
+                  <a:tcPr anchor="ctr"/>
+                </a:tc>
+                <a:tc>
+                  <a:txBody>
+                    <a:bodyPr/>
+                    <a:lstStyle/>
+                    <a:p>
+                      <a:pPr marL="0" marR="0" indent="0" algn="r" defTabSz="914400" rtl="0" eaLnBrk="1" fontAlgn="auto" latinLnBrk="1" hangingPunct="1">
+                        <a:lnSpc>
+                          <a:spcPct val="100000"/>
+                        </a:lnSpc>
+                        <a:spcBef>
+                          <a:spcPts val="0"/>
+                        </a:spcBef>
+                        <a:spcAft>
+                          <a:spcPts val="0"/>
+                        </a:spcAft>
+                        <a:buClrTx/>
+                        <a:buSzTx/>
+                        <a:buFontTx/>
+                        <a:buNone/>
+                        <a:tabLst/>
+                        <a:defRPr/>
+                      </a:pPr>
+                      <a:r>
+                        <a:rPr lang="is-IS" altLang="ko-KR" sz="1400" dirty="0" smtClean="0">
                           <a:solidFill>
                             <a:schemeClr val="accent1"/>
                           </a:solidFill>
                         </a:rPr>
                         <a:t>10373.912</a:t>
                       </a:r>
-                      <a:endParaRPr lang="ko-KR" altLang="en-US" dirty="0" smtClean="0">
+                      <a:endParaRPr lang="ko-KR" altLang="en-US" sz="1400" dirty="0" smtClean="0">
+                        <a:solidFill>
+                          <a:schemeClr val="accent1"/>
+                        </a:solidFill>
+                      </a:endParaRPr>
+                    </a:p>
+                  </a:txBody>
+                  <a:tcPr anchor="ctr"/>
+                </a:tc>
+                <a:tc>
+                  <a:txBody>
+                    <a:bodyPr/>
+                    <a:lstStyle/>
+                    <a:p>
+                      <a:pPr marL="0" marR="0" indent="0" algn="r" defTabSz="914400" rtl="0" eaLnBrk="1" fontAlgn="auto" latinLnBrk="1" hangingPunct="1">
+                        <a:lnSpc>
+                          <a:spcPct val="100000"/>
+                        </a:lnSpc>
+                        <a:spcBef>
+                          <a:spcPts val="0"/>
+                        </a:spcBef>
+                        <a:spcAft>
+                          <a:spcPts val="0"/>
+                        </a:spcAft>
+                        <a:buClrTx/>
+                        <a:buSzTx/>
+                        <a:buFontTx/>
+                        <a:buNone/>
+                        <a:tabLst/>
+                        <a:defRPr/>
+                      </a:pPr>
+                      <a:r>
+                        <a:rPr lang="fi-FI" altLang="ko-KR" sz="1400" dirty="0" smtClean="0">
+                          <a:solidFill>
+                            <a:schemeClr val="accent1"/>
+                          </a:solidFill>
+                        </a:rPr>
+                        <a:t>74.8755918574</a:t>
+                      </a:r>
+                      <a:endParaRPr lang="ko-KR" altLang="en-US" sz="1400" dirty="0" smtClean="0">
+                        <a:solidFill>
+                          <a:schemeClr val="accent1"/>
+                        </a:solidFill>
+                      </a:endParaRPr>
+                    </a:p>
+                  </a:txBody>
+                  <a:tcPr anchor="ctr"/>
+                </a:tc>
+                <a:tc>
+                  <a:txBody>
+                    <a:bodyPr/>
+                    <a:lstStyle/>
+                    <a:p>
+                      <a:pPr algn="r" latinLnBrk="1"/>
+                      <a:r>
+                        <a:rPr lang="hr-HR" altLang="ko-KR" sz="1400" dirty="0" smtClean="0">
+                          <a:solidFill>
+                            <a:schemeClr val="accent1"/>
+                          </a:solidFill>
+                        </a:rPr>
+                        <a:t>0.0970</a:t>
+                      </a:r>
+                      <a:endParaRPr lang="ko-KR" altLang="en-US" sz="1400" dirty="0">
                         <a:solidFill>
                           <a:schemeClr val="accent1"/>
                         </a:solidFill>
@@ -25897,7 +27537,7 @@
 </p:sld>
 </file>
 
-<file path=ppt/slides/slide32.xml><?xml version="1.0" encoding="utf-8"?>
+<file path=ppt/slides/slide36.xml><?xml version="1.0" encoding="utf-8"?>
 <p:sld xmlns:a="http://schemas.openxmlformats.org/drawingml/2006/main" xmlns:r="http://schemas.openxmlformats.org/officeDocument/2006/relationships" xmlns:p="http://schemas.openxmlformats.org/presentationml/2006/main">
   <p:cSld>
     <p:spTree>
@@ -26249,7 +27889,7 @@
 </p:sld>
 </file>
 
-<file path=ppt/slides/slide33.xml><?xml version="1.0" encoding="utf-8"?>
+<file path=ppt/slides/slide37.xml><?xml version="1.0" encoding="utf-8"?>
 <p:sld xmlns:a="http://schemas.openxmlformats.org/drawingml/2006/main" xmlns:r="http://schemas.openxmlformats.org/officeDocument/2006/relationships" xmlns:p="http://schemas.openxmlformats.org/presentationml/2006/main">
   <p:cSld>
     <p:spTree>
